--- a/UI Design.pptx
+++ b/UI Design.pptx
@@ -6,6 +6,8 @@
   </p:sldMasterIdLst>
   <p:sldIdLst>
     <p:sldId id="256" r:id="rId2"/>
+    <p:sldId id="257" r:id="rId3"/>
+    <p:sldId id="258" r:id="rId4"/>
   </p:sldIdLst>
   <p:sldSz cx="12192000" cy="6858000"/>
   <p:notesSz cx="6858000" cy="9144000"/>
@@ -104,6 +106,11 @@
       </a:defRPr>
     </a:lvl9pPr>
   </p:defaultTextStyle>
+  <p:extLst>
+    <p:ext uri="{EFAFB233-063F-42B5-8137-9DF3F51BA10A}">
+      <p15:sldGuideLst xmlns:p15="http://schemas.microsoft.com/office/powerpoint/2012/main"/>
+    </p:ext>
+  </p:extLst>
 </p:presentation>
 </file>
 
@@ -4598,6 +4605,2670 @@
 </p:sld>
 </file>
 
+<file path=ppt/slides/slide2.xml><?xml version="1.0" encoding="utf-8"?>
+<p:sld xmlns:a="http://schemas.openxmlformats.org/drawingml/2006/main" xmlns:r="http://schemas.openxmlformats.org/officeDocument/2006/relationships" xmlns:p="http://schemas.openxmlformats.org/presentationml/2006/main">
+  <p:cSld>
+    <p:bg>
+      <p:bgPr>
+        <a:blipFill dpi="0" rotWithShape="1">
+          <a:blip r:embed="rId2"/>
+          <a:srcRect/>
+          <a:tile tx="0" ty="0" sx="100000" sy="100000" flip="none" algn="tl"/>
+        </a:blipFill>
+        <a:effectLst/>
+      </p:bgPr>
+    </p:bg>
+    <p:spTree>
+      <p:nvGrpSpPr>
+        <p:cNvPr id="1" name=""/>
+        <p:cNvGrpSpPr/>
+        <p:nvPr/>
+      </p:nvGrpSpPr>
+      <p:grpSpPr>
+        <a:xfrm>
+          <a:off x="0" y="0"/>
+          <a:ext cx="0" cy="0"/>
+          <a:chOff x="0" y="0"/>
+          <a:chExt cx="0" cy="0"/>
+        </a:xfrm>
+      </p:grpSpPr>
+      <p:sp>
+        <p:nvSpPr>
+          <p:cNvPr id="4" name="모서리가 둥근 직사각형 3"/>
+          <p:cNvSpPr/>
+          <p:nvPr/>
+        </p:nvSpPr>
+        <p:spPr>
+          <a:xfrm>
+            <a:off x="812800" y="435429"/>
+            <a:ext cx="4978400" cy="5863771"/>
+          </a:xfrm>
+          <a:prstGeom prst="roundRect">
+            <a:avLst>
+              <a:gd name="adj" fmla="val 6463"/>
+            </a:avLst>
+          </a:prstGeom>
+          <a:solidFill>
+            <a:schemeClr val="accent2">
+              <a:lumMod val="75000"/>
+              <a:alpha val="64000"/>
+            </a:schemeClr>
+          </a:solidFill>
+          <a:ln>
+            <a:noFill/>
+          </a:ln>
+        </p:spPr>
+        <p:style>
+          <a:lnRef idx="2">
+            <a:schemeClr val="accent1">
+              <a:shade val="50000"/>
+            </a:schemeClr>
+          </a:lnRef>
+          <a:fillRef idx="1">
+            <a:schemeClr val="accent1"/>
+          </a:fillRef>
+          <a:effectRef idx="0">
+            <a:schemeClr val="accent1"/>
+          </a:effectRef>
+          <a:fontRef idx="minor">
+            <a:schemeClr val="lt1"/>
+          </a:fontRef>
+        </p:style>
+        <p:txBody>
+          <a:bodyPr rtlCol="0" anchor="ctr"/>
+          <a:lstStyle/>
+          <a:p>
+            <a:pPr algn="ctr"/>
+            <a:endParaRPr lang="ko-KR" altLang="en-US"/>
+          </a:p>
+        </p:txBody>
+      </p:sp>
+      <p:sp>
+        <p:nvSpPr>
+          <p:cNvPr id="6" name="타원 5"/>
+          <p:cNvSpPr/>
+          <p:nvPr/>
+        </p:nvSpPr>
+        <p:spPr>
+          <a:xfrm>
+            <a:off x="2762000" y="798286"/>
+            <a:ext cx="1080000" cy="1080000"/>
+          </a:xfrm>
+          <a:prstGeom prst="ellipse">
+            <a:avLst/>
+          </a:prstGeom>
+          <a:solidFill>
+            <a:srgbClr val="FFC5C5"/>
+          </a:solidFill>
+          <a:ln w="38100" cmpd="sng">
+            <a:solidFill>
+              <a:schemeClr val="tx1"/>
+            </a:solidFill>
+          </a:ln>
+        </p:spPr>
+        <p:style>
+          <a:lnRef idx="2">
+            <a:schemeClr val="accent1">
+              <a:shade val="50000"/>
+            </a:schemeClr>
+          </a:lnRef>
+          <a:fillRef idx="1">
+            <a:schemeClr val="accent1"/>
+          </a:fillRef>
+          <a:effectRef idx="0">
+            <a:schemeClr val="accent1"/>
+          </a:effectRef>
+          <a:fontRef idx="minor">
+            <a:schemeClr val="lt1"/>
+          </a:fontRef>
+        </p:style>
+        <p:txBody>
+          <a:bodyPr rtlCol="0" anchor="ctr"/>
+          <a:lstStyle/>
+          <a:p>
+            <a:pPr algn="ctr"/>
+            <a:endParaRPr lang="ko-KR" altLang="en-US"/>
+          </a:p>
+        </p:txBody>
+      </p:sp>
+      <p:sp>
+        <p:nvSpPr>
+          <p:cNvPr id="7" name="타원 6"/>
+          <p:cNvSpPr/>
+          <p:nvPr/>
+        </p:nvSpPr>
+        <p:spPr>
+          <a:xfrm>
+            <a:off x="4188686" y="798286"/>
+            <a:ext cx="1080000" cy="1080000"/>
+          </a:xfrm>
+          <a:prstGeom prst="ellipse">
+            <a:avLst/>
+          </a:prstGeom>
+          <a:solidFill>
+            <a:srgbClr val="FFC5C5"/>
+          </a:solidFill>
+          <a:ln w="38100" cmpd="sng">
+            <a:solidFill>
+              <a:schemeClr val="tx1"/>
+            </a:solidFill>
+          </a:ln>
+        </p:spPr>
+        <p:style>
+          <a:lnRef idx="2">
+            <a:schemeClr val="accent1">
+              <a:shade val="50000"/>
+            </a:schemeClr>
+          </a:lnRef>
+          <a:fillRef idx="1">
+            <a:schemeClr val="accent1"/>
+          </a:fillRef>
+          <a:effectRef idx="0">
+            <a:schemeClr val="accent1"/>
+          </a:effectRef>
+          <a:fontRef idx="minor">
+            <a:schemeClr val="lt1"/>
+          </a:fontRef>
+        </p:style>
+        <p:txBody>
+          <a:bodyPr rtlCol="0" anchor="ctr"/>
+          <a:lstStyle/>
+          <a:p>
+            <a:pPr algn="ctr"/>
+            <a:endParaRPr lang="ko-KR" altLang="en-US"/>
+          </a:p>
+        </p:txBody>
+      </p:sp>
+      <p:sp>
+        <p:nvSpPr>
+          <p:cNvPr id="8" name="타원 7"/>
+          <p:cNvSpPr/>
+          <p:nvPr/>
+        </p:nvSpPr>
+        <p:spPr>
+          <a:xfrm>
+            <a:off x="1335314" y="2183085"/>
+            <a:ext cx="1080000" cy="1080000"/>
+          </a:xfrm>
+          <a:prstGeom prst="ellipse">
+            <a:avLst/>
+          </a:prstGeom>
+          <a:solidFill>
+            <a:srgbClr val="FFC5C5"/>
+          </a:solidFill>
+          <a:ln w="38100" cmpd="sng">
+            <a:solidFill>
+              <a:schemeClr val="tx1"/>
+            </a:solidFill>
+          </a:ln>
+        </p:spPr>
+        <p:style>
+          <a:lnRef idx="2">
+            <a:schemeClr val="accent1">
+              <a:shade val="50000"/>
+            </a:schemeClr>
+          </a:lnRef>
+          <a:fillRef idx="1">
+            <a:schemeClr val="accent1"/>
+          </a:fillRef>
+          <a:effectRef idx="0">
+            <a:schemeClr val="accent1"/>
+          </a:effectRef>
+          <a:fontRef idx="minor">
+            <a:schemeClr val="lt1"/>
+          </a:fontRef>
+        </p:style>
+        <p:txBody>
+          <a:bodyPr rtlCol="0" anchor="ctr"/>
+          <a:lstStyle/>
+          <a:p>
+            <a:pPr algn="ctr"/>
+            <a:endParaRPr lang="ko-KR" altLang="en-US"/>
+          </a:p>
+        </p:txBody>
+      </p:sp>
+      <p:sp>
+        <p:nvSpPr>
+          <p:cNvPr id="9" name="타원 8"/>
+          <p:cNvSpPr/>
+          <p:nvPr/>
+        </p:nvSpPr>
+        <p:spPr>
+          <a:xfrm>
+            <a:off x="2762000" y="2183085"/>
+            <a:ext cx="1080000" cy="1080000"/>
+          </a:xfrm>
+          <a:prstGeom prst="ellipse">
+            <a:avLst/>
+          </a:prstGeom>
+          <a:solidFill>
+            <a:srgbClr val="FFC5C5"/>
+          </a:solidFill>
+          <a:ln w="38100" cmpd="sng">
+            <a:solidFill>
+              <a:schemeClr val="tx1"/>
+            </a:solidFill>
+          </a:ln>
+        </p:spPr>
+        <p:style>
+          <a:lnRef idx="2">
+            <a:schemeClr val="accent1">
+              <a:shade val="50000"/>
+            </a:schemeClr>
+          </a:lnRef>
+          <a:fillRef idx="1">
+            <a:schemeClr val="accent1"/>
+          </a:fillRef>
+          <a:effectRef idx="0">
+            <a:schemeClr val="accent1"/>
+          </a:effectRef>
+          <a:fontRef idx="minor">
+            <a:schemeClr val="lt1"/>
+          </a:fontRef>
+        </p:style>
+        <p:txBody>
+          <a:bodyPr rtlCol="0" anchor="ctr"/>
+          <a:lstStyle/>
+          <a:p>
+            <a:pPr algn="ctr"/>
+            <a:endParaRPr lang="ko-KR" altLang="en-US"/>
+          </a:p>
+        </p:txBody>
+      </p:sp>
+      <p:sp>
+        <p:nvSpPr>
+          <p:cNvPr id="10" name="타원 9"/>
+          <p:cNvSpPr/>
+          <p:nvPr/>
+        </p:nvSpPr>
+        <p:spPr>
+          <a:xfrm>
+            <a:off x="4188686" y="2183085"/>
+            <a:ext cx="1080000" cy="1080000"/>
+          </a:xfrm>
+          <a:prstGeom prst="ellipse">
+            <a:avLst/>
+          </a:prstGeom>
+          <a:solidFill>
+            <a:srgbClr val="FFC5C5"/>
+          </a:solidFill>
+          <a:ln w="38100" cmpd="sng">
+            <a:solidFill>
+              <a:schemeClr val="tx1"/>
+            </a:solidFill>
+          </a:ln>
+        </p:spPr>
+        <p:style>
+          <a:lnRef idx="2">
+            <a:schemeClr val="accent1">
+              <a:shade val="50000"/>
+            </a:schemeClr>
+          </a:lnRef>
+          <a:fillRef idx="1">
+            <a:schemeClr val="accent1"/>
+          </a:fillRef>
+          <a:effectRef idx="0">
+            <a:schemeClr val="accent1"/>
+          </a:effectRef>
+          <a:fontRef idx="minor">
+            <a:schemeClr val="lt1"/>
+          </a:fontRef>
+        </p:style>
+        <p:txBody>
+          <a:bodyPr rtlCol="0" anchor="ctr"/>
+          <a:lstStyle/>
+          <a:p>
+            <a:pPr algn="ctr"/>
+            <a:endParaRPr lang="ko-KR" altLang="en-US"/>
+          </a:p>
+        </p:txBody>
+      </p:sp>
+      <p:sp>
+        <p:nvSpPr>
+          <p:cNvPr id="11" name="타원 10"/>
+          <p:cNvSpPr/>
+          <p:nvPr/>
+        </p:nvSpPr>
+        <p:spPr>
+          <a:xfrm>
+            <a:off x="1335314" y="4914400"/>
+            <a:ext cx="1080000" cy="1080000"/>
+          </a:xfrm>
+          <a:prstGeom prst="ellipse">
+            <a:avLst/>
+          </a:prstGeom>
+          <a:solidFill>
+            <a:srgbClr val="FFC5C5"/>
+          </a:solidFill>
+          <a:ln w="38100" cmpd="sng">
+            <a:solidFill>
+              <a:schemeClr val="tx1"/>
+            </a:solidFill>
+          </a:ln>
+        </p:spPr>
+        <p:style>
+          <a:lnRef idx="2">
+            <a:schemeClr val="accent1">
+              <a:shade val="50000"/>
+            </a:schemeClr>
+          </a:lnRef>
+          <a:fillRef idx="1">
+            <a:schemeClr val="accent1"/>
+          </a:fillRef>
+          <a:effectRef idx="0">
+            <a:schemeClr val="accent1"/>
+          </a:effectRef>
+          <a:fontRef idx="minor">
+            <a:schemeClr val="lt1"/>
+          </a:fontRef>
+        </p:style>
+        <p:txBody>
+          <a:bodyPr rtlCol="0" anchor="ctr"/>
+          <a:lstStyle/>
+          <a:p>
+            <a:pPr algn="ctr"/>
+            <a:endParaRPr lang="ko-KR" altLang="en-US"/>
+          </a:p>
+        </p:txBody>
+      </p:sp>
+      <p:sp>
+        <p:nvSpPr>
+          <p:cNvPr id="12" name="타원 11"/>
+          <p:cNvSpPr/>
+          <p:nvPr/>
+        </p:nvSpPr>
+        <p:spPr>
+          <a:xfrm>
+            <a:off x="2762000" y="4914400"/>
+            <a:ext cx="1080000" cy="1080000"/>
+          </a:xfrm>
+          <a:prstGeom prst="ellipse">
+            <a:avLst/>
+          </a:prstGeom>
+          <a:solidFill>
+            <a:srgbClr val="FFC5C5"/>
+          </a:solidFill>
+          <a:ln w="38100" cmpd="sng">
+            <a:solidFill>
+              <a:schemeClr val="tx1"/>
+            </a:solidFill>
+          </a:ln>
+        </p:spPr>
+        <p:style>
+          <a:lnRef idx="2">
+            <a:schemeClr val="accent1">
+              <a:shade val="50000"/>
+            </a:schemeClr>
+          </a:lnRef>
+          <a:fillRef idx="1">
+            <a:schemeClr val="accent1"/>
+          </a:fillRef>
+          <a:effectRef idx="0">
+            <a:schemeClr val="accent1"/>
+          </a:effectRef>
+          <a:fontRef idx="minor">
+            <a:schemeClr val="lt1"/>
+          </a:fontRef>
+        </p:style>
+        <p:txBody>
+          <a:bodyPr rtlCol="0" anchor="ctr"/>
+          <a:lstStyle/>
+          <a:p>
+            <a:pPr algn="ctr"/>
+            <a:endParaRPr lang="ko-KR" altLang="en-US"/>
+          </a:p>
+        </p:txBody>
+      </p:sp>
+      <p:sp>
+        <p:nvSpPr>
+          <p:cNvPr id="13" name="타원 12"/>
+          <p:cNvSpPr/>
+          <p:nvPr/>
+        </p:nvSpPr>
+        <p:spPr>
+          <a:xfrm>
+            <a:off x="4188686" y="4914400"/>
+            <a:ext cx="1080000" cy="1080000"/>
+          </a:xfrm>
+          <a:prstGeom prst="ellipse">
+            <a:avLst/>
+          </a:prstGeom>
+          <a:solidFill>
+            <a:srgbClr val="FFC5C5"/>
+          </a:solidFill>
+          <a:ln w="38100" cmpd="sng">
+            <a:solidFill>
+              <a:schemeClr val="tx1"/>
+            </a:solidFill>
+          </a:ln>
+        </p:spPr>
+        <p:style>
+          <a:lnRef idx="2">
+            <a:schemeClr val="accent1">
+              <a:shade val="50000"/>
+            </a:schemeClr>
+          </a:lnRef>
+          <a:fillRef idx="1">
+            <a:schemeClr val="accent1"/>
+          </a:fillRef>
+          <a:effectRef idx="0">
+            <a:schemeClr val="accent1"/>
+          </a:effectRef>
+          <a:fontRef idx="minor">
+            <a:schemeClr val="lt1"/>
+          </a:fontRef>
+        </p:style>
+        <p:txBody>
+          <a:bodyPr rtlCol="0" anchor="ctr"/>
+          <a:lstStyle/>
+          <a:p>
+            <a:pPr algn="ctr"/>
+            <a:endParaRPr lang="ko-KR" altLang="en-US"/>
+          </a:p>
+        </p:txBody>
+      </p:sp>
+      <p:sp>
+        <p:nvSpPr>
+          <p:cNvPr id="14" name="타원 13"/>
+          <p:cNvSpPr/>
+          <p:nvPr/>
+        </p:nvSpPr>
+        <p:spPr>
+          <a:xfrm>
+            <a:off x="1335314" y="3548742"/>
+            <a:ext cx="1080000" cy="1080000"/>
+          </a:xfrm>
+          <a:prstGeom prst="ellipse">
+            <a:avLst/>
+          </a:prstGeom>
+          <a:solidFill>
+            <a:srgbClr val="FFC5C5"/>
+          </a:solidFill>
+          <a:ln w="38100" cmpd="sng">
+            <a:solidFill>
+              <a:schemeClr val="tx1"/>
+            </a:solidFill>
+          </a:ln>
+        </p:spPr>
+        <p:style>
+          <a:lnRef idx="2">
+            <a:schemeClr val="accent1">
+              <a:shade val="50000"/>
+            </a:schemeClr>
+          </a:lnRef>
+          <a:fillRef idx="1">
+            <a:schemeClr val="accent1"/>
+          </a:fillRef>
+          <a:effectRef idx="0">
+            <a:schemeClr val="accent1"/>
+          </a:effectRef>
+          <a:fontRef idx="minor">
+            <a:schemeClr val="lt1"/>
+          </a:fontRef>
+        </p:style>
+        <p:txBody>
+          <a:bodyPr rtlCol="0" anchor="ctr"/>
+          <a:lstStyle/>
+          <a:p>
+            <a:pPr algn="ctr"/>
+            <a:endParaRPr lang="ko-KR" altLang="en-US"/>
+          </a:p>
+        </p:txBody>
+      </p:sp>
+      <p:sp>
+        <p:nvSpPr>
+          <p:cNvPr id="15" name="타원 14"/>
+          <p:cNvSpPr/>
+          <p:nvPr/>
+        </p:nvSpPr>
+        <p:spPr>
+          <a:xfrm>
+            <a:off x="2762000" y="3548742"/>
+            <a:ext cx="1080000" cy="1080000"/>
+          </a:xfrm>
+          <a:prstGeom prst="ellipse">
+            <a:avLst/>
+          </a:prstGeom>
+          <a:solidFill>
+            <a:srgbClr val="FFC5C5"/>
+          </a:solidFill>
+          <a:ln w="38100" cmpd="sng">
+            <a:solidFill>
+              <a:schemeClr val="tx1"/>
+            </a:solidFill>
+          </a:ln>
+        </p:spPr>
+        <p:style>
+          <a:lnRef idx="2">
+            <a:schemeClr val="accent1">
+              <a:shade val="50000"/>
+            </a:schemeClr>
+          </a:lnRef>
+          <a:fillRef idx="1">
+            <a:schemeClr val="accent1"/>
+          </a:fillRef>
+          <a:effectRef idx="0">
+            <a:schemeClr val="accent1"/>
+          </a:effectRef>
+          <a:fontRef idx="minor">
+            <a:schemeClr val="lt1"/>
+          </a:fontRef>
+        </p:style>
+        <p:txBody>
+          <a:bodyPr rtlCol="0" anchor="ctr"/>
+          <a:lstStyle/>
+          <a:p>
+            <a:pPr algn="ctr"/>
+            <a:endParaRPr lang="ko-KR" altLang="en-US"/>
+          </a:p>
+        </p:txBody>
+      </p:sp>
+      <p:sp>
+        <p:nvSpPr>
+          <p:cNvPr id="16" name="타원 15"/>
+          <p:cNvSpPr/>
+          <p:nvPr/>
+        </p:nvSpPr>
+        <p:spPr>
+          <a:xfrm>
+            <a:off x="4188686" y="3548742"/>
+            <a:ext cx="1080000" cy="1080000"/>
+          </a:xfrm>
+          <a:prstGeom prst="ellipse">
+            <a:avLst/>
+          </a:prstGeom>
+          <a:solidFill>
+            <a:srgbClr val="FFC5C5"/>
+          </a:solidFill>
+          <a:ln w="38100" cmpd="sng">
+            <a:solidFill>
+              <a:schemeClr val="tx1"/>
+            </a:solidFill>
+          </a:ln>
+        </p:spPr>
+        <p:style>
+          <a:lnRef idx="2">
+            <a:schemeClr val="accent1">
+              <a:shade val="50000"/>
+            </a:schemeClr>
+          </a:lnRef>
+          <a:fillRef idx="1">
+            <a:schemeClr val="accent1"/>
+          </a:fillRef>
+          <a:effectRef idx="0">
+            <a:schemeClr val="accent1"/>
+          </a:effectRef>
+          <a:fontRef idx="minor">
+            <a:schemeClr val="lt1"/>
+          </a:fontRef>
+        </p:style>
+        <p:txBody>
+          <a:bodyPr rtlCol="0" anchor="ctr"/>
+          <a:lstStyle/>
+          <a:p>
+            <a:pPr algn="ctr"/>
+            <a:endParaRPr lang="ko-KR" altLang="en-US"/>
+          </a:p>
+        </p:txBody>
+      </p:sp>
+      <p:sp>
+        <p:nvSpPr>
+          <p:cNvPr id="18" name="타원 17"/>
+          <p:cNvSpPr/>
+          <p:nvPr/>
+        </p:nvSpPr>
+        <p:spPr>
+          <a:xfrm>
+            <a:off x="2886034" y="966468"/>
+            <a:ext cx="432000" cy="432000"/>
+          </a:xfrm>
+          <a:prstGeom prst="ellipse">
+            <a:avLst/>
+          </a:prstGeom>
+          <a:solidFill>
+            <a:srgbClr val="FFE1E1"/>
+          </a:solidFill>
+          <a:ln>
+            <a:noFill/>
+          </a:ln>
+        </p:spPr>
+        <p:style>
+          <a:lnRef idx="2">
+            <a:schemeClr val="accent1">
+              <a:shade val="50000"/>
+            </a:schemeClr>
+          </a:lnRef>
+          <a:fillRef idx="1">
+            <a:schemeClr val="accent1"/>
+          </a:fillRef>
+          <a:effectRef idx="0">
+            <a:schemeClr val="accent1"/>
+          </a:effectRef>
+          <a:fontRef idx="minor">
+            <a:schemeClr val="lt1"/>
+          </a:fontRef>
+        </p:style>
+        <p:txBody>
+          <a:bodyPr rtlCol="0" anchor="ctr"/>
+          <a:lstStyle/>
+          <a:p>
+            <a:pPr algn="ctr"/>
+            <a:endParaRPr lang="ko-KR" altLang="en-US"/>
+          </a:p>
+        </p:txBody>
+      </p:sp>
+      <p:sp>
+        <p:nvSpPr>
+          <p:cNvPr id="19" name="타원 18"/>
+          <p:cNvSpPr/>
+          <p:nvPr/>
+        </p:nvSpPr>
+        <p:spPr>
+          <a:xfrm>
+            <a:off x="1477604" y="2363774"/>
+            <a:ext cx="432000" cy="432000"/>
+          </a:xfrm>
+          <a:prstGeom prst="ellipse">
+            <a:avLst/>
+          </a:prstGeom>
+          <a:solidFill>
+            <a:srgbClr val="FFE1E1"/>
+          </a:solidFill>
+          <a:ln>
+            <a:noFill/>
+          </a:ln>
+        </p:spPr>
+        <p:style>
+          <a:lnRef idx="2">
+            <a:schemeClr val="accent1">
+              <a:shade val="50000"/>
+            </a:schemeClr>
+          </a:lnRef>
+          <a:fillRef idx="1">
+            <a:schemeClr val="accent1"/>
+          </a:fillRef>
+          <a:effectRef idx="0">
+            <a:schemeClr val="accent1"/>
+          </a:effectRef>
+          <a:fontRef idx="minor">
+            <a:schemeClr val="lt1"/>
+          </a:fontRef>
+        </p:style>
+        <p:txBody>
+          <a:bodyPr rtlCol="0" anchor="ctr"/>
+          <a:lstStyle/>
+          <a:p>
+            <a:pPr algn="ctr"/>
+            <a:endParaRPr lang="ko-KR" altLang="en-US"/>
+          </a:p>
+        </p:txBody>
+      </p:sp>
+      <p:sp>
+        <p:nvSpPr>
+          <p:cNvPr id="20" name="타원 19"/>
+          <p:cNvSpPr/>
+          <p:nvPr/>
+        </p:nvSpPr>
+        <p:spPr>
+          <a:xfrm>
+            <a:off x="2886034" y="2363774"/>
+            <a:ext cx="432000" cy="432000"/>
+          </a:xfrm>
+          <a:prstGeom prst="ellipse">
+            <a:avLst/>
+          </a:prstGeom>
+          <a:solidFill>
+            <a:srgbClr val="FFE1E1"/>
+          </a:solidFill>
+          <a:ln>
+            <a:noFill/>
+          </a:ln>
+        </p:spPr>
+        <p:style>
+          <a:lnRef idx="2">
+            <a:schemeClr val="accent1">
+              <a:shade val="50000"/>
+            </a:schemeClr>
+          </a:lnRef>
+          <a:fillRef idx="1">
+            <a:schemeClr val="accent1"/>
+          </a:fillRef>
+          <a:effectRef idx="0">
+            <a:schemeClr val="accent1"/>
+          </a:effectRef>
+          <a:fontRef idx="minor">
+            <a:schemeClr val="lt1"/>
+          </a:fontRef>
+        </p:style>
+        <p:txBody>
+          <a:bodyPr rtlCol="0" anchor="ctr"/>
+          <a:lstStyle/>
+          <a:p>
+            <a:pPr algn="ctr"/>
+            <a:endParaRPr lang="ko-KR" altLang="en-US"/>
+          </a:p>
+        </p:txBody>
+      </p:sp>
+      <p:sp>
+        <p:nvSpPr>
+          <p:cNvPr id="21" name="타원 20"/>
+          <p:cNvSpPr/>
+          <p:nvPr/>
+        </p:nvSpPr>
+        <p:spPr>
+          <a:xfrm>
+            <a:off x="4296686" y="966468"/>
+            <a:ext cx="432000" cy="432000"/>
+          </a:xfrm>
+          <a:prstGeom prst="ellipse">
+            <a:avLst/>
+          </a:prstGeom>
+          <a:solidFill>
+            <a:srgbClr val="FFE1E1"/>
+          </a:solidFill>
+          <a:ln>
+            <a:noFill/>
+          </a:ln>
+        </p:spPr>
+        <p:style>
+          <a:lnRef idx="2">
+            <a:schemeClr val="accent1">
+              <a:shade val="50000"/>
+            </a:schemeClr>
+          </a:lnRef>
+          <a:fillRef idx="1">
+            <a:schemeClr val="accent1"/>
+          </a:fillRef>
+          <a:effectRef idx="0">
+            <a:schemeClr val="accent1"/>
+          </a:effectRef>
+          <a:fontRef idx="minor">
+            <a:schemeClr val="lt1"/>
+          </a:fontRef>
+        </p:style>
+        <p:txBody>
+          <a:bodyPr rtlCol="0" anchor="ctr"/>
+          <a:lstStyle/>
+          <a:p>
+            <a:pPr algn="ctr"/>
+            <a:endParaRPr lang="ko-KR" altLang="en-US"/>
+          </a:p>
+        </p:txBody>
+      </p:sp>
+      <p:sp>
+        <p:nvSpPr>
+          <p:cNvPr id="22" name="타원 21"/>
+          <p:cNvSpPr/>
+          <p:nvPr/>
+        </p:nvSpPr>
+        <p:spPr>
+          <a:xfrm>
+            <a:off x="4296686" y="2363774"/>
+            <a:ext cx="432000" cy="432000"/>
+          </a:xfrm>
+          <a:prstGeom prst="ellipse">
+            <a:avLst/>
+          </a:prstGeom>
+          <a:solidFill>
+            <a:srgbClr val="FFE1E1"/>
+          </a:solidFill>
+          <a:ln>
+            <a:noFill/>
+          </a:ln>
+        </p:spPr>
+        <p:style>
+          <a:lnRef idx="2">
+            <a:schemeClr val="accent1">
+              <a:shade val="50000"/>
+            </a:schemeClr>
+          </a:lnRef>
+          <a:fillRef idx="1">
+            <a:schemeClr val="accent1"/>
+          </a:fillRef>
+          <a:effectRef idx="0">
+            <a:schemeClr val="accent1"/>
+          </a:effectRef>
+          <a:fontRef idx="minor">
+            <a:schemeClr val="lt1"/>
+          </a:fontRef>
+        </p:style>
+        <p:txBody>
+          <a:bodyPr rtlCol="0" anchor="ctr"/>
+          <a:lstStyle/>
+          <a:p>
+            <a:pPr algn="ctr"/>
+            <a:endParaRPr lang="ko-KR" altLang="en-US"/>
+          </a:p>
+        </p:txBody>
+      </p:sp>
+      <p:sp>
+        <p:nvSpPr>
+          <p:cNvPr id="23" name="타원 22"/>
+          <p:cNvSpPr/>
+          <p:nvPr/>
+        </p:nvSpPr>
+        <p:spPr>
+          <a:xfrm>
+            <a:off x="1477604" y="3707641"/>
+            <a:ext cx="432000" cy="432000"/>
+          </a:xfrm>
+          <a:prstGeom prst="ellipse">
+            <a:avLst/>
+          </a:prstGeom>
+          <a:solidFill>
+            <a:srgbClr val="FFE1E1"/>
+          </a:solidFill>
+          <a:ln>
+            <a:noFill/>
+          </a:ln>
+        </p:spPr>
+        <p:style>
+          <a:lnRef idx="2">
+            <a:schemeClr val="accent1">
+              <a:shade val="50000"/>
+            </a:schemeClr>
+          </a:lnRef>
+          <a:fillRef idx="1">
+            <a:schemeClr val="accent1"/>
+          </a:fillRef>
+          <a:effectRef idx="0">
+            <a:schemeClr val="accent1"/>
+          </a:effectRef>
+          <a:fontRef idx="minor">
+            <a:schemeClr val="lt1"/>
+          </a:fontRef>
+        </p:style>
+        <p:txBody>
+          <a:bodyPr rtlCol="0" anchor="ctr"/>
+          <a:lstStyle/>
+          <a:p>
+            <a:pPr algn="ctr"/>
+            <a:endParaRPr lang="ko-KR" altLang="en-US"/>
+          </a:p>
+        </p:txBody>
+      </p:sp>
+      <p:sp>
+        <p:nvSpPr>
+          <p:cNvPr id="24" name="타원 23"/>
+          <p:cNvSpPr/>
+          <p:nvPr/>
+        </p:nvSpPr>
+        <p:spPr>
+          <a:xfrm>
+            <a:off x="2886034" y="3707641"/>
+            <a:ext cx="432000" cy="432000"/>
+          </a:xfrm>
+          <a:prstGeom prst="ellipse">
+            <a:avLst/>
+          </a:prstGeom>
+          <a:solidFill>
+            <a:srgbClr val="FFE1E1"/>
+          </a:solidFill>
+          <a:ln>
+            <a:noFill/>
+          </a:ln>
+        </p:spPr>
+        <p:style>
+          <a:lnRef idx="2">
+            <a:schemeClr val="accent1">
+              <a:shade val="50000"/>
+            </a:schemeClr>
+          </a:lnRef>
+          <a:fillRef idx="1">
+            <a:schemeClr val="accent1"/>
+          </a:fillRef>
+          <a:effectRef idx="0">
+            <a:schemeClr val="accent1"/>
+          </a:effectRef>
+          <a:fontRef idx="minor">
+            <a:schemeClr val="lt1"/>
+          </a:fontRef>
+        </p:style>
+        <p:txBody>
+          <a:bodyPr rtlCol="0" anchor="ctr"/>
+          <a:lstStyle/>
+          <a:p>
+            <a:pPr algn="ctr"/>
+            <a:endParaRPr lang="ko-KR" altLang="en-US"/>
+          </a:p>
+        </p:txBody>
+      </p:sp>
+      <p:sp>
+        <p:nvSpPr>
+          <p:cNvPr id="25" name="타원 24"/>
+          <p:cNvSpPr/>
+          <p:nvPr/>
+        </p:nvSpPr>
+        <p:spPr>
+          <a:xfrm>
+            <a:off x="1477604" y="5104947"/>
+            <a:ext cx="432000" cy="432000"/>
+          </a:xfrm>
+          <a:prstGeom prst="ellipse">
+            <a:avLst/>
+          </a:prstGeom>
+          <a:solidFill>
+            <a:srgbClr val="FFE1E1"/>
+          </a:solidFill>
+          <a:ln>
+            <a:noFill/>
+          </a:ln>
+        </p:spPr>
+        <p:style>
+          <a:lnRef idx="2">
+            <a:schemeClr val="accent1">
+              <a:shade val="50000"/>
+            </a:schemeClr>
+          </a:lnRef>
+          <a:fillRef idx="1">
+            <a:schemeClr val="accent1"/>
+          </a:fillRef>
+          <a:effectRef idx="0">
+            <a:schemeClr val="accent1"/>
+          </a:effectRef>
+          <a:fontRef idx="minor">
+            <a:schemeClr val="lt1"/>
+          </a:fontRef>
+        </p:style>
+        <p:txBody>
+          <a:bodyPr rtlCol="0" anchor="ctr"/>
+          <a:lstStyle/>
+          <a:p>
+            <a:pPr algn="ctr"/>
+            <a:endParaRPr lang="ko-KR" altLang="en-US"/>
+          </a:p>
+        </p:txBody>
+      </p:sp>
+      <p:sp>
+        <p:nvSpPr>
+          <p:cNvPr id="26" name="타원 25"/>
+          <p:cNvSpPr/>
+          <p:nvPr/>
+        </p:nvSpPr>
+        <p:spPr>
+          <a:xfrm>
+            <a:off x="2886034" y="5104947"/>
+            <a:ext cx="432000" cy="432000"/>
+          </a:xfrm>
+          <a:prstGeom prst="ellipse">
+            <a:avLst/>
+          </a:prstGeom>
+          <a:solidFill>
+            <a:srgbClr val="FFE1E1"/>
+          </a:solidFill>
+          <a:ln>
+            <a:noFill/>
+          </a:ln>
+        </p:spPr>
+        <p:style>
+          <a:lnRef idx="2">
+            <a:schemeClr val="accent1">
+              <a:shade val="50000"/>
+            </a:schemeClr>
+          </a:lnRef>
+          <a:fillRef idx="1">
+            <a:schemeClr val="accent1"/>
+          </a:fillRef>
+          <a:effectRef idx="0">
+            <a:schemeClr val="accent1"/>
+          </a:effectRef>
+          <a:fontRef idx="minor">
+            <a:schemeClr val="lt1"/>
+          </a:fontRef>
+        </p:style>
+        <p:txBody>
+          <a:bodyPr rtlCol="0" anchor="ctr"/>
+          <a:lstStyle/>
+          <a:p>
+            <a:pPr algn="ctr"/>
+            <a:endParaRPr lang="ko-KR" altLang="en-US"/>
+          </a:p>
+        </p:txBody>
+      </p:sp>
+      <p:sp>
+        <p:nvSpPr>
+          <p:cNvPr id="27" name="타원 26"/>
+          <p:cNvSpPr/>
+          <p:nvPr/>
+        </p:nvSpPr>
+        <p:spPr>
+          <a:xfrm>
+            <a:off x="4296686" y="3707641"/>
+            <a:ext cx="432000" cy="432000"/>
+          </a:xfrm>
+          <a:prstGeom prst="ellipse">
+            <a:avLst/>
+          </a:prstGeom>
+          <a:solidFill>
+            <a:srgbClr val="FFE1E1"/>
+          </a:solidFill>
+          <a:ln>
+            <a:noFill/>
+          </a:ln>
+        </p:spPr>
+        <p:style>
+          <a:lnRef idx="2">
+            <a:schemeClr val="accent1">
+              <a:shade val="50000"/>
+            </a:schemeClr>
+          </a:lnRef>
+          <a:fillRef idx="1">
+            <a:schemeClr val="accent1"/>
+          </a:fillRef>
+          <a:effectRef idx="0">
+            <a:schemeClr val="accent1"/>
+          </a:effectRef>
+          <a:fontRef idx="minor">
+            <a:schemeClr val="lt1"/>
+          </a:fontRef>
+        </p:style>
+        <p:txBody>
+          <a:bodyPr rtlCol="0" anchor="ctr"/>
+          <a:lstStyle/>
+          <a:p>
+            <a:pPr algn="ctr"/>
+            <a:endParaRPr lang="ko-KR" altLang="en-US"/>
+          </a:p>
+        </p:txBody>
+      </p:sp>
+      <p:sp>
+        <p:nvSpPr>
+          <p:cNvPr id="28" name="타원 27"/>
+          <p:cNvSpPr/>
+          <p:nvPr/>
+        </p:nvSpPr>
+        <p:spPr>
+          <a:xfrm>
+            <a:off x="4296686" y="5104947"/>
+            <a:ext cx="432000" cy="432000"/>
+          </a:xfrm>
+          <a:prstGeom prst="ellipse">
+            <a:avLst/>
+          </a:prstGeom>
+          <a:solidFill>
+            <a:srgbClr val="FFE1E1"/>
+          </a:solidFill>
+          <a:ln>
+            <a:noFill/>
+          </a:ln>
+        </p:spPr>
+        <p:style>
+          <a:lnRef idx="2">
+            <a:schemeClr val="accent1">
+              <a:shade val="50000"/>
+            </a:schemeClr>
+          </a:lnRef>
+          <a:fillRef idx="1">
+            <a:schemeClr val="accent1"/>
+          </a:fillRef>
+          <a:effectRef idx="0">
+            <a:schemeClr val="accent1"/>
+          </a:effectRef>
+          <a:fontRef idx="minor">
+            <a:schemeClr val="lt1"/>
+          </a:fontRef>
+        </p:style>
+        <p:txBody>
+          <a:bodyPr rtlCol="0" anchor="ctr"/>
+          <a:lstStyle/>
+          <a:p>
+            <a:pPr algn="ctr"/>
+            <a:endParaRPr lang="ko-KR" altLang="en-US"/>
+          </a:p>
+        </p:txBody>
+      </p:sp>
+      <p:sp>
+        <p:nvSpPr>
+          <p:cNvPr id="34" name="타원 33"/>
+          <p:cNvSpPr/>
+          <p:nvPr/>
+        </p:nvSpPr>
+        <p:spPr>
+          <a:xfrm>
+            <a:off x="1281314" y="741404"/>
+            <a:ext cx="1188000" cy="1188000"/>
+          </a:xfrm>
+          <a:prstGeom prst="ellipse">
+            <a:avLst/>
+          </a:prstGeom>
+          <a:solidFill>
+            <a:schemeClr val="bg1"/>
+          </a:solidFill>
+          <a:ln>
+            <a:noFill/>
+          </a:ln>
+        </p:spPr>
+        <p:style>
+          <a:lnRef idx="2">
+            <a:schemeClr val="accent1">
+              <a:shade val="50000"/>
+            </a:schemeClr>
+          </a:lnRef>
+          <a:fillRef idx="1">
+            <a:schemeClr val="accent1"/>
+          </a:fillRef>
+          <a:effectRef idx="0">
+            <a:schemeClr val="accent1"/>
+          </a:effectRef>
+          <a:fontRef idx="minor">
+            <a:schemeClr val="lt1"/>
+          </a:fontRef>
+        </p:style>
+        <p:txBody>
+          <a:bodyPr rtlCol="0" anchor="ctr"/>
+          <a:lstStyle/>
+          <a:p>
+            <a:pPr algn="ctr"/>
+            <a:endParaRPr lang="ko-KR" altLang="en-US"/>
+          </a:p>
+        </p:txBody>
+      </p:sp>
+      <p:grpSp>
+        <p:nvGrpSpPr>
+          <p:cNvPr id="35" name="그룹 34"/>
+          <p:cNvGrpSpPr/>
+          <p:nvPr/>
+        </p:nvGrpSpPr>
+        <p:grpSpPr>
+          <a:xfrm>
+            <a:off x="1335314" y="600635"/>
+            <a:ext cx="1139077" cy="1277651"/>
+            <a:chOff x="1335314" y="600635"/>
+            <a:chExt cx="1139077" cy="1277651"/>
+          </a:xfrm>
+        </p:grpSpPr>
+        <p:sp>
+          <p:nvSpPr>
+            <p:cNvPr id="5" name="타원 4"/>
+            <p:cNvSpPr/>
+            <p:nvPr/>
+          </p:nvSpPr>
+          <p:spPr>
+            <a:xfrm>
+              <a:off x="1335314" y="798286"/>
+              <a:ext cx="1080000" cy="1080000"/>
+            </a:xfrm>
+            <a:prstGeom prst="ellipse">
+              <a:avLst/>
+            </a:prstGeom>
+            <a:solidFill>
+              <a:srgbClr val="FFC5C5"/>
+            </a:solidFill>
+            <a:ln w="38100" cmpd="sng">
+              <a:solidFill>
+                <a:schemeClr val="tx1"/>
+              </a:solidFill>
+            </a:ln>
+          </p:spPr>
+          <p:style>
+            <a:lnRef idx="2">
+              <a:schemeClr val="accent1">
+                <a:shade val="50000"/>
+              </a:schemeClr>
+            </a:lnRef>
+            <a:fillRef idx="1">
+              <a:schemeClr val="accent1"/>
+            </a:fillRef>
+            <a:effectRef idx="0">
+              <a:schemeClr val="accent1"/>
+            </a:effectRef>
+            <a:fontRef idx="minor">
+              <a:schemeClr val="lt1"/>
+            </a:fontRef>
+          </p:style>
+          <p:txBody>
+            <a:bodyPr rtlCol="0" anchor="ctr"/>
+            <a:lstStyle/>
+            <a:p>
+              <a:pPr algn="ctr"/>
+              <a:endParaRPr lang="ko-KR" altLang="en-US"/>
+            </a:p>
+          </p:txBody>
+        </p:sp>
+        <p:sp>
+          <p:nvSpPr>
+            <p:cNvPr id="17" name="타원 16"/>
+            <p:cNvSpPr/>
+            <p:nvPr/>
+          </p:nvSpPr>
+          <p:spPr>
+            <a:xfrm>
+              <a:off x="1477604" y="966468"/>
+              <a:ext cx="432000" cy="432000"/>
+            </a:xfrm>
+            <a:prstGeom prst="ellipse">
+              <a:avLst/>
+            </a:prstGeom>
+            <a:solidFill>
+              <a:srgbClr val="FFE1E1"/>
+            </a:solidFill>
+            <a:ln>
+              <a:noFill/>
+            </a:ln>
+          </p:spPr>
+          <p:style>
+            <a:lnRef idx="2">
+              <a:schemeClr val="accent1">
+                <a:shade val="50000"/>
+              </a:schemeClr>
+            </a:lnRef>
+            <a:fillRef idx="1">
+              <a:schemeClr val="accent1"/>
+            </a:fillRef>
+            <a:effectRef idx="0">
+              <a:schemeClr val="accent1"/>
+            </a:effectRef>
+            <a:fontRef idx="minor">
+              <a:schemeClr val="lt1"/>
+            </a:fontRef>
+          </p:style>
+          <p:txBody>
+            <a:bodyPr rtlCol="0" anchor="ctr"/>
+            <a:lstStyle/>
+            <a:p>
+              <a:pPr algn="ctr"/>
+              <a:endParaRPr lang="ko-KR" altLang="en-US"/>
+            </a:p>
+          </p:txBody>
+        </p:sp>
+        <p:grpSp>
+          <p:nvGrpSpPr>
+            <p:cNvPr id="29" name="그룹 28"/>
+            <p:cNvGrpSpPr/>
+            <p:nvPr/>
+          </p:nvGrpSpPr>
+          <p:grpSpPr>
+            <a:xfrm rot="20302406">
+              <a:off x="1491055" y="1303819"/>
+              <a:ext cx="755887" cy="308337"/>
+              <a:chOff x="1636295" y="1620252"/>
+              <a:chExt cx="7652084" cy="2245895"/>
+            </a:xfrm>
+          </p:grpSpPr>
+          <p:sp>
+            <p:nvSpPr>
+              <p:cNvPr id="30" name="직사각형 29"/>
+              <p:cNvSpPr/>
+              <p:nvPr/>
+            </p:nvSpPr>
+            <p:spPr>
+              <a:xfrm>
+                <a:off x="4764505" y="1620252"/>
+                <a:ext cx="4523874" cy="2245895"/>
+              </a:xfrm>
+              <a:prstGeom prst="rect">
+                <a:avLst/>
+              </a:prstGeom>
+              <a:gradFill>
+                <a:gsLst>
+                  <a:gs pos="0">
+                    <a:schemeClr val="bg1">
+                      <a:lumMod val="50000"/>
+                    </a:schemeClr>
+                  </a:gs>
+                  <a:gs pos="100000">
+                    <a:schemeClr val="bg1">
+                      <a:lumMod val="85000"/>
+                    </a:schemeClr>
+                  </a:gs>
+                </a:gsLst>
+                <a:lin ang="5400000" scaled="1"/>
+              </a:gradFill>
+              <a:ln>
+                <a:noFill/>
+              </a:ln>
+            </p:spPr>
+            <p:style>
+              <a:lnRef idx="2">
+                <a:schemeClr val="accent1">
+                  <a:shade val="50000"/>
+                </a:schemeClr>
+              </a:lnRef>
+              <a:fillRef idx="1">
+                <a:schemeClr val="accent1"/>
+              </a:fillRef>
+              <a:effectRef idx="0">
+                <a:schemeClr val="accent1"/>
+              </a:effectRef>
+              <a:fontRef idx="minor">
+                <a:schemeClr val="lt1"/>
+              </a:fontRef>
+            </p:style>
+            <p:txBody>
+              <a:bodyPr rtlCol="0" anchor="ctr"/>
+              <a:lstStyle/>
+              <a:p>
+                <a:pPr algn="ctr"/>
+                <a:endParaRPr lang="ko-KR" altLang="en-US"/>
+              </a:p>
+            </p:txBody>
+          </p:sp>
+          <p:sp>
+            <p:nvSpPr>
+              <p:cNvPr id="31" name="모서리가 둥근 직사각형 30"/>
+              <p:cNvSpPr/>
+              <p:nvPr/>
+            </p:nvSpPr>
+            <p:spPr>
+              <a:xfrm>
+                <a:off x="1636295" y="1620252"/>
+                <a:ext cx="3256547" cy="978569"/>
+              </a:xfrm>
+              <a:prstGeom prst="roundRect">
+                <a:avLst/>
+              </a:prstGeom>
+              <a:solidFill>
+                <a:schemeClr val="bg2">
+                  <a:lumMod val="25000"/>
+                </a:schemeClr>
+              </a:solidFill>
+              <a:ln>
+                <a:noFill/>
+              </a:ln>
+            </p:spPr>
+            <p:style>
+              <a:lnRef idx="2">
+                <a:schemeClr val="accent1">
+                  <a:shade val="50000"/>
+                </a:schemeClr>
+              </a:lnRef>
+              <a:fillRef idx="1">
+                <a:schemeClr val="accent1"/>
+              </a:fillRef>
+              <a:effectRef idx="0">
+                <a:schemeClr val="accent1"/>
+              </a:effectRef>
+              <a:fontRef idx="minor">
+                <a:schemeClr val="lt1"/>
+              </a:fontRef>
+            </p:style>
+            <p:txBody>
+              <a:bodyPr rtlCol="0" anchor="ctr"/>
+              <a:lstStyle/>
+              <a:p>
+                <a:pPr algn="ctr"/>
+                <a:endParaRPr lang="ko-KR" altLang="en-US"/>
+              </a:p>
+            </p:txBody>
+          </p:sp>
+        </p:grpSp>
+        <p:sp>
+          <p:nvSpPr>
+            <p:cNvPr id="32" name="포인트가 4개인 별 31"/>
+            <p:cNvSpPr/>
+            <p:nvPr/>
+          </p:nvSpPr>
+          <p:spPr>
+            <a:xfrm rot="20693841">
+              <a:off x="1939277" y="976375"/>
+              <a:ext cx="385141" cy="392740"/>
+            </a:xfrm>
+            <a:prstGeom prst="star4">
+              <a:avLst>
+                <a:gd name="adj" fmla="val 11273"/>
+              </a:avLst>
+            </a:prstGeom>
+            <a:gradFill flip="none" rotWithShape="1">
+              <a:gsLst>
+                <a:gs pos="0">
+                  <a:srgbClr val="FFFF93"/>
+                </a:gs>
+                <a:gs pos="76000">
+                  <a:srgbClr val="FFFF00"/>
+                </a:gs>
+              </a:gsLst>
+              <a:path path="circle">
+                <a:fillToRect l="50000" t="50000" r="50000" b="50000"/>
+              </a:path>
+              <a:tileRect/>
+            </a:gradFill>
+            <a:ln>
+              <a:noFill/>
+            </a:ln>
+          </p:spPr>
+          <p:style>
+            <a:lnRef idx="2">
+              <a:schemeClr val="accent1">
+                <a:shade val="50000"/>
+              </a:schemeClr>
+            </a:lnRef>
+            <a:fillRef idx="1">
+              <a:schemeClr val="accent1"/>
+            </a:fillRef>
+            <a:effectRef idx="0">
+              <a:schemeClr val="accent1"/>
+            </a:effectRef>
+            <a:fontRef idx="minor">
+              <a:schemeClr val="lt1"/>
+            </a:fontRef>
+          </p:style>
+          <p:txBody>
+            <a:bodyPr rtlCol="0" anchor="ctr"/>
+            <a:lstStyle/>
+            <a:p>
+              <a:pPr algn="ctr"/>
+              <a:endParaRPr lang="ko-KR" altLang="en-US"/>
+            </a:p>
+          </p:txBody>
+        </p:sp>
+        <p:sp>
+          <p:nvSpPr>
+            <p:cNvPr id="33" name="TextBox 32"/>
+            <p:cNvSpPr txBox="1"/>
+            <p:nvPr/>
+          </p:nvSpPr>
+          <p:spPr>
+            <a:xfrm>
+              <a:off x="2145779" y="600635"/>
+              <a:ext cx="328612" cy="646331"/>
+            </a:xfrm>
+            <a:prstGeom prst="rect">
+              <a:avLst/>
+            </a:prstGeom>
+            <a:noFill/>
+          </p:spPr>
+          <p:txBody>
+            <a:bodyPr wrap="square" rtlCol="0">
+              <a:spAutoFit/>
+            </a:bodyPr>
+            <a:lstStyle/>
+            <a:p>
+              <a:pPr algn="ctr"/>
+              <a:r>
+                <a:rPr lang="en-US" altLang="ko-KR" sz="3600" dirty="0" smtClean="0">
+                  <a:ln w="25400">
+                    <a:solidFill>
+                      <a:schemeClr val="tx1"/>
+                    </a:solidFill>
+                  </a:ln>
+                  <a:solidFill>
+                    <a:srgbClr val="FFFF00"/>
+                  </a:solidFill>
+                  <a:latin typeface="Bauhaus 93" panose="04030905020B02020C02" pitchFamily="82" charset="0"/>
+                </a:rPr>
+                <a:t>0</a:t>
+              </a:r>
+              <a:endParaRPr lang="ko-KR" altLang="en-US" sz="3600" dirty="0">
+                <a:ln w="25400">
+                  <a:solidFill>
+                    <a:schemeClr val="tx1"/>
+                  </a:solidFill>
+                </a:ln>
+                <a:solidFill>
+                  <a:srgbClr val="FFFF00"/>
+                </a:solidFill>
+                <a:latin typeface="Bauhaus 93" panose="04030905020B02020C02" pitchFamily="82" charset="0"/>
+              </a:endParaRPr>
+            </a:p>
+          </p:txBody>
+        </p:sp>
+      </p:grpSp>
+      <p:sp>
+        <p:nvSpPr>
+          <p:cNvPr id="36" name="모서리가 둥근 직사각형 35"/>
+          <p:cNvSpPr/>
+          <p:nvPr/>
+        </p:nvSpPr>
+        <p:spPr>
+          <a:xfrm>
+            <a:off x="6013444" y="510090"/>
+            <a:ext cx="3435356" cy="902417"/>
+          </a:xfrm>
+          <a:prstGeom prst="roundRect">
+            <a:avLst>
+              <a:gd name="adj" fmla="val 6463"/>
+            </a:avLst>
+          </a:prstGeom>
+          <a:solidFill>
+            <a:schemeClr val="accent2">
+              <a:lumMod val="75000"/>
+              <a:alpha val="64000"/>
+            </a:schemeClr>
+          </a:solidFill>
+          <a:ln>
+            <a:noFill/>
+          </a:ln>
+        </p:spPr>
+        <p:style>
+          <a:lnRef idx="2">
+            <a:schemeClr val="accent1">
+              <a:shade val="50000"/>
+            </a:schemeClr>
+          </a:lnRef>
+          <a:fillRef idx="1">
+            <a:schemeClr val="accent1"/>
+          </a:fillRef>
+          <a:effectRef idx="0">
+            <a:schemeClr val="accent1"/>
+          </a:effectRef>
+          <a:fontRef idx="minor">
+            <a:schemeClr val="lt1"/>
+          </a:fontRef>
+        </p:style>
+        <p:txBody>
+          <a:bodyPr rtlCol="0" anchor="ctr"/>
+          <a:lstStyle/>
+          <a:p>
+            <a:pPr algn="ctr"/>
+            <a:r>
+              <a:rPr lang="en-US" altLang="ko-KR" sz="4400" b="1" dirty="0" smtClean="0">
+                <a:ln w="25400">
+                  <a:solidFill>
+                    <a:schemeClr val="tx1"/>
+                  </a:solidFill>
+                </a:ln>
+                <a:solidFill>
+                  <a:srgbClr val="FFFF5D"/>
+                </a:solidFill>
+                <a:latin typeface="Arial Black" panose="020B0A04020102020204" pitchFamily="34" charset="0"/>
+              </a:rPr>
+              <a:t>$</a:t>
+            </a:r>
+            <a:r>
+              <a:rPr lang="en-US" altLang="ko-KR" sz="4400" dirty="0" smtClean="0">
+                <a:ln w="25400">
+                  <a:solidFill>
+                    <a:schemeClr val="tx1"/>
+                  </a:solidFill>
+                </a:ln>
+                <a:solidFill>
+                  <a:srgbClr val="FFFF5D"/>
+                </a:solidFill>
+                <a:latin typeface="Arial Black" panose="020B0A04020102020204" pitchFamily="34" charset="0"/>
+              </a:rPr>
+              <a:t> 384</a:t>
+            </a:r>
+            <a:endParaRPr lang="ko-KR" altLang="en-US" sz="4400" dirty="0">
+              <a:ln w="25400">
+                <a:solidFill>
+                  <a:schemeClr val="tx1"/>
+                </a:solidFill>
+              </a:ln>
+              <a:solidFill>
+                <a:srgbClr val="FFFF5D"/>
+              </a:solidFill>
+              <a:latin typeface="Arial Black" panose="020B0A04020102020204" pitchFamily="34" charset="0"/>
+            </a:endParaRPr>
+          </a:p>
+        </p:txBody>
+      </p:sp>
+      <p:sp>
+        <p:nvSpPr>
+          <p:cNvPr id="37" name="모서리가 둥근 직사각형 36"/>
+          <p:cNvSpPr/>
+          <p:nvPr/>
+        </p:nvSpPr>
+        <p:spPr>
+          <a:xfrm>
+            <a:off x="6015998" y="1578855"/>
+            <a:ext cx="5566402" cy="4720345"/>
+          </a:xfrm>
+          <a:prstGeom prst="roundRect">
+            <a:avLst>
+              <a:gd name="adj" fmla="val 6463"/>
+            </a:avLst>
+          </a:prstGeom>
+          <a:solidFill>
+            <a:schemeClr val="accent2">
+              <a:lumMod val="75000"/>
+              <a:alpha val="64000"/>
+            </a:schemeClr>
+          </a:solidFill>
+          <a:ln>
+            <a:noFill/>
+          </a:ln>
+        </p:spPr>
+        <p:style>
+          <a:lnRef idx="2">
+            <a:schemeClr val="accent1">
+              <a:shade val="50000"/>
+            </a:schemeClr>
+          </a:lnRef>
+          <a:fillRef idx="1">
+            <a:schemeClr val="accent1"/>
+          </a:fillRef>
+          <a:effectRef idx="0">
+            <a:schemeClr val="accent1"/>
+          </a:effectRef>
+          <a:fontRef idx="minor">
+            <a:schemeClr val="lt1"/>
+          </a:fontRef>
+        </p:style>
+        <p:txBody>
+          <a:bodyPr rtlCol="0" anchor="ctr"/>
+          <a:lstStyle/>
+          <a:p>
+            <a:pPr algn="ctr"/>
+            <a:endParaRPr lang="ko-KR" altLang="en-US"/>
+          </a:p>
+        </p:txBody>
+      </p:sp>
+      <p:sp>
+        <p:nvSpPr>
+          <p:cNvPr id="38" name="TextBox 37"/>
+          <p:cNvSpPr txBox="1"/>
+          <p:nvPr/>
+        </p:nvSpPr>
+        <p:spPr>
+          <a:xfrm>
+            <a:off x="7010504" y="1829142"/>
+            <a:ext cx="3577390" cy="707886"/>
+          </a:xfrm>
+          <a:prstGeom prst="rect">
+            <a:avLst/>
+          </a:prstGeom>
+          <a:noFill/>
+        </p:spPr>
+        <p:txBody>
+          <a:bodyPr wrap="square" rtlCol="0">
+            <a:spAutoFit/>
+          </a:bodyPr>
+          <a:lstStyle/>
+          <a:p>
+            <a:pPr algn="ctr"/>
+            <a:r>
+              <a:rPr lang="ko-KR" altLang="en-US" sz="4000" dirty="0" smtClean="0">
+                <a:ln w="38100">
+                  <a:solidFill>
+                    <a:schemeClr val="tx1"/>
+                  </a:solidFill>
+                </a:ln>
+                <a:solidFill>
+                  <a:srgbClr val="FFFF5D"/>
+                </a:solidFill>
+                <a:latin typeface="휴먼둥근헤드라인" panose="02030504000101010101" pitchFamily="18" charset="-127"/>
+                <a:ea typeface="휴먼둥근헤드라인" panose="02030504000101010101" pitchFamily="18" charset="-127"/>
+              </a:rPr>
+              <a:t>날카로운 칼</a:t>
+            </a:r>
+            <a:endParaRPr lang="ko-KR" altLang="en-US" sz="4000" dirty="0">
+              <a:ln w="38100">
+                <a:solidFill>
+                  <a:schemeClr val="tx1"/>
+                </a:solidFill>
+              </a:ln>
+              <a:solidFill>
+                <a:srgbClr val="FFFF5D"/>
+              </a:solidFill>
+              <a:latin typeface="휴먼둥근헤드라인" panose="02030504000101010101" pitchFamily="18" charset="-127"/>
+              <a:ea typeface="휴먼둥근헤드라인" panose="02030504000101010101" pitchFamily="18" charset="-127"/>
+            </a:endParaRPr>
+          </a:p>
+        </p:txBody>
+      </p:sp>
+      <p:grpSp>
+        <p:nvGrpSpPr>
+          <p:cNvPr id="47" name="그룹 46"/>
+          <p:cNvGrpSpPr>
+            <a:grpSpLocks noChangeAspect="1"/>
+          </p:cNvGrpSpPr>
+          <p:nvPr/>
+        </p:nvGrpSpPr>
+        <p:grpSpPr>
+          <a:xfrm>
+            <a:off x="6313714" y="2648056"/>
+            <a:ext cx="1801372" cy="1801372"/>
+            <a:chOff x="6440965" y="2620726"/>
+            <a:chExt cx="1080000" cy="1080000"/>
+          </a:xfrm>
+        </p:grpSpPr>
+        <p:sp>
+          <p:nvSpPr>
+            <p:cNvPr id="40" name="타원 39"/>
+            <p:cNvSpPr/>
+            <p:nvPr/>
+          </p:nvSpPr>
+          <p:spPr>
+            <a:xfrm>
+              <a:off x="6440965" y="2620726"/>
+              <a:ext cx="1080000" cy="1080000"/>
+            </a:xfrm>
+            <a:prstGeom prst="ellipse">
+              <a:avLst/>
+            </a:prstGeom>
+            <a:solidFill>
+              <a:srgbClr val="B7B7FF"/>
+            </a:solidFill>
+            <a:ln w="38100" cmpd="sng">
+              <a:solidFill>
+                <a:schemeClr val="tx1"/>
+              </a:solidFill>
+            </a:ln>
+          </p:spPr>
+          <p:style>
+            <a:lnRef idx="2">
+              <a:schemeClr val="accent1">
+                <a:shade val="50000"/>
+              </a:schemeClr>
+            </a:lnRef>
+            <a:fillRef idx="1">
+              <a:schemeClr val="accent1"/>
+            </a:fillRef>
+            <a:effectRef idx="0">
+              <a:schemeClr val="accent1"/>
+            </a:effectRef>
+            <a:fontRef idx="minor">
+              <a:schemeClr val="lt1"/>
+            </a:fontRef>
+          </p:style>
+          <p:txBody>
+            <a:bodyPr rtlCol="0" anchor="ctr"/>
+            <a:lstStyle/>
+            <a:p>
+              <a:pPr algn="ctr"/>
+              <a:endParaRPr lang="ko-KR" altLang="en-US"/>
+            </a:p>
+          </p:txBody>
+        </p:sp>
+        <p:grpSp>
+          <p:nvGrpSpPr>
+            <p:cNvPr id="42" name="그룹 41"/>
+            <p:cNvGrpSpPr/>
+            <p:nvPr/>
+          </p:nvGrpSpPr>
+          <p:grpSpPr>
+            <a:xfrm rot="20302406">
+              <a:off x="6596706" y="3126259"/>
+              <a:ext cx="755887" cy="308337"/>
+              <a:chOff x="1636295" y="1620252"/>
+              <a:chExt cx="7652084" cy="2245895"/>
+            </a:xfrm>
+          </p:grpSpPr>
+          <p:sp>
+            <p:nvSpPr>
+              <p:cNvPr id="45" name="직사각형 44"/>
+              <p:cNvSpPr/>
+              <p:nvPr/>
+            </p:nvSpPr>
+            <p:spPr>
+              <a:xfrm>
+                <a:off x="4764505" y="1620252"/>
+                <a:ext cx="4523874" cy="2245895"/>
+              </a:xfrm>
+              <a:prstGeom prst="rect">
+                <a:avLst/>
+              </a:prstGeom>
+              <a:gradFill>
+                <a:gsLst>
+                  <a:gs pos="0">
+                    <a:schemeClr val="bg1">
+                      <a:lumMod val="50000"/>
+                    </a:schemeClr>
+                  </a:gs>
+                  <a:gs pos="100000">
+                    <a:schemeClr val="bg1">
+                      <a:lumMod val="85000"/>
+                    </a:schemeClr>
+                  </a:gs>
+                </a:gsLst>
+                <a:lin ang="5400000" scaled="1"/>
+              </a:gradFill>
+              <a:ln>
+                <a:noFill/>
+              </a:ln>
+            </p:spPr>
+            <p:style>
+              <a:lnRef idx="2">
+                <a:schemeClr val="accent1">
+                  <a:shade val="50000"/>
+                </a:schemeClr>
+              </a:lnRef>
+              <a:fillRef idx="1">
+                <a:schemeClr val="accent1"/>
+              </a:fillRef>
+              <a:effectRef idx="0">
+                <a:schemeClr val="accent1"/>
+              </a:effectRef>
+              <a:fontRef idx="minor">
+                <a:schemeClr val="lt1"/>
+              </a:fontRef>
+            </p:style>
+            <p:txBody>
+              <a:bodyPr rtlCol="0" anchor="ctr"/>
+              <a:lstStyle/>
+              <a:p>
+                <a:pPr algn="ctr"/>
+                <a:endParaRPr lang="ko-KR" altLang="en-US"/>
+              </a:p>
+            </p:txBody>
+          </p:sp>
+          <p:sp>
+            <p:nvSpPr>
+              <p:cNvPr id="46" name="모서리가 둥근 직사각형 45"/>
+              <p:cNvSpPr/>
+              <p:nvPr/>
+            </p:nvSpPr>
+            <p:spPr>
+              <a:xfrm>
+                <a:off x="1636295" y="1620252"/>
+                <a:ext cx="3256547" cy="978569"/>
+              </a:xfrm>
+              <a:prstGeom prst="roundRect">
+                <a:avLst/>
+              </a:prstGeom>
+              <a:solidFill>
+                <a:schemeClr val="bg2">
+                  <a:lumMod val="25000"/>
+                </a:schemeClr>
+              </a:solidFill>
+              <a:ln>
+                <a:noFill/>
+              </a:ln>
+            </p:spPr>
+            <p:style>
+              <a:lnRef idx="2">
+                <a:schemeClr val="accent1">
+                  <a:shade val="50000"/>
+                </a:schemeClr>
+              </a:lnRef>
+              <a:fillRef idx="1">
+                <a:schemeClr val="accent1"/>
+              </a:fillRef>
+              <a:effectRef idx="0">
+                <a:schemeClr val="accent1"/>
+              </a:effectRef>
+              <a:fontRef idx="minor">
+                <a:schemeClr val="lt1"/>
+              </a:fontRef>
+            </p:style>
+            <p:txBody>
+              <a:bodyPr rtlCol="0" anchor="ctr"/>
+              <a:lstStyle/>
+              <a:p>
+                <a:pPr algn="ctr"/>
+                <a:endParaRPr lang="ko-KR" altLang="en-US"/>
+              </a:p>
+            </p:txBody>
+          </p:sp>
+        </p:grpSp>
+        <p:sp>
+          <p:nvSpPr>
+            <p:cNvPr id="43" name="포인트가 4개인 별 42"/>
+            <p:cNvSpPr/>
+            <p:nvPr/>
+          </p:nvSpPr>
+          <p:spPr>
+            <a:xfrm rot="20693841">
+              <a:off x="7044928" y="2798815"/>
+              <a:ext cx="385141" cy="392740"/>
+            </a:xfrm>
+            <a:prstGeom prst="star4">
+              <a:avLst>
+                <a:gd name="adj" fmla="val 11273"/>
+              </a:avLst>
+            </a:prstGeom>
+            <a:gradFill flip="none" rotWithShape="1">
+              <a:gsLst>
+                <a:gs pos="0">
+                  <a:srgbClr val="FFFF93"/>
+                </a:gs>
+                <a:gs pos="76000">
+                  <a:srgbClr val="FFFF00"/>
+                </a:gs>
+              </a:gsLst>
+              <a:path path="circle">
+                <a:fillToRect l="50000" t="50000" r="50000" b="50000"/>
+              </a:path>
+              <a:tileRect/>
+            </a:gradFill>
+            <a:ln>
+              <a:noFill/>
+            </a:ln>
+          </p:spPr>
+          <p:style>
+            <a:lnRef idx="2">
+              <a:schemeClr val="accent1">
+                <a:shade val="50000"/>
+              </a:schemeClr>
+            </a:lnRef>
+            <a:fillRef idx="1">
+              <a:schemeClr val="accent1"/>
+            </a:fillRef>
+            <a:effectRef idx="0">
+              <a:schemeClr val="accent1"/>
+            </a:effectRef>
+            <a:fontRef idx="minor">
+              <a:schemeClr val="lt1"/>
+            </a:fontRef>
+          </p:style>
+          <p:txBody>
+            <a:bodyPr rtlCol="0" anchor="ctr"/>
+            <a:lstStyle/>
+            <a:p>
+              <a:pPr algn="ctr"/>
+              <a:endParaRPr lang="ko-KR" altLang="en-US"/>
+            </a:p>
+          </p:txBody>
+        </p:sp>
+      </p:grpSp>
+      <p:sp>
+        <p:nvSpPr>
+          <p:cNvPr id="48" name="모서리가 둥근 직사각형 47"/>
+          <p:cNvSpPr/>
+          <p:nvPr/>
+        </p:nvSpPr>
+        <p:spPr>
+          <a:xfrm>
+            <a:off x="8439054" y="2853743"/>
+            <a:ext cx="2819378" cy="1380386"/>
+          </a:xfrm>
+          <a:prstGeom prst="roundRect">
+            <a:avLst>
+              <a:gd name="adj" fmla="val 50000"/>
+            </a:avLst>
+          </a:prstGeom>
+          <a:solidFill>
+            <a:srgbClr val="92D050"/>
+          </a:solidFill>
+          <a:ln w="63500">
+            <a:solidFill>
+              <a:schemeClr val="tx1"/>
+            </a:solidFill>
+          </a:ln>
+        </p:spPr>
+        <p:style>
+          <a:lnRef idx="2">
+            <a:schemeClr val="accent1">
+              <a:shade val="50000"/>
+            </a:schemeClr>
+          </a:lnRef>
+          <a:fillRef idx="1">
+            <a:schemeClr val="accent1"/>
+          </a:fillRef>
+          <a:effectRef idx="0">
+            <a:schemeClr val="accent1"/>
+          </a:effectRef>
+          <a:fontRef idx="minor">
+            <a:schemeClr val="lt1"/>
+          </a:fontRef>
+        </p:style>
+        <p:txBody>
+          <a:bodyPr rtlCol="0" anchor="ctr"/>
+          <a:lstStyle/>
+          <a:p>
+            <a:pPr algn="ctr"/>
+            <a:r>
+              <a:rPr lang="en-US" altLang="ko-KR" sz="5400" b="1" dirty="0">
+                <a:ln w="25400">
+                  <a:solidFill>
+                    <a:schemeClr val="tx1"/>
+                  </a:solidFill>
+                </a:ln>
+                <a:solidFill>
+                  <a:srgbClr val="FFFF5D"/>
+                </a:solidFill>
+                <a:latin typeface="Arial Black" panose="020B0A04020102020204" pitchFamily="34" charset="0"/>
+              </a:rPr>
+              <a:t>$</a:t>
+            </a:r>
+            <a:r>
+              <a:rPr lang="en-US" altLang="ko-KR" sz="5400" dirty="0">
+                <a:ln w="25400">
+                  <a:solidFill>
+                    <a:schemeClr val="tx1"/>
+                  </a:solidFill>
+                </a:ln>
+                <a:solidFill>
+                  <a:srgbClr val="FFFF5D"/>
+                </a:solidFill>
+                <a:latin typeface="Arial Black" panose="020B0A04020102020204" pitchFamily="34" charset="0"/>
+              </a:rPr>
+              <a:t> </a:t>
+            </a:r>
+            <a:r>
+              <a:rPr lang="en-US" altLang="ko-KR" sz="5400" dirty="0" smtClean="0">
+                <a:ln w="25400">
+                  <a:solidFill>
+                    <a:schemeClr val="tx1"/>
+                  </a:solidFill>
+                </a:ln>
+                <a:solidFill>
+                  <a:srgbClr val="FFFF5D"/>
+                </a:solidFill>
+                <a:latin typeface="Arial Black" panose="020B0A04020102020204" pitchFamily="34" charset="0"/>
+              </a:rPr>
+              <a:t>500</a:t>
+            </a:r>
+            <a:endParaRPr lang="ko-KR" altLang="en-US" sz="5400" dirty="0">
+              <a:ln w="25400">
+                <a:solidFill>
+                  <a:schemeClr val="tx1"/>
+                </a:solidFill>
+              </a:ln>
+              <a:solidFill>
+                <a:srgbClr val="FFFF5D"/>
+              </a:solidFill>
+              <a:latin typeface="Arial Black" panose="020B0A04020102020204" pitchFamily="34" charset="0"/>
+            </a:endParaRPr>
+          </a:p>
+        </p:txBody>
+      </p:sp>
+      <p:sp>
+        <p:nvSpPr>
+          <p:cNvPr id="50" name="모서리가 둥근 직사각형 49"/>
+          <p:cNvSpPr/>
+          <p:nvPr/>
+        </p:nvSpPr>
+        <p:spPr>
+          <a:xfrm>
+            <a:off x="6543518" y="4650288"/>
+            <a:ext cx="4511362" cy="528224"/>
+          </a:xfrm>
+          <a:prstGeom prst="roundRect">
+            <a:avLst>
+              <a:gd name="adj" fmla="val 50000"/>
+            </a:avLst>
+          </a:prstGeom>
+          <a:solidFill>
+            <a:schemeClr val="accent4">
+              <a:lumMod val="40000"/>
+              <a:lumOff val="60000"/>
+            </a:schemeClr>
+          </a:solidFill>
+          <a:ln w="38100">
+            <a:solidFill>
+              <a:schemeClr val="tx1"/>
+            </a:solidFill>
+          </a:ln>
+        </p:spPr>
+        <p:style>
+          <a:lnRef idx="2">
+            <a:schemeClr val="accent1">
+              <a:shade val="50000"/>
+            </a:schemeClr>
+          </a:lnRef>
+          <a:fillRef idx="1">
+            <a:schemeClr val="accent1"/>
+          </a:fillRef>
+          <a:effectRef idx="0">
+            <a:schemeClr val="accent1"/>
+          </a:effectRef>
+          <a:fontRef idx="minor">
+            <a:schemeClr val="lt1"/>
+          </a:fontRef>
+        </p:style>
+        <p:txBody>
+          <a:bodyPr rtlCol="0" anchor="ctr"/>
+          <a:lstStyle/>
+          <a:p>
+            <a:pPr algn="ctr"/>
+            <a:r>
+              <a:rPr lang="en-US" altLang="ko-KR" sz="2400" dirty="0" smtClean="0">
+                <a:ln w="25400">
+                  <a:solidFill>
+                    <a:schemeClr val="tx1"/>
+                  </a:solidFill>
+                </a:ln>
+                <a:solidFill>
+                  <a:srgbClr val="FFFF5D"/>
+                </a:solidFill>
+                <a:latin typeface="Arial Black" panose="020B0A04020102020204" pitchFamily="34" charset="0"/>
+              </a:rPr>
+              <a:t>1</a:t>
+            </a:r>
+            <a:r>
+              <a:rPr lang="en-US" altLang="ko-KR" dirty="0" smtClean="0">
+                <a:ln w="25400">
+                  <a:solidFill>
+                    <a:schemeClr val="tx1"/>
+                  </a:solidFill>
+                </a:ln>
+                <a:solidFill>
+                  <a:srgbClr val="FFFF5D"/>
+                </a:solidFill>
+                <a:latin typeface="Arial Black" panose="020B0A04020102020204" pitchFamily="34" charset="0"/>
+              </a:rPr>
+              <a:t>         </a:t>
+            </a:r>
+            <a:r>
+              <a:rPr lang="en-US" altLang="ko-KR" sz="2400" dirty="0" smtClean="0">
+                <a:ln w="25400">
+                  <a:solidFill>
+                    <a:schemeClr val="tx1"/>
+                  </a:solidFill>
+                </a:ln>
+                <a:solidFill>
+                  <a:srgbClr val="FFFF5D"/>
+                </a:solidFill>
+                <a:latin typeface="Arial Black" panose="020B0A04020102020204" pitchFamily="34" charset="0"/>
+              </a:rPr>
+              <a:t>2</a:t>
+            </a:r>
+            <a:r>
+              <a:rPr lang="en-US" altLang="ko-KR" dirty="0" smtClean="0">
+                <a:ln w="25400">
+                  <a:solidFill>
+                    <a:schemeClr val="tx1"/>
+                  </a:solidFill>
+                </a:ln>
+                <a:solidFill>
+                  <a:srgbClr val="FFFF5D"/>
+                </a:solidFill>
+                <a:latin typeface="Arial Black" panose="020B0A04020102020204" pitchFamily="34" charset="0"/>
+              </a:rPr>
+              <a:t>         </a:t>
+            </a:r>
+            <a:r>
+              <a:rPr lang="en-US" altLang="ko-KR" sz="2400" dirty="0" smtClean="0">
+                <a:ln w="25400">
+                  <a:solidFill>
+                    <a:schemeClr val="tx1"/>
+                  </a:solidFill>
+                </a:ln>
+                <a:solidFill>
+                  <a:srgbClr val="FFFF5D"/>
+                </a:solidFill>
+                <a:latin typeface="Arial Black" panose="020B0A04020102020204" pitchFamily="34" charset="0"/>
+              </a:rPr>
+              <a:t>3</a:t>
+            </a:r>
+            <a:r>
+              <a:rPr lang="en-US" altLang="ko-KR" dirty="0" smtClean="0">
+                <a:ln w="25400">
+                  <a:solidFill>
+                    <a:schemeClr val="tx1"/>
+                  </a:solidFill>
+                </a:ln>
+                <a:solidFill>
+                  <a:srgbClr val="FFFF5D"/>
+                </a:solidFill>
+                <a:latin typeface="Arial Black" panose="020B0A04020102020204" pitchFamily="34" charset="0"/>
+              </a:rPr>
+              <a:t>         </a:t>
+            </a:r>
+            <a:r>
+              <a:rPr lang="en-US" altLang="ko-KR" sz="2400" dirty="0" smtClean="0">
+                <a:ln w="25400">
+                  <a:solidFill>
+                    <a:schemeClr val="tx1"/>
+                  </a:solidFill>
+                </a:ln>
+                <a:solidFill>
+                  <a:srgbClr val="FFFF5D"/>
+                </a:solidFill>
+                <a:latin typeface="Arial Black" panose="020B0A04020102020204" pitchFamily="34" charset="0"/>
+              </a:rPr>
+              <a:t>4</a:t>
+            </a:r>
+            <a:r>
+              <a:rPr lang="en-US" altLang="ko-KR" dirty="0" smtClean="0">
+                <a:ln w="25400">
+                  <a:solidFill>
+                    <a:schemeClr val="tx1"/>
+                  </a:solidFill>
+                </a:ln>
+                <a:solidFill>
+                  <a:srgbClr val="FFFF5D"/>
+                </a:solidFill>
+                <a:latin typeface="Arial Black" panose="020B0A04020102020204" pitchFamily="34" charset="0"/>
+              </a:rPr>
+              <a:t>         </a:t>
+            </a:r>
+            <a:r>
+              <a:rPr lang="en-US" altLang="ko-KR" sz="2400" dirty="0" smtClean="0">
+                <a:ln w="25400">
+                  <a:solidFill>
+                    <a:schemeClr val="tx1"/>
+                  </a:solidFill>
+                </a:ln>
+                <a:solidFill>
+                  <a:srgbClr val="FFFF5D"/>
+                </a:solidFill>
+                <a:latin typeface="Arial Black" panose="020B0A04020102020204" pitchFamily="34" charset="0"/>
+              </a:rPr>
+              <a:t>5</a:t>
+            </a:r>
+            <a:endParaRPr lang="ko-KR" altLang="en-US" sz="2400" dirty="0">
+              <a:ln w="25400">
+                <a:solidFill>
+                  <a:schemeClr val="tx1"/>
+                </a:solidFill>
+              </a:ln>
+              <a:solidFill>
+                <a:srgbClr val="FFFF5D"/>
+              </a:solidFill>
+              <a:latin typeface="Arial Black" panose="020B0A04020102020204" pitchFamily="34" charset="0"/>
+            </a:endParaRPr>
+          </a:p>
+        </p:txBody>
+      </p:sp>
+      <p:cxnSp>
+        <p:nvCxnSpPr>
+          <p:cNvPr id="52" name="직선 연결선 51"/>
+          <p:cNvCxnSpPr/>
+          <p:nvPr/>
+        </p:nvCxnSpPr>
+        <p:spPr>
+          <a:xfrm flipH="1">
+            <a:off x="7443430" y="4706409"/>
+            <a:ext cx="0" cy="415982"/>
+          </a:xfrm>
+          <a:prstGeom prst="line">
+            <a:avLst/>
+          </a:prstGeom>
+          <a:ln w="25400">
+            <a:solidFill>
+              <a:schemeClr val="tx1"/>
+            </a:solidFill>
+          </a:ln>
+        </p:spPr>
+        <p:style>
+          <a:lnRef idx="1">
+            <a:schemeClr val="accent1"/>
+          </a:lnRef>
+          <a:fillRef idx="0">
+            <a:schemeClr val="accent1"/>
+          </a:fillRef>
+          <a:effectRef idx="0">
+            <a:schemeClr val="accent1"/>
+          </a:effectRef>
+          <a:fontRef idx="minor">
+            <a:schemeClr val="tx1"/>
+          </a:fontRef>
+        </p:style>
+      </p:cxnSp>
+      <p:cxnSp>
+        <p:nvCxnSpPr>
+          <p:cNvPr id="54" name="직선 연결선 53"/>
+          <p:cNvCxnSpPr/>
+          <p:nvPr/>
+        </p:nvCxnSpPr>
+        <p:spPr>
+          <a:xfrm flipH="1">
+            <a:off x="8344003" y="4706409"/>
+            <a:ext cx="0" cy="415982"/>
+          </a:xfrm>
+          <a:prstGeom prst="line">
+            <a:avLst/>
+          </a:prstGeom>
+          <a:ln w="25400">
+            <a:solidFill>
+              <a:schemeClr val="tx1"/>
+            </a:solidFill>
+          </a:ln>
+        </p:spPr>
+        <p:style>
+          <a:lnRef idx="1">
+            <a:schemeClr val="accent1"/>
+          </a:lnRef>
+          <a:fillRef idx="0">
+            <a:schemeClr val="accent1"/>
+          </a:fillRef>
+          <a:effectRef idx="0">
+            <a:schemeClr val="accent1"/>
+          </a:effectRef>
+          <a:fontRef idx="minor">
+            <a:schemeClr val="tx1"/>
+          </a:fontRef>
+        </p:style>
+      </p:cxnSp>
+      <p:cxnSp>
+        <p:nvCxnSpPr>
+          <p:cNvPr id="55" name="직선 연결선 54"/>
+          <p:cNvCxnSpPr/>
+          <p:nvPr/>
+        </p:nvCxnSpPr>
+        <p:spPr>
+          <a:xfrm flipH="1">
+            <a:off x="9259330" y="4706409"/>
+            <a:ext cx="0" cy="415982"/>
+          </a:xfrm>
+          <a:prstGeom prst="line">
+            <a:avLst/>
+          </a:prstGeom>
+          <a:ln w="25400">
+            <a:solidFill>
+              <a:schemeClr val="tx1"/>
+            </a:solidFill>
+          </a:ln>
+        </p:spPr>
+        <p:style>
+          <a:lnRef idx="1">
+            <a:schemeClr val="accent1"/>
+          </a:lnRef>
+          <a:fillRef idx="0">
+            <a:schemeClr val="accent1"/>
+          </a:fillRef>
+          <a:effectRef idx="0">
+            <a:schemeClr val="accent1"/>
+          </a:effectRef>
+          <a:fontRef idx="minor">
+            <a:schemeClr val="tx1"/>
+          </a:fontRef>
+        </p:style>
+      </p:cxnSp>
+      <p:cxnSp>
+        <p:nvCxnSpPr>
+          <p:cNvPr id="56" name="직선 연결선 55"/>
+          <p:cNvCxnSpPr/>
+          <p:nvPr/>
+        </p:nvCxnSpPr>
+        <p:spPr>
+          <a:xfrm flipH="1">
+            <a:off x="10164668" y="4706409"/>
+            <a:ext cx="0" cy="415982"/>
+          </a:xfrm>
+          <a:prstGeom prst="line">
+            <a:avLst/>
+          </a:prstGeom>
+          <a:ln w="25400">
+            <a:solidFill>
+              <a:schemeClr val="tx1"/>
+            </a:solidFill>
+          </a:ln>
+        </p:spPr>
+        <p:style>
+          <a:lnRef idx="1">
+            <a:schemeClr val="accent1"/>
+          </a:lnRef>
+          <a:fillRef idx="0">
+            <a:schemeClr val="accent1"/>
+          </a:fillRef>
+          <a:effectRef idx="0">
+            <a:schemeClr val="accent1"/>
+          </a:effectRef>
+          <a:fontRef idx="minor">
+            <a:schemeClr val="tx1"/>
+          </a:fontRef>
+        </p:style>
+      </p:cxnSp>
+      <p:sp>
+        <p:nvSpPr>
+          <p:cNvPr id="58" name="TextBox 57"/>
+          <p:cNvSpPr txBox="1"/>
+          <p:nvPr/>
+        </p:nvSpPr>
+        <p:spPr>
+          <a:xfrm>
+            <a:off x="6217896" y="5240728"/>
+            <a:ext cx="5120546" cy="461665"/>
+          </a:xfrm>
+          <a:prstGeom prst="rect">
+            <a:avLst/>
+          </a:prstGeom>
+          <a:noFill/>
+        </p:spPr>
+        <p:txBody>
+          <a:bodyPr wrap="square" rtlCol="0">
+            <a:spAutoFit/>
+          </a:bodyPr>
+          <a:lstStyle/>
+          <a:p>
+            <a:pPr algn="ctr"/>
+            <a:r>
+              <a:rPr lang="ko-KR" altLang="en-US" sz="2400" dirty="0" smtClean="0">
+                <a:ln w="38100">
+                  <a:noFill/>
+                </a:ln>
+                <a:latin typeface="휴먼매직체" panose="02030504000101010101" pitchFamily="18" charset="-127"/>
+                <a:ea typeface="휴먼매직체" panose="02030504000101010101" pitchFamily="18" charset="-127"/>
+              </a:rPr>
+              <a:t>칼 움직이는 속도가 느려집니다</a:t>
+            </a:r>
+            <a:r>
+              <a:rPr lang="en-US" altLang="ko-KR" sz="2400" dirty="0" smtClean="0">
+                <a:ln w="38100">
+                  <a:noFill/>
+                </a:ln>
+                <a:latin typeface="휴먼매직체" panose="02030504000101010101" pitchFamily="18" charset="-127"/>
+                <a:ea typeface="휴먼매직체" panose="02030504000101010101" pitchFamily="18" charset="-127"/>
+              </a:rPr>
+              <a:t>.</a:t>
+            </a:r>
+            <a:endParaRPr lang="ko-KR" altLang="en-US" sz="2400" dirty="0">
+              <a:ln w="38100">
+                <a:noFill/>
+              </a:ln>
+              <a:latin typeface="휴먼매직체" panose="02030504000101010101" pitchFamily="18" charset="-127"/>
+              <a:ea typeface="휴먼매직체" panose="02030504000101010101" pitchFamily="18" charset="-127"/>
+            </a:endParaRPr>
+          </a:p>
+        </p:txBody>
+      </p:sp>
+      <p:sp>
+        <p:nvSpPr>
+          <p:cNvPr id="59" name="오른쪽 화살표 58"/>
+          <p:cNvSpPr/>
+          <p:nvPr/>
+        </p:nvSpPr>
+        <p:spPr>
+          <a:xfrm>
+            <a:off x="10297236" y="187657"/>
+            <a:ext cx="1612824" cy="1147747"/>
+          </a:xfrm>
+          <a:prstGeom prst="rightArrow">
+            <a:avLst/>
+          </a:prstGeom>
+          <a:solidFill>
+            <a:srgbClr val="FFFF5D"/>
+          </a:solidFill>
+          <a:ln w="38100" cap="rnd">
+            <a:solidFill>
+              <a:schemeClr val="tx1"/>
+            </a:solidFill>
+            <a:round/>
+          </a:ln>
+        </p:spPr>
+        <p:style>
+          <a:lnRef idx="2">
+            <a:schemeClr val="accent1">
+              <a:shade val="50000"/>
+            </a:schemeClr>
+          </a:lnRef>
+          <a:fillRef idx="1">
+            <a:schemeClr val="accent1"/>
+          </a:fillRef>
+          <a:effectRef idx="0">
+            <a:schemeClr val="accent1"/>
+          </a:effectRef>
+          <a:fontRef idx="minor">
+            <a:schemeClr val="lt1"/>
+          </a:fontRef>
+        </p:style>
+        <p:txBody>
+          <a:bodyPr rtlCol="0" anchor="ctr"/>
+          <a:lstStyle/>
+          <a:p>
+            <a:pPr algn="ctr"/>
+            <a:endParaRPr lang="ko-KR" altLang="en-US"/>
+          </a:p>
+        </p:txBody>
+      </p:sp>
+    </p:spTree>
+    <p:extLst>
+      <p:ext uri="{BB962C8B-B14F-4D97-AF65-F5344CB8AC3E}">
+        <p14:creationId xmlns:p14="http://schemas.microsoft.com/office/powerpoint/2010/main" val="1685886558"/>
+      </p:ext>
+    </p:extLst>
+  </p:cSld>
+  <p:clrMapOvr>
+    <a:masterClrMapping/>
+  </p:clrMapOvr>
+</p:sld>
+</file>
+
+<file path=ppt/slides/slide3.xml><?xml version="1.0" encoding="utf-8"?>
+<p:sld xmlns:a="http://schemas.openxmlformats.org/drawingml/2006/main" xmlns:r="http://schemas.openxmlformats.org/officeDocument/2006/relationships" xmlns:p="http://schemas.openxmlformats.org/presentationml/2006/main">
+  <p:cSld>
+    <p:spTree>
+      <p:nvGrpSpPr>
+        <p:cNvPr id="1" name=""/>
+        <p:cNvGrpSpPr/>
+        <p:nvPr/>
+      </p:nvGrpSpPr>
+      <p:grpSpPr>
+        <a:xfrm>
+          <a:off x="0" y="0"/>
+          <a:ext cx="0" cy="0"/>
+          <a:chOff x="0" y="0"/>
+          <a:chExt cx="0" cy="0"/>
+        </a:xfrm>
+      </p:grpSpPr>
+      <p:grpSp>
+        <p:nvGrpSpPr>
+          <p:cNvPr id="9" name="그룹 8"/>
+          <p:cNvGrpSpPr/>
+          <p:nvPr/>
+        </p:nvGrpSpPr>
+        <p:grpSpPr>
+          <a:xfrm>
+            <a:off x="401053" y="1596952"/>
+            <a:ext cx="11486147" cy="1082080"/>
+            <a:chOff x="401053" y="1596952"/>
+            <a:chExt cx="11486147" cy="1082080"/>
+          </a:xfrm>
+        </p:grpSpPr>
+        <p:sp>
+          <p:nvSpPr>
+            <p:cNvPr id="7" name="모서리가 둥근 직사각형 6"/>
+            <p:cNvSpPr/>
+            <p:nvPr/>
+          </p:nvSpPr>
+          <p:spPr>
+            <a:xfrm>
+              <a:off x="401053" y="2181727"/>
+              <a:ext cx="11486147" cy="497305"/>
+            </a:xfrm>
+            <a:prstGeom prst="roundRect">
+              <a:avLst>
+                <a:gd name="adj" fmla="val 50000"/>
+              </a:avLst>
+            </a:prstGeom>
+            <a:gradFill flip="none" rotWithShape="1">
+              <a:gsLst>
+                <a:gs pos="100000">
+                  <a:srgbClr val="B7B7FF"/>
+                </a:gs>
+                <a:gs pos="17000">
+                  <a:srgbClr val="FF0000"/>
+                </a:gs>
+                <a:gs pos="0">
+                  <a:srgbClr val="FFB7B7"/>
+                </a:gs>
+                <a:gs pos="83000">
+                  <a:srgbClr val="0000FF"/>
+                </a:gs>
+                <a:gs pos="50000">
+                  <a:srgbClr val="00FF00"/>
+                </a:gs>
+              </a:gsLst>
+              <a:lin ang="0" scaled="1"/>
+              <a:tileRect/>
+            </a:gradFill>
+            <a:ln>
+              <a:noFill/>
+            </a:ln>
+          </p:spPr>
+          <p:style>
+            <a:lnRef idx="2">
+              <a:schemeClr val="accent1">
+                <a:shade val="50000"/>
+              </a:schemeClr>
+            </a:lnRef>
+            <a:fillRef idx="1">
+              <a:schemeClr val="accent1"/>
+            </a:fillRef>
+            <a:effectRef idx="0">
+              <a:schemeClr val="accent1"/>
+            </a:effectRef>
+            <a:fontRef idx="minor">
+              <a:schemeClr val="lt1"/>
+            </a:fontRef>
+          </p:style>
+          <p:txBody>
+            <a:bodyPr rtlCol="0" anchor="ctr"/>
+            <a:lstStyle/>
+            <a:p>
+              <a:pPr algn="ctr"/>
+              <a:endParaRPr lang="ko-KR" altLang="en-US"/>
+            </a:p>
+          </p:txBody>
+        </p:sp>
+        <p:sp>
+          <p:nvSpPr>
+            <p:cNvPr id="8" name="TextBox 7"/>
+            <p:cNvSpPr txBox="1"/>
+            <p:nvPr/>
+          </p:nvSpPr>
+          <p:spPr>
+            <a:xfrm>
+              <a:off x="2197768" y="1596952"/>
+              <a:ext cx="8037095" cy="584775"/>
+            </a:xfrm>
+            <a:prstGeom prst="rect">
+              <a:avLst/>
+            </a:prstGeom>
+            <a:noFill/>
+          </p:spPr>
+          <p:txBody>
+            <a:bodyPr wrap="square" rtlCol="0">
+              <a:spAutoFit/>
+            </a:bodyPr>
+            <a:lstStyle/>
+            <a:p>
+              <a:r>
+                <a:rPr lang="ko-KR" altLang="en-US" sz="3200" dirty="0" smtClean="0">
+                  <a:latin typeface="휴먼둥근헤드라인" panose="02030504000101010101" pitchFamily="18" charset="-127"/>
+                  <a:ea typeface="휴먼둥근헤드라인" panose="02030504000101010101" pitchFamily="18" charset="-127"/>
+                </a:rPr>
+                <a:t>대</a:t>
+              </a:r>
+              <a:r>
+                <a:rPr lang="en-US" altLang="ko-KR" sz="3200" dirty="0" smtClean="0">
+                  <a:latin typeface="휴먼둥근헤드라인" panose="02030504000101010101" pitchFamily="18" charset="-127"/>
+                  <a:ea typeface="휴먼둥근헤드라인" panose="02030504000101010101" pitchFamily="18" charset="-127"/>
+                </a:rPr>
+                <a:t>				</a:t>
+              </a:r>
+              <a:r>
+                <a:rPr lang="ko-KR" altLang="en-US" sz="3200" dirty="0" smtClean="0">
+                  <a:latin typeface="휴먼둥근헤드라인" panose="02030504000101010101" pitchFamily="18" charset="-127"/>
+                  <a:ea typeface="휴먼둥근헤드라인" panose="02030504000101010101" pitchFamily="18" charset="-127"/>
+                </a:rPr>
+                <a:t>중</a:t>
+              </a:r>
+              <a:r>
+                <a:rPr lang="en-US" altLang="ko-KR" sz="3200" dirty="0" smtClean="0">
+                  <a:latin typeface="휴먼둥근헤드라인" panose="02030504000101010101" pitchFamily="18" charset="-127"/>
+                  <a:ea typeface="휴먼둥근헤드라인" panose="02030504000101010101" pitchFamily="18" charset="-127"/>
+                </a:rPr>
+                <a:t>				</a:t>
+              </a:r>
+              <a:r>
+                <a:rPr lang="en-US" altLang="ko-KR" dirty="0" smtClean="0">
+                  <a:latin typeface="휴먼둥근헤드라인" panose="02030504000101010101" pitchFamily="18" charset="-127"/>
+                  <a:ea typeface="휴먼둥근헤드라인" panose="02030504000101010101" pitchFamily="18" charset="-127"/>
+                </a:rPr>
+                <a:t> </a:t>
+              </a:r>
+              <a:r>
+                <a:rPr lang="ko-KR" altLang="en-US" sz="3200" dirty="0" smtClean="0">
+                  <a:latin typeface="휴먼둥근헤드라인" panose="02030504000101010101" pitchFamily="18" charset="-127"/>
+                  <a:ea typeface="휴먼둥근헤드라인" panose="02030504000101010101" pitchFamily="18" charset="-127"/>
+                </a:rPr>
+                <a:t>소</a:t>
+              </a:r>
+              <a:endParaRPr lang="ko-KR" altLang="en-US" sz="3200" dirty="0">
+                <a:latin typeface="휴먼둥근헤드라인" panose="02030504000101010101" pitchFamily="18" charset="-127"/>
+                <a:ea typeface="휴먼둥근헤드라인" panose="02030504000101010101" pitchFamily="18" charset="-127"/>
+              </a:endParaRPr>
+            </a:p>
+          </p:txBody>
+        </p:sp>
+      </p:grpSp>
+    </p:spTree>
+    <p:extLst>
+      <p:ext uri="{BB962C8B-B14F-4D97-AF65-F5344CB8AC3E}">
+        <p14:creationId xmlns:p14="http://schemas.microsoft.com/office/powerpoint/2010/main" val="1817054956"/>
+      </p:ext>
+    </p:extLst>
+  </p:cSld>
+  <p:clrMapOvr>
+    <a:masterClrMapping/>
+  </p:clrMapOvr>
+</p:sld>
+</file>
+
 <file path=ppt/theme/theme1.xml><?xml version="1.0" encoding="utf-8"?>
 <a:theme xmlns:a="http://schemas.openxmlformats.org/drawingml/2006/main" name="Office 테마">
   <a:themeElements>

--- a/UI Design.pptx
+++ b/UI Design.pptx
@@ -4685,1048 +4685,14 @@
       </p:sp>
       <p:sp>
         <p:nvSpPr>
-          <p:cNvPr id="6" name="타원 5"/>
-          <p:cNvSpPr/>
-          <p:nvPr/>
-        </p:nvSpPr>
-        <p:spPr>
-          <a:xfrm>
-            <a:off x="2762000" y="798286"/>
-            <a:ext cx="1080000" cy="1080000"/>
-          </a:xfrm>
-          <a:prstGeom prst="ellipse">
-            <a:avLst/>
-          </a:prstGeom>
-          <a:solidFill>
-            <a:srgbClr val="FFC5C5"/>
-          </a:solidFill>
-          <a:ln w="38100" cmpd="sng">
-            <a:solidFill>
-              <a:schemeClr val="tx1"/>
-            </a:solidFill>
-          </a:ln>
-        </p:spPr>
-        <p:style>
-          <a:lnRef idx="2">
-            <a:schemeClr val="accent1">
-              <a:shade val="50000"/>
-            </a:schemeClr>
-          </a:lnRef>
-          <a:fillRef idx="1">
-            <a:schemeClr val="accent1"/>
-          </a:fillRef>
-          <a:effectRef idx="0">
-            <a:schemeClr val="accent1"/>
-          </a:effectRef>
-          <a:fontRef idx="minor">
-            <a:schemeClr val="lt1"/>
-          </a:fontRef>
-        </p:style>
-        <p:txBody>
-          <a:bodyPr rtlCol="0" anchor="ctr"/>
-          <a:lstStyle/>
-          <a:p>
-            <a:pPr algn="ctr"/>
-            <a:endParaRPr lang="ko-KR" altLang="en-US"/>
-          </a:p>
-        </p:txBody>
-      </p:sp>
-      <p:sp>
-        <p:nvSpPr>
-          <p:cNvPr id="7" name="타원 6"/>
-          <p:cNvSpPr/>
-          <p:nvPr/>
-        </p:nvSpPr>
-        <p:spPr>
-          <a:xfrm>
-            <a:off x="4188686" y="798286"/>
-            <a:ext cx="1080000" cy="1080000"/>
-          </a:xfrm>
-          <a:prstGeom prst="ellipse">
-            <a:avLst/>
-          </a:prstGeom>
-          <a:solidFill>
-            <a:srgbClr val="FFC5C5"/>
-          </a:solidFill>
-          <a:ln w="38100" cmpd="sng">
-            <a:solidFill>
-              <a:schemeClr val="tx1"/>
-            </a:solidFill>
-          </a:ln>
-        </p:spPr>
-        <p:style>
-          <a:lnRef idx="2">
-            <a:schemeClr val="accent1">
-              <a:shade val="50000"/>
-            </a:schemeClr>
-          </a:lnRef>
-          <a:fillRef idx="1">
-            <a:schemeClr val="accent1"/>
-          </a:fillRef>
-          <a:effectRef idx="0">
-            <a:schemeClr val="accent1"/>
-          </a:effectRef>
-          <a:fontRef idx="minor">
-            <a:schemeClr val="lt1"/>
-          </a:fontRef>
-        </p:style>
-        <p:txBody>
-          <a:bodyPr rtlCol="0" anchor="ctr"/>
-          <a:lstStyle/>
-          <a:p>
-            <a:pPr algn="ctr"/>
-            <a:endParaRPr lang="ko-KR" altLang="en-US"/>
-          </a:p>
-        </p:txBody>
-      </p:sp>
-      <p:sp>
-        <p:nvSpPr>
-          <p:cNvPr id="8" name="타원 7"/>
-          <p:cNvSpPr/>
-          <p:nvPr/>
-        </p:nvSpPr>
-        <p:spPr>
-          <a:xfrm>
-            <a:off x="1335314" y="2183085"/>
-            <a:ext cx="1080000" cy="1080000"/>
-          </a:xfrm>
-          <a:prstGeom prst="ellipse">
-            <a:avLst/>
-          </a:prstGeom>
-          <a:solidFill>
-            <a:srgbClr val="FFC5C5"/>
-          </a:solidFill>
-          <a:ln w="38100" cmpd="sng">
-            <a:solidFill>
-              <a:schemeClr val="tx1"/>
-            </a:solidFill>
-          </a:ln>
-        </p:spPr>
-        <p:style>
-          <a:lnRef idx="2">
-            <a:schemeClr val="accent1">
-              <a:shade val="50000"/>
-            </a:schemeClr>
-          </a:lnRef>
-          <a:fillRef idx="1">
-            <a:schemeClr val="accent1"/>
-          </a:fillRef>
-          <a:effectRef idx="0">
-            <a:schemeClr val="accent1"/>
-          </a:effectRef>
-          <a:fontRef idx="minor">
-            <a:schemeClr val="lt1"/>
-          </a:fontRef>
-        </p:style>
-        <p:txBody>
-          <a:bodyPr rtlCol="0" anchor="ctr"/>
-          <a:lstStyle/>
-          <a:p>
-            <a:pPr algn="ctr"/>
-            <a:endParaRPr lang="ko-KR" altLang="en-US"/>
-          </a:p>
-        </p:txBody>
-      </p:sp>
-      <p:sp>
-        <p:nvSpPr>
-          <p:cNvPr id="9" name="타원 8"/>
-          <p:cNvSpPr/>
-          <p:nvPr/>
-        </p:nvSpPr>
-        <p:spPr>
-          <a:xfrm>
-            <a:off x="2762000" y="2183085"/>
-            <a:ext cx="1080000" cy="1080000"/>
-          </a:xfrm>
-          <a:prstGeom prst="ellipse">
-            <a:avLst/>
-          </a:prstGeom>
-          <a:solidFill>
-            <a:srgbClr val="FFC5C5"/>
-          </a:solidFill>
-          <a:ln w="38100" cmpd="sng">
-            <a:solidFill>
-              <a:schemeClr val="tx1"/>
-            </a:solidFill>
-          </a:ln>
-        </p:spPr>
-        <p:style>
-          <a:lnRef idx="2">
-            <a:schemeClr val="accent1">
-              <a:shade val="50000"/>
-            </a:schemeClr>
-          </a:lnRef>
-          <a:fillRef idx="1">
-            <a:schemeClr val="accent1"/>
-          </a:fillRef>
-          <a:effectRef idx="0">
-            <a:schemeClr val="accent1"/>
-          </a:effectRef>
-          <a:fontRef idx="minor">
-            <a:schemeClr val="lt1"/>
-          </a:fontRef>
-        </p:style>
-        <p:txBody>
-          <a:bodyPr rtlCol="0" anchor="ctr"/>
-          <a:lstStyle/>
-          <a:p>
-            <a:pPr algn="ctr"/>
-            <a:endParaRPr lang="ko-KR" altLang="en-US"/>
-          </a:p>
-        </p:txBody>
-      </p:sp>
-      <p:sp>
-        <p:nvSpPr>
-          <p:cNvPr id="10" name="타원 9"/>
-          <p:cNvSpPr/>
-          <p:nvPr/>
-        </p:nvSpPr>
-        <p:spPr>
-          <a:xfrm>
-            <a:off x="4188686" y="2183085"/>
-            <a:ext cx="1080000" cy="1080000"/>
-          </a:xfrm>
-          <a:prstGeom prst="ellipse">
-            <a:avLst/>
-          </a:prstGeom>
-          <a:solidFill>
-            <a:srgbClr val="FFC5C5"/>
-          </a:solidFill>
-          <a:ln w="38100" cmpd="sng">
-            <a:solidFill>
-              <a:schemeClr val="tx1"/>
-            </a:solidFill>
-          </a:ln>
-        </p:spPr>
-        <p:style>
-          <a:lnRef idx="2">
-            <a:schemeClr val="accent1">
-              <a:shade val="50000"/>
-            </a:schemeClr>
-          </a:lnRef>
-          <a:fillRef idx="1">
-            <a:schemeClr val="accent1"/>
-          </a:fillRef>
-          <a:effectRef idx="0">
-            <a:schemeClr val="accent1"/>
-          </a:effectRef>
-          <a:fontRef idx="minor">
-            <a:schemeClr val="lt1"/>
-          </a:fontRef>
-        </p:style>
-        <p:txBody>
-          <a:bodyPr rtlCol="0" anchor="ctr"/>
-          <a:lstStyle/>
-          <a:p>
-            <a:pPr algn="ctr"/>
-            <a:endParaRPr lang="ko-KR" altLang="en-US"/>
-          </a:p>
-        </p:txBody>
-      </p:sp>
-      <p:sp>
-        <p:nvSpPr>
-          <p:cNvPr id="11" name="타원 10"/>
-          <p:cNvSpPr/>
-          <p:nvPr/>
-        </p:nvSpPr>
-        <p:spPr>
-          <a:xfrm>
-            <a:off x="1335314" y="4914400"/>
-            <a:ext cx="1080000" cy="1080000"/>
-          </a:xfrm>
-          <a:prstGeom prst="ellipse">
-            <a:avLst/>
-          </a:prstGeom>
-          <a:solidFill>
-            <a:srgbClr val="FFC5C5"/>
-          </a:solidFill>
-          <a:ln w="38100" cmpd="sng">
-            <a:solidFill>
-              <a:schemeClr val="tx1"/>
-            </a:solidFill>
-          </a:ln>
-        </p:spPr>
-        <p:style>
-          <a:lnRef idx="2">
-            <a:schemeClr val="accent1">
-              <a:shade val="50000"/>
-            </a:schemeClr>
-          </a:lnRef>
-          <a:fillRef idx="1">
-            <a:schemeClr val="accent1"/>
-          </a:fillRef>
-          <a:effectRef idx="0">
-            <a:schemeClr val="accent1"/>
-          </a:effectRef>
-          <a:fontRef idx="minor">
-            <a:schemeClr val="lt1"/>
-          </a:fontRef>
-        </p:style>
-        <p:txBody>
-          <a:bodyPr rtlCol="0" anchor="ctr"/>
-          <a:lstStyle/>
-          <a:p>
-            <a:pPr algn="ctr"/>
-            <a:endParaRPr lang="ko-KR" altLang="en-US"/>
-          </a:p>
-        </p:txBody>
-      </p:sp>
-      <p:sp>
-        <p:nvSpPr>
-          <p:cNvPr id="12" name="타원 11"/>
-          <p:cNvSpPr/>
-          <p:nvPr/>
-        </p:nvSpPr>
-        <p:spPr>
-          <a:xfrm>
-            <a:off x="2762000" y="4914400"/>
-            <a:ext cx="1080000" cy="1080000"/>
-          </a:xfrm>
-          <a:prstGeom prst="ellipse">
-            <a:avLst/>
-          </a:prstGeom>
-          <a:solidFill>
-            <a:srgbClr val="FFC5C5"/>
-          </a:solidFill>
-          <a:ln w="38100" cmpd="sng">
-            <a:solidFill>
-              <a:schemeClr val="tx1"/>
-            </a:solidFill>
-          </a:ln>
-        </p:spPr>
-        <p:style>
-          <a:lnRef idx="2">
-            <a:schemeClr val="accent1">
-              <a:shade val="50000"/>
-            </a:schemeClr>
-          </a:lnRef>
-          <a:fillRef idx="1">
-            <a:schemeClr val="accent1"/>
-          </a:fillRef>
-          <a:effectRef idx="0">
-            <a:schemeClr val="accent1"/>
-          </a:effectRef>
-          <a:fontRef idx="minor">
-            <a:schemeClr val="lt1"/>
-          </a:fontRef>
-        </p:style>
-        <p:txBody>
-          <a:bodyPr rtlCol="0" anchor="ctr"/>
-          <a:lstStyle/>
-          <a:p>
-            <a:pPr algn="ctr"/>
-            <a:endParaRPr lang="ko-KR" altLang="en-US"/>
-          </a:p>
-        </p:txBody>
-      </p:sp>
-      <p:sp>
-        <p:nvSpPr>
-          <p:cNvPr id="13" name="타원 12"/>
-          <p:cNvSpPr/>
-          <p:nvPr/>
-        </p:nvSpPr>
-        <p:spPr>
-          <a:xfrm>
-            <a:off x="4188686" y="4914400"/>
-            <a:ext cx="1080000" cy="1080000"/>
-          </a:xfrm>
-          <a:prstGeom prst="ellipse">
-            <a:avLst/>
-          </a:prstGeom>
-          <a:solidFill>
-            <a:srgbClr val="FFC5C5"/>
-          </a:solidFill>
-          <a:ln w="38100" cmpd="sng">
-            <a:solidFill>
-              <a:schemeClr val="tx1"/>
-            </a:solidFill>
-          </a:ln>
-        </p:spPr>
-        <p:style>
-          <a:lnRef idx="2">
-            <a:schemeClr val="accent1">
-              <a:shade val="50000"/>
-            </a:schemeClr>
-          </a:lnRef>
-          <a:fillRef idx="1">
-            <a:schemeClr val="accent1"/>
-          </a:fillRef>
-          <a:effectRef idx="0">
-            <a:schemeClr val="accent1"/>
-          </a:effectRef>
-          <a:fontRef idx="minor">
-            <a:schemeClr val="lt1"/>
-          </a:fontRef>
-        </p:style>
-        <p:txBody>
-          <a:bodyPr rtlCol="0" anchor="ctr"/>
-          <a:lstStyle/>
-          <a:p>
-            <a:pPr algn="ctr"/>
-            <a:endParaRPr lang="ko-KR" altLang="en-US"/>
-          </a:p>
-        </p:txBody>
-      </p:sp>
-      <p:sp>
-        <p:nvSpPr>
-          <p:cNvPr id="14" name="타원 13"/>
-          <p:cNvSpPr/>
-          <p:nvPr/>
-        </p:nvSpPr>
-        <p:spPr>
-          <a:xfrm>
-            <a:off x="1335314" y="3548742"/>
-            <a:ext cx="1080000" cy="1080000"/>
-          </a:xfrm>
-          <a:prstGeom prst="ellipse">
-            <a:avLst/>
-          </a:prstGeom>
-          <a:solidFill>
-            <a:srgbClr val="FFC5C5"/>
-          </a:solidFill>
-          <a:ln w="38100" cmpd="sng">
-            <a:solidFill>
-              <a:schemeClr val="tx1"/>
-            </a:solidFill>
-          </a:ln>
-        </p:spPr>
-        <p:style>
-          <a:lnRef idx="2">
-            <a:schemeClr val="accent1">
-              <a:shade val="50000"/>
-            </a:schemeClr>
-          </a:lnRef>
-          <a:fillRef idx="1">
-            <a:schemeClr val="accent1"/>
-          </a:fillRef>
-          <a:effectRef idx="0">
-            <a:schemeClr val="accent1"/>
-          </a:effectRef>
-          <a:fontRef idx="minor">
-            <a:schemeClr val="lt1"/>
-          </a:fontRef>
-        </p:style>
-        <p:txBody>
-          <a:bodyPr rtlCol="0" anchor="ctr"/>
-          <a:lstStyle/>
-          <a:p>
-            <a:pPr algn="ctr"/>
-            <a:endParaRPr lang="ko-KR" altLang="en-US"/>
-          </a:p>
-        </p:txBody>
-      </p:sp>
-      <p:sp>
-        <p:nvSpPr>
-          <p:cNvPr id="15" name="타원 14"/>
-          <p:cNvSpPr/>
-          <p:nvPr/>
-        </p:nvSpPr>
-        <p:spPr>
-          <a:xfrm>
-            <a:off x="2762000" y="3548742"/>
-            <a:ext cx="1080000" cy="1080000"/>
-          </a:xfrm>
-          <a:prstGeom prst="ellipse">
-            <a:avLst/>
-          </a:prstGeom>
-          <a:solidFill>
-            <a:srgbClr val="FFC5C5"/>
-          </a:solidFill>
-          <a:ln w="38100" cmpd="sng">
-            <a:solidFill>
-              <a:schemeClr val="tx1"/>
-            </a:solidFill>
-          </a:ln>
-        </p:spPr>
-        <p:style>
-          <a:lnRef idx="2">
-            <a:schemeClr val="accent1">
-              <a:shade val="50000"/>
-            </a:schemeClr>
-          </a:lnRef>
-          <a:fillRef idx="1">
-            <a:schemeClr val="accent1"/>
-          </a:fillRef>
-          <a:effectRef idx="0">
-            <a:schemeClr val="accent1"/>
-          </a:effectRef>
-          <a:fontRef idx="minor">
-            <a:schemeClr val="lt1"/>
-          </a:fontRef>
-        </p:style>
-        <p:txBody>
-          <a:bodyPr rtlCol="0" anchor="ctr"/>
-          <a:lstStyle/>
-          <a:p>
-            <a:pPr algn="ctr"/>
-            <a:endParaRPr lang="ko-KR" altLang="en-US"/>
-          </a:p>
-        </p:txBody>
-      </p:sp>
-      <p:sp>
-        <p:nvSpPr>
-          <p:cNvPr id="16" name="타원 15"/>
-          <p:cNvSpPr/>
-          <p:nvPr/>
-        </p:nvSpPr>
-        <p:spPr>
-          <a:xfrm>
-            <a:off x="4188686" y="3548742"/>
-            <a:ext cx="1080000" cy="1080000"/>
-          </a:xfrm>
-          <a:prstGeom prst="ellipse">
-            <a:avLst/>
-          </a:prstGeom>
-          <a:solidFill>
-            <a:srgbClr val="FFC5C5"/>
-          </a:solidFill>
-          <a:ln w="38100" cmpd="sng">
-            <a:solidFill>
-              <a:schemeClr val="tx1"/>
-            </a:solidFill>
-          </a:ln>
-        </p:spPr>
-        <p:style>
-          <a:lnRef idx="2">
-            <a:schemeClr val="accent1">
-              <a:shade val="50000"/>
-            </a:schemeClr>
-          </a:lnRef>
-          <a:fillRef idx="1">
-            <a:schemeClr val="accent1"/>
-          </a:fillRef>
-          <a:effectRef idx="0">
-            <a:schemeClr val="accent1"/>
-          </a:effectRef>
-          <a:fontRef idx="minor">
-            <a:schemeClr val="lt1"/>
-          </a:fontRef>
-        </p:style>
-        <p:txBody>
-          <a:bodyPr rtlCol="0" anchor="ctr"/>
-          <a:lstStyle/>
-          <a:p>
-            <a:pPr algn="ctr"/>
-            <a:endParaRPr lang="ko-KR" altLang="en-US"/>
-          </a:p>
-        </p:txBody>
-      </p:sp>
-      <p:sp>
-        <p:nvSpPr>
-          <p:cNvPr id="18" name="타원 17"/>
-          <p:cNvSpPr/>
-          <p:nvPr/>
-        </p:nvSpPr>
-        <p:spPr>
-          <a:xfrm>
-            <a:off x="2886034" y="966468"/>
-            <a:ext cx="432000" cy="432000"/>
-          </a:xfrm>
-          <a:prstGeom prst="ellipse">
-            <a:avLst/>
-          </a:prstGeom>
-          <a:solidFill>
-            <a:srgbClr val="FFE1E1"/>
-          </a:solidFill>
-          <a:ln>
-            <a:noFill/>
-          </a:ln>
-        </p:spPr>
-        <p:style>
-          <a:lnRef idx="2">
-            <a:schemeClr val="accent1">
-              <a:shade val="50000"/>
-            </a:schemeClr>
-          </a:lnRef>
-          <a:fillRef idx="1">
-            <a:schemeClr val="accent1"/>
-          </a:fillRef>
-          <a:effectRef idx="0">
-            <a:schemeClr val="accent1"/>
-          </a:effectRef>
-          <a:fontRef idx="minor">
-            <a:schemeClr val="lt1"/>
-          </a:fontRef>
-        </p:style>
-        <p:txBody>
-          <a:bodyPr rtlCol="0" anchor="ctr"/>
-          <a:lstStyle/>
-          <a:p>
-            <a:pPr algn="ctr"/>
-            <a:endParaRPr lang="ko-KR" altLang="en-US"/>
-          </a:p>
-        </p:txBody>
-      </p:sp>
-      <p:sp>
-        <p:nvSpPr>
-          <p:cNvPr id="19" name="타원 18"/>
-          <p:cNvSpPr/>
-          <p:nvPr/>
-        </p:nvSpPr>
-        <p:spPr>
-          <a:xfrm>
-            <a:off x="1477604" y="2363774"/>
-            <a:ext cx="432000" cy="432000"/>
-          </a:xfrm>
-          <a:prstGeom prst="ellipse">
-            <a:avLst/>
-          </a:prstGeom>
-          <a:solidFill>
-            <a:srgbClr val="FFE1E1"/>
-          </a:solidFill>
-          <a:ln>
-            <a:noFill/>
-          </a:ln>
-        </p:spPr>
-        <p:style>
-          <a:lnRef idx="2">
-            <a:schemeClr val="accent1">
-              <a:shade val="50000"/>
-            </a:schemeClr>
-          </a:lnRef>
-          <a:fillRef idx="1">
-            <a:schemeClr val="accent1"/>
-          </a:fillRef>
-          <a:effectRef idx="0">
-            <a:schemeClr val="accent1"/>
-          </a:effectRef>
-          <a:fontRef idx="minor">
-            <a:schemeClr val="lt1"/>
-          </a:fontRef>
-        </p:style>
-        <p:txBody>
-          <a:bodyPr rtlCol="0" anchor="ctr"/>
-          <a:lstStyle/>
-          <a:p>
-            <a:pPr algn="ctr"/>
-            <a:endParaRPr lang="ko-KR" altLang="en-US"/>
-          </a:p>
-        </p:txBody>
-      </p:sp>
-      <p:sp>
-        <p:nvSpPr>
-          <p:cNvPr id="20" name="타원 19"/>
-          <p:cNvSpPr/>
-          <p:nvPr/>
-        </p:nvSpPr>
-        <p:spPr>
-          <a:xfrm>
-            <a:off x="2886034" y="2363774"/>
-            <a:ext cx="432000" cy="432000"/>
-          </a:xfrm>
-          <a:prstGeom prst="ellipse">
-            <a:avLst/>
-          </a:prstGeom>
-          <a:solidFill>
-            <a:srgbClr val="FFE1E1"/>
-          </a:solidFill>
-          <a:ln>
-            <a:noFill/>
-          </a:ln>
-        </p:spPr>
-        <p:style>
-          <a:lnRef idx="2">
-            <a:schemeClr val="accent1">
-              <a:shade val="50000"/>
-            </a:schemeClr>
-          </a:lnRef>
-          <a:fillRef idx="1">
-            <a:schemeClr val="accent1"/>
-          </a:fillRef>
-          <a:effectRef idx="0">
-            <a:schemeClr val="accent1"/>
-          </a:effectRef>
-          <a:fontRef idx="minor">
-            <a:schemeClr val="lt1"/>
-          </a:fontRef>
-        </p:style>
-        <p:txBody>
-          <a:bodyPr rtlCol="0" anchor="ctr"/>
-          <a:lstStyle/>
-          <a:p>
-            <a:pPr algn="ctr"/>
-            <a:endParaRPr lang="ko-KR" altLang="en-US"/>
-          </a:p>
-        </p:txBody>
-      </p:sp>
-      <p:sp>
-        <p:nvSpPr>
-          <p:cNvPr id="21" name="타원 20"/>
-          <p:cNvSpPr/>
-          <p:nvPr/>
-        </p:nvSpPr>
-        <p:spPr>
-          <a:xfrm>
-            <a:off x="4296686" y="966468"/>
-            <a:ext cx="432000" cy="432000"/>
-          </a:xfrm>
-          <a:prstGeom prst="ellipse">
-            <a:avLst/>
-          </a:prstGeom>
-          <a:solidFill>
-            <a:srgbClr val="FFE1E1"/>
-          </a:solidFill>
-          <a:ln>
-            <a:noFill/>
-          </a:ln>
-        </p:spPr>
-        <p:style>
-          <a:lnRef idx="2">
-            <a:schemeClr val="accent1">
-              <a:shade val="50000"/>
-            </a:schemeClr>
-          </a:lnRef>
-          <a:fillRef idx="1">
-            <a:schemeClr val="accent1"/>
-          </a:fillRef>
-          <a:effectRef idx="0">
-            <a:schemeClr val="accent1"/>
-          </a:effectRef>
-          <a:fontRef idx="minor">
-            <a:schemeClr val="lt1"/>
-          </a:fontRef>
-        </p:style>
-        <p:txBody>
-          <a:bodyPr rtlCol="0" anchor="ctr"/>
-          <a:lstStyle/>
-          <a:p>
-            <a:pPr algn="ctr"/>
-            <a:endParaRPr lang="ko-KR" altLang="en-US"/>
-          </a:p>
-        </p:txBody>
-      </p:sp>
-      <p:sp>
-        <p:nvSpPr>
-          <p:cNvPr id="22" name="타원 21"/>
-          <p:cNvSpPr/>
-          <p:nvPr/>
-        </p:nvSpPr>
-        <p:spPr>
-          <a:xfrm>
-            <a:off x="4296686" y="2363774"/>
-            <a:ext cx="432000" cy="432000"/>
-          </a:xfrm>
-          <a:prstGeom prst="ellipse">
-            <a:avLst/>
-          </a:prstGeom>
-          <a:solidFill>
-            <a:srgbClr val="FFE1E1"/>
-          </a:solidFill>
-          <a:ln>
-            <a:noFill/>
-          </a:ln>
-        </p:spPr>
-        <p:style>
-          <a:lnRef idx="2">
-            <a:schemeClr val="accent1">
-              <a:shade val="50000"/>
-            </a:schemeClr>
-          </a:lnRef>
-          <a:fillRef idx="1">
-            <a:schemeClr val="accent1"/>
-          </a:fillRef>
-          <a:effectRef idx="0">
-            <a:schemeClr val="accent1"/>
-          </a:effectRef>
-          <a:fontRef idx="minor">
-            <a:schemeClr val="lt1"/>
-          </a:fontRef>
-        </p:style>
-        <p:txBody>
-          <a:bodyPr rtlCol="0" anchor="ctr"/>
-          <a:lstStyle/>
-          <a:p>
-            <a:pPr algn="ctr"/>
-            <a:endParaRPr lang="ko-KR" altLang="en-US"/>
-          </a:p>
-        </p:txBody>
-      </p:sp>
-      <p:sp>
-        <p:nvSpPr>
-          <p:cNvPr id="23" name="타원 22"/>
-          <p:cNvSpPr/>
-          <p:nvPr/>
-        </p:nvSpPr>
-        <p:spPr>
-          <a:xfrm>
-            <a:off x="1477604" y="3707641"/>
-            <a:ext cx="432000" cy="432000"/>
-          </a:xfrm>
-          <a:prstGeom prst="ellipse">
-            <a:avLst/>
-          </a:prstGeom>
-          <a:solidFill>
-            <a:srgbClr val="FFE1E1"/>
-          </a:solidFill>
-          <a:ln>
-            <a:noFill/>
-          </a:ln>
-        </p:spPr>
-        <p:style>
-          <a:lnRef idx="2">
-            <a:schemeClr val="accent1">
-              <a:shade val="50000"/>
-            </a:schemeClr>
-          </a:lnRef>
-          <a:fillRef idx="1">
-            <a:schemeClr val="accent1"/>
-          </a:fillRef>
-          <a:effectRef idx="0">
-            <a:schemeClr val="accent1"/>
-          </a:effectRef>
-          <a:fontRef idx="minor">
-            <a:schemeClr val="lt1"/>
-          </a:fontRef>
-        </p:style>
-        <p:txBody>
-          <a:bodyPr rtlCol="0" anchor="ctr"/>
-          <a:lstStyle/>
-          <a:p>
-            <a:pPr algn="ctr"/>
-            <a:endParaRPr lang="ko-KR" altLang="en-US"/>
-          </a:p>
-        </p:txBody>
-      </p:sp>
-      <p:sp>
-        <p:nvSpPr>
-          <p:cNvPr id="24" name="타원 23"/>
-          <p:cNvSpPr/>
-          <p:nvPr/>
-        </p:nvSpPr>
-        <p:spPr>
-          <a:xfrm>
-            <a:off x="2886034" y="3707641"/>
-            <a:ext cx="432000" cy="432000"/>
-          </a:xfrm>
-          <a:prstGeom prst="ellipse">
-            <a:avLst/>
-          </a:prstGeom>
-          <a:solidFill>
-            <a:srgbClr val="FFE1E1"/>
-          </a:solidFill>
-          <a:ln>
-            <a:noFill/>
-          </a:ln>
-        </p:spPr>
-        <p:style>
-          <a:lnRef idx="2">
-            <a:schemeClr val="accent1">
-              <a:shade val="50000"/>
-            </a:schemeClr>
-          </a:lnRef>
-          <a:fillRef idx="1">
-            <a:schemeClr val="accent1"/>
-          </a:fillRef>
-          <a:effectRef idx="0">
-            <a:schemeClr val="accent1"/>
-          </a:effectRef>
-          <a:fontRef idx="minor">
-            <a:schemeClr val="lt1"/>
-          </a:fontRef>
-        </p:style>
-        <p:txBody>
-          <a:bodyPr rtlCol="0" anchor="ctr"/>
-          <a:lstStyle/>
-          <a:p>
-            <a:pPr algn="ctr"/>
-            <a:endParaRPr lang="ko-KR" altLang="en-US"/>
-          </a:p>
-        </p:txBody>
-      </p:sp>
-      <p:sp>
-        <p:nvSpPr>
-          <p:cNvPr id="25" name="타원 24"/>
-          <p:cNvSpPr/>
-          <p:nvPr/>
-        </p:nvSpPr>
-        <p:spPr>
-          <a:xfrm>
-            <a:off x="1477604" y="5104947"/>
-            <a:ext cx="432000" cy="432000"/>
-          </a:xfrm>
-          <a:prstGeom prst="ellipse">
-            <a:avLst/>
-          </a:prstGeom>
-          <a:solidFill>
-            <a:srgbClr val="FFE1E1"/>
-          </a:solidFill>
-          <a:ln>
-            <a:noFill/>
-          </a:ln>
-        </p:spPr>
-        <p:style>
-          <a:lnRef idx="2">
-            <a:schemeClr val="accent1">
-              <a:shade val="50000"/>
-            </a:schemeClr>
-          </a:lnRef>
-          <a:fillRef idx="1">
-            <a:schemeClr val="accent1"/>
-          </a:fillRef>
-          <a:effectRef idx="0">
-            <a:schemeClr val="accent1"/>
-          </a:effectRef>
-          <a:fontRef idx="minor">
-            <a:schemeClr val="lt1"/>
-          </a:fontRef>
-        </p:style>
-        <p:txBody>
-          <a:bodyPr rtlCol="0" anchor="ctr"/>
-          <a:lstStyle/>
-          <a:p>
-            <a:pPr algn="ctr"/>
-            <a:endParaRPr lang="ko-KR" altLang="en-US"/>
-          </a:p>
-        </p:txBody>
-      </p:sp>
-      <p:sp>
-        <p:nvSpPr>
-          <p:cNvPr id="26" name="타원 25"/>
-          <p:cNvSpPr/>
-          <p:nvPr/>
-        </p:nvSpPr>
-        <p:spPr>
-          <a:xfrm>
-            <a:off x="2886034" y="5104947"/>
-            <a:ext cx="432000" cy="432000"/>
-          </a:xfrm>
-          <a:prstGeom prst="ellipse">
-            <a:avLst/>
-          </a:prstGeom>
-          <a:solidFill>
-            <a:srgbClr val="FFE1E1"/>
-          </a:solidFill>
-          <a:ln>
-            <a:noFill/>
-          </a:ln>
-        </p:spPr>
-        <p:style>
-          <a:lnRef idx="2">
-            <a:schemeClr val="accent1">
-              <a:shade val="50000"/>
-            </a:schemeClr>
-          </a:lnRef>
-          <a:fillRef idx="1">
-            <a:schemeClr val="accent1"/>
-          </a:fillRef>
-          <a:effectRef idx="0">
-            <a:schemeClr val="accent1"/>
-          </a:effectRef>
-          <a:fontRef idx="minor">
-            <a:schemeClr val="lt1"/>
-          </a:fontRef>
-        </p:style>
-        <p:txBody>
-          <a:bodyPr rtlCol="0" anchor="ctr"/>
-          <a:lstStyle/>
-          <a:p>
-            <a:pPr algn="ctr"/>
-            <a:endParaRPr lang="ko-KR" altLang="en-US"/>
-          </a:p>
-        </p:txBody>
-      </p:sp>
-      <p:sp>
-        <p:nvSpPr>
-          <p:cNvPr id="27" name="타원 26"/>
-          <p:cNvSpPr/>
-          <p:nvPr/>
-        </p:nvSpPr>
-        <p:spPr>
-          <a:xfrm>
-            <a:off x="4296686" y="3707641"/>
-            <a:ext cx="432000" cy="432000"/>
-          </a:xfrm>
-          <a:prstGeom prst="ellipse">
-            <a:avLst/>
-          </a:prstGeom>
-          <a:solidFill>
-            <a:srgbClr val="FFE1E1"/>
-          </a:solidFill>
-          <a:ln>
-            <a:noFill/>
-          </a:ln>
-        </p:spPr>
-        <p:style>
-          <a:lnRef idx="2">
-            <a:schemeClr val="accent1">
-              <a:shade val="50000"/>
-            </a:schemeClr>
-          </a:lnRef>
-          <a:fillRef idx="1">
-            <a:schemeClr val="accent1"/>
-          </a:fillRef>
-          <a:effectRef idx="0">
-            <a:schemeClr val="accent1"/>
-          </a:effectRef>
-          <a:fontRef idx="minor">
-            <a:schemeClr val="lt1"/>
-          </a:fontRef>
-        </p:style>
-        <p:txBody>
-          <a:bodyPr rtlCol="0" anchor="ctr"/>
-          <a:lstStyle/>
-          <a:p>
-            <a:pPr algn="ctr"/>
-            <a:endParaRPr lang="ko-KR" altLang="en-US"/>
-          </a:p>
-        </p:txBody>
-      </p:sp>
-      <p:sp>
-        <p:nvSpPr>
-          <p:cNvPr id="28" name="타원 27"/>
-          <p:cNvSpPr/>
-          <p:nvPr/>
-        </p:nvSpPr>
-        <p:spPr>
-          <a:xfrm>
-            <a:off x="4296686" y="5104947"/>
-            <a:ext cx="432000" cy="432000"/>
-          </a:xfrm>
-          <a:prstGeom prst="ellipse">
-            <a:avLst/>
-          </a:prstGeom>
-          <a:solidFill>
-            <a:srgbClr val="FFE1E1"/>
-          </a:solidFill>
-          <a:ln>
-            <a:noFill/>
-          </a:ln>
-        </p:spPr>
-        <p:style>
-          <a:lnRef idx="2">
-            <a:schemeClr val="accent1">
-              <a:shade val="50000"/>
-            </a:schemeClr>
-          </a:lnRef>
-          <a:fillRef idx="1">
-            <a:schemeClr val="accent1"/>
-          </a:fillRef>
-          <a:effectRef idx="0">
-            <a:schemeClr val="accent1"/>
-          </a:effectRef>
-          <a:fontRef idx="minor">
-            <a:schemeClr val="lt1"/>
-          </a:fontRef>
-        </p:style>
-        <p:txBody>
-          <a:bodyPr rtlCol="0" anchor="ctr"/>
-          <a:lstStyle/>
-          <a:p>
-            <a:pPr algn="ctr"/>
-            <a:endParaRPr lang="ko-KR" altLang="en-US"/>
-          </a:p>
-        </p:txBody>
-      </p:sp>
-      <p:sp>
-        <p:nvSpPr>
           <p:cNvPr id="34" name="타원 33"/>
           <p:cNvSpPr/>
           <p:nvPr/>
         </p:nvSpPr>
         <p:spPr>
           <a:xfrm>
-            <a:off x="1281314" y="741404"/>
-            <a:ext cx="1188000" cy="1188000"/>
+            <a:off x="982129" y="767036"/>
+            <a:ext cx="1564791" cy="1556658"/>
           </a:xfrm>
           <a:prstGeom prst="ellipse">
             <a:avLst/>
@@ -5771,10 +4737,10 @@
         </p:nvGrpSpPr>
         <p:grpSpPr>
           <a:xfrm>
-            <a:off x="1335314" y="600635"/>
-            <a:ext cx="1139077" cy="1277651"/>
-            <a:chOff x="1335314" y="600635"/>
-            <a:chExt cx="1139077" cy="1277651"/>
+            <a:off x="1053257" y="676769"/>
+            <a:ext cx="1482997" cy="1572803"/>
+            <a:chOff x="1335314" y="677965"/>
+            <a:chExt cx="1125902" cy="1200321"/>
           </a:xfrm>
         </p:grpSpPr>
         <p:sp>
@@ -6059,7 +5025,7 @@
           </p:nvSpPr>
           <p:spPr>
             <a:xfrm>
-              <a:off x="2145779" y="600635"/>
+              <a:off x="2132604" y="677965"/>
               <a:ext cx="328612" cy="646331"/>
             </a:xfrm>
             <a:prstGeom prst="rect">
@@ -7074,6 +6040,2386 @@
           </a:p>
         </p:txBody>
       </p:sp>
+      <p:grpSp>
+        <p:nvGrpSpPr>
+          <p:cNvPr id="51" name="그룹 50"/>
+          <p:cNvGrpSpPr/>
+          <p:nvPr/>
+        </p:nvGrpSpPr>
+        <p:grpSpPr>
+          <a:xfrm>
+            <a:off x="4047773" y="676769"/>
+            <a:ext cx="1482997" cy="1572803"/>
+            <a:chOff x="1335314" y="677965"/>
+            <a:chExt cx="1125902" cy="1200321"/>
+          </a:xfrm>
+        </p:grpSpPr>
+        <p:sp>
+          <p:nvSpPr>
+            <p:cNvPr id="53" name="타원 52"/>
+            <p:cNvSpPr/>
+            <p:nvPr/>
+          </p:nvSpPr>
+          <p:spPr>
+            <a:xfrm>
+              <a:off x="1335314" y="798286"/>
+              <a:ext cx="1080000" cy="1080000"/>
+            </a:xfrm>
+            <a:prstGeom prst="ellipse">
+              <a:avLst/>
+            </a:prstGeom>
+            <a:solidFill>
+              <a:srgbClr val="FFC5C5"/>
+            </a:solidFill>
+            <a:ln w="38100" cmpd="sng">
+              <a:solidFill>
+                <a:schemeClr val="tx1"/>
+              </a:solidFill>
+            </a:ln>
+          </p:spPr>
+          <p:style>
+            <a:lnRef idx="2">
+              <a:schemeClr val="accent1">
+                <a:shade val="50000"/>
+              </a:schemeClr>
+            </a:lnRef>
+            <a:fillRef idx="1">
+              <a:schemeClr val="accent1"/>
+            </a:fillRef>
+            <a:effectRef idx="0">
+              <a:schemeClr val="accent1"/>
+            </a:effectRef>
+            <a:fontRef idx="minor">
+              <a:schemeClr val="lt1"/>
+            </a:fontRef>
+          </p:style>
+          <p:txBody>
+            <a:bodyPr rtlCol="0" anchor="ctr"/>
+            <a:lstStyle/>
+            <a:p>
+              <a:pPr algn="ctr"/>
+              <a:endParaRPr lang="ko-KR" altLang="en-US"/>
+            </a:p>
+          </p:txBody>
+        </p:sp>
+        <p:sp>
+          <p:nvSpPr>
+            <p:cNvPr id="57" name="타원 56"/>
+            <p:cNvSpPr/>
+            <p:nvPr/>
+          </p:nvSpPr>
+          <p:spPr>
+            <a:xfrm>
+              <a:off x="1477604" y="966468"/>
+              <a:ext cx="432000" cy="432000"/>
+            </a:xfrm>
+            <a:prstGeom prst="ellipse">
+              <a:avLst/>
+            </a:prstGeom>
+            <a:solidFill>
+              <a:srgbClr val="FFE1E1"/>
+            </a:solidFill>
+            <a:ln>
+              <a:noFill/>
+            </a:ln>
+          </p:spPr>
+          <p:style>
+            <a:lnRef idx="2">
+              <a:schemeClr val="accent1">
+                <a:shade val="50000"/>
+              </a:schemeClr>
+            </a:lnRef>
+            <a:fillRef idx="1">
+              <a:schemeClr val="accent1"/>
+            </a:fillRef>
+            <a:effectRef idx="0">
+              <a:schemeClr val="accent1"/>
+            </a:effectRef>
+            <a:fontRef idx="minor">
+              <a:schemeClr val="lt1"/>
+            </a:fontRef>
+          </p:style>
+          <p:txBody>
+            <a:bodyPr rtlCol="0" anchor="ctr"/>
+            <a:lstStyle/>
+            <a:p>
+              <a:pPr algn="ctr"/>
+              <a:endParaRPr lang="ko-KR" altLang="en-US"/>
+            </a:p>
+          </p:txBody>
+        </p:sp>
+        <p:grpSp>
+          <p:nvGrpSpPr>
+            <p:cNvPr id="60" name="그룹 59"/>
+            <p:cNvGrpSpPr/>
+            <p:nvPr/>
+          </p:nvGrpSpPr>
+          <p:grpSpPr>
+            <a:xfrm rot="20302406">
+              <a:off x="1491055" y="1303819"/>
+              <a:ext cx="755887" cy="308337"/>
+              <a:chOff x="1636295" y="1620252"/>
+              <a:chExt cx="7652084" cy="2245895"/>
+            </a:xfrm>
+          </p:grpSpPr>
+          <p:sp>
+            <p:nvSpPr>
+              <p:cNvPr id="63" name="직사각형 62"/>
+              <p:cNvSpPr/>
+              <p:nvPr/>
+            </p:nvSpPr>
+            <p:spPr>
+              <a:xfrm>
+                <a:off x="4764505" y="1620252"/>
+                <a:ext cx="4523874" cy="2245895"/>
+              </a:xfrm>
+              <a:prstGeom prst="rect">
+                <a:avLst/>
+              </a:prstGeom>
+              <a:gradFill>
+                <a:gsLst>
+                  <a:gs pos="0">
+                    <a:schemeClr val="bg1">
+                      <a:lumMod val="50000"/>
+                    </a:schemeClr>
+                  </a:gs>
+                  <a:gs pos="100000">
+                    <a:schemeClr val="bg1">
+                      <a:lumMod val="85000"/>
+                    </a:schemeClr>
+                  </a:gs>
+                </a:gsLst>
+                <a:lin ang="5400000" scaled="1"/>
+              </a:gradFill>
+              <a:ln>
+                <a:noFill/>
+              </a:ln>
+            </p:spPr>
+            <p:style>
+              <a:lnRef idx="2">
+                <a:schemeClr val="accent1">
+                  <a:shade val="50000"/>
+                </a:schemeClr>
+              </a:lnRef>
+              <a:fillRef idx="1">
+                <a:schemeClr val="accent1"/>
+              </a:fillRef>
+              <a:effectRef idx="0">
+                <a:schemeClr val="accent1"/>
+              </a:effectRef>
+              <a:fontRef idx="minor">
+                <a:schemeClr val="lt1"/>
+              </a:fontRef>
+            </p:style>
+            <p:txBody>
+              <a:bodyPr rtlCol="0" anchor="ctr"/>
+              <a:lstStyle/>
+              <a:p>
+                <a:pPr algn="ctr"/>
+                <a:endParaRPr lang="ko-KR" altLang="en-US"/>
+              </a:p>
+            </p:txBody>
+          </p:sp>
+          <p:sp>
+            <p:nvSpPr>
+              <p:cNvPr id="64" name="모서리가 둥근 직사각형 63"/>
+              <p:cNvSpPr/>
+              <p:nvPr/>
+            </p:nvSpPr>
+            <p:spPr>
+              <a:xfrm>
+                <a:off x="1636295" y="1620252"/>
+                <a:ext cx="3256547" cy="978569"/>
+              </a:xfrm>
+              <a:prstGeom prst="roundRect">
+                <a:avLst/>
+              </a:prstGeom>
+              <a:solidFill>
+                <a:schemeClr val="bg2">
+                  <a:lumMod val="25000"/>
+                </a:schemeClr>
+              </a:solidFill>
+              <a:ln>
+                <a:noFill/>
+              </a:ln>
+            </p:spPr>
+            <p:style>
+              <a:lnRef idx="2">
+                <a:schemeClr val="accent1">
+                  <a:shade val="50000"/>
+                </a:schemeClr>
+              </a:lnRef>
+              <a:fillRef idx="1">
+                <a:schemeClr val="accent1"/>
+              </a:fillRef>
+              <a:effectRef idx="0">
+                <a:schemeClr val="accent1"/>
+              </a:effectRef>
+              <a:fontRef idx="minor">
+                <a:schemeClr val="lt1"/>
+              </a:fontRef>
+            </p:style>
+            <p:txBody>
+              <a:bodyPr rtlCol="0" anchor="ctr"/>
+              <a:lstStyle/>
+              <a:p>
+                <a:pPr algn="ctr"/>
+                <a:endParaRPr lang="ko-KR" altLang="en-US"/>
+              </a:p>
+            </p:txBody>
+          </p:sp>
+        </p:grpSp>
+        <p:sp>
+          <p:nvSpPr>
+            <p:cNvPr id="61" name="포인트가 4개인 별 60"/>
+            <p:cNvSpPr/>
+            <p:nvPr/>
+          </p:nvSpPr>
+          <p:spPr>
+            <a:xfrm rot="20693841">
+              <a:off x="1939277" y="976375"/>
+              <a:ext cx="385141" cy="392740"/>
+            </a:xfrm>
+            <a:prstGeom prst="star4">
+              <a:avLst>
+                <a:gd name="adj" fmla="val 11273"/>
+              </a:avLst>
+            </a:prstGeom>
+            <a:gradFill flip="none" rotWithShape="1">
+              <a:gsLst>
+                <a:gs pos="0">
+                  <a:srgbClr val="FFFF93"/>
+                </a:gs>
+                <a:gs pos="76000">
+                  <a:srgbClr val="FFFF00"/>
+                </a:gs>
+              </a:gsLst>
+              <a:path path="circle">
+                <a:fillToRect l="50000" t="50000" r="50000" b="50000"/>
+              </a:path>
+              <a:tileRect/>
+            </a:gradFill>
+            <a:ln>
+              <a:noFill/>
+            </a:ln>
+          </p:spPr>
+          <p:style>
+            <a:lnRef idx="2">
+              <a:schemeClr val="accent1">
+                <a:shade val="50000"/>
+              </a:schemeClr>
+            </a:lnRef>
+            <a:fillRef idx="1">
+              <a:schemeClr val="accent1"/>
+            </a:fillRef>
+            <a:effectRef idx="0">
+              <a:schemeClr val="accent1"/>
+            </a:effectRef>
+            <a:fontRef idx="minor">
+              <a:schemeClr val="lt1"/>
+            </a:fontRef>
+          </p:style>
+          <p:txBody>
+            <a:bodyPr rtlCol="0" anchor="ctr"/>
+            <a:lstStyle/>
+            <a:p>
+              <a:pPr algn="ctr"/>
+              <a:endParaRPr lang="ko-KR" altLang="en-US"/>
+            </a:p>
+          </p:txBody>
+        </p:sp>
+        <p:sp>
+          <p:nvSpPr>
+            <p:cNvPr id="62" name="TextBox 61"/>
+            <p:cNvSpPr txBox="1"/>
+            <p:nvPr/>
+          </p:nvSpPr>
+          <p:spPr>
+            <a:xfrm>
+              <a:off x="2132604" y="677965"/>
+              <a:ext cx="328612" cy="646331"/>
+            </a:xfrm>
+            <a:prstGeom prst="rect">
+              <a:avLst/>
+            </a:prstGeom>
+            <a:noFill/>
+          </p:spPr>
+          <p:txBody>
+            <a:bodyPr wrap="square" rtlCol="0">
+              <a:spAutoFit/>
+            </a:bodyPr>
+            <a:lstStyle/>
+            <a:p>
+              <a:pPr algn="ctr"/>
+              <a:r>
+                <a:rPr lang="en-US" altLang="ko-KR" sz="3600" dirty="0" smtClean="0">
+                  <a:ln w="25400">
+                    <a:solidFill>
+                      <a:schemeClr val="tx1"/>
+                    </a:solidFill>
+                  </a:ln>
+                  <a:solidFill>
+                    <a:srgbClr val="FFFF00"/>
+                  </a:solidFill>
+                  <a:latin typeface="Bauhaus 93" panose="04030905020B02020C02" pitchFamily="82" charset="0"/>
+                </a:rPr>
+                <a:t>0</a:t>
+              </a:r>
+              <a:endParaRPr lang="ko-KR" altLang="en-US" sz="3600" dirty="0">
+                <a:ln w="25400">
+                  <a:solidFill>
+                    <a:schemeClr val="tx1"/>
+                  </a:solidFill>
+                </a:ln>
+                <a:solidFill>
+                  <a:srgbClr val="FFFF00"/>
+                </a:solidFill>
+                <a:latin typeface="Bauhaus 93" panose="04030905020B02020C02" pitchFamily="82" charset="0"/>
+              </a:endParaRPr>
+            </a:p>
+          </p:txBody>
+        </p:sp>
+      </p:grpSp>
+      <p:grpSp>
+        <p:nvGrpSpPr>
+          <p:cNvPr id="65" name="그룹 64"/>
+          <p:cNvGrpSpPr/>
+          <p:nvPr/>
+        </p:nvGrpSpPr>
+        <p:grpSpPr>
+          <a:xfrm>
+            <a:off x="2535583" y="1639597"/>
+            <a:ext cx="1482997" cy="1572803"/>
+            <a:chOff x="1335314" y="677965"/>
+            <a:chExt cx="1125902" cy="1200321"/>
+          </a:xfrm>
+        </p:grpSpPr>
+        <p:sp>
+          <p:nvSpPr>
+            <p:cNvPr id="66" name="타원 65"/>
+            <p:cNvSpPr/>
+            <p:nvPr/>
+          </p:nvSpPr>
+          <p:spPr>
+            <a:xfrm>
+              <a:off x="1335314" y="798286"/>
+              <a:ext cx="1080000" cy="1080000"/>
+            </a:xfrm>
+            <a:prstGeom prst="ellipse">
+              <a:avLst/>
+            </a:prstGeom>
+            <a:solidFill>
+              <a:srgbClr val="FFC5C5"/>
+            </a:solidFill>
+            <a:ln w="38100" cmpd="sng">
+              <a:solidFill>
+                <a:schemeClr val="tx1"/>
+              </a:solidFill>
+            </a:ln>
+          </p:spPr>
+          <p:style>
+            <a:lnRef idx="2">
+              <a:schemeClr val="accent1">
+                <a:shade val="50000"/>
+              </a:schemeClr>
+            </a:lnRef>
+            <a:fillRef idx="1">
+              <a:schemeClr val="accent1"/>
+            </a:fillRef>
+            <a:effectRef idx="0">
+              <a:schemeClr val="accent1"/>
+            </a:effectRef>
+            <a:fontRef idx="minor">
+              <a:schemeClr val="lt1"/>
+            </a:fontRef>
+          </p:style>
+          <p:txBody>
+            <a:bodyPr rtlCol="0" anchor="ctr"/>
+            <a:lstStyle/>
+            <a:p>
+              <a:pPr algn="ctr"/>
+              <a:endParaRPr lang="ko-KR" altLang="en-US"/>
+            </a:p>
+          </p:txBody>
+        </p:sp>
+        <p:sp>
+          <p:nvSpPr>
+            <p:cNvPr id="67" name="타원 66"/>
+            <p:cNvSpPr/>
+            <p:nvPr/>
+          </p:nvSpPr>
+          <p:spPr>
+            <a:xfrm>
+              <a:off x="1477604" y="966468"/>
+              <a:ext cx="432000" cy="432000"/>
+            </a:xfrm>
+            <a:prstGeom prst="ellipse">
+              <a:avLst/>
+            </a:prstGeom>
+            <a:solidFill>
+              <a:srgbClr val="FFE1E1"/>
+            </a:solidFill>
+            <a:ln>
+              <a:noFill/>
+            </a:ln>
+          </p:spPr>
+          <p:style>
+            <a:lnRef idx="2">
+              <a:schemeClr val="accent1">
+                <a:shade val="50000"/>
+              </a:schemeClr>
+            </a:lnRef>
+            <a:fillRef idx="1">
+              <a:schemeClr val="accent1"/>
+            </a:fillRef>
+            <a:effectRef idx="0">
+              <a:schemeClr val="accent1"/>
+            </a:effectRef>
+            <a:fontRef idx="minor">
+              <a:schemeClr val="lt1"/>
+            </a:fontRef>
+          </p:style>
+          <p:txBody>
+            <a:bodyPr rtlCol="0" anchor="ctr"/>
+            <a:lstStyle/>
+            <a:p>
+              <a:pPr algn="ctr"/>
+              <a:endParaRPr lang="ko-KR" altLang="en-US"/>
+            </a:p>
+          </p:txBody>
+        </p:sp>
+        <p:grpSp>
+          <p:nvGrpSpPr>
+            <p:cNvPr id="68" name="그룹 67"/>
+            <p:cNvGrpSpPr/>
+            <p:nvPr/>
+          </p:nvGrpSpPr>
+          <p:grpSpPr>
+            <a:xfrm rot="20302406">
+              <a:off x="1491055" y="1303819"/>
+              <a:ext cx="755887" cy="308337"/>
+              <a:chOff x="1636295" y="1620252"/>
+              <a:chExt cx="7652084" cy="2245895"/>
+            </a:xfrm>
+          </p:grpSpPr>
+          <p:sp>
+            <p:nvSpPr>
+              <p:cNvPr id="71" name="직사각형 70"/>
+              <p:cNvSpPr/>
+              <p:nvPr/>
+            </p:nvSpPr>
+            <p:spPr>
+              <a:xfrm>
+                <a:off x="4764505" y="1620252"/>
+                <a:ext cx="4523874" cy="2245895"/>
+              </a:xfrm>
+              <a:prstGeom prst="rect">
+                <a:avLst/>
+              </a:prstGeom>
+              <a:gradFill>
+                <a:gsLst>
+                  <a:gs pos="0">
+                    <a:schemeClr val="bg1">
+                      <a:lumMod val="50000"/>
+                    </a:schemeClr>
+                  </a:gs>
+                  <a:gs pos="100000">
+                    <a:schemeClr val="bg1">
+                      <a:lumMod val="85000"/>
+                    </a:schemeClr>
+                  </a:gs>
+                </a:gsLst>
+                <a:lin ang="5400000" scaled="1"/>
+              </a:gradFill>
+              <a:ln>
+                <a:noFill/>
+              </a:ln>
+            </p:spPr>
+            <p:style>
+              <a:lnRef idx="2">
+                <a:schemeClr val="accent1">
+                  <a:shade val="50000"/>
+                </a:schemeClr>
+              </a:lnRef>
+              <a:fillRef idx="1">
+                <a:schemeClr val="accent1"/>
+              </a:fillRef>
+              <a:effectRef idx="0">
+                <a:schemeClr val="accent1"/>
+              </a:effectRef>
+              <a:fontRef idx="minor">
+                <a:schemeClr val="lt1"/>
+              </a:fontRef>
+            </p:style>
+            <p:txBody>
+              <a:bodyPr rtlCol="0" anchor="ctr"/>
+              <a:lstStyle/>
+              <a:p>
+                <a:pPr algn="ctr"/>
+                <a:endParaRPr lang="ko-KR" altLang="en-US"/>
+              </a:p>
+            </p:txBody>
+          </p:sp>
+          <p:sp>
+            <p:nvSpPr>
+              <p:cNvPr id="72" name="모서리가 둥근 직사각형 71"/>
+              <p:cNvSpPr/>
+              <p:nvPr/>
+            </p:nvSpPr>
+            <p:spPr>
+              <a:xfrm>
+                <a:off x="1636295" y="1620252"/>
+                <a:ext cx="3256547" cy="978569"/>
+              </a:xfrm>
+              <a:prstGeom prst="roundRect">
+                <a:avLst/>
+              </a:prstGeom>
+              <a:solidFill>
+                <a:schemeClr val="bg2">
+                  <a:lumMod val="25000"/>
+                </a:schemeClr>
+              </a:solidFill>
+              <a:ln>
+                <a:noFill/>
+              </a:ln>
+            </p:spPr>
+            <p:style>
+              <a:lnRef idx="2">
+                <a:schemeClr val="accent1">
+                  <a:shade val="50000"/>
+                </a:schemeClr>
+              </a:lnRef>
+              <a:fillRef idx="1">
+                <a:schemeClr val="accent1"/>
+              </a:fillRef>
+              <a:effectRef idx="0">
+                <a:schemeClr val="accent1"/>
+              </a:effectRef>
+              <a:fontRef idx="minor">
+                <a:schemeClr val="lt1"/>
+              </a:fontRef>
+            </p:style>
+            <p:txBody>
+              <a:bodyPr rtlCol="0" anchor="ctr"/>
+              <a:lstStyle/>
+              <a:p>
+                <a:pPr algn="ctr"/>
+                <a:endParaRPr lang="ko-KR" altLang="en-US"/>
+              </a:p>
+            </p:txBody>
+          </p:sp>
+        </p:grpSp>
+        <p:sp>
+          <p:nvSpPr>
+            <p:cNvPr id="69" name="포인트가 4개인 별 68"/>
+            <p:cNvSpPr/>
+            <p:nvPr/>
+          </p:nvSpPr>
+          <p:spPr>
+            <a:xfrm rot="20693841">
+              <a:off x="1939277" y="976375"/>
+              <a:ext cx="385141" cy="392740"/>
+            </a:xfrm>
+            <a:prstGeom prst="star4">
+              <a:avLst>
+                <a:gd name="adj" fmla="val 11273"/>
+              </a:avLst>
+            </a:prstGeom>
+            <a:gradFill flip="none" rotWithShape="1">
+              <a:gsLst>
+                <a:gs pos="0">
+                  <a:srgbClr val="FFFF93"/>
+                </a:gs>
+                <a:gs pos="76000">
+                  <a:srgbClr val="FFFF00"/>
+                </a:gs>
+              </a:gsLst>
+              <a:path path="circle">
+                <a:fillToRect l="50000" t="50000" r="50000" b="50000"/>
+              </a:path>
+              <a:tileRect/>
+            </a:gradFill>
+            <a:ln>
+              <a:noFill/>
+            </a:ln>
+          </p:spPr>
+          <p:style>
+            <a:lnRef idx="2">
+              <a:schemeClr val="accent1">
+                <a:shade val="50000"/>
+              </a:schemeClr>
+            </a:lnRef>
+            <a:fillRef idx="1">
+              <a:schemeClr val="accent1"/>
+            </a:fillRef>
+            <a:effectRef idx="0">
+              <a:schemeClr val="accent1"/>
+            </a:effectRef>
+            <a:fontRef idx="minor">
+              <a:schemeClr val="lt1"/>
+            </a:fontRef>
+          </p:style>
+          <p:txBody>
+            <a:bodyPr rtlCol="0" anchor="ctr"/>
+            <a:lstStyle/>
+            <a:p>
+              <a:pPr algn="ctr"/>
+              <a:endParaRPr lang="ko-KR" altLang="en-US"/>
+            </a:p>
+          </p:txBody>
+        </p:sp>
+        <p:sp>
+          <p:nvSpPr>
+            <p:cNvPr id="70" name="TextBox 69"/>
+            <p:cNvSpPr txBox="1"/>
+            <p:nvPr/>
+          </p:nvSpPr>
+          <p:spPr>
+            <a:xfrm>
+              <a:off x="2132604" y="677965"/>
+              <a:ext cx="328612" cy="646331"/>
+            </a:xfrm>
+            <a:prstGeom prst="rect">
+              <a:avLst/>
+            </a:prstGeom>
+            <a:noFill/>
+          </p:spPr>
+          <p:txBody>
+            <a:bodyPr wrap="square" rtlCol="0">
+              <a:spAutoFit/>
+            </a:bodyPr>
+            <a:lstStyle/>
+            <a:p>
+              <a:pPr algn="ctr"/>
+              <a:r>
+                <a:rPr lang="en-US" altLang="ko-KR" sz="3600" dirty="0" smtClean="0">
+                  <a:ln w="25400">
+                    <a:solidFill>
+                      <a:schemeClr val="tx1"/>
+                    </a:solidFill>
+                  </a:ln>
+                  <a:solidFill>
+                    <a:srgbClr val="FFFF00"/>
+                  </a:solidFill>
+                  <a:latin typeface="Bauhaus 93" panose="04030905020B02020C02" pitchFamily="82" charset="0"/>
+                </a:rPr>
+                <a:t>0</a:t>
+              </a:r>
+              <a:endParaRPr lang="ko-KR" altLang="en-US" sz="3600" dirty="0">
+                <a:ln w="25400">
+                  <a:solidFill>
+                    <a:schemeClr val="tx1"/>
+                  </a:solidFill>
+                </a:ln>
+                <a:solidFill>
+                  <a:srgbClr val="FFFF00"/>
+                </a:solidFill>
+                <a:latin typeface="Bauhaus 93" panose="04030905020B02020C02" pitchFamily="82" charset="0"/>
+              </a:endParaRPr>
+            </a:p>
+          </p:txBody>
+        </p:sp>
+      </p:grpSp>
+      <p:grpSp>
+        <p:nvGrpSpPr>
+          <p:cNvPr id="73" name="그룹 72"/>
+          <p:cNvGrpSpPr/>
+          <p:nvPr/>
+        </p:nvGrpSpPr>
+        <p:grpSpPr>
+          <a:xfrm>
+            <a:off x="1048995" y="2646370"/>
+            <a:ext cx="1482997" cy="1572803"/>
+            <a:chOff x="1335314" y="677965"/>
+            <a:chExt cx="1125902" cy="1200321"/>
+          </a:xfrm>
+        </p:grpSpPr>
+        <p:sp>
+          <p:nvSpPr>
+            <p:cNvPr id="74" name="타원 73"/>
+            <p:cNvSpPr/>
+            <p:nvPr/>
+          </p:nvSpPr>
+          <p:spPr>
+            <a:xfrm>
+              <a:off x="1335314" y="798286"/>
+              <a:ext cx="1080000" cy="1080000"/>
+            </a:xfrm>
+            <a:prstGeom prst="ellipse">
+              <a:avLst/>
+            </a:prstGeom>
+            <a:solidFill>
+              <a:srgbClr val="FFC5C5"/>
+            </a:solidFill>
+            <a:ln w="38100" cmpd="sng">
+              <a:solidFill>
+                <a:schemeClr val="tx1"/>
+              </a:solidFill>
+            </a:ln>
+          </p:spPr>
+          <p:style>
+            <a:lnRef idx="2">
+              <a:schemeClr val="accent1">
+                <a:shade val="50000"/>
+              </a:schemeClr>
+            </a:lnRef>
+            <a:fillRef idx="1">
+              <a:schemeClr val="accent1"/>
+            </a:fillRef>
+            <a:effectRef idx="0">
+              <a:schemeClr val="accent1"/>
+            </a:effectRef>
+            <a:fontRef idx="minor">
+              <a:schemeClr val="lt1"/>
+            </a:fontRef>
+          </p:style>
+          <p:txBody>
+            <a:bodyPr rtlCol="0" anchor="ctr"/>
+            <a:lstStyle/>
+            <a:p>
+              <a:pPr algn="ctr"/>
+              <a:endParaRPr lang="ko-KR" altLang="en-US"/>
+            </a:p>
+          </p:txBody>
+        </p:sp>
+        <p:sp>
+          <p:nvSpPr>
+            <p:cNvPr id="75" name="타원 74"/>
+            <p:cNvSpPr/>
+            <p:nvPr/>
+          </p:nvSpPr>
+          <p:spPr>
+            <a:xfrm>
+              <a:off x="1477604" y="966468"/>
+              <a:ext cx="432000" cy="432000"/>
+            </a:xfrm>
+            <a:prstGeom prst="ellipse">
+              <a:avLst/>
+            </a:prstGeom>
+            <a:solidFill>
+              <a:srgbClr val="FFE1E1"/>
+            </a:solidFill>
+            <a:ln>
+              <a:noFill/>
+            </a:ln>
+          </p:spPr>
+          <p:style>
+            <a:lnRef idx="2">
+              <a:schemeClr val="accent1">
+                <a:shade val="50000"/>
+              </a:schemeClr>
+            </a:lnRef>
+            <a:fillRef idx="1">
+              <a:schemeClr val="accent1"/>
+            </a:fillRef>
+            <a:effectRef idx="0">
+              <a:schemeClr val="accent1"/>
+            </a:effectRef>
+            <a:fontRef idx="minor">
+              <a:schemeClr val="lt1"/>
+            </a:fontRef>
+          </p:style>
+          <p:txBody>
+            <a:bodyPr rtlCol="0" anchor="ctr"/>
+            <a:lstStyle/>
+            <a:p>
+              <a:pPr algn="ctr"/>
+              <a:endParaRPr lang="ko-KR" altLang="en-US"/>
+            </a:p>
+          </p:txBody>
+        </p:sp>
+        <p:grpSp>
+          <p:nvGrpSpPr>
+            <p:cNvPr id="76" name="그룹 75"/>
+            <p:cNvGrpSpPr/>
+            <p:nvPr/>
+          </p:nvGrpSpPr>
+          <p:grpSpPr>
+            <a:xfrm rot="20302406">
+              <a:off x="1491055" y="1303819"/>
+              <a:ext cx="755887" cy="308337"/>
+              <a:chOff x="1636295" y="1620252"/>
+              <a:chExt cx="7652084" cy="2245895"/>
+            </a:xfrm>
+          </p:grpSpPr>
+          <p:sp>
+            <p:nvSpPr>
+              <p:cNvPr id="79" name="직사각형 78"/>
+              <p:cNvSpPr/>
+              <p:nvPr/>
+            </p:nvSpPr>
+            <p:spPr>
+              <a:xfrm>
+                <a:off x="4764505" y="1620252"/>
+                <a:ext cx="4523874" cy="2245895"/>
+              </a:xfrm>
+              <a:prstGeom prst="rect">
+                <a:avLst/>
+              </a:prstGeom>
+              <a:gradFill>
+                <a:gsLst>
+                  <a:gs pos="0">
+                    <a:schemeClr val="bg1">
+                      <a:lumMod val="50000"/>
+                    </a:schemeClr>
+                  </a:gs>
+                  <a:gs pos="100000">
+                    <a:schemeClr val="bg1">
+                      <a:lumMod val="85000"/>
+                    </a:schemeClr>
+                  </a:gs>
+                </a:gsLst>
+                <a:lin ang="5400000" scaled="1"/>
+              </a:gradFill>
+              <a:ln>
+                <a:noFill/>
+              </a:ln>
+            </p:spPr>
+            <p:style>
+              <a:lnRef idx="2">
+                <a:schemeClr val="accent1">
+                  <a:shade val="50000"/>
+                </a:schemeClr>
+              </a:lnRef>
+              <a:fillRef idx="1">
+                <a:schemeClr val="accent1"/>
+              </a:fillRef>
+              <a:effectRef idx="0">
+                <a:schemeClr val="accent1"/>
+              </a:effectRef>
+              <a:fontRef idx="minor">
+                <a:schemeClr val="lt1"/>
+              </a:fontRef>
+            </p:style>
+            <p:txBody>
+              <a:bodyPr rtlCol="0" anchor="ctr"/>
+              <a:lstStyle/>
+              <a:p>
+                <a:pPr algn="ctr"/>
+                <a:endParaRPr lang="ko-KR" altLang="en-US"/>
+              </a:p>
+            </p:txBody>
+          </p:sp>
+          <p:sp>
+            <p:nvSpPr>
+              <p:cNvPr id="80" name="모서리가 둥근 직사각형 79"/>
+              <p:cNvSpPr/>
+              <p:nvPr/>
+            </p:nvSpPr>
+            <p:spPr>
+              <a:xfrm>
+                <a:off x="1636295" y="1620252"/>
+                <a:ext cx="3256547" cy="978569"/>
+              </a:xfrm>
+              <a:prstGeom prst="roundRect">
+                <a:avLst/>
+              </a:prstGeom>
+              <a:solidFill>
+                <a:schemeClr val="bg2">
+                  <a:lumMod val="25000"/>
+                </a:schemeClr>
+              </a:solidFill>
+              <a:ln>
+                <a:noFill/>
+              </a:ln>
+            </p:spPr>
+            <p:style>
+              <a:lnRef idx="2">
+                <a:schemeClr val="accent1">
+                  <a:shade val="50000"/>
+                </a:schemeClr>
+              </a:lnRef>
+              <a:fillRef idx="1">
+                <a:schemeClr val="accent1"/>
+              </a:fillRef>
+              <a:effectRef idx="0">
+                <a:schemeClr val="accent1"/>
+              </a:effectRef>
+              <a:fontRef idx="minor">
+                <a:schemeClr val="lt1"/>
+              </a:fontRef>
+            </p:style>
+            <p:txBody>
+              <a:bodyPr rtlCol="0" anchor="ctr"/>
+              <a:lstStyle/>
+              <a:p>
+                <a:pPr algn="ctr"/>
+                <a:endParaRPr lang="ko-KR" altLang="en-US"/>
+              </a:p>
+            </p:txBody>
+          </p:sp>
+        </p:grpSp>
+        <p:sp>
+          <p:nvSpPr>
+            <p:cNvPr id="77" name="포인트가 4개인 별 76"/>
+            <p:cNvSpPr/>
+            <p:nvPr/>
+          </p:nvSpPr>
+          <p:spPr>
+            <a:xfrm rot="20693841">
+              <a:off x="1939277" y="976375"/>
+              <a:ext cx="385141" cy="392740"/>
+            </a:xfrm>
+            <a:prstGeom prst="star4">
+              <a:avLst>
+                <a:gd name="adj" fmla="val 11273"/>
+              </a:avLst>
+            </a:prstGeom>
+            <a:gradFill flip="none" rotWithShape="1">
+              <a:gsLst>
+                <a:gs pos="0">
+                  <a:srgbClr val="FFFF93"/>
+                </a:gs>
+                <a:gs pos="76000">
+                  <a:srgbClr val="FFFF00"/>
+                </a:gs>
+              </a:gsLst>
+              <a:path path="circle">
+                <a:fillToRect l="50000" t="50000" r="50000" b="50000"/>
+              </a:path>
+              <a:tileRect/>
+            </a:gradFill>
+            <a:ln>
+              <a:noFill/>
+            </a:ln>
+          </p:spPr>
+          <p:style>
+            <a:lnRef idx="2">
+              <a:schemeClr val="accent1">
+                <a:shade val="50000"/>
+              </a:schemeClr>
+            </a:lnRef>
+            <a:fillRef idx="1">
+              <a:schemeClr val="accent1"/>
+            </a:fillRef>
+            <a:effectRef idx="0">
+              <a:schemeClr val="accent1"/>
+            </a:effectRef>
+            <a:fontRef idx="minor">
+              <a:schemeClr val="lt1"/>
+            </a:fontRef>
+          </p:style>
+          <p:txBody>
+            <a:bodyPr rtlCol="0" anchor="ctr"/>
+            <a:lstStyle/>
+            <a:p>
+              <a:pPr algn="ctr"/>
+              <a:endParaRPr lang="ko-KR" altLang="en-US"/>
+            </a:p>
+          </p:txBody>
+        </p:sp>
+        <p:sp>
+          <p:nvSpPr>
+            <p:cNvPr id="78" name="TextBox 77"/>
+            <p:cNvSpPr txBox="1"/>
+            <p:nvPr/>
+          </p:nvSpPr>
+          <p:spPr>
+            <a:xfrm>
+              <a:off x="2132604" y="677965"/>
+              <a:ext cx="328612" cy="646331"/>
+            </a:xfrm>
+            <a:prstGeom prst="rect">
+              <a:avLst/>
+            </a:prstGeom>
+            <a:noFill/>
+          </p:spPr>
+          <p:txBody>
+            <a:bodyPr wrap="square" rtlCol="0">
+              <a:spAutoFit/>
+            </a:bodyPr>
+            <a:lstStyle/>
+            <a:p>
+              <a:pPr algn="ctr"/>
+              <a:r>
+                <a:rPr lang="en-US" altLang="ko-KR" sz="3600" dirty="0" smtClean="0">
+                  <a:ln w="25400">
+                    <a:solidFill>
+                      <a:schemeClr val="tx1"/>
+                    </a:solidFill>
+                  </a:ln>
+                  <a:solidFill>
+                    <a:srgbClr val="FFFF00"/>
+                  </a:solidFill>
+                  <a:latin typeface="Bauhaus 93" panose="04030905020B02020C02" pitchFamily="82" charset="0"/>
+                </a:rPr>
+                <a:t>0</a:t>
+              </a:r>
+              <a:endParaRPr lang="ko-KR" altLang="en-US" sz="3600" dirty="0">
+                <a:ln w="25400">
+                  <a:solidFill>
+                    <a:schemeClr val="tx1"/>
+                  </a:solidFill>
+                </a:ln>
+                <a:solidFill>
+                  <a:srgbClr val="FFFF00"/>
+                </a:solidFill>
+                <a:latin typeface="Bauhaus 93" panose="04030905020B02020C02" pitchFamily="82" charset="0"/>
+              </a:endParaRPr>
+            </a:p>
+          </p:txBody>
+        </p:sp>
+      </p:grpSp>
+      <p:grpSp>
+        <p:nvGrpSpPr>
+          <p:cNvPr id="81" name="그룹 80"/>
+          <p:cNvGrpSpPr/>
+          <p:nvPr/>
+        </p:nvGrpSpPr>
+        <p:grpSpPr>
+          <a:xfrm>
+            <a:off x="4043511" y="2646370"/>
+            <a:ext cx="1482997" cy="1572803"/>
+            <a:chOff x="1335314" y="677965"/>
+            <a:chExt cx="1125902" cy="1200321"/>
+          </a:xfrm>
+        </p:grpSpPr>
+        <p:sp>
+          <p:nvSpPr>
+            <p:cNvPr id="82" name="타원 81"/>
+            <p:cNvSpPr/>
+            <p:nvPr/>
+          </p:nvSpPr>
+          <p:spPr>
+            <a:xfrm>
+              <a:off x="1335314" y="798286"/>
+              <a:ext cx="1080000" cy="1080000"/>
+            </a:xfrm>
+            <a:prstGeom prst="ellipse">
+              <a:avLst/>
+            </a:prstGeom>
+            <a:solidFill>
+              <a:srgbClr val="FFC5C5"/>
+            </a:solidFill>
+            <a:ln w="38100" cmpd="sng">
+              <a:solidFill>
+                <a:schemeClr val="tx1"/>
+              </a:solidFill>
+            </a:ln>
+          </p:spPr>
+          <p:style>
+            <a:lnRef idx="2">
+              <a:schemeClr val="accent1">
+                <a:shade val="50000"/>
+              </a:schemeClr>
+            </a:lnRef>
+            <a:fillRef idx="1">
+              <a:schemeClr val="accent1"/>
+            </a:fillRef>
+            <a:effectRef idx="0">
+              <a:schemeClr val="accent1"/>
+            </a:effectRef>
+            <a:fontRef idx="minor">
+              <a:schemeClr val="lt1"/>
+            </a:fontRef>
+          </p:style>
+          <p:txBody>
+            <a:bodyPr rtlCol="0" anchor="ctr"/>
+            <a:lstStyle/>
+            <a:p>
+              <a:pPr algn="ctr"/>
+              <a:endParaRPr lang="ko-KR" altLang="en-US"/>
+            </a:p>
+          </p:txBody>
+        </p:sp>
+        <p:sp>
+          <p:nvSpPr>
+            <p:cNvPr id="83" name="타원 82"/>
+            <p:cNvSpPr/>
+            <p:nvPr/>
+          </p:nvSpPr>
+          <p:spPr>
+            <a:xfrm>
+              <a:off x="1477604" y="966468"/>
+              <a:ext cx="432000" cy="432000"/>
+            </a:xfrm>
+            <a:prstGeom prst="ellipse">
+              <a:avLst/>
+            </a:prstGeom>
+            <a:solidFill>
+              <a:srgbClr val="FFE1E1"/>
+            </a:solidFill>
+            <a:ln>
+              <a:noFill/>
+            </a:ln>
+          </p:spPr>
+          <p:style>
+            <a:lnRef idx="2">
+              <a:schemeClr val="accent1">
+                <a:shade val="50000"/>
+              </a:schemeClr>
+            </a:lnRef>
+            <a:fillRef idx="1">
+              <a:schemeClr val="accent1"/>
+            </a:fillRef>
+            <a:effectRef idx="0">
+              <a:schemeClr val="accent1"/>
+            </a:effectRef>
+            <a:fontRef idx="minor">
+              <a:schemeClr val="lt1"/>
+            </a:fontRef>
+          </p:style>
+          <p:txBody>
+            <a:bodyPr rtlCol="0" anchor="ctr"/>
+            <a:lstStyle/>
+            <a:p>
+              <a:pPr algn="ctr"/>
+              <a:endParaRPr lang="ko-KR" altLang="en-US"/>
+            </a:p>
+          </p:txBody>
+        </p:sp>
+        <p:grpSp>
+          <p:nvGrpSpPr>
+            <p:cNvPr id="84" name="그룹 83"/>
+            <p:cNvGrpSpPr/>
+            <p:nvPr/>
+          </p:nvGrpSpPr>
+          <p:grpSpPr>
+            <a:xfrm rot="20302406">
+              <a:off x="1491055" y="1303819"/>
+              <a:ext cx="755887" cy="308337"/>
+              <a:chOff x="1636295" y="1620252"/>
+              <a:chExt cx="7652084" cy="2245895"/>
+            </a:xfrm>
+          </p:grpSpPr>
+          <p:sp>
+            <p:nvSpPr>
+              <p:cNvPr id="87" name="직사각형 86"/>
+              <p:cNvSpPr/>
+              <p:nvPr/>
+            </p:nvSpPr>
+            <p:spPr>
+              <a:xfrm>
+                <a:off x="4764505" y="1620252"/>
+                <a:ext cx="4523874" cy="2245895"/>
+              </a:xfrm>
+              <a:prstGeom prst="rect">
+                <a:avLst/>
+              </a:prstGeom>
+              <a:gradFill>
+                <a:gsLst>
+                  <a:gs pos="0">
+                    <a:schemeClr val="bg1">
+                      <a:lumMod val="50000"/>
+                    </a:schemeClr>
+                  </a:gs>
+                  <a:gs pos="100000">
+                    <a:schemeClr val="bg1">
+                      <a:lumMod val="85000"/>
+                    </a:schemeClr>
+                  </a:gs>
+                </a:gsLst>
+                <a:lin ang="5400000" scaled="1"/>
+              </a:gradFill>
+              <a:ln>
+                <a:noFill/>
+              </a:ln>
+            </p:spPr>
+            <p:style>
+              <a:lnRef idx="2">
+                <a:schemeClr val="accent1">
+                  <a:shade val="50000"/>
+                </a:schemeClr>
+              </a:lnRef>
+              <a:fillRef idx="1">
+                <a:schemeClr val="accent1"/>
+              </a:fillRef>
+              <a:effectRef idx="0">
+                <a:schemeClr val="accent1"/>
+              </a:effectRef>
+              <a:fontRef idx="minor">
+                <a:schemeClr val="lt1"/>
+              </a:fontRef>
+            </p:style>
+            <p:txBody>
+              <a:bodyPr rtlCol="0" anchor="ctr"/>
+              <a:lstStyle/>
+              <a:p>
+                <a:pPr algn="ctr"/>
+                <a:endParaRPr lang="ko-KR" altLang="en-US"/>
+              </a:p>
+            </p:txBody>
+          </p:sp>
+          <p:sp>
+            <p:nvSpPr>
+              <p:cNvPr id="88" name="모서리가 둥근 직사각형 87"/>
+              <p:cNvSpPr/>
+              <p:nvPr/>
+            </p:nvSpPr>
+            <p:spPr>
+              <a:xfrm>
+                <a:off x="1636295" y="1620252"/>
+                <a:ext cx="3256547" cy="978569"/>
+              </a:xfrm>
+              <a:prstGeom prst="roundRect">
+                <a:avLst/>
+              </a:prstGeom>
+              <a:solidFill>
+                <a:schemeClr val="bg2">
+                  <a:lumMod val="25000"/>
+                </a:schemeClr>
+              </a:solidFill>
+              <a:ln>
+                <a:noFill/>
+              </a:ln>
+            </p:spPr>
+            <p:style>
+              <a:lnRef idx="2">
+                <a:schemeClr val="accent1">
+                  <a:shade val="50000"/>
+                </a:schemeClr>
+              </a:lnRef>
+              <a:fillRef idx="1">
+                <a:schemeClr val="accent1"/>
+              </a:fillRef>
+              <a:effectRef idx="0">
+                <a:schemeClr val="accent1"/>
+              </a:effectRef>
+              <a:fontRef idx="minor">
+                <a:schemeClr val="lt1"/>
+              </a:fontRef>
+            </p:style>
+            <p:txBody>
+              <a:bodyPr rtlCol="0" anchor="ctr"/>
+              <a:lstStyle/>
+              <a:p>
+                <a:pPr algn="ctr"/>
+                <a:endParaRPr lang="ko-KR" altLang="en-US"/>
+              </a:p>
+            </p:txBody>
+          </p:sp>
+        </p:grpSp>
+        <p:sp>
+          <p:nvSpPr>
+            <p:cNvPr id="85" name="포인트가 4개인 별 84"/>
+            <p:cNvSpPr/>
+            <p:nvPr/>
+          </p:nvSpPr>
+          <p:spPr>
+            <a:xfrm rot="20693841">
+              <a:off x="1939277" y="976375"/>
+              <a:ext cx="385141" cy="392740"/>
+            </a:xfrm>
+            <a:prstGeom prst="star4">
+              <a:avLst>
+                <a:gd name="adj" fmla="val 11273"/>
+              </a:avLst>
+            </a:prstGeom>
+            <a:gradFill flip="none" rotWithShape="1">
+              <a:gsLst>
+                <a:gs pos="0">
+                  <a:srgbClr val="FFFF93"/>
+                </a:gs>
+                <a:gs pos="76000">
+                  <a:srgbClr val="FFFF00"/>
+                </a:gs>
+              </a:gsLst>
+              <a:path path="circle">
+                <a:fillToRect l="50000" t="50000" r="50000" b="50000"/>
+              </a:path>
+              <a:tileRect/>
+            </a:gradFill>
+            <a:ln>
+              <a:noFill/>
+            </a:ln>
+          </p:spPr>
+          <p:style>
+            <a:lnRef idx="2">
+              <a:schemeClr val="accent1">
+                <a:shade val="50000"/>
+              </a:schemeClr>
+            </a:lnRef>
+            <a:fillRef idx="1">
+              <a:schemeClr val="accent1"/>
+            </a:fillRef>
+            <a:effectRef idx="0">
+              <a:schemeClr val="accent1"/>
+            </a:effectRef>
+            <a:fontRef idx="minor">
+              <a:schemeClr val="lt1"/>
+            </a:fontRef>
+          </p:style>
+          <p:txBody>
+            <a:bodyPr rtlCol="0" anchor="ctr"/>
+            <a:lstStyle/>
+            <a:p>
+              <a:pPr algn="ctr"/>
+              <a:endParaRPr lang="ko-KR" altLang="en-US"/>
+            </a:p>
+          </p:txBody>
+        </p:sp>
+        <p:sp>
+          <p:nvSpPr>
+            <p:cNvPr id="86" name="TextBox 85"/>
+            <p:cNvSpPr txBox="1"/>
+            <p:nvPr/>
+          </p:nvSpPr>
+          <p:spPr>
+            <a:xfrm>
+              <a:off x="2132604" y="677965"/>
+              <a:ext cx="328612" cy="646331"/>
+            </a:xfrm>
+            <a:prstGeom prst="rect">
+              <a:avLst/>
+            </a:prstGeom>
+            <a:noFill/>
+          </p:spPr>
+          <p:txBody>
+            <a:bodyPr wrap="square" rtlCol="0">
+              <a:spAutoFit/>
+            </a:bodyPr>
+            <a:lstStyle/>
+            <a:p>
+              <a:pPr algn="ctr"/>
+              <a:r>
+                <a:rPr lang="en-US" altLang="ko-KR" sz="3600" dirty="0" smtClean="0">
+                  <a:ln w="25400">
+                    <a:solidFill>
+                      <a:schemeClr val="tx1"/>
+                    </a:solidFill>
+                  </a:ln>
+                  <a:solidFill>
+                    <a:srgbClr val="FFFF00"/>
+                  </a:solidFill>
+                  <a:latin typeface="Bauhaus 93" panose="04030905020B02020C02" pitchFamily="82" charset="0"/>
+                </a:rPr>
+                <a:t>0</a:t>
+              </a:r>
+              <a:endParaRPr lang="ko-KR" altLang="en-US" sz="3600" dirty="0">
+                <a:ln w="25400">
+                  <a:solidFill>
+                    <a:schemeClr val="tx1"/>
+                  </a:solidFill>
+                </a:ln>
+                <a:solidFill>
+                  <a:srgbClr val="FFFF00"/>
+                </a:solidFill>
+                <a:latin typeface="Bauhaus 93" panose="04030905020B02020C02" pitchFamily="82" charset="0"/>
+              </a:endParaRPr>
+            </a:p>
+          </p:txBody>
+        </p:sp>
+      </p:grpSp>
+      <p:grpSp>
+        <p:nvGrpSpPr>
+          <p:cNvPr id="89" name="그룹 88"/>
+          <p:cNvGrpSpPr/>
+          <p:nvPr/>
+        </p:nvGrpSpPr>
+        <p:grpSpPr>
+          <a:xfrm>
+            <a:off x="2531321" y="3609198"/>
+            <a:ext cx="1482997" cy="1572803"/>
+            <a:chOff x="1335314" y="677965"/>
+            <a:chExt cx="1125902" cy="1200321"/>
+          </a:xfrm>
+        </p:grpSpPr>
+        <p:sp>
+          <p:nvSpPr>
+            <p:cNvPr id="90" name="타원 89"/>
+            <p:cNvSpPr/>
+            <p:nvPr/>
+          </p:nvSpPr>
+          <p:spPr>
+            <a:xfrm>
+              <a:off x="1335314" y="798286"/>
+              <a:ext cx="1080000" cy="1080000"/>
+            </a:xfrm>
+            <a:prstGeom prst="ellipse">
+              <a:avLst/>
+            </a:prstGeom>
+            <a:solidFill>
+              <a:srgbClr val="FFC5C5"/>
+            </a:solidFill>
+            <a:ln w="38100" cmpd="sng">
+              <a:solidFill>
+                <a:schemeClr val="tx1"/>
+              </a:solidFill>
+            </a:ln>
+          </p:spPr>
+          <p:style>
+            <a:lnRef idx="2">
+              <a:schemeClr val="accent1">
+                <a:shade val="50000"/>
+              </a:schemeClr>
+            </a:lnRef>
+            <a:fillRef idx="1">
+              <a:schemeClr val="accent1"/>
+            </a:fillRef>
+            <a:effectRef idx="0">
+              <a:schemeClr val="accent1"/>
+            </a:effectRef>
+            <a:fontRef idx="minor">
+              <a:schemeClr val="lt1"/>
+            </a:fontRef>
+          </p:style>
+          <p:txBody>
+            <a:bodyPr rtlCol="0" anchor="ctr"/>
+            <a:lstStyle/>
+            <a:p>
+              <a:pPr algn="ctr"/>
+              <a:endParaRPr lang="ko-KR" altLang="en-US"/>
+            </a:p>
+          </p:txBody>
+        </p:sp>
+        <p:sp>
+          <p:nvSpPr>
+            <p:cNvPr id="91" name="타원 90"/>
+            <p:cNvSpPr/>
+            <p:nvPr/>
+          </p:nvSpPr>
+          <p:spPr>
+            <a:xfrm>
+              <a:off x="1477604" y="966468"/>
+              <a:ext cx="432000" cy="432000"/>
+            </a:xfrm>
+            <a:prstGeom prst="ellipse">
+              <a:avLst/>
+            </a:prstGeom>
+            <a:solidFill>
+              <a:srgbClr val="FFE1E1"/>
+            </a:solidFill>
+            <a:ln>
+              <a:noFill/>
+            </a:ln>
+          </p:spPr>
+          <p:style>
+            <a:lnRef idx="2">
+              <a:schemeClr val="accent1">
+                <a:shade val="50000"/>
+              </a:schemeClr>
+            </a:lnRef>
+            <a:fillRef idx="1">
+              <a:schemeClr val="accent1"/>
+            </a:fillRef>
+            <a:effectRef idx="0">
+              <a:schemeClr val="accent1"/>
+            </a:effectRef>
+            <a:fontRef idx="minor">
+              <a:schemeClr val="lt1"/>
+            </a:fontRef>
+          </p:style>
+          <p:txBody>
+            <a:bodyPr rtlCol="0" anchor="ctr"/>
+            <a:lstStyle/>
+            <a:p>
+              <a:pPr algn="ctr"/>
+              <a:endParaRPr lang="ko-KR" altLang="en-US"/>
+            </a:p>
+          </p:txBody>
+        </p:sp>
+        <p:grpSp>
+          <p:nvGrpSpPr>
+            <p:cNvPr id="92" name="그룹 91"/>
+            <p:cNvGrpSpPr/>
+            <p:nvPr/>
+          </p:nvGrpSpPr>
+          <p:grpSpPr>
+            <a:xfrm rot="20302406">
+              <a:off x="1491055" y="1303819"/>
+              <a:ext cx="755887" cy="308337"/>
+              <a:chOff x="1636295" y="1620252"/>
+              <a:chExt cx="7652084" cy="2245895"/>
+            </a:xfrm>
+          </p:grpSpPr>
+          <p:sp>
+            <p:nvSpPr>
+              <p:cNvPr id="95" name="직사각형 94"/>
+              <p:cNvSpPr/>
+              <p:nvPr/>
+            </p:nvSpPr>
+            <p:spPr>
+              <a:xfrm>
+                <a:off x="4764505" y="1620252"/>
+                <a:ext cx="4523874" cy="2245895"/>
+              </a:xfrm>
+              <a:prstGeom prst="rect">
+                <a:avLst/>
+              </a:prstGeom>
+              <a:gradFill>
+                <a:gsLst>
+                  <a:gs pos="0">
+                    <a:schemeClr val="bg1">
+                      <a:lumMod val="50000"/>
+                    </a:schemeClr>
+                  </a:gs>
+                  <a:gs pos="100000">
+                    <a:schemeClr val="bg1">
+                      <a:lumMod val="85000"/>
+                    </a:schemeClr>
+                  </a:gs>
+                </a:gsLst>
+                <a:lin ang="5400000" scaled="1"/>
+              </a:gradFill>
+              <a:ln>
+                <a:noFill/>
+              </a:ln>
+            </p:spPr>
+            <p:style>
+              <a:lnRef idx="2">
+                <a:schemeClr val="accent1">
+                  <a:shade val="50000"/>
+                </a:schemeClr>
+              </a:lnRef>
+              <a:fillRef idx="1">
+                <a:schemeClr val="accent1"/>
+              </a:fillRef>
+              <a:effectRef idx="0">
+                <a:schemeClr val="accent1"/>
+              </a:effectRef>
+              <a:fontRef idx="minor">
+                <a:schemeClr val="lt1"/>
+              </a:fontRef>
+            </p:style>
+            <p:txBody>
+              <a:bodyPr rtlCol="0" anchor="ctr"/>
+              <a:lstStyle/>
+              <a:p>
+                <a:pPr algn="ctr"/>
+                <a:endParaRPr lang="ko-KR" altLang="en-US"/>
+              </a:p>
+            </p:txBody>
+          </p:sp>
+          <p:sp>
+            <p:nvSpPr>
+              <p:cNvPr id="96" name="모서리가 둥근 직사각형 95"/>
+              <p:cNvSpPr/>
+              <p:nvPr/>
+            </p:nvSpPr>
+            <p:spPr>
+              <a:xfrm>
+                <a:off x="1636295" y="1620252"/>
+                <a:ext cx="3256547" cy="978569"/>
+              </a:xfrm>
+              <a:prstGeom prst="roundRect">
+                <a:avLst/>
+              </a:prstGeom>
+              <a:solidFill>
+                <a:schemeClr val="bg2">
+                  <a:lumMod val="25000"/>
+                </a:schemeClr>
+              </a:solidFill>
+              <a:ln>
+                <a:noFill/>
+              </a:ln>
+            </p:spPr>
+            <p:style>
+              <a:lnRef idx="2">
+                <a:schemeClr val="accent1">
+                  <a:shade val="50000"/>
+                </a:schemeClr>
+              </a:lnRef>
+              <a:fillRef idx="1">
+                <a:schemeClr val="accent1"/>
+              </a:fillRef>
+              <a:effectRef idx="0">
+                <a:schemeClr val="accent1"/>
+              </a:effectRef>
+              <a:fontRef idx="minor">
+                <a:schemeClr val="lt1"/>
+              </a:fontRef>
+            </p:style>
+            <p:txBody>
+              <a:bodyPr rtlCol="0" anchor="ctr"/>
+              <a:lstStyle/>
+              <a:p>
+                <a:pPr algn="ctr"/>
+                <a:endParaRPr lang="ko-KR" altLang="en-US"/>
+              </a:p>
+            </p:txBody>
+          </p:sp>
+        </p:grpSp>
+        <p:sp>
+          <p:nvSpPr>
+            <p:cNvPr id="93" name="포인트가 4개인 별 92"/>
+            <p:cNvSpPr/>
+            <p:nvPr/>
+          </p:nvSpPr>
+          <p:spPr>
+            <a:xfrm rot="20693841">
+              <a:off x="1939277" y="976375"/>
+              <a:ext cx="385141" cy="392740"/>
+            </a:xfrm>
+            <a:prstGeom prst="star4">
+              <a:avLst>
+                <a:gd name="adj" fmla="val 11273"/>
+              </a:avLst>
+            </a:prstGeom>
+            <a:gradFill flip="none" rotWithShape="1">
+              <a:gsLst>
+                <a:gs pos="0">
+                  <a:srgbClr val="FFFF93"/>
+                </a:gs>
+                <a:gs pos="76000">
+                  <a:srgbClr val="FFFF00"/>
+                </a:gs>
+              </a:gsLst>
+              <a:path path="circle">
+                <a:fillToRect l="50000" t="50000" r="50000" b="50000"/>
+              </a:path>
+              <a:tileRect/>
+            </a:gradFill>
+            <a:ln>
+              <a:noFill/>
+            </a:ln>
+          </p:spPr>
+          <p:style>
+            <a:lnRef idx="2">
+              <a:schemeClr val="accent1">
+                <a:shade val="50000"/>
+              </a:schemeClr>
+            </a:lnRef>
+            <a:fillRef idx="1">
+              <a:schemeClr val="accent1"/>
+            </a:fillRef>
+            <a:effectRef idx="0">
+              <a:schemeClr val="accent1"/>
+            </a:effectRef>
+            <a:fontRef idx="minor">
+              <a:schemeClr val="lt1"/>
+            </a:fontRef>
+          </p:style>
+          <p:txBody>
+            <a:bodyPr rtlCol="0" anchor="ctr"/>
+            <a:lstStyle/>
+            <a:p>
+              <a:pPr algn="ctr"/>
+              <a:endParaRPr lang="ko-KR" altLang="en-US"/>
+            </a:p>
+          </p:txBody>
+        </p:sp>
+        <p:sp>
+          <p:nvSpPr>
+            <p:cNvPr id="94" name="TextBox 93"/>
+            <p:cNvSpPr txBox="1"/>
+            <p:nvPr/>
+          </p:nvSpPr>
+          <p:spPr>
+            <a:xfrm>
+              <a:off x="2132604" y="677965"/>
+              <a:ext cx="328612" cy="646331"/>
+            </a:xfrm>
+            <a:prstGeom prst="rect">
+              <a:avLst/>
+            </a:prstGeom>
+            <a:noFill/>
+          </p:spPr>
+          <p:txBody>
+            <a:bodyPr wrap="square" rtlCol="0">
+              <a:spAutoFit/>
+            </a:bodyPr>
+            <a:lstStyle/>
+            <a:p>
+              <a:pPr algn="ctr"/>
+              <a:r>
+                <a:rPr lang="en-US" altLang="ko-KR" sz="3600" dirty="0" smtClean="0">
+                  <a:ln w="25400">
+                    <a:solidFill>
+                      <a:schemeClr val="tx1"/>
+                    </a:solidFill>
+                  </a:ln>
+                  <a:solidFill>
+                    <a:srgbClr val="FFFF00"/>
+                  </a:solidFill>
+                  <a:latin typeface="Bauhaus 93" panose="04030905020B02020C02" pitchFamily="82" charset="0"/>
+                </a:rPr>
+                <a:t>0</a:t>
+              </a:r>
+              <a:endParaRPr lang="ko-KR" altLang="en-US" sz="3600" dirty="0">
+                <a:ln w="25400">
+                  <a:solidFill>
+                    <a:schemeClr val="tx1"/>
+                  </a:solidFill>
+                </a:ln>
+                <a:solidFill>
+                  <a:srgbClr val="FFFF00"/>
+                </a:solidFill>
+                <a:latin typeface="Bauhaus 93" panose="04030905020B02020C02" pitchFamily="82" charset="0"/>
+              </a:endParaRPr>
+            </a:p>
+          </p:txBody>
+        </p:sp>
+      </p:grpSp>
+      <p:grpSp>
+        <p:nvGrpSpPr>
+          <p:cNvPr id="97" name="그룹 96"/>
+          <p:cNvGrpSpPr/>
+          <p:nvPr/>
+        </p:nvGrpSpPr>
+        <p:grpSpPr>
+          <a:xfrm>
+            <a:off x="1044733" y="4549694"/>
+            <a:ext cx="1482997" cy="1572803"/>
+            <a:chOff x="1335314" y="677965"/>
+            <a:chExt cx="1125902" cy="1200321"/>
+          </a:xfrm>
+        </p:grpSpPr>
+        <p:sp>
+          <p:nvSpPr>
+            <p:cNvPr id="98" name="타원 97"/>
+            <p:cNvSpPr/>
+            <p:nvPr/>
+          </p:nvSpPr>
+          <p:spPr>
+            <a:xfrm>
+              <a:off x="1335314" y="798286"/>
+              <a:ext cx="1080000" cy="1080000"/>
+            </a:xfrm>
+            <a:prstGeom prst="ellipse">
+              <a:avLst/>
+            </a:prstGeom>
+            <a:solidFill>
+              <a:srgbClr val="FFC5C5"/>
+            </a:solidFill>
+            <a:ln w="38100" cmpd="sng">
+              <a:solidFill>
+                <a:schemeClr val="tx1"/>
+              </a:solidFill>
+            </a:ln>
+          </p:spPr>
+          <p:style>
+            <a:lnRef idx="2">
+              <a:schemeClr val="accent1">
+                <a:shade val="50000"/>
+              </a:schemeClr>
+            </a:lnRef>
+            <a:fillRef idx="1">
+              <a:schemeClr val="accent1"/>
+            </a:fillRef>
+            <a:effectRef idx="0">
+              <a:schemeClr val="accent1"/>
+            </a:effectRef>
+            <a:fontRef idx="minor">
+              <a:schemeClr val="lt1"/>
+            </a:fontRef>
+          </p:style>
+          <p:txBody>
+            <a:bodyPr rtlCol="0" anchor="ctr"/>
+            <a:lstStyle/>
+            <a:p>
+              <a:pPr algn="ctr"/>
+              <a:endParaRPr lang="ko-KR" altLang="en-US"/>
+            </a:p>
+          </p:txBody>
+        </p:sp>
+        <p:sp>
+          <p:nvSpPr>
+            <p:cNvPr id="99" name="타원 98"/>
+            <p:cNvSpPr/>
+            <p:nvPr/>
+          </p:nvSpPr>
+          <p:spPr>
+            <a:xfrm>
+              <a:off x="1477604" y="966468"/>
+              <a:ext cx="432000" cy="432000"/>
+            </a:xfrm>
+            <a:prstGeom prst="ellipse">
+              <a:avLst/>
+            </a:prstGeom>
+            <a:solidFill>
+              <a:srgbClr val="FFE1E1"/>
+            </a:solidFill>
+            <a:ln>
+              <a:noFill/>
+            </a:ln>
+          </p:spPr>
+          <p:style>
+            <a:lnRef idx="2">
+              <a:schemeClr val="accent1">
+                <a:shade val="50000"/>
+              </a:schemeClr>
+            </a:lnRef>
+            <a:fillRef idx="1">
+              <a:schemeClr val="accent1"/>
+            </a:fillRef>
+            <a:effectRef idx="0">
+              <a:schemeClr val="accent1"/>
+            </a:effectRef>
+            <a:fontRef idx="minor">
+              <a:schemeClr val="lt1"/>
+            </a:fontRef>
+          </p:style>
+          <p:txBody>
+            <a:bodyPr rtlCol="0" anchor="ctr"/>
+            <a:lstStyle/>
+            <a:p>
+              <a:pPr algn="ctr"/>
+              <a:endParaRPr lang="ko-KR" altLang="en-US"/>
+            </a:p>
+          </p:txBody>
+        </p:sp>
+        <p:grpSp>
+          <p:nvGrpSpPr>
+            <p:cNvPr id="100" name="그룹 99"/>
+            <p:cNvGrpSpPr/>
+            <p:nvPr/>
+          </p:nvGrpSpPr>
+          <p:grpSpPr>
+            <a:xfrm rot="20302406">
+              <a:off x="1491055" y="1303819"/>
+              <a:ext cx="755887" cy="308337"/>
+              <a:chOff x="1636295" y="1620252"/>
+              <a:chExt cx="7652084" cy="2245895"/>
+            </a:xfrm>
+          </p:grpSpPr>
+          <p:sp>
+            <p:nvSpPr>
+              <p:cNvPr id="103" name="직사각형 102"/>
+              <p:cNvSpPr/>
+              <p:nvPr/>
+            </p:nvSpPr>
+            <p:spPr>
+              <a:xfrm>
+                <a:off x="4764505" y="1620252"/>
+                <a:ext cx="4523874" cy="2245895"/>
+              </a:xfrm>
+              <a:prstGeom prst="rect">
+                <a:avLst/>
+              </a:prstGeom>
+              <a:gradFill>
+                <a:gsLst>
+                  <a:gs pos="0">
+                    <a:schemeClr val="bg1">
+                      <a:lumMod val="50000"/>
+                    </a:schemeClr>
+                  </a:gs>
+                  <a:gs pos="100000">
+                    <a:schemeClr val="bg1">
+                      <a:lumMod val="85000"/>
+                    </a:schemeClr>
+                  </a:gs>
+                </a:gsLst>
+                <a:lin ang="5400000" scaled="1"/>
+              </a:gradFill>
+              <a:ln>
+                <a:noFill/>
+              </a:ln>
+            </p:spPr>
+            <p:style>
+              <a:lnRef idx="2">
+                <a:schemeClr val="accent1">
+                  <a:shade val="50000"/>
+                </a:schemeClr>
+              </a:lnRef>
+              <a:fillRef idx="1">
+                <a:schemeClr val="accent1"/>
+              </a:fillRef>
+              <a:effectRef idx="0">
+                <a:schemeClr val="accent1"/>
+              </a:effectRef>
+              <a:fontRef idx="minor">
+                <a:schemeClr val="lt1"/>
+              </a:fontRef>
+            </p:style>
+            <p:txBody>
+              <a:bodyPr rtlCol="0" anchor="ctr"/>
+              <a:lstStyle/>
+              <a:p>
+                <a:pPr algn="ctr"/>
+                <a:endParaRPr lang="ko-KR" altLang="en-US"/>
+              </a:p>
+            </p:txBody>
+          </p:sp>
+          <p:sp>
+            <p:nvSpPr>
+              <p:cNvPr id="104" name="모서리가 둥근 직사각형 103"/>
+              <p:cNvSpPr/>
+              <p:nvPr/>
+            </p:nvSpPr>
+            <p:spPr>
+              <a:xfrm>
+                <a:off x="1636295" y="1620252"/>
+                <a:ext cx="3256547" cy="978569"/>
+              </a:xfrm>
+              <a:prstGeom prst="roundRect">
+                <a:avLst/>
+              </a:prstGeom>
+              <a:solidFill>
+                <a:schemeClr val="bg2">
+                  <a:lumMod val="25000"/>
+                </a:schemeClr>
+              </a:solidFill>
+              <a:ln>
+                <a:noFill/>
+              </a:ln>
+            </p:spPr>
+            <p:style>
+              <a:lnRef idx="2">
+                <a:schemeClr val="accent1">
+                  <a:shade val="50000"/>
+                </a:schemeClr>
+              </a:lnRef>
+              <a:fillRef idx="1">
+                <a:schemeClr val="accent1"/>
+              </a:fillRef>
+              <a:effectRef idx="0">
+                <a:schemeClr val="accent1"/>
+              </a:effectRef>
+              <a:fontRef idx="minor">
+                <a:schemeClr val="lt1"/>
+              </a:fontRef>
+            </p:style>
+            <p:txBody>
+              <a:bodyPr rtlCol="0" anchor="ctr"/>
+              <a:lstStyle/>
+              <a:p>
+                <a:pPr algn="ctr"/>
+                <a:endParaRPr lang="ko-KR" altLang="en-US"/>
+              </a:p>
+            </p:txBody>
+          </p:sp>
+        </p:grpSp>
+        <p:sp>
+          <p:nvSpPr>
+            <p:cNvPr id="101" name="포인트가 4개인 별 100"/>
+            <p:cNvSpPr/>
+            <p:nvPr/>
+          </p:nvSpPr>
+          <p:spPr>
+            <a:xfrm rot="20693841">
+              <a:off x="1939277" y="976375"/>
+              <a:ext cx="385141" cy="392740"/>
+            </a:xfrm>
+            <a:prstGeom prst="star4">
+              <a:avLst>
+                <a:gd name="adj" fmla="val 11273"/>
+              </a:avLst>
+            </a:prstGeom>
+            <a:gradFill flip="none" rotWithShape="1">
+              <a:gsLst>
+                <a:gs pos="0">
+                  <a:srgbClr val="FFFF93"/>
+                </a:gs>
+                <a:gs pos="76000">
+                  <a:srgbClr val="FFFF00"/>
+                </a:gs>
+              </a:gsLst>
+              <a:path path="circle">
+                <a:fillToRect l="50000" t="50000" r="50000" b="50000"/>
+              </a:path>
+              <a:tileRect/>
+            </a:gradFill>
+            <a:ln>
+              <a:noFill/>
+            </a:ln>
+          </p:spPr>
+          <p:style>
+            <a:lnRef idx="2">
+              <a:schemeClr val="accent1">
+                <a:shade val="50000"/>
+              </a:schemeClr>
+            </a:lnRef>
+            <a:fillRef idx="1">
+              <a:schemeClr val="accent1"/>
+            </a:fillRef>
+            <a:effectRef idx="0">
+              <a:schemeClr val="accent1"/>
+            </a:effectRef>
+            <a:fontRef idx="minor">
+              <a:schemeClr val="lt1"/>
+            </a:fontRef>
+          </p:style>
+          <p:txBody>
+            <a:bodyPr rtlCol="0" anchor="ctr"/>
+            <a:lstStyle/>
+            <a:p>
+              <a:pPr algn="ctr"/>
+              <a:endParaRPr lang="ko-KR" altLang="en-US"/>
+            </a:p>
+          </p:txBody>
+        </p:sp>
+        <p:sp>
+          <p:nvSpPr>
+            <p:cNvPr id="102" name="TextBox 101"/>
+            <p:cNvSpPr txBox="1"/>
+            <p:nvPr/>
+          </p:nvSpPr>
+          <p:spPr>
+            <a:xfrm>
+              <a:off x="2132604" y="677965"/>
+              <a:ext cx="328612" cy="646331"/>
+            </a:xfrm>
+            <a:prstGeom prst="rect">
+              <a:avLst/>
+            </a:prstGeom>
+            <a:noFill/>
+          </p:spPr>
+          <p:txBody>
+            <a:bodyPr wrap="square" rtlCol="0">
+              <a:spAutoFit/>
+            </a:bodyPr>
+            <a:lstStyle/>
+            <a:p>
+              <a:pPr algn="ctr"/>
+              <a:r>
+                <a:rPr lang="en-US" altLang="ko-KR" sz="3600" dirty="0" smtClean="0">
+                  <a:ln w="25400">
+                    <a:solidFill>
+                      <a:schemeClr val="tx1"/>
+                    </a:solidFill>
+                  </a:ln>
+                  <a:solidFill>
+                    <a:srgbClr val="FFFF00"/>
+                  </a:solidFill>
+                  <a:latin typeface="Bauhaus 93" panose="04030905020B02020C02" pitchFamily="82" charset="0"/>
+                </a:rPr>
+                <a:t>0</a:t>
+              </a:r>
+              <a:endParaRPr lang="ko-KR" altLang="en-US" sz="3600" dirty="0">
+                <a:ln w="25400">
+                  <a:solidFill>
+                    <a:schemeClr val="tx1"/>
+                  </a:solidFill>
+                </a:ln>
+                <a:solidFill>
+                  <a:srgbClr val="FFFF00"/>
+                </a:solidFill>
+                <a:latin typeface="Bauhaus 93" panose="04030905020B02020C02" pitchFamily="82" charset="0"/>
+              </a:endParaRPr>
+            </a:p>
+          </p:txBody>
+        </p:sp>
+      </p:grpSp>
+      <p:grpSp>
+        <p:nvGrpSpPr>
+          <p:cNvPr id="105" name="그룹 104"/>
+          <p:cNvGrpSpPr/>
+          <p:nvPr/>
+        </p:nvGrpSpPr>
+        <p:grpSpPr>
+          <a:xfrm>
+            <a:off x="4039249" y="4549694"/>
+            <a:ext cx="1482997" cy="1572803"/>
+            <a:chOff x="1335314" y="677965"/>
+            <a:chExt cx="1125902" cy="1200321"/>
+          </a:xfrm>
+        </p:grpSpPr>
+        <p:sp>
+          <p:nvSpPr>
+            <p:cNvPr id="106" name="타원 105"/>
+            <p:cNvSpPr/>
+            <p:nvPr/>
+          </p:nvSpPr>
+          <p:spPr>
+            <a:xfrm>
+              <a:off x="1335314" y="798286"/>
+              <a:ext cx="1080000" cy="1080000"/>
+            </a:xfrm>
+            <a:prstGeom prst="ellipse">
+              <a:avLst/>
+            </a:prstGeom>
+            <a:solidFill>
+              <a:srgbClr val="FFC5C5"/>
+            </a:solidFill>
+            <a:ln w="38100" cmpd="sng">
+              <a:solidFill>
+                <a:schemeClr val="tx1"/>
+              </a:solidFill>
+            </a:ln>
+          </p:spPr>
+          <p:style>
+            <a:lnRef idx="2">
+              <a:schemeClr val="accent1">
+                <a:shade val="50000"/>
+              </a:schemeClr>
+            </a:lnRef>
+            <a:fillRef idx="1">
+              <a:schemeClr val="accent1"/>
+            </a:fillRef>
+            <a:effectRef idx="0">
+              <a:schemeClr val="accent1"/>
+            </a:effectRef>
+            <a:fontRef idx="minor">
+              <a:schemeClr val="lt1"/>
+            </a:fontRef>
+          </p:style>
+          <p:txBody>
+            <a:bodyPr rtlCol="0" anchor="ctr"/>
+            <a:lstStyle/>
+            <a:p>
+              <a:pPr algn="ctr"/>
+              <a:endParaRPr lang="ko-KR" altLang="en-US"/>
+            </a:p>
+          </p:txBody>
+        </p:sp>
+        <p:sp>
+          <p:nvSpPr>
+            <p:cNvPr id="107" name="타원 106"/>
+            <p:cNvSpPr/>
+            <p:nvPr/>
+          </p:nvSpPr>
+          <p:spPr>
+            <a:xfrm>
+              <a:off x="1477604" y="966468"/>
+              <a:ext cx="432000" cy="432000"/>
+            </a:xfrm>
+            <a:prstGeom prst="ellipse">
+              <a:avLst/>
+            </a:prstGeom>
+            <a:solidFill>
+              <a:srgbClr val="FFE1E1"/>
+            </a:solidFill>
+            <a:ln>
+              <a:noFill/>
+            </a:ln>
+          </p:spPr>
+          <p:style>
+            <a:lnRef idx="2">
+              <a:schemeClr val="accent1">
+                <a:shade val="50000"/>
+              </a:schemeClr>
+            </a:lnRef>
+            <a:fillRef idx="1">
+              <a:schemeClr val="accent1"/>
+            </a:fillRef>
+            <a:effectRef idx="0">
+              <a:schemeClr val="accent1"/>
+            </a:effectRef>
+            <a:fontRef idx="minor">
+              <a:schemeClr val="lt1"/>
+            </a:fontRef>
+          </p:style>
+          <p:txBody>
+            <a:bodyPr rtlCol="0" anchor="ctr"/>
+            <a:lstStyle/>
+            <a:p>
+              <a:pPr algn="ctr"/>
+              <a:endParaRPr lang="ko-KR" altLang="en-US"/>
+            </a:p>
+          </p:txBody>
+        </p:sp>
+        <p:grpSp>
+          <p:nvGrpSpPr>
+            <p:cNvPr id="108" name="그룹 107"/>
+            <p:cNvGrpSpPr/>
+            <p:nvPr/>
+          </p:nvGrpSpPr>
+          <p:grpSpPr>
+            <a:xfrm rot="20302406">
+              <a:off x="1491055" y="1303819"/>
+              <a:ext cx="755887" cy="308337"/>
+              <a:chOff x="1636295" y="1620252"/>
+              <a:chExt cx="7652084" cy="2245895"/>
+            </a:xfrm>
+          </p:grpSpPr>
+          <p:sp>
+            <p:nvSpPr>
+              <p:cNvPr id="111" name="직사각형 110"/>
+              <p:cNvSpPr/>
+              <p:nvPr/>
+            </p:nvSpPr>
+            <p:spPr>
+              <a:xfrm>
+                <a:off x="4764505" y="1620252"/>
+                <a:ext cx="4523874" cy="2245895"/>
+              </a:xfrm>
+              <a:prstGeom prst="rect">
+                <a:avLst/>
+              </a:prstGeom>
+              <a:gradFill>
+                <a:gsLst>
+                  <a:gs pos="0">
+                    <a:schemeClr val="bg1">
+                      <a:lumMod val="50000"/>
+                    </a:schemeClr>
+                  </a:gs>
+                  <a:gs pos="100000">
+                    <a:schemeClr val="bg1">
+                      <a:lumMod val="85000"/>
+                    </a:schemeClr>
+                  </a:gs>
+                </a:gsLst>
+                <a:lin ang="5400000" scaled="1"/>
+              </a:gradFill>
+              <a:ln>
+                <a:noFill/>
+              </a:ln>
+            </p:spPr>
+            <p:style>
+              <a:lnRef idx="2">
+                <a:schemeClr val="accent1">
+                  <a:shade val="50000"/>
+                </a:schemeClr>
+              </a:lnRef>
+              <a:fillRef idx="1">
+                <a:schemeClr val="accent1"/>
+              </a:fillRef>
+              <a:effectRef idx="0">
+                <a:schemeClr val="accent1"/>
+              </a:effectRef>
+              <a:fontRef idx="minor">
+                <a:schemeClr val="lt1"/>
+              </a:fontRef>
+            </p:style>
+            <p:txBody>
+              <a:bodyPr rtlCol="0" anchor="ctr"/>
+              <a:lstStyle/>
+              <a:p>
+                <a:pPr algn="ctr"/>
+                <a:endParaRPr lang="ko-KR" altLang="en-US"/>
+              </a:p>
+            </p:txBody>
+          </p:sp>
+          <p:sp>
+            <p:nvSpPr>
+              <p:cNvPr id="112" name="모서리가 둥근 직사각형 111"/>
+              <p:cNvSpPr/>
+              <p:nvPr/>
+            </p:nvSpPr>
+            <p:spPr>
+              <a:xfrm>
+                <a:off x="1636295" y="1620252"/>
+                <a:ext cx="3256547" cy="978569"/>
+              </a:xfrm>
+              <a:prstGeom prst="roundRect">
+                <a:avLst/>
+              </a:prstGeom>
+              <a:solidFill>
+                <a:schemeClr val="bg2">
+                  <a:lumMod val="25000"/>
+                </a:schemeClr>
+              </a:solidFill>
+              <a:ln>
+                <a:noFill/>
+              </a:ln>
+            </p:spPr>
+            <p:style>
+              <a:lnRef idx="2">
+                <a:schemeClr val="accent1">
+                  <a:shade val="50000"/>
+                </a:schemeClr>
+              </a:lnRef>
+              <a:fillRef idx="1">
+                <a:schemeClr val="accent1"/>
+              </a:fillRef>
+              <a:effectRef idx="0">
+                <a:schemeClr val="accent1"/>
+              </a:effectRef>
+              <a:fontRef idx="minor">
+                <a:schemeClr val="lt1"/>
+              </a:fontRef>
+            </p:style>
+            <p:txBody>
+              <a:bodyPr rtlCol="0" anchor="ctr"/>
+              <a:lstStyle/>
+              <a:p>
+                <a:pPr algn="ctr"/>
+                <a:endParaRPr lang="ko-KR" altLang="en-US"/>
+              </a:p>
+            </p:txBody>
+          </p:sp>
+        </p:grpSp>
+        <p:sp>
+          <p:nvSpPr>
+            <p:cNvPr id="109" name="포인트가 4개인 별 108"/>
+            <p:cNvSpPr/>
+            <p:nvPr/>
+          </p:nvSpPr>
+          <p:spPr>
+            <a:xfrm rot="20693841">
+              <a:off x="1939277" y="976375"/>
+              <a:ext cx="385141" cy="392740"/>
+            </a:xfrm>
+            <a:prstGeom prst="star4">
+              <a:avLst>
+                <a:gd name="adj" fmla="val 11273"/>
+              </a:avLst>
+            </a:prstGeom>
+            <a:gradFill flip="none" rotWithShape="1">
+              <a:gsLst>
+                <a:gs pos="0">
+                  <a:srgbClr val="FFFF93"/>
+                </a:gs>
+                <a:gs pos="76000">
+                  <a:srgbClr val="FFFF00"/>
+                </a:gs>
+              </a:gsLst>
+              <a:path path="circle">
+                <a:fillToRect l="50000" t="50000" r="50000" b="50000"/>
+              </a:path>
+              <a:tileRect/>
+            </a:gradFill>
+            <a:ln>
+              <a:noFill/>
+            </a:ln>
+          </p:spPr>
+          <p:style>
+            <a:lnRef idx="2">
+              <a:schemeClr val="accent1">
+                <a:shade val="50000"/>
+              </a:schemeClr>
+            </a:lnRef>
+            <a:fillRef idx="1">
+              <a:schemeClr val="accent1"/>
+            </a:fillRef>
+            <a:effectRef idx="0">
+              <a:schemeClr val="accent1"/>
+            </a:effectRef>
+            <a:fontRef idx="minor">
+              <a:schemeClr val="lt1"/>
+            </a:fontRef>
+          </p:style>
+          <p:txBody>
+            <a:bodyPr rtlCol="0" anchor="ctr"/>
+            <a:lstStyle/>
+            <a:p>
+              <a:pPr algn="ctr"/>
+              <a:endParaRPr lang="ko-KR" altLang="en-US"/>
+            </a:p>
+          </p:txBody>
+        </p:sp>
+        <p:sp>
+          <p:nvSpPr>
+            <p:cNvPr id="110" name="TextBox 109"/>
+            <p:cNvSpPr txBox="1"/>
+            <p:nvPr/>
+          </p:nvSpPr>
+          <p:spPr>
+            <a:xfrm>
+              <a:off x="2132604" y="677965"/>
+              <a:ext cx="328612" cy="646331"/>
+            </a:xfrm>
+            <a:prstGeom prst="rect">
+              <a:avLst/>
+            </a:prstGeom>
+            <a:noFill/>
+          </p:spPr>
+          <p:txBody>
+            <a:bodyPr wrap="square" rtlCol="0">
+              <a:spAutoFit/>
+            </a:bodyPr>
+            <a:lstStyle/>
+            <a:p>
+              <a:pPr algn="ctr"/>
+              <a:r>
+                <a:rPr lang="en-US" altLang="ko-KR" sz="3600" dirty="0" smtClean="0">
+                  <a:ln w="25400">
+                    <a:solidFill>
+                      <a:schemeClr val="tx1"/>
+                    </a:solidFill>
+                  </a:ln>
+                  <a:solidFill>
+                    <a:srgbClr val="FFFF00"/>
+                  </a:solidFill>
+                  <a:latin typeface="Bauhaus 93" panose="04030905020B02020C02" pitchFamily="82" charset="0"/>
+                </a:rPr>
+                <a:t>0</a:t>
+              </a:r>
+              <a:endParaRPr lang="ko-KR" altLang="en-US" sz="3600" dirty="0">
+                <a:ln w="25400">
+                  <a:solidFill>
+                    <a:schemeClr val="tx1"/>
+                  </a:solidFill>
+                </a:ln>
+                <a:solidFill>
+                  <a:srgbClr val="FFFF00"/>
+                </a:solidFill>
+                <a:latin typeface="Bauhaus 93" panose="04030905020B02020C02" pitchFamily="82" charset="0"/>
+              </a:endParaRPr>
+            </a:p>
+          </p:txBody>
+        </p:sp>
+      </p:grpSp>
     </p:spTree>
     <p:extLst>
       <p:ext uri="{BB962C8B-B14F-4D97-AF65-F5344CB8AC3E}">

--- a/UI Design.pptx
+++ b/UI Design.pptx
@@ -8,6 +8,7 @@
     <p:sldId id="256" r:id="rId2"/>
     <p:sldId id="257" r:id="rId3"/>
     <p:sldId id="258" r:id="rId4"/>
+    <p:sldId id="259" r:id="rId5"/>
   </p:sldIdLst>
   <p:sldSz cx="12192000" cy="6858000"/>
   <p:notesSz cx="6858000" cy="9144000"/>
@@ -5609,57 +5610,196 @@
           </a:p>
         </p:txBody>
       </p:sp>
-      <p:sp>
-        <p:nvSpPr>
-          <p:cNvPr id="50" name="모서리가 둥근 직사각형 49"/>
-          <p:cNvSpPr/>
+      <p:grpSp>
+        <p:nvGrpSpPr>
+          <p:cNvPr id="3" name="그룹 2"/>
+          <p:cNvGrpSpPr/>
           <p:nvPr/>
-        </p:nvSpPr>
-        <p:spPr>
+        </p:nvGrpSpPr>
+        <p:grpSpPr>
           <a:xfrm>
             <a:off x="6543518" y="4650288"/>
             <a:ext cx="4511362" cy="528224"/>
+            <a:chOff x="6543518" y="4650288"/>
+            <a:chExt cx="4511362" cy="528224"/>
           </a:xfrm>
-          <a:prstGeom prst="roundRect">
-            <a:avLst>
-              <a:gd name="adj" fmla="val 50000"/>
-            </a:avLst>
-          </a:prstGeom>
-          <a:solidFill>
-            <a:schemeClr val="accent4">
-              <a:lumMod val="40000"/>
-              <a:lumOff val="60000"/>
-            </a:schemeClr>
-          </a:solidFill>
-          <a:ln w="38100">
+        </p:grpSpPr>
+        <p:sp>
+          <p:nvSpPr>
+            <p:cNvPr id="50" name="모서리가 둥근 직사각형 49"/>
+            <p:cNvSpPr/>
+            <p:nvPr/>
+          </p:nvSpPr>
+          <p:spPr>
+            <a:xfrm>
+              <a:off x="6543518" y="4650288"/>
+              <a:ext cx="4511362" cy="528224"/>
+            </a:xfrm>
+            <a:prstGeom prst="roundRect">
+              <a:avLst>
+                <a:gd name="adj" fmla="val 50000"/>
+              </a:avLst>
+            </a:prstGeom>
             <a:solidFill>
-              <a:schemeClr val="tx1"/>
+              <a:schemeClr val="accent4">
+                <a:lumMod val="40000"/>
+                <a:lumOff val="60000"/>
+              </a:schemeClr>
             </a:solidFill>
-          </a:ln>
-        </p:spPr>
-        <p:style>
-          <a:lnRef idx="2">
-            <a:schemeClr val="accent1">
-              <a:shade val="50000"/>
-            </a:schemeClr>
-          </a:lnRef>
-          <a:fillRef idx="1">
-            <a:schemeClr val="accent1"/>
-          </a:fillRef>
-          <a:effectRef idx="0">
-            <a:schemeClr val="accent1"/>
-          </a:effectRef>
-          <a:fontRef idx="minor">
-            <a:schemeClr val="lt1"/>
-          </a:fontRef>
-        </p:style>
-        <p:txBody>
-          <a:bodyPr rtlCol="0" anchor="ctr"/>
-          <a:lstStyle/>
-          <a:p>
-            <a:pPr algn="ctr"/>
-            <a:r>
-              <a:rPr lang="en-US" altLang="ko-KR" sz="2400" dirty="0" smtClean="0">
+            <a:ln w="38100">
+              <a:solidFill>
+                <a:schemeClr val="tx1"/>
+              </a:solidFill>
+            </a:ln>
+          </p:spPr>
+          <p:style>
+            <a:lnRef idx="2">
+              <a:schemeClr val="accent1">
+                <a:shade val="50000"/>
+              </a:schemeClr>
+            </a:lnRef>
+            <a:fillRef idx="1">
+              <a:schemeClr val="accent1"/>
+            </a:fillRef>
+            <a:effectRef idx="0">
+              <a:schemeClr val="accent1"/>
+            </a:effectRef>
+            <a:fontRef idx="minor">
+              <a:schemeClr val="lt1"/>
+            </a:fontRef>
+          </p:style>
+          <p:txBody>
+            <a:bodyPr rtlCol="0" anchor="ctr"/>
+            <a:lstStyle/>
+            <a:p>
+              <a:pPr algn="ctr"/>
+              <a:r>
+                <a:rPr lang="en-US" altLang="ko-KR" sz="2400" dirty="0" smtClean="0">
+                  <a:ln w="25400">
+                    <a:solidFill>
+                      <a:schemeClr val="tx1"/>
+                    </a:solidFill>
+                  </a:ln>
+                  <a:solidFill>
+                    <a:srgbClr val="FFFF5D"/>
+                  </a:solidFill>
+                  <a:latin typeface="Arial Black" panose="020B0A04020102020204" pitchFamily="34" charset="0"/>
+                </a:rPr>
+                <a:t>1</a:t>
+              </a:r>
+              <a:r>
+                <a:rPr lang="en-US" altLang="ko-KR" dirty="0" smtClean="0">
+                  <a:ln w="25400">
+                    <a:solidFill>
+                      <a:schemeClr val="tx1"/>
+                    </a:solidFill>
+                  </a:ln>
+                  <a:solidFill>
+                    <a:srgbClr val="FFFF5D"/>
+                  </a:solidFill>
+                  <a:latin typeface="Arial Black" panose="020B0A04020102020204" pitchFamily="34" charset="0"/>
+                </a:rPr>
+                <a:t>         </a:t>
+              </a:r>
+              <a:r>
+                <a:rPr lang="en-US" altLang="ko-KR" sz="2400" dirty="0" smtClean="0">
+                  <a:ln w="25400">
+                    <a:solidFill>
+                      <a:schemeClr val="tx1"/>
+                    </a:solidFill>
+                  </a:ln>
+                  <a:solidFill>
+                    <a:srgbClr val="FFFF5D"/>
+                  </a:solidFill>
+                  <a:latin typeface="Arial Black" panose="020B0A04020102020204" pitchFamily="34" charset="0"/>
+                </a:rPr>
+                <a:t>2</a:t>
+              </a:r>
+              <a:r>
+                <a:rPr lang="en-US" altLang="ko-KR" dirty="0" smtClean="0">
+                  <a:ln w="25400">
+                    <a:solidFill>
+                      <a:schemeClr val="tx1"/>
+                    </a:solidFill>
+                  </a:ln>
+                  <a:solidFill>
+                    <a:srgbClr val="FFFF5D"/>
+                  </a:solidFill>
+                  <a:latin typeface="Arial Black" panose="020B0A04020102020204" pitchFamily="34" charset="0"/>
+                </a:rPr>
+                <a:t>         </a:t>
+              </a:r>
+              <a:r>
+                <a:rPr lang="en-US" altLang="ko-KR" sz="2400" dirty="0" smtClean="0">
+                  <a:ln w="25400">
+                    <a:solidFill>
+                      <a:schemeClr val="tx1"/>
+                    </a:solidFill>
+                  </a:ln>
+                  <a:solidFill>
+                    <a:srgbClr val="FFFF5D"/>
+                  </a:solidFill>
+                  <a:latin typeface="Arial Black" panose="020B0A04020102020204" pitchFamily="34" charset="0"/>
+                </a:rPr>
+                <a:t>3</a:t>
+              </a:r>
+              <a:r>
+                <a:rPr lang="en-US" altLang="ko-KR" dirty="0" smtClean="0">
+                  <a:ln w="25400">
+                    <a:solidFill>
+                      <a:schemeClr val="tx1"/>
+                    </a:solidFill>
+                  </a:ln>
+                  <a:solidFill>
+                    <a:srgbClr val="FFFF5D"/>
+                  </a:solidFill>
+                  <a:latin typeface="Arial Black" panose="020B0A04020102020204" pitchFamily="34" charset="0"/>
+                </a:rPr>
+                <a:t>         </a:t>
+              </a:r>
+              <a:r>
+                <a:rPr lang="en-US" altLang="ko-KR" sz="2400" dirty="0" smtClean="0">
+                  <a:ln w="25400">
+                    <a:solidFill>
+                      <a:schemeClr val="tx1"/>
+                    </a:solidFill>
+                  </a:ln>
+                  <a:solidFill>
+                    <a:srgbClr val="FFFF5D"/>
+                  </a:solidFill>
+                  <a:latin typeface="Arial Black" panose="020B0A04020102020204" pitchFamily="34" charset="0"/>
+                </a:rPr>
+                <a:t>4</a:t>
+              </a:r>
+              <a:r>
+                <a:rPr lang="en-US" altLang="ko-KR" dirty="0" smtClean="0">
+                  <a:ln w="25400">
+                    <a:solidFill>
+                      <a:schemeClr val="tx1"/>
+                    </a:solidFill>
+                  </a:ln>
+                  <a:solidFill>
+                    <a:srgbClr val="FFFF5D"/>
+                  </a:solidFill>
+                  <a:latin typeface="Arial Black" panose="020B0A04020102020204" pitchFamily="34" charset="0"/>
+                </a:rPr>
+                <a:t>         </a:t>
+              </a:r>
+              <a:r>
+                <a:rPr lang="en-US" altLang="ko-KR" sz="2400" dirty="0" smtClean="0">
+                  <a:ln w="25400">
+                    <a:solidFill>
+                      <a:schemeClr val="tx1"/>
+                    </a:solidFill>
+                  </a:ln>
+                  <a:solidFill>
+                    <a:srgbClr val="FFFF5D"/>
+                  </a:solidFill>
+                  <a:latin typeface="Arial Black" panose="020B0A04020102020204" pitchFamily="34" charset="0"/>
+                </a:rPr>
+                <a:t>5</a:t>
+              </a:r>
+              <a:endParaRPr lang="ko-KR" altLang="en-US" sz="2400" dirty="0">
                 <a:ln w="25400">
                   <a:solidFill>
                     <a:schemeClr val="tx1"/>
@@ -5669,275 +5809,151 @@
                   <a:srgbClr val="FFFF5D"/>
                 </a:solidFill>
                 <a:latin typeface="Arial Black" panose="020B0A04020102020204" pitchFamily="34" charset="0"/>
-              </a:rPr>
-              <a:t>1</a:t>
-            </a:r>
-            <a:r>
-              <a:rPr lang="en-US" altLang="ko-KR" dirty="0" smtClean="0">
-                <a:ln w="25400">
-                  <a:solidFill>
-                    <a:schemeClr val="tx1"/>
-                  </a:solidFill>
-                </a:ln>
-                <a:solidFill>
-                  <a:srgbClr val="FFFF5D"/>
-                </a:solidFill>
-                <a:latin typeface="Arial Black" panose="020B0A04020102020204" pitchFamily="34" charset="0"/>
-              </a:rPr>
-              <a:t>         </a:t>
-            </a:r>
-            <a:r>
-              <a:rPr lang="en-US" altLang="ko-KR" sz="2400" dirty="0" smtClean="0">
-                <a:ln w="25400">
-                  <a:solidFill>
-                    <a:schemeClr val="tx1"/>
-                  </a:solidFill>
-                </a:ln>
-                <a:solidFill>
-                  <a:srgbClr val="FFFF5D"/>
-                </a:solidFill>
-                <a:latin typeface="Arial Black" panose="020B0A04020102020204" pitchFamily="34" charset="0"/>
-              </a:rPr>
-              <a:t>2</a:t>
-            </a:r>
-            <a:r>
-              <a:rPr lang="en-US" altLang="ko-KR" dirty="0" smtClean="0">
-                <a:ln w="25400">
-                  <a:solidFill>
-                    <a:schemeClr val="tx1"/>
-                  </a:solidFill>
-                </a:ln>
-                <a:solidFill>
-                  <a:srgbClr val="FFFF5D"/>
-                </a:solidFill>
-                <a:latin typeface="Arial Black" panose="020B0A04020102020204" pitchFamily="34" charset="0"/>
-              </a:rPr>
-              <a:t>         </a:t>
-            </a:r>
-            <a:r>
-              <a:rPr lang="en-US" altLang="ko-KR" sz="2400" dirty="0" smtClean="0">
-                <a:ln w="25400">
-                  <a:solidFill>
-                    <a:schemeClr val="tx1"/>
-                  </a:solidFill>
-                </a:ln>
-                <a:solidFill>
-                  <a:srgbClr val="FFFF5D"/>
-                </a:solidFill>
-                <a:latin typeface="Arial Black" panose="020B0A04020102020204" pitchFamily="34" charset="0"/>
-              </a:rPr>
-              <a:t>3</a:t>
-            </a:r>
-            <a:r>
-              <a:rPr lang="en-US" altLang="ko-KR" dirty="0" smtClean="0">
-                <a:ln w="25400">
-                  <a:solidFill>
-                    <a:schemeClr val="tx1"/>
-                  </a:solidFill>
-                </a:ln>
-                <a:solidFill>
-                  <a:srgbClr val="FFFF5D"/>
-                </a:solidFill>
-                <a:latin typeface="Arial Black" panose="020B0A04020102020204" pitchFamily="34" charset="0"/>
-              </a:rPr>
-              <a:t>         </a:t>
-            </a:r>
-            <a:r>
-              <a:rPr lang="en-US" altLang="ko-KR" sz="2400" dirty="0" smtClean="0">
-                <a:ln w="25400">
-                  <a:solidFill>
-                    <a:schemeClr val="tx1"/>
-                  </a:solidFill>
-                </a:ln>
-                <a:solidFill>
-                  <a:srgbClr val="FFFF5D"/>
-                </a:solidFill>
-                <a:latin typeface="Arial Black" panose="020B0A04020102020204" pitchFamily="34" charset="0"/>
-              </a:rPr>
-              <a:t>4</a:t>
-            </a:r>
-            <a:r>
-              <a:rPr lang="en-US" altLang="ko-KR" dirty="0" smtClean="0">
-                <a:ln w="25400">
-                  <a:solidFill>
-                    <a:schemeClr val="tx1"/>
-                  </a:solidFill>
-                </a:ln>
-                <a:solidFill>
-                  <a:srgbClr val="FFFF5D"/>
-                </a:solidFill>
-                <a:latin typeface="Arial Black" panose="020B0A04020102020204" pitchFamily="34" charset="0"/>
-              </a:rPr>
-              <a:t>         </a:t>
-            </a:r>
-            <a:r>
-              <a:rPr lang="en-US" altLang="ko-KR" sz="2400" dirty="0" smtClean="0">
-                <a:ln w="25400">
-                  <a:solidFill>
-                    <a:schemeClr val="tx1"/>
-                  </a:solidFill>
-                </a:ln>
-                <a:solidFill>
-                  <a:srgbClr val="FFFF5D"/>
-                </a:solidFill>
-                <a:latin typeface="Arial Black" panose="020B0A04020102020204" pitchFamily="34" charset="0"/>
-              </a:rPr>
-              <a:t>5</a:t>
-            </a:r>
-            <a:endParaRPr lang="ko-KR" altLang="en-US" sz="2400" dirty="0">
-              <a:ln w="25400">
-                <a:solidFill>
-                  <a:schemeClr val="tx1"/>
-                </a:solidFill>
-              </a:ln>
+              </a:endParaRPr>
+            </a:p>
+          </p:txBody>
+        </p:sp>
+        <p:cxnSp>
+          <p:nvCxnSpPr>
+            <p:cNvPr id="52" name="직선 연결선 51"/>
+            <p:cNvCxnSpPr/>
+            <p:nvPr/>
+          </p:nvCxnSpPr>
+          <p:spPr>
+            <a:xfrm flipH="1">
+              <a:off x="7443430" y="4706409"/>
+              <a:ext cx="0" cy="415982"/>
+            </a:xfrm>
+            <a:prstGeom prst="line">
+              <a:avLst/>
+            </a:prstGeom>
+            <a:ln w="25400">
               <a:solidFill>
-                <a:srgbClr val="FFFF5D"/>
+                <a:schemeClr val="tx1"/>
               </a:solidFill>
-              <a:latin typeface="Arial Black" panose="020B0A04020102020204" pitchFamily="34" charset="0"/>
-            </a:endParaRPr>
-          </a:p>
-        </p:txBody>
-      </p:sp>
-      <p:cxnSp>
-        <p:nvCxnSpPr>
-          <p:cNvPr id="52" name="직선 연결선 51"/>
-          <p:cNvCxnSpPr/>
-          <p:nvPr/>
-        </p:nvCxnSpPr>
-        <p:spPr>
-          <a:xfrm flipH="1">
-            <a:off x="7443430" y="4706409"/>
-            <a:ext cx="0" cy="415982"/>
-          </a:xfrm>
-          <a:prstGeom prst="line">
-            <a:avLst/>
-          </a:prstGeom>
-          <a:ln w="25400">
-            <a:solidFill>
+            </a:ln>
+          </p:spPr>
+          <p:style>
+            <a:lnRef idx="1">
+              <a:schemeClr val="accent1"/>
+            </a:lnRef>
+            <a:fillRef idx="0">
+              <a:schemeClr val="accent1"/>
+            </a:fillRef>
+            <a:effectRef idx="0">
+              <a:schemeClr val="accent1"/>
+            </a:effectRef>
+            <a:fontRef idx="minor">
               <a:schemeClr val="tx1"/>
-            </a:solidFill>
-          </a:ln>
-        </p:spPr>
-        <p:style>
-          <a:lnRef idx="1">
-            <a:schemeClr val="accent1"/>
-          </a:lnRef>
-          <a:fillRef idx="0">
-            <a:schemeClr val="accent1"/>
-          </a:fillRef>
-          <a:effectRef idx="0">
-            <a:schemeClr val="accent1"/>
-          </a:effectRef>
-          <a:fontRef idx="minor">
-            <a:schemeClr val="tx1"/>
-          </a:fontRef>
-        </p:style>
-      </p:cxnSp>
-      <p:cxnSp>
-        <p:nvCxnSpPr>
-          <p:cNvPr id="54" name="직선 연결선 53"/>
-          <p:cNvCxnSpPr/>
-          <p:nvPr/>
-        </p:nvCxnSpPr>
-        <p:spPr>
-          <a:xfrm flipH="1">
-            <a:off x="8344003" y="4706409"/>
-            <a:ext cx="0" cy="415982"/>
-          </a:xfrm>
-          <a:prstGeom prst="line">
-            <a:avLst/>
-          </a:prstGeom>
-          <a:ln w="25400">
-            <a:solidFill>
+            </a:fontRef>
+          </p:style>
+        </p:cxnSp>
+        <p:cxnSp>
+          <p:nvCxnSpPr>
+            <p:cNvPr id="54" name="직선 연결선 53"/>
+            <p:cNvCxnSpPr/>
+            <p:nvPr/>
+          </p:nvCxnSpPr>
+          <p:spPr>
+            <a:xfrm flipH="1">
+              <a:off x="8344003" y="4706409"/>
+              <a:ext cx="0" cy="415982"/>
+            </a:xfrm>
+            <a:prstGeom prst="line">
+              <a:avLst/>
+            </a:prstGeom>
+            <a:ln w="25400">
+              <a:solidFill>
+                <a:schemeClr val="tx1"/>
+              </a:solidFill>
+            </a:ln>
+          </p:spPr>
+          <p:style>
+            <a:lnRef idx="1">
+              <a:schemeClr val="accent1"/>
+            </a:lnRef>
+            <a:fillRef idx="0">
+              <a:schemeClr val="accent1"/>
+            </a:fillRef>
+            <a:effectRef idx="0">
+              <a:schemeClr val="accent1"/>
+            </a:effectRef>
+            <a:fontRef idx="minor">
               <a:schemeClr val="tx1"/>
-            </a:solidFill>
-          </a:ln>
-        </p:spPr>
-        <p:style>
-          <a:lnRef idx="1">
-            <a:schemeClr val="accent1"/>
-          </a:lnRef>
-          <a:fillRef idx="0">
-            <a:schemeClr val="accent1"/>
-          </a:fillRef>
-          <a:effectRef idx="0">
-            <a:schemeClr val="accent1"/>
-          </a:effectRef>
-          <a:fontRef idx="minor">
-            <a:schemeClr val="tx1"/>
-          </a:fontRef>
-        </p:style>
-      </p:cxnSp>
-      <p:cxnSp>
-        <p:nvCxnSpPr>
-          <p:cNvPr id="55" name="직선 연결선 54"/>
-          <p:cNvCxnSpPr/>
-          <p:nvPr/>
-        </p:nvCxnSpPr>
-        <p:spPr>
-          <a:xfrm flipH="1">
-            <a:off x="9259330" y="4706409"/>
-            <a:ext cx="0" cy="415982"/>
-          </a:xfrm>
-          <a:prstGeom prst="line">
-            <a:avLst/>
-          </a:prstGeom>
-          <a:ln w="25400">
-            <a:solidFill>
+            </a:fontRef>
+          </p:style>
+        </p:cxnSp>
+        <p:cxnSp>
+          <p:nvCxnSpPr>
+            <p:cNvPr id="55" name="직선 연결선 54"/>
+            <p:cNvCxnSpPr/>
+            <p:nvPr/>
+          </p:nvCxnSpPr>
+          <p:spPr>
+            <a:xfrm flipH="1">
+              <a:off x="9259330" y="4706409"/>
+              <a:ext cx="0" cy="415982"/>
+            </a:xfrm>
+            <a:prstGeom prst="line">
+              <a:avLst/>
+            </a:prstGeom>
+            <a:ln w="25400">
+              <a:solidFill>
+                <a:schemeClr val="tx1"/>
+              </a:solidFill>
+            </a:ln>
+          </p:spPr>
+          <p:style>
+            <a:lnRef idx="1">
+              <a:schemeClr val="accent1"/>
+            </a:lnRef>
+            <a:fillRef idx="0">
+              <a:schemeClr val="accent1"/>
+            </a:fillRef>
+            <a:effectRef idx="0">
+              <a:schemeClr val="accent1"/>
+            </a:effectRef>
+            <a:fontRef idx="minor">
               <a:schemeClr val="tx1"/>
-            </a:solidFill>
-          </a:ln>
-        </p:spPr>
-        <p:style>
-          <a:lnRef idx="1">
-            <a:schemeClr val="accent1"/>
-          </a:lnRef>
-          <a:fillRef idx="0">
-            <a:schemeClr val="accent1"/>
-          </a:fillRef>
-          <a:effectRef idx="0">
-            <a:schemeClr val="accent1"/>
-          </a:effectRef>
-          <a:fontRef idx="minor">
-            <a:schemeClr val="tx1"/>
-          </a:fontRef>
-        </p:style>
-      </p:cxnSp>
-      <p:cxnSp>
-        <p:nvCxnSpPr>
-          <p:cNvPr id="56" name="직선 연결선 55"/>
-          <p:cNvCxnSpPr/>
-          <p:nvPr/>
-        </p:nvCxnSpPr>
-        <p:spPr>
-          <a:xfrm flipH="1">
-            <a:off x="10164668" y="4706409"/>
-            <a:ext cx="0" cy="415982"/>
-          </a:xfrm>
-          <a:prstGeom prst="line">
-            <a:avLst/>
-          </a:prstGeom>
-          <a:ln w="25400">
-            <a:solidFill>
+            </a:fontRef>
+          </p:style>
+        </p:cxnSp>
+        <p:cxnSp>
+          <p:nvCxnSpPr>
+            <p:cNvPr id="56" name="직선 연결선 55"/>
+            <p:cNvCxnSpPr/>
+            <p:nvPr/>
+          </p:nvCxnSpPr>
+          <p:spPr>
+            <a:xfrm flipH="1">
+              <a:off x="10164668" y="4706409"/>
+              <a:ext cx="0" cy="415982"/>
+            </a:xfrm>
+            <a:prstGeom prst="line">
+              <a:avLst/>
+            </a:prstGeom>
+            <a:ln w="25400">
+              <a:solidFill>
+                <a:schemeClr val="tx1"/>
+              </a:solidFill>
+            </a:ln>
+          </p:spPr>
+          <p:style>
+            <a:lnRef idx="1">
+              <a:schemeClr val="accent1"/>
+            </a:lnRef>
+            <a:fillRef idx="0">
+              <a:schemeClr val="accent1"/>
+            </a:fillRef>
+            <a:effectRef idx="0">
+              <a:schemeClr val="accent1"/>
+            </a:effectRef>
+            <a:fontRef idx="minor">
               <a:schemeClr val="tx1"/>
-            </a:solidFill>
-          </a:ln>
-        </p:spPr>
-        <p:style>
-          <a:lnRef idx="1">
-            <a:schemeClr val="accent1"/>
-          </a:lnRef>
-          <a:fillRef idx="0">
-            <a:schemeClr val="accent1"/>
-          </a:fillRef>
-          <a:effectRef idx="0">
-            <a:schemeClr val="accent1"/>
-          </a:effectRef>
-          <a:fontRef idx="minor">
-            <a:schemeClr val="tx1"/>
-          </a:fontRef>
-        </p:style>
-      </p:cxnSp>
+            </a:fontRef>
+          </p:style>
+        </p:cxnSp>
+      </p:grpSp>
       <p:sp>
         <p:nvSpPr>
           <p:cNvPr id="58" name="TextBox 57"/>
@@ -6042,16 +6058,16 @@
       </p:sp>
       <p:grpSp>
         <p:nvGrpSpPr>
-          <p:cNvPr id="51" name="그룹 50"/>
+          <p:cNvPr id="2" name="그룹 1"/>
           <p:cNvGrpSpPr/>
           <p:nvPr/>
         </p:nvGrpSpPr>
         <p:grpSpPr>
           <a:xfrm>
-            <a:off x="4047773" y="676769"/>
-            <a:ext cx="1482997" cy="1572803"/>
-            <a:chOff x="1335314" y="677965"/>
-            <a:chExt cx="1125902" cy="1200321"/>
+            <a:off x="4047773" y="834428"/>
+            <a:ext cx="1422537" cy="1415144"/>
+            <a:chOff x="4047773" y="834428"/>
+            <a:chExt cx="1422537" cy="1415144"/>
           </a:xfrm>
         </p:grpSpPr>
         <p:sp>
@@ -6062,8 +6078,8 @@
           </p:nvSpPr>
           <p:spPr>
             <a:xfrm>
-              <a:off x="1335314" y="798286"/>
-              <a:ext cx="1080000" cy="1080000"/>
+              <a:off x="4047773" y="834428"/>
+              <a:ext cx="1422537" cy="1415144"/>
             </a:xfrm>
             <a:prstGeom prst="ellipse">
               <a:avLst/>
@@ -6110,8 +6126,8 @@
           </p:nvSpPr>
           <p:spPr>
             <a:xfrm>
-              <a:off x="1477604" y="966468"/>
-              <a:ext cx="432000" cy="432000"/>
+              <a:off x="4235192" y="1054800"/>
+              <a:ext cx="569015" cy="566058"/>
             </a:xfrm>
             <a:prstGeom prst="ellipse">
               <a:avLst/>
@@ -6156,8 +6172,8 @@
           </p:nvGrpSpPr>
           <p:grpSpPr>
             <a:xfrm rot="20302406">
-              <a:off x="1491055" y="1303819"/>
-              <a:ext cx="755887" cy="308337"/>
+              <a:off x="4252909" y="1496837"/>
+              <a:ext cx="995627" cy="404020"/>
               <a:chOff x="1636295" y="1620252"/>
               <a:chExt cx="7652084" cy="2245895"/>
             </a:xfrm>
@@ -6277,8 +6293,8 @@
           </p:nvSpPr>
           <p:spPr>
             <a:xfrm rot="20693841">
-              <a:off x="1939277" y="976375"/>
-              <a:ext cx="385141" cy="392740"/>
+              <a:off x="4843291" y="1067781"/>
+              <a:ext cx="507294" cy="514615"/>
             </a:xfrm>
             <a:prstGeom prst="star4">
               <a:avLst>
@@ -6325,57 +6341,6 @@
             <a:p>
               <a:pPr algn="ctr"/>
               <a:endParaRPr lang="ko-KR" altLang="en-US"/>
-            </a:p>
-          </p:txBody>
-        </p:sp>
-        <p:sp>
-          <p:nvSpPr>
-            <p:cNvPr id="62" name="TextBox 61"/>
-            <p:cNvSpPr txBox="1"/>
-            <p:nvPr/>
-          </p:nvSpPr>
-          <p:spPr>
-            <a:xfrm>
-              <a:off x="2132604" y="677965"/>
-              <a:ext cx="328612" cy="646331"/>
-            </a:xfrm>
-            <a:prstGeom prst="rect">
-              <a:avLst/>
-            </a:prstGeom>
-            <a:noFill/>
-          </p:spPr>
-          <p:txBody>
-            <a:bodyPr wrap="square" rtlCol="0">
-              <a:spAutoFit/>
-            </a:bodyPr>
-            <a:lstStyle/>
-            <a:p>
-              <a:pPr algn="ctr"/>
-              <a:r>
-                <a:rPr lang="en-US" altLang="ko-KR" sz="3600" dirty="0" smtClean="0">
-                  <a:ln w="25400">
-                    <a:solidFill>
-                      <a:schemeClr val="tx1"/>
-                    </a:solidFill>
-                  </a:ln>
-                  <a:solidFill>
-                    <a:srgbClr val="FFFF00"/>
-                  </a:solidFill>
-                  <a:latin typeface="Bauhaus 93" panose="04030905020B02020C02" pitchFamily="82" charset="0"/>
-                </a:rPr>
-                <a:t>0</a:t>
-              </a:r>
-              <a:endParaRPr lang="ko-KR" altLang="en-US" sz="3600" dirty="0">
-                <a:ln w="25400">
-                  <a:solidFill>
-                    <a:schemeClr val="tx1"/>
-                  </a:solidFill>
-                </a:ln>
-                <a:solidFill>
-                  <a:srgbClr val="FFFF00"/>
-                </a:solidFill>
-                <a:latin typeface="Bauhaus 93" panose="04030905020B02020C02" pitchFamily="82" charset="0"/>
-              </a:endParaRPr>
             </a:p>
           </p:txBody>
         </p:sp>
@@ -8606,6 +8571,221 @@
     <p:extLst>
       <p:ext uri="{BB962C8B-B14F-4D97-AF65-F5344CB8AC3E}">
         <p14:creationId xmlns:p14="http://schemas.microsoft.com/office/powerpoint/2010/main" val="1817054956"/>
+      </p:ext>
+    </p:extLst>
+  </p:cSld>
+  <p:clrMapOvr>
+    <a:masterClrMapping/>
+  </p:clrMapOvr>
+</p:sld>
+</file>
+
+<file path=ppt/slides/slide4.xml><?xml version="1.0" encoding="utf-8"?>
+<p:sld xmlns:a="http://schemas.openxmlformats.org/drawingml/2006/main" xmlns:r="http://schemas.openxmlformats.org/officeDocument/2006/relationships" xmlns:p="http://schemas.openxmlformats.org/presentationml/2006/main">
+  <p:cSld>
+    <p:spTree>
+      <p:nvGrpSpPr>
+        <p:cNvPr id="1" name=""/>
+        <p:cNvGrpSpPr/>
+        <p:nvPr/>
+      </p:nvGrpSpPr>
+      <p:grpSpPr>
+        <a:xfrm>
+          <a:off x="0" y="0"/>
+          <a:ext cx="0" cy="0"/>
+          <a:chOff x="0" y="0"/>
+          <a:chExt cx="0" cy="0"/>
+        </a:xfrm>
+      </p:grpSpPr>
+      <p:grpSp>
+        <p:nvGrpSpPr>
+          <p:cNvPr id="6" name="그룹 5"/>
+          <p:cNvGrpSpPr/>
+          <p:nvPr/>
+        </p:nvGrpSpPr>
+        <p:grpSpPr>
+          <a:xfrm>
+            <a:off x="2730137" y="488771"/>
+            <a:ext cx="619163" cy="872308"/>
+            <a:chOff x="2730137" y="479473"/>
+            <a:chExt cx="2906837" cy="3357154"/>
+          </a:xfrm>
+        </p:grpSpPr>
+        <p:sp>
+          <p:nvSpPr>
+            <p:cNvPr id="4" name="자유형 3"/>
+            <p:cNvSpPr/>
+            <p:nvPr/>
+          </p:nvSpPr>
+          <p:spPr>
+            <a:xfrm>
+              <a:off x="2730137" y="2293501"/>
+              <a:ext cx="1476101" cy="1455540"/>
+            </a:xfrm>
+            <a:custGeom>
+              <a:avLst/>
+              <a:gdLst>
+                <a:gd name="connsiteX0" fmla="*/ 0 w 1476103"/>
+                <a:gd name="connsiteY0" fmla="*/ 0 h 1933303"/>
+                <a:gd name="connsiteX1" fmla="*/ 901337 w 1476103"/>
+                <a:gd name="connsiteY1" fmla="*/ 953589 h 1933303"/>
+                <a:gd name="connsiteX2" fmla="*/ 1476103 w 1476103"/>
+                <a:gd name="connsiteY2" fmla="*/ 1933303 h 1933303"/>
+              </a:gdLst>
+              <a:ahLst/>
+              <a:cxnLst>
+                <a:cxn ang="0">
+                  <a:pos x="connsiteX0" y="connsiteY0"/>
+                </a:cxn>
+                <a:cxn ang="0">
+                  <a:pos x="connsiteX1" y="connsiteY1"/>
+                </a:cxn>
+                <a:cxn ang="0">
+                  <a:pos x="connsiteX2" y="connsiteY2"/>
+                </a:cxn>
+              </a:cxnLst>
+              <a:rect l="l" t="t" r="r" b="b"/>
+              <a:pathLst>
+                <a:path w="1476103" h="1933303">
+                  <a:moveTo>
+                    <a:pt x="0" y="0"/>
+                  </a:moveTo>
+                  <a:cubicBezTo>
+                    <a:pt x="327660" y="315686"/>
+                    <a:pt x="655320" y="631372"/>
+                    <a:pt x="901337" y="953589"/>
+                  </a:cubicBezTo>
+                  <a:cubicBezTo>
+                    <a:pt x="1147354" y="1275806"/>
+                    <a:pt x="1311728" y="1604554"/>
+                    <a:pt x="1476103" y="1933303"/>
+                  </a:cubicBezTo>
+                </a:path>
+              </a:pathLst>
+            </a:custGeom>
+            <a:noFill/>
+            <a:ln w="254000" cap="rnd">
+              <a:solidFill>
+                <a:schemeClr val="accent6"/>
+              </a:solidFill>
+              <a:round/>
+            </a:ln>
+          </p:spPr>
+          <p:style>
+            <a:lnRef idx="2">
+              <a:schemeClr val="accent1">
+                <a:shade val="50000"/>
+              </a:schemeClr>
+            </a:lnRef>
+            <a:fillRef idx="1">
+              <a:schemeClr val="accent1"/>
+            </a:fillRef>
+            <a:effectRef idx="0">
+              <a:schemeClr val="accent1"/>
+            </a:effectRef>
+            <a:fontRef idx="minor">
+              <a:schemeClr val="lt1"/>
+            </a:fontRef>
+          </p:style>
+          <p:txBody>
+            <a:bodyPr rtlCol="0" anchor="ctr"/>
+            <a:lstStyle/>
+            <a:p>
+              <a:pPr algn="ctr"/>
+              <a:endParaRPr lang="ko-KR" altLang="en-US"/>
+            </a:p>
+          </p:txBody>
+        </p:sp>
+        <p:sp>
+          <p:nvSpPr>
+            <p:cNvPr id="5" name="자유형 4"/>
+            <p:cNvSpPr/>
+            <p:nvPr/>
+          </p:nvSpPr>
+          <p:spPr>
+            <a:xfrm rot="483208">
+              <a:off x="4487442" y="479473"/>
+              <a:ext cx="1149532" cy="3357154"/>
+            </a:xfrm>
+            <a:custGeom>
+              <a:avLst/>
+              <a:gdLst>
+                <a:gd name="connsiteX0" fmla="*/ 0 w 1149531"/>
+                <a:gd name="connsiteY0" fmla="*/ 3357154 h 3357154"/>
+                <a:gd name="connsiteX1" fmla="*/ 627017 w 1149531"/>
+                <a:gd name="connsiteY1" fmla="*/ 1711234 h 3357154"/>
+                <a:gd name="connsiteX2" fmla="*/ 1149531 w 1149531"/>
+                <a:gd name="connsiteY2" fmla="*/ 0 h 3357154"/>
+              </a:gdLst>
+              <a:ahLst/>
+              <a:cxnLst>
+                <a:cxn ang="0">
+                  <a:pos x="connsiteX0" y="connsiteY0"/>
+                </a:cxn>
+                <a:cxn ang="0">
+                  <a:pos x="connsiteX1" y="connsiteY1"/>
+                </a:cxn>
+                <a:cxn ang="0">
+                  <a:pos x="connsiteX2" y="connsiteY2"/>
+                </a:cxn>
+              </a:cxnLst>
+              <a:rect l="l" t="t" r="r" b="b"/>
+              <a:pathLst>
+                <a:path w="1149531" h="3357154">
+                  <a:moveTo>
+                    <a:pt x="0" y="3357154"/>
+                  </a:moveTo>
+                  <a:cubicBezTo>
+                    <a:pt x="217714" y="2813957"/>
+                    <a:pt x="435429" y="2270760"/>
+                    <a:pt x="627017" y="1711234"/>
+                  </a:cubicBezTo>
+                  <a:cubicBezTo>
+                    <a:pt x="818606" y="1151708"/>
+                    <a:pt x="984068" y="575854"/>
+                    <a:pt x="1149531" y="0"/>
+                  </a:cubicBezTo>
+                </a:path>
+              </a:pathLst>
+            </a:custGeom>
+            <a:noFill/>
+            <a:ln w="254000" cap="rnd">
+              <a:solidFill>
+                <a:schemeClr val="accent6"/>
+              </a:solidFill>
+              <a:round/>
+            </a:ln>
+          </p:spPr>
+          <p:style>
+            <a:lnRef idx="2">
+              <a:schemeClr val="accent1">
+                <a:shade val="50000"/>
+              </a:schemeClr>
+            </a:lnRef>
+            <a:fillRef idx="1">
+              <a:schemeClr val="accent1"/>
+            </a:fillRef>
+            <a:effectRef idx="0">
+              <a:schemeClr val="accent1"/>
+            </a:effectRef>
+            <a:fontRef idx="minor">
+              <a:schemeClr val="lt1"/>
+            </a:fontRef>
+          </p:style>
+          <p:txBody>
+            <a:bodyPr rtlCol="0" anchor="ctr"/>
+            <a:lstStyle/>
+            <a:p>
+              <a:pPr algn="ctr"/>
+              <a:endParaRPr lang="ko-KR" altLang="en-US"/>
+            </a:p>
+          </p:txBody>
+        </p:sp>
+      </p:grpSp>
+    </p:spTree>
+    <p:extLst>
+      <p:ext uri="{BB962C8B-B14F-4D97-AF65-F5344CB8AC3E}">
+        <p14:creationId xmlns:p14="http://schemas.microsoft.com/office/powerpoint/2010/main" val="3638098237"/>
       </p:ext>
     </p:extLst>
   </p:cSld>

--- a/UI Design.pptx
+++ b/UI Design.pptx
@@ -9,6 +9,8 @@
     <p:sldId id="257" r:id="rId3"/>
     <p:sldId id="258" r:id="rId4"/>
     <p:sldId id="259" r:id="rId5"/>
+    <p:sldId id="260" r:id="rId6"/>
+    <p:sldId id="261" r:id="rId7"/>
   </p:sldIdLst>
   <p:sldSz cx="12192000" cy="6858000"/>
   <p:notesSz cx="6858000" cy="9144000"/>
@@ -4732,16 +4734,16 @@
       </p:sp>
       <p:grpSp>
         <p:nvGrpSpPr>
-          <p:cNvPr id="35" name="그룹 34"/>
+          <p:cNvPr id="10" name="그룹 9"/>
           <p:cNvGrpSpPr/>
           <p:nvPr/>
         </p:nvGrpSpPr>
         <p:grpSpPr>
           <a:xfrm>
-            <a:off x="1053257" y="676769"/>
-            <a:ext cx="1482997" cy="1572803"/>
-            <a:chOff x="1335314" y="677965"/>
-            <a:chExt cx="1125902" cy="1200321"/>
+            <a:off x="1062016" y="830106"/>
+            <a:ext cx="1422537" cy="1415144"/>
+            <a:chOff x="592448" y="952770"/>
+            <a:chExt cx="1422537" cy="1415144"/>
           </a:xfrm>
         </p:grpSpPr>
         <p:sp>
@@ -4752,14 +4754,14 @@
           </p:nvSpPr>
           <p:spPr>
             <a:xfrm>
-              <a:off x="1335314" y="798286"/>
-              <a:ext cx="1080000" cy="1080000"/>
+              <a:off x="592448" y="952770"/>
+              <a:ext cx="1422537" cy="1415144"/>
             </a:xfrm>
             <a:prstGeom prst="ellipse">
               <a:avLst/>
             </a:prstGeom>
             <a:solidFill>
-              <a:srgbClr val="FFC5C5"/>
+              <a:srgbClr val="FF6E6E"/>
             </a:solidFill>
             <a:ln w="38100" cmpd="sng">
               <a:solidFill>
@@ -4800,14 +4802,14 @@
           </p:nvSpPr>
           <p:spPr>
             <a:xfrm>
-              <a:off x="1477604" y="966468"/>
-              <a:ext cx="432000" cy="432000"/>
+              <a:off x="779867" y="1173142"/>
+              <a:ext cx="569015" cy="566058"/>
             </a:xfrm>
             <a:prstGeom prst="ellipse">
               <a:avLst/>
             </a:prstGeom>
             <a:solidFill>
-              <a:srgbClr val="FFE1E1"/>
+              <a:srgbClr val="FF9696"/>
             </a:solidFill>
             <a:ln>
               <a:noFill/>
@@ -4846,8 +4848,8 @@
           </p:nvGrpSpPr>
           <p:grpSpPr>
             <a:xfrm rot="20302406">
-              <a:off x="1491055" y="1303819"/>
-              <a:ext cx="755887" cy="308337"/>
+              <a:off x="797584" y="1615179"/>
+              <a:ext cx="995627" cy="404020"/>
               <a:chOff x="1636295" y="1620252"/>
               <a:chExt cx="7652084" cy="2245895"/>
             </a:xfrm>
@@ -4967,8 +4969,8 @@
           </p:nvSpPr>
           <p:spPr>
             <a:xfrm rot="20693841">
-              <a:off x="1939277" y="976375"/>
-              <a:ext cx="385141" cy="392740"/>
+              <a:off x="1387966" y="1186123"/>
+              <a:ext cx="507294" cy="514615"/>
             </a:xfrm>
             <a:prstGeom prst="star4">
               <a:avLst>
@@ -5018,44 +5020,32 @@
             </a:p>
           </p:txBody>
         </p:sp>
-        <p:sp>
-          <p:nvSpPr>
-            <p:cNvPr id="33" name="TextBox 32"/>
-            <p:cNvSpPr txBox="1"/>
-            <p:nvPr/>
-          </p:nvSpPr>
-          <p:spPr>
-            <a:xfrm>
-              <a:off x="2132604" y="677965"/>
-              <a:ext cx="328612" cy="646331"/>
-            </a:xfrm>
-            <a:prstGeom prst="rect">
-              <a:avLst/>
-            </a:prstGeom>
-            <a:noFill/>
-          </p:spPr>
-          <p:txBody>
-            <a:bodyPr wrap="square" rtlCol="0">
-              <a:spAutoFit/>
-            </a:bodyPr>
-            <a:lstStyle/>
-            <a:p>
-              <a:pPr algn="ctr"/>
-              <a:r>
-                <a:rPr lang="en-US" altLang="ko-KR" sz="3600" dirty="0" smtClean="0">
-                  <a:ln w="25400">
-                    <a:solidFill>
-                      <a:schemeClr val="tx1"/>
-                    </a:solidFill>
-                  </a:ln>
-                  <a:solidFill>
-                    <a:srgbClr val="FFFF00"/>
-                  </a:solidFill>
-                  <a:latin typeface="Bauhaus 93" panose="04030905020B02020C02" pitchFamily="82" charset="0"/>
-                </a:rPr>
-                <a:t>0</a:t>
-              </a:r>
-              <a:endParaRPr lang="ko-KR" altLang="en-US" sz="3600" dirty="0">
+      </p:grpSp>
+      <p:sp>
+        <p:nvSpPr>
+          <p:cNvPr id="33" name="TextBox 32"/>
+          <p:cNvSpPr txBox="1"/>
+          <p:nvPr/>
+        </p:nvSpPr>
+        <p:spPr>
+          <a:xfrm>
+            <a:off x="2103418" y="676769"/>
+            <a:ext cx="432836" cy="846900"/>
+          </a:xfrm>
+          <a:prstGeom prst="rect">
+            <a:avLst/>
+          </a:prstGeom>
+          <a:noFill/>
+        </p:spPr>
+        <p:txBody>
+          <a:bodyPr wrap="square" rtlCol="0">
+            <a:spAutoFit/>
+          </a:bodyPr>
+          <a:lstStyle/>
+          <a:p>
+            <a:pPr algn="ctr"/>
+            <a:r>
+              <a:rPr lang="en-US" altLang="ko-KR" sz="3600" dirty="0" smtClean="0">
                 <a:ln w="25400">
                   <a:solidFill>
                     <a:schemeClr val="tx1"/>
@@ -5065,11 +5055,23 @@
                   <a:srgbClr val="FFFF00"/>
                 </a:solidFill>
                 <a:latin typeface="Bauhaus 93" panose="04030905020B02020C02" pitchFamily="82" charset="0"/>
-              </a:endParaRPr>
-            </a:p>
-          </p:txBody>
-        </p:sp>
-      </p:grpSp>
+              </a:rPr>
+              <a:t>0</a:t>
+            </a:r>
+            <a:endParaRPr lang="ko-KR" altLang="en-US" sz="3600" dirty="0">
+              <a:ln w="25400">
+                <a:solidFill>
+                  <a:schemeClr val="tx1"/>
+                </a:solidFill>
+              </a:ln>
+              <a:solidFill>
+                <a:srgbClr val="FFFF00"/>
+              </a:solidFill>
+              <a:latin typeface="Bauhaus 93" panose="04030905020B02020C02" pitchFamily="82" charset="0"/>
+            </a:endParaRPr>
+          </a:p>
+        </p:txBody>
+      </p:sp>
       <p:sp>
         <p:nvSpPr>
           <p:cNvPr id="36" name="모서리가 둥근 직사각형 35"/>
@@ -6058,295 +6060,6 @@
       </p:sp>
       <p:grpSp>
         <p:nvGrpSpPr>
-          <p:cNvPr id="2" name="그룹 1"/>
-          <p:cNvGrpSpPr/>
-          <p:nvPr/>
-        </p:nvGrpSpPr>
-        <p:grpSpPr>
-          <a:xfrm>
-            <a:off x="4047773" y="834428"/>
-            <a:ext cx="1422537" cy="1415144"/>
-            <a:chOff x="4047773" y="834428"/>
-            <a:chExt cx="1422537" cy="1415144"/>
-          </a:xfrm>
-        </p:grpSpPr>
-        <p:sp>
-          <p:nvSpPr>
-            <p:cNvPr id="53" name="타원 52"/>
-            <p:cNvSpPr/>
-            <p:nvPr/>
-          </p:nvSpPr>
-          <p:spPr>
-            <a:xfrm>
-              <a:off x="4047773" y="834428"/>
-              <a:ext cx="1422537" cy="1415144"/>
-            </a:xfrm>
-            <a:prstGeom prst="ellipse">
-              <a:avLst/>
-            </a:prstGeom>
-            <a:solidFill>
-              <a:srgbClr val="FFC5C5"/>
-            </a:solidFill>
-            <a:ln w="38100" cmpd="sng">
-              <a:solidFill>
-                <a:schemeClr val="tx1"/>
-              </a:solidFill>
-            </a:ln>
-          </p:spPr>
-          <p:style>
-            <a:lnRef idx="2">
-              <a:schemeClr val="accent1">
-                <a:shade val="50000"/>
-              </a:schemeClr>
-            </a:lnRef>
-            <a:fillRef idx="1">
-              <a:schemeClr val="accent1"/>
-            </a:fillRef>
-            <a:effectRef idx="0">
-              <a:schemeClr val="accent1"/>
-            </a:effectRef>
-            <a:fontRef idx="minor">
-              <a:schemeClr val="lt1"/>
-            </a:fontRef>
-          </p:style>
-          <p:txBody>
-            <a:bodyPr rtlCol="0" anchor="ctr"/>
-            <a:lstStyle/>
-            <a:p>
-              <a:pPr algn="ctr"/>
-              <a:endParaRPr lang="ko-KR" altLang="en-US"/>
-            </a:p>
-          </p:txBody>
-        </p:sp>
-        <p:sp>
-          <p:nvSpPr>
-            <p:cNvPr id="57" name="타원 56"/>
-            <p:cNvSpPr/>
-            <p:nvPr/>
-          </p:nvSpPr>
-          <p:spPr>
-            <a:xfrm>
-              <a:off x="4235192" y="1054800"/>
-              <a:ext cx="569015" cy="566058"/>
-            </a:xfrm>
-            <a:prstGeom prst="ellipse">
-              <a:avLst/>
-            </a:prstGeom>
-            <a:solidFill>
-              <a:srgbClr val="FFE1E1"/>
-            </a:solidFill>
-            <a:ln>
-              <a:noFill/>
-            </a:ln>
-          </p:spPr>
-          <p:style>
-            <a:lnRef idx="2">
-              <a:schemeClr val="accent1">
-                <a:shade val="50000"/>
-              </a:schemeClr>
-            </a:lnRef>
-            <a:fillRef idx="1">
-              <a:schemeClr val="accent1"/>
-            </a:fillRef>
-            <a:effectRef idx="0">
-              <a:schemeClr val="accent1"/>
-            </a:effectRef>
-            <a:fontRef idx="minor">
-              <a:schemeClr val="lt1"/>
-            </a:fontRef>
-          </p:style>
-          <p:txBody>
-            <a:bodyPr rtlCol="0" anchor="ctr"/>
-            <a:lstStyle/>
-            <a:p>
-              <a:pPr algn="ctr"/>
-              <a:endParaRPr lang="ko-KR" altLang="en-US"/>
-            </a:p>
-          </p:txBody>
-        </p:sp>
-        <p:grpSp>
-          <p:nvGrpSpPr>
-            <p:cNvPr id="60" name="그룹 59"/>
-            <p:cNvGrpSpPr/>
-            <p:nvPr/>
-          </p:nvGrpSpPr>
-          <p:grpSpPr>
-            <a:xfrm rot="20302406">
-              <a:off x="4252909" y="1496837"/>
-              <a:ext cx="995627" cy="404020"/>
-              <a:chOff x="1636295" y="1620252"/>
-              <a:chExt cx="7652084" cy="2245895"/>
-            </a:xfrm>
-          </p:grpSpPr>
-          <p:sp>
-            <p:nvSpPr>
-              <p:cNvPr id="63" name="직사각형 62"/>
-              <p:cNvSpPr/>
-              <p:nvPr/>
-            </p:nvSpPr>
-            <p:spPr>
-              <a:xfrm>
-                <a:off x="4764505" y="1620252"/>
-                <a:ext cx="4523874" cy="2245895"/>
-              </a:xfrm>
-              <a:prstGeom prst="rect">
-                <a:avLst/>
-              </a:prstGeom>
-              <a:gradFill>
-                <a:gsLst>
-                  <a:gs pos="0">
-                    <a:schemeClr val="bg1">
-                      <a:lumMod val="50000"/>
-                    </a:schemeClr>
-                  </a:gs>
-                  <a:gs pos="100000">
-                    <a:schemeClr val="bg1">
-                      <a:lumMod val="85000"/>
-                    </a:schemeClr>
-                  </a:gs>
-                </a:gsLst>
-                <a:lin ang="5400000" scaled="1"/>
-              </a:gradFill>
-              <a:ln>
-                <a:noFill/>
-              </a:ln>
-            </p:spPr>
-            <p:style>
-              <a:lnRef idx="2">
-                <a:schemeClr val="accent1">
-                  <a:shade val="50000"/>
-                </a:schemeClr>
-              </a:lnRef>
-              <a:fillRef idx="1">
-                <a:schemeClr val="accent1"/>
-              </a:fillRef>
-              <a:effectRef idx="0">
-                <a:schemeClr val="accent1"/>
-              </a:effectRef>
-              <a:fontRef idx="minor">
-                <a:schemeClr val="lt1"/>
-              </a:fontRef>
-            </p:style>
-            <p:txBody>
-              <a:bodyPr rtlCol="0" anchor="ctr"/>
-              <a:lstStyle/>
-              <a:p>
-                <a:pPr algn="ctr"/>
-                <a:endParaRPr lang="ko-KR" altLang="en-US"/>
-              </a:p>
-            </p:txBody>
-          </p:sp>
-          <p:sp>
-            <p:nvSpPr>
-              <p:cNvPr id="64" name="모서리가 둥근 직사각형 63"/>
-              <p:cNvSpPr/>
-              <p:nvPr/>
-            </p:nvSpPr>
-            <p:spPr>
-              <a:xfrm>
-                <a:off x="1636295" y="1620252"/>
-                <a:ext cx="3256547" cy="978569"/>
-              </a:xfrm>
-              <a:prstGeom prst="roundRect">
-                <a:avLst/>
-              </a:prstGeom>
-              <a:solidFill>
-                <a:schemeClr val="bg2">
-                  <a:lumMod val="25000"/>
-                </a:schemeClr>
-              </a:solidFill>
-              <a:ln>
-                <a:noFill/>
-              </a:ln>
-            </p:spPr>
-            <p:style>
-              <a:lnRef idx="2">
-                <a:schemeClr val="accent1">
-                  <a:shade val="50000"/>
-                </a:schemeClr>
-              </a:lnRef>
-              <a:fillRef idx="1">
-                <a:schemeClr val="accent1"/>
-              </a:fillRef>
-              <a:effectRef idx="0">
-                <a:schemeClr val="accent1"/>
-              </a:effectRef>
-              <a:fontRef idx="minor">
-                <a:schemeClr val="lt1"/>
-              </a:fontRef>
-            </p:style>
-            <p:txBody>
-              <a:bodyPr rtlCol="0" anchor="ctr"/>
-              <a:lstStyle/>
-              <a:p>
-                <a:pPr algn="ctr"/>
-                <a:endParaRPr lang="ko-KR" altLang="en-US"/>
-              </a:p>
-            </p:txBody>
-          </p:sp>
-        </p:grpSp>
-        <p:sp>
-          <p:nvSpPr>
-            <p:cNvPr id="61" name="포인트가 4개인 별 60"/>
-            <p:cNvSpPr/>
-            <p:nvPr/>
-          </p:nvSpPr>
-          <p:spPr>
-            <a:xfrm rot="20693841">
-              <a:off x="4843291" y="1067781"/>
-              <a:ext cx="507294" cy="514615"/>
-            </a:xfrm>
-            <a:prstGeom prst="star4">
-              <a:avLst>
-                <a:gd name="adj" fmla="val 11273"/>
-              </a:avLst>
-            </a:prstGeom>
-            <a:gradFill flip="none" rotWithShape="1">
-              <a:gsLst>
-                <a:gs pos="0">
-                  <a:srgbClr val="FFFF93"/>
-                </a:gs>
-                <a:gs pos="76000">
-                  <a:srgbClr val="FFFF00"/>
-                </a:gs>
-              </a:gsLst>
-              <a:path path="circle">
-                <a:fillToRect l="50000" t="50000" r="50000" b="50000"/>
-              </a:path>
-              <a:tileRect/>
-            </a:gradFill>
-            <a:ln>
-              <a:noFill/>
-            </a:ln>
-          </p:spPr>
-          <p:style>
-            <a:lnRef idx="2">
-              <a:schemeClr val="accent1">
-                <a:shade val="50000"/>
-              </a:schemeClr>
-            </a:lnRef>
-            <a:fillRef idx="1">
-              <a:schemeClr val="accent1"/>
-            </a:fillRef>
-            <a:effectRef idx="0">
-              <a:schemeClr val="accent1"/>
-            </a:effectRef>
-            <a:fontRef idx="minor">
-              <a:schemeClr val="lt1"/>
-            </a:fontRef>
-          </p:style>
-          <p:txBody>
-            <a:bodyPr rtlCol="0" anchor="ctr"/>
-            <a:lstStyle/>
-            <a:p>
-              <a:pPr algn="ctr"/>
-              <a:endParaRPr lang="ko-KR" altLang="en-US"/>
-            </a:p>
-          </p:txBody>
-        </p:sp>
-      </p:grpSp>
-      <p:grpSp>
-        <p:nvGrpSpPr>
           <p:cNvPr id="65" name="그룹 64"/>
           <p:cNvGrpSpPr/>
           <p:nvPr/>
@@ -6374,7 +6087,7 @@
               <a:avLst/>
             </a:prstGeom>
             <a:solidFill>
-              <a:srgbClr val="FFC5C5"/>
+              <a:srgbClr val="FF6E6E"/>
             </a:solidFill>
             <a:ln w="38100" cmpd="sng">
               <a:solidFill>
@@ -6422,188 +6135,8 @@
               <a:avLst/>
             </a:prstGeom>
             <a:solidFill>
-              <a:srgbClr val="FFE1E1"/>
+              <a:srgbClr val="FF9696"/>
             </a:solidFill>
-            <a:ln>
-              <a:noFill/>
-            </a:ln>
-          </p:spPr>
-          <p:style>
-            <a:lnRef idx="2">
-              <a:schemeClr val="accent1">
-                <a:shade val="50000"/>
-              </a:schemeClr>
-            </a:lnRef>
-            <a:fillRef idx="1">
-              <a:schemeClr val="accent1"/>
-            </a:fillRef>
-            <a:effectRef idx="0">
-              <a:schemeClr val="accent1"/>
-            </a:effectRef>
-            <a:fontRef idx="minor">
-              <a:schemeClr val="lt1"/>
-            </a:fontRef>
-          </p:style>
-          <p:txBody>
-            <a:bodyPr rtlCol="0" anchor="ctr"/>
-            <a:lstStyle/>
-            <a:p>
-              <a:pPr algn="ctr"/>
-              <a:endParaRPr lang="ko-KR" altLang="en-US"/>
-            </a:p>
-          </p:txBody>
-        </p:sp>
-        <p:grpSp>
-          <p:nvGrpSpPr>
-            <p:cNvPr id="68" name="그룹 67"/>
-            <p:cNvGrpSpPr/>
-            <p:nvPr/>
-          </p:nvGrpSpPr>
-          <p:grpSpPr>
-            <a:xfrm rot="20302406">
-              <a:off x="1491055" y="1303819"/>
-              <a:ext cx="755887" cy="308337"/>
-              <a:chOff x="1636295" y="1620252"/>
-              <a:chExt cx="7652084" cy="2245895"/>
-            </a:xfrm>
-          </p:grpSpPr>
-          <p:sp>
-            <p:nvSpPr>
-              <p:cNvPr id="71" name="직사각형 70"/>
-              <p:cNvSpPr/>
-              <p:nvPr/>
-            </p:nvSpPr>
-            <p:spPr>
-              <a:xfrm>
-                <a:off x="4764505" y="1620252"/>
-                <a:ext cx="4523874" cy="2245895"/>
-              </a:xfrm>
-              <a:prstGeom prst="rect">
-                <a:avLst/>
-              </a:prstGeom>
-              <a:gradFill>
-                <a:gsLst>
-                  <a:gs pos="0">
-                    <a:schemeClr val="bg1">
-                      <a:lumMod val="50000"/>
-                    </a:schemeClr>
-                  </a:gs>
-                  <a:gs pos="100000">
-                    <a:schemeClr val="bg1">
-                      <a:lumMod val="85000"/>
-                    </a:schemeClr>
-                  </a:gs>
-                </a:gsLst>
-                <a:lin ang="5400000" scaled="1"/>
-              </a:gradFill>
-              <a:ln>
-                <a:noFill/>
-              </a:ln>
-            </p:spPr>
-            <p:style>
-              <a:lnRef idx="2">
-                <a:schemeClr val="accent1">
-                  <a:shade val="50000"/>
-                </a:schemeClr>
-              </a:lnRef>
-              <a:fillRef idx="1">
-                <a:schemeClr val="accent1"/>
-              </a:fillRef>
-              <a:effectRef idx="0">
-                <a:schemeClr val="accent1"/>
-              </a:effectRef>
-              <a:fontRef idx="minor">
-                <a:schemeClr val="lt1"/>
-              </a:fontRef>
-            </p:style>
-            <p:txBody>
-              <a:bodyPr rtlCol="0" anchor="ctr"/>
-              <a:lstStyle/>
-              <a:p>
-                <a:pPr algn="ctr"/>
-                <a:endParaRPr lang="ko-KR" altLang="en-US"/>
-              </a:p>
-            </p:txBody>
-          </p:sp>
-          <p:sp>
-            <p:nvSpPr>
-              <p:cNvPr id="72" name="모서리가 둥근 직사각형 71"/>
-              <p:cNvSpPr/>
-              <p:nvPr/>
-            </p:nvSpPr>
-            <p:spPr>
-              <a:xfrm>
-                <a:off x="1636295" y="1620252"/>
-                <a:ext cx="3256547" cy="978569"/>
-              </a:xfrm>
-              <a:prstGeom prst="roundRect">
-                <a:avLst/>
-              </a:prstGeom>
-              <a:solidFill>
-                <a:schemeClr val="bg2">
-                  <a:lumMod val="25000"/>
-                </a:schemeClr>
-              </a:solidFill>
-              <a:ln>
-                <a:noFill/>
-              </a:ln>
-            </p:spPr>
-            <p:style>
-              <a:lnRef idx="2">
-                <a:schemeClr val="accent1">
-                  <a:shade val="50000"/>
-                </a:schemeClr>
-              </a:lnRef>
-              <a:fillRef idx="1">
-                <a:schemeClr val="accent1"/>
-              </a:fillRef>
-              <a:effectRef idx="0">
-                <a:schemeClr val="accent1"/>
-              </a:effectRef>
-              <a:fontRef idx="minor">
-                <a:schemeClr val="lt1"/>
-              </a:fontRef>
-            </p:style>
-            <p:txBody>
-              <a:bodyPr rtlCol="0" anchor="ctr"/>
-              <a:lstStyle/>
-              <a:p>
-                <a:pPr algn="ctr"/>
-                <a:endParaRPr lang="ko-KR" altLang="en-US"/>
-              </a:p>
-            </p:txBody>
-          </p:sp>
-        </p:grpSp>
-        <p:sp>
-          <p:nvSpPr>
-            <p:cNvPr id="69" name="포인트가 4개인 별 68"/>
-            <p:cNvSpPr/>
-            <p:nvPr/>
-          </p:nvSpPr>
-          <p:spPr>
-            <a:xfrm rot="20693841">
-              <a:off x="1939277" y="976375"/>
-              <a:ext cx="385141" cy="392740"/>
-            </a:xfrm>
-            <a:prstGeom prst="star4">
-              <a:avLst>
-                <a:gd name="adj" fmla="val 11273"/>
-              </a:avLst>
-            </a:prstGeom>
-            <a:gradFill flip="none" rotWithShape="1">
-              <a:gsLst>
-                <a:gs pos="0">
-                  <a:srgbClr val="FFFF93"/>
-                </a:gs>
-                <a:gs pos="76000">
-                  <a:srgbClr val="FFFF00"/>
-                </a:gs>
-              </a:gsLst>
-              <a:path path="circle">
-                <a:fillToRect l="50000" t="50000" r="50000" b="50000"/>
-              </a:path>
-              <a:tileRect/>
-            </a:gradFill>
             <a:ln>
               <a:noFill/>
             </a:ln>
@@ -6714,7 +6247,7 @@
               <a:avLst/>
             </a:prstGeom>
             <a:solidFill>
-              <a:srgbClr val="FFC5C5"/>
+              <a:srgbClr val="FF6E6E"/>
             </a:solidFill>
             <a:ln w="38100" cmpd="sng">
               <a:solidFill>
@@ -6762,188 +6295,8 @@
               <a:avLst/>
             </a:prstGeom>
             <a:solidFill>
-              <a:srgbClr val="FFE1E1"/>
+              <a:srgbClr val="FF9696"/>
             </a:solidFill>
-            <a:ln>
-              <a:noFill/>
-            </a:ln>
-          </p:spPr>
-          <p:style>
-            <a:lnRef idx="2">
-              <a:schemeClr val="accent1">
-                <a:shade val="50000"/>
-              </a:schemeClr>
-            </a:lnRef>
-            <a:fillRef idx="1">
-              <a:schemeClr val="accent1"/>
-            </a:fillRef>
-            <a:effectRef idx="0">
-              <a:schemeClr val="accent1"/>
-            </a:effectRef>
-            <a:fontRef idx="minor">
-              <a:schemeClr val="lt1"/>
-            </a:fontRef>
-          </p:style>
-          <p:txBody>
-            <a:bodyPr rtlCol="0" anchor="ctr"/>
-            <a:lstStyle/>
-            <a:p>
-              <a:pPr algn="ctr"/>
-              <a:endParaRPr lang="ko-KR" altLang="en-US"/>
-            </a:p>
-          </p:txBody>
-        </p:sp>
-        <p:grpSp>
-          <p:nvGrpSpPr>
-            <p:cNvPr id="76" name="그룹 75"/>
-            <p:cNvGrpSpPr/>
-            <p:nvPr/>
-          </p:nvGrpSpPr>
-          <p:grpSpPr>
-            <a:xfrm rot="20302406">
-              <a:off x="1491055" y="1303819"/>
-              <a:ext cx="755887" cy="308337"/>
-              <a:chOff x="1636295" y="1620252"/>
-              <a:chExt cx="7652084" cy="2245895"/>
-            </a:xfrm>
-          </p:grpSpPr>
-          <p:sp>
-            <p:nvSpPr>
-              <p:cNvPr id="79" name="직사각형 78"/>
-              <p:cNvSpPr/>
-              <p:nvPr/>
-            </p:nvSpPr>
-            <p:spPr>
-              <a:xfrm>
-                <a:off x="4764505" y="1620252"/>
-                <a:ext cx="4523874" cy="2245895"/>
-              </a:xfrm>
-              <a:prstGeom prst="rect">
-                <a:avLst/>
-              </a:prstGeom>
-              <a:gradFill>
-                <a:gsLst>
-                  <a:gs pos="0">
-                    <a:schemeClr val="bg1">
-                      <a:lumMod val="50000"/>
-                    </a:schemeClr>
-                  </a:gs>
-                  <a:gs pos="100000">
-                    <a:schemeClr val="bg1">
-                      <a:lumMod val="85000"/>
-                    </a:schemeClr>
-                  </a:gs>
-                </a:gsLst>
-                <a:lin ang="5400000" scaled="1"/>
-              </a:gradFill>
-              <a:ln>
-                <a:noFill/>
-              </a:ln>
-            </p:spPr>
-            <p:style>
-              <a:lnRef idx="2">
-                <a:schemeClr val="accent1">
-                  <a:shade val="50000"/>
-                </a:schemeClr>
-              </a:lnRef>
-              <a:fillRef idx="1">
-                <a:schemeClr val="accent1"/>
-              </a:fillRef>
-              <a:effectRef idx="0">
-                <a:schemeClr val="accent1"/>
-              </a:effectRef>
-              <a:fontRef idx="minor">
-                <a:schemeClr val="lt1"/>
-              </a:fontRef>
-            </p:style>
-            <p:txBody>
-              <a:bodyPr rtlCol="0" anchor="ctr"/>
-              <a:lstStyle/>
-              <a:p>
-                <a:pPr algn="ctr"/>
-                <a:endParaRPr lang="ko-KR" altLang="en-US"/>
-              </a:p>
-            </p:txBody>
-          </p:sp>
-          <p:sp>
-            <p:nvSpPr>
-              <p:cNvPr id="80" name="모서리가 둥근 직사각형 79"/>
-              <p:cNvSpPr/>
-              <p:nvPr/>
-            </p:nvSpPr>
-            <p:spPr>
-              <a:xfrm>
-                <a:off x="1636295" y="1620252"/>
-                <a:ext cx="3256547" cy="978569"/>
-              </a:xfrm>
-              <a:prstGeom prst="roundRect">
-                <a:avLst/>
-              </a:prstGeom>
-              <a:solidFill>
-                <a:schemeClr val="bg2">
-                  <a:lumMod val="25000"/>
-                </a:schemeClr>
-              </a:solidFill>
-              <a:ln>
-                <a:noFill/>
-              </a:ln>
-            </p:spPr>
-            <p:style>
-              <a:lnRef idx="2">
-                <a:schemeClr val="accent1">
-                  <a:shade val="50000"/>
-                </a:schemeClr>
-              </a:lnRef>
-              <a:fillRef idx="1">
-                <a:schemeClr val="accent1"/>
-              </a:fillRef>
-              <a:effectRef idx="0">
-                <a:schemeClr val="accent1"/>
-              </a:effectRef>
-              <a:fontRef idx="minor">
-                <a:schemeClr val="lt1"/>
-              </a:fontRef>
-            </p:style>
-            <p:txBody>
-              <a:bodyPr rtlCol="0" anchor="ctr"/>
-              <a:lstStyle/>
-              <a:p>
-                <a:pPr algn="ctr"/>
-                <a:endParaRPr lang="ko-KR" altLang="en-US"/>
-              </a:p>
-            </p:txBody>
-          </p:sp>
-        </p:grpSp>
-        <p:sp>
-          <p:nvSpPr>
-            <p:cNvPr id="77" name="포인트가 4개인 별 76"/>
-            <p:cNvSpPr/>
-            <p:nvPr/>
-          </p:nvSpPr>
-          <p:spPr>
-            <a:xfrm rot="20693841">
-              <a:off x="1939277" y="976375"/>
-              <a:ext cx="385141" cy="392740"/>
-            </a:xfrm>
-            <a:prstGeom prst="star4">
-              <a:avLst>
-                <a:gd name="adj" fmla="val 11273"/>
-              </a:avLst>
-            </a:prstGeom>
-            <a:gradFill flip="none" rotWithShape="1">
-              <a:gsLst>
-                <a:gs pos="0">
-                  <a:srgbClr val="FFFF93"/>
-                </a:gs>
-                <a:gs pos="76000">
-                  <a:srgbClr val="FFFF00"/>
-                </a:gs>
-              </a:gsLst>
-              <a:path path="circle">
-                <a:fillToRect l="50000" t="50000" r="50000" b="50000"/>
-              </a:path>
-              <a:tileRect/>
-            </a:gradFill>
             <a:ln>
               <a:noFill/>
             </a:ln>
@@ -7054,7 +6407,7 @@
               <a:avLst/>
             </a:prstGeom>
             <a:solidFill>
-              <a:srgbClr val="FFC5C5"/>
+              <a:srgbClr val="FF6E6E"/>
             </a:solidFill>
             <a:ln w="38100" cmpd="sng">
               <a:solidFill>
@@ -7102,188 +6455,8 @@
               <a:avLst/>
             </a:prstGeom>
             <a:solidFill>
-              <a:srgbClr val="FFE1E1"/>
+              <a:srgbClr val="FF9696"/>
             </a:solidFill>
-            <a:ln>
-              <a:noFill/>
-            </a:ln>
-          </p:spPr>
-          <p:style>
-            <a:lnRef idx="2">
-              <a:schemeClr val="accent1">
-                <a:shade val="50000"/>
-              </a:schemeClr>
-            </a:lnRef>
-            <a:fillRef idx="1">
-              <a:schemeClr val="accent1"/>
-            </a:fillRef>
-            <a:effectRef idx="0">
-              <a:schemeClr val="accent1"/>
-            </a:effectRef>
-            <a:fontRef idx="minor">
-              <a:schemeClr val="lt1"/>
-            </a:fontRef>
-          </p:style>
-          <p:txBody>
-            <a:bodyPr rtlCol="0" anchor="ctr"/>
-            <a:lstStyle/>
-            <a:p>
-              <a:pPr algn="ctr"/>
-              <a:endParaRPr lang="ko-KR" altLang="en-US"/>
-            </a:p>
-          </p:txBody>
-        </p:sp>
-        <p:grpSp>
-          <p:nvGrpSpPr>
-            <p:cNvPr id="84" name="그룹 83"/>
-            <p:cNvGrpSpPr/>
-            <p:nvPr/>
-          </p:nvGrpSpPr>
-          <p:grpSpPr>
-            <a:xfrm rot="20302406">
-              <a:off x="1491055" y="1303819"/>
-              <a:ext cx="755887" cy="308337"/>
-              <a:chOff x="1636295" y="1620252"/>
-              <a:chExt cx="7652084" cy="2245895"/>
-            </a:xfrm>
-          </p:grpSpPr>
-          <p:sp>
-            <p:nvSpPr>
-              <p:cNvPr id="87" name="직사각형 86"/>
-              <p:cNvSpPr/>
-              <p:nvPr/>
-            </p:nvSpPr>
-            <p:spPr>
-              <a:xfrm>
-                <a:off x="4764505" y="1620252"/>
-                <a:ext cx="4523874" cy="2245895"/>
-              </a:xfrm>
-              <a:prstGeom prst="rect">
-                <a:avLst/>
-              </a:prstGeom>
-              <a:gradFill>
-                <a:gsLst>
-                  <a:gs pos="0">
-                    <a:schemeClr val="bg1">
-                      <a:lumMod val="50000"/>
-                    </a:schemeClr>
-                  </a:gs>
-                  <a:gs pos="100000">
-                    <a:schemeClr val="bg1">
-                      <a:lumMod val="85000"/>
-                    </a:schemeClr>
-                  </a:gs>
-                </a:gsLst>
-                <a:lin ang="5400000" scaled="1"/>
-              </a:gradFill>
-              <a:ln>
-                <a:noFill/>
-              </a:ln>
-            </p:spPr>
-            <p:style>
-              <a:lnRef idx="2">
-                <a:schemeClr val="accent1">
-                  <a:shade val="50000"/>
-                </a:schemeClr>
-              </a:lnRef>
-              <a:fillRef idx="1">
-                <a:schemeClr val="accent1"/>
-              </a:fillRef>
-              <a:effectRef idx="0">
-                <a:schemeClr val="accent1"/>
-              </a:effectRef>
-              <a:fontRef idx="minor">
-                <a:schemeClr val="lt1"/>
-              </a:fontRef>
-            </p:style>
-            <p:txBody>
-              <a:bodyPr rtlCol="0" anchor="ctr"/>
-              <a:lstStyle/>
-              <a:p>
-                <a:pPr algn="ctr"/>
-                <a:endParaRPr lang="ko-KR" altLang="en-US"/>
-              </a:p>
-            </p:txBody>
-          </p:sp>
-          <p:sp>
-            <p:nvSpPr>
-              <p:cNvPr id="88" name="모서리가 둥근 직사각형 87"/>
-              <p:cNvSpPr/>
-              <p:nvPr/>
-            </p:nvSpPr>
-            <p:spPr>
-              <a:xfrm>
-                <a:off x="1636295" y="1620252"/>
-                <a:ext cx="3256547" cy="978569"/>
-              </a:xfrm>
-              <a:prstGeom prst="roundRect">
-                <a:avLst/>
-              </a:prstGeom>
-              <a:solidFill>
-                <a:schemeClr val="bg2">
-                  <a:lumMod val="25000"/>
-                </a:schemeClr>
-              </a:solidFill>
-              <a:ln>
-                <a:noFill/>
-              </a:ln>
-            </p:spPr>
-            <p:style>
-              <a:lnRef idx="2">
-                <a:schemeClr val="accent1">
-                  <a:shade val="50000"/>
-                </a:schemeClr>
-              </a:lnRef>
-              <a:fillRef idx="1">
-                <a:schemeClr val="accent1"/>
-              </a:fillRef>
-              <a:effectRef idx="0">
-                <a:schemeClr val="accent1"/>
-              </a:effectRef>
-              <a:fontRef idx="minor">
-                <a:schemeClr val="lt1"/>
-              </a:fontRef>
-            </p:style>
-            <p:txBody>
-              <a:bodyPr rtlCol="0" anchor="ctr"/>
-              <a:lstStyle/>
-              <a:p>
-                <a:pPr algn="ctr"/>
-                <a:endParaRPr lang="ko-KR" altLang="en-US"/>
-              </a:p>
-            </p:txBody>
-          </p:sp>
-        </p:grpSp>
-        <p:sp>
-          <p:nvSpPr>
-            <p:cNvPr id="85" name="포인트가 4개인 별 84"/>
-            <p:cNvSpPr/>
-            <p:nvPr/>
-          </p:nvSpPr>
-          <p:spPr>
-            <a:xfrm rot="20693841">
-              <a:off x="1939277" y="976375"/>
-              <a:ext cx="385141" cy="392740"/>
-            </a:xfrm>
-            <a:prstGeom prst="star4">
-              <a:avLst>
-                <a:gd name="adj" fmla="val 11273"/>
-              </a:avLst>
-            </a:prstGeom>
-            <a:gradFill flip="none" rotWithShape="1">
-              <a:gsLst>
-                <a:gs pos="0">
-                  <a:srgbClr val="FFFF93"/>
-                </a:gs>
-                <a:gs pos="76000">
-                  <a:srgbClr val="FFFF00"/>
-                </a:gs>
-              </a:gsLst>
-              <a:path path="circle">
-                <a:fillToRect l="50000" t="50000" r="50000" b="50000"/>
-              </a:path>
-              <a:tileRect/>
-            </a:gradFill>
             <a:ln>
               <a:noFill/>
             </a:ln>
@@ -7394,7 +6567,7 @@
               <a:avLst/>
             </a:prstGeom>
             <a:solidFill>
-              <a:srgbClr val="FFC5C5"/>
+              <a:srgbClr val="FF6E6E"/>
             </a:solidFill>
             <a:ln w="38100" cmpd="sng">
               <a:solidFill>
@@ -7442,7 +6615,7 @@
               <a:avLst/>
             </a:prstGeom>
             <a:solidFill>
-              <a:srgbClr val="FFE1E1"/>
+              <a:srgbClr val="FF9696"/>
             </a:solidFill>
             <a:ln>
               <a:noFill/>
@@ -7734,7 +6907,7 @@
               <a:avLst/>
             </a:prstGeom>
             <a:solidFill>
-              <a:srgbClr val="FFC5C5"/>
+              <a:srgbClr val="FF6E6E"/>
             </a:solidFill>
             <a:ln w="38100" cmpd="sng">
               <a:solidFill>
@@ -7782,7 +6955,7 @@
               <a:avLst/>
             </a:prstGeom>
             <a:solidFill>
-              <a:srgbClr val="FFE1E1"/>
+              <a:srgbClr val="FF9696"/>
             </a:solidFill>
             <a:ln>
               <a:noFill/>
@@ -8074,7 +7247,7 @@
               <a:avLst/>
             </a:prstGeom>
             <a:solidFill>
-              <a:srgbClr val="FFC5C5"/>
+              <a:srgbClr val="FF6E6E"/>
             </a:solidFill>
             <a:ln w="38100" cmpd="sng">
               <a:solidFill>
@@ -8122,7 +7295,7 @@
               <a:avLst/>
             </a:prstGeom>
             <a:solidFill>
-              <a:srgbClr val="FFE1E1"/>
+              <a:srgbClr val="FF9696"/>
             </a:solidFill>
             <a:ln>
               <a:noFill/>
@@ -8384,6 +7557,2522 @@
             </a:p>
           </p:txBody>
         </p:sp>
+      </p:grpSp>
+      <p:grpSp>
+        <p:nvGrpSpPr>
+          <p:cNvPr id="11" name="그룹 10"/>
+          <p:cNvGrpSpPr/>
+          <p:nvPr/>
+        </p:nvGrpSpPr>
+        <p:grpSpPr>
+          <a:xfrm>
+            <a:off x="4047773" y="834428"/>
+            <a:ext cx="1422537" cy="1415144"/>
+            <a:chOff x="4047773" y="834428"/>
+            <a:chExt cx="1422537" cy="1415144"/>
+          </a:xfrm>
+        </p:grpSpPr>
+        <p:grpSp>
+          <p:nvGrpSpPr>
+            <p:cNvPr id="2" name="그룹 1"/>
+            <p:cNvGrpSpPr/>
+            <p:nvPr/>
+          </p:nvGrpSpPr>
+          <p:grpSpPr>
+            <a:xfrm>
+              <a:off x="4047773" y="834428"/>
+              <a:ext cx="1422537" cy="1415144"/>
+              <a:chOff x="4047773" y="834428"/>
+              <a:chExt cx="1422537" cy="1415144"/>
+            </a:xfrm>
+          </p:grpSpPr>
+          <p:sp>
+            <p:nvSpPr>
+              <p:cNvPr id="53" name="타원 52"/>
+              <p:cNvSpPr/>
+              <p:nvPr/>
+            </p:nvSpPr>
+            <p:spPr>
+              <a:xfrm>
+                <a:off x="4047773" y="834428"/>
+                <a:ext cx="1422537" cy="1415144"/>
+              </a:xfrm>
+              <a:prstGeom prst="ellipse">
+                <a:avLst/>
+              </a:prstGeom>
+              <a:solidFill>
+                <a:srgbClr val="FF6E6E"/>
+              </a:solidFill>
+              <a:ln w="38100" cmpd="sng">
+                <a:solidFill>
+                  <a:schemeClr val="tx1"/>
+                </a:solidFill>
+              </a:ln>
+            </p:spPr>
+            <p:style>
+              <a:lnRef idx="2">
+                <a:schemeClr val="accent1">
+                  <a:shade val="50000"/>
+                </a:schemeClr>
+              </a:lnRef>
+              <a:fillRef idx="1">
+                <a:schemeClr val="accent1"/>
+              </a:fillRef>
+              <a:effectRef idx="0">
+                <a:schemeClr val="accent1"/>
+              </a:effectRef>
+              <a:fontRef idx="minor">
+                <a:schemeClr val="lt1"/>
+              </a:fontRef>
+            </p:style>
+            <p:txBody>
+              <a:bodyPr rtlCol="0" anchor="ctr"/>
+              <a:lstStyle/>
+              <a:p>
+                <a:pPr algn="ctr"/>
+                <a:endParaRPr lang="ko-KR" altLang="en-US"/>
+              </a:p>
+            </p:txBody>
+          </p:sp>
+          <p:sp>
+            <p:nvSpPr>
+              <p:cNvPr id="57" name="타원 56"/>
+              <p:cNvSpPr/>
+              <p:nvPr/>
+            </p:nvSpPr>
+            <p:spPr>
+              <a:xfrm>
+                <a:off x="4235192" y="1054800"/>
+                <a:ext cx="569015" cy="566058"/>
+              </a:xfrm>
+              <a:prstGeom prst="ellipse">
+                <a:avLst/>
+              </a:prstGeom>
+              <a:solidFill>
+                <a:srgbClr val="FF9696"/>
+              </a:solidFill>
+              <a:ln>
+                <a:noFill/>
+              </a:ln>
+            </p:spPr>
+            <p:style>
+              <a:lnRef idx="2">
+                <a:schemeClr val="accent1">
+                  <a:shade val="50000"/>
+                </a:schemeClr>
+              </a:lnRef>
+              <a:fillRef idx="1">
+                <a:schemeClr val="accent1"/>
+              </a:fillRef>
+              <a:effectRef idx="0">
+                <a:schemeClr val="accent1"/>
+              </a:effectRef>
+              <a:fontRef idx="minor">
+                <a:schemeClr val="lt1"/>
+              </a:fontRef>
+            </p:style>
+            <p:txBody>
+              <a:bodyPr rtlCol="0" anchor="ctr"/>
+              <a:lstStyle/>
+              <a:p>
+                <a:pPr algn="ctr"/>
+                <a:endParaRPr lang="ko-KR" altLang="en-US"/>
+              </a:p>
+            </p:txBody>
+          </p:sp>
+        </p:grpSp>
+        <p:grpSp>
+          <p:nvGrpSpPr>
+            <p:cNvPr id="113" name="그룹 112"/>
+            <p:cNvGrpSpPr>
+              <a:grpSpLocks noChangeAspect="1"/>
+            </p:cNvGrpSpPr>
+            <p:nvPr/>
+          </p:nvGrpSpPr>
+          <p:grpSpPr>
+            <a:xfrm>
+              <a:off x="4289660" y="1001877"/>
+              <a:ext cx="946017" cy="1097904"/>
+              <a:chOff x="3412309" y="569140"/>
+              <a:chExt cx="3363916" cy="3904007"/>
+            </a:xfrm>
+          </p:grpSpPr>
+          <p:sp>
+            <p:nvSpPr>
+              <p:cNvPr id="114" name="타원 113"/>
+              <p:cNvSpPr/>
+              <p:nvPr/>
+            </p:nvSpPr>
+            <p:spPr>
+              <a:xfrm>
+                <a:off x="4065373" y="2013171"/>
+                <a:ext cx="2162432" cy="2459976"/>
+              </a:xfrm>
+              <a:prstGeom prst="ellipse">
+                <a:avLst/>
+              </a:prstGeom>
+              <a:solidFill>
+                <a:srgbClr val="FEEDB0"/>
+              </a:solidFill>
+              <a:ln>
+                <a:noFill/>
+              </a:ln>
+            </p:spPr>
+            <p:style>
+              <a:lnRef idx="2">
+                <a:schemeClr val="accent1">
+                  <a:shade val="50000"/>
+                </a:schemeClr>
+              </a:lnRef>
+              <a:fillRef idx="1">
+                <a:schemeClr val="accent1"/>
+              </a:fillRef>
+              <a:effectRef idx="0">
+                <a:schemeClr val="accent1"/>
+              </a:effectRef>
+              <a:fontRef idx="minor">
+                <a:schemeClr val="lt1"/>
+              </a:fontRef>
+            </p:style>
+            <p:txBody>
+              <a:bodyPr rtlCol="0" anchor="ctr"/>
+              <a:lstStyle/>
+              <a:p>
+                <a:pPr algn="ctr"/>
+                <a:endParaRPr lang="ko-KR" altLang="en-US"/>
+              </a:p>
+            </p:txBody>
+          </p:sp>
+          <p:grpSp>
+            <p:nvGrpSpPr>
+              <p:cNvPr id="115" name="그룹 114"/>
+              <p:cNvGrpSpPr/>
+              <p:nvPr/>
+            </p:nvGrpSpPr>
+            <p:grpSpPr>
+              <a:xfrm>
+                <a:off x="3412309" y="569140"/>
+                <a:ext cx="3363916" cy="2493374"/>
+                <a:chOff x="3412309" y="92101"/>
+                <a:chExt cx="3363916" cy="2970413"/>
+              </a:xfrm>
+            </p:grpSpPr>
+            <p:sp>
+              <p:nvSpPr>
+                <p:cNvPr id="119" name="타원 118"/>
+                <p:cNvSpPr/>
+                <p:nvPr/>
+              </p:nvSpPr>
+              <p:spPr>
+                <a:xfrm>
+                  <a:off x="5401208" y="190631"/>
+                  <a:ext cx="1375017" cy="1591723"/>
+                </a:xfrm>
+                <a:prstGeom prst="ellipse">
+                  <a:avLst/>
+                </a:prstGeom>
+                <a:solidFill>
+                  <a:schemeClr val="bg1"/>
+                </a:solidFill>
+                <a:ln>
+                  <a:noFill/>
+                </a:ln>
+              </p:spPr>
+              <p:style>
+                <a:lnRef idx="2">
+                  <a:schemeClr val="accent1">
+                    <a:shade val="50000"/>
+                  </a:schemeClr>
+                </a:lnRef>
+                <a:fillRef idx="1">
+                  <a:schemeClr val="accent1"/>
+                </a:fillRef>
+                <a:effectRef idx="0">
+                  <a:schemeClr val="accent1"/>
+                </a:effectRef>
+                <a:fontRef idx="minor">
+                  <a:schemeClr val="lt1"/>
+                </a:fontRef>
+              </p:style>
+              <p:txBody>
+                <a:bodyPr rtlCol="0" anchor="ctr"/>
+                <a:lstStyle/>
+                <a:p>
+                  <a:pPr algn="ctr"/>
+                  <a:endParaRPr lang="ko-KR" altLang="en-US"/>
+                </a:p>
+              </p:txBody>
+            </p:sp>
+            <p:sp>
+              <p:nvSpPr>
+                <p:cNvPr id="120" name="타원 119"/>
+                <p:cNvSpPr/>
+                <p:nvPr/>
+              </p:nvSpPr>
+              <p:spPr>
+                <a:xfrm>
+                  <a:off x="4378731" y="92101"/>
+                  <a:ext cx="1493616" cy="1670974"/>
+                </a:xfrm>
+                <a:prstGeom prst="ellipse">
+                  <a:avLst/>
+                </a:prstGeom>
+                <a:solidFill>
+                  <a:schemeClr val="bg1"/>
+                </a:solidFill>
+                <a:ln>
+                  <a:noFill/>
+                </a:ln>
+              </p:spPr>
+              <p:style>
+                <a:lnRef idx="2">
+                  <a:schemeClr val="accent1">
+                    <a:shade val="50000"/>
+                  </a:schemeClr>
+                </a:lnRef>
+                <a:fillRef idx="1">
+                  <a:schemeClr val="accent1"/>
+                </a:fillRef>
+                <a:effectRef idx="0">
+                  <a:schemeClr val="accent1"/>
+                </a:effectRef>
+                <a:fontRef idx="minor">
+                  <a:schemeClr val="lt1"/>
+                </a:fontRef>
+              </p:style>
+              <p:txBody>
+                <a:bodyPr rtlCol="0" anchor="ctr"/>
+                <a:lstStyle/>
+                <a:p>
+                  <a:pPr algn="ctr"/>
+                  <a:endParaRPr lang="ko-KR" altLang="en-US"/>
+                </a:p>
+              </p:txBody>
+            </p:sp>
+            <p:sp>
+              <p:nvSpPr>
+                <p:cNvPr id="121" name="타원 120"/>
+                <p:cNvSpPr/>
+                <p:nvPr/>
+              </p:nvSpPr>
+              <p:spPr>
+                <a:xfrm>
+                  <a:off x="3681485" y="320817"/>
+                  <a:ext cx="1305556" cy="1397486"/>
+                </a:xfrm>
+                <a:prstGeom prst="ellipse">
+                  <a:avLst/>
+                </a:prstGeom>
+                <a:solidFill>
+                  <a:schemeClr val="bg1"/>
+                </a:solidFill>
+                <a:ln>
+                  <a:noFill/>
+                </a:ln>
+              </p:spPr>
+              <p:style>
+                <a:lnRef idx="2">
+                  <a:schemeClr val="accent1">
+                    <a:shade val="50000"/>
+                  </a:schemeClr>
+                </a:lnRef>
+                <a:fillRef idx="1">
+                  <a:schemeClr val="accent1"/>
+                </a:fillRef>
+                <a:effectRef idx="0">
+                  <a:schemeClr val="accent1"/>
+                </a:effectRef>
+                <a:fontRef idx="minor">
+                  <a:schemeClr val="lt1"/>
+                </a:fontRef>
+              </p:style>
+              <p:txBody>
+                <a:bodyPr rtlCol="0" anchor="ctr"/>
+                <a:lstStyle/>
+                <a:p>
+                  <a:pPr algn="ctr"/>
+                  <a:endParaRPr lang="ko-KR" altLang="en-US"/>
+                </a:p>
+              </p:txBody>
+            </p:sp>
+            <p:sp>
+              <p:nvSpPr>
+                <p:cNvPr id="122" name="타원 121"/>
+                <p:cNvSpPr/>
+                <p:nvPr/>
+              </p:nvSpPr>
+              <p:spPr>
+                <a:xfrm>
+                  <a:off x="3412309" y="1098942"/>
+                  <a:ext cx="1279725" cy="1173682"/>
+                </a:xfrm>
+                <a:prstGeom prst="ellipse">
+                  <a:avLst/>
+                </a:prstGeom>
+                <a:solidFill>
+                  <a:schemeClr val="bg1"/>
+                </a:solidFill>
+                <a:ln>
+                  <a:noFill/>
+                </a:ln>
+              </p:spPr>
+              <p:style>
+                <a:lnRef idx="2">
+                  <a:schemeClr val="accent1">
+                    <a:shade val="50000"/>
+                  </a:schemeClr>
+                </a:lnRef>
+                <a:fillRef idx="1">
+                  <a:schemeClr val="accent1"/>
+                </a:fillRef>
+                <a:effectRef idx="0">
+                  <a:schemeClr val="accent1"/>
+                </a:effectRef>
+                <a:fontRef idx="minor">
+                  <a:schemeClr val="lt1"/>
+                </a:fontRef>
+              </p:style>
+              <p:txBody>
+                <a:bodyPr rtlCol="0" anchor="ctr"/>
+                <a:lstStyle/>
+                <a:p>
+                  <a:pPr algn="ctr"/>
+                  <a:endParaRPr lang="ko-KR" altLang="en-US"/>
+                </a:p>
+              </p:txBody>
+            </p:sp>
+            <p:sp>
+              <p:nvSpPr>
+                <p:cNvPr id="123" name="직사각형 122"/>
+                <p:cNvSpPr/>
+                <p:nvPr/>
+              </p:nvSpPr>
+              <p:spPr>
+                <a:xfrm>
+                  <a:off x="4065373" y="1506517"/>
+                  <a:ext cx="2162432" cy="1555997"/>
+                </a:xfrm>
+                <a:prstGeom prst="rect">
+                  <a:avLst/>
+                </a:prstGeom>
+                <a:solidFill>
+                  <a:schemeClr val="bg1"/>
+                </a:solidFill>
+                <a:ln>
+                  <a:noFill/>
+                </a:ln>
+              </p:spPr>
+              <p:style>
+                <a:lnRef idx="2">
+                  <a:schemeClr val="accent1">
+                    <a:shade val="50000"/>
+                  </a:schemeClr>
+                </a:lnRef>
+                <a:fillRef idx="1">
+                  <a:schemeClr val="accent1"/>
+                </a:fillRef>
+                <a:effectRef idx="0">
+                  <a:schemeClr val="accent1"/>
+                </a:effectRef>
+                <a:fontRef idx="minor">
+                  <a:schemeClr val="lt1"/>
+                </a:fontRef>
+              </p:style>
+              <p:txBody>
+                <a:bodyPr rtlCol="0" anchor="ctr"/>
+                <a:lstStyle/>
+                <a:p>
+                  <a:pPr algn="ctr"/>
+                  <a:endParaRPr lang="ko-KR" altLang="en-US"/>
+                </a:p>
+              </p:txBody>
+            </p:sp>
+          </p:grpSp>
+          <p:sp>
+            <p:nvSpPr>
+              <p:cNvPr id="116" name="타원 115"/>
+              <p:cNvSpPr/>
+              <p:nvPr/>
+            </p:nvSpPr>
+            <p:spPr>
+              <a:xfrm>
+                <a:off x="4319404" y="3241184"/>
+                <a:ext cx="576000" cy="576000"/>
+              </a:xfrm>
+              <a:prstGeom prst="ellipse">
+                <a:avLst/>
+              </a:prstGeom>
+              <a:solidFill>
+                <a:schemeClr val="bg1"/>
+              </a:solidFill>
+              <a:ln w="25400">
+                <a:solidFill>
+                  <a:schemeClr val="tx1"/>
+                </a:solidFill>
+              </a:ln>
+            </p:spPr>
+            <p:style>
+              <a:lnRef idx="2">
+                <a:schemeClr val="accent1">
+                  <a:shade val="50000"/>
+                </a:schemeClr>
+              </a:lnRef>
+              <a:fillRef idx="1">
+                <a:schemeClr val="accent1"/>
+              </a:fillRef>
+              <a:effectRef idx="0">
+                <a:schemeClr val="accent1"/>
+              </a:effectRef>
+              <a:fontRef idx="minor">
+                <a:schemeClr val="lt1"/>
+              </a:fontRef>
+            </p:style>
+            <p:txBody>
+              <a:bodyPr rtlCol="0" anchor="ctr"/>
+              <a:lstStyle/>
+              <a:p>
+                <a:pPr algn="ctr"/>
+                <a:endParaRPr lang="ko-KR" altLang="en-US"/>
+              </a:p>
+            </p:txBody>
+          </p:sp>
+          <p:sp>
+            <p:nvSpPr>
+              <p:cNvPr id="117" name="타원 116"/>
+              <p:cNvSpPr/>
+              <p:nvPr/>
+            </p:nvSpPr>
+            <p:spPr>
+              <a:xfrm>
+                <a:off x="5415036" y="3241184"/>
+                <a:ext cx="576000" cy="576000"/>
+              </a:xfrm>
+              <a:prstGeom prst="ellipse">
+                <a:avLst/>
+              </a:prstGeom>
+              <a:solidFill>
+                <a:schemeClr val="bg1"/>
+              </a:solidFill>
+              <a:ln w="25400">
+                <a:solidFill>
+                  <a:schemeClr val="tx1"/>
+                </a:solidFill>
+              </a:ln>
+            </p:spPr>
+            <p:style>
+              <a:lnRef idx="2">
+                <a:schemeClr val="accent1">
+                  <a:shade val="50000"/>
+                </a:schemeClr>
+              </a:lnRef>
+              <a:fillRef idx="1">
+                <a:schemeClr val="accent1"/>
+              </a:fillRef>
+              <a:effectRef idx="0">
+                <a:schemeClr val="accent1"/>
+              </a:effectRef>
+              <a:fontRef idx="minor">
+                <a:schemeClr val="lt1"/>
+              </a:fontRef>
+            </p:style>
+            <p:txBody>
+              <a:bodyPr rtlCol="0" anchor="ctr"/>
+              <a:lstStyle/>
+              <a:p>
+                <a:pPr algn="ctr"/>
+                <a:endParaRPr lang="ko-KR" altLang="en-US"/>
+              </a:p>
+            </p:txBody>
+          </p:sp>
+          <p:sp>
+            <p:nvSpPr>
+              <p:cNvPr id="118" name="자유형 117"/>
+              <p:cNvSpPr/>
+              <p:nvPr/>
+            </p:nvSpPr>
+            <p:spPr>
+              <a:xfrm>
+                <a:off x="4897395" y="3480440"/>
+                <a:ext cx="518983" cy="65949"/>
+              </a:xfrm>
+              <a:custGeom>
+                <a:avLst/>
+                <a:gdLst>
+                  <a:gd name="connsiteX0" fmla="*/ 0 w 518983"/>
+                  <a:gd name="connsiteY0" fmla="*/ 65949 h 65949"/>
+                  <a:gd name="connsiteX1" fmla="*/ 238897 w 518983"/>
+                  <a:gd name="connsiteY1" fmla="*/ 46 h 65949"/>
+                  <a:gd name="connsiteX2" fmla="*/ 518983 w 518983"/>
+                  <a:gd name="connsiteY2" fmla="*/ 57711 h 65949"/>
+                </a:gdLst>
+                <a:ahLst/>
+                <a:cxnLst>
+                  <a:cxn ang="0">
+                    <a:pos x="connsiteX0" y="connsiteY0"/>
+                  </a:cxn>
+                  <a:cxn ang="0">
+                    <a:pos x="connsiteX1" y="connsiteY1"/>
+                  </a:cxn>
+                  <a:cxn ang="0">
+                    <a:pos x="connsiteX2" y="connsiteY2"/>
+                  </a:cxn>
+                </a:cxnLst>
+                <a:rect l="l" t="t" r="r" b="b"/>
+                <a:pathLst>
+                  <a:path w="518983" h="65949">
+                    <a:moveTo>
+                      <a:pt x="0" y="65949"/>
+                    </a:moveTo>
+                    <a:cubicBezTo>
+                      <a:pt x="76200" y="33684"/>
+                      <a:pt x="152400" y="1419"/>
+                      <a:pt x="238897" y="46"/>
+                    </a:cubicBezTo>
+                    <a:cubicBezTo>
+                      <a:pt x="325394" y="-1327"/>
+                      <a:pt x="422188" y="28192"/>
+                      <a:pt x="518983" y="57711"/>
+                    </a:cubicBezTo>
+                  </a:path>
+                </a:pathLst>
+              </a:custGeom>
+              <a:noFill/>
+              <a:ln w="25400">
+                <a:solidFill>
+                  <a:schemeClr val="tx1"/>
+                </a:solidFill>
+              </a:ln>
+            </p:spPr>
+            <p:style>
+              <a:lnRef idx="2">
+                <a:schemeClr val="accent1">
+                  <a:shade val="50000"/>
+                </a:schemeClr>
+              </a:lnRef>
+              <a:fillRef idx="1">
+                <a:schemeClr val="accent1"/>
+              </a:fillRef>
+              <a:effectRef idx="0">
+                <a:schemeClr val="accent1"/>
+              </a:effectRef>
+              <a:fontRef idx="minor">
+                <a:schemeClr val="lt1"/>
+              </a:fontRef>
+            </p:style>
+            <p:txBody>
+              <a:bodyPr rtlCol="0" anchor="ctr"/>
+              <a:lstStyle/>
+              <a:p>
+                <a:pPr algn="ctr"/>
+                <a:endParaRPr lang="ko-KR" altLang="en-US"/>
+              </a:p>
+            </p:txBody>
+          </p:sp>
+        </p:grpSp>
+        <p:cxnSp>
+          <p:nvCxnSpPr>
+            <p:cNvPr id="7" name="직선 연결선 6"/>
+            <p:cNvCxnSpPr/>
+            <p:nvPr/>
+          </p:nvCxnSpPr>
+          <p:spPr>
+            <a:xfrm>
+              <a:off x="4931381" y="1412507"/>
+              <a:ext cx="0" cy="227090"/>
+            </a:xfrm>
+            <a:prstGeom prst="line">
+              <a:avLst/>
+            </a:prstGeom>
+            <a:ln w="25400" cap="rnd">
+              <a:solidFill>
+                <a:schemeClr val="tx1"/>
+              </a:solidFill>
+              <a:round/>
+            </a:ln>
+          </p:spPr>
+          <p:style>
+            <a:lnRef idx="1">
+              <a:schemeClr val="accent1"/>
+            </a:lnRef>
+            <a:fillRef idx="0">
+              <a:schemeClr val="accent1"/>
+            </a:fillRef>
+            <a:effectRef idx="0">
+              <a:schemeClr val="accent1"/>
+            </a:effectRef>
+            <a:fontRef idx="minor">
+              <a:schemeClr val="tx1"/>
+            </a:fontRef>
+          </p:style>
+        </p:cxnSp>
+        <p:cxnSp>
+          <p:nvCxnSpPr>
+            <p:cNvPr id="124" name="직선 연결선 123"/>
+            <p:cNvCxnSpPr/>
+            <p:nvPr/>
+          </p:nvCxnSpPr>
+          <p:spPr>
+            <a:xfrm>
+              <a:off x="4625751" y="1417027"/>
+              <a:ext cx="0" cy="227090"/>
+            </a:xfrm>
+            <a:prstGeom prst="line">
+              <a:avLst/>
+            </a:prstGeom>
+            <a:ln w="25400" cap="rnd">
+              <a:solidFill>
+                <a:schemeClr val="tx1"/>
+              </a:solidFill>
+              <a:round/>
+            </a:ln>
+          </p:spPr>
+          <p:style>
+            <a:lnRef idx="1">
+              <a:schemeClr val="accent1"/>
+            </a:lnRef>
+            <a:fillRef idx="0">
+              <a:schemeClr val="accent1"/>
+            </a:fillRef>
+            <a:effectRef idx="0">
+              <a:schemeClr val="accent1"/>
+            </a:effectRef>
+            <a:fontRef idx="minor">
+              <a:schemeClr val="tx1"/>
+            </a:fontRef>
+          </p:style>
+        </p:cxnSp>
+        <p:cxnSp>
+          <p:nvCxnSpPr>
+            <p:cNvPr id="125" name="직선 연결선 124"/>
+            <p:cNvCxnSpPr>
+              <a:stCxn id="123" idx="0"/>
+            </p:cNvCxnSpPr>
+            <p:nvPr/>
+          </p:nvCxnSpPr>
+          <p:spPr>
+            <a:xfrm flipH="1">
+              <a:off x="4776486" y="1335766"/>
+              <a:ext cx="897" cy="294393"/>
+            </a:xfrm>
+            <a:prstGeom prst="line">
+              <a:avLst/>
+            </a:prstGeom>
+            <a:ln w="25400" cap="rnd">
+              <a:solidFill>
+                <a:schemeClr val="tx1"/>
+              </a:solidFill>
+              <a:round/>
+            </a:ln>
+          </p:spPr>
+          <p:style>
+            <a:lnRef idx="1">
+              <a:schemeClr val="accent1"/>
+            </a:lnRef>
+            <a:fillRef idx="0">
+              <a:schemeClr val="accent1"/>
+            </a:fillRef>
+            <a:effectRef idx="0">
+              <a:schemeClr val="accent1"/>
+            </a:effectRef>
+            <a:fontRef idx="minor">
+              <a:schemeClr val="tx1"/>
+            </a:fontRef>
+          </p:style>
+        </p:cxnSp>
+      </p:grpSp>
+      <p:grpSp>
+        <p:nvGrpSpPr>
+          <p:cNvPr id="15" name="그룹 14"/>
+          <p:cNvGrpSpPr/>
+          <p:nvPr/>
+        </p:nvGrpSpPr>
+        <p:grpSpPr>
+          <a:xfrm>
+            <a:off x="2682443" y="1942097"/>
+            <a:ext cx="1129535" cy="1125462"/>
+            <a:chOff x="2625913" y="1879500"/>
+            <a:chExt cx="1236643" cy="1262133"/>
+          </a:xfrm>
+        </p:grpSpPr>
+        <p:pic>
+          <p:nvPicPr>
+            <p:cNvPr id="127" name="그림 126"/>
+            <p:cNvPicPr>
+              <a:picLocks noChangeAspect="1"/>
+            </p:cNvPicPr>
+            <p:nvPr/>
+          </p:nvPicPr>
+          <p:blipFill rotWithShape="1">
+            <a:blip r:embed="rId3" cstate="print">
+              <a:extLst>
+                <a:ext uri="{28A0092B-C50C-407E-A947-70E740481C1C}">
+                  <a14:useLocalDpi xmlns:a14="http://schemas.microsoft.com/office/drawing/2010/main" val="0"/>
+                </a:ext>
+              </a:extLst>
+            </a:blip>
+            <a:srcRect l="11286" t="14561" r="7083" b="8986"/>
+            <a:stretch/>
+          </p:blipFill>
+          <p:spPr>
+            <a:xfrm>
+              <a:off x="2922308" y="2119275"/>
+              <a:ext cx="666810" cy="780654"/>
+            </a:xfrm>
+            <a:prstGeom prst="rect">
+              <a:avLst/>
+            </a:prstGeom>
+          </p:spPr>
+        </p:pic>
+        <p:sp>
+          <p:nvSpPr>
+            <p:cNvPr id="128" name="타원 127"/>
+            <p:cNvSpPr/>
+            <p:nvPr/>
+          </p:nvSpPr>
+          <p:spPr>
+            <a:xfrm>
+              <a:off x="2765259" y="2029824"/>
+              <a:ext cx="943291" cy="959555"/>
+            </a:xfrm>
+            <a:prstGeom prst="ellipse">
+              <a:avLst/>
+            </a:prstGeom>
+            <a:noFill/>
+            <a:ln w="88900">
+              <a:solidFill>
+                <a:srgbClr val="FF0000"/>
+              </a:solidFill>
+            </a:ln>
+          </p:spPr>
+          <p:style>
+            <a:lnRef idx="2">
+              <a:schemeClr val="accent1">
+                <a:shade val="50000"/>
+              </a:schemeClr>
+            </a:lnRef>
+            <a:fillRef idx="1">
+              <a:schemeClr val="accent1"/>
+            </a:fillRef>
+            <a:effectRef idx="0">
+              <a:schemeClr val="accent1"/>
+            </a:effectRef>
+            <a:fontRef idx="minor">
+              <a:schemeClr val="lt1"/>
+            </a:fontRef>
+          </p:style>
+          <p:txBody>
+            <a:bodyPr rtlCol="0" anchor="ctr"/>
+            <a:lstStyle/>
+            <a:p>
+              <a:pPr algn="ctr"/>
+              <a:endParaRPr lang="ko-KR" altLang="en-US"/>
+            </a:p>
+          </p:txBody>
+        </p:sp>
+        <p:cxnSp>
+          <p:nvCxnSpPr>
+            <p:cNvPr id="130" name="직선 연결선 129"/>
+            <p:cNvCxnSpPr/>
+            <p:nvPr/>
+          </p:nvCxnSpPr>
+          <p:spPr>
+            <a:xfrm flipV="1">
+              <a:off x="3463627" y="2504828"/>
+              <a:ext cx="398929" cy="0"/>
+            </a:xfrm>
+            <a:prstGeom prst="line">
+              <a:avLst/>
+            </a:prstGeom>
+            <a:ln w="88900" cap="rnd">
+              <a:solidFill>
+                <a:srgbClr val="FF0000"/>
+              </a:solidFill>
+            </a:ln>
+          </p:spPr>
+          <p:style>
+            <a:lnRef idx="1">
+              <a:schemeClr val="accent1"/>
+            </a:lnRef>
+            <a:fillRef idx="0">
+              <a:schemeClr val="accent1"/>
+            </a:fillRef>
+            <a:effectRef idx="0">
+              <a:schemeClr val="accent1"/>
+            </a:effectRef>
+            <a:fontRef idx="minor">
+              <a:schemeClr val="tx1"/>
+            </a:fontRef>
+          </p:style>
+        </p:cxnSp>
+        <p:cxnSp>
+          <p:nvCxnSpPr>
+            <p:cNvPr id="131" name="직선 연결선 130"/>
+            <p:cNvCxnSpPr/>
+            <p:nvPr/>
+          </p:nvCxnSpPr>
+          <p:spPr>
+            <a:xfrm>
+              <a:off x="3230294" y="1879500"/>
+              <a:ext cx="0" cy="390099"/>
+            </a:xfrm>
+            <a:prstGeom prst="line">
+              <a:avLst/>
+            </a:prstGeom>
+            <a:ln w="88900" cap="rnd">
+              <a:solidFill>
+                <a:srgbClr val="FF0000"/>
+              </a:solidFill>
+            </a:ln>
+          </p:spPr>
+          <p:style>
+            <a:lnRef idx="1">
+              <a:schemeClr val="accent1"/>
+            </a:lnRef>
+            <a:fillRef idx="0">
+              <a:schemeClr val="accent1"/>
+            </a:fillRef>
+            <a:effectRef idx="0">
+              <a:schemeClr val="accent1"/>
+            </a:effectRef>
+            <a:fontRef idx="minor">
+              <a:schemeClr val="tx1"/>
+            </a:fontRef>
+          </p:style>
+        </p:cxnSp>
+        <p:cxnSp>
+          <p:nvCxnSpPr>
+            <p:cNvPr id="132" name="직선 연결선 131"/>
+            <p:cNvCxnSpPr/>
+            <p:nvPr/>
+          </p:nvCxnSpPr>
+          <p:spPr>
+            <a:xfrm flipH="1">
+              <a:off x="3230294" y="2713419"/>
+              <a:ext cx="0" cy="428214"/>
+            </a:xfrm>
+            <a:prstGeom prst="line">
+              <a:avLst/>
+            </a:prstGeom>
+            <a:ln w="88900" cap="rnd">
+              <a:solidFill>
+                <a:srgbClr val="FF0000"/>
+              </a:solidFill>
+            </a:ln>
+          </p:spPr>
+          <p:style>
+            <a:lnRef idx="1">
+              <a:schemeClr val="accent1"/>
+            </a:lnRef>
+            <a:fillRef idx="0">
+              <a:schemeClr val="accent1"/>
+            </a:fillRef>
+            <a:effectRef idx="0">
+              <a:schemeClr val="accent1"/>
+            </a:effectRef>
+            <a:fontRef idx="minor">
+              <a:schemeClr val="tx1"/>
+            </a:fontRef>
+          </p:style>
+        </p:cxnSp>
+        <p:sp>
+          <p:nvSpPr>
+            <p:cNvPr id="133" name="타원 132"/>
+            <p:cNvSpPr/>
+            <p:nvPr/>
+          </p:nvSpPr>
+          <p:spPr>
+            <a:xfrm>
+              <a:off x="3185363" y="2461365"/>
+              <a:ext cx="96472" cy="96472"/>
+            </a:xfrm>
+            <a:prstGeom prst="ellipse">
+              <a:avLst/>
+            </a:prstGeom>
+            <a:solidFill>
+              <a:srgbClr val="FF0000"/>
+            </a:solidFill>
+            <a:ln>
+              <a:noFill/>
+            </a:ln>
+          </p:spPr>
+          <p:style>
+            <a:lnRef idx="2">
+              <a:schemeClr val="accent1">
+                <a:shade val="50000"/>
+              </a:schemeClr>
+            </a:lnRef>
+            <a:fillRef idx="1">
+              <a:schemeClr val="accent1"/>
+            </a:fillRef>
+            <a:effectRef idx="0">
+              <a:schemeClr val="accent1"/>
+            </a:effectRef>
+            <a:fontRef idx="minor">
+              <a:schemeClr val="lt1"/>
+            </a:fontRef>
+          </p:style>
+          <p:txBody>
+            <a:bodyPr rtlCol="0" anchor="ctr"/>
+            <a:lstStyle/>
+            <a:p>
+              <a:pPr algn="ctr"/>
+              <a:endParaRPr lang="ko-KR" altLang="en-US"/>
+            </a:p>
+          </p:txBody>
+        </p:sp>
+        <p:cxnSp>
+          <p:nvCxnSpPr>
+            <p:cNvPr id="134" name="직선 연결선 133"/>
+            <p:cNvCxnSpPr/>
+            <p:nvPr/>
+          </p:nvCxnSpPr>
+          <p:spPr>
+            <a:xfrm flipV="1">
+              <a:off x="2625913" y="2506219"/>
+              <a:ext cx="398929" cy="0"/>
+            </a:xfrm>
+            <a:prstGeom prst="line">
+              <a:avLst/>
+            </a:prstGeom>
+            <a:ln w="88900" cap="rnd">
+              <a:solidFill>
+                <a:srgbClr val="FF0000"/>
+              </a:solidFill>
+            </a:ln>
+          </p:spPr>
+          <p:style>
+            <a:lnRef idx="1">
+              <a:schemeClr val="accent1"/>
+            </a:lnRef>
+            <a:fillRef idx="0">
+              <a:schemeClr val="accent1"/>
+            </a:fillRef>
+            <a:effectRef idx="0">
+              <a:schemeClr val="accent1"/>
+            </a:effectRef>
+            <a:fontRef idx="minor">
+              <a:schemeClr val="tx1"/>
+            </a:fontRef>
+          </p:style>
+        </p:cxnSp>
+      </p:grpSp>
+      <p:grpSp>
+        <p:nvGrpSpPr>
+          <p:cNvPr id="149" name="그룹 148"/>
+          <p:cNvGrpSpPr/>
+          <p:nvPr/>
+        </p:nvGrpSpPr>
+        <p:grpSpPr>
+          <a:xfrm>
+            <a:off x="1259285" y="3155540"/>
+            <a:ext cx="1053697" cy="808902"/>
+            <a:chOff x="1269206" y="3151223"/>
+            <a:chExt cx="1053697" cy="808902"/>
+          </a:xfrm>
+        </p:grpSpPr>
+        <p:grpSp>
+          <p:nvGrpSpPr>
+            <p:cNvPr id="150" name="그룹 149"/>
+            <p:cNvGrpSpPr/>
+            <p:nvPr/>
+          </p:nvGrpSpPr>
+          <p:grpSpPr>
+            <a:xfrm>
+              <a:off x="1269206" y="3151223"/>
+              <a:ext cx="1053697" cy="445252"/>
+              <a:chOff x="3306253" y="929964"/>
+              <a:chExt cx="1398418" cy="501294"/>
+            </a:xfrm>
+          </p:grpSpPr>
+          <p:cxnSp>
+            <p:nvCxnSpPr>
+              <p:cNvPr id="161" name="직선 연결선 160"/>
+              <p:cNvCxnSpPr/>
+              <p:nvPr/>
+            </p:nvCxnSpPr>
+            <p:spPr>
+              <a:xfrm>
+                <a:off x="3864238" y="1091687"/>
+                <a:ext cx="236851" cy="280492"/>
+              </a:xfrm>
+              <a:prstGeom prst="line">
+                <a:avLst/>
+              </a:prstGeom>
+              <a:ln w="127000" cap="sq">
+                <a:solidFill>
+                  <a:srgbClr val="00B050"/>
+                </a:solidFill>
+                <a:round/>
+              </a:ln>
+            </p:spPr>
+            <p:style>
+              <a:lnRef idx="1">
+                <a:schemeClr val="accent1"/>
+              </a:lnRef>
+              <a:fillRef idx="0">
+                <a:schemeClr val="accent1"/>
+              </a:fillRef>
+              <a:effectRef idx="0">
+                <a:schemeClr val="accent1"/>
+              </a:effectRef>
+              <a:fontRef idx="minor">
+                <a:schemeClr val="tx1"/>
+              </a:fontRef>
+            </p:style>
+          </p:cxnSp>
+          <p:cxnSp>
+            <p:nvCxnSpPr>
+              <p:cNvPr id="160" name="직선 연결선 159"/>
+              <p:cNvCxnSpPr/>
+              <p:nvPr/>
+            </p:nvCxnSpPr>
+            <p:spPr>
+              <a:xfrm flipV="1">
+                <a:off x="3306253" y="1095481"/>
+                <a:ext cx="557983" cy="335777"/>
+              </a:xfrm>
+              <a:prstGeom prst="line">
+                <a:avLst/>
+              </a:prstGeom>
+              <a:ln w="127000" cap="sq">
+                <a:solidFill>
+                  <a:srgbClr val="039746"/>
+                </a:solidFill>
+                <a:round/>
+              </a:ln>
+            </p:spPr>
+            <p:style>
+              <a:lnRef idx="1">
+                <a:schemeClr val="accent1"/>
+              </a:lnRef>
+              <a:fillRef idx="0">
+                <a:schemeClr val="accent1"/>
+              </a:fillRef>
+              <a:effectRef idx="0">
+                <a:schemeClr val="accent1"/>
+              </a:effectRef>
+              <a:fontRef idx="minor">
+                <a:schemeClr val="tx1"/>
+              </a:fontRef>
+            </p:style>
+          </p:cxnSp>
+          <p:cxnSp>
+            <p:nvCxnSpPr>
+              <p:cNvPr id="162" name="직선 화살표 연결선 161"/>
+              <p:cNvCxnSpPr/>
+              <p:nvPr/>
+            </p:nvCxnSpPr>
+            <p:spPr>
+              <a:xfrm flipV="1">
+                <a:off x="4101088" y="929964"/>
+                <a:ext cx="603583" cy="442218"/>
+              </a:xfrm>
+              <a:prstGeom prst="straightConnector1">
+                <a:avLst/>
+              </a:prstGeom>
+              <a:ln w="127000" cap="sq">
+                <a:solidFill>
+                  <a:srgbClr val="039746"/>
+                </a:solidFill>
+                <a:round/>
+                <a:headEnd w="sm" len="sm"/>
+                <a:tailEnd type="triangle" w="sm" len="sm"/>
+              </a:ln>
+            </p:spPr>
+            <p:style>
+              <a:lnRef idx="1">
+                <a:schemeClr val="accent1"/>
+              </a:lnRef>
+              <a:fillRef idx="0">
+                <a:schemeClr val="accent1"/>
+              </a:fillRef>
+              <a:effectRef idx="0">
+                <a:schemeClr val="accent1"/>
+              </a:effectRef>
+              <a:fontRef idx="minor">
+                <a:schemeClr val="tx1"/>
+              </a:fontRef>
+            </p:style>
+          </p:cxnSp>
+        </p:grpSp>
+        <p:grpSp>
+          <p:nvGrpSpPr>
+            <p:cNvPr id="151" name="그룹 150"/>
+            <p:cNvGrpSpPr/>
+            <p:nvPr/>
+          </p:nvGrpSpPr>
+          <p:grpSpPr>
+            <a:xfrm>
+              <a:off x="1467439" y="3339460"/>
+              <a:ext cx="592824" cy="620665"/>
+              <a:chOff x="3619500" y="1206500"/>
+              <a:chExt cx="889000" cy="898525"/>
+            </a:xfrm>
+          </p:grpSpPr>
+          <p:sp>
+            <p:nvSpPr>
+              <p:cNvPr id="152" name="이등변 삼각형 151"/>
+              <p:cNvSpPr/>
+              <p:nvPr/>
+            </p:nvSpPr>
+            <p:spPr>
+              <a:xfrm>
+                <a:off x="3619500" y="1250156"/>
+                <a:ext cx="889000" cy="447675"/>
+              </a:xfrm>
+              <a:prstGeom prst="triangle">
+                <a:avLst/>
+              </a:prstGeom>
+              <a:solidFill>
+                <a:schemeClr val="bg1">
+                  <a:lumMod val="85000"/>
+                </a:schemeClr>
+              </a:solidFill>
+              <a:ln>
+                <a:noFill/>
+              </a:ln>
+            </p:spPr>
+            <p:style>
+              <a:lnRef idx="2">
+                <a:schemeClr val="accent1">
+                  <a:shade val="50000"/>
+                </a:schemeClr>
+              </a:lnRef>
+              <a:fillRef idx="1">
+                <a:schemeClr val="accent1"/>
+              </a:fillRef>
+              <a:effectRef idx="0">
+                <a:schemeClr val="accent1"/>
+              </a:effectRef>
+              <a:fontRef idx="minor">
+                <a:schemeClr val="lt1"/>
+              </a:fontRef>
+            </p:style>
+            <p:txBody>
+              <a:bodyPr rtlCol="0" anchor="ctr"/>
+              <a:lstStyle/>
+              <a:p>
+                <a:pPr algn="ctr"/>
+                <a:endParaRPr lang="ko-KR" altLang="en-US"/>
+              </a:p>
+            </p:txBody>
+          </p:sp>
+          <p:sp>
+            <p:nvSpPr>
+              <p:cNvPr id="153" name="모서리가 둥근 직사각형 152"/>
+              <p:cNvSpPr/>
+              <p:nvPr/>
+            </p:nvSpPr>
+            <p:spPr>
+              <a:xfrm>
+                <a:off x="3619500" y="1625600"/>
+                <a:ext cx="889000" cy="479425"/>
+              </a:xfrm>
+              <a:prstGeom prst="roundRect">
+                <a:avLst>
+                  <a:gd name="adj" fmla="val 12694"/>
+                </a:avLst>
+              </a:prstGeom>
+              <a:solidFill>
+                <a:srgbClr val="D9D9D9"/>
+              </a:solidFill>
+              <a:ln>
+                <a:noFill/>
+              </a:ln>
+            </p:spPr>
+            <p:style>
+              <a:lnRef idx="2">
+                <a:schemeClr val="accent1">
+                  <a:shade val="50000"/>
+                </a:schemeClr>
+              </a:lnRef>
+              <a:fillRef idx="1">
+                <a:schemeClr val="accent1"/>
+              </a:fillRef>
+              <a:effectRef idx="0">
+                <a:schemeClr val="accent1"/>
+              </a:effectRef>
+              <a:fontRef idx="minor">
+                <a:schemeClr val="lt1"/>
+              </a:fontRef>
+            </p:style>
+            <p:txBody>
+              <a:bodyPr rtlCol="0" anchor="ctr"/>
+              <a:lstStyle/>
+              <a:p>
+                <a:pPr algn="ctr"/>
+                <a:endParaRPr lang="ko-KR" altLang="en-US"/>
+              </a:p>
+            </p:txBody>
+          </p:sp>
+          <p:grpSp>
+            <p:nvGrpSpPr>
+              <p:cNvPr id="154" name="그룹 153"/>
+              <p:cNvGrpSpPr/>
+              <p:nvPr/>
+            </p:nvGrpSpPr>
+            <p:grpSpPr>
+              <a:xfrm>
+                <a:off x="3619500" y="1206500"/>
+                <a:ext cx="889000" cy="419100"/>
+                <a:chOff x="3619500" y="1206500"/>
+                <a:chExt cx="3600000" cy="1440000"/>
+              </a:xfrm>
+            </p:grpSpPr>
+            <p:cxnSp>
+              <p:nvCxnSpPr>
+                <p:cNvPr id="158" name="직선 연결선 157"/>
+                <p:cNvCxnSpPr/>
+                <p:nvPr/>
+              </p:nvCxnSpPr>
+              <p:spPr>
+                <a:xfrm flipV="1">
+                  <a:off x="3619500" y="1206500"/>
+                  <a:ext cx="1800000" cy="1440000"/>
+                </a:xfrm>
+                <a:prstGeom prst="line">
+                  <a:avLst/>
+                </a:prstGeom>
+                <a:ln w="190500" cap="rnd">
+                  <a:solidFill>
+                    <a:srgbClr val="B80000"/>
+                  </a:solidFill>
+                  <a:round/>
+                </a:ln>
+              </p:spPr>
+              <p:style>
+                <a:lnRef idx="1">
+                  <a:schemeClr val="accent1"/>
+                </a:lnRef>
+                <a:fillRef idx="0">
+                  <a:schemeClr val="accent1"/>
+                </a:fillRef>
+                <a:effectRef idx="0">
+                  <a:schemeClr val="accent1"/>
+                </a:effectRef>
+                <a:fontRef idx="minor">
+                  <a:schemeClr val="tx1"/>
+                </a:fontRef>
+              </p:style>
+            </p:cxnSp>
+            <p:cxnSp>
+              <p:nvCxnSpPr>
+                <p:cNvPr id="159" name="직선 연결선 158"/>
+                <p:cNvCxnSpPr/>
+                <p:nvPr/>
+              </p:nvCxnSpPr>
+              <p:spPr>
+                <a:xfrm>
+                  <a:off x="5419500" y="1206500"/>
+                  <a:ext cx="1800000" cy="1440000"/>
+                </a:xfrm>
+                <a:prstGeom prst="line">
+                  <a:avLst/>
+                </a:prstGeom>
+                <a:ln w="190500" cap="rnd">
+                  <a:solidFill>
+                    <a:srgbClr val="B80000"/>
+                  </a:solidFill>
+                  <a:round/>
+                </a:ln>
+              </p:spPr>
+              <p:style>
+                <a:lnRef idx="1">
+                  <a:schemeClr val="accent1"/>
+                </a:lnRef>
+                <a:fillRef idx="0">
+                  <a:schemeClr val="accent1"/>
+                </a:fillRef>
+                <a:effectRef idx="0">
+                  <a:schemeClr val="accent1"/>
+                </a:effectRef>
+                <a:fontRef idx="minor">
+                  <a:schemeClr val="tx1"/>
+                </a:fontRef>
+              </p:style>
+            </p:cxnSp>
+          </p:grpSp>
+          <p:sp>
+            <p:nvSpPr>
+              <p:cNvPr id="155" name="직사각형 154"/>
+              <p:cNvSpPr/>
+              <p:nvPr/>
+            </p:nvSpPr>
+            <p:spPr>
+              <a:xfrm>
+                <a:off x="3752850" y="1747837"/>
+                <a:ext cx="245269" cy="357188"/>
+              </a:xfrm>
+              <a:prstGeom prst="rect">
+                <a:avLst/>
+              </a:prstGeom>
+              <a:solidFill>
+                <a:schemeClr val="bg1">
+                  <a:lumMod val="50000"/>
+                </a:schemeClr>
+              </a:solidFill>
+              <a:ln>
+                <a:noFill/>
+              </a:ln>
+            </p:spPr>
+            <p:style>
+              <a:lnRef idx="2">
+                <a:schemeClr val="accent1">
+                  <a:shade val="50000"/>
+                </a:schemeClr>
+              </a:lnRef>
+              <a:fillRef idx="1">
+                <a:schemeClr val="accent1"/>
+              </a:fillRef>
+              <a:effectRef idx="0">
+                <a:schemeClr val="accent1"/>
+              </a:effectRef>
+              <a:fontRef idx="minor">
+                <a:schemeClr val="lt1"/>
+              </a:fontRef>
+            </p:style>
+            <p:txBody>
+              <a:bodyPr rtlCol="0" anchor="ctr"/>
+              <a:lstStyle/>
+              <a:p>
+                <a:pPr algn="ctr"/>
+                <a:endParaRPr lang="ko-KR" altLang="en-US"/>
+              </a:p>
+            </p:txBody>
+          </p:sp>
+          <p:sp>
+            <p:nvSpPr>
+              <p:cNvPr id="156" name="타원 155"/>
+              <p:cNvSpPr/>
+              <p:nvPr/>
+            </p:nvSpPr>
+            <p:spPr>
+              <a:xfrm>
+                <a:off x="3902868" y="1890431"/>
+                <a:ext cx="72000" cy="72000"/>
+              </a:xfrm>
+              <a:prstGeom prst="ellipse">
+                <a:avLst/>
+              </a:prstGeom>
+              <a:solidFill>
+                <a:schemeClr val="accent4">
+                  <a:lumMod val="75000"/>
+                </a:schemeClr>
+              </a:solidFill>
+              <a:ln>
+                <a:noFill/>
+              </a:ln>
+            </p:spPr>
+            <p:style>
+              <a:lnRef idx="2">
+                <a:schemeClr val="accent1">
+                  <a:shade val="50000"/>
+                </a:schemeClr>
+              </a:lnRef>
+              <a:fillRef idx="1">
+                <a:schemeClr val="accent1"/>
+              </a:fillRef>
+              <a:effectRef idx="0">
+                <a:schemeClr val="accent1"/>
+              </a:effectRef>
+              <a:fontRef idx="minor">
+                <a:schemeClr val="lt1"/>
+              </a:fontRef>
+            </p:style>
+            <p:txBody>
+              <a:bodyPr rtlCol="0" anchor="ctr"/>
+              <a:lstStyle/>
+              <a:p>
+                <a:pPr algn="ctr"/>
+                <a:endParaRPr lang="ko-KR" altLang="en-US"/>
+              </a:p>
+            </p:txBody>
+          </p:sp>
+          <p:sp>
+            <p:nvSpPr>
+              <p:cNvPr id="157" name="모서리가 둥근 직사각형 156"/>
+              <p:cNvSpPr/>
+              <p:nvPr/>
+            </p:nvSpPr>
+            <p:spPr>
+              <a:xfrm>
+                <a:off x="4131469" y="1669256"/>
+                <a:ext cx="252000" cy="252000"/>
+              </a:xfrm>
+              <a:prstGeom prst="roundRect">
+                <a:avLst/>
+              </a:prstGeom>
+              <a:solidFill>
+                <a:schemeClr val="accent1">
+                  <a:lumMod val="60000"/>
+                  <a:lumOff val="40000"/>
+                </a:schemeClr>
+              </a:solidFill>
+              <a:ln>
+                <a:solidFill>
+                  <a:schemeClr val="tx1">
+                    <a:lumMod val="65000"/>
+                    <a:lumOff val="35000"/>
+                  </a:schemeClr>
+                </a:solidFill>
+              </a:ln>
+            </p:spPr>
+            <p:style>
+              <a:lnRef idx="2">
+                <a:schemeClr val="accent1">
+                  <a:shade val="50000"/>
+                </a:schemeClr>
+              </a:lnRef>
+              <a:fillRef idx="1">
+                <a:schemeClr val="accent1"/>
+              </a:fillRef>
+              <a:effectRef idx="0">
+                <a:schemeClr val="accent1"/>
+              </a:effectRef>
+              <a:fontRef idx="minor">
+                <a:schemeClr val="lt1"/>
+              </a:fontRef>
+            </p:style>
+            <p:txBody>
+              <a:bodyPr rtlCol="0" anchor="ctr"/>
+              <a:lstStyle/>
+              <a:p>
+                <a:pPr algn="ctr"/>
+                <a:endParaRPr lang="ko-KR" altLang="en-US"/>
+              </a:p>
+            </p:txBody>
+          </p:sp>
+        </p:grpSp>
+      </p:grpSp>
+      <p:grpSp>
+        <p:nvGrpSpPr>
+          <p:cNvPr id="163" name="그룹 162"/>
+          <p:cNvGrpSpPr>
+            <a:grpSpLocks noChangeAspect="1"/>
+          </p:cNvGrpSpPr>
+          <p:nvPr/>
+        </p:nvGrpSpPr>
+        <p:grpSpPr>
+          <a:xfrm>
+            <a:off x="4277826" y="3052573"/>
+            <a:ext cx="1068270" cy="891999"/>
+            <a:chOff x="3874405" y="187938"/>
+            <a:chExt cx="4408929" cy="3681430"/>
+          </a:xfrm>
+        </p:grpSpPr>
+        <p:sp>
+          <p:nvSpPr>
+            <p:cNvPr id="164" name="아래쪽 화살표 163"/>
+            <p:cNvSpPr/>
+            <p:nvPr/>
+          </p:nvSpPr>
+          <p:spPr>
+            <a:xfrm rot="10800000">
+              <a:off x="6317937" y="187938"/>
+              <a:ext cx="1965397" cy="2690210"/>
+            </a:xfrm>
+            <a:prstGeom prst="downArrow">
+              <a:avLst/>
+            </a:prstGeom>
+            <a:solidFill>
+              <a:srgbClr val="FF0000"/>
+            </a:solidFill>
+            <a:ln>
+              <a:noFill/>
+            </a:ln>
+          </p:spPr>
+          <p:style>
+            <a:lnRef idx="2">
+              <a:schemeClr val="accent1">
+                <a:shade val="50000"/>
+              </a:schemeClr>
+            </a:lnRef>
+            <a:fillRef idx="1">
+              <a:schemeClr val="accent1"/>
+            </a:fillRef>
+            <a:effectRef idx="0">
+              <a:schemeClr val="accent1"/>
+            </a:effectRef>
+            <a:fontRef idx="minor">
+              <a:schemeClr val="lt1"/>
+            </a:fontRef>
+          </p:style>
+          <p:txBody>
+            <a:bodyPr rtlCol="0" anchor="ctr"/>
+            <a:lstStyle/>
+            <a:p>
+              <a:pPr algn="ctr"/>
+              <a:endParaRPr lang="ko-KR" altLang="en-US"/>
+            </a:p>
+          </p:txBody>
+        </p:sp>
+        <p:grpSp>
+          <p:nvGrpSpPr>
+            <p:cNvPr id="165" name="그룹 164"/>
+            <p:cNvGrpSpPr/>
+            <p:nvPr/>
+          </p:nvGrpSpPr>
+          <p:grpSpPr>
+            <a:xfrm>
+              <a:off x="3874405" y="1032313"/>
+              <a:ext cx="3557265" cy="2837055"/>
+              <a:chOff x="3874405" y="1032313"/>
+              <a:chExt cx="3557265" cy="2837055"/>
+            </a:xfrm>
+          </p:grpSpPr>
+          <p:sp>
+            <p:nvSpPr>
+              <p:cNvPr id="166" name="자유형 165"/>
+              <p:cNvSpPr/>
+              <p:nvPr/>
+            </p:nvSpPr>
+            <p:spPr>
+              <a:xfrm>
+                <a:off x="3874405" y="1032313"/>
+                <a:ext cx="3557265" cy="2837055"/>
+              </a:xfrm>
+              <a:custGeom>
+                <a:avLst/>
+                <a:gdLst>
+                  <a:gd name="connsiteX0" fmla="*/ 1522086 w 3557265"/>
+                  <a:gd name="connsiteY0" fmla="*/ 35496 h 2837055"/>
+                  <a:gd name="connsiteX1" fmla="*/ 444848 w 3557265"/>
+                  <a:gd name="connsiteY1" fmla="*/ 448855 h 2837055"/>
+                  <a:gd name="connsiteX2" fmla="*/ 31489 w 3557265"/>
+                  <a:gd name="connsiteY2" fmla="*/ 1375781 h 2837055"/>
+                  <a:gd name="connsiteX3" fmla="*/ 144223 w 3557265"/>
+                  <a:gd name="connsiteY3" fmla="*/ 2139869 h 2837055"/>
+                  <a:gd name="connsiteX4" fmla="*/ 1058623 w 3557265"/>
+                  <a:gd name="connsiteY4" fmla="*/ 2691014 h 2837055"/>
+                  <a:gd name="connsiteX5" fmla="*/ 2211018 w 3557265"/>
+                  <a:gd name="connsiteY5" fmla="*/ 2791222 h 2837055"/>
+                  <a:gd name="connsiteX6" fmla="*/ 3238152 w 3557265"/>
+                  <a:gd name="connsiteY6" fmla="*/ 2052187 h 2837055"/>
+                  <a:gd name="connsiteX7" fmla="*/ 3551302 w 3557265"/>
+                  <a:gd name="connsiteY7" fmla="*/ 1338203 h 2837055"/>
+                  <a:gd name="connsiteX8" fmla="*/ 3025209 w 3557265"/>
+                  <a:gd name="connsiteY8" fmla="*/ 498959 h 2837055"/>
+                  <a:gd name="connsiteX9" fmla="*/ 1947971 w 3557265"/>
+                  <a:gd name="connsiteY9" fmla="*/ 73074 h 2837055"/>
+                  <a:gd name="connsiteX10" fmla="*/ 1522086 w 3557265"/>
+                  <a:gd name="connsiteY10" fmla="*/ 35496 h 2837055"/>
+                </a:gdLst>
+                <a:ahLst/>
+                <a:cxnLst>
+                  <a:cxn ang="0">
+                    <a:pos x="connsiteX0" y="connsiteY0"/>
+                  </a:cxn>
+                  <a:cxn ang="0">
+                    <a:pos x="connsiteX1" y="connsiteY1"/>
+                  </a:cxn>
+                  <a:cxn ang="0">
+                    <a:pos x="connsiteX2" y="connsiteY2"/>
+                  </a:cxn>
+                  <a:cxn ang="0">
+                    <a:pos x="connsiteX3" y="connsiteY3"/>
+                  </a:cxn>
+                  <a:cxn ang="0">
+                    <a:pos x="connsiteX4" y="connsiteY4"/>
+                  </a:cxn>
+                  <a:cxn ang="0">
+                    <a:pos x="connsiteX5" y="connsiteY5"/>
+                  </a:cxn>
+                  <a:cxn ang="0">
+                    <a:pos x="connsiteX6" y="connsiteY6"/>
+                  </a:cxn>
+                  <a:cxn ang="0">
+                    <a:pos x="connsiteX7" y="connsiteY7"/>
+                  </a:cxn>
+                  <a:cxn ang="0">
+                    <a:pos x="connsiteX8" y="connsiteY8"/>
+                  </a:cxn>
+                  <a:cxn ang="0">
+                    <a:pos x="connsiteX9" y="connsiteY9"/>
+                  </a:cxn>
+                  <a:cxn ang="0">
+                    <a:pos x="connsiteX10" y="connsiteY10"/>
+                  </a:cxn>
+                </a:cxnLst>
+                <a:rect l="l" t="t" r="r" b="b"/>
+                <a:pathLst>
+                  <a:path w="3557265" h="2837055">
+                    <a:moveTo>
+                      <a:pt x="1522086" y="35496"/>
+                    </a:moveTo>
+                    <a:cubicBezTo>
+                      <a:pt x="1271566" y="98126"/>
+                      <a:pt x="693281" y="225474"/>
+                      <a:pt x="444848" y="448855"/>
+                    </a:cubicBezTo>
+                    <a:cubicBezTo>
+                      <a:pt x="196415" y="672236"/>
+                      <a:pt x="81593" y="1093945"/>
+                      <a:pt x="31489" y="1375781"/>
+                    </a:cubicBezTo>
+                    <a:cubicBezTo>
+                      <a:pt x="-18615" y="1657617"/>
+                      <a:pt x="-26966" y="1920664"/>
+                      <a:pt x="144223" y="2139869"/>
+                    </a:cubicBezTo>
+                    <a:cubicBezTo>
+                      <a:pt x="315412" y="2359075"/>
+                      <a:pt x="714157" y="2582455"/>
+                      <a:pt x="1058623" y="2691014"/>
+                    </a:cubicBezTo>
+                    <a:cubicBezTo>
+                      <a:pt x="1403089" y="2799573"/>
+                      <a:pt x="1847763" y="2897693"/>
+                      <a:pt x="2211018" y="2791222"/>
+                    </a:cubicBezTo>
+                    <a:cubicBezTo>
+                      <a:pt x="2574273" y="2684751"/>
+                      <a:pt x="3014771" y="2294357"/>
+                      <a:pt x="3238152" y="2052187"/>
+                    </a:cubicBezTo>
+                    <a:cubicBezTo>
+                      <a:pt x="3461533" y="1810017"/>
+                      <a:pt x="3586792" y="1597074"/>
+                      <a:pt x="3551302" y="1338203"/>
+                    </a:cubicBezTo>
+                    <a:cubicBezTo>
+                      <a:pt x="3515812" y="1079332"/>
+                      <a:pt x="3292431" y="709814"/>
+                      <a:pt x="3025209" y="498959"/>
+                    </a:cubicBezTo>
+                    <a:cubicBezTo>
+                      <a:pt x="2757987" y="288104"/>
+                      <a:pt x="2196404" y="148230"/>
+                      <a:pt x="1947971" y="73074"/>
+                    </a:cubicBezTo>
+                    <a:cubicBezTo>
+                      <a:pt x="1699538" y="-2082"/>
+                      <a:pt x="1772606" y="-27134"/>
+                      <a:pt x="1522086" y="35496"/>
+                    </a:cubicBezTo>
+                    <a:close/>
+                  </a:path>
+                </a:pathLst>
+              </a:custGeom>
+              <a:solidFill>
+                <a:srgbClr val="FFCDCD"/>
+              </a:solidFill>
+              <a:ln w="88900">
+                <a:solidFill>
+                  <a:srgbClr val="C80000"/>
+                </a:solidFill>
+              </a:ln>
+            </p:spPr>
+            <p:style>
+              <a:lnRef idx="2">
+                <a:schemeClr val="accent1">
+                  <a:shade val="50000"/>
+                </a:schemeClr>
+              </a:lnRef>
+              <a:fillRef idx="1">
+                <a:schemeClr val="accent1"/>
+              </a:fillRef>
+              <a:effectRef idx="0">
+                <a:schemeClr val="accent1"/>
+              </a:effectRef>
+              <a:fontRef idx="minor">
+                <a:schemeClr val="lt1"/>
+              </a:fontRef>
+            </p:style>
+            <p:txBody>
+              <a:bodyPr rtlCol="0" anchor="ctr"/>
+              <a:lstStyle/>
+              <a:p>
+                <a:pPr algn="ctr"/>
+                <a:endParaRPr lang="ko-KR" altLang="en-US"/>
+              </a:p>
+            </p:txBody>
+          </p:sp>
+          <p:sp>
+            <p:nvSpPr>
+              <p:cNvPr id="167" name="자유형 166"/>
+              <p:cNvSpPr/>
+              <p:nvPr/>
+            </p:nvSpPr>
+            <p:spPr>
+              <a:xfrm rot="548897">
+                <a:off x="4450957" y="1332325"/>
+                <a:ext cx="1141321" cy="1012536"/>
+              </a:xfrm>
+              <a:custGeom>
+                <a:avLst/>
+                <a:gdLst>
+                  <a:gd name="connsiteX0" fmla="*/ 1007200 w 1233942"/>
+                  <a:gd name="connsiteY0" fmla="*/ 9954 h 1101722"/>
+                  <a:gd name="connsiteX1" fmla="*/ 267898 w 1233942"/>
+                  <a:gd name="connsiteY1" fmla="*/ 233690 h 1101722"/>
+                  <a:gd name="connsiteX2" fmla="*/ 387 w 1233942"/>
+                  <a:gd name="connsiteY2" fmla="*/ 637388 h 1101722"/>
+                  <a:gd name="connsiteX3" fmla="*/ 224123 w 1233942"/>
+                  <a:gd name="connsiteY3" fmla="*/ 1045950 h 1101722"/>
+                  <a:gd name="connsiteX4" fmla="*/ 807783 w 1233942"/>
+                  <a:gd name="connsiteY4" fmla="*/ 1026495 h 1101722"/>
+                  <a:gd name="connsiteX5" fmla="*/ 1055838 w 1233942"/>
+                  <a:gd name="connsiteY5" fmla="*/ 1094588 h 1101722"/>
+                  <a:gd name="connsiteX6" fmla="*/ 1226072 w 1233942"/>
+                  <a:gd name="connsiteY6" fmla="*/ 827077 h 1101722"/>
+                  <a:gd name="connsiteX7" fmla="*/ 1182298 w 1233942"/>
+                  <a:gd name="connsiteY7" fmla="*/ 121822 h 1101722"/>
+                  <a:gd name="connsiteX8" fmla="*/ 1007200 w 1233942"/>
+                  <a:gd name="connsiteY8" fmla="*/ 9954 h 1101722"/>
+                </a:gdLst>
+                <a:ahLst/>
+                <a:cxnLst>
+                  <a:cxn ang="0">
+                    <a:pos x="connsiteX0" y="connsiteY0"/>
+                  </a:cxn>
+                  <a:cxn ang="0">
+                    <a:pos x="connsiteX1" y="connsiteY1"/>
+                  </a:cxn>
+                  <a:cxn ang="0">
+                    <a:pos x="connsiteX2" y="connsiteY2"/>
+                  </a:cxn>
+                  <a:cxn ang="0">
+                    <a:pos x="connsiteX3" y="connsiteY3"/>
+                  </a:cxn>
+                  <a:cxn ang="0">
+                    <a:pos x="connsiteX4" y="connsiteY4"/>
+                  </a:cxn>
+                  <a:cxn ang="0">
+                    <a:pos x="connsiteX5" y="connsiteY5"/>
+                  </a:cxn>
+                  <a:cxn ang="0">
+                    <a:pos x="connsiteX6" y="connsiteY6"/>
+                  </a:cxn>
+                  <a:cxn ang="0">
+                    <a:pos x="connsiteX7" y="connsiteY7"/>
+                  </a:cxn>
+                  <a:cxn ang="0">
+                    <a:pos x="connsiteX8" y="connsiteY8"/>
+                  </a:cxn>
+                </a:cxnLst>
+                <a:rect l="l" t="t" r="r" b="b"/>
+                <a:pathLst>
+                  <a:path w="1233942" h="1101722">
+                    <a:moveTo>
+                      <a:pt x="1007200" y="9954"/>
+                    </a:moveTo>
+                    <a:cubicBezTo>
+                      <a:pt x="854800" y="28599"/>
+                      <a:pt x="435700" y="129118"/>
+                      <a:pt x="267898" y="233690"/>
+                    </a:cubicBezTo>
+                    <a:cubicBezTo>
+                      <a:pt x="100096" y="338262"/>
+                      <a:pt x="7683" y="502011"/>
+                      <a:pt x="387" y="637388"/>
+                    </a:cubicBezTo>
+                    <a:cubicBezTo>
+                      <a:pt x="-6909" y="772765"/>
+                      <a:pt x="89557" y="981099"/>
+                      <a:pt x="224123" y="1045950"/>
+                    </a:cubicBezTo>
+                    <a:cubicBezTo>
+                      <a:pt x="358689" y="1110801"/>
+                      <a:pt x="669164" y="1018389"/>
+                      <a:pt x="807783" y="1026495"/>
+                    </a:cubicBezTo>
+                    <a:cubicBezTo>
+                      <a:pt x="946402" y="1034601"/>
+                      <a:pt x="986123" y="1127824"/>
+                      <a:pt x="1055838" y="1094588"/>
+                    </a:cubicBezTo>
+                    <a:cubicBezTo>
+                      <a:pt x="1125553" y="1061352"/>
+                      <a:pt x="1204995" y="989205"/>
+                      <a:pt x="1226072" y="827077"/>
+                    </a:cubicBezTo>
+                    <a:cubicBezTo>
+                      <a:pt x="1247149" y="664949"/>
+                      <a:pt x="1223641" y="258820"/>
+                      <a:pt x="1182298" y="121822"/>
+                    </a:cubicBezTo>
+                    <a:cubicBezTo>
+                      <a:pt x="1140955" y="-15176"/>
+                      <a:pt x="1159600" y="-8691"/>
+                      <a:pt x="1007200" y="9954"/>
+                    </a:cubicBezTo>
+                    <a:close/>
+                  </a:path>
+                </a:pathLst>
+              </a:custGeom>
+              <a:solidFill>
+                <a:srgbClr val="FF9696"/>
+              </a:solidFill>
+              <a:ln>
+                <a:noFill/>
+              </a:ln>
+            </p:spPr>
+            <p:style>
+              <a:lnRef idx="2">
+                <a:schemeClr val="accent1">
+                  <a:shade val="50000"/>
+                </a:schemeClr>
+              </a:lnRef>
+              <a:fillRef idx="1">
+                <a:schemeClr val="accent1"/>
+              </a:fillRef>
+              <a:effectRef idx="0">
+                <a:schemeClr val="accent1"/>
+              </a:effectRef>
+              <a:fontRef idx="minor">
+                <a:schemeClr val="lt1"/>
+              </a:fontRef>
+            </p:style>
+            <p:txBody>
+              <a:bodyPr rtlCol="0" anchor="ctr"/>
+              <a:lstStyle/>
+              <a:p>
+                <a:pPr algn="ctr"/>
+                <a:endParaRPr lang="ko-KR" altLang="en-US"/>
+              </a:p>
+            </p:txBody>
+          </p:sp>
+          <p:sp>
+            <p:nvSpPr>
+              <p:cNvPr id="168" name="자유형 167"/>
+              <p:cNvSpPr/>
+              <p:nvPr/>
+            </p:nvSpPr>
+            <p:spPr>
+              <a:xfrm>
+                <a:off x="4284231" y="2291037"/>
+                <a:ext cx="1141415" cy="1096467"/>
+              </a:xfrm>
+              <a:custGeom>
+                <a:avLst/>
+                <a:gdLst>
+                  <a:gd name="connsiteX0" fmla="*/ 26687 w 1220802"/>
+                  <a:gd name="connsiteY0" fmla="*/ 121425 h 1174227"/>
+                  <a:gd name="connsiteX1" fmla="*/ 60734 w 1220802"/>
+                  <a:gd name="connsiteY1" fmla="*/ 748859 h 1174227"/>
+                  <a:gd name="connsiteX2" fmla="*/ 702759 w 1220802"/>
+                  <a:gd name="connsiteY2" fmla="*/ 1167148 h 1174227"/>
+                  <a:gd name="connsiteX3" fmla="*/ 1194006 w 1220802"/>
+                  <a:gd name="connsiteY3" fmla="*/ 977459 h 1174227"/>
+                  <a:gd name="connsiteX4" fmla="*/ 1130776 w 1220802"/>
+                  <a:gd name="connsiteY4" fmla="*/ 539714 h 1174227"/>
+                  <a:gd name="connsiteX5" fmla="*/ 1213461 w 1220802"/>
+                  <a:gd name="connsiteY5" fmla="*/ 252748 h 1174227"/>
+                  <a:gd name="connsiteX6" fmla="*/ 907040 w 1220802"/>
+                  <a:gd name="connsiteY6" fmla="*/ 150608 h 1174227"/>
+                  <a:gd name="connsiteX7" fmla="*/ 513070 w 1220802"/>
+                  <a:gd name="connsiteY7" fmla="*/ 223565 h 1174227"/>
+                  <a:gd name="connsiteX8" fmla="*/ 192057 w 1220802"/>
+                  <a:gd name="connsiteY8" fmla="*/ 29012 h 1174227"/>
+                  <a:gd name="connsiteX9" fmla="*/ 60734 w 1220802"/>
+                  <a:gd name="connsiteY9" fmla="*/ 14420 h 1174227"/>
+                  <a:gd name="connsiteX10" fmla="*/ 26687 w 1220802"/>
+                  <a:gd name="connsiteY10" fmla="*/ 121425 h 1174227"/>
+                </a:gdLst>
+                <a:ahLst/>
+                <a:cxnLst>
+                  <a:cxn ang="0">
+                    <a:pos x="connsiteX0" y="connsiteY0"/>
+                  </a:cxn>
+                  <a:cxn ang="0">
+                    <a:pos x="connsiteX1" y="connsiteY1"/>
+                  </a:cxn>
+                  <a:cxn ang="0">
+                    <a:pos x="connsiteX2" y="connsiteY2"/>
+                  </a:cxn>
+                  <a:cxn ang="0">
+                    <a:pos x="connsiteX3" y="connsiteY3"/>
+                  </a:cxn>
+                  <a:cxn ang="0">
+                    <a:pos x="connsiteX4" y="connsiteY4"/>
+                  </a:cxn>
+                  <a:cxn ang="0">
+                    <a:pos x="connsiteX5" y="connsiteY5"/>
+                  </a:cxn>
+                  <a:cxn ang="0">
+                    <a:pos x="connsiteX6" y="connsiteY6"/>
+                  </a:cxn>
+                  <a:cxn ang="0">
+                    <a:pos x="connsiteX7" y="connsiteY7"/>
+                  </a:cxn>
+                  <a:cxn ang="0">
+                    <a:pos x="connsiteX8" y="connsiteY8"/>
+                  </a:cxn>
+                  <a:cxn ang="0">
+                    <a:pos x="connsiteX9" y="connsiteY9"/>
+                  </a:cxn>
+                  <a:cxn ang="0">
+                    <a:pos x="connsiteX10" y="connsiteY10"/>
+                  </a:cxn>
+                </a:cxnLst>
+                <a:rect l="l" t="t" r="r" b="b"/>
+                <a:pathLst>
+                  <a:path w="1220802" h="1174227">
+                    <a:moveTo>
+                      <a:pt x="26687" y="121425"/>
+                    </a:moveTo>
+                    <a:cubicBezTo>
+                      <a:pt x="26687" y="243831"/>
+                      <a:pt x="-51945" y="574572"/>
+                      <a:pt x="60734" y="748859"/>
+                    </a:cubicBezTo>
+                    <a:cubicBezTo>
+                      <a:pt x="173413" y="923146"/>
+                      <a:pt x="513880" y="1129048"/>
+                      <a:pt x="702759" y="1167148"/>
+                    </a:cubicBezTo>
+                    <a:cubicBezTo>
+                      <a:pt x="891638" y="1205248"/>
+                      <a:pt x="1122670" y="1082031"/>
+                      <a:pt x="1194006" y="977459"/>
+                    </a:cubicBezTo>
+                    <a:cubicBezTo>
+                      <a:pt x="1265342" y="872887"/>
+                      <a:pt x="1127534" y="660499"/>
+                      <a:pt x="1130776" y="539714"/>
+                    </a:cubicBezTo>
+                    <a:cubicBezTo>
+                      <a:pt x="1134018" y="418929"/>
+                      <a:pt x="1250750" y="317599"/>
+                      <a:pt x="1213461" y="252748"/>
+                    </a:cubicBezTo>
+                    <a:cubicBezTo>
+                      <a:pt x="1176172" y="187897"/>
+                      <a:pt x="1023772" y="155472"/>
+                      <a:pt x="907040" y="150608"/>
+                    </a:cubicBezTo>
+                    <a:cubicBezTo>
+                      <a:pt x="790308" y="145744"/>
+                      <a:pt x="632234" y="243831"/>
+                      <a:pt x="513070" y="223565"/>
+                    </a:cubicBezTo>
+                    <a:cubicBezTo>
+                      <a:pt x="393906" y="203299"/>
+                      <a:pt x="267446" y="63869"/>
+                      <a:pt x="192057" y="29012"/>
+                    </a:cubicBezTo>
+                    <a:cubicBezTo>
+                      <a:pt x="116668" y="-5845"/>
+                      <a:pt x="88296" y="-7467"/>
+                      <a:pt x="60734" y="14420"/>
+                    </a:cubicBezTo>
+                    <a:cubicBezTo>
+                      <a:pt x="33172" y="36307"/>
+                      <a:pt x="26687" y="-981"/>
+                      <a:pt x="26687" y="121425"/>
+                    </a:cubicBezTo>
+                    <a:close/>
+                  </a:path>
+                </a:pathLst>
+              </a:custGeom>
+              <a:solidFill>
+                <a:srgbClr val="FF9696"/>
+              </a:solidFill>
+              <a:ln>
+                <a:noFill/>
+              </a:ln>
+            </p:spPr>
+            <p:style>
+              <a:lnRef idx="2">
+                <a:schemeClr val="accent1">
+                  <a:shade val="50000"/>
+                </a:schemeClr>
+              </a:lnRef>
+              <a:fillRef idx="1">
+                <a:schemeClr val="accent1"/>
+              </a:fillRef>
+              <a:effectRef idx="0">
+                <a:schemeClr val="accent1"/>
+              </a:effectRef>
+              <a:fontRef idx="minor">
+                <a:schemeClr val="lt1"/>
+              </a:fontRef>
+            </p:style>
+            <p:txBody>
+              <a:bodyPr rtlCol="0" anchor="ctr"/>
+              <a:lstStyle/>
+              <a:p>
+                <a:pPr algn="ctr"/>
+                <a:endParaRPr lang="ko-KR" altLang="en-US"/>
+              </a:p>
+            </p:txBody>
+          </p:sp>
+          <p:sp>
+            <p:nvSpPr>
+              <p:cNvPr id="169" name="자유형 168"/>
+              <p:cNvSpPr/>
+              <p:nvPr/>
+            </p:nvSpPr>
+            <p:spPr>
+              <a:xfrm>
+                <a:off x="5484072" y="2372724"/>
+                <a:ext cx="980100" cy="1204590"/>
+              </a:xfrm>
+              <a:custGeom>
+                <a:avLst/>
+                <a:gdLst>
+                  <a:gd name="connsiteX0" fmla="*/ 49193 w 1071510"/>
+                  <a:gd name="connsiteY0" fmla="*/ 480002 h 1297704"/>
+                  <a:gd name="connsiteX1" fmla="*/ 97831 w 1071510"/>
+                  <a:gd name="connsiteY1" fmla="*/ 781559 h 1297704"/>
+                  <a:gd name="connsiteX2" fmla="*/ 5418 w 1071510"/>
+                  <a:gd name="connsiteY2" fmla="*/ 1156074 h 1297704"/>
+                  <a:gd name="connsiteX3" fmla="*/ 287521 w 1071510"/>
+                  <a:gd name="connsiteY3" fmla="*/ 1297125 h 1297704"/>
+                  <a:gd name="connsiteX4" fmla="*/ 798223 w 1071510"/>
+                  <a:gd name="connsiteY4" fmla="*/ 1112300 h 1297704"/>
+                  <a:gd name="connsiteX5" fmla="*/ 1046278 w 1071510"/>
+                  <a:gd name="connsiteY5" fmla="*/ 669691 h 1297704"/>
+                  <a:gd name="connsiteX6" fmla="*/ 1021959 w 1071510"/>
+                  <a:gd name="connsiteY6" fmla="*/ 173580 h 1297704"/>
+                  <a:gd name="connsiteX7" fmla="*/ 681491 w 1071510"/>
+                  <a:gd name="connsiteY7" fmla="*/ 42257 h 1297704"/>
+                  <a:gd name="connsiteX8" fmla="*/ 263201 w 1071510"/>
+                  <a:gd name="connsiteY8" fmla="*/ 13074 h 1297704"/>
+                  <a:gd name="connsiteX9" fmla="*/ 248610 w 1071510"/>
+                  <a:gd name="connsiteY9" fmla="*/ 236810 h 1297704"/>
+                  <a:gd name="connsiteX10" fmla="*/ 112423 w 1071510"/>
+                  <a:gd name="connsiteY10" fmla="*/ 368134 h 1297704"/>
+                  <a:gd name="connsiteX11" fmla="*/ 49193 w 1071510"/>
+                  <a:gd name="connsiteY11" fmla="*/ 480002 h 1297704"/>
+                </a:gdLst>
+                <a:ahLst/>
+                <a:cxnLst>
+                  <a:cxn ang="0">
+                    <a:pos x="connsiteX0" y="connsiteY0"/>
+                  </a:cxn>
+                  <a:cxn ang="0">
+                    <a:pos x="connsiteX1" y="connsiteY1"/>
+                  </a:cxn>
+                  <a:cxn ang="0">
+                    <a:pos x="connsiteX2" y="connsiteY2"/>
+                  </a:cxn>
+                  <a:cxn ang="0">
+                    <a:pos x="connsiteX3" y="connsiteY3"/>
+                  </a:cxn>
+                  <a:cxn ang="0">
+                    <a:pos x="connsiteX4" y="connsiteY4"/>
+                  </a:cxn>
+                  <a:cxn ang="0">
+                    <a:pos x="connsiteX5" y="connsiteY5"/>
+                  </a:cxn>
+                  <a:cxn ang="0">
+                    <a:pos x="connsiteX6" y="connsiteY6"/>
+                  </a:cxn>
+                  <a:cxn ang="0">
+                    <a:pos x="connsiteX7" y="connsiteY7"/>
+                  </a:cxn>
+                  <a:cxn ang="0">
+                    <a:pos x="connsiteX8" y="connsiteY8"/>
+                  </a:cxn>
+                  <a:cxn ang="0">
+                    <a:pos x="connsiteX9" y="connsiteY9"/>
+                  </a:cxn>
+                  <a:cxn ang="0">
+                    <a:pos x="connsiteX10" y="connsiteY10"/>
+                  </a:cxn>
+                  <a:cxn ang="0">
+                    <a:pos x="connsiteX11" y="connsiteY11"/>
+                  </a:cxn>
+                </a:cxnLst>
+                <a:rect l="l" t="t" r="r" b="b"/>
+                <a:pathLst>
+                  <a:path w="1071510" h="1297704">
+                    <a:moveTo>
+                      <a:pt x="49193" y="480002"/>
+                    </a:moveTo>
+                    <a:cubicBezTo>
+                      <a:pt x="46761" y="548906"/>
+                      <a:pt x="105127" y="668880"/>
+                      <a:pt x="97831" y="781559"/>
+                    </a:cubicBezTo>
+                    <a:cubicBezTo>
+                      <a:pt x="90535" y="894238"/>
+                      <a:pt x="-26197" y="1070146"/>
+                      <a:pt x="5418" y="1156074"/>
+                    </a:cubicBezTo>
+                    <a:cubicBezTo>
+                      <a:pt x="37033" y="1242002"/>
+                      <a:pt x="155387" y="1304421"/>
+                      <a:pt x="287521" y="1297125"/>
+                    </a:cubicBezTo>
+                    <a:cubicBezTo>
+                      <a:pt x="419655" y="1289829"/>
+                      <a:pt x="671764" y="1216872"/>
+                      <a:pt x="798223" y="1112300"/>
+                    </a:cubicBezTo>
+                    <a:cubicBezTo>
+                      <a:pt x="924683" y="1007728"/>
+                      <a:pt x="1008989" y="826144"/>
+                      <a:pt x="1046278" y="669691"/>
+                    </a:cubicBezTo>
+                    <a:cubicBezTo>
+                      <a:pt x="1083567" y="513238"/>
+                      <a:pt x="1082757" y="278152"/>
+                      <a:pt x="1021959" y="173580"/>
+                    </a:cubicBezTo>
+                    <a:cubicBezTo>
+                      <a:pt x="961161" y="69008"/>
+                      <a:pt x="807951" y="69008"/>
+                      <a:pt x="681491" y="42257"/>
+                    </a:cubicBezTo>
+                    <a:cubicBezTo>
+                      <a:pt x="555031" y="15506"/>
+                      <a:pt x="335348" y="-19351"/>
+                      <a:pt x="263201" y="13074"/>
+                    </a:cubicBezTo>
+                    <a:cubicBezTo>
+                      <a:pt x="191054" y="45499"/>
+                      <a:pt x="273740" y="177633"/>
+                      <a:pt x="248610" y="236810"/>
+                    </a:cubicBezTo>
+                    <a:cubicBezTo>
+                      <a:pt x="223480" y="295987"/>
+                      <a:pt x="147280" y="327602"/>
+                      <a:pt x="112423" y="368134"/>
+                    </a:cubicBezTo>
+                    <a:cubicBezTo>
+                      <a:pt x="77566" y="408666"/>
+                      <a:pt x="51625" y="411098"/>
+                      <a:pt x="49193" y="480002"/>
+                    </a:cubicBezTo>
+                    <a:close/>
+                  </a:path>
+                </a:pathLst>
+              </a:custGeom>
+              <a:solidFill>
+                <a:srgbClr val="FF9696"/>
+              </a:solidFill>
+              <a:ln>
+                <a:noFill/>
+              </a:ln>
+            </p:spPr>
+            <p:style>
+              <a:lnRef idx="2">
+                <a:schemeClr val="accent1">
+                  <a:shade val="50000"/>
+                </a:schemeClr>
+              </a:lnRef>
+              <a:fillRef idx="1">
+                <a:schemeClr val="accent1"/>
+              </a:fillRef>
+              <a:effectRef idx="0">
+                <a:schemeClr val="accent1"/>
+              </a:effectRef>
+              <a:fontRef idx="minor">
+                <a:schemeClr val="lt1"/>
+              </a:fontRef>
+            </p:style>
+            <p:txBody>
+              <a:bodyPr rtlCol="0" anchor="ctr"/>
+              <a:lstStyle/>
+              <a:p>
+                <a:pPr algn="ctr"/>
+                <a:endParaRPr lang="ko-KR" altLang="en-US"/>
+              </a:p>
+            </p:txBody>
+          </p:sp>
+          <p:sp>
+            <p:nvSpPr>
+              <p:cNvPr id="170" name="자유형 169"/>
+              <p:cNvSpPr/>
+              <p:nvPr/>
+            </p:nvSpPr>
+            <p:spPr>
+              <a:xfrm>
+                <a:off x="5811813" y="1443529"/>
+                <a:ext cx="1223500" cy="935169"/>
+              </a:xfrm>
+              <a:custGeom>
+                <a:avLst/>
+                <a:gdLst>
+                  <a:gd name="connsiteX0" fmla="*/ 214472 w 1396028"/>
+                  <a:gd name="connsiteY0" fmla="*/ 19816 h 1041504"/>
+                  <a:gd name="connsiteX1" fmla="*/ 939183 w 1396028"/>
+                  <a:gd name="connsiteY1" fmla="*/ 331101 h 1041504"/>
+                  <a:gd name="connsiteX2" fmla="*/ 1391519 w 1396028"/>
+                  <a:gd name="connsiteY2" fmla="*/ 812620 h 1041504"/>
+                  <a:gd name="connsiteX3" fmla="*/ 1158055 w 1396028"/>
+                  <a:gd name="connsiteY3" fmla="*/ 1002309 h 1041504"/>
+                  <a:gd name="connsiteX4" fmla="*/ 939183 w 1396028"/>
+                  <a:gd name="connsiteY4" fmla="*/ 939079 h 1041504"/>
+                  <a:gd name="connsiteX5" fmla="*/ 720310 w 1396028"/>
+                  <a:gd name="connsiteY5" fmla="*/ 1041220 h 1041504"/>
+                  <a:gd name="connsiteX6" fmla="*/ 170698 w 1396028"/>
+                  <a:gd name="connsiteY6" fmla="*/ 958535 h 1041504"/>
+                  <a:gd name="connsiteX7" fmla="*/ 29647 w 1396028"/>
+                  <a:gd name="connsiteY7" fmla="*/ 671569 h 1041504"/>
+                  <a:gd name="connsiteX8" fmla="*/ 15055 w 1396028"/>
+                  <a:gd name="connsiteY8" fmla="*/ 102501 h 1041504"/>
+                  <a:gd name="connsiteX9" fmla="*/ 214472 w 1396028"/>
+                  <a:gd name="connsiteY9" fmla="*/ 19816 h 1041504"/>
+                </a:gdLst>
+                <a:ahLst/>
+                <a:cxnLst>
+                  <a:cxn ang="0">
+                    <a:pos x="connsiteX0" y="connsiteY0"/>
+                  </a:cxn>
+                  <a:cxn ang="0">
+                    <a:pos x="connsiteX1" y="connsiteY1"/>
+                  </a:cxn>
+                  <a:cxn ang="0">
+                    <a:pos x="connsiteX2" y="connsiteY2"/>
+                  </a:cxn>
+                  <a:cxn ang="0">
+                    <a:pos x="connsiteX3" y="connsiteY3"/>
+                  </a:cxn>
+                  <a:cxn ang="0">
+                    <a:pos x="connsiteX4" y="connsiteY4"/>
+                  </a:cxn>
+                  <a:cxn ang="0">
+                    <a:pos x="connsiteX5" y="connsiteY5"/>
+                  </a:cxn>
+                  <a:cxn ang="0">
+                    <a:pos x="connsiteX6" y="connsiteY6"/>
+                  </a:cxn>
+                  <a:cxn ang="0">
+                    <a:pos x="connsiteX7" y="connsiteY7"/>
+                  </a:cxn>
+                  <a:cxn ang="0">
+                    <a:pos x="connsiteX8" y="connsiteY8"/>
+                  </a:cxn>
+                  <a:cxn ang="0">
+                    <a:pos x="connsiteX9" y="connsiteY9"/>
+                  </a:cxn>
+                </a:cxnLst>
+                <a:rect l="l" t="t" r="r" b="b"/>
+                <a:pathLst>
+                  <a:path w="1396028" h="1041504">
+                    <a:moveTo>
+                      <a:pt x="214472" y="19816"/>
+                    </a:moveTo>
+                    <a:cubicBezTo>
+                      <a:pt x="368493" y="57916"/>
+                      <a:pt x="743009" y="198967"/>
+                      <a:pt x="939183" y="331101"/>
+                    </a:cubicBezTo>
+                    <a:cubicBezTo>
+                      <a:pt x="1135357" y="463235"/>
+                      <a:pt x="1355040" y="700752"/>
+                      <a:pt x="1391519" y="812620"/>
+                    </a:cubicBezTo>
+                    <a:cubicBezTo>
+                      <a:pt x="1427998" y="924488"/>
+                      <a:pt x="1233444" y="981233"/>
+                      <a:pt x="1158055" y="1002309"/>
+                    </a:cubicBezTo>
+                    <a:cubicBezTo>
+                      <a:pt x="1082666" y="1023385"/>
+                      <a:pt x="1012140" y="932594"/>
+                      <a:pt x="939183" y="939079"/>
+                    </a:cubicBezTo>
+                    <a:cubicBezTo>
+                      <a:pt x="866226" y="945564"/>
+                      <a:pt x="848391" y="1037977"/>
+                      <a:pt x="720310" y="1041220"/>
+                    </a:cubicBezTo>
+                    <a:cubicBezTo>
+                      <a:pt x="592229" y="1044463"/>
+                      <a:pt x="285809" y="1020144"/>
+                      <a:pt x="170698" y="958535"/>
+                    </a:cubicBezTo>
+                    <a:cubicBezTo>
+                      <a:pt x="55587" y="896926"/>
+                      <a:pt x="55587" y="814241"/>
+                      <a:pt x="29647" y="671569"/>
+                    </a:cubicBezTo>
+                    <a:cubicBezTo>
+                      <a:pt x="3707" y="528897"/>
+                      <a:pt x="-14128" y="211937"/>
+                      <a:pt x="15055" y="102501"/>
+                    </a:cubicBezTo>
+                    <a:cubicBezTo>
+                      <a:pt x="44238" y="-6935"/>
+                      <a:pt x="60451" y="-18284"/>
+                      <a:pt x="214472" y="19816"/>
+                    </a:cubicBezTo>
+                    <a:close/>
+                  </a:path>
+                </a:pathLst>
+              </a:custGeom>
+              <a:solidFill>
+                <a:srgbClr val="FF9696"/>
+              </a:solidFill>
+              <a:ln>
+                <a:noFill/>
+              </a:ln>
+            </p:spPr>
+            <p:style>
+              <a:lnRef idx="2">
+                <a:schemeClr val="accent1">
+                  <a:shade val="50000"/>
+                </a:schemeClr>
+              </a:lnRef>
+              <a:fillRef idx="1">
+                <a:schemeClr val="accent1"/>
+              </a:fillRef>
+              <a:effectRef idx="0">
+                <a:schemeClr val="accent1"/>
+              </a:effectRef>
+              <a:fontRef idx="minor">
+                <a:schemeClr val="lt1"/>
+              </a:fontRef>
+            </p:style>
+            <p:txBody>
+              <a:bodyPr rtlCol="0" anchor="ctr"/>
+              <a:lstStyle/>
+              <a:p>
+                <a:pPr algn="ctr"/>
+                <a:endParaRPr lang="ko-KR" altLang="en-US"/>
+              </a:p>
+            </p:txBody>
+          </p:sp>
+          <p:sp>
+            <p:nvSpPr>
+              <p:cNvPr id="171" name="자유형 170"/>
+              <p:cNvSpPr/>
+              <p:nvPr/>
+            </p:nvSpPr>
+            <p:spPr>
+              <a:xfrm rot="278661">
+                <a:off x="6640711" y="2443209"/>
+                <a:ext cx="374565" cy="674731"/>
+              </a:xfrm>
+              <a:custGeom>
+                <a:avLst/>
+                <a:gdLst>
+                  <a:gd name="connsiteX0" fmla="*/ 112637 w 456171"/>
+                  <a:gd name="connsiteY0" fmla="*/ 696355 h 728806"/>
+                  <a:gd name="connsiteX1" fmla="*/ 433650 w 456171"/>
+                  <a:gd name="connsiteY1" fmla="*/ 336431 h 728806"/>
+                  <a:gd name="connsiteX2" fmla="*/ 409330 w 456171"/>
+                  <a:gd name="connsiteY2" fmla="*/ 10555 h 728806"/>
+                  <a:gd name="connsiteX3" fmla="*/ 248824 w 456171"/>
+                  <a:gd name="connsiteY3" fmla="*/ 83512 h 728806"/>
+                  <a:gd name="connsiteX4" fmla="*/ 49407 w 456171"/>
+                  <a:gd name="connsiteY4" fmla="*/ 122423 h 728806"/>
+                  <a:gd name="connsiteX5" fmla="*/ 769 w 456171"/>
+                  <a:gd name="connsiteY5" fmla="*/ 297521 h 728806"/>
+                  <a:gd name="connsiteX6" fmla="*/ 73726 w 456171"/>
+                  <a:gd name="connsiteY6" fmla="*/ 565031 h 728806"/>
+                  <a:gd name="connsiteX7" fmla="*/ 20224 w 456171"/>
+                  <a:gd name="connsiteY7" fmla="*/ 696355 h 728806"/>
+                  <a:gd name="connsiteX8" fmla="*/ 112637 w 456171"/>
+                  <a:gd name="connsiteY8" fmla="*/ 696355 h 728806"/>
+                </a:gdLst>
+                <a:ahLst/>
+                <a:cxnLst>
+                  <a:cxn ang="0">
+                    <a:pos x="connsiteX0" y="connsiteY0"/>
+                  </a:cxn>
+                  <a:cxn ang="0">
+                    <a:pos x="connsiteX1" y="connsiteY1"/>
+                  </a:cxn>
+                  <a:cxn ang="0">
+                    <a:pos x="connsiteX2" y="connsiteY2"/>
+                  </a:cxn>
+                  <a:cxn ang="0">
+                    <a:pos x="connsiteX3" y="connsiteY3"/>
+                  </a:cxn>
+                  <a:cxn ang="0">
+                    <a:pos x="connsiteX4" y="connsiteY4"/>
+                  </a:cxn>
+                  <a:cxn ang="0">
+                    <a:pos x="connsiteX5" y="connsiteY5"/>
+                  </a:cxn>
+                  <a:cxn ang="0">
+                    <a:pos x="connsiteX6" y="connsiteY6"/>
+                  </a:cxn>
+                  <a:cxn ang="0">
+                    <a:pos x="connsiteX7" y="connsiteY7"/>
+                  </a:cxn>
+                  <a:cxn ang="0">
+                    <a:pos x="connsiteX8" y="connsiteY8"/>
+                  </a:cxn>
+                </a:cxnLst>
+                <a:rect l="l" t="t" r="r" b="b"/>
+                <a:pathLst>
+                  <a:path w="456171" h="728806">
+                    <a:moveTo>
+                      <a:pt x="112637" y="696355"/>
+                    </a:moveTo>
+                    <a:cubicBezTo>
+                      <a:pt x="181541" y="636368"/>
+                      <a:pt x="384201" y="450731"/>
+                      <a:pt x="433650" y="336431"/>
+                    </a:cubicBezTo>
+                    <a:cubicBezTo>
+                      <a:pt x="483099" y="222131"/>
+                      <a:pt x="440134" y="52708"/>
+                      <a:pt x="409330" y="10555"/>
+                    </a:cubicBezTo>
+                    <a:cubicBezTo>
+                      <a:pt x="378526" y="-31598"/>
+                      <a:pt x="308811" y="64867"/>
+                      <a:pt x="248824" y="83512"/>
+                    </a:cubicBezTo>
+                    <a:cubicBezTo>
+                      <a:pt x="188837" y="102157"/>
+                      <a:pt x="90749" y="86755"/>
+                      <a:pt x="49407" y="122423"/>
+                    </a:cubicBezTo>
+                    <a:cubicBezTo>
+                      <a:pt x="8065" y="158091"/>
+                      <a:pt x="-3284" y="223753"/>
+                      <a:pt x="769" y="297521"/>
+                    </a:cubicBezTo>
+                    <a:cubicBezTo>
+                      <a:pt x="4822" y="371289"/>
+                      <a:pt x="70483" y="498559"/>
+                      <a:pt x="73726" y="565031"/>
+                    </a:cubicBezTo>
+                    <a:cubicBezTo>
+                      <a:pt x="76968" y="631503"/>
+                      <a:pt x="13739" y="673657"/>
+                      <a:pt x="20224" y="696355"/>
+                    </a:cubicBezTo>
+                    <a:cubicBezTo>
+                      <a:pt x="26709" y="719053"/>
+                      <a:pt x="43733" y="756342"/>
+                      <a:pt x="112637" y="696355"/>
+                    </a:cubicBezTo>
+                    <a:close/>
+                  </a:path>
+                </a:pathLst>
+              </a:custGeom>
+              <a:solidFill>
+                <a:srgbClr val="FF9696"/>
+              </a:solidFill>
+              <a:ln>
+                <a:noFill/>
+              </a:ln>
+            </p:spPr>
+            <p:style>
+              <a:lnRef idx="2">
+                <a:schemeClr val="accent1">
+                  <a:shade val="50000"/>
+                </a:schemeClr>
+              </a:lnRef>
+              <a:fillRef idx="1">
+                <a:schemeClr val="accent1"/>
+              </a:fillRef>
+              <a:effectRef idx="0">
+                <a:schemeClr val="accent1"/>
+              </a:effectRef>
+              <a:fontRef idx="minor">
+                <a:schemeClr val="lt1"/>
+              </a:fontRef>
+            </p:style>
+            <p:txBody>
+              <a:bodyPr rtlCol="0" anchor="ctr"/>
+              <a:lstStyle/>
+              <a:p>
+                <a:pPr algn="ctr"/>
+                <a:endParaRPr lang="ko-KR" altLang="en-US"/>
+              </a:p>
+            </p:txBody>
+          </p:sp>
+        </p:grpSp>
       </p:grpSp>
     </p:spTree>
     <p:extLst>
@@ -8786,6 +10475,2362 @@
     <p:extLst>
       <p:ext uri="{BB962C8B-B14F-4D97-AF65-F5344CB8AC3E}">
         <p14:creationId xmlns:p14="http://schemas.microsoft.com/office/powerpoint/2010/main" val="3638098237"/>
+      </p:ext>
+    </p:extLst>
+  </p:cSld>
+  <p:clrMapOvr>
+    <a:masterClrMapping/>
+  </p:clrMapOvr>
+</p:sld>
+</file>
+
+<file path=ppt/slides/slide5.xml><?xml version="1.0" encoding="utf-8"?>
+<p:sld xmlns:a="http://schemas.openxmlformats.org/drawingml/2006/main" xmlns:r="http://schemas.openxmlformats.org/officeDocument/2006/relationships" xmlns:p="http://schemas.openxmlformats.org/presentationml/2006/main">
+  <p:cSld>
+    <p:spTree>
+      <p:nvGrpSpPr>
+        <p:cNvPr id="1" name=""/>
+        <p:cNvGrpSpPr/>
+        <p:nvPr/>
+      </p:nvGrpSpPr>
+      <p:grpSpPr>
+        <a:xfrm>
+          <a:off x="0" y="0"/>
+          <a:ext cx="0" cy="0"/>
+          <a:chOff x="0" y="0"/>
+          <a:chExt cx="0" cy="0"/>
+        </a:xfrm>
+      </p:grpSpPr>
+      <p:grpSp>
+        <p:nvGrpSpPr>
+          <p:cNvPr id="15" name="그룹 14"/>
+          <p:cNvGrpSpPr>
+            <a:grpSpLocks noChangeAspect="1"/>
+          </p:cNvGrpSpPr>
+          <p:nvPr/>
+        </p:nvGrpSpPr>
+        <p:grpSpPr>
+          <a:xfrm>
+            <a:off x="3412309" y="580768"/>
+            <a:ext cx="1123603" cy="1322173"/>
+            <a:chOff x="3412309" y="580768"/>
+            <a:chExt cx="3307805" cy="3892379"/>
+          </a:xfrm>
+        </p:grpSpPr>
+        <p:sp>
+          <p:nvSpPr>
+            <p:cNvPr id="10" name="타원 9"/>
+            <p:cNvSpPr/>
+            <p:nvPr/>
+          </p:nvSpPr>
+          <p:spPr>
+            <a:xfrm>
+              <a:off x="4065373" y="2013171"/>
+              <a:ext cx="2162432" cy="2459976"/>
+            </a:xfrm>
+            <a:prstGeom prst="ellipse">
+              <a:avLst/>
+            </a:prstGeom>
+            <a:solidFill>
+              <a:schemeClr val="accent2">
+                <a:lumMod val="20000"/>
+                <a:lumOff val="80000"/>
+              </a:schemeClr>
+            </a:solidFill>
+            <a:ln>
+              <a:noFill/>
+            </a:ln>
+          </p:spPr>
+          <p:style>
+            <a:lnRef idx="2">
+              <a:schemeClr val="accent1">
+                <a:shade val="50000"/>
+              </a:schemeClr>
+            </a:lnRef>
+            <a:fillRef idx="1">
+              <a:schemeClr val="accent1"/>
+            </a:fillRef>
+            <a:effectRef idx="0">
+              <a:schemeClr val="accent1"/>
+            </a:effectRef>
+            <a:fontRef idx="minor">
+              <a:schemeClr val="lt1"/>
+            </a:fontRef>
+          </p:style>
+          <p:txBody>
+            <a:bodyPr rtlCol="0" anchor="ctr"/>
+            <a:lstStyle/>
+            <a:p>
+              <a:pPr algn="ctr"/>
+              <a:endParaRPr lang="ko-KR" altLang="en-US"/>
+            </a:p>
+          </p:txBody>
+        </p:sp>
+        <p:grpSp>
+          <p:nvGrpSpPr>
+            <p:cNvPr id="14" name="그룹 13"/>
+            <p:cNvGrpSpPr/>
+            <p:nvPr/>
+          </p:nvGrpSpPr>
+          <p:grpSpPr>
+            <a:xfrm>
+              <a:off x="3412309" y="580768"/>
+              <a:ext cx="3307805" cy="2481746"/>
+              <a:chOff x="3412309" y="105954"/>
+              <a:chExt cx="3307805" cy="2956560"/>
+            </a:xfrm>
+          </p:grpSpPr>
+          <p:sp>
+            <p:nvSpPr>
+              <p:cNvPr id="4" name="타원 3"/>
+              <p:cNvSpPr/>
+              <p:nvPr/>
+            </p:nvSpPr>
+            <p:spPr>
+              <a:xfrm>
+                <a:off x="5066726" y="105954"/>
+                <a:ext cx="1653388" cy="1591721"/>
+              </a:xfrm>
+              <a:prstGeom prst="ellipse">
+                <a:avLst/>
+              </a:prstGeom>
+              <a:solidFill>
+                <a:schemeClr val="bg1">
+                  <a:lumMod val="95000"/>
+                </a:schemeClr>
+              </a:solidFill>
+              <a:ln>
+                <a:noFill/>
+              </a:ln>
+            </p:spPr>
+            <p:style>
+              <a:lnRef idx="2">
+                <a:schemeClr val="accent1">
+                  <a:shade val="50000"/>
+                </a:schemeClr>
+              </a:lnRef>
+              <a:fillRef idx="1">
+                <a:schemeClr val="accent1"/>
+              </a:fillRef>
+              <a:effectRef idx="0">
+                <a:schemeClr val="accent1"/>
+              </a:effectRef>
+              <a:fontRef idx="minor">
+                <a:schemeClr val="lt1"/>
+              </a:fontRef>
+            </p:style>
+            <p:txBody>
+              <a:bodyPr rtlCol="0" anchor="ctr"/>
+              <a:lstStyle/>
+              <a:p>
+                <a:pPr algn="ctr"/>
+                <a:endParaRPr lang="ko-KR" altLang="en-US"/>
+              </a:p>
+            </p:txBody>
+          </p:sp>
+          <p:sp>
+            <p:nvSpPr>
+              <p:cNvPr id="5" name="타원 4"/>
+              <p:cNvSpPr/>
+              <p:nvPr/>
+            </p:nvSpPr>
+            <p:spPr>
+              <a:xfrm>
+                <a:off x="4319404" y="432728"/>
+                <a:ext cx="1493615" cy="1367212"/>
+              </a:xfrm>
+              <a:prstGeom prst="ellipse">
+                <a:avLst/>
+              </a:prstGeom>
+              <a:solidFill>
+                <a:schemeClr val="bg1">
+                  <a:lumMod val="95000"/>
+                </a:schemeClr>
+              </a:solidFill>
+              <a:ln>
+                <a:noFill/>
+              </a:ln>
+            </p:spPr>
+            <p:style>
+              <a:lnRef idx="2">
+                <a:schemeClr val="accent1">
+                  <a:shade val="50000"/>
+                </a:schemeClr>
+              </a:lnRef>
+              <a:fillRef idx="1">
+                <a:schemeClr val="accent1"/>
+              </a:fillRef>
+              <a:effectRef idx="0">
+                <a:schemeClr val="accent1"/>
+              </a:effectRef>
+              <a:fontRef idx="minor">
+                <a:schemeClr val="lt1"/>
+              </a:fontRef>
+            </p:style>
+            <p:txBody>
+              <a:bodyPr rtlCol="0" anchor="ctr"/>
+              <a:lstStyle/>
+              <a:p>
+                <a:pPr algn="ctr"/>
+                <a:endParaRPr lang="ko-KR" altLang="en-US"/>
+              </a:p>
+            </p:txBody>
+          </p:sp>
+          <p:sp>
+            <p:nvSpPr>
+              <p:cNvPr id="6" name="타원 5"/>
+              <p:cNvSpPr/>
+              <p:nvPr/>
+            </p:nvSpPr>
+            <p:spPr>
+              <a:xfrm>
+                <a:off x="3786487" y="626256"/>
+                <a:ext cx="1279725" cy="1173682"/>
+              </a:xfrm>
+              <a:prstGeom prst="ellipse">
+                <a:avLst/>
+              </a:prstGeom>
+              <a:solidFill>
+                <a:schemeClr val="bg1">
+                  <a:lumMod val="95000"/>
+                </a:schemeClr>
+              </a:solidFill>
+              <a:ln>
+                <a:noFill/>
+              </a:ln>
+            </p:spPr>
+            <p:style>
+              <a:lnRef idx="2">
+                <a:schemeClr val="accent1">
+                  <a:shade val="50000"/>
+                </a:schemeClr>
+              </a:lnRef>
+              <a:fillRef idx="1">
+                <a:schemeClr val="accent1"/>
+              </a:fillRef>
+              <a:effectRef idx="0">
+                <a:schemeClr val="accent1"/>
+              </a:effectRef>
+              <a:fontRef idx="minor">
+                <a:schemeClr val="lt1"/>
+              </a:fontRef>
+            </p:style>
+            <p:txBody>
+              <a:bodyPr rtlCol="0" anchor="ctr"/>
+              <a:lstStyle/>
+              <a:p>
+                <a:pPr algn="ctr"/>
+                <a:endParaRPr lang="ko-KR" altLang="en-US"/>
+              </a:p>
+            </p:txBody>
+          </p:sp>
+          <p:sp>
+            <p:nvSpPr>
+              <p:cNvPr id="7" name="타원 6"/>
+              <p:cNvSpPr/>
+              <p:nvPr/>
+            </p:nvSpPr>
+            <p:spPr>
+              <a:xfrm>
+                <a:off x="3412309" y="1098942"/>
+                <a:ext cx="1279725" cy="1173682"/>
+              </a:xfrm>
+              <a:prstGeom prst="ellipse">
+                <a:avLst/>
+              </a:prstGeom>
+              <a:solidFill>
+                <a:schemeClr val="bg1">
+                  <a:lumMod val="95000"/>
+                </a:schemeClr>
+              </a:solidFill>
+              <a:ln>
+                <a:noFill/>
+              </a:ln>
+            </p:spPr>
+            <p:style>
+              <a:lnRef idx="2">
+                <a:schemeClr val="accent1">
+                  <a:shade val="50000"/>
+                </a:schemeClr>
+              </a:lnRef>
+              <a:fillRef idx="1">
+                <a:schemeClr val="accent1"/>
+              </a:fillRef>
+              <a:effectRef idx="0">
+                <a:schemeClr val="accent1"/>
+              </a:effectRef>
+              <a:fontRef idx="minor">
+                <a:schemeClr val="lt1"/>
+              </a:fontRef>
+            </p:style>
+            <p:txBody>
+              <a:bodyPr rtlCol="0" anchor="ctr"/>
+              <a:lstStyle/>
+              <a:p>
+                <a:pPr algn="ctr"/>
+                <a:endParaRPr lang="ko-KR" altLang="en-US"/>
+              </a:p>
+            </p:txBody>
+          </p:sp>
+          <p:sp>
+            <p:nvSpPr>
+              <p:cNvPr id="8" name="직사각형 7"/>
+              <p:cNvSpPr/>
+              <p:nvPr/>
+            </p:nvSpPr>
+            <p:spPr>
+              <a:xfrm>
+                <a:off x="4065373" y="1506517"/>
+                <a:ext cx="2162432" cy="1555997"/>
+              </a:xfrm>
+              <a:prstGeom prst="rect">
+                <a:avLst/>
+              </a:prstGeom>
+              <a:solidFill>
+                <a:schemeClr val="bg1">
+                  <a:lumMod val="95000"/>
+                </a:schemeClr>
+              </a:solidFill>
+              <a:ln>
+                <a:noFill/>
+              </a:ln>
+            </p:spPr>
+            <p:style>
+              <a:lnRef idx="2">
+                <a:schemeClr val="accent1">
+                  <a:shade val="50000"/>
+                </a:schemeClr>
+              </a:lnRef>
+              <a:fillRef idx="1">
+                <a:schemeClr val="accent1"/>
+              </a:fillRef>
+              <a:effectRef idx="0">
+                <a:schemeClr val="accent1"/>
+              </a:effectRef>
+              <a:fontRef idx="minor">
+                <a:schemeClr val="lt1"/>
+              </a:fontRef>
+            </p:style>
+            <p:txBody>
+              <a:bodyPr rtlCol="0" anchor="ctr"/>
+              <a:lstStyle/>
+              <a:p>
+                <a:pPr algn="ctr"/>
+                <a:endParaRPr lang="ko-KR" altLang="en-US"/>
+              </a:p>
+            </p:txBody>
+          </p:sp>
+        </p:grpSp>
+        <p:sp>
+          <p:nvSpPr>
+            <p:cNvPr id="11" name="타원 10"/>
+            <p:cNvSpPr/>
+            <p:nvPr/>
+          </p:nvSpPr>
+          <p:spPr>
+            <a:xfrm>
+              <a:off x="4319404" y="3241184"/>
+              <a:ext cx="576000" cy="576000"/>
+            </a:xfrm>
+            <a:prstGeom prst="ellipse">
+              <a:avLst/>
+            </a:prstGeom>
+            <a:solidFill>
+              <a:schemeClr val="bg1"/>
+            </a:solidFill>
+            <a:ln w="38100">
+              <a:solidFill>
+                <a:schemeClr val="tx1"/>
+              </a:solidFill>
+            </a:ln>
+          </p:spPr>
+          <p:style>
+            <a:lnRef idx="2">
+              <a:schemeClr val="accent1">
+                <a:shade val="50000"/>
+              </a:schemeClr>
+            </a:lnRef>
+            <a:fillRef idx="1">
+              <a:schemeClr val="accent1"/>
+            </a:fillRef>
+            <a:effectRef idx="0">
+              <a:schemeClr val="accent1"/>
+            </a:effectRef>
+            <a:fontRef idx="minor">
+              <a:schemeClr val="lt1"/>
+            </a:fontRef>
+          </p:style>
+          <p:txBody>
+            <a:bodyPr rtlCol="0" anchor="ctr"/>
+            <a:lstStyle/>
+            <a:p>
+              <a:pPr algn="ctr"/>
+              <a:endParaRPr lang="ko-KR" altLang="en-US"/>
+            </a:p>
+          </p:txBody>
+        </p:sp>
+        <p:sp>
+          <p:nvSpPr>
+            <p:cNvPr id="12" name="타원 11"/>
+            <p:cNvSpPr/>
+            <p:nvPr/>
+          </p:nvSpPr>
+          <p:spPr>
+            <a:xfrm>
+              <a:off x="5415036" y="3241184"/>
+              <a:ext cx="576000" cy="576000"/>
+            </a:xfrm>
+            <a:prstGeom prst="ellipse">
+              <a:avLst/>
+            </a:prstGeom>
+            <a:solidFill>
+              <a:schemeClr val="bg1"/>
+            </a:solidFill>
+            <a:ln w="38100">
+              <a:solidFill>
+                <a:schemeClr val="tx1"/>
+              </a:solidFill>
+            </a:ln>
+          </p:spPr>
+          <p:style>
+            <a:lnRef idx="2">
+              <a:schemeClr val="accent1">
+                <a:shade val="50000"/>
+              </a:schemeClr>
+            </a:lnRef>
+            <a:fillRef idx="1">
+              <a:schemeClr val="accent1"/>
+            </a:fillRef>
+            <a:effectRef idx="0">
+              <a:schemeClr val="accent1"/>
+            </a:effectRef>
+            <a:fontRef idx="minor">
+              <a:schemeClr val="lt1"/>
+            </a:fontRef>
+          </p:style>
+          <p:txBody>
+            <a:bodyPr rtlCol="0" anchor="ctr"/>
+            <a:lstStyle/>
+            <a:p>
+              <a:pPr algn="ctr"/>
+              <a:endParaRPr lang="ko-KR" altLang="en-US"/>
+            </a:p>
+          </p:txBody>
+        </p:sp>
+        <p:sp>
+          <p:nvSpPr>
+            <p:cNvPr id="13" name="자유형 12"/>
+            <p:cNvSpPr/>
+            <p:nvPr/>
+          </p:nvSpPr>
+          <p:spPr>
+            <a:xfrm>
+              <a:off x="4897395" y="3480440"/>
+              <a:ext cx="518983" cy="65949"/>
+            </a:xfrm>
+            <a:custGeom>
+              <a:avLst/>
+              <a:gdLst>
+                <a:gd name="connsiteX0" fmla="*/ 0 w 518983"/>
+                <a:gd name="connsiteY0" fmla="*/ 65949 h 65949"/>
+                <a:gd name="connsiteX1" fmla="*/ 238897 w 518983"/>
+                <a:gd name="connsiteY1" fmla="*/ 46 h 65949"/>
+                <a:gd name="connsiteX2" fmla="*/ 518983 w 518983"/>
+                <a:gd name="connsiteY2" fmla="*/ 57711 h 65949"/>
+              </a:gdLst>
+              <a:ahLst/>
+              <a:cxnLst>
+                <a:cxn ang="0">
+                  <a:pos x="connsiteX0" y="connsiteY0"/>
+                </a:cxn>
+                <a:cxn ang="0">
+                  <a:pos x="connsiteX1" y="connsiteY1"/>
+                </a:cxn>
+                <a:cxn ang="0">
+                  <a:pos x="connsiteX2" y="connsiteY2"/>
+                </a:cxn>
+              </a:cxnLst>
+              <a:rect l="l" t="t" r="r" b="b"/>
+              <a:pathLst>
+                <a:path w="518983" h="65949">
+                  <a:moveTo>
+                    <a:pt x="0" y="65949"/>
+                  </a:moveTo>
+                  <a:cubicBezTo>
+                    <a:pt x="76200" y="33684"/>
+                    <a:pt x="152400" y="1419"/>
+                    <a:pt x="238897" y="46"/>
+                  </a:cubicBezTo>
+                  <a:cubicBezTo>
+                    <a:pt x="325394" y="-1327"/>
+                    <a:pt x="422188" y="28192"/>
+                    <a:pt x="518983" y="57711"/>
+                  </a:cubicBezTo>
+                </a:path>
+              </a:pathLst>
+            </a:custGeom>
+            <a:noFill/>
+            <a:ln w="38100">
+              <a:solidFill>
+                <a:schemeClr val="tx1"/>
+              </a:solidFill>
+            </a:ln>
+          </p:spPr>
+          <p:style>
+            <a:lnRef idx="2">
+              <a:schemeClr val="accent1">
+                <a:shade val="50000"/>
+              </a:schemeClr>
+            </a:lnRef>
+            <a:fillRef idx="1">
+              <a:schemeClr val="accent1"/>
+            </a:fillRef>
+            <a:effectRef idx="0">
+              <a:schemeClr val="accent1"/>
+            </a:effectRef>
+            <a:fontRef idx="minor">
+              <a:schemeClr val="lt1"/>
+            </a:fontRef>
+          </p:style>
+          <p:txBody>
+            <a:bodyPr rtlCol="0" anchor="ctr"/>
+            <a:lstStyle/>
+            <a:p>
+              <a:pPr algn="ctr"/>
+              <a:endParaRPr lang="ko-KR" altLang="en-US"/>
+            </a:p>
+          </p:txBody>
+        </p:sp>
+      </p:grpSp>
+      <p:grpSp>
+        <p:nvGrpSpPr>
+          <p:cNvPr id="16" name="그룹 15"/>
+          <p:cNvGrpSpPr/>
+          <p:nvPr/>
+        </p:nvGrpSpPr>
+        <p:grpSpPr>
+          <a:xfrm>
+            <a:off x="1269205" y="3076708"/>
+            <a:ext cx="1158398" cy="883417"/>
+            <a:chOff x="1269205" y="3076708"/>
+            <a:chExt cx="1158398" cy="883417"/>
+          </a:xfrm>
+        </p:grpSpPr>
+        <p:grpSp>
+          <p:nvGrpSpPr>
+            <p:cNvPr id="17" name="그룹 16"/>
+            <p:cNvGrpSpPr/>
+            <p:nvPr/>
+          </p:nvGrpSpPr>
+          <p:grpSpPr>
+            <a:xfrm>
+              <a:off x="1269205" y="3076708"/>
+              <a:ext cx="1158398" cy="519766"/>
+              <a:chOff x="3306253" y="846071"/>
+              <a:chExt cx="1537373" cy="585187"/>
+            </a:xfrm>
+          </p:grpSpPr>
+          <p:cxnSp>
+            <p:nvCxnSpPr>
+              <p:cNvPr id="27" name="직선 연결선 26"/>
+              <p:cNvCxnSpPr/>
+              <p:nvPr/>
+            </p:nvCxnSpPr>
+            <p:spPr>
+              <a:xfrm flipV="1">
+                <a:off x="3306253" y="1095481"/>
+                <a:ext cx="557983" cy="335777"/>
+              </a:xfrm>
+              <a:prstGeom prst="line">
+                <a:avLst/>
+              </a:prstGeom>
+              <a:ln w="127000" cap="sq">
+                <a:solidFill>
+                  <a:srgbClr val="00B050"/>
+                </a:solidFill>
+                <a:round/>
+              </a:ln>
+            </p:spPr>
+            <p:style>
+              <a:lnRef idx="1">
+                <a:schemeClr val="accent1"/>
+              </a:lnRef>
+              <a:fillRef idx="0">
+                <a:schemeClr val="accent1"/>
+              </a:fillRef>
+              <a:effectRef idx="0">
+                <a:schemeClr val="accent1"/>
+              </a:effectRef>
+              <a:fontRef idx="minor">
+                <a:schemeClr val="tx1"/>
+              </a:fontRef>
+            </p:style>
+          </p:cxnSp>
+          <p:cxnSp>
+            <p:nvCxnSpPr>
+              <p:cNvPr id="28" name="직선 연결선 27"/>
+              <p:cNvCxnSpPr/>
+              <p:nvPr/>
+            </p:nvCxnSpPr>
+            <p:spPr>
+              <a:xfrm>
+                <a:off x="3864238" y="1091687"/>
+                <a:ext cx="236851" cy="280492"/>
+              </a:xfrm>
+              <a:prstGeom prst="line">
+                <a:avLst/>
+              </a:prstGeom>
+              <a:ln w="127000" cap="sq">
+                <a:solidFill>
+                  <a:srgbClr val="00B050"/>
+                </a:solidFill>
+                <a:round/>
+              </a:ln>
+            </p:spPr>
+            <p:style>
+              <a:lnRef idx="1">
+                <a:schemeClr val="accent1"/>
+              </a:lnRef>
+              <a:fillRef idx="0">
+                <a:schemeClr val="accent1"/>
+              </a:fillRef>
+              <a:effectRef idx="0">
+                <a:schemeClr val="accent1"/>
+              </a:effectRef>
+              <a:fontRef idx="minor">
+                <a:schemeClr val="tx1"/>
+              </a:fontRef>
+            </p:style>
+          </p:cxnSp>
+          <p:cxnSp>
+            <p:nvCxnSpPr>
+              <p:cNvPr id="29" name="직선 화살표 연결선 28"/>
+              <p:cNvCxnSpPr/>
+              <p:nvPr/>
+            </p:nvCxnSpPr>
+            <p:spPr>
+              <a:xfrm flipV="1">
+                <a:off x="4101089" y="846071"/>
+                <a:ext cx="742537" cy="526108"/>
+              </a:xfrm>
+              <a:prstGeom prst="straightConnector1">
+                <a:avLst/>
+              </a:prstGeom>
+              <a:ln w="127000" cap="sq">
+                <a:solidFill>
+                  <a:srgbClr val="00B050"/>
+                </a:solidFill>
+                <a:round/>
+                <a:tailEnd type="triangle"/>
+              </a:ln>
+            </p:spPr>
+            <p:style>
+              <a:lnRef idx="1">
+                <a:schemeClr val="accent1"/>
+              </a:lnRef>
+              <a:fillRef idx="0">
+                <a:schemeClr val="accent1"/>
+              </a:fillRef>
+              <a:effectRef idx="0">
+                <a:schemeClr val="accent1"/>
+              </a:effectRef>
+              <a:fontRef idx="minor">
+                <a:schemeClr val="tx1"/>
+              </a:fontRef>
+            </p:style>
+          </p:cxnSp>
+        </p:grpSp>
+        <p:grpSp>
+          <p:nvGrpSpPr>
+            <p:cNvPr id="18" name="그룹 17"/>
+            <p:cNvGrpSpPr/>
+            <p:nvPr/>
+          </p:nvGrpSpPr>
+          <p:grpSpPr>
+            <a:xfrm>
+              <a:off x="1467439" y="3339460"/>
+              <a:ext cx="592824" cy="620665"/>
+              <a:chOff x="3619500" y="1206500"/>
+              <a:chExt cx="889000" cy="898525"/>
+            </a:xfrm>
+          </p:grpSpPr>
+          <p:sp>
+            <p:nvSpPr>
+              <p:cNvPr id="19" name="이등변 삼각형 18"/>
+              <p:cNvSpPr/>
+              <p:nvPr/>
+            </p:nvSpPr>
+            <p:spPr>
+              <a:xfrm>
+                <a:off x="3619500" y="1250156"/>
+                <a:ext cx="889000" cy="447675"/>
+              </a:xfrm>
+              <a:prstGeom prst="triangle">
+                <a:avLst/>
+              </a:prstGeom>
+              <a:solidFill>
+                <a:schemeClr val="bg1">
+                  <a:lumMod val="85000"/>
+                </a:schemeClr>
+              </a:solidFill>
+              <a:ln>
+                <a:noFill/>
+              </a:ln>
+            </p:spPr>
+            <p:style>
+              <a:lnRef idx="2">
+                <a:schemeClr val="accent1">
+                  <a:shade val="50000"/>
+                </a:schemeClr>
+              </a:lnRef>
+              <a:fillRef idx="1">
+                <a:schemeClr val="accent1"/>
+              </a:fillRef>
+              <a:effectRef idx="0">
+                <a:schemeClr val="accent1"/>
+              </a:effectRef>
+              <a:fontRef idx="minor">
+                <a:schemeClr val="lt1"/>
+              </a:fontRef>
+            </p:style>
+            <p:txBody>
+              <a:bodyPr rtlCol="0" anchor="ctr"/>
+              <a:lstStyle/>
+              <a:p>
+                <a:pPr algn="ctr"/>
+                <a:endParaRPr lang="ko-KR" altLang="en-US"/>
+              </a:p>
+            </p:txBody>
+          </p:sp>
+          <p:sp>
+            <p:nvSpPr>
+              <p:cNvPr id="20" name="모서리가 둥근 직사각형 19"/>
+              <p:cNvSpPr/>
+              <p:nvPr/>
+            </p:nvSpPr>
+            <p:spPr>
+              <a:xfrm>
+                <a:off x="3619500" y="1625600"/>
+                <a:ext cx="889000" cy="479425"/>
+              </a:xfrm>
+              <a:prstGeom prst="roundRect">
+                <a:avLst>
+                  <a:gd name="adj" fmla="val 12694"/>
+                </a:avLst>
+              </a:prstGeom>
+              <a:solidFill>
+                <a:srgbClr val="D9D9D9"/>
+              </a:solidFill>
+              <a:ln>
+                <a:noFill/>
+              </a:ln>
+            </p:spPr>
+            <p:style>
+              <a:lnRef idx="2">
+                <a:schemeClr val="accent1">
+                  <a:shade val="50000"/>
+                </a:schemeClr>
+              </a:lnRef>
+              <a:fillRef idx="1">
+                <a:schemeClr val="accent1"/>
+              </a:fillRef>
+              <a:effectRef idx="0">
+                <a:schemeClr val="accent1"/>
+              </a:effectRef>
+              <a:fontRef idx="minor">
+                <a:schemeClr val="lt1"/>
+              </a:fontRef>
+            </p:style>
+            <p:txBody>
+              <a:bodyPr rtlCol="0" anchor="ctr"/>
+              <a:lstStyle/>
+              <a:p>
+                <a:pPr algn="ctr"/>
+                <a:endParaRPr lang="ko-KR" altLang="en-US"/>
+              </a:p>
+            </p:txBody>
+          </p:sp>
+          <p:grpSp>
+            <p:nvGrpSpPr>
+              <p:cNvPr id="21" name="그룹 20"/>
+              <p:cNvGrpSpPr/>
+              <p:nvPr/>
+            </p:nvGrpSpPr>
+            <p:grpSpPr>
+              <a:xfrm>
+                <a:off x="3619500" y="1206500"/>
+                <a:ext cx="889000" cy="419100"/>
+                <a:chOff x="3619500" y="1206500"/>
+                <a:chExt cx="3600000" cy="1440000"/>
+              </a:xfrm>
+            </p:grpSpPr>
+            <p:cxnSp>
+              <p:nvCxnSpPr>
+                <p:cNvPr id="25" name="직선 연결선 24"/>
+                <p:cNvCxnSpPr/>
+                <p:nvPr/>
+              </p:nvCxnSpPr>
+              <p:spPr>
+                <a:xfrm flipV="1">
+                  <a:off x="3619500" y="1206500"/>
+                  <a:ext cx="1800000" cy="1440000"/>
+                </a:xfrm>
+                <a:prstGeom prst="line">
+                  <a:avLst/>
+                </a:prstGeom>
+                <a:ln w="190500" cap="rnd">
+                  <a:solidFill>
+                    <a:srgbClr val="B80000"/>
+                  </a:solidFill>
+                  <a:round/>
+                </a:ln>
+              </p:spPr>
+              <p:style>
+                <a:lnRef idx="1">
+                  <a:schemeClr val="accent1"/>
+                </a:lnRef>
+                <a:fillRef idx="0">
+                  <a:schemeClr val="accent1"/>
+                </a:fillRef>
+                <a:effectRef idx="0">
+                  <a:schemeClr val="accent1"/>
+                </a:effectRef>
+                <a:fontRef idx="minor">
+                  <a:schemeClr val="tx1"/>
+                </a:fontRef>
+              </p:style>
+            </p:cxnSp>
+            <p:cxnSp>
+              <p:nvCxnSpPr>
+                <p:cNvPr id="26" name="직선 연결선 25"/>
+                <p:cNvCxnSpPr/>
+                <p:nvPr/>
+              </p:nvCxnSpPr>
+              <p:spPr>
+                <a:xfrm>
+                  <a:off x="5419500" y="1206500"/>
+                  <a:ext cx="1800000" cy="1440000"/>
+                </a:xfrm>
+                <a:prstGeom prst="line">
+                  <a:avLst/>
+                </a:prstGeom>
+                <a:ln w="190500" cap="rnd">
+                  <a:solidFill>
+                    <a:srgbClr val="B80000"/>
+                  </a:solidFill>
+                  <a:round/>
+                </a:ln>
+              </p:spPr>
+              <p:style>
+                <a:lnRef idx="1">
+                  <a:schemeClr val="accent1"/>
+                </a:lnRef>
+                <a:fillRef idx="0">
+                  <a:schemeClr val="accent1"/>
+                </a:fillRef>
+                <a:effectRef idx="0">
+                  <a:schemeClr val="accent1"/>
+                </a:effectRef>
+                <a:fontRef idx="minor">
+                  <a:schemeClr val="tx1"/>
+                </a:fontRef>
+              </p:style>
+            </p:cxnSp>
+          </p:grpSp>
+          <p:sp>
+            <p:nvSpPr>
+              <p:cNvPr id="22" name="직사각형 21"/>
+              <p:cNvSpPr/>
+              <p:nvPr/>
+            </p:nvSpPr>
+            <p:spPr>
+              <a:xfrm>
+                <a:off x="3752850" y="1747837"/>
+                <a:ext cx="245269" cy="357188"/>
+              </a:xfrm>
+              <a:prstGeom prst="rect">
+                <a:avLst/>
+              </a:prstGeom>
+              <a:solidFill>
+                <a:schemeClr val="bg1">
+                  <a:lumMod val="50000"/>
+                </a:schemeClr>
+              </a:solidFill>
+              <a:ln>
+                <a:noFill/>
+              </a:ln>
+            </p:spPr>
+            <p:style>
+              <a:lnRef idx="2">
+                <a:schemeClr val="accent1">
+                  <a:shade val="50000"/>
+                </a:schemeClr>
+              </a:lnRef>
+              <a:fillRef idx="1">
+                <a:schemeClr val="accent1"/>
+              </a:fillRef>
+              <a:effectRef idx="0">
+                <a:schemeClr val="accent1"/>
+              </a:effectRef>
+              <a:fontRef idx="minor">
+                <a:schemeClr val="lt1"/>
+              </a:fontRef>
+            </p:style>
+            <p:txBody>
+              <a:bodyPr rtlCol="0" anchor="ctr"/>
+              <a:lstStyle/>
+              <a:p>
+                <a:pPr algn="ctr"/>
+                <a:endParaRPr lang="ko-KR" altLang="en-US"/>
+              </a:p>
+            </p:txBody>
+          </p:sp>
+          <p:sp>
+            <p:nvSpPr>
+              <p:cNvPr id="23" name="타원 22"/>
+              <p:cNvSpPr/>
+              <p:nvPr/>
+            </p:nvSpPr>
+            <p:spPr>
+              <a:xfrm>
+                <a:off x="3902868" y="1890431"/>
+                <a:ext cx="72000" cy="72000"/>
+              </a:xfrm>
+              <a:prstGeom prst="ellipse">
+                <a:avLst/>
+              </a:prstGeom>
+              <a:solidFill>
+                <a:schemeClr val="accent4">
+                  <a:lumMod val="75000"/>
+                </a:schemeClr>
+              </a:solidFill>
+              <a:ln>
+                <a:noFill/>
+              </a:ln>
+            </p:spPr>
+            <p:style>
+              <a:lnRef idx="2">
+                <a:schemeClr val="accent1">
+                  <a:shade val="50000"/>
+                </a:schemeClr>
+              </a:lnRef>
+              <a:fillRef idx="1">
+                <a:schemeClr val="accent1"/>
+              </a:fillRef>
+              <a:effectRef idx="0">
+                <a:schemeClr val="accent1"/>
+              </a:effectRef>
+              <a:fontRef idx="minor">
+                <a:schemeClr val="lt1"/>
+              </a:fontRef>
+            </p:style>
+            <p:txBody>
+              <a:bodyPr rtlCol="0" anchor="ctr"/>
+              <a:lstStyle/>
+              <a:p>
+                <a:pPr algn="ctr"/>
+                <a:endParaRPr lang="ko-KR" altLang="en-US"/>
+              </a:p>
+            </p:txBody>
+          </p:sp>
+          <p:sp>
+            <p:nvSpPr>
+              <p:cNvPr id="24" name="모서리가 둥근 직사각형 23"/>
+              <p:cNvSpPr/>
+              <p:nvPr/>
+            </p:nvSpPr>
+            <p:spPr>
+              <a:xfrm>
+                <a:off x="4131469" y="1669256"/>
+                <a:ext cx="252000" cy="252000"/>
+              </a:xfrm>
+              <a:prstGeom prst="roundRect">
+                <a:avLst/>
+              </a:prstGeom>
+              <a:solidFill>
+                <a:schemeClr val="accent1">
+                  <a:lumMod val="60000"/>
+                  <a:lumOff val="40000"/>
+                </a:schemeClr>
+              </a:solidFill>
+              <a:ln>
+                <a:solidFill>
+                  <a:schemeClr val="tx1">
+                    <a:lumMod val="65000"/>
+                    <a:lumOff val="35000"/>
+                  </a:schemeClr>
+                </a:solidFill>
+              </a:ln>
+            </p:spPr>
+            <p:style>
+              <a:lnRef idx="2">
+                <a:schemeClr val="accent1">
+                  <a:shade val="50000"/>
+                </a:schemeClr>
+              </a:lnRef>
+              <a:fillRef idx="1">
+                <a:schemeClr val="accent1"/>
+              </a:fillRef>
+              <a:effectRef idx="0">
+                <a:schemeClr val="accent1"/>
+              </a:effectRef>
+              <a:fontRef idx="minor">
+                <a:schemeClr val="lt1"/>
+              </a:fontRef>
+            </p:style>
+            <p:txBody>
+              <a:bodyPr rtlCol="0" anchor="ctr"/>
+              <a:lstStyle/>
+              <a:p>
+                <a:pPr algn="ctr"/>
+                <a:endParaRPr lang="ko-KR" altLang="en-US"/>
+              </a:p>
+            </p:txBody>
+          </p:sp>
+        </p:grpSp>
+      </p:grpSp>
+      <p:grpSp>
+        <p:nvGrpSpPr>
+          <p:cNvPr id="30" name="그룹 29"/>
+          <p:cNvGrpSpPr/>
+          <p:nvPr/>
+        </p:nvGrpSpPr>
+        <p:grpSpPr>
+          <a:xfrm>
+            <a:off x="1467439" y="768319"/>
+            <a:ext cx="1408015" cy="1432291"/>
+            <a:chOff x="2363122" y="861800"/>
+            <a:chExt cx="1408015" cy="1432291"/>
+          </a:xfrm>
+        </p:grpSpPr>
+        <p:pic>
+          <p:nvPicPr>
+            <p:cNvPr id="31" name="그림 30"/>
+            <p:cNvPicPr>
+              <a:picLocks noChangeAspect="1"/>
+            </p:cNvPicPr>
+            <p:nvPr/>
+          </p:nvPicPr>
+          <p:blipFill rotWithShape="1">
+            <a:blip r:embed="rId2">
+              <a:extLst>
+                <a:ext uri="{28A0092B-C50C-407E-A947-70E740481C1C}">
+                  <a14:useLocalDpi xmlns:a14="http://schemas.microsoft.com/office/drawing/2010/main" val="0"/>
+                </a:ext>
+              </a:extLst>
+            </a:blip>
+            <a:srcRect l="11286" t="14561" r="7083" b="8986"/>
+            <a:stretch/>
+          </p:blipFill>
+          <p:spPr>
+            <a:xfrm>
+              <a:off x="2597543" y="995320"/>
+              <a:ext cx="995322" cy="1165253"/>
+            </a:xfrm>
+            <a:prstGeom prst="rect">
+              <a:avLst/>
+            </a:prstGeom>
+          </p:spPr>
+        </p:pic>
+        <p:sp>
+          <p:nvSpPr>
+            <p:cNvPr id="32" name="타원 31"/>
+            <p:cNvSpPr/>
+            <p:nvPr/>
+          </p:nvSpPr>
+          <p:spPr>
+            <a:xfrm>
+              <a:off x="2363122" y="861800"/>
+              <a:ext cx="1408015" cy="1432291"/>
+            </a:xfrm>
+            <a:prstGeom prst="ellipse">
+              <a:avLst/>
+            </a:prstGeom>
+            <a:noFill/>
+            <a:ln w="127000">
+              <a:solidFill>
+                <a:srgbClr val="FF0000"/>
+              </a:solidFill>
+            </a:ln>
+          </p:spPr>
+          <p:style>
+            <a:lnRef idx="2">
+              <a:schemeClr val="accent1">
+                <a:shade val="50000"/>
+              </a:schemeClr>
+            </a:lnRef>
+            <a:fillRef idx="1">
+              <a:schemeClr val="accent1"/>
+            </a:fillRef>
+            <a:effectRef idx="0">
+              <a:schemeClr val="accent1"/>
+            </a:effectRef>
+            <a:fontRef idx="minor">
+              <a:schemeClr val="lt1"/>
+            </a:fontRef>
+          </p:style>
+          <p:txBody>
+            <a:bodyPr rtlCol="0" anchor="ctr"/>
+            <a:lstStyle/>
+            <a:p>
+              <a:pPr algn="ctr"/>
+              <a:endParaRPr lang="ko-KR" altLang="en-US"/>
+            </a:p>
+          </p:txBody>
+        </p:sp>
+        <p:cxnSp>
+          <p:nvCxnSpPr>
+            <p:cNvPr id="33" name="직선 연결선 32"/>
+            <p:cNvCxnSpPr>
+              <a:stCxn id="32" idx="2"/>
+            </p:cNvCxnSpPr>
+            <p:nvPr/>
+          </p:nvCxnSpPr>
+          <p:spPr>
+            <a:xfrm>
+              <a:off x="2363122" y="1577946"/>
+              <a:ext cx="436225" cy="0"/>
+            </a:xfrm>
+            <a:prstGeom prst="line">
+              <a:avLst/>
+            </a:prstGeom>
+            <a:ln w="127000" cap="rnd">
+              <a:solidFill>
+                <a:srgbClr val="FF0000"/>
+              </a:solidFill>
+            </a:ln>
+          </p:spPr>
+          <p:style>
+            <a:lnRef idx="1">
+              <a:schemeClr val="accent1"/>
+            </a:lnRef>
+            <a:fillRef idx="0">
+              <a:schemeClr val="accent1"/>
+            </a:fillRef>
+            <a:effectRef idx="0">
+              <a:schemeClr val="accent1"/>
+            </a:effectRef>
+            <a:fontRef idx="minor">
+              <a:schemeClr val="tx1"/>
+            </a:fontRef>
+          </p:style>
+        </p:cxnSp>
+        <p:cxnSp>
+          <p:nvCxnSpPr>
+            <p:cNvPr id="34" name="직선 연결선 33"/>
+            <p:cNvCxnSpPr/>
+            <p:nvPr/>
+          </p:nvCxnSpPr>
+          <p:spPr>
+            <a:xfrm>
+              <a:off x="3309040" y="1583765"/>
+              <a:ext cx="436225" cy="0"/>
+            </a:xfrm>
+            <a:prstGeom prst="line">
+              <a:avLst/>
+            </a:prstGeom>
+            <a:ln w="127000" cap="rnd">
+              <a:solidFill>
+                <a:srgbClr val="FF0000"/>
+              </a:solidFill>
+            </a:ln>
+          </p:spPr>
+          <p:style>
+            <a:lnRef idx="1">
+              <a:schemeClr val="accent1"/>
+            </a:lnRef>
+            <a:fillRef idx="0">
+              <a:schemeClr val="accent1"/>
+            </a:fillRef>
+            <a:effectRef idx="0">
+              <a:schemeClr val="accent1"/>
+            </a:effectRef>
+            <a:fontRef idx="minor">
+              <a:schemeClr val="tx1"/>
+            </a:fontRef>
+          </p:style>
+        </p:cxnSp>
+        <p:cxnSp>
+          <p:nvCxnSpPr>
+            <p:cNvPr id="35" name="직선 연결선 34"/>
+            <p:cNvCxnSpPr/>
+            <p:nvPr/>
+          </p:nvCxnSpPr>
+          <p:spPr>
+            <a:xfrm>
+              <a:off x="3067129" y="886643"/>
+              <a:ext cx="0" cy="435600"/>
+            </a:xfrm>
+            <a:prstGeom prst="line">
+              <a:avLst/>
+            </a:prstGeom>
+            <a:ln w="127000" cap="rnd">
+              <a:solidFill>
+                <a:srgbClr val="FF0000"/>
+              </a:solidFill>
+            </a:ln>
+          </p:spPr>
+          <p:style>
+            <a:lnRef idx="1">
+              <a:schemeClr val="accent1"/>
+            </a:lnRef>
+            <a:fillRef idx="0">
+              <a:schemeClr val="accent1"/>
+            </a:fillRef>
+            <a:effectRef idx="0">
+              <a:schemeClr val="accent1"/>
+            </a:effectRef>
+            <a:fontRef idx="minor">
+              <a:schemeClr val="tx1"/>
+            </a:fontRef>
+          </p:style>
+        </p:cxnSp>
+        <p:cxnSp>
+          <p:nvCxnSpPr>
+            <p:cNvPr id="36" name="직선 연결선 35"/>
+            <p:cNvCxnSpPr/>
+            <p:nvPr/>
+          </p:nvCxnSpPr>
+          <p:spPr>
+            <a:xfrm>
+              <a:off x="3062195" y="1809064"/>
+              <a:ext cx="0" cy="435600"/>
+            </a:xfrm>
+            <a:prstGeom prst="line">
+              <a:avLst/>
+            </a:prstGeom>
+            <a:ln w="127000" cap="rnd">
+              <a:solidFill>
+                <a:srgbClr val="FF0000"/>
+              </a:solidFill>
+            </a:ln>
+          </p:spPr>
+          <p:style>
+            <a:lnRef idx="1">
+              <a:schemeClr val="accent1"/>
+            </a:lnRef>
+            <a:fillRef idx="0">
+              <a:schemeClr val="accent1"/>
+            </a:fillRef>
+            <a:effectRef idx="0">
+              <a:schemeClr val="accent1"/>
+            </a:effectRef>
+            <a:fontRef idx="minor">
+              <a:schemeClr val="tx1"/>
+            </a:fontRef>
+          </p:style>
+        </p:cxnSp>
+        <p:sp>
+          <p:nvSpPr>
+            <p:cNvPr id="37" name="타원 36"/>
+            <p:cNvSpPr/>
+            <p:nvPr/>
+          </p:nvSpPr>
+          <p:spPr>
+            <a:xfrm>
+              <a:off x="2990195" y="1505945"/>
+              <a:ext cx="144000" cy="144000"/>
+            </a:xfrm>
+            <a:prstGeom prst="ellipse">
+              <a:avLst/>
+            </a:prstGeom>
+            <a:solidFill>
+              <a:srgbClr val="FF0000"/>
+            </a:solidFill>
+            <a:ln>
+              <a:noFill/>
+            </a:ln>
+          </p:spPr>
+          <p:style>
+            <a:lnRef idx="2">
+              <a:schemeClr val="accent1">
+                <a:shade val="50000"/>
+              </a:schemeClr>
+            </a:lnRef>
+            <a:fillRef idx="1">
+              <a:schemeClr val="accent1"/>
+            </a:fillRef>
+            <a:effectRef idx="0">
+              <a:schemeClr val="accent1"/>
+            </a:effectRef>
+            <a:fontRef idx="minor">
+              <a:schemeClr val="lt1"/>
+            </a:fontRef>
+          </p:style>
+          <p:txBody>
+            <a:bodyPr rtlCol="0" anchor="ctr"/>
+            <a:lstStyle/>
+            <a:p>
+              <a:pPr algn="ctr"/>
+              <a:endParaRPr lang="ko-KR" altLang="en-US"/>
+            </a:p>
+          </p:txBody>
+        </p:sp>
+      </p:grpSp>
+    </p:spTree>
+    <p:extLst>
+      <p:ext uri="{BB962C8B-B14F-4D97-AF65-F5344CB8AC3E}">
+        <p14:creationId xmlns:p14="http://schemas.microsoft.com/office/powerpoint/2010/main" val="2869252117"/>
+      </p:ext>
+    </p:extLst>
+  </p:cSld>
+  <p:clrMapOvr>
+    <a:masterClrMapping/>
+  </p:clrMapOvr>
+</p:sld>
+</file>
+
+<file path=ppt/slides/slide6.xml><?xml version="1.0" encoding="utf-8"?>
+<p:sld xmlns:a="http://schemas.openxmlformats.org/drawingml/2006/main" xmlns:r="http://schemas.openxmlformats.org/officeDocument/2006/relationships" xmlns:p="http://schemas.openxmlformats.org/presentationml/2006/main">
+  <p:cSld>
+    <p:spTree>
+      <p:nvGrpSpPr>
+        <p:cNvPr id="1" name=""/>
+        <p:cNvGrpSpPr/>
+        <p:nvPr/>
+      </p:nvGrpSpPr>
+      <p:grpSpPr>
+        <a:xfrm>
+          <a:off x="0" y="0"/>
+          <a:ext cx="0" cy="0"/>
+          <a:chOff x="0" y="0"/>
+          <a:chExt cx="0" cy="0"/>
+        </a:xfrm>
+      </p:grpSpPr>
+      <p:grpSp>
+        <p:nvGrpSpPr>
+          <p:cNvPr id="24" name="그룹 23"/>
+          <p:cNvGrpSpPr>
+            <a:grpSpLocks noChangeAspect="1"/>
+          </p:cNvGrpSpPr>
+          <p:nvPr/>
+        </p:nvGrpSpPr>
+        <p:grpSpPr>
+          <a:xfrm>
+            <a:off x="3874406" y="187938"/>
+            <a:ext cx="1384049" cy="1155673"/>
+            <a:chOff x="3874405" y="187938"/>
+            <a:chExt cx="4408929" cy="3681430"/>
+          </a:xfrm>
+        </p:grpSpPr>
+        <p:sp>
+          <p:nvSpPr>
+            <p:cNvPr id="23" name="아래쪽 화살표 22"/>
+            <p:cNvSpPr/>
+            <p:nvPr/>
+          </p:nvSpPr>
+          <p:spPr>
+            <a:xfrm rot="10800000">
+              <a:off x="6317937" y="187938"/>
+              <a:ext cx="1965397" cy="2690210"/>
+            </a:xfrm>
+            <a:prstGeom prst="downArrow">
+              <a:avLst/>
+            </a:prstGeom>
+            <a:solidFill>
+              <a:srgbClr val="FF0000"/>
+            </a:solidFill>
+            <a:ln>
+              <a:noFill/>
+            </a:ln>
+          </p:spPr>
+          <p:style>
+            <a:lnRef idx="2">
+              <a:schemeClr val="accent1">
+                <a:shade val="50000"/>
+              </a:schemeClr>
+            </a:lnRef>
+            <a:fillRef idx="1">
+              <a:schemeClr val="accent1"/>
+            </a:fillRef>
+            <a:effectRef idx="0">
+              <a:schemeClr val="accent1"/>
+            </a:effectRef>
+            <a:fontRef idx="minor">
+              <a:schemeClr val="lt1"/>
+            </a:fontRef>
+          </p:style>
+          <p:txBody>
+            <a:bodyPr rtlCol="0" anchor="ctr"/>
+            <a:lstStyle/>
+            <a:p>
+              <a:pPr algn="ctr"/>
+              <a:endParaRPr lang="ko-KR" altLang="en-US"/>
+            </a:p>
+          </p:txBody>
+        </p:sp>
+        <p:grpSp>
+          <p:nvGrpSpPr>
+            <p:cNvPr id="22" name="그룹 21"/>
+            <p:cNvGrpSpPr/>
+            <p:nvPr/>
+          </p:nvGrpSpPr>
+          <p:grpSpPr>
+            <a:xfrm>
+              <a:off x="3874405" y="1032313"/>
+              <a:ext cx="3557265" cy="2837055"/>
+              <a:chOff x="3874405" y="1032313"/>
+              <a:chExt cx="3557265" cy="2837055"/>
+            </a:xfrm>
+          </p:grpSpPr>
+          <p:sp>
+            <p:nvSpPr>
+              <p:cNvPr id="16" name="자유형 15"/>
+              <p:cNvSpPr/>
+              <p:nvPr/>
+            </p:nvSpPr>
+            <p:spPr>
+              <a:xfrm>
+                <a:off x="3874405" y="1032313"/>
+                <a:ext cx="3557265" cy="2837055"/>
+              </a:xfrm>
+              <a:custGeom>
+                <a:avLst/>
+                <a:gdLst>
+                  <a:gd name="connsiteX0" fmla="*/ 1522086 w 3557265"/>
+                  <a:gd name="connsiteY0" fmla="*/ 35496 h 2837055"/>
+                  <a:gd name="connsiteX1" fmla="*/ 444848 w 3557265"/>
+                  <a:gd name="connsiteY1" fmla="*/ 448855 h 2837055"/>
+                  <a:gd name="connsiteX2" fmla="*/ 31489 w 3557265"/>
+                  <a:gd name="connsiteY2" fmla="*/ 1375781 h 2837055"/>
+                  <a:gd name="connsiteX3" fmla="*/ 144223 w 3557265"/>
+                  <a:gd name="connsiteY3" fmla="*/ 2139869 h 2837055"/>
+                  <a:gd name="connsiteX4" fmla="*/ 1058623 w 3557265"/>
+                  <a:gd name="connsiteY4" fmla="*/ 2691014 h 2837055"/>
+                  <a:gd name="connsiteX5" fmla="*/ 2211018 w 3557265"/>
+                  <a:gd name="connsiteY5" fmla="*/ 2791222 h 2837055"/>
+                  <a:gd name="connsiteX6" fmla="*/ 3238152 w 3557265"/>
+                  <a:gd name="connsiteY6" fmla="*/ 2052187 h 2837055"/>
+                  <a:gd name="connsiteX7" fmla="*/ 3551302 w 3557265"/>
+                  <a:gd name="connsiteY7" fmla="*/ 1338203 h 2837055"/>
+                  <a:gd name="connsiteX8" fmla="*/ 3025209 w 3557265"/>
+                  <a:gd name="connsiteY8" fmla="*/ 498959 h 2837055"/>
+                  <a:gd name="connsiteX9" fmla="*/ 1947971 w 3557265"/>
+                  <a:gd name="connsiteY9" fmla="*/ 73074 h 2837055"/>
+                  <a:gd name="connsiteX10" fmla="*/ 1522086 w 3557265"/>
+                  <a:gd name="connsiteY10" fmla="*/ 35496 h 2837055"/>
+                </a:gdLst>
+                <a:ahLst/>
+                <a:cxnLst>
+                  <a:cxn ang="0">
+                    <a:pos x="connsiteX0" y="connsiteY0"/>
+                  </a:cxn>
+                  <a:cxn ang="0">
+                    <a:pos x="connsiteX1" y="connsiteY1"/>
+                  </a:cxn>
+                  <a:cxn ang="0">
+                    <a:pos x="connsiteX2" y="connsiteY2"/>
+                  </a:cxn>
+                  <a:cxn ang="0">
+                    <a:pos x="connsiteX3" y="connsiteY3"/>
+                  </a:cxn>
+                  <a:cxn ang="0">
+                    <a:pos x="connsiteX4" y="connsiteY4"/>
+                  </a:cxn>
+                  <a:cxn ang="0">
+                    <a:pos x="connsiteX5" y="connsiteY5"/>
+                  </a:cxn>
+                  <a:cxn ang="0">
+                    <a:pos x="connsiteX6" y="connsiteY6"/>
+                  </a:cxn>
+                  <a:cxn ang="0">
+                    <a:pos x="connsiteX7" y="connsiteY7"/>
+                  </a:cxn>
+                  <a:cxn ang="0">
+                    <a:pos x="connsiteX8" y="connsiteY8"/>
+                  </a:cxn>
+                  <a:cxn ang="0">
+                    <a:pos x="connsiteX9" y="connsiteY9"/>
+                  </a:cxn>
+                  <a:cxn ang="0">
+                    <a:pos x="connsiteX10" y="connsiteY10"/>
+                  </a:cxn>
+                </a:cxnLst>
+                <a:rect l="l" t="t" r="r" b="b"/>
+                <a:pathLst>
+                  <a:path w="3557265" h="2837055">
+                    <a:moveTo>
+                      <a:pt x="1522086" y="35496"/>
+                    </a:moveTo>
+                    <a:cubicBezTo>
+                      <a:pt x="1271566" y="98126"/>
+                      <a:pt x="693281" y="225474"/>
+                      <a:pt x="444848" y="448855"/>
+                    </a:cubicBezTo>
+                    <a:cubicBezTo>
+                      <a:pt x="196415" y="672236"/>
+                      <a:pt x="81593" y="1093945"/>
+                      <a:pt x="31489" y="1375781"/>
+                    </a:cubicBezTo>
+                    <a:cubicBezTo>
+                      <a:pt x="-18615" y="1657617"/>
+                      <a:pt x="-26966" y="1920664"/>
+                      <a:pt x="144223" y="2139869"/>
+                    </a:cubicBezTo>
+                    <a:cubicBezTo>
+                      <a:pt x="315412" y="2359075"/>
+                      <a:pt x="714157" y="2582455"/>
+                      <a:pt x="1058623" y="2691014"/>
+                    </a:cubicBezTo>
+                    <a:cubicBezTo>
+                      <a:pt x="1403089" y="2799573"/>
+                      <a:pt x="1847763" y="2897693"/>
+                      <a:pt x="2211018" y="2791222"/>
+                    </a:cubicBezTo>
+                    <a:cubicBezTo>
+                      <a:pt x="2574273" y="2684751"/>
+                      <a:pt x="3014771" y="2294357"/>
+                      <a:pt x="3238152" y="2052187"/>
+                    </a:cubicBezTo>
+                    <a:cubicBezTo>
+                      <a:pt x="3461533" y="1810017"/>
+                      <a:pt x="3586792" y="1597074"/>
+                      <a:pt x="3551302" y="1338203"/>
+                    </a:cubicBezTo>
+                    <a:cubicBezTo>
+                      <a:pt x="3515812" y="1079332"/>
+                      <a:pt x="3292431" y="709814"/>
+                      <a:pt x="3025209" y="498959"/>
+                    </a:cubicBezTo>
+                    <a:cubicBezTo>
+                      <a:pt x="2757987" y="288104"/>
+                      <a:pt x="2196404" y="148230"/>
+                      <a:pt x="1947971" y="73074"/>
+                    </a:cubicBezTo>
+                    <a:cubicBezTo>
+                      <a:pt x="1699538" y="-2082"/>
+                      <a:pt x="1772606" y="-27134"/>
+                      <a:pt x="1522086" y="35496"/>
+                    </a:cubicBezTo>
+                    <a:close/>
+                  </a:path>
+                </a:pathLst>
+              </a:custGeom>
+              <a:solidFill>
+                <a:schemeClr val="bg1"/>
+              </a:solidFill>
+              <a:ln w="107950">
+                <a:solidFill>
+                  <a:srgbClr val="C80000"/>
+                </a:solidFill>
+              </a:ln>
+            </p:spPr>
+            <p:style>
+              <a:lnRef idx="2">
+                <a:schemeClr val="accent1">
+                  <a:shade val="50000"/>
+                </a:schemeClr>
+              </a:lnRef>
+              <a:fillRef idx="1">
+                <a:schemeClr val="accent1"/>
+              </a:fillRef>
+              <a:effectRef idx="0">
+                <a:schemeClr val="accent1"/>
+              </a:effectRef>
+              <a:fontRef idx="minor">
+                <a:schemeClr val="lt1"/>
+              </a:fontRef>
+            </p:style>
+            <p:txBody>
+              <a:bodyPr rtlCol="0" anchor="ctr"/>
+              <a:lstStyle/>
+              <a:p>
+                <a:pPr algn="ctr"/>
+                <a:endParaRPr lang="ko-KR" altLang="en-US"/>
+              </a:p>
+            </p:txBody>
+          </p:sp>
+          <p:sp>
+            <p:nvSpPr>
+              <p:cNvPr id="17" name="자유형 16"/>
+              <p:cNvSpPr/>
+              <p:nvPr/>
+            </p:nvSpPr>
+            <p:spPr>
+              <a:xfrm rot="548897">
+                <a:off x="4450957" y="1332325"/>
+                <a:ext cx="1141321" cy="1012536"/>
+              </a:xfrm>
+              <a:custGeom>
+                <a:avLst/>
+                <a:gdLst>
+                  <a:gd name="connsiteX0" fmla="*/ 1007200 w 1233942"/>
+                  <a:gd name="connsiteY0" fmla="*/ 9954 h 1101722"/>
+                  <a:gd name="connsiteX1" fmla="*/ 267898 w 1233942"/>
+                  <a:gd name="connsiteY1" fmla="*/ 233690 h 1101722"/>
+                  <a:gd name="connsiteX2" fmla="*/ 387 w 1233942"/>
+                  <a:gd name="connsiteY2" fmla="*/ 637388 h 1101722"/>
+                  <a:gd name="connsiteX3" fmla="*/ 224123 w 1233942"/>
+                  <a:gd name="connsiteY3" fmla="*/ 1045950 h 1101722"/>
+                  <a:gd name="connsiteX4" fmla="*/ 807783 w 1233942"/>
+                  <a:gd name="connsiteY4" fmla="*/ 1026495 h 1101722"/>
+                  <a:gd name="connsiteX5" fmla="*/ 1055838 w 1233942"/>
+                  <a:gd name="connsiteY5" fmla="*/ 1094588 h 1101722"/>
+                  <a:gd name="connsiteX6" fmla="*/ 1226072 w 1233942"/>
+                  <a:gd name="connsiteY6" fmla="*/ 827077 h 1101722"/>
+                  <a:gd name="connsiteX7" fmla="*/ 1182298 w 1233942"/>
+                  <a:gd name="connsiteY7" fmla="*/ 121822 h 1101722"/>
+                  <a:gd name="connsiteX8" fmla="*/ 1007200 w 1233942"/>
+                  <a:gd name="connsiteY8" fmla="*/ 9954 h 1101722"/>
+                </a:gdLst>
+                <a:ahLst/>
+                <a:cxnLst>
+                  <a:cxn ang="0">
+                    <a:pos x="connsiteX0" y="connsiteY0"/>
+                  </a:cxn>
+                  <a:cxn ang="0">
+                    <a:pos x="connsiteX1" y="connsiteY1"/>
+                  </a:cxn>
+                  <a:cxn ang="0">
+                    <a:pos x="connsiteX2" y="connsiteY2"/>
+                  </a:cxn>
+                  <a:cxn ang="0">
+                    <a:pos x="connsiteX3" y="connsiteY3"/>
+                  </a:cxn>
+                  <a:cxn ang="0">
+                    <a:pos x="connsiteX4" y="connsiteY4"/>
+                  </a:cxn>
+                  <a:cxn ang="0">
+                    <a:pos x="connsiteX5" y="connsiteY5"/>
+                  </a:cxn>
+                  <a:cxn ang="0">
+                    <a:pos x="connsiteX6" y="connsiteY6"/>
+                  </a:cxn>
+                  <a:cxn ang="0">
+                    <a:pos x="connsiteX7" y="connsiteY7"/>
+                  </a:cxn>
+                  <a:cxn ang="0">
+                    <a:pos x="connsiteX8" y="connsiteY8"/>
+                  </a:cxn>
+                </a:cxnLst>
+                <a:rect l="l" t="t" r="r" b="b"/>
+                <a:pathLst>
+                  <a:path w="1233942" h="1101722">
+                    <a:moveTo>
+                      <a:pt x="1007200" y="9954"/>
+                    </a:moveTo>
+                    <a:cubicBezTo>
+                      <a:pt x="854800" y="28599"/>
+                      <a:pt x="435700" y="129118"/>
+                      <a:pt x="267898" y="233690"/>
+                    </a:cubicBezTo>
+                    <a:cubicBezTo>
+                      <a:pt x="100096" y="338262"/>
+                      <a:pt x="7683" y="502011"/>
+                      <a:pt x="387" y="637388"/>
+                    </a:cubicBezTo>
+                    <a:cubicBezTo>
+                      <a:pt x="-6909" y="772765"/>
+                      <a:pt x="89557" y="981099"/>
+                      <a:pt x="224123" y="1045950"/>
+                    </a:cubicBezTo>
+                    <a:cubicBezTo>
+                      <a:pt x="358689" y="1110801"/>
+                      <a:pt x="669164" y="1018389"/>
+                      <a:pt x="807783" y="1026495"/>
+                    </a:cubicBezTo>
+                    <a:cubicBezTo>
+                      <a:pt x="946402" y="1034601"/>
+                      <a:pt x="986123" y="1127824"/>
+                      <a:pt x="1055838" y="1094588"/>
+                    </a:cubicBezTo>
+                    <a:cubicBezTo>
+                      <a:pt x="1125553" y="1061352"/>
+                      <a:pt x="1204995" y="989205"/>
+                      <a:pt x="1226072" y="827077"/>
+                    </a:cubicBezTo>
+                    <a:cubicBezTo>
+                      <a:pt x="1247149" y="664949"/>
+                      <a:pt x="1223641" y="258820"/>
+                      <a:pt x="1182298" y="121822"/>
+                    </a:cubicBezTo>
+                    <a:cubicBezTo>
+                      <a:pt x="1140955" y="-15176"/>
+                      <a:pt x="1159600" y="-8691"/>
+                      <a:pt x="1007200" y="9954"/>
+                    </a:cubicBezTo>
+                    <a:close/>
+                  </a:path>
+                </a:pathLst>
+              </a:custGeom>
+              <a:solidFill>
+                <a:srgbClr val="FF9696"/>
+              </a:solidFill>
+              <a:ln>
+                <a:noFill/>
+              </a:ln>
+            </p:spPr>
+            <p:style>
+              <a:lnRef idx="2">
+                <a:schemeClr val="accent1">
+                  <a:shade val="50000"/>
+                </a:schemeClr>
+              </a:lnRef>
+              <a:fillRef idx="1">
+                <a:schemeClr val="accent1"/>
+              </a:fillRef>
+              <a:effectRef idx="0">
+                <a:schemeClr val="accent1"/>
+              </a:effectRef>
+              <a:fontRef idx="minor">
+                <a:schemeClr val="lt1"/>
+              </a:fontRef>
+            </p:style>
+            <p:txBody>
+              <a:bodyPr rtlCol="0" anchor="ctr"/>
+              <a:lstStyle/>
+              <a:p>
+                <a:pPr algn="ctr"/>
+                <a:endParaRPr lang="ko-KR" altLang="en-US"/>
+              </a:p>
+            </p:txBody>
+          </p:sp>
+          <p:sp>
+            <p:nvSpPr>
+              <p:cNvPr id="18" name="자유형 17"/>
+              <p:cNvSpPr/>
+              <p:nvPr/>
+            </p:nvSpPr>
+            <p:spPr>
+              <a:xfrm>
+                <a:off x="4284231" y="2291037"/>
+                <a:ext cx="1141415" cy="1096467"/>
+              </a:xfrm>
+              <a:custGeom>
+                <a:avLst/>
+                <a:gdLst>
+                  <a:gd name="connsiteX0" fmla="*/ 26687 w 1220802"/>
+                  <a:gd name="connsiteY0" fmla="*/ 121425 h 1174227"/>
+                  <a:gd name="connsiteX1" fmla="*/ 60734 w 1220802"/>
+                  <a:gd name="connsiteY1" fmla="*/ 748859 h 1174227"/>
+                  <a:gd name="connsiteX2" fmla="*/ 702759 w 1220802"/>
+                  <a:gd name="connsiteY2" fmla="*/ 1167148 h 1174227"/>
+                  <a:gd name="connsiteX3" fmla="*/ 1194006 w 1220802"/>
+                  <a:gd name="connsiteY3" fmla="*/ 977459 h 1174227"/>
+                  <a:gd name="connsiteX4" fmla="*/ 1130776 w 1220802"/>
+                  <a:gd name="connsiteY4" fmla="*/ 539714 h 1174227"/>
+                  <a:gd name="connsiteX5" fmla="*/ 1213461 w 1220802"/>
+                  <a:gd name="connsiteY5" fmla="*/ 252748 h 1174227"/>
+                  <a:gd name="connsiteX6" fmla="*/ 907040 w 1220802"/>
+                  <a:gd name="connsiteY6" fmla="*/ 150608 h 1174227"/>
+                  <a:gd name="connsiteX7" fmla="*/ 513070 w 1220802"/>
+                  <a:gd name="connsiteY7" fmla="*/ 223565 h 1174227"/>
+                  <a:gd name="connsiteX8" fmla="*/ 192057 w 1220802"/>
+                  <a:gd name="connsiteY8" fmla="*/ 29012 h 1174227"/>
+                  <a:gd name="connsiteX9" fmla="*/ 60734 w 1220802"/>
+                  <a:gd name="connsiteY9" fmla="*/ 14420 h 1174227"/>
+                  <a:gd name="connsiteX10" fmla="*/ 26687 w 1220802"/>
+                  <a:gd name="connsiteY10" fmla="*/ 121425 h 1174227"/>
+                </a:gdLst>
+                <a:ahLst/>
+                <a:cxnLst>
+                  <a:cxn ang="0">
+                    <a:pos x="connsiteX0" y="connsiteY0"/>
+                  </a:cxn>
+                  <a:cxn ang="0">
+                    <a:pos x="connsiteX1" y="connsiteY1"/>
+                  </a:cxn>
+                  <a:cxn ang="0">
+                    <a:pos x="connsiteX2" y="connsiteY2"/>
+                  </a:cxn>
+                  <a:cxn ang="0">
+                    <a:pos x="connsiteX3" y="connsiteY3"/>
+                  </a:cxn>
+                  <a:cxn ang="0">
+                    <a:pos x="connsiteX4" y="connsiteY4"/>
+                  </a:cxn>
+                  <a:cxn ang="0">
+                    <a:pos x="connsiteX5" y="connsiteY5"/>
+                  </a:cxn>
+                  <a:cxn ang="0">
+                    <a:pos x="connsiteX6" y="connsiteY6"/>
+                  </a:cxn>
+                  <a:cxn ang="0">
+                    <a:pos x="connsiteX7" y="connsiteY7"/>
+                  </a:cxn>
+                  <a:cxn ang="0">
+                    <a:pos x="connsiteX8" y="connsiteY8"/>
+                  </a:cxn>
+                  <a:cxn ang="0">
+                    <a:pos x="connsiteX9" y="connsiteY9"/>
+                  </a:cxn>
+                  <a:cxn ang="0">
+                    <a:pos x="connsiteX10" y="connsiteY10"/>
+                  </a:cxn>
+                </a:cxnLst>
+                <a:rect l="l" t="t" r="r" b="b"/>
+                <a:pathLst>
+                  <a:path w="1220802" h="1174227">
+                    <a:moveTo>
+                      <a:pt x="26687" y="121425"/>
+                    </a:moveTo>
+                    <a:cubicBezTo>
+                      <a:pt x="26687" y="243831"/>
+                      <a:pt x="-51945" y="574572"/>
+                      <a:pt x="60734" y="748859"/>
+                    </a:cubicBezTo>
+                    <a:cubicBezTo>
+                      <a:pt x="173413" y="923146"/>
+                      <a:pt x="513880" y="1129048"/>
+                      <a:pt x="702759" y="1167148"/>
+                    </a:cubicBezTo>
+                    <a:cubicBezTo>
+                      <a:pt x="891638" y="1205248"/>
+                      <a:pt x="1122670" y="1082031"/>
+                      <a:pt x="1194006" y="977459"/>
+                    </a:cubicBezTo>
+                    <a:cubicBezTo>
+                      <a:pt x="1265342" y="872887"/>
+                      <a:pt x="1127534" y="660499"/>
+                      <a:pt x="1130776" y="539714"/>
+                    </a:cubicBezTo>
+                    <a:cubicBezTo>
+                      <a:pt x="1134018" y="418929"/>
+                      <a:pt x="1250750" y="317599"/>
+                      <a:pt x="1213461" y="252748"/>
+                    </a:cubicBezTo>
+                    <a:cubicBezTo>
+                      <a:pt x="1176172" y="187897"/>
+                      <a:pt x="1023772" y="155472"/>
+                      <a:pt x="907040" y="150608"/>
+                    </a:cubicBezTo>
+                    <a:cubicBezTo>
+                      <a:pt x="790308" y="145744"/>
+                      <a:pt x="632234" y="243831"/>
+                      <a:pt x="513070" y="223565"/>
+                    </a:cubicBezTo>
+                    <a:cubicBezTo>
+                      <a:pt x="393906" y="203299"/>
+                      <a:pt x="267446" y="63869"/>
+                      <a:pt x="192057" y="29012"/>
+                    </a:cubicBezTo>
+                    <a:cubicBezTo>
+                      <a:pt x="116668" y="-5845"/>
+                      <a:pt x="88296" y="-7467"/>
+                      <a:pt x="60734" y="14420"/>
+                    </a:cubicBezTo>
+                    <a:cubicBezTo>
+                      <a:pt x="33172" y="36307"/>
+                      <a:pt x="26687" y="-981"/>
+                      <a:pt x="26687" y="121425"/>
+                    </a:cubicBezTo>
+                    <a:close/>
+                  </a:path>
+                </a:pathLst>
+              </a:custGeom>
+              <a:solidFill>
+                <a:srgbClr val="FF9696"/>
+              </a:solidFill>
+              <a:ln>
+                <a:noFill/>
+              </a:ln>
+            </p:spPr>
+            <p:style>
+              <a:lnRef idx="2">
+                <a:schemeClr val="accent1">
+                  <a:shade val="50000"/>
+                </a:schemeClr>
+              </a:lnRef>
+              <a:fillRef idx="1">
+                <a:schemeClr val="accent1"/>
+              </a:fillRef>
+              <a:effectRef idx="0">
+                <a:schemeClr val="accent1"/>
+              </a:effectRef>
+              <a:fontRef idx="minor">
+                <a:schemeClr val="lt1"/>
+              </a:fontRef>
+            </p:style>
+            <p:txBody>
+              <a:bodyPr rtlCol="0" anchor="ctr"/>
+              <a:lstStyle/>
+              <a:p>
+                <a:pPr algn="ctr"/>
+                <a:endParaRPr lang="ko-KR" altLang="en-US"/>
+              </a:p>
+            </p:txBody>
+          </p:sp>
+          <p:sp>
+            <p:nvSpPr>
+              <p:cNvPr id="19" name="자유형 18"/>
+              <p:cNvSpPr/>
+              <p:nvPr/>
+            </p:nvSpPr>
+            <p:spPr>
+              <a:xfrm>
+                <a:off x="5484072" y="2372724"/>
+                <a:ext cx="980100" cy="1204590"/>
+              </a:xfrm>
+              <a:custGeom>
+                <a:avLst/>
+                <a:gdLst>
+                  <a:gd name="connsiteX0" fmla="*/ 49193 w 1071510"/>
+                  <a:gd name="connsiteY0" fmla="*/ 480002 h 1297704"/>
+                  <a:gd name="connsiteX1" fmla="*/ 97831 w 1071510"/>
+                  <a:gd name="connsiteY1" fmla="*/ 781559 h 1297704"/>
+                  <a:gd name="connsiteX2" fmla="*/ 5418 w 1071510"/>
+                  <a:gd name="connsiteY2" fmla="*/ 1156074 h 1297704"/>
+                  <a:gd name="connsiteX3" fmla="*/ 287521 w 1071510"/>
+                  <a:gd name="connsiteY3" fmla="*/ 1297125 h 1297704"/>
+                  <a:gd name="connsiteX4" fmla="*/ 798223 w 1071510"/>
+                  <a:gd name="connsiteY4" fmla="*/ 1112300 h 1297704"/>
+                  <a:gd name="connsiteX5" fmla="*/ 1046278 w 1071510"/>
+                  <a:gd name="connsiteY5" fmla="*/ 669691 h 1297704"/>
+                  <a:gd name="connsiteX6" fmla="*/ 1021959 w 1071510"/>
+                  <a:gd name="connsiteY6" fmla="*/ 173580 h 1297704"/>
+                  <a:gd name="connsiteX7" fmla="*/ 681491 w 1071510"/>
+                  <a:gd name="connsiteY7" fmla="*/ 42257 h 1297704"/>
+                  <a:gd name="connsiteX8" fmla="*/ 263201 w 1071510"/>
+                  <a:gd name="connsiteY8" fmla="*/ 13074 h 1297704"/>
+                  <a:gd name="connsiteX9" fmla="*/ 248610 w 1071510"/>
+                  <a:gd name="connsiteY9" fmla="*/ 236810 h 1297704"/>
+                  <a:gd name="connsiteX10" fmla="*/ 112423 w 1071510"/>
+                  <a:gd name="connsiteY10" fmla="*/ 368134 h 1297704"/>
+                  <a:gd name="connsiteX11" fmla="*/ 49193 w 1071510"/>
+                  <a:gd name="connsiteY11" fmla="*/ 480002 h 1297704"/>
+                </a:gdLst>
+                <a:ahLst/>
+                <a:cxnLst>
+                  <a:cxn ang="0">
+                    <a:pos x="connsiteX0" y="connsiteY0"/>
+                  </a:cxn>
+                  <a:cxn ang="0">
+                    <a:pos x="connsiteX1" y="connsiteY1"/>
+                  </a:cxn>
+                  <a:cxn ang="0">
+                    <a:pos x="connsiteX2" y="connsiteY2"/>
+                  </a:cxn>
+                  <a:cxn ang="0">
+                    <a:pos x="connsiteX3" y="connsiteY3"/>
+                  </a:cxn>
+                  <a:cxn ang="0">
+                    <a:pos x="connsiteX4" y="connsiteY4"/>
+                  </a:cxn>
+                  <a:cxn ang="0">
+                    <a:pos x="connsiteX5" y="connsiteY5"/>
+                  </a:cxn>
+                  <a:cxn ang="0">
+                    <a:pos x="connsiteX6" y="connsiteY6"/>
+                  </a:cxn>
+                  <a:cxn ang="0">
+                    <a:pos x="connsiteX7" y="connsiteY7"/>
+                  </a:cxn>
+                  <a:cxn ang="0">
+                    <a:pos x="connsiteX8" y="connsiteY8"/>
+                  </a:cxn>
+                  <a:cxn ang="0">
+                    <a:pos x="connsiteX9" y="connsiteY9"/>
+                  </a:cxn>
+                  <a:cxn ang="0">
+                    <a:pos x="connsiteX10" y="connsiteY10"/>
+                  </a:cxn>
+                  <a:cxn ang="0">
+                    <a:pos x="connsiteX11" y="connsiteY11"/>
+                  </a:cxn>
+                </a:cxnLst>
+                <a:rect l="l" t="t" r="r" b="b"/>
+                <a:pathLst>
+                  <a:path w="1071510" h="1297704">
+                    <a:moveTo>
+                      <a:pt x="49193" y="480002"/>
+                    </a:moveTo>
+                    <a:cubicBezTo>
+                      <a:pt x="46761" y="548906"/>
+                      <a:pt x="105127" y="668880"/>
+                      <a:pt x="97831" y="781559"/>
+                    </a:cubicBezTo>
+                    <a:cubicBezTo>
+                      <a:pt x="90535" y="894238"/>
+                      <a:pt x="-26197" y="1070146"/>
+                      <a:pt x="5418" y="1156074"/>
+                    </a:cubicBezTo>
+                    <a:cubicBezTo>
+                      <a:pt x="37033" y="1242002"/>
+                      <a:pt x="155387" y="1304421"/>
+                      <a:pt x="287521" y="1297125"/>
+                    </a:cubicBezTo>
+                    <a:cubicBezTo>
+                      <a:pt x="419655" y="1289829"/>
+                      <a:pt x="671764" y="1216872"/>
+                      <a:pt x="798223" y="1112300"/>
+                    </a:cubicBezTo>
+                    <a:cubicBezTo>
+                      <a:pt x="924683" y="1007728"/>
+                      <a:pt x="1008989" y="826144"/>
+                      <a:pt x="1046278" y="669691"/>
+                    </a:cubicBezTo>
+                    <a:cubicBezTo>
+                      <a:pt x="1083567" y="513238"/>
+                      <a:pt x="1082757" y="278152"/>
+                      <a:pt x="1021959" y="173580"/>
+                    </a:cubicBezTo>
+                    <a:cubicBezTo>
+                      <a:pt x="961161" y="69008"/>
+                      <a:pt x="807951" y="69008"/>
+                      <a:pt x="681491" y="42257"/>
+                    </a:cubicBezTo>
+                    <a:cubicBezTo>
+                      <a:pt x="555031" y="15506"/>
+                      <a:pt x="335348" y="-19351"/>
+                      <a:pt x="263201" y="13074"/>
+                    </a:cubicBezTo>
+                    <a:cubicBezTo>
+                      <a:pt x="191054" y="45499"/>
+                      <a:pt x="273740" y="177633"/>
+                      <a:pt x="248610" y="236810"/>
+                    </a:cubicBezTo>
+                    <a:cubicBezTo>
+                      <a:pt x="223480" y="295987"/>
+                      <a:pt x="147280" y="327602"/>
+                      <a:pt x="112423" y="368134"/>
+                    </a:cubicBezTo>
+                    <a:cubicBezTo>
+                      <a:pt x="77566" y="408666"/>
+                      <a:pt x="51625" y="411098"/>
+                      <a:pt x="49193" y="480002"/>
+                    </a:cubicBezTo>
+                    <a:close/>
+                  </a:path>
+                </a:pathLst>
+              </a:custGeom>
+              <a:solidFill>
+                <a:srgbClr val="FF9696"/>
+              </a:solidFill>
+              <a:ln>
+                <a:noFill/>
+              </a:ln>
+            </p:spPr>
+            <p:style>
+              <a:lnRef idx="2">
+                <a:schemeClr val="accent1">
+                  <a:shade val="50000"/>
+                </a:schemeClr>
+              </a:lnRef>
+              <a:fillRef idx="1">
+                <a:schemeClr val="accent1"/>
+              </a:fillRef>
+              <a:effectRef idx="0">
+                <a:schemeClr val="accent1"/>
+              </a:effectRef>
+              <a:fontRef idx="minor">
+                <a:schemeClr val="lt1"/>
+              </a:fontRef>
+            </p:style>
+            <p:txBody>
+              <a:bodyPr rtlCol="0" anchor="ctr"/>
+              <a:lstStyle/>
+              <a:p>
+                <a:pPr algn="ctr"/>
+                <a:endParaRPr lang="ko-KR" altLang="en-US"/>
+              </a:p>
+            </p:txBody>
+          </p:sp>
+          <p:sp>
+            <p:nvSpPr>
+              <p:cNvPr id="20" name="자유형 19"/>
+              <p:cNvSpPr/>
+              <p:nvPr/>
+            </p:nvSpPr>
+            <p:spPr>
+              <a:xfrm>
+                <a:off x="5811813" y="1443529"/>
+                <a:ext cx="1223500" cy="935169"/>
+              </a:xfrm>
+              <a:custGeom>
+                <a:avLst/>
+                <a:gdLst>
+                  <a:gd name="connsiteX0" fmla="*/ 214472 w 1396028"/>
+                  <a:gd name="connsiteY0" fmla="*/ 19816 h 1041504"/>
+                  <a:gd name="connsiteX1" fmla="*/ 939183 w 1396028"/>
+                  <a:gd name="connsiteY1" fmla="*/ 331101 h 1041504"/>
+                  <a:gd name="connsiteX2" fmla="*/ 1391519 w 1396028"/>
+                  <a:gd name="connsiteY2" fmla="*/ 812620 h 1041504"/>
+                  <a:gd name="connsiteX3" fmla="*/ 1158055 w 1396028"/>
+                  <a:gd name="connsiteY3" fmla="*/ 1002309 h 1041504"/>
+                  <a:gd name="connsiteX4" fmla="*/ 939183 w 1396028"/>
+                  <a:gd name="connsiteY4" fmla="*/ 939079 h 1041504"/>
+                  <a:gd name="connsiteX5" fmla="*/ 720310 w 1396028"/>
+                  <a:gd name="connsiteY5" fmla="*/ 1041220 h 1041504"/>
+                  <a:gd name="connsiteX6" fmla="*/ 170698 w 1396028"/>
+                  <a:gd name="connsiteY6" fmla="*/ 958535 h 1041504"/>
+                  <a:gd name="connsiteX7" fmla="*/ 29647 w 1396028"/>
+                  <a:gd name="connsiteY7" fmla="*/ 671569 h 1041504"/>
+                  <a:gd name="connsiteX8" fmla="*/ 15055 w 1396028"/>
+                  <a:gd name="connsiteY8" fmla="*/ 102501 h 1041504"/>
+                  <a:gd name="connsiteX9" fmla="*/ 214472 w 1396028"/>
+                  <a:gd name="connsiteY9" fmla="*/ 19816 h 1041504"/>
+                </a:gdLst>
+                <a:ahLst/>
+                <a:cxnLst>
+                  <a:cxn ang="0">
+                    <a:pos x="connsiteX0" y="connsiteY0"/>
+                  </a:cxn>
+                  <a:cxn ang="0">
+                    <a:pos x="connsiteX1" y="connsiteY1"/>
+                  </a:cxn>
+                  <a:cxn ang="0">
+                    <a:pos x="connsiteX2" y="connsiteY2"/>
+                  </a:cxn>
+                  <a:cxn ang="0">
+                    <a:pos x="connsiteX3" y="connsiteY3"/>
+                  </a:cxn>
+                  <a:cxn ang="0">
+                    <a:pos x="connsiteX4" y="connsiteY4"/>
+                  </a:cxn>
+                  <a:cxn ang="0">
+                    <a:pos x="connsiteX5" y="connsiteY5"/>
+                  </a:cxn>
+                  <a:cxn ang="0">
+                    <a:pos x="connsiteX6" y="connsiteY6"/>
+                  </a:cxn>
+                  <a:cxn ang="0">
+                    <a:pos x="connsiteX7" y="connsiteY7"/>
+                  </a:cxn>
+                  <a:cxn ang="0">
+                    <a:pos x="connsiteX8" y="connsiteY8"/>
+                  </a:cxn>
+                  <a:cxn ang="0">
+                    <a:pos x="connsiteX9" y="connsiteY9"/>
+                  </a:cxn>
+                </a:cxnLst>
+                <a:rect l="l" t="t" r="r" b="b"/>
+                <a:pathLst>
+                  <a:path w="1396028" h="1041504">
+                    <a:moveTo>
+                      <a:pt x="214472" y="19816"/>
+                    </a:moveTo>
+                    <a:cubicBezTo>
+                      <a:pt x="368493" y="57916"/>
+                      <a:pt x="743009" y="198967"/>
+                      <a:pt x="939183" y="331101"/>
+                    </a:cubicBezTo>
+                    <a:cubicBezTo>
+                      <a:pt x="1135357" y="463235"/>
+                      <a:pt x="1355040" y="700752"/>
+                      <a:pt x="1391519" y="812620"/>
+                    </a:cubicBezTo>
+                    <a:cubicBezTo>
+                      <a:pt x="1427998" y="924488"/>
+                      <a:pt x="1233444" y="981233"/>
+                      <a:pt x="1158055" y="1002309"/>
+                    </a:cubicBezTo>
+                    <a:cubicBezTo>
+                      <a:pt x="1082666" y="1023385"/>
+                      <a:pt x="1012140" y="932594"/>
+                      <a:pt x="939183" y="939079"/>
+                    </a:cubicBezTo>
+                    <a:cubicBezTo>
+                      <a:pt x="866226" y="945564"/>
+                      <a:pt x="848391" y="1037977"/>
+                      <a:pt x="720310" y="1041220"/>
+                    </a:cubicBezTo>
+                    <a:cubicBezTo>
+                      <a:pt x="592229" y="1044463"/>
+                      <a:pt x="285809" y="1020144"/>
+                      <a:pt x="170698" y="958535"/>
+                    </a:cubicBezTo>
+                    <a:cubicBezTo>
+                      <a:pt x="55587" y="896926"/>
+                      <a:pt x="55587" y="814241"/>
+                      <a:pt x="29647" y="671569"/>
+                    </a:cubicBezTo>
+                    <a:cubicBezTo>
+                      <a:pt x="3707" y="528897"/>
+                      <a:pt x="-14128" y="211937"/>
+                      <a:pt x="15055" y="102501"/>
+                    </a:cubicBezTo>
+                    <a:cubicBezTo>
+                      <a:pt x="44238" y="-6935"/>
+                      <a:pt x="60451" y="-18284"/>
+                      <a:pt x="214472" y="19816"/>
+                    </a:cubicBezTo>
+                    <a:close/>
+                  </a:path>
+                </a:pathLst>
+              </a:custGeom>
+              <a:solidFill>
+                <a:srgbClr val="FF9696"/>
+              </a:solidFill>
+              <a:ln>
+                <a:noFill/>
+              </a:ln>
+            </p:spPr>
+            <p:style>
+              <a:lnRef idx="2">
+                <a:schemeClr val="accent1">
+                  <a:shade val="50000"/>
+                </a:schemeClr>
+              </a:lnRef>
+              <a:fillRef idx="1">
+                <a:schemeClr val="accent1"/>
+              </a:fillRef>
+              <a:effectRef idx="0">
+                <a:schemeClr val="accent1"/>
+              </a:effectRef>
+              <a:fontRef idx="minor">
+                <a:schemeClr val="lt1"/>
+              </a:fontRef>
+            </p:style>
+            <p:txBody>
+              <a:bodyPr rtlCol="0" anchor="ctr"/>
+              <a:lstStyle/>
+              <a:p>
+                <a:pPr algn="ctr"/>
+                <a:endParaRPr lang="ko-KR" altLang="en-US"/>
+              </a:p>
+            </p:txBody>
+          </p:sp>
+          <p:sp>
+            <p:nvSpPr>
+              <p:cNvPr id="21" name="자유형 20"/>
+              <p:cNvSpPr/>
+              <p:nvPr/>
+            </p:nvSpPr>
+            <p:spPr>
+              <a:xfrm rot="278661">
+                <a:off x="6640711" y="2443209"/>
+                <a:ext cx="374565" cy="674731"/>
+              </a:xfrm>
+              <a:custGeom>
+                <a:avLst/>
+                <a:gdLst>
+                  <a:gd name="connsiteX0" fmla="*/ 112637 w 456171"/>
+                  <a:gd name="connsiteY0" fmla="*/ 696355 h 728806"/>
+                  <a:gd name="connsiteX1" fmla="*/ 433650 w 456171"/>
+                  <a:gd name="connsiteY1" fmla="*/ 336431 h 728806"/>
+                  <a:gd name="connsiteX2" fmla="*/ 409330 w 456171"/>
+                  <a:gd name="connsiteY2" fmla="*/ 10555 h 728806"/>
+                  <a:gd name="connsiteX3" fmla="*/ 248824 w 456171"/>
+                  <a:gd name="connsiteY3" fmla="*/ 83512 h 728806"/>
+                  <a:gd name="connsiteX4" fmla="*/ 49407 w 456171"/>
+                  <a:gd name="connsiteY4" fmla="*/ 122423 h 728806"/>
+                  <a:gd name="connsiteX5" fmla="*/ 769 w 456171"/>
+                  <a:gd name="connsiteY5" fmla="*/ 297521 h 728806"/>
+                  <a:gd name="connsiteX6" fmla="*/ 73726 w 456171"/>
+                  <a:gd name="connsiteY6" fmla="*/ 565031 h 728806"/>
+                  <a:gd name="connsiteX7" fmla="*/ 20224 w 456171"/>
+                  <a:gd name="connsiteY7" fmla="*/ 696355 h 728806"/>
+                  <a:gd name="connsiteX8" fmla="*/ 112637 w 456171"/>
+                  <a:gd name="connsiteY8" fmla="*/ 696355 h 728806"/>
+                </a:gdLst>
+                <a:ahLst/>
+                <a:cxnLst>
+                  <a:cxn ang="0">
+                    <a:pos x="connsiteX0" y="connsiteY0"/>
+                  </a:cxn>
+                  <a:cxn ang="0">
+                    <a:pos x="connsiteX1" y="connsiteY1"/>
+                  </a:cxn>
+                  <a:cxn ang="0">
+                    <a:pos x="connsiteX2" y="connsiteY2"/>
+                  </a:cxn>
+                  <a:cxn ang="0">
+                    <a:pos x="connsiteX3" y="connsiteY3"/>
+                  </a:cxn>
+                  <a:cxn ang="0">
+                    <a:pos x="connsiteX4" y="connsiteY4"/>
+                  </a:cxn>
+                  <a:cxn ang="0">
+                    <a:pos x="connsiteX5" y="connsiteY5"/>
+                  </a:cxn>
+                  <a:cxn ang="0">
+                    <a:pos x="connsiteX6" y="connsiteY6"/>
+                  </a:cxn>
+                  <a:cxn ang="0">
+                    <a:pos x="connsiteX7" y="connsiteY7"/>
+                  </a:cxn>
+                  <a:cxn ang="0">
+                    <a:pos x="connsiteX8" y="connsiteY8"/>
+                  </a:cxn>
+                </a:cxnLst>
+                <a:rect l="l" t="t" r="r" b="b"/>
+                <a:pathLst>
+                  <a:path w="456171" h="728806">
+                    <a:moveTo>
+                      <a:pt x="112637" y="696355"/>
+                    </a:moveTo>
+                    <a:cubicBezTo>
+                      <a:pt x="181541" y="636368"/>
+                      <a:pt x="384201" y="450731"/>
+                      <a:pt x="433650" y="336431"/>
+                    </a:cubicBezTo>
+                    <a:cubicBezTo>
+                      <a:pt x="483099" y="222131"/>
+                      <a:pt x="440134" y="52708"/>
+                      <a:pt x="409330" y="10555"/>
+                    </a:cubicBezTo>
+                    <a:cubicBezTo>
+                      <a:pt x="378526" y="-31598"/>
+                      <a:pt x="308811" y="64867"/>
+                      <a:pt x="248824" y="83512"/>
+                    </a:cubicBezTo>
+                    <a:cubicBezTo>
+                      <a:pt x="188837" y="102157"/>
+                      <a:pt x="90749" y="86755"/>
+                      <a:pt x="49407" y="122423"/>
+                    </a:cubicBezTo>
+                    <a:cubicBezTo>
+                      <a:pt x="8065" y="158091"/>
+                      <a:pt x="-3284" y="223753"/>
+                      <a:pt x="769" y="297521"/>
+                    </a:cubicBezTo>
+                    <a:cubicBezTo>
+                      <a:pt x="4822" y="371289"/>
+                      <a:pt x="70483" y="498559"/>
+                      <a:pt x="73726" y="565031"/>
+                    </a:cubicBezTo>
+                    <a:cubicBezTo>
+                      <a:pt x="76968" y="631503"/>
+                      <a:pt x="13739" y="673657"/>
+                      <a:pt x="20224" y="696355"/>
+                    </a:cubicBezTo>
+                    <a:cubicBezTo>
+                      <a:pt x="26709" y="719053"/>
+                      <a:pt x="43733" y="756342"/>
+                      <a:pt x="112637" y="696355"/>
+                    </a:cubicBezTo>
+                    <a:close/>
+                  </a:path>
+                </a:pathLst>
+              </a:custGeom>
+              <a:solidFill>
+                <a:srgbClr val="FF9696"/>
+              </a:solidFill>
+              <a:ln>
+                <a:noFill/>
+              </a:ln>
+            </p:spPr>
+            <p:style>
+              <a:lnRef idx="2">
+                <a:schemeClr val="accent1">
+                  <a:shade val="50000"/>
+                </a:schemeClr>
+              </a:lnRef>
+              <a:fillRef idx="1">
+                <a:schemeClr val="accent1"/>
+              </a:fillRef>
+              <a:effectRef idx="0">
+                <a:schemeClr val="accent1"/>
+              </a:effectRef>
+              <a:fontRef idx="minor">
+                <a:schemeClr val="lt1"/>
+              </a:fontRef>
+            </p:style>
+            <p:txBody>
+              <a:bodyPr rtlCol="0" anchor="ctr"/>
+              <a:lstStyle/>
+              <a:p>
+                <a:pPr algn="ctr"/>
+                <a:endParaRPr lang="ko-KR" altLang="en-US"/>
+              </a:p>
+            </p:txBody>
+          </p:sp>
+        </p:grpSp>
+      </p:grpSp>
+    </p:spTree>
+    <p:extLst>
+      <p:ext uri="{BB962C8B-B14F-4D97-AF65-F5344CB8AC3E}">
+        <p14:creationId xmlns:p14="http://schemas.microsoft.com/office/powerpoint/2010/main" val="2708701880"/>
       </p:ext>
     </p:extLst>
   </p:cSld>

--- a/UI Design.pptx
+++ b/UI Design.pptx
@@ -11,6 +11,8 @@
     <p:sldId id="259" r:id="rId5"/>
     <p:sldId id="260" r:id="rId6"/>
     <p:sldId id="261" r:id="rId7"/>
+    <p:sldId id="262" r:id="rId8"/>
+    <p:sldId id="263" r:id="rId9"/>
   </p:sldIdLst>
   <p:sldSz cx="12192000" cy="6858000"/>
   <p:notesSz cx="6858000" cy="9144000"/>
@@ -248,7 +250,7 @@
           <a:p>
             <a:fld id="{73DA44B2-CD98-4B3F-98ED-AED51D116F14}" type="datetimeFigureOut">
               <a:rPr lang="ko-KR" altLang="en-US" smtClean="0"/>
-              <a:t>2017-04-01</a:t>
+              <a:t>2017-04-02</a:t>
             </a:fld>
             <a:endParaRPr lang="ko-KR" altLang="en-US"/>
           </a:p>
@@ -418,7 +420,7 @@
           <a:p>
             <a:fld id="{73DA44B2-CD98-4B3F-98ED-AED51D116F14}" type="datetimeFigureOut">
               <a:rPr lang="ko-KR" altLang="en-US" smtClean="0"/>
-              <a:t>2017-04-01</a:t>
+              <a:t>2017-04-02</a:t>
             </a:fld>
             <a:endParaRPr lang="ko-KR" altLang="en-US"/>
           </a:p>
@@ -598,7 +600,7 @@
           <a:p>
             <a:fld id="{73DA44B2-CD98-4B3F-98ED-AED51D116F14}" type="datetimeFigureOut">
               <a:rPr lang="ko-KR" altLang="en-US" smtClean="0"/>
-              <a:t>2017-04-01</a:t>
+              <a:t>2017-04-02</a:t>
             </a:fld>
             <a:endParaRPr lang="ko-KR" altLang="en-US"/>
           </a:p>
@@ -768,7 +770,7 @@
           <a:p>
             <a:fld id="{73DA44B2-CD98-4B3F-98ED-AED51D116F14}" type="datetimeFigureOut">
               <a:rPr lang="ko-KR" altLang="en-US" smtClean="0"/>
-              <a:t>2017-04-01</a:t>
+              <a:t>2017-04-02</a:t>
             </a:fld>
             <a:endParaRPr lang="ko-KR" altLang="en-US"/>
           </a:p>
@@ -1014,7 +1016,7 @@
           <a:p>
             <a:fld id="{73DA44B2-CD98-4B3F-98ED-AED51D116F14}" type="datetimeFigureOut">
               <a:rPr lang="ko-KR" altLang="en-US" smtClean="0"/>
-              <a:t>2017-04-01</a:t>
+              <a:t>2017-04-02</a:t>
             </a:fld>
             <a:endParaRPr lang="ko-KR" altLang="en-US"/>
           </a:p>
@@ -1246,7 +1248,7 @@
           <a:p>
             <a:fld id="{73DA44B2-CD98-4B3F-98ED-AED51D116F14}" type="datetimeFigureOut">
               <a:rPr lang="ko-KR" altLang="en-US" smtClean="0"/>
-              <a:t>2017-04-01</a:t>
+              <a:t>2017-04-02</a:t>
             </a:fld>
             <a:endParaRPr lang="ko-KR" altLang="en-US"/>
           </a:p>
@@ -1613,7 +1615,7 @@
           <a:p>
             <a:fld id="{73DA44B2-CD98-4B3F-98ED-AED51D116F14}" type="datetimeFigureOut">
               <a:rPr lang="ko-KR" altLang="en-US" smtClean="0"/>
-              <a:t>2017-04-01</a:t>
+              <a:t>2017-04-02</a:t>
             </a:fld>
             <a:endParaRPr lang="ko-KR" altLang="en-US"/>
           </a:p>
@@ -1731,7 +1733,7 @@
           <a:p>
             <a:fld id="{73DA44B2-CD98-4B3F-98ED-AED51D116F14}" type="datetimeFigureOut">
               <a:rPr lang="ko-KR" altLang="en-US" smtClean="0"/>
-              <a:t>2017-04-01</a:t>
+              <a:t>2017-04-02</a:t>
             </a:fld>
             <a:endParaRPr lang="ko-KR" altLang="en-US"/>
           </a:p>
@@ -1826,7 +1828,7 @@
           <a:p>
             <a:fld id="{73DA44B2-CD98-4B3F-98ED-AED51D116F14}" type="datetimeFigureOut">
               <a:rPr lang="ko-KR" altLang="en-US" smtClean="0"/>
-              <a:t>2017-04-01</a:t>
+              <a:t>2017-04-02</a:t>
             </a:fld>
             <a:endParaRPr lang="ko-KR" altLang="en-US"/>
           </a:p>
@@ -2103,7 +2105,7 @@
           <a:p>
             <a:fld id="{73DA44B2-CD98-4B3F-98ED-AED51D116F14}" type="datetimeFigureOut">
               <a:rPr lang="ko-KR" altLang="en-US" smtClean="0"/>
-              <a:t>2017-04-01</a:t>
+              <a:t>2017-04-02</a:t>
             </a:fld>
             <a:endParaRPr lang="ko-KR" altLang="en-US"/>
           </a:p>
@@ -2356,7 +2358,7 @@
           <a:p>
             <a:fld id="{73DA44B2-CD98-4B3F-98ED-AED51D116F14}" type="datetimeFigureOut">
               <a:rPr lang="ko-KR" altLang="en-US" smtClean="0"/>
-              <a:t>2017-04-01</a:t>
+              <a:t>2017-04-02</a:t>
             </a:fld>
             <a:endParaRPr lang="ko-KR" altLang="en-US"/>
           </a:p>
@@ -2569,7 +2571,7 @@
           <a:p>
             <a:fld id="{73DA44B2-CD98-4B3F-98ED-AED51D116F14}" type="datetimeFigureOut">
               <a:rPr lang="ko-KR" altLang="en-US" smtClean="0"/>
-              <a:t>2017-04-01</a:t>
+              <a:t>2017-04-02</a:t>
             </a:fld>
             <a:endParaRPr lang="ko-KR" altLang="en-US"/>
           </a:p>
@@ -6315,7 +6317,7 @@
       </p:sp>
       <p:grpSp>
         <p:nvGrpSpPr>
-          <p:cNvPr id="11" name="그룹 10"/>
+          <p:cNvPr id="2" name="그룹 1"/>
           <p:cNvGrpSpPr/>
           <p:nvPr/>
         </p:nvGrpSpPr>
@@ -6327,115 +6329,115 @@
             <a:chExt cx="1422537" cy="1415144"/>
           </a:xfrm>
         </p:grpSpPr>
-        <p:grpSp>
-          <p:nvGrpSpPr>
-            <p:cNvPr id="2" name="그룹 1"/>
-            <p:cNvGrpSpPr/>
+        <p:sp>
+          <p:nvSpPr>
+            <p:cNvPr id="53" name="타원 52"/>
+            <p:cNvSpPr/>
             <p:nvPr/>
-          </p:nvGrpSpPr>
-          <p:grpSpPr>
+          </p:nvSpPr>
+          <p:spPr>
             <a:xfrm>
               <a:off x="4047773" y="834428"/>
               <a:ext cx="1422537" cy="1415144"/>
-              <a:chOff x="4047773" y="834428"/>
-              <a:chExt cx="1422537" cy="1415144"/>
             </a:xfrm>
-          </p:grpSpPr>
-          <p:sp>
-            <p:nvSpPr>
-              <p:cNvPr id="53" name="타원 52"/>
-              <p:cNvSpPr/>
-              <p:nvPr/>
-            </p:nvSpPr>
-            <p:spPr>
-              <a:xfrm>
-                <a:off x="4047773" y="834428"/>
-                <a:ext cx="1422537" cy="1415144"/>
-              </a:xfrm>
-              <a:prstGeom prst="ellipse">
-                <a:avLst/>
-              </a:prstGeom>
+            <a:prstGeom prst="ellipse">
+              <a:avLst/>
+            </a:prstGeom>
+            <a:solidFill>
+              <a:srgbClr val="FF6E6E"/>
+            </a:solidFill>
+            <a:ln w="38100" cmpd="sng">
               <a:solidFill>
-                <a:srgbClr val="FF6E6E"/>
+                <a:schemeClr val="tx1"/>
               </a:solidFill>
-              <a:ln w="38100" cmpd="sng">
-                <a:solidFill>
-                  <a:schemeClr val="tx1"/>
-                </a:solidFill>
-              </a:ln>
-            </p:spPr>
-            <p:style>
-              <a:lnRef idx="2">
-                <a:schemeClr val="accent1">
-                  <a:shade val="50000"/>
-                </a:schemeClr>
-              </a:lnRef>
-              <a:fillRef idx="1">
-                <a:schemeClr val="accent1"/>
-              </a:fillRef>
-              <a:effectRef idx="0">
-                <a:schemeClr val="accent1"/>
-              </a:effectRef>
-              <a:fontRef idx="minor">
-                <a:schemeClr val="lt1"/>
-              </a:fontRef>
-            </p:style>
-            <p:txBody>
-              <a:bodyPr rtlCol="0" anchor="ctr"/>
-              <a:lstStyle/>
-              <a:p>
-                <a:pPr algn="ctr"/>
-                <a:endParaRPr lang="ko-KR" altLang="en-US"/>
-              </a:p>
-            </p:txBody>
-          </p:sp>
-          <p:sp>
-            <p:nvSpPr>
-              <p:cNvPr id="57" name="타원 56"/>
-              <p:cNvSpPr/>
-              <p:nvPr/>
-            </p:nvSpPr>
-            <p:spPr>
-              <a:xfrm>
-                <a:off x="4235192" y="1054800"/>
-                <a:ext cx="569015" cy="566058"/>
-              </a:xfrm>
-              <a:prstGeom prst="ellipse">
-                <a:avLst/>
-              </a:prstGeom>
-              <a:solidFill>
-                <a:srgbClr val="FF9696"/>
-              </a:solidFill>
-              <a:ln>
-                <a:noFill/>
-              </a:ln>
-            </p:spPr>
-            <p:style>
-              <a:lnRef idx="2">
-                <a:schemeClr val="accent1">
-                  <a:shade val="50000"/>
-                </a:schemeClr>
-              </a:lnRef>
-              <a:fillRef idx="1">
-                <a:schemeClr val="accent1"/>
-              </a:fillRef>
-              <a:effectRef idx="0">
-                <a:schemeClr val="accent1"/>
-              </a:effectRef>
-              <a:fontRef idx="minor">
-                <a:schemeClr val="lt1"/>
-              </a:fontRef>
-            </p:style>
-            <p:txBody>
-              <a:bodyPr rtlCol="0" anchor="ctr"/>
-              <a:lstStyle/>
-              <a:p>
-                <a:pPr algn="ctr"/>
-                <a:endParaRPr lang="ko-KR" altLang="en-US"/>
-              </a:p>
-            </p:txBody>
-          </p:sp>
-        </p:grpSp>
+            </a:ln>
+          </p:spPr>
+          <p:style>
+            <a:lnRef idx="2">
+              <a:schemeClr val="accent1">
+                <a:shade val="50000"/>
+              </a:schemeClr>
+            </a:lnRef>
+            <a:fillRef idx="1">
+              <a:schemeClr val="accent1"/>
+            </a:fillRef>
+            <a:effectRef idx="0">
+              <a:schemeClr val="accent1"/>
+            </a:effectRef>
+            <a:fontRef idx="minor">
+              <a:schemeClr val="lt1"/>
+            </a:fontRef>
+          </p:style>
+          <p:txBody>
+            <a:bodyPr rtlCol="0" anchor="ctr"/>
+            <a:lstStyle/>
+            <a:p>
+              <a:pPr algn="ctr"/>
+              <a:endParaRPr lang="ko-KR" altLang="en-US"/>
+            </a:p>
+          </p:txBody>
+        </p:sp>
+        <p:sp>
+          <p:nvSpPr>
+            <p:cNvPr id="57" name="타원 56"/>
+            <p:cNvSpPr/>
+            <p:nvPr/>
+          </p:nvSpPr>
+          <p:spPr>
+            <a:xfrm>
+              <a:off x="4235192" y="1054800"/>
+              <a:ext cx="569015" cy="566058"/>
+            </a:xfrm>
+            <a:prstGeom prst="ellipse">
+              <a:avLst/>
+            </a:prstGeom>
+            <a:solidFill>
+              <a:srgbClr val="FF9696"/>
+            </a:solidFill>
+            <a:ln>
+              <a:noFill/>
+            </a:ln>
+          </p:spPr>
+          <p:style>
+            <a:lnRef idx="2">
+              <a:schemeClr val="accent1">
+                <a:shade val="50000"/>
+              </a:schemeClr>
+            </a:lnRef>
+            <a:fillRef idx="1">
+              <a:schemeClr val="accent1"/>
+            </a:fillRef>
+            <a:effectRef idx="0">
+              <a:schemeClr val="accent1"/>
+            </a:effectRef>
+            <a:fontRef idx="minor">
+              <a:schemeClr val="lt1"/>
+            </a:fontRef>
+          </p:style>
+          <p:txBody>
+            <a:bodyPr rtlCol="0" anchor="ctr"/>
+            <a:lstStyle/>
+            <a:p>
+              <a:pPr algn="ctr"/>
+              <a:endParaRPr lang="ko-KR" altLang="en-US"/>
+            </a:p>
+          </p:txBody>
+        </p:sp>
+      </p:grpSp>
+      <p:grpSp>
+        <p:nvGrpSpPr>
+          <p:cNvPr id="14" name="그룹 13"/>
+          <p:cNvGrpSpPr/>
+          <p:nvPr/>
+        </p:nvGrpSpPr>
+        <p:grpSpPr>
+          <a:xfrm>
+            <a:off x="4289660" y="1001877"/>
+            <a:ext cx="946017" cy="1097904"/>
+            <a:chOff x="4289660" y="1001877"/>
+            <a:chExt cx="946017" cy="1097904"/>
+          </a:xfrm>
+        </p:grpSpPr>
         <p:grpSp>
           <p:nvGrpSpPr>
             <p:cNvPr id="113" name="그룹 112"/>
@@ -17556,13 +17558,6 @@
               </a:rPr>
               <a:t>.</a:t>
             </a:r>
-            <a:endParaRPr lang="en-US" altLang="ko-KR" sz="2400" dirty="0" smtClean="0">
-              <a:ln w="38100">
-                <a:noFill/>
-              </a:ln>
-              <a:latin typeface="휴먼매직체" panose="02030504000101010101" pitchFamily="18" charset="-127"/>
-              <a:ea typeface="휴먼매직체" panose="02030504000101010101" pitchFamily="18" charset="-127"/>
-            </a:endParaRPr>
           </a:p>
           <a:p>
             <a:pPr algn="ctr"/>
@@ -17574,37 +17569,7 @@
                 <a:latin typeface="휴먼매직체" panose="02030504000101010101" pitchFamily="18" charset="-127"/>
                 <a:ea typeface="휴먼매직체" panose="02030504000101010101" pitchFamily="18" charset="-127"/>
               </a:rPr>
-              <a:t>칼</a:t>
-            </a:r>
-            <a:r>
-              <a:rPr lang="ko-KR" altLang="en-US" sz="2400" dirty="0" smtClean="0">
-                <a:ln w="38100">
-                  <a:noFill/>
-                </a:ln>
-                <a:latin typeface="휴먼매직체" panose="02030504000101010101" pitchFamily="18" charset="-127"/>
-                <a:ea typeface="휴먼매직체" panose="02030504000101010101" pitchFamily="18" charset="-127"/>
-              </a:rPr>
-              <a:t>이</a:t>
-            </a:r>
-            <a:r>
-              <a:rPr lang="ko-KR" altLang="en-US" sz="2400" dirty="0" smtClean="0">
-                <a:ln w="38100">
-                  <a:noFill/>
-                </a:ln>
-                <a:latin typeface="휴먼매직체" panose="02030504000101010101" pitchFamily="18" charset="-127"/>
-                <a:ea typeface="휴먼매직체" panose="02030504000101010101" pitchFamily="18" charset="-127"/>
-              </a:rPr>
-              <a:t> </a:t>
-            </a:r>
-            <a:r>
-              <a:rPr lang="ko-KR" altLang="en-US" sz="2400" dirty="0" smtClean="0">
-                <a:ln w="38100">
-                  <a:noFill/>
-                </a:ln>
-                <a:latin typeface="휴먼매직체" panose="02030504000101010101" pitchFamily="18" charset="-127"/>
-                <a:ea typeface="휴먼매직체" panose="02030504000101010101" pitchFamily="18" charset="-127"/>
-              </a:rPr>
-              <a:t>움직이는 속도가 느려집니다</a:t>
+              <a:t>칼이 움직이는 속도가 느려집니다</a:t>
             </a:r>
             <a:r>
               <a:rPr lang="en-US" altLang="ko-KR" sz="2400" dirty="0" smtClean="0">
@@ -27631,570 +27596,6 @@
           <a:chExt cx="0" cy="0"/>
         </a:xfrm>
       </p:grpSpPr>
-      <p:grpSp>
-        <p:nvGrpSpPr>
-          <p:cNvPr id="2" name="그룹 1"/>
-          <p:cNvGrpSpPr/>
-          <p:nvPr/>
-        </p:nvGrpSpPr>
-        <p:grpSpPr>
-          <a:xfrm>
-            <a:off x="657496" y="544936"/>
-            <a:ext cx="1801372" cy="1801372"/>
-            <a:chOff x="657496" y="544936"/>
-            <a:chExt cx="1801372" cy="1801372"/>
-          </a:xfrm>
-        </p:grpSpPr>
-        <p:sp>
-          <p:nvSpPr>
-            <p:cNvPr id="30" name="타원 29"/>
-            <p:cNvSpPr/>
-            <p:nvPr/>
-          </p:nvSpPr>
-          <p:spPr>
-            <a:xfrm>
-              <a:off x="657496" y="544936"/>
-              <a:ext cx="1801372" cy="1801372"/>
-            </a:xfrm>
-            <a:prstGeom prst="ellipse">
-              <a:avLst/>
-            </a:prstGeom>
-            <a:solidFill>
-              <a:srgbClr val="B7B7FF"/>
-            </a:solidFill>
-            <a:ln w="38100" cmpd="sng">
-              <a:solidFill>
-                <a:schemeClr val="tx1"/>
-              </a:solidFill>
-            </a:ln>
-          </p:spPr>
-          <p:style>
-            <a:lnRef idx="2">
-              <a:schemeClr val="accent1">
-                <a:shade val="50000"/>
-              </a:schemeClr>
-            </a:lnRef>
-            <a:fillRef idx="1">
-              <a:schemeClr val="accent1"/>
-            </a:fillRef>
-            <a:effectRef idx="0">
-              <a:schemeClr val="accent1"/>
-            </a:effectRef>
-            <a:fontRef idx="minor">
-              <a:schemeClr val="lt1"/>
-            </a:fontRef>
-          </p:style>
-          <p:txBody>
-            <a:bodyPr rtlCol="0" anchor="ctr"/>
-            <a:lstStyle/>
-            <a:p>
-              <a:pPr algn="ctr"/>
-              <a:endParaRPr lang="ko-KR" altLang="en-US"/>
-            </a:p>
-          </p:txBody>
-        </p:sp>
-        <p:grpSp>
-          <p:nvGrpSpPr>
-            <p:cNvPr id="35" name="그룹 34"/>
-            <p:cNvGrpSpPr>
-              <a:grpSpLocks noChangeAspect="1"/>
-            </p:cNvGrpSpPr>
-            <p:nvPr/>
-          </p:nvGrpSpPr>
-          <p:grpSpPr>
-            <a:xfrm>
-              <a:off x="996380" y="784535"/>
-              <a:ext cx="1123603" cy="1322173"/>
-              <a:chOff x="3412309" y="580768"/>
-              <a:chExt cx="3307805" cy="3892379"/>
-            </a:xfrm>
-          </p:grpSpPr>
-          <p:sp>
-            <p:nvSpPr>
-              <p:cNvPr id="36" name="타원 35"/>
-              <p:cNvSpPr/>
-              <p:nvPr/>
-            </p:nvSpPr>
-            <p:spPr>
-              <a:xfrm>
-                <a:off x="4065373" y="2013171"/>
-                <a:ext cx="2162432" cy="2459976"/>
-              </a:xfrm>
-              <a:prstGeom prst="ellipse">
-                <a:avLst/>
-              </a:prstGeom>
-              <a:solidFill>
-                <a:schemeClr val="accent2">
-                  <a:lumMod val="20000"/>
-                  <a:lumOff val="80000"/>
-                </a:schemeClr>
-              </a:solidFill>
-              <a:ln>
-                <a:noFill/>
-              </a:ln>
-            </p:spPr>
-            <p:style>
-              <a:lnRef idx="2">
-                <a:schemeClr val="accent1">
-                  <a:shade val="50000"/>
-                </a:schemeClr>
-              </a:lnRef>
-              <a:fillRef idx="1">
-                <a:schemeClr val="accent1"/>
-              </a:fillRef>
-              <a:effectRef idx="0">
-                <a:schemeClr val="accent1"/>
-              </a:effectRef>
-              <a:fontRef idx="minor">
-                <a:schemeClr val="lt1"/>
-              </a:fontRef>
-            </p:style>
-            <p:txBody>
-              <a:bodyPr rtlCol="0" anchor="ctr"/>
-              <a:lstStyle/>
-              <a:p>
-                <a:pPr algn="ctr"/>
-                <a:endParaRPr lang="ko-KR" altLang="en-US"/>
-              </a:p>
-            </p:txBody>
-          </p:sp>
-          <p:grpSp>
-            <p:nvGrpSpPr>
-              <p:cNvPr id="37" name="그룹 36"/>
-              <p:cNvGrpSpPr/>
-              <p:nvPr/>
-            </p:nvGrpSpPr>
-            <p:grpSpPr>
-              <a:xfrm>
-                <a:off x="3412309" y="580768"/>
-                <a:ext cx="3307805" cy="2481746"/>
-                <a:chOff x="3412309" y="105954"/>
-                <a:chExt cx="3307805" cy="2956560"/>
-              </a:xfrm>
-            </p:grpSpPr>
-            <p:sp>
-              <p:nvSpPr>
-                <p:cNvPr id="41" name="타원 40"/>
-                <p:cNvSpPr/>
-                <p:nvPr/>
-              </p:nvSpPr>
-              <p:spPr>
-                <a:xfrm>
-                  <a:off x="5066726" y="105954"/>
-                  <a:ext cx="1653388" cy="1591721"/>
-                </a:xfrm>
-                <a:prstGeom prst="ellipse">
-                  <a:avLst/>
-                </a:prstGeom>
-                <a:solidFill>
-                  <a:schemeClr val="bg1">
-                    <a:lumMod val="95000"/>
-                  </a:schemeClr>
-                </a:solidFill>
-                <a:ln>
-                  <a:noFill/>
-                </a:ln>
-              </p:spPr>
-              <p:style>
-                <a:lnRef idx="2">
-                  <a:schemeClr val="accent1">
-                    <a:shade val="50000"/>
-                  </a:schemeClr>
-                </a:lnRef>
-                <a:fillRef idx="1">
-                  <a:schemeClr val="accent1"/>
-                </a:fillRef>
-                <a:effectRef idx="0">
-                  <a:schemeClr val="accent1"/>
-                </a:effectRef>
-                <a:fontRef idx="minor">
-                  <a:schemeClr val="lt1"/>
-                </a:fontRef>
-              </p:style>
-              <p:txBody>
-                <a:bodyPr rtlCol="0" anchor="ctr"/>
-                <a:lstStyle/>
-                <a:p>
-                  <a:pPr algn="ctr"/>
-                  <a:endParaRPr lang="ko-KR" altLang="en-US"/>
-                </a:p>
-              </p:txBody>
-            </p:sp>
-            <p:sp>
-              <p:nvSpPr>
-                <p:cNvPr id="42" name="타원 41"/>
-                <p:cNvSpPr/>
-                <p:nvPr/>
-              </p:nvSpPr>
-              <p:spPr>
-                <a:xfrm>
-                  <a:off x="4319404" y="432728"/>
-                  <a:ext cx="1493615" cy="1367212"/>
-                </a:xfrm>
-                <a:prstGeom prst="ellipse">
-                  <a:avLst/>
-                </a:prstGeom>
-                <a:solidFill>
-                  <a:schemeClr val="bg1">
-                    <a:lumMod val="95000"/>
-                  </a:schemeClr>
-                </a:solidFill>
-                <a:ln>
-                  <a:noFill/>
-                </a:ln>
-              </p:spPr>
-              <p:style>
-                <a:lnRef idx="2">
-                  <a:schemeClr val="accent1">
-                    <a:shade val="50000"/>
-                  </a:schemeClr>
-                </a:lnRef>
-                <a:fillRef idx="1">
-                  <a:schemeClr val="accent1"/>
-                </a:fillRef>
-                <a:effectRef idx="0">
-                  <a:schemeClr val="accent1"/>
-                </a:effectRef>
-                <a:fontRef idx="minor">
-                  <a:schemeClr val="lt1"/>
-                </a:fontRef>
-              </p:style>
-              <p:txBody>
-                <a:bodyPr rtlCol="0" anchor="ctr"/>
-                <a:lstStyle/>
-                <a:p>
-                  <a:pPr algn="ctr"/>
-                  <a:endParaRPr lang="ko-KR" altLang="en-US"/>
-                </a:p>
-              </p:txBody>
-            </p:sp>
-            <p:sp>
-              <p:nvSpPr>
-                <p:cNvPr id="43" name="타원 42"/>
-                <p:cNvSpPr/>
-                <p:nvPr/>
-              </p:nvSpPr>
-              <p:spPr>
-                <a:xfrm>
-                  <a:off x="3786487" y="626256"/>
-                  <a:ext cx="1279725" cy="1173682"/>
-                </a:xfrm>
-                <a:prstGeom prst="ellipse">
-                  <a:avLst/>
-                </a:prstGeom>
-                <a:solidFill>
-                  <a:schemeClr val="bg1">
-                    <a:lumMod val="95000"/>
-                  </a:schemeClr>
-                </a:solidFill>
-                <a:ln>
-                  <a:noFill/>
-                </a:ln>
-              </p:spPr>
-              <p:style>
-                <a:lnRef idx="2">
-                  <a:schemeClr val="accent1">
-                    <a:shade val="50000"/>
-                  </a:schemeClr>
-                </a:lnRef>
-                <a:fillRef idx="1">
-                  <a:schemeClr val="accent1"/>
-                </a:fillRef>
-                <a:effectRef idx="0">
-                  <a:schemeClr val="accent1"/>
-                </a:effectRef>
-                <a:fontRef idx="minor">
-                  <a:schemeClr val="lt1"/>
-                </a:fontRef>
-              </p:style>
-              <p:txBody>
-                <a:bodyPr rtlCol="0" anchor="ctr"/>
-                <a:lstStyle/>
-                <a:p>
-                  <a:pPr algn="ctr"/>
-                  <a:endParaRPr lang="ko-KR" altLang="en-US"/>
-                </a:p>
-              </p:txBody>
-            </p:sp>
-            <p:sp>
-              <p:nvSpPr>
-                <p:cNvPr id="44" name="타원 43"/>
-                <p:cNvSpPr/>
-                <p:nvPr/>
-              </p:nvSpPr>
-              <p:spPr>
-                <a:xfrm>
-                  <a:off x="3412309" y="1098942"/>
-                  <a:ext cx="1279725" cy="1173682"/>
-                </a:xfrm>
-                <a:prstGeom prst="ellipse">
-                  <a:avLst/>
-                </a:prstGeom>
-                <a:solidFill>
-                  <a:schemeClr val="bg1">
-                    <a:lumMod val="95000"/>
-                  </a:schemeClr>
-                </a:solidFill>
-                <a:ln>
-                  <a:noFill/>
-                </a:ln>
-              </p:spPr>
-              <p:style>
-                <a:lnRef idx="2">
-                  <a:schemeClr val="accent1">
-                    <a:shade val="50000"/>
-                  </a:schemeClr>
-                </a:lnRef>
-                <a:fillRef idx="1">
-                  <a:schemeClr val="accent1"/>
-                </a:fillRef>
-                <a:effectRef idx="0">
-                  <a:schemeClr val="accent1"/>
-                </a:effectRef>
-                <a:fontRef idx="minor">
-                  <a:schemeClr val="lt1"/>
-                </a:fontRef>
-              </p:style>
-              <p:txBody>
-                <a:bodyPr rtlCol="0" anchor="ctr"/>
-                <a:lstStyle/>
-                <a:p>
-                  <a:pPr algn="ctr"/>
-                  <a:endParaRPr lang="ko-KR" altLang="en-US"/>
-                </a:p>
-              </p:txBody>
-            </p:sp>
-            <p:sp>
-              <p:nvSpPr>
-                <p:cNvPr id="45" name="직사각형 44"/>
-                <p:cNvSpPr/>
-                <p:nvPr/>
-              </p:nvSpPr>
-              <p:spPr>
-                <a:xfrm>
-                  <a:off x="4065373" y="1506517"/>
-                  <a:ext cx="2162432" cy="1555997"/>
-                </a:xfrm>
-                <a:prstGeom prst="rect">
-                  <a:avLst/>
-                </a:prstGeom>
-                <a:solidFill>
-                  <a:schemeClr val="bg1">
-                    <a:lumMod val="95000"/>
-                  </a:schemeClr>
-                </a:solidFill>
-                <a:ln>
-                  <a:noFill/>
-                </a:ln>
-              </p:spPr>
-              <p:style>
-                <a:lnRef idx="2">
-                  <a:schemeClr val="accent1">
-                    <a:shade val="50000"/>
-                  </a:schemeClr>
-                </a:lnRef>
-                <a:fillRef idx="1">
-                  <a:schemeClr val="accent1"/>
-                </a:fillRef>
-                <a:effectRef idx="0">
-                  <a:schemeClr val="accent1"/>
-                </a:effectRef>
-                <a:fontRef idx="minor">
-                  <a:schemeClr val="lt1"/>
-                </a:fontRef>
-              </p:style>
-              <p:txBody>
-                <a:bodyPr rtlCol="0" anchor="ctr"/>
-                <a:lstStyle/>
-                <a:p>
-                  <a:pPr algn="ctr"/>
-                  <a:endParaRPr lang="ko-KR" altLang="en-US"/>
-                </a:p>
-              </p:txBody>
-            </p:sp>
-          </p:grpSp>
-          <p:sp>
-            <p:nvSpPr>
-              <p:cNvPr id="38" name="타원 37"/>
-              <p:cNvSpPr/>
-              <p:nvPr/>
-            </p:nvSpPr>
-            <p:spPr>
-              <a:xfrm>
-                <a:off x="4319404" y="3241184"/>
-                <a:ext cx="576000" cy="576000"/>
-              </a:xfrm>
-              <a:prstGeom prst="ellipse">
-                <a:avLst/>
-              </a:prstGeom>
-              <a:solidFill>
-                <a:schemeClr val="bg1"/>
-              </a:solidFill>
-              <a:ln w="38100">
-                <a:solidFill>
-                  <a:schemeClr val="tx1"/>
-                </a:solidFill>
-              </a:ln>
-            </p:spPr>
-            <p:style>
-              <a:lnRef idx="2">
-                <a:schemeClr val="accent1">
-                  <a:shade val="50000"/>
-                </a:schemeClr>
-              </a:lnRef>
-              <a:fillRef idx="1">
-                <a:schemeClr val="accent1"/>
-              </a:fillRef>
-              <a:effectRef idx="0">
-                <a:schemeClr val="accent1"/>
-              </a:effectRef>
-              <a:fontRef idx="minor">
-                <a:schemeClr val="lt1"/>
-              </a:fontRef>
-            </p:style>
-            <p:txBody>
-              <a:bodyPr rtlCol="0" anchor="ctr"/>
-              <a:lstStyle/>
-              <a:p>
-                <a:pPr algn="ctr"/>
-                <a:endParaRPr lang="ko-KR" altLang="en-US"/>
-              </a:p>
-            </p:txBody>
-          </p:sp>
-          <p:sp>
-            <p:nvSpPr>
-              <p:cNvPr id="39" name="타원 38"/>
-              <p:cNvSpPr/>
-              <p:nvPr/>
-            </p:nvSpPr>
-            <p:spPr>
-              <a:xfrm>
-                <a:off x="5415036" y="3241184"/>
-                <a:ext cx="576000" cy="576000"/>
-              </a:xfrm>
-              <a:prstGeom prst="ellipse">
-                <a:avLst/>
-              </a:prstGeom>
-              <a:solidFill>
-                <a:schemeClr val="bg1"/>
-              </a:solidFill>
-              <a:ln w="38100">
-                <a:solidFill>
-                  <a:schemeClr val="tx1"/>
-                </a:solidFill>
-              </a:ln>
-            </p:spPr>
-            <p:style>
-              <a:lnRef idx="2">
-                <a:schemeClr val="accent1">
-                  <a:shade val="50000"/>
-                </a:schemeClr>
-              </a:lnRef>
-              <a:fillRef idx="1">
-                <a:schemeClr val="accent1"/>
-              </a:fillRef>
-              <a:effectRef idx="0">
-                <a:schemeClr val="accent1"/>
-              </a:effectRef>
-              <a:fontRef idx="minor">
-                <a:schemeClr val="lt1"/>
-              </a:fontRef>
-            </p:style>
-            <p:txBody>
-              <a:bodyPr rtlCol="0" anchor="ctr"/>
-              <a:lstStyle/>
-              <a:p>
-                <a:pPr algn="ctr"/>
-                <a:endParaRPr lang="ko-KR" altLang="en-US"/>
-              </a:p>
-            </p:txBody>
-          </p:sp>
-          <p:sp>
-            <p:nvSpPr>
-              <p:cNvPr id="40" name="자유형 39"/>
-              <p:cNvSpPr/>
-              <p:nvPr/>
-            </p:nvSpPr>
-            <p:spPr>
-              <a:xfrm>
-                <a:off x="4897395" y="3480440"/>
-                <a:ext cx="518983" cy="65949"/>
-              </a:xfrm>
-              <a:custGeom>
-                <a:avLst/>
-                <a:gdLst>
-                  <a:gd name="connsiteX0" fmla="*/ 0 w 518983"/>
-                  <a:gd name="connsiteY0" fmla="*/ 65949 h 65949"/>
-                  <a:gd name="connsiteX1" fmla="*/ 238897 w 518983"/>
-                  <a:gd name="connsiteY1" fmla="*/ 46 h 65949"/>
-                  <a:gd name="connsiteX2" fmla="*/ 518983 w 518983"/>
-                  <a:gd name="connsiteY2" fmla="*/ 57711 h 65949"/>
-                </a:gdLst>
-                <a:ahLst/>
-                <a:cxnLst>
-                  <a:cxn ang="0">
-                    <a:pos x="connsiteX0" y="connsiteY0"/>
-                  </a:cxn>
-                  <a:cxn ang="0">
-                    <a:pos x="connsiteX1" y="connsiteY1"/>
-                  </a:cxn>
-                  <a:cxn ang="0">
-                    <a:pos x="connsiteX2" y="connsiteY2"/>
-                  </a:cxn>
-                </a:cxnLst>
-                <a:rect l="l" t="t" r="r" b="b"/>
-                <a:pathLst>
-                  <a:path w="518983" h="65949">
-                    <a:moveTo>
-                      <a:pt x="0" y="65949"/>
-                    </a:moveTo>
-                    <a:cubicBezTo>
-                      <a:pt x="76200" y="33684"/>
-                      <a:pt x="152400" y="1419"/>
-                      <a:pt x="238897" y="46"/>
-                    </a:cubicBezTo>
-                    <a:cubicBezTo>
-                      <a:pt x="325394" y="-1327"/>
-                      <a:pt x="422188" y="28192"/>
-                      <a:pt x="518983" y="57711"/>
-                    </a:cubicBezTo>
-                  </a:path>
-                </a:pathLst>
-              </a:custGeom>
-              <a:noFill/>
-              <a:ln w="38100">
-                <a:solidFill>
-                  <a:schemeClr val="tx1"/>
-                </a:solidFill>
-              </a:ln>
-            </p:spPr>
-            <p:style>
-              <a:lnRef idx="2">
-                <a:schemeClr val="accent1">
-                  <a:shade val="50000"/>
-                </a:schemeClr>
-              </a:lnRef>
-              <a:fillRef idx="1">
-                <a:schemeClr val="accent1"/>
-              </a:fillRef>
-              <a:effectRef idx="0">
-                <a:schemeClr val="accent1"/>
-              </a:effectRef>
-              <a:fontRef idx="minor">
-                <a:schemeClr val="lt1"/>
-              </a:fontRef>
-            </p:style>
-            <p:txBody>
-              <a:bodyPr rtlCol="0" anchor="ctr"/>
-              <a:lstStyle/>
-              <a:p>
-                <a:pPr algn="ctr"/>
-                <a:endParaRPr lang="ko-KR" altLang="en-US"/>
-              </a:p>
-            </p:txBody>
-          </p:sp>
-        </p:grpSp>
-      </p:grpSp>
       <p:sp>
         <p:nvSpPr>
           <p:cNvPr id="50" name="타원 49"/>
@@ -34113,10 +33514,2749 @@
           </p:pic>
         </p:grpSp>
       </p:grpSp>
+      <p:grpSp>
+        <p:nvGrpSpPr>
+          <p:cNvPr id="7" name="그룹 6"/>
+          <p:cNvGrpSpPr/>
+          <p:nvPr/>
+        </p:nvGrpSpPr>
+        <p:grpSpPr>
+          <a:xfrm>
+            <a:off x="657496" y="544936"/>
+            <a:ext cx="1801372" cy="1801372"/>
+            <a:chOff x="657496" y="544936"/>
+            <a:chExt cx="1801372" cy="1801372"/>
+          </a:xfrm>
+        </p:grpSpPr>
+        <p:sp>
+          <p:nvSpPr>
+            <p:cNvPr id="30" name="타원 29"/>
+            <p:cNvSpPr/>
+            <p:nvPr/>
+          </p:nvSpPr>
+          <p:spPr>
+            <a:xfrm>
+              <a:off x="657496" y="544936"/>
+              <a:ext cx="1801372" cy="1801372"/>
+            </a:xfrm>
+            <a:prstGeom prst="ellipse">
+              <a:avLst/>
+            </a:prstGeom>
+            <a:solidFill>
+              <a:srgbClr val="B7B7FF"/>
+            </a:solidFill>
+            <a:ln w="38100" cmpd="sng">
+              <a:solidFill>
+                <a:schemeClr val="tx1"/>
+              </a:solidFill>
+            </a:ln>
+          </p:spPr>
+          <p:style>
+            <a:lnRef idx="2">
+              <a:schemeClr val="accent1">
+                <a:shade val="50000"/>
+              </a:schemeClr>
+            </a:lnRef>
+            <a:fillRef idx="1">
+              <a:schemeClr val="accent1"/>
+            </a:fillRef>
+            <a:effectRef idx="0">
+              <a:schemeClr val="accent1"/>
+            </a:effectRef>
+            <a:fontRef idx="minor">
+              <a:schemeClr val="lt1"/>
+            </a:fontRef>
+          </p:style>
+          <p:txBody>
+            <a:bodyPr rtlCol="0" anchor="ctr"/>
+            <a:lstStyle/>
+            <a:p>
+              <a:pPr algn="ctr"/>
+              <a:endParaRPr lang="ko-KR" altLang="en-US"/>
+            </a:p>
+          </p:txBody>
+        </p:sp>
+        <p:grpSp>
+          <p:nvGrpSpPr>
+            <p:cNvPr id="152" name="그룹 151"/>
+            <p:cNvGrpSpPr/>
+            <p:nvPr/>
+          </p:nvGrpSpPr>
+          <p:grpSpPr>
+            <a:xfrm>
+              <a:off x="934170" y="797167"/>
+              <a:ext cx="1248909" cy="1360981"/>
+              <a:chOff x="4289660" y="1001877"/>
+              <a:chExt cx="946017" cy="1097904"/>
+            </a:xfrm>
+          </p:grpSpPr>
+          <p:grpSp>
+            <p:nvGrpSpPr>
+              <p:cNvPr id="153" name="그룹 152"/>
+              <p:cNvGrpSpPr>
+                <a:grpSpLocks noChangeAspect="1"/>
+              </p:cNvGrpSpPr>
+              <p:nvPr/>
+            </p:nvGrpSpPr>
+            <p:grpSpPr>
+              <a:xfrm>
+                <a:off x="4289660" y="1001877"/>
+                <a:ext cx="946017" cy="1097904"/>
+                <a:chOff x="3412309" y="569140"/>
+                <a:chExt cx="3363916" cy="3904007"/>
+              </a:xfrm>
+            </p:grpSpPr>
+            <p:sp>
+              <p:nvSpPr>
+                <p:cNvPr id="157" name="타원 156"/>
+                <p:cNvSpPr/>
+                <p:nvPr/>
+              </p:nvSpPr>
+              <p:spPr>
+                <a:xfrm>
+                  <a:off x="4065373" y="2013171"/>
+                  <a:ext cx="2162432" cy="2459976"/>
+                </a:xfrm>
+                <a:prstGeom prst="ellipse">
+                  <a:avLst/>
+                </a:prstGeom>
+                <a:solidFill>
+                  <a:srgbClr val="FEEDB0"/>
+                </a:solidFill>
+                <a:ln>
+                  <a:noFill/>
+                </a:ln>
+              </p:spPr>
+              <p:style>
+                <a:lnRef idx="2">
+                  <a:schemeClr val="accent1">
+                    <a:shade val="50000"/>
+                  </a:schemeClr>
+                </a:lnRef>
+                <a:fillRef idx="1">
+                  <a:schemeClr val="accent1"/>
+                </a:fillRef>
+                <a:effectRef idx="0">
+                  <a:schemeClr val="accent1"/>
+                </a:effectRef>
+                <a:fontRef idx="minor">
+                  <a:schemeClr val="lt1"/>
+                </a:fontRef>
+              </p:style>
+              <p:txBody>
+                <a:bodyPr rtlCol="0" anchor="ctr"/>
+                <a:lstStyle/>
+                <a:p>
+                  <a:pPr algn="ctr"/>
+                  <a:endParaRPr lang="ko-KR" altLang="en-US"/>
+                </a:p>
+              </p:txBody>
+            </p:sp>
+            <p:grpSp>
+              <p:nvGrpSpPr>
+                <p:cNvPr id="158" name="그룹 157"/>
+                <p:cNvGrpSpPr/>
+                <p:nvPr/>
+              </p:nvGrpSpPr>
+              <p:grpSpPr>
+                <a:xfrm>
+                  <a:off x="3412309" y="569140"/>
+                  <a:ext cx="3363916" cy="2493374"/>
+                  <a:chOff x="3412309" y="92101"/>
+                  <a:chExt cx="3363916" cy="2970413"/>
+                </a:xfrm>
+              </p:grpSpPr>
+              <p:sp>
+                <p:nvSpPr>
+                  <p:cNvPr id="162" name="타원 161"/>
+                  <p:cNvSpPr/>
+                  <p:nvPr/>
+                </p:nvSpPr>
+                <p:spPr>
+                  <a:xfrm>
+                    <a:off x="5401208" y="190631"/>
+                    <a:ext cx="1375017" cy="1591723"/>
+                  </a:xfrm>
+                  <a:prstGeom prst="ellipse">
+                    <a:avLst/>
+                  </a:prstGeom>
+                  <a:solidFill>
+                    <a:schemeClr val="bg1"/>
+                  </a:solidFill>
+                  <a:ln>
+                    <a:noFill/>
+                  </a:ln>
+                </p:spPr>
+                <p:style>
+                  <a:lnRef idx="2">
+                    <a:schemeClr val="accent1">
+                      <a:shade val="50000"/>
+                    </a:schemeClr>
+                  </a:lnRef>
+                  <a:fillRef idx="1">
+                    <a:schemeClr val="accent1"/>
+                  </a:fillRef>
+                  <a:effectRef idx="0">
+                    <a:schemeClr val="accent1"/>
+                  </a:effectRef>
+                  <a:fontRef idx="minor">
+                    <a:schemeClr val="lt1"/>
+                  </a:fontRef>
+                </p:style>
+                <p:txBody>
+                  <a:bodyPr rtlCol="0" anchor="ctr"/>
+                  <a:lstStyle/>
+                  <a:p>
+                    <a:pPr algn="ctr"/>
+                    <a:endParaRPr lang="ko-KR" altLang="en-US"/>
+                  </a:p>
+                </p:txBody>
+              </p:sp>
+              <p:sp>
+                <p:nvSpPr>
+                  <p:cNvPr id="163" name="타원 162"/>
+                  <p:cNvSpPr/>
+                  <p:nvPr/>
+                </p:nvSpPr>
+                <p:spPr>
+                  <a:xfrm>
+                    <a:off x="4378731" y="92101"/>
+                    <a:ext cx="1493616" cy="1670974"/>
+                  </a:xfrm>
+                  <a:prstGeom prst="ellipse">
+                    <a:avLst/>
+                  </a:prstGeom>
+                  <a:solidFill>
+                    <a:schemeClr val="bg1"/>
+                  </a:solidFill>
+                  <a:ln>
+                    <a:noFill/>
+                  </a:ln>
+                </p:spPr>
+                <p:style>
+                  <a:lnRef idx="2">
+                    <a:schemeClr val="accent1">
+                      <a:shade val="50000"/>
+                    </a:schemeClr>
+                  </a:lnRef>
+                  <a:fillRef idx="1">
+                    <a:schemeClr val="accent1"/>
+                  </a:fillRef>
+                  <a:effectRef idx="0">
+                    <a:schemeClr val="accent1"/>
+                  </a:effectRef>
+                  <a:fontRef idx="minor">
+                    <a:schemeClr val="lt1"/>
+                  </a:fontRef>
+                </p:style>
+                <p:txBody>
+                  <a:bodyPr rtlCol="0" anchor="ctr"/>
+                  <a:lstStyle/>
+                  <a:p>
+                    <a:pPr algn="ctr"/>
+                    <a:endParaRPr lang="ko-KR" altLang="en-US"/>
+                  </a:p>
+                </p:txBody>
+              </p:sp>
+              <p:sp>
+                <p:nvSpPr>
+                  <p:cNvPr id="164" name="타원 163"/>
+                  <p:cNvSpPr/>
+                  <p:nvPr/>
+                </p:nvSpPr>
+                <p:spPr>
+                  <a:xfrm>
+                    <a:off x="3681485" y="320817"/>
+                    <a:ext cx="1305556" cy="1397486"/>
+                  </a:xfrm>
+                  <a:prstGeom prst="ellipse">
+                    <a:avLst/>
+                  </a:prstGeom>
+                  <a:solidFill>
+                    <a:schemeClr val="bg1"/>
+                  </a:solidFill>
+                  <a:ln>
+                    <a:noFill/>
+                  </a:ln>
+                </p:spPr>
+                <p:style>
+                  <a:lnRef idx="2">
+                    <a:schemeClr val="accent1">
+                      <a:shade val="50000"/>
+                    </a:schemeClr>
+                  </a:lnRef>
+                  <a:fillRef idx="1">
+                    <a:schemeClr val="accent1"/>
+                  </a:fillRef>
+                  <a:effectRef idx="0">
+                    <a:schemeClr val="accent1"/>
+                  </a:effectRef>
+                  <a:fontRef idx="minor">
+                    <a:schemeClr val="lt1"/>
+                  </a:fontRef>
+                </p:style>
+                <p:txBody>
+                  <a:bodyPr rtlCol="0" anchor="ctr"/>
+                  <a:lstStyle/>
+                  <a:p>
+                    <a:pPr algn="ctr"/>
+                    <a:endParaRPr lang="ko-KR" altLang="en-US"/>
+                  </a:p>
+                </p:txBody>
+              </p:sp>
+              <p:sp>
+                <p:nvSpPr>
+                  <p:cNvPr id="165" name="타원 164"/>
+                  <p:cNvSpPr/>
+                  <p:nvPr/>
+                </p:nvSpPr>
+                <p:spPr>
+                  <a:xfrm>
+                    <a:off x="3412309" y="1098942"/>
+                    <a:ext cx="1279725" cy="1173682"/>
+                  </a:xfrm>
+                  <a:prstGeom prst="ellipse">
+                    <a:avLst/>
+                  </a:prstGeom>
+                  <a:solidFill>
+                    <a:schemeClr val="bg1"/>
+                  </a:solidFill>
+                  <a:ln>
+                    <a:noFill/>
+                  </a:ln>
+                </p:spPr>
+                <p:style>
+                  <a:lnRef idx="2">
+                    <a:schemeClr val="accent1">
+                      <a:shade val="50000"/>
+                    </a:schemeClr>
+                  </a:lnRef>
+                  <a:fillRef idx="1">
+                    <a:schemeClr val="accent1"/>
+                  </a:fillRef>
+                  <a:effectRef idx="0">
+                    <a:schemeClr val="accent1"/>
+                  </a:effectRef>
+                  <a:fontRef idx="minor">
+                    <a:schemeClr val="lt1"/>
+                  </a:fontRef>
+                </p:style>
+                <p:txBody>
+                  <a:bodyPr rtlCol="0" anchor="ctr"/>
+                  <a:lstStyle/>
+                  <a:p>
+                    <a:pPr algn="ctr"/>
+                    <a:endParaRPr lang="ko-KR" altLang="en-US"/>
+                  </a:p>
+                </p:txBody>
+              </p:sp>
+              <p:sp>
+                <p:nvSpPr>
+                  <p:cNvPr id="166" name="직사각형 165"/>
+                  <p:cNvSpPr/>
+                  <p:nvPr/>
+                </p:nvSpPr>
+                <p:spPr>
+                  <a:xfrm>
+                    <a:off x="4065373" y="1506517"/>
+                    <a:ext cx="2162432" cy="1555997"/>
+                  </a:xfrm>
+                  <a:prstGeom prst="rect">
+                    <a:avLst/>
+                  </a:prstGeom>
+                  <a:solidFill>
+                    <a:schemeClr val="bg1"/>
+                  </a:solidFill>
+                  <a:ln>
+                    <a:noFill/>
+                  </a:ln>
+                </p:spPr>
+                <p:style>
+                  <a:lnRef idx="2">
+                    <a:schemeClr val="accent1">
+                      <a:shade val="50000"/>
+                    </a:schemeClr>
+                  </a:lnRef>
+                  <a:fillRef idx="1">
+                    <a:schemeClr val="accent1"/>
+                  </a:fillRef>
+                  <a:effectRef idx="0">
+                    <a:schemeClr val="accent1"/>
+                  </a:effectRef>
+                  <a:fontRef idx="minor">
+                    <a:schemeClr val="lt1"/>
+                  </a:fontRef>
+                </p:style>
+                <p:txBody>
+                  <a:bodyPr rtlCol="0" anchor="ctr"/>
+                  <a:lstStyle/>
+                  <a:p>
+                    <a:pPr algn="ctr"/>
+                    <a:endParaRPr lang="ko-KR" altLang="en-US"/>
+                  </a:p>
+                </p:txBody>
+              </p:sp>
+            </p:grpSp>
+            <p:sp>
+              <p:nvSpPr>
+                <p:cNvPr id="159" name="타원 158"/>
+                <p:cNvSpPr/>
+                <p:nvPr/>
+              </p:nvSpPr>
+              <p:spPr>
+                <a:xfrm>
+                  <a:off x="4319404" y="3241184"/>
+                  <a:ext cx="576000" cy="576000"/>
+                </a:xfrm>
+                <a:prstGeom prst="ellipse">
+                  <a:avLst/>
+                </a:prstGeom>
+                <a:solidFill>
+                  <a:schemeClr val="bg1"/>
+                </a:solidFill>
+                <a:ln w="25400">
+                  <a:solidFill>
+                    <a:schemeClr val="tx1"/>
+                  </a:solidFill>
+                </a:ln>
+              </p:spPr>
+              <p:style>
+                <a:lnRef idx="2">
+                  <a:schemeClr val="accent1">
+                    <a:shade val="50000"/>
+                  </a:schemeClr>
+                </a:lnRef>
+                <a:fillRef idx="1">
+                  <a:schemeClr val="accent1"/>
+                </a:fillRef>
+                <a:effectRef idx="0">
+                  <a:schemeClr val="accent1"/>
+                </a:effectRef>
+                <a:fontRef idx="minor">
+                  <a:schemeClr val="lt1"/>
+                </a:fontRef>
+              </p:style>
+              <p:txBody>
+                <a:bodyPr rtlCol="0" anchor="ctr"/>
+                <a:lstStyle/>
+                <a:p>
+                  <a:pPr algn="ctr"/>
+                  <a:endParaRPr lang="ko-KR" altLang="en-US"/>
+                </a:p>
+              </p:txBody>
+            </p:sp>
+            <p:sp>
+              <p:nvSpPr>
+                <p:cNvPr id="160" name="타원 159"/>
+                <p:cNvSpPr/>
+                <p:nvPr/>
+              </p:nvSpPr>
+              <p:spPr>
+                <a:xfrm>
+                  <a:off x="5415036" y="3241184"/>
+                  <a:ext cx="576000" cy="576000"/>
+                </a:xfrm>
+                <a:prstGeom prst="ellipse">
+                  <a:avLst/>
+                </a:prstGeom>
+                <a:solidFill>
+                  <a:schemeClr val="bg1"/>
+                </a:solidFill>
+                <a:ln w="25400">
+                  <a:solidFill>
+                    <a:schemeClr val="tx1"/>
+                  </a:solidFill>
+                </a:ln>
+              </p:spPr>
+              <p:style>
+                <a:lnRef idx="2">
+                  <a:schemeClr val="accent1">
+                    <a:shade val="50000"/>
+                  </a:schemeClr>
+                </a:lnRef>
+                <a:fillRef idx="1">
+                  <a:schemeClr val="accent1"/>
+                </a:fillRef>
+                <a:effectRef idx="0">
+                  <a:schemeClr val="accent1"/>
+                </a:effectRef>
+                <a:fontRef idx="minor">
+                  <a:schemeClr val="lt1"/>
+                </a:fontRef>
+              </p:style>
+              <p:txBody>
+                <a:bodyPr rtlCol="0" anchor="ctr"/>
+                <a:lstStyle/>
+                <a:p>
+                  <a:pPr algn="ctr"/>
+                  <a:endParaRPr lang="ko-KR" altLang="en-US"/>
+                </a:p>
+              </p:txBody>
+            </p:sp>
+            <p:sp>
+              <p:nvSpPr>
+                <p:cNvPr id="161" name="자유형 160"/>
+                <p:cNvSpPr/>
+                <p:nvPr/>
+              </p:nvSpPr>
+              <p:spPr>
+                <a:xfrm>
+                  <a:off x="4897395" y="3480440"/>
+                  <a:ext cx="518983" cy="65949"/>
+                </a:xfrm>
+                <a:custGeom>
+                  <a:avLst/>
+                  <a:gdLst>
+                    <a:gd name="connsiteX0" fmla="*/ 0 w 518983"/>
+                    <a:gd name="connsiteY0" fmla="*/ 65949 h 65949"/>
+                    <a:gd name="connsiteX1" fmla="*/ 238897 w 518983"/>
+                    <a:gd name="connsiteY1" fmla="*/ 46 h 65949"/>
+                    <a:gd name="connsiteX2" fmla="*/ 518983 w 518983"/>
+                    <a:gd name="connsiteY2" fmla="*/ 57711 h 65949"/>
+                  </a:gdLst>
+                  <a:ahLst/>
+                  <a:cxnLst>
+                    <a:cxn ang="0">
+                      <a:pos x="connsiteX0" y="connsiteY0"/>
+                    </a:cxn>
+                    <a:cxn ang="0">
+                      <a:pos x="connsiteX1" y="connsiteY1"/>
+                    </a:cxn>
+                    <a:cxn ang="0">
+                      <a:pos x="connsiteX2" y="connsiteY2"/>
+                    </a:cxn>
+                  </a:cxnLst>
+                  <a:rect l="l" t="t" r="r" b="b"/>
+                  <a:pathLst>
+                    <a:path w="518983" h="65949">
+                      <a:moveTo>
+                        <a:pt x="0" y="65949"/>
+                      </a:moveTo>
+                      <a:cubicBezTo>
+                        <a:pt x="76200" y="33684"/>
+                        <a:pt x="152400" y="1419"/>
+                        <a:pt x="238897" y="46"/>
+                      </a:cubicBezTo>
+                      <a:cubicBezTo>
+                        <a:pt x="325394" y="-1327"/>
+                        <a:pt x="422188" y="28192"/>
+                        <a:pt x="518983" y="57711"/>
+                      </a:cubicBezTo>
+                    </a:path>
+                  </a:pathLst>
+                </a:custGeom>
+                <a:noFill/>
+                <a:ln w="25400">
+                  <a:solidFill>
+                    <a:schemeClr val="tx1"/>
+                  </a:solidFill>
+                </a:ln>
+              </p:spPr>
+              <p:style>
+                <a:lnRef idx="2">
+                  <a:schemeClr val="accent1">
+                    <a:shade val="50000"/>
+                  </a:schemeClr>
+                </a:lnRef>
+                <a:fillRef idx="1">
+                  <a:schemeClr val="accent1"/>
+                </a:fillRef>
+                <a:effectRef idx="0">
+                  <a:schemeClr val="accent1"/>
+                </a:effectRef>
+                <a:fontRef idx="minor">
+                  <a:schemeClr val="lt1"/>
+                </a:fontRef>
+              </p:style>
+              <p:txBody>
+                <a:bodyPr rtlCol="0" anchor="ctr"/>
+                <a:lstStyle/>
+                <a:p>
+                  <a:pPr algn="ctr"/>
+                  <a:endParaRPr lang="ko-KR" altLang="en-US"/>
+                </a:p>
+              </p:txBody>
+            </p:sp>
+          </p:grpSp>
+          <p:cxnSp>
+            <p:nvCxnSpPr>
+              <p:cNvPr id="154" name="직선 연결선 153"/>
+              <p:cNvCxnSpPr/>
+              <p:nvPr/>
+            </p:nvCxnSpPr>
+            <p:spPr>
+              <a:xfrm>
+                <a:off x="4931381" y="1412507"/>
+                <a:ext cx="0" cy="227090"/>
+              </a:xfrm>
+              <a:prstGeom prst="line">
+                <a:avLst/>
+              </a:prstGeom>
+              <a:ln w="25400" cap="rnd">
+                <a:solidFill>
+                  <a:schemeClr val="tx1"/>
+                </a:solidFill>
+                <a:round/>
+              </a:ln>
+            </p:spPr>
+            <p:style>
+              <a:lnRef idx="1">
+                <a:schemeClr val="accent1"/>
+              </a:lnRef>
+              <a:fillRef idx="0">
+                <a:schemeClr val="accent1"/>
+              </a:fillRef>
+              <a:effectRef idx="0">
+                <a:schemeClr val="accent1"/>
+              </a:effectRef>
+              <a:fontRef idx="minor">
+                <a:schemeClr val="tx1"/>
+              </a:fontRef>
+            </p:style>
+          </p:cxnSp>
+          <p:cxnSp>
+            <p:nvCxnSpPr>
+              <p:cNvPr id="155" name="직선 연결선 154"/>
+              <p:cNvCxnSpPr/>
+              <p:nvPr/>
+            </p:nvCxnSpPr>
+            <p:spPr>
+              <a:xfrm>
+                <a:off x="4625751" y="1417027"/>
+                <a:ext cx="0" cy="227090"/>
+              </a:xfrm>
+              <a:prstGeom prst="line">
+                <a:avLst/>
+              </a:prstGeom>
+              <a:ln w="25400" cap="rnd">
+                <a:solidFill>
+                  <a:schemeClr val="tx1"/>
+                </a:solidFill>
+                <a:round/>
+              </a:ln>
+            </p:spPr>
+            <p:style>
+              <a:lnRef idx="1">
+                <a:schemeClr val="accent1"/>
+              </a:lnRef>
+              <a:fillRef idx="0">
+                <a:schemeClr val="accent1"/>
+              </a:fillRef>
+              <a:effectRef idx="0">
+                <a:schemeClr val="accent1"/>
+              </a:effectRef>
+              <a:fontRef idx="minor">
+                <a:schemeClr val="tx1"/>
+              </a:fontRef>
+            </p:style>
+          </p:cxnSp>
+          <p:cxnSp>
+            <p:nvCxnSpPr>
+              <p:cNvPr id="156" name="직선 연결선 155"/>
+              <p:cNvCxnSpPr>
+                <a:stCxn id="166" idx="0"/>
+              </p:cNvCxnSpPr>
+              <p:nvPr/>
+            </p:nvCxnSpPr>
+            <p:spPr>
+              <a:xfrm flipH="1">
+                <a:off x="4776486" y="1335766"/>
+                <a:ext cx="897" cy="294393"/>
+              </a:xfrm>
+              <a:prstGeom prst="line">
+                <a:avLst/>
+              </a:prstGeom>
+              <a:ln w="25400" cap="rnd">
+                <a:solidFill>
+                  <a:schemeClr val="tx1"/>
+                </a:solidFill>
+                <a:round/>
+              </a:ln>
+            </p:spPr>
+            <p:style>
+              <a:lnRef idx="1">
+                <a:schemeClr val="accent1"/>
+              </a:lnRef>
+              <a:fillRef idx="0">
+                <a:schemeClr val="accent1"/>
+              </a:fillRef>
+              <a:effectRef idx="0">
+                <a:schemeClr val="accent1"/>
+              </a:effectRef>
+              <a:fontRef idx="minor">
+                <a:schemeClr val="tx1"/>
+              </a:fontRef>
+            </p:style>
+          </p:cxnSp>
+        </p:grpSp>
+      </p:grpSp>
     </p:spTree>
     <p:extLst>
       <p:ext uri="{BB962C8B-B14F-4D97-AF65-F5344CB8AC3E}">
         <p14:creationId xmlns:p14="http://schemas.microsoft.com/office/powerpoint/2010/main" val="2708701880"/>
+      </p:ext>
+    </p:extLst>
+  </p:cSld>
+  <p:clrMapOvr>
+    <a:masterClrMapping/>
+  </p:clrMapOvr>
+</p:sld>
+</file>
+
+<file path=ppt/slides/slide7.xml><?xml version="1.0" encoding="utf-8"?>
+<p:sld xmlns:a="http://schemas.openxmlformats.org/drawingml/2006/main" xmlns:r="http://schemas.openxmlformats.org/officeDocument/2006/relationships" xmlns:p="http://schemas.openxmlformats.org/presentationml/2006/main">
+  <p:cSld>
+    <p:spTree>
+      <p:nvGrpSpPr>
+        <p:cNvPr id="1" name=""/>
+        <p:cNvGrpSpPr/>
+        <p:nvPr/>
+      </p:nvGrpSpPr>
+      <p:grpSpPr>
+        <a:xfrm>
+          <a:off x="0" y="0"/>
+          <a:ext cx="0" cy="0"/>
+          <a:chOff x="0" y="0"/>
+          <a:chExt cx="0" cy="0"/>
+        </a:xfrm>
+      </p:grpSpPr>
+      <p:sp>
+        <p:nvSpPr>
+          <p:cNvPr id="4" name="모서리가 둥근 직사각형 3"/>
+          <p:cNvSpPr/>
+          <p:nvPr/>
+        </p:nvSpPr>
+        <p:spPr>
+          <a:xfrm>
+            <a:off x="379935" y="327520"/>
+            <a:ext cx="2819378" cy="1380386"/>
+          </a:xfrm>
+          <a:prstGeom prst="roundRect">
+            <a:avLst>
+              <a:gd name="adj" fmla="val 50000"/>
+            </a:avLst>
+          </a:prstGeom>
+          <a:solidFill>
+            <a:srgbClr val="92D050"/>
+          </a:solidFill>
+          <a:ln w="63500">
+            <a:solidFill>
+              <a:schemeClr val="tx1"/>
+            </a:solidFill>
+          </a:ln>
+        </p:spPr>
+        <p:style>
+          <a:lnRef idx="2">
+            <a:schemeClr val="accent1">
+              <a:shade val="50000"/>
+            </a:schemeClr>
+          </a:lnRef>
+          <a:fillRef idx="1">
+            <a:schemeClr val="accent1"/>
+          </a:fillRef>
+          <a:effectRef idx="0">
+            <a:schemeClr val="accent1"/>
+          </a:effectRef>
+          <a:fontRef idx="minor">
+            <a:schemeClr val="lt1"/>
+          </a:fontRef>
+        </p:style>
+        <p:txBody>
+          <a:bodyPr rtlCol="0" anchor="ctr"/>
+          <a:lstStyle/>
+          <a:p>
+            <a:pPr algn="ctr"/>
+            <a:r>
+              <a:rPr lang="en-US" altLang="ko-KR" sz="5400" b="1" dirty="0" smtClean="0">
+                <a:ln w="25400">
+                  <a:solidFill>
+                    <a:schemeClr val="tx1"/>
+                  </a:solidFill>
+                </a:ln>
+                <a:solidFill>
+                  <a:srgbClr val="FFFF5D"/>
+                </a:solidFill>
+                <a:latin typeface="Arial Black" panose="020B0A04020102020204" pitchFamily="34" charset="0"/>
+              </a:rPr>
+              <a:t>$</a:t>
+            </a:r>
+            <a:r>
+              <a:rPr lang="en-US" altLang="ko-KR" sz="5400" dirty="0" smtClean="0">
+                <a:ln w="25400">
+                  <a:solidFill>
+                    <a:schemeClr val="tx1"/>
+                  </a:solidFill>
+                </a:ln>
+                <a:solidFill>
+                  <a:srgbClr val="FFFF5D"/>
+                </a:solidFill>
+                <a:latin typeface="Arial Black" panose="020B0A04020102020204" pitchFamily="34" charset="0"/>
+              </a:rPr>
+              <a:t> </a:t>
+            </a:r>
+            <a:r>
+              <a:rPr lang="en-US" altLang="ko-KR" sz="5400" dirty="0" smtClean="0">
+                <a:ln w="25400">
+                  <a:solidFill>
+                    <a:schemeClr val="tx1"/>
+                  </a:solidFill>
+                </a:ln>
+                <a:solidFill>
+                  <a:srgbClr val="FFFF5D"/>
+                </a:solidFill>
+                <a:latin typeface="Arial Black" panose="020B0A04020102020204" pitchFamily="34" charset="0"/>
+              </a:rPr>
+              <a:t>1</a:t>
+            </a:r>
+            <a:r>
+              <a:rPr lang="en-US" altLang="ko-KR" sz="5400" dirty="0" smtClean="0">
+                <a:ln w="25400">
+                  <a:solidFill>
+                    <a:schemeClr val="tx1"/>
+                  </a:solidFill>
+                </a:ln>
+                <a:solidFill>
+                  <a:srgbClr val="FFFF5D"/>
+                </a:solidFill>
+                <a:latin typeface="Arial Black" panose="020B0A04020102020204" pitchFamily="34" charset="0"/>
+              </a:rPr>
+              <a:t>00</a:t>
+            </a:r>
+            <a:endParaRPr lang="ko-KR" altLang="en-US" sz="5400" dirty="0">
+              <a:ln w="25400">
+                <a:solidFill>
+                  <a:schemeClr val="tx1"/>
+                </a:solidFill>
+              </a:ln>
+              <a:solidFill>
+                <a:srgbClr val="FFFF5D"/>
+              </a:solidFill>
+              <a:latin typeface="Arial Black" panose="020B0A04020102020204" pitchFamily="34" charset="0"/>
+            </a:endParaRPr>
+          </a:p>
+        </p:txBody>
+      </p:sp>
+      <p:sp>
+        <p:nvSpPr>
+          <p:cNvPr id="5" name="모서리가 둥근 직사각형 4"/>
+          <p:cNvSpPr/>
+          <p:nvPr/>
+        </p:nvSpPr>
+        <p:spPr>
+          <a:xfrm>
+            <a:off x="379935" y="1890265"/>
+            <a:ext cx="2819378" cy="1380386"/>
+          </a:xfrm>
+          <a:prstGeom prst="roundRect">
+            <a:avLst>
+              <a:gd name="adj" fmla="val 50000"/>
+            </a:avLst>
+          </a:prstGeom>
+          <a:solidFill>
+            <a:srgbClr val="92D050"/>
+          </a:solidFill>
+          <a:ln w="63500">
+            <a:solidFill>
+              <a:schemeClr val="tx1"/>
+            </a:solidFill>
+          </a:ln>
+        </p:spPr>
+        <p:style>
+          <a:lnRef idx="2">
+            <a:schemeClr val="accent1">
+              <a:shade val="50000"/>
+            </a:schemeClr>
+          </a:lnRef>
+          <a:fillRef idx="1">
+            <a:schemeClr val="accent1"/>
+          </a:fillRef>
+          <a:effectRef idx="0">
+            <a:schemeClr val="accent1"/>
+          </a:effectRef>
+          <a:fontRef idx="minor">
+            <a:schemeClr val="lt1"/>
+          </a:fontRef>
+        </p:style>
+        <p:txBody>
+          <a:bodyPr rtlCol="0" anchor="ctr"/>
+          <a:lstStyle/>
+          <a:p>
+            <a:pPr algn="ctr"/>
+            <a:r>
+              <a:rPr lang="en-US" altLang="ko-KR" sz="5400" b="1" dirty="0">
+                <a:ln w="25400">
+                  <a:solidFill>
+                    <a:schemeClr val="tx1"/>
+                  </a:solidFill>
+                </a:ln>
+                <a:solidFill>
+                  <a:srgbClr val="FFFF5D"/>
+                </a:solidFill>
+                <a:latin typeface="Arial Black" panose="020B0A04020102020204" pitchFamily="34" charset="0"/>
+              </a:rPr>
+              <a:t>$</a:t>
+            </a:r>
+            <a:r>
+              <a:rPr lang="en-US" altLang="ko-KR" sz="5400" dirty="0">
+                <a:ln w="25400">
+                  <a:solidFill>
+                    <a:schemeClr val="tx1"/>
+                  </a:solidFill>
+                </a:ln>
+                <a:solidFill>
+                  <a:srgbClr val="FFFF5D"/>
+                </a:solidFill>
+                <a:latin typeface="Arial Black" panose="020B0A04020102020204" pitchFamily="34" charset="0"/>
+              </a:rPr>
+              <a:t> </a:t>
+            </a:r>
+            <a:r>
+              <a:rPr lang="en-US" altLang="ko-KR" sz="5400" dirty="0" smtClean="0">
+                <a:ln w="25400">
+                  <a:solidFill>
+                    <a:schemeClr val="tx1"/>
+                  </a:solidFill>
+                </a:ln>
+                <a:solidFill>
+                  <a:srgbClr val="FFFF5D"/>
+                </a:solidFill>
+                <a:latin typeface="Arial Black" panose="020B0A04020102020204" pitchFamily="34" charset="0"/>
+              </a:rPr>
+              <a:t>2</a:t>
+            </a:r>
+            <a:r>
+              <a:rPr lang="en-US" altLang="ko-KR" sz="5400" dirty="0" smtClean="0">
+                <a:ln w="25400">
+                  <a:solidFill>
+                    <a:schemeClr val="tx1"/>
+                  </a:solidFill>
+                </a:ln>
+                <a:solidFill>
+                  <a:srgbClr val="FFFF5D"/>
+                </a:solidFill>
+                <a:latin typeface="Arial Black" panose="020B0A04020102020204" pitchFamily="34" charset="0"/>
+              </a:rPr>
+              <a:t>00</a:t>
+            </a:r>
+            <a:endParaRPr lang="ko-KR" altLang="en-US" sz="5400" dirty="0">
+              <a:ln w="25400">
+                <a:solidFill>
+                  <a:schemeClr val="tx1"/>
+                </a:solidFill>
+              </a:ln>
+              <a:solidFill>
+                <a:srgbClr val="FFFF5D"/>
+              </a:solidFill>
+              <a:latin typeface="Arial Black" panose="020B0A04020102020204" pitchFamily="34" charset="0"/>
+            </a:endParaRPr>
+          </a:p>
+        </p:txBody>
+      </p:sp>
+      <p:sp>
+        <p:nvSpPr>
+          <p:cNvPr id="6" name="모서리가 둥근 직사각형 5"/>
+          <p:cNvSpPr/>
+          <p:nvPr/>
+        </p:nvSpPr>
+        <p:spPr>
+          <a:xfrm>
+            <a:off x="379935" y="3453010"/>
+            <a:ext cx="2819378" cy="1380386"/>
+          </a:xfrm>
+          <a:prstGeom prst="roundRect">
+            <a:avLst>
+              <a:gd name="adj" fmla="val 50000"/>
+            </a:avLst>
+          </a:prstGeom>
+          <a:solidFill>
+            <a:srgbClr val="92D050"/>
+          </a:solidFill>
+          <a:ln w="63500">
+            <a:solidFill>
+              <a:schemeClr val="tx1"/>
+            </a:solidFill>
+          </a:ln>
+        </p:spPr>
+        <p:style>
+          <a:lnRef idx="2">
+            <a:schemeClr val="accent1">
+              <a:shade val="50000"/>
+            </a:schemeClr>
+          </a:lnRef>
+          <a:fillRef idx="1">
+            <a:schemeClr val="accent1"/>
+          </a:fillRef>
+          <a:effectRef idx="0">
+            <a:schemeClr val="accent1"/>
+          </a:effectRef>
+          <a:fontRef idx="minor">
+            <a:schemeClr val="lt1"/>
+          </a:fontRef>
+        </p:style>
+        <p:txBody>
+          <a:bodyPr rtlCol="0" anchor="ctr"/>
+          <a:lstStyle/>
+          <a:p>
+            <a:pPr algn="ctr"/>
+            <a:r>
+              <a:rPr lang="en-US" altLang="ko-KR" sz="5400" b="1" dirty="0">
+                <a:ln w="25400">
+                  <a:solidFill>
+                    <a:schemeClr val="tx1"/>
+                  </a:solidFill>
+                </a:ln>
+                <a:solidFill>
+                  <a:srgbClr val="FFFF5D"/>
+                </a:solidFill>
+                <a:latin typeface="Arial Black" panose="020B0A04020102020204" pitchFamily="34" charset="0"/>
+              </a:rPr>
+              <a:t>$</a:t>
+            </a:r>
+            <a:r>
+              <a:rPr lang="en-US" altLang="ko-KR" sz="5400" dirty="0">
+                <a:ln w="25400">
+                  <a:solidFill>
+                    <a:schemeClr val="tx1"/>
+                  </a:solidFill>
+                </a:ln>
+                <a:solidFill>
+                  <a:srgbClr val="FFFF5D"/>
+                </a:solidFill>
+                <a:latin typeface="Arial Black" panose="020B0A04020102020204" pitchFamily="34" charset="0"/>
+              </a:rPr>
+              <a:t> </a:t>
+            </a:r>
+            <a:r>
+              <a:rPr lang="en-US" altLang="ko-KR" sz="5400" dirty="0" smtClean="0">
+                <a:ln w="25400">
+                  <a:solidFill>
+                    <a:schemeClr val="tx1"/>
+                  </a:solidFill>
+                </a:ln>
+                <a:solidFill>
+                  <a:srgbClr val="FFFF5D"/>
+                </a:solidFill>
+                <a:latin typeface="Arial Black" panose="020B0A04020102020204" pitchFamily="34" charset="0"/>
+              </a:rPr>
+              <a:t>3</a:t>
+            </a:r>
+            <a:r>
+              <a:rPr lang="en-US" altLang="ko-KR" sz="5400" dirty="0" smtClean="0">
+                <a:ln w="25400">
+                  <a:solidFill>
+                    <a:schemeClr val="tx1"/>
+                  </a:solidFill>
+                </a:ln>
+                <a:solidFill>
+                  <a:srgbClr val="FFFF5D"/>
+                </a:solidFill>
+                <a:latin typeface="Arial Black" panose="020B0A04020102020204" pitchFamily="34" charset="0"/>
+              </a:rPr>
+              <a:t>00</a:t>
+            </a:r>
+            <a:endParaRPr lang="ko-KR" altLang="en-US" sz="5400" dirty="0">
+              <a:ln w="25400">
+                <a:solidFill>
+                  <a:schemeClr val="tx1"/>
+                </a:solidFill>
+              </a:ln>
+              <a:solidFill>
+                <a:srgbClr val="FFFF5D"/>
+              </a:solidFill>
+              <a:latin typeface="Arial Black" panose="020B0A04020102020204" pitchFamily="34" charset="0"/>
+            </a:endParaRPr>
+          </a:p>
+        </p:txBody>
+      </p:sp>
+      <p:sp>
+        <p:nvSpPr>
+          <p:cNvPr id="7" name="모서리가 둥근 직사각형 6"/>
+          <p:cNvSpPr/>
+          <p:nvPr/>
+        </p:nvSpPr>
+        <p:spPr>
+          <a:xfrm>
+            <a:off x="379935" y="5015755"/>
+            <a:ext cx="2819378" cy="1380386"/>
+          </a:xfrm>
+          <a:prstGeom prst="roundRect">
+            <a:avLst>
+              <a:gd name="adj" fmla="val 50000"/>
+            </a:avLst>
+          </a:prstGeom>
+          <a:solidFill>
+            <a:srgbClr val="92D050"/>
+          </a:solidFill>
+          <a:ln w="63500">
+            <a:solidFill>
+              <a:schemeClr val="tx1"/>
+            </a:solidFill>
+          </a:ln>
+        </p:spPr>
+        <p:style>
+          <a:lnRef idx="2">
+            <a:schemeClr val="accent1">
+              <a:shade val="50000"/>
+            </a:schemeClr>
+          </a:lnRef>
+          <a:fillRef idx="1">
+            <a:schemeClr val="accent1"/>
+          </a:fillRef>
+          <a:effectRef idx="0">
+            <a:schemeClr val="accent1"/>
+          </a:effectRef>
+          <a:fontRef idx="minor">
+            <a:schemeClr val="lt1"/>
+          </a:fontRef>
+        </p:style>
+        <p:txBody>
+          <a:bodyPr rtlCol="0" anchor="ctr"/>
+          <a:lstStyle/>
+          <a:p>
+            <a:pPr algn="ctr"/>
+            <a:r>
+              <a:rPr lang="en-US" altLang="ko-KR" sz="5400" b="1" dirty="0">
+                <a:ln w="25400">
+                  <a:solidFill>
+                    <a:schemeClr val="tx1"/>
+                  </a:solidFill>
+                </a:ln>
+                <a:solidFill>
+                  <a:srgbClr val="FFFF5D"/>
+                </a:solidFill>
+                <a:latin typeface="Arial Black" panose="020B0A04020102020204" pitchFamily="34" charset="0"/>
+              </a:rPr>
+              <a:t>$</a:t>
+            </a:r>
+            <a:r>
+              <a:rPr lang="en-US" altLang="ko-KR" sz="5400" dirty="0">
+                <a:ln w="25400">
+                  <a:solidFill>
+                    <a:schemeClr val="tx1"/>
+                  </a:solidFill>
+                </a:ln>
+                <a:solidFill>
+                  <a:srgbClr val="FFFF5D"/>
+                </a:solidFill>
+                <a:latin typeface="Arial Black" panose="020B0A04020102020204" pitchFamily="34" charset="0"/>
+              </a:rPr>
+              <a:t> </a:t>
+            </a:r>
+            <a:r>
+              <a:rPr lang="en-US" altLang="ko-KR" sz="5400" dirty="0" smtClean="0">
+                <a:ln w="25400">
+                  <a:solidFill>
+                    <a:schemeClr val="tx1"/>
+                  </a:solidFill>
+                </a:ln>
+                <a:solidFill>
+                  <a:srgbClr val="FFFF5D"/>
+                </a:solidFill>
+                <a:latin typeface="Arial Black" panose="020B0A04020102020204" pitchFamily="34" charset="0"/>
+              </a:rPr>
+              <a:t>4</a:t>
+            </a:r>
+            <a:r>
+              <a:rPr lang="en-US" altLang="ko-KR" sz="5400" dirty="0" smtClean="0">
+                <a:ln w="25400">
+                  <a:solidFill>
+                    <a:schemeClr val="tx1"/>
+                  </a:solidFill>
+                </a:ln>
+                <a:solidFill>
+                  <a:srgbClr val="FFFF5D"/>
+                </a:solidFill>
+                <a:latin typeface="Arial Black" panose="020B0A04020102020204" pitchFamily="34" charset="0"/>
+              </a:rPr>
+              <a:t>00</a:t>
+            </a:r>
+            <a:endParaRPr lang="ko-KR" altLang="en-US" sz="5400" dirty="0">
+              <a:ln w="25400">
+                <a:solidFill>
+                  <a:schemeClr val="tx1"/>
+                </a:solidFill>
+              </a:ln>
+              <a:solidFill>
+                <a:srgbClr val="FFFF5D"/>
+              </a:solidFill>
+              <a:latin typeface="Arial Black" panose="020B0A04020102020204" pitchFamily="34" charset="0"/>
+            </a:endParaRPr>
+          </a:p>
+        </p:txBody>
+      </p:sp>
+      <p:sp>
+        <p:nvSpPr>
+          <p:cNvPr id="8" name="모서리가 둥근 직사각형 7"/>
+          <p:cNvSpPr/>
+          <p:nvPr/>
+        </p:nvSpPr>
+        <p:spPr>
+          <a:xfrm>
+            <a:off x="3508009" y="327520"/>
+            <a:ext cx="2819378" cy="1380386"/>
+          </a:xfrm>
+          <a:prstGeom prst="roundRect">
+            <a:avLst>
+              <a:gd name="adj" fmla="val 50000"/>
+            </a:avLst>
+          </a:prstGeom>
+          <a:solidFill>
+            <a:srgbClr val="92D050"/>
+          </a:solidFill>
+          <a:ln w="63500">
+            <a:solidFill>
+              <a:schemeClr val="tx1"/>
+            </a:solidFill>
+          </a:ln>
+        </p:spPr>
+        <p:style>
+          <a:lnRef idx="2">
+            <a:schemeClr val="accent1">
+              <a:shade val="50000"/>
+            </a:schemeClr>
+          </a:lnRef>
+          <a:fillRef idx="1">
+            <a:schemeClr val="accent1"/>
+          </a:fillRef>
+          <a:effectRef idx="0">
+            <a:schemeClr val="accent1"/>
+          </a:effectRef>
+          <a:fontRef idx="minor">
+            <a:schemeClr val="lt1"/>
+          </a:fontRef>
+        </p:style>
+        <p:txBody>
+          <a:bodyPr rtlCol="0" anchor="ctr"/>
+          <a:lstStyle/>
+          <a:p>
+            <a:pPr algn="ctr"/>
+            <a:r>
+              <a:rPr lang="en-US" altLang="ko-KR" sz="5400" b="1" dirty="0">
+                <a:ln w="25400">
+                  <a:solidFill>
+                    <a:schemeClr val="tx1"/>
+                  </a:solidFill>
+                </a:ln>
+                <a:solidFill>
+                  <a:srgbClr val="FFFF5D"/>
+                </a:solidFill>
+                <a:latin typeface="Arial Black" panose="020B0A04020102020204" pitchFamily="34" charset="0"/>
+              </a:rPr>
+              <a:t>$</a:t>
+            </a:r>
+            <a:r>
+              <a:rPr lang="en-US" altLang="ko-KR" sz="5400" dirty="0">
+                <a:ln w="25400">
+                  <a:solidFill>
+                    <a:schemeClr val="tx1"/>
+                  </a:solidFill>
+                </a:ln>
+                <a:solidFill>
+                  <a:srgbClr val="FFFF5D"/>
+                </a:solidFill>
+                <a:latin typeface="Arial Black" panose="020B0A04020102020204" pitchFamily="34" charset="0"/>
+              </a:rPr>
+              <a:t> </a:t>
+            </a:r>
+            <a:r>
+              <a:rPr lang="en-US" altLang="ko-KR" sz="5400" dirty="0" smtClean="0">
+                <a:ln w="25400">
+                  <a:solidFill>
+                    <a:schemeClr val="tx1"/>
+                  </a:solidFill>
+                </a:ln>
+                <a:solidFill>
+                  <a:srgbClr val="FFFF5D"/>
+                </a:solidFill>
+                <a:latin typeface="Arial Black" panose="020B0A04020102020204" pitchFamily="34" charset="0"/>
+              </a:rPr>
+              <a:t>5</a:t>
+            </a:r>
+            <a:r>
+              <a:rPr lang="en-US" altLang="ko-KR" sz="5400" dirty="0" smtClean="0">
+                <a:ln w="25400">
+                  <a:solidFill>
+                    <a:schemeClr val="tx1"/>
+                  </a:solidFill>
+                </a:ln>
+                <a:solidFill>
+                  <a:srgbClr val="FFFF5D"/>
+                </a:solidFill>
+                <a:latin typeface="Arial Black" panose="020B0A04020102020204" pitchFamily="34" charset="0"/>
+              </a:rPr>
+              <a:t>00</a:t>
+            </a:r>
+            <a:endParaRPr lang="ko-KR" altLang="en-US" sz="5400" dirty="0">
+              <a:ln w="25400">
+                <a:solidFill>
+                  <a:schemeClr val="tx1"/>
+                </a:solidFill>
+              </a:ln>
+              <a:solidFill>
+                <a:srgbClr val="FFFF5D"/>
+              </a:solidFill>
+              <a:latin typeface="Arial Black" panose="020B0A04020102020204" pitchFamily="34" charset="0"/>
+            </a:endParaRPr>
+          </a:p>
+        </p:txBody>
+      </p:sp>
+      <p:sp>
+        <p:nvSpPr>
+          <p:cNvPr id="9" name="모서리가 둥근 직사각형 8"/>
+          <p:cNvSpPr/>
+          <p:nvPr/>
+        </p:nvSpPr>
+        <p:spPr>
+          <a:xfrm>
+            <a:off x="3508009" y="1890265"/>
+            <a:ext cx="2819378" cy="1380386"/>
+          </a:xfrm>
+          <a:prstGeom prst="roundRect">
+            <a:avLst>
+              <a:gd name="adj" fmla="val 50000"/>
+            </a:avLst>
+          </a:prstGeom>
+          <a:solidFill>
+            <a:srgbClr val="92D050"/>
+          </a:solidFill>
+          <a:ln w="63500">
+            <a:solidFill>
+              <a:schemeClr val="tx1"/>
+            </a:solidFill>
+          </a:ln>
+        </p:spPr>
+        <p:style>
+          <a:lnRef idx="2">
+            <a:schemeClr val="accent1">
+              <a:shade val="50000"/>
+            </a:schemeClr>
+          </a:lnRef>
+          <a:fillRef idx="1">
+            <a:schemeClr val="accent1"/>
+          </a:fillRef>
+          <a:effectRef idx="0">
+            <a:schemeClr val="accent1"/>
+          </a:effectRef>
+          <a:fontRef idx="minor">
+            <a:schemeClr val="lt1"/>
+          </a:fontRef>
+        </p:style>
+        <p:txBody>
+          <a:bodyPr rtlCol="0" anchor="ctr"/>
+          <a:lstStyle/>
+          <a:p>
+            <a:pPr algn="ctr"/>
+            <a:r>
+              <a:rPr lang="en-US" altLang="ko-KR" sz="5400" b="1" dirty="0">
+                <a:ln w="25400">
+                  <a:solidFill>
+                    <a:schemeClr val="tx1"/>
+                  </a:solidFill>
+                </a:ln>
+                <a:solidFill>
+                  <a:srgbClr val="FFFF5D"/>
+                </a:solidFill>
+                <a:latin typeface="Arial Black" panose="020B0A04020102020204" pitchFamily="34" charset="0"/>
+              </a:rPr>
+              <a:t>$</a:t>
+            </a:r>
+            <a:r>
+              <a:rPr lang="en-US" altLang="ko-KR" sz="5400" dirty="0">
+                <a:ln w="25400">
+                  <a:solidFill>
+                    <a:schemeClr val="tx1"/>
+                  </a:solidFill>
+                </a:ln>
+                <a:solidFill>
+                  <a:srgbClr val="FFFF5D"/>
+                </a:solidFill>
+                <a:latin typeface="Arial Black" panose="020B0A04020102020204" pitchFamily="34" charset="0"/>
+              </a:rPr>
+              <a:t> </a:t>
+            </a:r>
+            <a:r>
+              <a:rPr lang="en-US" altLang="ko-KR" sz="5400" dirty="0" smtClean="0">
+                <a:ln w="25400">
+                  <a:solidFill>
+                    <a:schemeClr val="tx1"/>
+                  </a:solidFill>
+                </a:ln>
+                <a:solidFill>
+                  <a:srgbClr val="FFFF5D"/>
+                </a:solidFill>
+                <a:latin typeface="Arial Black" panose="020B0A04020102020204" pitchFamily="34" charset="0"/>
+              </a:rPr>
+              <a:t>6</a:t>
+            </a:r>
+            <a:r>
+              <a:rPr lang="en-US" altLang="ko-KR" sz="5400" dirty="0" smtClean="0">
+                <a:ln w="25400">
+                  <a:solidFill>
+                    <a:schemeClr val="tx1"/>
+                  </a:solidFill>
+                </a:ln>
+                <a:solidFill>
+                  <a:srgbClr val="FFFF5D"/>
+                </a:solidFill>
+                <a:latin typeface="Arial Black" panose="020B0A04020102020204" pitchFamily="34" charset="0"/>
+              </a:rPr>
+              <a:t>00</a:t>
+            </a:r>
+            <a:endParaRPr lang="ko-KR" altLang="en-US" sz="5400" dirty="0">
+              <a:ln w="25400">
+                <a:solidFill>
+                  <a:schemeClr val="tx1"/>
+                </a:solidFill>
+              </a:ln>
+              <a:solidFill>
+                <a:srgbClr val="FFFF5D"/>
+              </a:solidFill>
+              <a:latin typeface="Arial Black" panose="020B0A04020102020204" pitchFamily="34" charset="0"/>
+            </a:endParaRPr>
+          </a:p>
+        </p:txBody>
+      </p:sp>
+      <p:sp>
+        <p:nvSpPr>
+          <p:cNvPr id="10" name="모서리가 둥근 직사각형 9"/>
+          <p:cNvSpPr/>
+          <p:nvPr/>
+        </p:nvSpPr>
+        <p:spPr>
+          <a:xfrm>
+            <a:off x="3508009" y="3453010"/>
+            <a:ext cx="2819378" cy="1380386"/>
+          </a:xfrm>
+          <a:prstGeom prst="roundRect">
+            <a:avLst>
+              <a:gd name="adj" fmla="val 50000"/>
+            </a:avLst>
+          </a:prstGeom>
+          <a:solidFill>
+            <a:srgbClr val="92D050"/>
+          </a:solidFill>
+          <a:ln w="63500">
+            <a:solidFill>
+              <a:schemeClr val="tx1"/>
+            </a:solidFill>
+          </a:ln>
+        </p:spPr>
+        <p:style>
+          <a:lnRef idx="2">
+            <a:schemeClr val="accent1">
+              <a:shade val="50000"/>
+            </a:schemeClr>
+          </a:lnRef>
+          <a:fillRef idx="1">
+            <a:schemeClr val="accent1"/>
+          </a:fillRef>
+          <a:effectRef idx="0">
+            <a:schemeClr val="accent1"/>
+          </a:effectRef>
+          <a:fontRef idx="minor">
+            <a:schemeClr val="lt1"/>
+          </a:fontRef>
+        </p:style>
+        <p:txBody>
+          <a:bodyPr rtlCol="0" anchor="ctr"/>
+          <a:lstStyle/>
+          <a:p>
+            <a:pPr algn="ctr"/>
+            <a:r>
+              <a:rPr lang="en-US" altLang="ko-KR" sz="5400" b="1" dirty="0">
+                <a:ln w="25400">
+                  <a:solidFill>
+                    <a:schemeClr val="tx1"/>
+                  </a:solidFill>
+                </a:ln>
+                <a:solidFill>
+                  <a:srgbClr val="FFFF5D"/>
+                </a:solidFill>
+                <a:latin typeface="Arial Black" panose="020B0A04020102020204" pitchFamily="34" charset="0"/>
+              </a:rPr>
+              <a:t>$</a:t>
+            </a:r>
+            <a:r>
+              <a:rPr lang="en-US" altLang="ko-KR" sz="5400" dirty="0">
+                <a:ln w="25400">
+                  <a:solidFill>
+                    <a:schemeClr val="tx1"/>
+                  </a:solidFill>
+                </a:ln>
+                <a:solidFill>
+                  <a:srgbClr val="FFFF5D"/>
+                </a:solidFill>
+                <a:latin typeface="Arial Black" panose="020B0A04020102020204" pitchFamily="34" charset="0"/>
+              </a:rPr>
+              <a:t> </a:t>
+            </a:r>
+            <a:r>
+              <a:rPr lang="en-US" altLang="ko-KR" sz="5400" dirty="0" smtClean="0">
+                <a:ln w="25400">
+                  <a:solidFill>
+                    <a:schemeClr val="tx1"/>
+                  </a:solidFill>
+                </a:ln>
+                <a:solidFill>
+                  <a:srgbClr val="FFFF5D"/>
+                </a:solidFill>
+                <a:latin typeface="Arial Black" panose="020B0A04020102020204" pitchFamily="34" charset="0"/>
+              </a:rPr>
+              <a:t>7</a:t>
+            </a:r>
+            <a:r>
+              <a:rPr lang="en-US" altLang="ko-KR" sz="5400" dirty="0" smtClean="0">
+                <a:ln w="25400">
+                  <a:solidFill>
+                    <a:schemeClr val="tx1"/>
+                  </a:solidFill>
+                </a:ln>
+                <a:solidFill>
+                  <a:srgbClr val="FFFF5D"/>
+                </a:solidFill>
+                <a:latin typeface="Arial Black" panose="020B0A04020102020204" pitchFamily="34" charset="0"/>
+              </a:rPr>
+              <a:t>00</a:t>
+            </a:r>
+            <a:endParaRPr lang="ko-KR" altLang="en-US" sz="5400" dirty="0">
+              <a:ln w="25400">
+                <a:solidFill>
+                  <a:schemeClr val="tx1"/>
+                </a:solidFill>
+              </a:ln>
+              <a:solidFill>
+                <a:srgbClr val="FFFF5D"/>
+              </a:solidFill>
+              <a:latin typeface="Arial Black" panose="020B0A04020102020204" pitchFamily="34" charset="0"/>
+            </a:endParaRPr>
+          </a:p>
+        </p:txBody>
+      </p:sp>
+      <p:sp>
+        <p:nvSpPr>
+          <p:cNvPr id="11" name="모서리가 둥근 직사각형 10"/>
+          <p:cNvSpPr/>
+          <p:nvPr/>
+        </p:nvSpPr>
+        <p:spPr>
+          <a:xfrm>
+            <a:off x="3508009" y="5015755"/>
+            <a:ext cx="2819378" cy="1380386"/>
+          </a:xfrm>
+          <a:prstGeom prst="roundRect">
+            <a:avLst>
+              <a:gd name="adj" fmla="val 50000"/>
+            </a:avLst>
+          </a:prstGeom>
+          <a:solidFill>
+            <a:srgbClr val="92D050"/>
+          </a:solidFill>
+          <a:ln w="63500">
+            <a:solidFill>
+              <a:schemeClr val="tx1"/>
+            </a:solidFill>
+          </a:ln>
+        </p:spPr>
+        <p:style>
+          <a:lnRef idx="2">
+            <a:schemeClr val="accent1">
+              <a:shade val="50000"/>
+            </a:schemeClr>
+          </a:lnRef>
+          <a:fillRef idx="1">
+            <a:schemeClr val="accent1"/>
+          </a:fillRef>
+          <a:effectRef idx="0">
+            <a:schemeClr val="accent1"/>
+          </a:effectRef>
+          <a:fontRef idx="minor">
+            <a:schemeClr val="lt1"/>
+          </a:fontRef>
+        </p:style>
+        <p:txBody>
+          <a:bodyPr rtlCol="0" anchor="ctr"/>
+          <a:lstStyle/>
+          <a:p>
+            <a:pPr algn="ctr"/>
+            <a:r>
+              <a:rPr lang="en-US" altLang="ko-KR" sz="5400" b="1" dirty="0">
+                <a:ln w="25400">
+                  <a:solidFill>
+                    <a:schemeClr val="tx1"/>
+                  </a:solidFill>
+                </a:ln>
+                <a:solidFill>
+                  <a:srgbClr val="FFFF5D"/>
+                </a:solidFill>
+                <a:latin typeface="Arial Black" panose="020B0A04020102020204" pitchFamily="34" charset="0"/>
+              </a:rPr>
+              <a:t>$</a:t>
+            </a:r>
+            <a:r>
+              <a:rPr lang="en-US" altLang="ko-KR" sz="5400" dirty="0">
+                <a:ln w="25400">
+                  <a:solidFill>
+                    <a:schemeClr val="tx1"/>
+                  </a:solidFill>
+                </a:ln>
+                <a:solidFill>
+                  <a:srgbClr val="FFFF5D"/>
+                </a:solidFill>
+                <a:latin typeface="Arial Black" panose="020B0A04020102020204" pitchFamily="34" charset="0"/>
+              </a:rPr>
+              <a:t> </a:t>
+            </a:r>
+            <a:r>
+              <a:rPr lang="en-US" altLang="ko-KR" sz="5400" dirty="0" smtClean="0">
+                <a:ln w="25400">
+                  <a:solidFill>
+                    <a:schemeClr val="tx1"/>
+                  </a:solidFill>
+                </a:ln>
+                <a:solidFill>
+                  <a:srgbClr val="FFFF5D"/>
+                </a:solidFill>
+                <a:latin typeface="Arial Black" panose="020B0A04020102020204" pitchFamily="34" charset="0"/>
+              </a:rPr>
+              <a:t>8</a:t>
+            </a:r>
+            <a:r>
+              <a:rPr lang="en-US" altLang="ko-KR" sz="5400" dirty="0" smtClean="0">
+                <a:ln w="25400">
+                  <a:solidFill>
+                    <a:schemeClr val="tx1"/>
+                  </a:solidFill>
+                </a:ln>
+                <a:solidFill>
+                  <a:srgbClr val="FFFF5D"/>
+                </a:solidFill>
+                <a:latin typeface="Arial Black" panose="020B0A04020102020204" pitchFamily="34" charset="0"/>
+              </a:rPr>
+              <a:t>00</a:t>
+            </a:r>
+            <a:endParaRPr lang="ko-KR" altLang="en-US" sz="5400" dirty="0">
+              <a:ln w="25400">
+                <a:solidFill>
+                  <a:schemeClr val="tx1"/>
+                </a:solidFill>
+              </a:ln>
+              <a:solidFill>
+                <a:srgbClr val="FFFF5D"/>
+              </a:solidFill>
+              <a:latin typeface="Arial Black" panose="020B0A04020102020204" pitchFamily="34" charset="0"/>
+            </a:endParaRPr>
+          </a:p>
+        </p:txBody>
+      </p:sp>
+      <p:sp>
+        <p:nvSpPr>
+          <p:cNvPr id="12" name="모서리가 둥근 직사각형 11"/>
+          <p:cNvSpPr/>
+          <p:nvPr/>
+        </p:nvSpPr>
+        <p:spPr>
+          <a:xfrm>
+            <a:off x="6636083" y="327520"/>
+            <a:ext cx="2819378" cy="1380386"/>
+          </a:xfrm>
+          <a:prstGeom prst="roundRect">
+            <a:avLst>
+              <a:gd name="adj" fmla="val 50000"/>
+            </a:avLst>
+          </a:prstGeom>
+          <a:solidFill>
+            <a:srgbClr val="92D050"/>
+          </a:solidFill>
+          <a:ln w="63500">
+            <a:solidFill>
+              <a:schemeClr val="tx1"/>
+            </a:solidFill>
+          </a:ln>
+        </p:spPr>
+        <p:style>
+          <a:lnRef idx="2">
+            <a:schemeClr val="accent1">
+              <a:shade val="50000"/>
+            </a:schemeClr>
+          </a:lnRef>
+          <a:fillRef idx="1">
+            <a:schemeClr val="accent1"/>
+          </a:fillRef>
+          <a:effectRef idx="0">
+            <a:schemeClr val="accent1"/>
+          </a:effectRef>
+          <a:fontRef idx="minor">
+            <a:schemeClr val="lt1"/>
+          </a:fontRef>
+        </p:style>
+        <p:txBody>
+          <a:bodyPr rtlCol="0" anchor="ctr"/>
+          <a:lstStyle/>
+          <a:p>
+            <a:pPr algn="ctr"/>
+            <a:r>
+              <a:rPr lang="en-US" altLang="ko-KR" sz="5400" b="1" dirty="0">
+                <a:ln w="25400">
+                  <a:solidFill>
+                    <a:schemeClr val="tx1"/>
+                  </a:solidFill>
+                </a:ln>
+                <a:solidFill>
+                  <a:srgbClr val="FFFF5D"/>
+                </a:solidFill>
+                <a:latin typeface="Arial Black" panose="020B0A04020102020204" pitchFamily="34" charset="0"/>
+              </a:rPr>
+              <a:t>$</a:t>
+            </a:r>
+            <a:r>
+              <a:rPr lang="en-US" altLang="ko-KR" sz="5400" dirty="0">
+                <a:ln w="25400">
+                  <a:solidFill>
+                    <a:schemeClr val="tx1"/>
+                  </a:solidFill>
+                </a:ln>
+                <a:solidFill>
+                  <a:srgbClr val="FFFF5D"/>
+                </a:solidFill>
+                <a:latin typeface="Arial Black" panose="020B0A04020102020204" pitchFamily="34" charset="0"/>
+              </a:rPr>
+              <a:t> </a:t>
+            </a:r>
+            <a:r>
+              <a:rPr lang="en-US" altLang="ko-KR" sz="5400" dirty="0" smtClean="0">
+                <a:ln w="25400">
+                  <a:solidFill>
+                    <a:schemeClr val="tx1"/>
+                  </a:solidFill>
+                </a:ln>
+                <a:solidFill>
+                  <a:srgbClr val="FFFF5D"/>
+                </a:solidFill>
+                <a:latin typeface="Arial Black" panose="020B0A04020102020204" pitchFamily="34" charset="0"/>
+              </a:rPr>
+              <a:t>9</a:t>
+            </a:r>
+            <a:r>
+              <a:rPr lang="en-US" altLang="ko-KR" sz="5400" dirty="0" smtClean="0">
+                <a:ln w="25400">
+                  <a:solidFill>
+                    <a:schemeClr val="tx1"/>
+                  </a:solidFill>
+                </a:ln>
+                <a:solidFill>
+                  <a:srgbClr val="FFFF5D"/>
+                </a:solidFill>
+                <a:latin typeface="Arial Black" panose="020B0A04020102020204" pitchFamily="34" charset="0"/>
+              </a:rPr>
+              <a:t>00</a:t>
+            </a:r>
+            <a:endParaRPr lang="ko-KR" altLang="en-US" sz="5400" dirty="0">
+              <a:ln w="25400">
+                <a:solidFill>
+                  <a:schemeClr val="tx1"/>
+                </a:solidFill>
+              </a:ln>
+              <a:solidFill>
+                <a:srgbClr val="FFFF5D"/>
+              </a:solidFill>
+              <a:latin typeface="Arial Black" panose="020B0A04020102020204" pitchFamily="34" charset="0"/>
+            </a:endParaRPr>
+          </a:p>
+        </p:txBody>
+      </p:sp>
+      <p:sp>
+        <p:nvSpPr>
+          <p:cNvPr id="13" name="모서리가 둥근 직사각형 12"/>
+          <p:cNvSpPr/>
+          <p:nvPr/>
+        </p:nvSpPr>
+        <p:spPr>
+          <a:xfrm>
+            <a:off x="6636083" y="1890265"/>
+            <a:ext cx="2819378" cy="1380386"/>
+          </a:xfrm>
+          <a:prstGeom prst="roundRect">
+            <a:avLst>
+              <a:gd name="adj" fmla="val 50000"/>
+            </a:avLst>
+          </a:prstGeom>
+          <a:solidFill>
+            <a:srgbClr val="92D050"/>
+          </a:solidFill>
+          <a:ln w="63500">
+            <a:solidFill>
+              <a:schemeClr val="tx1"/>
+            </a:solidFill>
+          </a:ln>
+        </p:spPr>
+        <p:style>
+          <a:lnRef idx="2">
+            <a:schemeClr val="accent1">
+              <a:shade val="50000"/>
+            </a:schemeClr>
+          </a:lnRef>
+          <a:fillRef idx="1">
+            <a:schemeClr val="accent1"/>
+          </a:fillRef>
+          <a:effectRef idx="0">
+            <a:schemeClr val="accent1"/>
+          </a:effectRef>
+          <a:fontRef idx="minor">
+            <a:schemeClr val="lt1"/>
+          </a:fontRef>
+        </p:style>
+        <p:txBody>
+          <a:bodyPr rtlCol="0" anchor="ctr"/>
+          <a:lstStyle/>
+          <a:p>
+            <a:pPr algn="ctr"/>
+            <a:r>
+              <a:rPr lang="en-US" altLang="ko-KR" sz="4600" b="1" dirty="0">
+                <a:ln w="25400">
+                  <a:solidFill>
+                    <a:schemeClr val="tx1"/>
+                  </a:solidFill>
+                </a:ln>
+                <a:solidFill>
+                  <a:srgbClr val="FFFF5D"/>
+                </a:solidFill>
+                <a:latin typeface="Arial Black" panose="020B0A04020102020204" pitchFamily="34" charset="0"/>
+              </a:rPr>
+              <a:t>$</a:t>
+            </a:r>
+            <a:r>
+              <a:rPr lang="en-US" altLang="ko-KR" sz="4600" dirty="0">
+                <a:ln w="25400">
+                  <a:solidFill>
+                    <a:schemeClr val="tx1"/>
+                  </a:solidFill>
+                </a:ln>
+                <a:solidFill>
+                  <a:srgbClr val="FFFF5D"/>
+                </a:solidFill>
+                <a:latin typeface="Arial Black" panose="020B0A04020102020204" pitchFamily="34" charset="0"/>
+              </a:rPr>
+              <a:t> </a:t>
+            </a:r>
+            <a:r>
+              <a:rPr lang="en-US" altLang="ko-KR" sz="4600" dirty="0" smtClean="0">
+                <a:ln w="25400">
+                  <a:solidFill>
+                    <a:schemeClr val="tx1"/>
+                  </a:solidFill>
+                </a:ln>
+                <a:solidFill>
+                  <a:srgbClr val="FFFF5D"/>
+                </a:solidFill>
+                <a:latin typeface="Arial Black" panose="020B0A04020102020204" pitchFamily="34" charset="0"/>
+              </a:rPr>
+              <a:t>10</a:t>
+            </a:r>
+            <a:r>
+              <a:rPr lang="en-US" altLang="ko-KR" sz="4600" dirty="0" smtClean="0">
+                <a:ln w="25400">
+                  <a:solidFill>
+                    <a:schemeClr val="tx1"/>
+                  </a:solidFill>
+                </a:ln>
+                <a:solidFill>
+                  <a:srgbClr val="FFFF5D"/>
+                </a:solidFill>
+                <a:latin typeface="Arial Black" panose="020B0A04020102020204" pitchFamily="34" charset="0"/>
+              </a:rPr>
+              <a:t>00</a:t>
+            </a:r>
+            <a:endParaRPr lang="ko-KR" altLang="en-US" sz="4600" dirty="0">
+              <a:ln w="25400">
+                <a:solidFill>
+                  <a:schemeClr val="tx1"/>
+                </a:solidFill>
+              </a:ln>
+              <a:solidFill>
+                <a:srgbClr val="FFFF5D"/>
+              </a:solidFill>
+              <a:latin typeface="Arial Black" panose="020B0A04020102020204" pitchFamily="34" charset="0"/>
+            </a:endParaRPr>
+          </a:p>
+        </p:txBody>
+      </p:sp>
+      <p:sp>
+        <p:nvSpPr>
+          <p:cNvPr id="14" name="모서리가 둥근 직사각형 13"/>
+          <p:cNvSpPr/>
+          <p:nvPr/>
+        </p:nvSpPr>
+        <p:spPr>
+          <a:xfrm>
+            <a:off x="6636083" y="3453010"/>
+            <a:ext cx="2819378" cy="1380386"/>
+          </a:xfrm>
+          <a:prstGeom prst="roundRect">
+            <a:avLst>
+              <a:gd name="adj" fmla="val 50000"/>
+            </a:avLst>
+          </a:prstGeom>
+          <a:solidFill>
+            <a:srgbClr val="92D050"/>
+          </a:solidFill>
+          <a:ln w="63500">
+            <a:solidFill>
+              <a:schemeClr val="tx1"/>
+            </a:solidFill>
+          </a:ln>
+        </p:spPr>
+        <p:style>
+          <a:lnRef idx="2">
+            <a:schemeClr val="accent1">
+              <a:shade val="50000"/>
+            </a:schemeClr>
+          </a:lnRef>
+          <a:fillRef idx="1">
+            <a:schemeClr val="accent1"/>
+          </a:fillRef>
+          <a:effectRef idx="0">
+            <a:schemeClr val="accent1"/>
+          </a:effectRef>
+          <a:fontRef idx="minor">
+            <a:schemeClr val="lt1"/>
+          </a:fontRef>
+        </p:style>
+        <p:txBody>
+          <a:bodyPr rtlCol="0" anchor="ctr"/>
+          <a:lstStyle/>
+          <a:p>
+            <a:pPr algn="ctr"/>
+            <a:r>
+              <a:rPr lang="en-US" altLang="ko-KR" sz="4600" b="1" dirty="0">
+                <a:ln w="25400">
+                  <a:solidFill>
+                    <a:schemeClr val="tx1"/>
+                  </a:solidFill>
+                </a:ln>
+                <a:solidFill>
+                  <a:srgbClr val="FFFF5D"/>
+                </a:solidFill>
+                <a:latin typeface="Arial Black" panose="020B0A04020102020204" pitchFamily="34" charset="0"/>
+              </a:rPr>
+              <a:t>$</a:t>
+            </a:r>
+            <a:r>
+              <a:rPr lang="en-US" altLang="ko-KR" sz="4600" dirty="0">
+                <a:ln w="25400">
+                  <a:solidFill>
+                    <a:schemeClr val="tx1"/>
+                  </a:solidFill>
+                </a:ln>
+                <a:solidFill>
+                  <a:srgbClr val="FFFF5D"/>
+                </a:solidFill>
+                <a:latin typeface="Arial Black" panose="020B0A04020102020204" pitchFamily="34" charset="0"/>
+              </a:rPr>
+              <a:t> </a:t>
+            </a:r>
+            <a:r>
+              <a:rPr lang="en-US" altLang="ko-KR" sz="4600" dirty="0" smtClean="0">
+                <a:ln w="25400">
+                  <a:solidFill>
+                    <a:schemeClr val="tx1"/>
+                  </a:solidFill>
+                </a:ln>
+                <a:solidFill>
+                  <a:srgbClr val="FFFF5D"/>
+                </a:solidFill>
+                <a:latin typeface="Arial Black" panose="020B0A04020102020204" pitchFamily="34" charset="0"/>
+              </a:rPr>
+              <a:t>11</a:t>
+            </a:r>
+            <a:r>
+              <a:rPr lang="en-US" altLang="ko-KR" sz="4600" dirty="0" smtClean="0">
+                <a:ln w="25400">
+                  <a:solidFill>
+                    <a:schemeClr val="tx1"/>
+                  </a:solidFill>
+                </a:ln>
+                <a:solidFill>
+                  <a:srgbClr val="FFFF5D"/>
+                </a:solidFill>
+                <a:latin typeface="Arial Black" panose="020B0A04020102020204" pitchFamily="34" charset="0"/>
+              </a:rPr>
+              <a:t>00</a:t>
+            </a:r>
+            <a:endParaRPr lang="ko-KR" altLang="en-US" sz="4600" dirty="0">
+              <a:ln w="25400">
+                <a:solidFill>
+                  <a:schemeClr val="tx1"/>
+                </a:solidFill>
+              </a:ln>
+              <a:solidFill>
+                <a:srgbClr val="FFFF5D"/>
+              </a:solidFill>
+              <a:latin typeface="Arial Black" panose="020B0A04020102020204" pitchFamily="34" charset="0"/>
+            </a:endParaRPr>
+          </a:p>
+        </p:txBody>
+      </p:sp>
+      <p:sp>
+        <p:nvSpPr>
+          <p:cNvPr id="15" name="모서리가 둥근 직사각형 14"/>
+          <p:cNvSpPr/>
+          <p:nvPr/>
+        </p:nvSpPr>
+        <p:spPr>
+          <a:xfrm>
+            <a:off x="6636083" y="5015755"/>
+            <a:ext cx="2819378" cy="1380386"/>
+          </a:xfrm>
+          <a:prstGeom prst="roundRect">
+            <a:avLst>
+              <a:gd name="adj" fmla="val 50000"/>
+            </a:avLst>
+          </a:prstGeom>
+          <a:solidFill>
+            <a:srgbClr val="92D050"/>
+          </a:solidFill>
+          <a:ln w="63500">
+            <a:solidFill>
+              <a:schemeClr val="tx1"/>
+            </a:solidFill>
+          </a:ln>
+        </p:spPr>
+        <p:style>
+          <a:lnRef idx="2">
+            <a:schemeClr val="accent1">
+              <a:shade val="50000"/>
+            </a:schemeClr>
+          </a:lnRef>
+          <a:fillRef idx="1">
+            <a:schemeClr val="accent1"/>
+          </a:fillRef>
+          <a:effectRef idx="0">
+            <a:schemeClr val="accent1"/>
+          </a:effectRef>
+          <a:fontRef idx="minor">
+            <a:schemeClr val="lt1"/>
+          </a:fontRef>
+        </p:style>
+        <p:txBody>
+          <a:bodyPr rtlCol="0" anchor="ctr"/>
+          <a:lstStyle/>
+          <a:p>
+            <a:pPr algn="ctr"/>
+            <a:r>
+              <a:rPr lang="en-US" altLang="ko-KR" sz="4600" b="1" dirty="0">
+                <a:ln w="25400">
+                  <a:solidFill>
+                    <a:schemeClr val="tx1"/>
+                  </a:solidFill>
+                </a:ln>
+                <a:solidFill>
+                  <a:srgbClr val="FFFF5D"/>
+                </a:solidFill>
+                <a:latin typeface="Arial Black" panose="020B0A04020102020204" pitchFamily="34" charset="0"/>
+              </a:rPr>
+              <a:t>$</a:t>
+            </a:r>
+            <a:r>
+              <a:rPr lang="en-US" altLang="ko-KR" sz="4600" dirty="0">
+                <a:ln w="25400">
+                  <a:solidFill>
+                    <a:schemeClr val="tx1"/>
+                  </a:solidFill>
+                </a:ln>
+                <a:solidFill>
+                  <a:srgbClr val="FFFF5D"/>
+                </a:solidFill>
+                <a:latin typeface="Arial Black" panose="020B0A04020102020204" pitchFamily="34" charset="0"/>
+              </a:rPr>
+              <a:t> </a:t>
+            </a:r>
+            <a:r>
+              <a:rPr lang="en-US" altLang="ko-KR" sz="4600" dirty="0" smtClean="0">
+                <a:ln w="25400">
+                  <a:solidFill>
+                    <a:schemeClr val="tx1"/>
+                  </a:solidFill>
+                </a:ln>
+                <a:solidFill>
+                  <a:srgbClr val="FFFF5D"/>
+                </a:solidFill>
+                <a:latin typeface="Arial Black" panose="020B0A04020102020204" pitchFamily="34" charset="0"/>
+              </a:rPr>
+              <a:t>12</a:t>
+            </a:r>
+            <a:r>
+              <a:rPr lang="en-US" altLang="ko-KR" sz="4600" dirty="0" smtClean="0">
+                <a:ln w="25400">
+                  <a:solidFill>
+                    <a:schemeClr val="tx1"/>
+                  </a:solidFill>
+                </a:ln>
+                <a:solidFill>
+                  <a:srgbClr val="FFFF5D"/>
+                </a:solidFill>
+                <a:latin typeface="Arial Black" panose="020B0A04020102020204" pitchFamily="34" charset="0"/>
+              </a:rPr>
+              <a:t>00</a:t>
+            </a:r>
+            <a:endParaRPr lang="ko-KR" altLang="en-US" sz="4600" dirty="0">
+              <a:ln w="25400">
+                <a:solidFill>
+                  <a:schemeClr val="tx1"/>
+                </a:solidFill>
+              </a:ln>
+              <a:solidFill>
+                <a:srgbClr val="FFFF5D"/>
+              </a:solidFill>
+              <a:latin typeface="Arial Black" panose="020B0A04020102020204" pitchFamily="34" charset="0"/>
+            </a:endParaRPr>
+          </a:p>
+        </p:txBody>
+      </p:sp>
+      <p:sp>
+        <p:nvSpPr>
+          <p:cNvPr id="16" name="모서리가 둥근 직사각형 15"/>
+          <p:cNvSpPr/>
+          <p:nvPr/>
+        </p:nvSpPr>
+        <p:spPr>
+          <a:xfrm>
+            <a:off x="9764157" y="327520"/>
+            <a:ext cx="2819378" cy="1380386"/>
+          </a:xfrm>
+          <a:prstGeom prst="roundRect">
+            <a:avLst>
+              <a:gd name="adj" fmla="val 50000"/>
+            </a:avLst>
+          </a:prstGeom>
+          <a:solidFill>
+            <a:srgbClr val="92D050"/>
+          </a:solidFill>
+          <a:ln w="63500">
+            <a:solidFill>
+              <a:schemeClr val="tx1"/>
+            </a:solidFill>
+          </a:ln>
+        </p:spPr>
+        <p:style>
+          <a:lnRef idx="2">
+            <a:schemeClr val="accent1">
+              <a:shade val="50000"/>
+            </a:schemeClr>
+          </a:lnRef>
+          <a:fillRef idx="1">
+            <a:schemeClr val="accent1"/>
+          </a:fillRef>
+          <a:effectRef idx="0">
+            <a:schemeClr val="accent1"/>
+          </a:effectRef>
+          <a:fontRef idx="minor">
+            <a:schemeClr val="lt1"/>
+          </a:fontRef>
+        </p:style>
+        <p:txBody>
+          <a:bodyPr rtlCol="0" anchor="ctr"/>
+          <a:lstStyle/>
+          <a:p>
+            <a:pPr algn="ctr"/>
+            <a:r>
+              <a:rPr lang="en-US" altLang="ko-KR" sz="4600" b="1" dirty="0">
+                <a:ln w="25400">
+                  <a:solidFill>
+                    <a:schemeClr val="tx1"/>
+                  </a:solidFill>
+                </a:ln>
+                <a:solidFill>
+                  <a:srgbClr val="FFFF5D"/>
+                </a:solidFill>
+                <a:latin typeface="Arial Black" panose="020B0A04020102020204" pitchFamily="34" charset="0"/>
+              </a:rPr>
+              <a:t>$</a:t>
+            </a:r>
+            <a:r>
+              <a:rPr lang="en-US" altLang="ko-KR" sz="4600" dirty="0">
+                <a:ln w="25400">
+                  <a:solidFill>
+                    <a:schemeClr val="tx1"/>
+                  </a:solidFill>
+                </a:ln>
+                <a:solidFill>
+                  <a:srgbClr val="FFFF5D"/>
+                </a:solidFill>
+                <a:latin typeface="Arial Black" panose="020B0A04020102020204" pitchFamily="34" charset="0"/>
+              </a:rPr>
+              <a:t> </a:t>
+            </a:r>
+            <a:r>
+              <a:rPr lang="en-US" altLang="ko-KR" sz="4600" dirty="0" smtClean="0">
+                <a:ln w="25400">
+                  <a:solidFill>
+                    <a:schemeClr val="tx1"/>
+                  </a:solidFill>
+                </a:ln>
+                <a:solidFill>
+                  <a:srgbClr val="FFFF5D"/>
+                </a:solidFill>
+                <a:latin typeface="Arial Black" panose="020B0A04020102020204" pitchFamily="34" charset="0"/>
+              </a:rPr>
+              <a:t>13</a:t>
+            </a:r>
+            <a:r>
+              <a:rPr lang="en-US" altLang="ko-KR" sz="4600" dirty="0" smtClean="0">
+                <a:ln w="25400">
+                  <a:solidFill>
+                    <a:schemeClr val="tx1"/>
+                  </a:solidFill>
+                </a:ln>
+                <a:solidFill>
+                  <a:srgbClr val="FFFF5D"/>
+                </a:solidFill>
+                <a:latin typeface="Arial Black" panose="020B0A04020102020204" pitchFamily="34" charset="0"/>
+              </a:rPr>
+              <a:t>00</a:t>
+            </a:r>
+            <a:endParaRPr lang="ko-KR" altLang="en-US" sz="4600" dirty="0">
+              <a:ln w="25400">
+                <a:solidFill>
+                  <a:schemeClr val="tx1"/>
+                </a:solidFill>
+              </a:ln>
+              <a:solidFill>
+                <a:srgbClr val="FFFF5D"/>
+              </a:solidFill>
+              <a:latin typeface="Arial Black" panose="020B0A04020102020204" pitchFamily="34" charset="0"/>
+            </a:endParaRPr>
+          </a:p>
+        </p:txBody>
+      </p:sp>
+      <p:sp>
+        <p:nvSpPr>
+          <p:cNvPr id="17" name="모서리가 둥근 직사각형 16"/>
+          <p:cNvSpPr/>
+          <p:nvPr/>
+        </p:nvSpPr>
+        <p:spPr>
+          <a:xfrm>
+            <a:off x="9764157" y="1890265"/>
+            <a:ext cx="2819378" cy="1380386"/>
+          </a:xfrm>
+          <a:prstGeom prst="roundRect">
+            <a:avLst>
+              <a:gd name="adj" fmla="val 50000"/>
+            </a:avLst>
+          </a:prstGeom>
+          <a:solidFill>
+            <a:srgbClr val="92D050"/>
+          </a:solidFill>
+          <a:ln w="63500">
+            <a:solidFill>
+              <a:schemeClr val="tx1"/>
+            </a:solidFill>
+          </a:ln>
+        </p:spPr>
+        <p:style>
+          <a:lnRef idx="2">
+            <a:schemeClr val="accent1">
+              <a:shade val="50000"/>
+            </a:schemeClr>
+          </a:lnRef>
+          <a:fillRef idx="1">
+            <a:schemeClr val="accent1"/>
+          </a:fillRef>
+          <a:effectRef idx="0">
+            <a:schemeClr val="accent1"/>
+          </a:effectRef>
+          <a:fontRef idx="minor">
+            <a:schemeClr val="lt1"/>
+          </a:fontRef>
+        </p:style>
+        <p:txBody>
+          <a:bodyPr rtlCol="0" anchor="ctr"/>
+          <a:lstStyle/>
+          <a:p>
+            <a:pPr algn="ctr"/>
+            <a:r>
+              <a:rPr lang="en-US" altLang="ko-KR" sz="4600" b="1" dirty="0">
+                <a:ln w="25400">
+                  <a:solidFill>
+                    <a:schemeClr val="tx1"/>
+                  </a:solidFill>
+                </a:ln>
+                <a:solidFill>
+                  <a:srgbClr val="FFFF5D"/>
+                </a:solidFill>
+                <a:latin typeface="Arial Black" panose="020B0A04020102020204" pitchFamily="34" charset="0"/>
+              </a:rPr>
+              <a:t>$</a:t>
+            </a:r>
+            <a:r>
+              <a:rPr lang="en-US" altLang="ko-KR" sz="4600" dirty="0">
+                <a:ln w="25400">
+                  <a:solidFill>
+                    <a:schemeClr val="tx1"/>
+                  </a:solidFill>
+                </a:ln>
+                <a:solidFill>
+                  <a:srgbClr val="FFFF5D"/>
+                </a:solidFill>
+                <a:latin typeface="Arial Black" panose="020B0A04020102020204" pitchFamily="34" charset="0"/>
+              </a:rPr>
+              <a:t> </a:t>
+            </a:r>
+            <a:r>
+              <a:rPr lang="en-US" altLang="ko-KR" sz="4600" dirty="0" smtClean="0">
+                <a:ln w="25400">
+                  <a:solidFill>
+                    <a:schemeClr val="tx1"/>
+                  </a:solidFill>
+                </a:ln>
+                <a:solidFill>
+                  <a:srgbClr val="FFFF5D"/>
+                </a:solidFill>
+                <a:latin typeface="Arial Black" panose="020B0A04020102020204" pitchFamily="34" charset="0"/>
+              </a:rPr>
+              <a:t>14</a:t>
+            </a:r>
+            <a:r>
+              <a:rPr lang="en-US" altLang="ko-KR" sz="4600" dirty="0" smtClean="0">
+                <a:ln w="25400">
+                  <a:solidFill>
+                    <a:schemeClr val="tx1"/>
+                  </a:solidFill>
+                </a:ln>
+                <a:solidFill>
+                  <a:srgbClr val="FFFF5D"/>
+                </a:solidFill>
+                <a:latin typeface="Arial Black" panose="020B0A04020102020204" pitchFamily="34" charset="0"/>
+              </a:rPr>
+              <a:t>00</a:t>
+            </a:r>
+            <a:endParaRPr lang="ko-KR" altLang="en-US" sz="4600" dirty="0">
+              <a:ln w="25400">
+                <a:solidFill>
+                  <a:schemeClr val="tx1"/>
+                </a:solidFill>
+              </a:ln>
+              <a:solidFill>
+                <a:srgbClr val="FFFF5D"/>
+              </a:solidFill>
+              <a:latin typeface="Arial Black" panose="020B0A04020102020204" pitchFamily="34" charset="0"/>
+            </a:endParaRPr>
+          </a:p>
+        </p:txBody>
+      </p:sp>
+      <p:sp>
+        <p:nvSpPr>
+          <p:cNvPr id="18" name="모서리가 둥근 직사각형 17"/>
+          <p:cNvSpPr/>
+          <p:nvPr/>
+        </p:nvSpPr>
+        <p:spPr>
+          <a:xfrm>
+            <a:off x="9764157" y="3453010"/>
+            <a:ext cx="2819378" cy="1380386"/>
+          </a:xfrm>
+          <a:prstGeom prst="roundRect">
+            <a:avLst>
+              <a:gd name="adj" fmla="val 50000"/>
+            </a:avLst>
+          </a:prstGeom>
+          <a:solidFill>
+            <a:srgbClr val="92D050"/>
+          </a:solidFill>
+          <a:ln w="63500">
+            <a:solidFill>
+              <a:schemeClr val="tx1"/>
+            </a:solidFill>
+          </a:ln>
+        </p:spPr>
+        <p:style>
+          <a:lnRef idx="2">
+            <a:schemeClr val="accent1">
+              <a:shade val="50000"/>
+            </a:schemeClr>
+          </a:lnRef>
+          <a:fillRef idx="1">
+            <a:schemeClr val="accent1"/>
+          </a:fillRef>
+          <a:effectRef idx="0">
+            <a:schemeClr val="accent1"/>
+          </a:effectRef>
+          <a:fontRef idx="minor">
+            <a:schemeClr val="lt1"/>
+          </a:fontRef>
+        </p:style>
+        <p:txBody>
+          <a:bodyPr rtlCol="0" anchor="ctr"/>
+          <a:lstStyle/>
+          <a:p>
+            <a:pPr algn="ctr"/>
+            <a:r>
+              <a:rPr lang="en-US" altLang="ko-KR" sz="4600" b="1" dirty="0">
+                <a:ln w="25400">
+                  <a:solidFill>
+                    <a:schemeClr val="tx1"/>
+                  </a:solidFill>
+                </a:ln>
+                <a:solidFill>
+                  <a:srgbClr val="FFFF5D"/>
+                </a:solidFill>
+                <a:latin typeface="Arial Black" panose="020B0A04020102020204" pitchFamily="34" charset="0"/>
+              </a:rPr>
+              <a:t>$</a:t>
+            </a:r>
+            <a:r>
+              <a:rPr lang="en-US" altLang="ko-KR" sz="4600" dirty="0">
+                <a:ln w="25400">
+                  <a:solidFill>
+                    <a:schemeClr val="tx1"/>
+                  </a:solidFill>
+                </a:ln>
+                <a:solidFill>
+                  <a:srgbClr val="FFFF5D"/>
+                </a:solidFill>
+                <a:latin typeface="Arial Black" panose="020B0A04020102020204" pitchFamily="34" charset="0"/>
+              </a:rPr>
+              <a:t> </a:t>
+            </a:r>
+            <a:r>
+              <a:rPr lang="en-US" altLang="ko-KR" sz="4600" dirty="0" smtClean="0">
+                <a:ln w="25400">
+                  <a:solidFill>
+                    <a:schemeClr val="tx1"/>
+                  </a:solidFill>
+                </a:ln>
+                <a:solidFill>
+                  <a:srgbClr val="FFFF5D"/>
+                </a:solidFill>
+                <a:latin typeface="Arial Black" panose="020B0A04020102020204" pitchFamily="34" charset="0"/>
+              </a:rPr>
+              <a:t>15</a:t>
+            </a:r>
+            <a:r>
+              <a:rPr lang="en-US" altLang="ko-KR" sz="4600" dirty="0" smtClean="0">
+                <a:ln w="25400">
+                  <a:solidFill>
+                    <a:schemeClr val="tx1"/>
+                  </a:solidFill>
+                </a:ln>
+                <a:solidFill>
+                  <a:srgbClr val="FFFF5D"/>
+                </a:solidFill>
+                <a:latin typeface="Arial Black" panose="020B0A04020102020204" pitchFamily="34" charset="0"/>
+              </a:rPr>
+              <a:t>00</a:t>
+            </a:r>
+            <a:endParaRPr lang="ko-KR" altLang="en-US" sz="4600" dirty="0">
+              <a:ln w="25400">
+                <a:solidFill>
+                  <a:schemeClr val="tx1"/>
+                </a:solidFill>
+              </a:ln>
+              <a:solidFill>
+                <a:srgbClr val="FFFF5D"/>
+              </a:solidFill>
+              <a:latin typeface="Arial Black" panose="020B0A04020102020204" pitchFamily="34" charset="0"/>
+            </a:endParaRPr>
+          </a:p>
+        </p:txBody>
+      </p:sp>
+      <p:sp>
+        <p:nvSpPr>
+          <p:cNvPr id="19" name="모서리가 둥근 직사각형 18"/>
+          <p:cNvSpPr/>
+          <p:nvPr/>
+        </p:nvSpPr>
+        <p:spPr>
+          <a:xfrm>
+            <a:off x="9764157" y="5015755"/>
+            <a:ext cx="2819378" cy="1380386"/>
+          </a:xfrm>
+          <a:prstGeom prst="roundRect">
+            <a:avLst>
+              <a:gd name="adj" fmla="val 50000"/>
+            </a:avLst>
+          </a:prstGeom>
+          <a:solidFill>
+            <a:srgbClr val="92D050"/>
+          </a:solidFill>
+          <a:ln w="63500">
+            <a:solidFill>
+              <a:schemeClr val="tx1"/>
+            </a:solidFill>
+          </a:ln>
+        </p:spPr>
+        <p:style>
+          <a:lnRef idx="2">
+            <a:schemeClr val="accent1">
+              <a:shade val="50000"/>
+            </a:schemeClr>
+          </a:lnRef>
+          <a:fillRef idx="1">
+            <a:schemeClr val="accent1"/>
+          </a:fillRef>
+          <a:effectRef idx="0">
+            <a:schemeClr val="accent1"/>
+          </a:effectRef>
+          <a:fontRef idx="minor">
+            <a:schemeClr val="lt1"/>
+          </a:fontRef>
+        </p:style>
+        <p:txBody>
+          <a:bodyPr rtlCol="0" anchor="ctr"/>
+          <a:lstStyle/>
+          <a:p>
+            <a:pPr algn="ctr"/>
+            <a:r>
+              <a:rPr lang="en-US" altLang="ko-KR" sz="4600" b="1" dirty="0">
+                <a:ln w="25400">
+                  <a:solidFill>
+                    <a:schemeClr val="tx1"/>
+                  </a:solidFill>
+                </a:ln>
+                <a:solidFill>
+                  <a:srgbClr val="FFFF5D"/>
+                </a:solidFill>
+                <a:latin typeface="Arial Black" panose="020B0A04020102020204" pitchFamily="34" charset="0"/>
+              </a:rPr>
+              <a:t>$</a:t>
+            </a:r>
+            <a:r>
+              <a:rPr lang="en-US" altLang="ko-KR" sz="4600" dirty="0">
+                <a:ln w="25400">
+                  <a:solidFill>
+                    <a:schemeClr val="tx1"/>
+                  </a:solidFill>
+                </a:ln>
+                <a:solidFill>
+                  <a:srgbClr val="FFFF5D"/>
+                </a:solidFill>
+                <a:latin typeface="Arial Black" panose="020B0A04020102020204" pitchFamily="34" charset="0"/>
+              </a:rPr>
+              <a:t> </a:t>
+            </a:r>
+            <a:r>
+              <a:rPr lang="en-US" altLang="ko-KR" sz="4600" dirty="0" smtClean="0">
+                <a:ln w="25400">
+                  <a:solidFill>
+                    <a:schemeClr val="tx1"/>
+                  </a:solidFill>
+                </a:ln>
+                <a:solidFill>
+                  <a:srgbClr val="FFFF5D"/>
+                </a:solidFill>
+                <a:latin typeface="Arial Black" panose="020B0A04020102020204" pitchFamily="34" charset="0"/>
+              </a:rPr>
+              <a:t>16</a:t>
+            </a:r>
+            <a:r>
+              <a:rPr lang="en-US" altLang="ko-KR" sz="4600" dirty="0" smtClean="0">
+                <a:ln w="25400">
+                  <a:solidFill>
+                    <a:schemeClr val="tx1"/>
+                  </a:solidFill>
+                </a:ln>
+                <a:solidFill>
+                  <a:srgbClr val="FFFF5D"/>
+                </a:solidFill>
+                <a:latin typeface="Arial Black" panose="020B0A04020102020204" pitchFamily="34" charset="0"/>
+              </a:rPr>
+              <a:t>00</a:t>
+            </a:r>
+            <a:endParaRPr lang="ko-KR" altLang="en-US" sz="4600" dirty="0">
+              <a:ln w="25400">
+                <a:solidFill>
+                  <a:schemeClr val="tx1"/>
+                </a:solidFill>
+              </a:ln>
+              <a:solidFill>
+                <a:srgbClr val="FFFF5D"/>
+              </a:solidFill>
+              <a:latin typeface="Arial Black" panose="020B0A04020102020204" pitchFamily="34" charset="0"/>
+            </a:endParaRPr>
+          </a:p>
+        </p:txBody>
+      </p:sp>
+    </p:spTree>
+    <p:extLst>
+      <p:ext uri="{BB962C8B-B14F-4D97-AF65-F5344CB8AC3E}">
+        <p14:creationId xmlns:p14="http://schemas.microsoft.com/office/powerpoint/2010/main" val="3932965978"/>
+      </p:ext>
+    </p:extLst>
+  </p:cSld>
+  <p:clrMapOvr>
+    <a:masterClrMapping/>
+  </p:clrMapOvr>
+</p:sld>
+</file>
+
+<file path=ppt/slides/slide8.xml><?xml version="1.0" encoding="utf-8"?>
+<p:sld xmlns:a="http://schemas.openxmlformats.org/drawingml/2006/main" xmlns:r="http://schemas.openxmlformats.org/officeDocument/2006/relationships" xmlns:p="http://schemas.openxmlformats.org/presentationml/2006/main">
+  <p:cSld>
+    <p:spTree>
+      <p:nvGrpSpPr>
+        <p:cNvPr id="1" name=""/>
+        <p:cNvGrpSpPr/>
+        <p:nvPr/>
+      </p:nvGrpSpPr>
+      <p:grpSpPr>
+        <a:xfrm>
+          <a:off x="0" y="0"/>
+          <a:ext cx="0" cy="0"/>
+          <a:chOff x="0" y="0"/>
+          <a:chExt cx="0" cy="0"/>
+        </a:xfrm>
+      </p:grpSpPr>
+      <p:grpSp>
+        <p:nvGrpSpPr>
+          <p:cNvPr id="3" name="그룹 2"/>
+          <p:cNvGrpSpPr/>
+          <p:nvPr/>
+        </p:nvGrpSpPr>
+        <p:grpSpPr>
+          <a:xfrm>
+            <a:off x="1284689" y="1102434"/>
+            <a:ext cx="3006671" cy="1380386"/>
+            <a:chOff x="1284689" y="1102434"/>
+            <a:chExt cx="3006671" cy="1380386"/>
+          </a:xfrm>
+        </p:grpSpPr>
+        <p:sp>
+          <p:nvSpPr>
+            <p:cNvPr id="4" name="모서리가 둥근 직사각형 3"/>
+            <p:cNvSpPr/>
+            <p:nvPr/>
+          </p:nvSpPr>
+          <p:spPr>
+            <a:xfrm>
+              <a:off x="1378336" y="1102434"/>
+              <a:ext cx="2819378" cy="1380386"/>
+            </a:xfrm>
+            <a:prstGeom prst="roundRect">
+              <a:avLst>
+                <a:gd name="adj" fmla="val 50000"/>
+              </a:avLst>
+            </a:prstGeom>
+            <a:solidFill>
+              <a:srgbClr val="92D050"/>
+            </a:solidFill>
+            <a:ln w="63500">
+              <a:solidFill>
+                <a:schemeClr val="tx1"/>
+              </a:solidFill>
+            </a:ln>
+          </p:spPr>
+          <p:style>
+            <a:lnRef idx="2">
+              <a:schemeClr val="accent1">
+                <a:shade val="50000"/>
+              </a:schemeClr>
+            </a:lnRef>
+            <a:fillRef idx="1">
+              <a:schemeClr val="accent1"/>
+            </a:fillRef>
+            <a:effectRef idx="0">
+              <a:schemeClr val="accent1"/>
+            </a:effectRef>
+            <a:fontRef idx="minor">
+              <a:schemeClr val="lt1"/>
+            </a:fontRef>
+          </p:style>
+          <p:txBody>
+            <a:bodyPr rtlCol="0" anchor="ctr"/>
+            <a:lstStyle/>
+            <a:p>
+              <a:pPr algn="ctr"/>
+              <a:endParaRPr lang="ko-KR" altLang="en-US" sz="5400" dirty="0">
+                <a:ln w="25400">
+                  <a:solidFill>
+                    <a:schemeClr val="tx1"/>
+                  </a:solidFill>
+                </a:ln>
+                <a:solidFill>
+                  <a:srgbClr val="FFFF5D"/>
+                </a:solidFill>
+                <a:latin typeface="Arial Black" panose="020B0A04020102020204" pitchFamily="34" charset="0"/>
+              </a:endParaRPr>
+            </a:p>
+          </p:txBody>
+        </p:sp>
+        <p:sp>
+          <p:nvSpPr>
+            <p:cNvPr id="2" name="직사각형 1"/>
+            <p:cNvSpPr/>
+            <p:nvPr/>
+          </p:nvSpPr>
+          <p:spPr>
+            <a:xfrm rot="21006959">
+              <a:off x="1284689" y="1304430"/>
+              <a:ext cx="3006671" cy="976393"/>
+            </a:xfrm>
+            <a:prstGeom prst="rect">
+              <a:avLst/>
+            </a:prstGeom>
+            <a:solidFill>
+              <a:schemeClr val="bg1"/>
+            </a:solidFill>
+            <a:ln w="127000">
+              <a:solidFill>
+                <a:srgbClr val="FF0000"/>
+              </a:solidFill>
+            </a:ln>
+          </p:spPr>
+          <p:style>
+            <a:lnRef idx="2">
+              <a:schemeClr val="accent1">
+                <a:shade val="50000"/>
+              </a:schemeClr>
+            </a:lnRef>
+            <a:fillRef idx="1">
+              <a:schemeClr val="accent1"/>
+            </a:fillRef>
+            <a:effectRef idx="0">
+              <a:schemeClr val="accent1"/>
+            </a:effectRef>
+            <a:fontRef idx="minor">
+              <a:schemeClr val="lt1"/>
+            </a:fontRef>
+          </p:style>
+          <p:txBody>
+            <a:bodyPr rtlCol="0" anchor="ctr"/>
+            <a:lstStyle/>
+            <a:p>
+              <a:pPr algn="ctr"/>
+              <a:r>
+                <a:rPr lang="en-US" altLang="ko-KR" sz="4400" b="1" dirty="0" smtClean="0">
+                  <a:ln w="25400">
+                    <a:solidFill>
+                      <a:schemeClr val="tx1"/>
+                    </a:solidFill>
+                  </a:ln>
+                  <a:solidFill>
+                    <a:srgbClr val="FF0000"/>
+                  </a:solidFill>
+                  <a:latin typeface="Arial Black" panose="020B0A04020102020204" pitchFamily="34" charset="0"/>
+                </a:rPr>
+                <a:t>Sold Out</a:t>
+              </a:r>
+              <a:endParaRPr lang="ko-KR" altLang="en-US" sz="4400" dirty="0">
+                <a:ln w="25400">
+                  <a:solidFill>
+                    <a:schemeClr val="tx1"/>
+                  </a:solidFill>
+                </a:ln>
+                <a:solidFill>
+                  <a:srgbClr val="FF0000"/>
+                </a:solidFill>
+                <a:latin typeface="Arial Black" panose="020B0A04020102020204" pitchFamily="34" charset="0"/>
+              </a:endParaRPr>
+            </a:p>
+          </p:txBody>
+        </p:sp>
+      </p:grpSp>
+    </p:spTree>
+    <p:extLst>
+      <p:ext uri="{BB962C8B-B14F-4D97-AF65-F5344CB8AC3E}">
+        <p14:creationId xmlns:p14="http://schemas.microsoft.com/office/powerpoint/2010/main" val="3955786912"/>
       </p:ext>
     </p:extLst>
   </p:cSld>

--- a/UI Design.pptx
+++ b/UI Design.pptx
@@ -17569,7 +17569,17 @@
                 <a:latin typeface="휴먼매직체" panose="02030504000101010101" pitchFamily="18" charset="-127"/>
                 <a:ea typeface="휴먼매직체" panose="02030504000101010101" pitchFamily="18" charset="-127"/>
               </a:rPr>
-              <a:t>칼이 움직이는 속도가 느려집니다</a:t>
+              <a:t>칼이 움직이는 속도가 </a:t>
+            </a:r>
+            <a:r>
+              <a:rPr lang="ko-KR" altLang="en-US" sz="2400" dirty="0" smtClean="0">
+                <a:ln w="38100">
+                  <a:noFill/>
+                </a:ln>
+                <a:latin typeface="휴먼매직체" panose="02030504000101010101" pitchFamily="18" charset="-127"/>
+                <a:ea typeface="휴먼매직체" panose="02030504000101010101" pitchFamily="18" charset="-127"/>
+              </a:rPr>
+              <a:t>빨라집니다</a:t>
             </a:r>
             <a:r>
               <a:rPr lang="en-US" altLang="ko-KR" sz="2400" dirty="0" smtClean="0">
@@ -34292,35 +34302,7 @@
                 </a:solidFill>
                 <a:latin typeface="Arial Black" panose="020B0A04020102020204" pitchFamily="34" charset="0"/>
               </a:rPr>
-              <a:t> </a:t>
-            </a:r>
-            <a:r>
-              <a:rPr lang="en-US" altLang="ko-KR" sz="5400" dirty="0" smtClean="0">
-                <a:ln w="25400">
-                  <a:solidFill>
-                    <a:schemeClr val="tx1"/>
-                  </a:solidFill>
-                </a:ln>
-                <a:solidFill>
-                  <a:srgbClr val="FFFF5D"/>
-                </a:solidFill>
-                <a:latin typeface="Arial Black" panose="020B0A04020102020204" pitchFamily="34" charset="0"/>
-              </a:rPr>
-              <a:t>1</a:t>
-            </a:r>
-            <a:r>
-              <a:rPr lang="en-US" altLang="ko-KR" sz="5400" dirty="0" smtClean="0">
-                <a:ln w="25400">
-                  <a:solidFill>
-                    <a:schemeClr val="tx1"/>
-                  </a:solidFill>
-                </a:ln>
-                <a:solidFill>
-                  <a:srgbClr val="FFFF5D"/>
-                </a:solidFill>
-                <a:latin typeface="Arial Black" panose="020B0A04020102020204" pitchFamily="34" charset="0"/>
-              </a:rPr>
-              <a:t>00</a:t>
+              <a:t> 100</a:t>
             </a:r>
             <a:endParaRPr lang="ko-KR" altLang="en-US" sz="5400" dirty="0">
               <a:ln w="25400">
@@ -34422,21 +34404,7 @@
                 </a:solidFill>
                 <a:latin typeface="Arial Black" panose="020B0A04020102020204" pitchFamily="34" charset="0"/>
               </a:rPr>
-              <a:t>2</a:t>
-            </a:r>
-            <a:r>
-              <a:rPr lang="en-US" altLang="ko-KR" sz="5400" dirty="0" smtClean="0">
-                <a:ln w="25400">
-                  <a:solidFill>
-                    <a:schemeClr val="tx1"/>
-                  </a:solidFill>
-                </a:ln>
-                <a:solidFill>
-                  <a:srgbClr val="FFFF5D"/>
-                </a:solidFill>
-                <a:latin typeface="Arial Black" panose="020B0A04020102020204" pitchFamily="34" charset="0"/>
-              </a:rPr>
-              <a:t>00</a:t>
+              <a:t>200</a:t>
             </a:r>
             <a:endParaRPr lang="ko-KR" altLang="en-US" sz="5400" dirty="0">
               <a:ln w="25400">
@@ -34538,21 +34506,7 @@
                 </a:solidFill>
                 <a:latin typeface="Arial Black" panose="020B0A04020102020204" pitchFamily="34" charset="0"/>
               </a:rPr>
-              <a:t>3</a:t>
-            </a:r>
-            <a:r>
-              <a:rPr lang="en-US" altLang="ko-KR" sz="5400" dirty="0" smtClean="0">
-                <a:ln w="25400">
-                  <a:solidFill>
-                    <a:schemeClr val="tx1"/>
-                  </a:solidFill>
-                </a:ln>
-                <a:solidFill>
-                  <a:srgbClr val="FFFF5D"/>
-                </a:solidFill>
-                <a:latin typeface="Arial Black" panose="020B0A04020102020204" pitchFamily="34" charset="0"/>
-              </a:rPr>
-              <a:t>00</a:t>
+              <a:t>300</a:t>
             </a:r>
             <a:endParaRPr lang="ko-KR" altLang="en-US" sz="5400" dirty="0">
               <a:ln w="25400">
@@ -34654,21 +34608,7 @@
                 </a:solidFill>
                 <a:latin typeface="Arial Black" panose="020B0A04020102020204" pitchFamily="34" charset="0"/>
               </a:rPr>
-              <a:t>4</a:t>
-            </a:r>
-            <a:r>
-              <a:rPr lang="en-US" altLang="ko-KR" sz="5400" dirty="0" smtClean="0">
-                <a:ln w="25400">
-                  <a:solidFill>
-                    <a:schemeClr val="tx1"/>
-                  </a:solidFill>
-                </a:ln>
-                <a:solidFill>
-                  <a:srgbClr val="FFFF5D"/>
-                </a:solidFill>
-                <a:latin typeface="Arial Black" panose="020B0A04020102020204" pitchFamily="34" charset="0"/>
-              </a:rPr>
-              <a:t>00</a:t>
+              <a:t>400</a:t>
             </a:r>
             <a:endParaRPr lang="ko-KR" altLang="en-US" sz="5400" dirty="0">
               <a:ln w="25400">
@@ -34770,21 +34710,7 @@
                 </a:solidFill>
                 <a:latin typeface="Arial Black" panose="020B0A04020102020204" pitchFamily="34" charset="0"/>
               </a:rPr>
-              <a:t>5</a:t>
-            </a:r>
-            <a:r>
-              <a:rPr lang="en-US" altLang="ko-KR" sz="5400" dirty="0" smtClean="0">
-                <a:ln w="25400">
-                  <a:solidFill>
-                    <a:schemeClr val="tx1"/>
-                  </a:solidFill>
-                </a:ln>
-                <a:solidFill>
-                  <a:srgbClr val="FFFF5D"/>
-                </a:solidFill>
-                <a:latin typeface="Arial Black" panose="020B0A04020102020204" pitchFamily="34" charset="0"/>
-              </a:rPr>
-              <a:t>00</a:t>
+              <a:t>500</a:t>
             </a:r>
             <a:endParaRPr lang="ko-KR" altLang="en-US" sz="5400" dirty="0">
               <a:ln w="25400">
@@ -34886,21 +34812,7 @@
                 </a:solidFill>
                 <a:latin typeface="Arial Black" panose="020B0A04020102020204" pitchFamily="34" charset="0"/>
               </a:rPr>
-              <a:t>6</a:t>
-            </a:r>
-            <a:r>
-              <a:rPr lang="en-US" altLang="ko-KR" sz="5400" dirty="0" smtClean="0">
-                <a:ln w="25400">
-                  <a:solidFill>
-                    <a:schemeClr val="tx1"/>
-                  </a:solidFill>
-                </a:ln>
-                <a:solidFill>
-                  <a:srgbClr val="FFFF5D"/>
-                </a:solidFill>
-                <a:latin typeface="Arial Black" panose="020B0A04020102020204" pitchFamily="34" charset="0"/>
-              </a:rPr>
-              <a:t>00</a:t>
+              <a:t>600</a:t>
             </a:r>
             <a:endParaRPr lang="ko-KR" altLang="en-US" sz="5400" dirty="0">
               <a:ln w="25400">
@@ -35002,21 +34914,7 @@
                 </a:solidFill>
                 <a:latin typeface="Arial Black" panose="020B0A04020102020204" pitchFamily="34" charset="0"/>
               </a:rPr>
-              <a:t>7</a:t>
-            </a:r>
-            <a:r>
-              <a:rPr lang="en-US" altLang="ko-KR" sz="5400" dirty="0" smtClean="0">
-                <a:ln w="25400">
-                  <a:solidFill>
-                    <a:schemeClr val="tx1"/>
-                  </a:solidFill>
-                </a:ln>
-                <a:solidFill>
-                  <a:srgbClr val="FFFF5D"/>
-                </a:solidFill>
-                <a:latin typeface="Arial Black" panose="020B0A04020102020204" pitchFamily="34" charset="0"/>
-              </a:rPr>
-              <a:t>00</a:t>
+              <a:t>700</a:t>
             </a:r>
             <a:endParaRPr lang="ko-KR" altLang="en-US" sz="5400" dirty="0">
               <a:ln w="25400">
@@ -35118,21 +35016,7 @@
                 </a:solidFill>
                 <a:latin typeface="Arial Black" panose="020B0A04020102020204" pitchFamily="34" charset="0"/>
               </a:rPr>
-              <a:t>8</a:t>
-            </a:r>
-            <a:r>
-              <a:rPr lang="en-US" altLang="ko-KR" sz="5400" dirty="0" smtClean="0">
-                <a:ln w="25400">
-                  <a:solidFill>
-                    <a:schemeClr val="tx1"/>
-                  </a:solidFill>
-                </a:ln>
-                <a:solidFill>
-                  <a:srgbClr val="FFFF5D"/>
-                </a:solidFill>
-                <a:latin typeface="Arial Black" panose="020B0A04020102020204" pitchFamily="34" charset="0"/>
-              </a:rPr>
-              <a:t>00</a:t>
+              <a:t>800</a:t>
             </a:r>
             <a:endParaRPr lang="ko-KR" altLang="en-US" sz="5400" dirty="0">
               <a:ln w="25400">
@@ -35234,21 +35118,7 @@
                 </a:solidFill>
                 <a:latin typeface="Arial Black" panose="020B0A04020102020204" pitchFamily="34" charset="0"/>
               </a:rPr>
-              <a:t>9</a:t>
-            </a:r>
-            <a:r>
-              <a:rPr lang="en-US" altLang="ko-KR" sz="5400" dirty="0" smtClean="0">
-                <a:ln w="25400">
-                  <a:solidFill>
-                    <a:schemeClr val="tx1"/>
-                  </a:solidFill>
-                </a:ln>
-                <a:solidFill>
-                  <a:srgbClr val="FFFF5D"/>
-                </a:solidFill>
-                <a:latin typeface="Arial Black" panose="020B0A04020102020204" pitchFamily="34" charset="0"/>
-              </a:rPr>
-              <a:t>00</a:t>
+              <a:t>900</a:t>
             </a:r>
             <a:endParaRPr lang="ko-KR" altLang="en-US" sz="5400" dirty="0">
               <a:ln w="25400">
@@ -35350,21 +35220,7 @@
                 </a:solidFill>
                 <a:latin typeface="Arial Black" panose="020B0A04020102020204" pitchFamily="34" charset="0"/>
               </a:rPr>
-              <a:t>10</a:t>
-            </a:r>
-            <a:r>
-              <a:rPr lang="en-US" altLang="ko-KR" sz="4600" dirty="0" smtClean="0">
-                <a:ln w="25400">
-                  <a:solidFill>
-                    <a:schemeClr val="tx1"/>
-                  </a:solidFill>
-                </a:ln>
-                <a:solidFill>
-                  <a:srgbClr val="FFFF5D"/>
-                </a:solidFill>
-                <a:latin typeface="Arial Black" panose="020B0A04020102020204" pitchFamily="34" charset="0"/>
-              </a:rPr>
-              <a:t>00</a:t>
+              <a:t>1000</a:t>
             </a:r>
             <a:endParaRPr lang="ko-KR" altLang="en-US" sz="4600" dirty="0">
               <a:ln w="25400">
@@ -35466,21 +35322,7 @@
                 </a:solidFill>
                 <a:latin typeface="Arial Black" panose="020B0A04020102020204" pitchFamily="34" charset="0"/>
               </a:rPr>
-              <a:t>11</a:t>
-            </a:r>
-            <a:r>
-              <a:rPr lang="en-US" altLang="ko-KR" sz="4600" dirty="0" smtClean="0">
-                <a:ln w="25400">
-                  <a:solidFill>
-                    <a:schemeClr val="tx1"/>
-                  </a:solidFill>
-                </a:ln>
-                <a:solidFill>
-                  <a:srgbClr val="FFFF5D"/>
-                </a:solidFill>
-                <a:latin typeface="Arial Black" panose="020B0A04020102020204" pitchFamily="34" charset="0"/>
-              </a:rPr>
-              <a:t>00</a:t>
+              <a:t>1100</a:t>
             </a:r>
             <a:endParaRPr lang="ko-KR" altLang="en-US" sz="4600" dirty="0">
               <a:ln w="25400">
@@ -35582,21 +35424,7 @@
                 </a:solidFill>
                 <a:latin typeface="Arial Black" panose="020B0A04020102020204" pitchFamily="34" charset="0"/>
               </a:rPr>
-              <a:t>12</a:t>
-            </a:r>
-            <a:r>
-              <a:rPr lang="en-US" altLang="ko-KR" sz="4600" dirty="0" smtClean="0">
-                <a:ln w="25400">
-                  <a:solidFill>
-                    <a:schemeClr val="tx1"/>
-                  </a:solidFill>
-                </a:ln>
-                <a:solidFill>
-                  <a:srgbClr val="FFFF5D"/>
-                </a:solidFill>
-                <a:latin typeface="Arial Black" panose="020B0A04020102020204" pitchFamily="34" charset="0"/>
-              </a:rPr>
-              <a:t>00</a:t>
+              <a:t>1200</a:t>
             </a:r>
             <a:endParaRPr lang="ko-KR" altLang="en-US" sz="4600" dirty="0">
               <a:ln w="25400">
@@ -35698,21 +35526,7 @@
                 </a:solidFill>
                 <a:latin typeface="Arial Black" panose="020B0A04020102020204" pitchFamily="34" charset="0"/>
               </a:rPr>
-              <a:t>13</a:t>
-            </a:r>
-            <a:r>
-              <a:rPr lang="en-US" altLang="ko-KR" sz="4600" dirty="0" smtClean="0">
-                <a:ln w="25400">
-                  <a:solidFill>
-                    <a:schemeClr val="tx1"/>
-                  </a:solidFill>
-                </a:ln>
-                <a:solidFill>
-                  <a:srgbClr val="FFFF5D"/>
-                </a:solidFill>
-                <a:latin typeface="Arial Black" panose="020B0A04020102020204" pitchFamily="34" charset="0"/>
-              </a:rPr>
-              <a:t>00</a:t>
+              <a:t>1300</a:t>
             </a:r>
             <a:endParaRPr lang="ko-KR" altLang="en-US" sz="4600" dirty="0">
               <a:ln w="25400">
@@ -35814,21 +35628,7 @@
                 </a:solidFill>
                 <a:latin typeface="Arial Black" panose="020B0A04020102020204" pitchFamily="34" charset="0"/>
               </a:rPr>
-              <a:t>14</a:t>
-            </a:r>
-            <a:r>
-              <a:rPr lang="en-US" altLang="ko-KR" sz="4600" dirty="0" smtClean="0">
-                <a:ln w="25400">
-                  <a:solidFill>
-                    <a:schemeClr val="tx1"/>
-                  </a:solidFill>
-                </a:ln>
-                <a:solidFill>
-                  <a:srgbClr val="FFFF5D"/>
-                </a:solidFill>
-                <a:latin typeface="Arial Black" panose="020B0A04020102020204" pitchFamily="34" charset="0"/>
-              </a:rPr>
-              <a:t>00</a:t>
+              <a:t>1400</a:t>
             </a:r>
             <a:endParaRPr lang="ko-KR" altLang="en-US" sz="4600" dirty="0">
               <a:ln w="25400">
@@ -35930,21 +35730,7 @@
                 </a:solidFill>
                 <a:latin typeface="Arial Black" panose="020B0A04020102020204" pitchFamily="34" charset="0"/>
               </a:rPr>
-              <a:t>15</a:t>
-            </a:r>
-            <a:r>
-              <a:rPr lang="en-US" altLang="ko-KR" sz="4600" dirty="0" smtClean="0">
-                <a:ln w="25400">
-                  <a:solidFill>
-                    <a:schemeClr val="tx1"/>
-                  </a:solidFill>
-                </a:ln>
-                <a:solidFill>
-                  <a:srgbClr val="FFFF5D"/>
-                </a:solidFill>
-                <a:latin typeface="Arial Black" panose="020B0A04020102020204" pitchFamily="34" charset="0"/>
-              </a:rPr>
-              <a:t>00</a:t>
+              <a:t>1500</a:t>
             </a:r>
             <a:endParaRPr lang="ko-KR" altLang="en-US" sz="4600" dirty="0">
               <a:ln w="25400">
@@ -36046,21 +35832,7 @@
                 </a:solidFill>
                 <a:latin typeface="Arial Black" panose="020B0A04020102020204" pitchFamily="34" charset="0"/>
               </a:rPr>
-              <a:t>16</a:t>
-            </a:r>
-            <a:r>
-              <a:rPr lang="en-US" altLang="ko-KR" sz="4600" dirty="0" smtClean="0">
-                <a:ln w="25400">
-                  <a:solidFill>
-                    <a:schemeClr val="tx1"/>
-                  </a:solidFill>
-                </a:ln>
-                <a:solidFill>
-                  <a:srgbClr val="FFFF5D"/>
-                </a:solidFill>
-                <a:latin typeface="Arial Black" panose="020B0A04020102020204" pitchFamily="34" charset="0"/>
-              </a:rPr>
-              <a:t>00</a:t>
+              <a:t>1600</a:t>
             </a:r>
             <a:endParaRPr lang="ko-KR" altLang="en-US" sz="4600" dirty="0">
               <a:ln w="25400">

--- a/UI Design.pptx
+++ b/UI Design.pptx
@@ -13,6 +13,7 @@
     <p:sldId id="261" r:id="rId7"/>
     <p:sldId id="262" r:id="rId8"/>
     <p:sldId id="263" r:id="rId9"/>
+    <p:sldId id="264" r:id="rId10"/>
   </p:sldIdLst>
   <p:sldSz cx="12192000" cy="6858000"/>
   <p:notesSz cx="6858000" cy="9144000"/>
@@ -17569,17 +17570,7 @@
                 <a:latin typeface="휴먼매직체" panose="02030504000101010101" pitchFamily="18" charset="-127"/>
                 <a:ea typeface="휴먼매직체" panose="02030504000101010101" pitchFamily="18" charset="-127"/>
               </a:rPr>
-              <a:t>칼이 움직이는 속도가 </a:t>
-            </a:r>
-            <a:r>
-              <a:rPr lang="ko-KR" altLang="en-US" sz="2400" dirty="0" smtClean="0">
-                <a:ln w="38100">
-                  <a:noFill/>
-                </a:ln>
-                <a:latin typeface="휴먼매직체" panose="02030504000101010101" pitchFamily="18" charset="-127"/>
-                <a:ea typeface="휴먼매직체" panose="02030504000101010101" pitchFamily="18" charset="-127"/>
-              </a:rPr>
-              <a:t>빨라집니다</a:t>
+              <a:t>칼이 움직이는 속도가 빨라집니다</a:t>
             </a:r>
             <a:r>
               <a:rPr lang="en-US" altLang="ko-KR" sz="2400" dirty="0" smtClean="0">
@@ -36038,6 +36029,880 @@
 </p:sld>
 </file>
 
+<file path=ppt/slides/slide9.xml><?xml version="1.0" encoding="utf-8"?>
+<p:sld xmlns:a="http://schemas.openxmlformats.org/drawingml/2006/main" xmlns:r="http://schemas.openxmlformats.org/officeDocument/2006/relationships" xmlns:p="http://schemas.openxmlformats.org/presentationml/2006/main">
+  <p:cSld>
+    <p:bg>
+      <p:bgPr>
+        <a:solidFill>
+          <a:schemeClr val="bg1">
+            <a:lumMod val="75000"/>
+          </a:schemeClr>
+        </a:solidFill>
+        <a:effectLst/>
+      </p:bgPr>
+    </p:bg>
+    <p:spTree>
+      <p:nvGrpSpPr>
+        <p:cNvPr id="1" name=""/>
+        <p:cNvGrpSpPr/>
+        <p:nvPr/>
+      </p:nvGrpSpPr>
+      <p:grpSpPr>
+        <a:xfrm>
+          <a:off x="0" y="0"/>
+          <a:ext cx="0" cy="0"/>
+          <a:chOff x="0" y="0"/>
+          <a:chExt cx="0" cy="0"/>
+        </a:xfrm>
+      </p:grpSpPr>
+      <p:grpSp>
+        <p:nvGrpSpPr>
+          <p:cNvPr id="16" name="그룹 15"/>
+          <p:cNvGrpSpPr/>
+          <p:nvPr/>
+        </p:nvGrpSpPr>
+        <p:grpSpPr>
+          <a:xfrm>
+            <a:off x="2526475" y="1844311"/>
+            <a:ext cx="4954622" cy="1569660"/>
+            <a:chOff x="2526475" y="1844311"/>
+            <a:chExt cx="4954622" cy="1569660"/>
+          </a:xfrm>
+        </p:grpSpPr>
+        <p:grpSp>
+          <p:nvGrpSpPr>
+            <p:cNvPr id="12" name="그룹 11"/>
+            <p:cNvGrpSpPr/>
+            <p:nvPr/>
+          </p:nvGrpSpPr>
+          <p:grpSpPr>
+            <a:xfrm>
+              <a:off x="2526475" y="1844311"/>
+              <a:ext cx="4567643" cy="1569660"/>
+              <a:chOff x="2526475" y="1844311"/>
+              <a:chExt cx="4567643" cy="1569660"/>
+            </a:xfrm>
+          </p:grpSpPr>
+          <p:sp>
+            <p:nvSpPr>
+              <p:cNvPr id="5" name="TextBox 4"/>
+              <p:cNvSpPr txBox="1"/>
+              <p:nvPr/>
+            </p:nvSpPr>
+            <p:spPr>
+              <a:xfrm rot="21000000">
+                <a:off x="2526475" y="1844311"/>
+                <a:ext cx="1061508" cy="1569660"/>
+              </a:xfrm>
+              <a:prstGeom prst="rect">
+                <a:avLst/>
+              </a:prstGeom>
+              <a:noFill/>
+            </p:spPr>
+            <p:txBody>
+              <a:bodyPr wrap="none" rtlCol="0">
+                <a:spAutoFit/>
+              </a:bodyPr>
+              <a:lstStyle/>
+              <a:p>
+                <a:pPr algn="ctr"/>
+                <a:r>
+                  <a:rPr lang="en-US" altLang="ko-KR" sz="9600" spc="-100" dirty="0" smtClean="0">
+                    <a:ln w="38100">
+                      <a:solidFill>
+                        <a:schemeClr val="bg1"/>
+                      </a:solidFill>
+                    </a:ln>
+                    <a:gradFill>
+                      <a:gsLst>
+                        <a:gs pos="50000">
+                          <a:srgbClr val="E4D3F1"/>
+                        </a:gs>
+                        <a:gs pos="26000">
+                          <a:srgbClr val="CB4DCE"/>
+                        </a:gs>
+                        <a:gs pos="74000">
+                          <a:srgbClr val="CB4DCE"/>
+                        </a:gs>
+                      </a:gsLst>
+                      <a:lin ang="5400000" scaled="1"/>
+                    </a:gradFill>
+                    <a:effectLst>
+                      <a:outerShdw dist="63500" dir="2700000" algn="tl" rotWithShape="0">
+                        <a:prstClr val="black">
+                          <a:alpha val="40000"/>
+                        </a:prstClr>
+                      </a:outerShdw>
+                    </a:effectLst>
+                    <a:latin typeface="Arial Black" panose="020B0A04020102020204" pitchFamily="34" charset="0"/>
+                  </a:rPr>
+                  <a:t>P</a:t>
+                </a:r>
+                <a:endParaRPr lang="ko-KR" altLang="en-US" sz="7200" spc="-100" dirty="0">
+                  <a:ln w="38100">
+                    <a:solidFill>
+                      <a:schemeClr val="bg1"/>
+                    </a:solidFill>
+                  </a:ln>
+                  <a:gradFill>
+                    <a:gsLst>
+                      <a:gs pos="50000">
+                        <a:srgbClr val="E4D3F1"/>
+                      </a:gs>
+                      <a:gs pos="26000">
+                        <a:srgbClr val="CB4DCE"/>
+                      </a:gs>
+                      <a:gs pos="74000">
+                        <a:srgbClr val="CB4DCE"/>
+                      </a:gs>
+                    </a:gsLst>
+                    <a:lin ang="5400000" scaled="1"/>
+                  </a:gradFill>
+                  <a:effectLst>
+                    <a:outerShdw dist="63500" dir="2700000" algn="tl" rotWithShape="0">
+                      <a:prstClr val="black">
+                        <a:alpha val="40000"/>
+                      </a:prstClr>
+                    </a:outerShdw>
+                  </a:effectLst>
+                  <a:latin typeface="Arial Black" panose="020B0A04020102020204" pitchFamily="34" charset="0"/>
+                </a:endParaRPr>
+              </a:p>
+            </p:txBody>
+          </p:sp>
+          <p:sp>
+            <p:nvSpPr>
+              <p:cNvPr id="6" name="TextBox 5"/>
+              <p:cNvSpPr txBox="1"/>
+              <p:nvPr/>
+            </p:nvSpPr>
+            <p:spPr>
+              <a:xfrm rot="21240000">
+                <a:off x="3263743" y="2094135"/>
+                <a:ext cx="838691" cy="1200329"/>
+              </a:xfrm>
+              <a:prstGeom prst="rect">
+                <a:avLst/>
+              </a:prstGeom>
+              <a:noFill/>
+            </p:spPr>
+            <p:txBody>
+              <a:bodyPr wrap="none" rtlCol="0">
+                <a:spAutoFit/>
+              </a:bodyPr>
+              <a:lstStyle/>
+              <a:p>
+                <a:pPr algn="ctr"/>
+                <a:r>
+                  <a:rPr lang="en-US" altLang="ko-KR" sz="7200" spc="-100" dirty="0" smtClean="0">
+                    <a:ln w="38100">
+                      <a:solidFill>
+                        <a:schemeClr val="bg1"/>
+                      </a:solidFill>
+                    </a:ln>
+                    <a:gradFill>
+                      <a:gsLst>
+                        <a:gs pos="50000">
+                          <a:srgbClr val="E4D3F1"/>
+                        </a:gs>
+                        <a:gs pos="26000">
+                          <a:srgbClr val="CB4DCE"/>
+                        </a:gs>
+                        <a:gs pos="74000">
+                          <a:srgbClr val="CB4DCE"/>
+                        </a:gs>
+                      </a:gsLst>
+                      <a:lin ang="5400000" scaled="1"/>
+                    </a:gradFill>
+                    <a:effectLst>
+                      <a:outerShdw dist="63500" dir="2700000" algn="tl" rotWithShape="0">
+                        <a:prstClr val="black">
+                          <a:alpha val="40000"/>
+                        </a:prstClr>
+                      </a:outerShdw>
+                    </a:effectLst>
+                    <a:latin typeface="Arial Black" panose="020B0A04020102020204" pitchFamily="34" charset="0"/>
+                  </a:rPr>
+                  <a:t>E</a:t>
+                </a:r>
+                <a:endParaRPr lang="ko-KR" altLang="en-US" sz="7200" spc="-100" dirty="0">
+                  <a:ln w="38100">
+                    <a:solidFill>
+                      <a:schemeClr val="bg1"/>
+                    </a:solidFill>
+                  </a:ln>
+                  <a:gradFill>
+                    <a:gsLst>
+                      <a:gs pos="50000">
+                        <a:srgbClr val="E4D3F1"/>
+                      </a:gs>
+                      <a:gs pos="26000">
+                        <a:srgbClr val="CB4DCE"/>
+                      </a:gs>
+                      <a:gs pos="74000">
+                        <a:srgbClr val="CB4DCE"/>
+                      </a:gs>
+                    </a:gsLst>
+                    <a:lin ang="5400000" scaled="1"/>
+                  </a:gradFill>
+                  <a:effectLst>
+                    <a:outerShdw dist="63500" dir="2700000" algn="tl" rotWithShape="0">
+                      <a:prstClr val="black">
+                        <a:alpha val="40000"/>
+                      </a:prstClr>
+                    </a:outerShdw>
+                  </a:effectLst>
+                  <a:latin typeface="Arial Black" panose="020B0A04020102020204" pitchFamily="34" charset="0"/>
+                </a:endParaRPr>
+              </a:p>
+            </p:txBody>
+          </p:sp>
+          <p:sp>
+            <p:nvSpPr>
+              <p:cNvPr id="7" name="TextBox 6"/>
+              <p:cNvSpPr txBox="1"/>
+              <p:nvPr/>
+            </p:nvSpPr>
+            <p:spPr>
+              <a:xfrm rot="21420000">
+                <a:off x="3833297" y="2028979"/>
+                <a:ext cx="889988" cy="1200329"/>
+              </a:xfrm>
+              <a:prstGeom prst="rect">
+                <a:avLst/>
+              </a:prstGeom>
+              <a:noFill/>
+            </p:spPr>
+            <p:txBody>
+              <a:bodyPr wrap="none" rtlCol="0">
+                <a:spAutoFit/>
+              </a:bodyPr>
+              <a:lstStyle/>
+              <a:p>
+                <a:pPr algn="ctr"/>
+                <a:r>
+                  <a:rPr lang="en-US" altLang="ko-KR" sz="7200" spc="-100" dirty="0">
+                    <a:ln w="38100">
+                      <a:solidFill>
+                        <a:schemeClr val="bg1"/>
+                      </a:solidFill>
+                    </a:ln>
+                    <a:gradFill>
+                      <a:gsLst>
+                        <a:gs pos="50000">
+                          <a:srgbClr val="E4D3F1"/>
+                        </a:gs>
+                        <a:gs pos="26000">
+                          <a:srgbClr val="CB4DCE"/>
+                        </a:gs>
+                        <a:gs pos="74000">
+                          <a:srgbClr val="CB4DCE"/>
+                        </a:gs>
+                      </a:gsLst>
+                      <a:lin ang="5400000" scaled="1"/>
+                    </a:gradFill>
+                    <a:effectLst>
+                      <a:outerShdw dist="63500" dir="2700000" algn="tl" rotWithShape="0">
+                        <a:prstClr val="black">
+                          <a:alpha val="40000"/>
+                        </a:prstClr>
+                      </a:outerShdw>
+                    </a:effectLst>
+                    <a:latin typeface="Arial Black" panose="020B0A04020102020204" pitchFamily="34" charset="0"/>
+                  </a:rPr>
+                  <a:t>R</a:t>
+                </a:r>
+                <a:endParaRPr lang="ko-KR" altLang="en-US" sz="7200" spc="-100" dirty="0">
+                  <a:ln w="38100">
+                    <a:solidFill>
+                      <a:schemeClr val="bg1"/>
+                    </a:solidFill>
+                  </a:ln>
+                  <a:gradFill>
+                    <a:gsLst>
+                      <a:gs pos="50000">
+                        <a:srgbClr val="E4D3F1"/>
+                      </a:gs>
+                      <a:gs pos="26000">
+                        <a:srgbClr val="CB4DCE"/>
+                      </a:gs>
+                      <a:gs pos="74000">
+                        <a:srgbClr val="CB4DCE"/>
+                      </a:gs>
+                    </a:gsLst>
+                    <a:lin ang="5400000" scaled="1"/>
+                  </a:gradFill>
+                  <a:effectLst>
+                    <a:outerShdw dist="63500" dir="2700000" algn="tl" rotWithShape="0">
+                      <a:prstClr val="black">
+                        <a:alpha val="40000"/>
+                      </a:prstClr>
+                    </a:outerShdw>
+                  </a:effectLst>
+                  <a:latin typeface="Arial Black" panose="020B0A04020102020204" pitchFamily="34" charset="0"/>
+                </a:endParaRPr>
+              </a:p>
+            </p:txBody>
+          </p:sp>
+          <p:sp>
+            <p:nvSpPr>
+              <p:cNvPr id="8" name="TextBox 7"/>
+              <p:cNvSpPr txBox="1"/>
+              <p:nvPr/>
+            </p:nvSpPr>
+            <p:spPr>
+              <a:xfrm>
+                <a:off x="4505886" y="2006512"/>
+                <a:ext cx="787396" cy="1200329"/>
+              </a:xfrm>
+              <a:prstGeom prst="rect">
+                <a:avLst/>
+              </a:prstGeom>
+              <a:noFill/>
+            </p:spPr>
+            <p:txBody>
+              <a:bodyPr wrap="none" rtlCol="0">
+                <a:spAutoFit/>
+              </a:bodyPr>
+              <a:lstStyle/>
+              <a:p>
+                <a:pPr algn="ctr"/>
+                <a:r>
+                  <a:rPr lang="en-US" altLang="ko-KR" sz="7200" spc="-100" dirty="0" smtClean="0">
+                    <a:ln w="38100">
+                      <a:solidFill>
+                        <a:schemeClr val="bg1"/>
+                      </a:solidFill>
+                    </a:ln>
+                    <a:gradFill>
+                      <a:gsLst>
+                        <a:gs pos="50000">
+                          <a:srgbClr val="E4D3F1"/>
+                        </a:gs>
+                        <a:gs pos="26000">
+                          <a:srgbClr val="CB4DCE"/>
+                        </a:gs>
+                        <a:gs pos="74000">
+                          <a:srgbClr val="CB4DCE"/>
+                        </a:gs>
+                      </a:gsLst>
+                      <a:lin ang="5400000" scaled="1"/>
+                    </a:gradFill>
+                    <a:effectLst>
+                      <a:outerShdw dist="63500" dir="2700000" algn="tl" rotWithShape="0">
+                        <a:prstClr val="black">
+                          <a:alpha val="40000"/>
+                        </a:prstClr>
+                      </a:outerShdw>
+                    </a:effectLst>
+                    <a:latin typeface="Arial Black" panose="020B0A04020102020204" pitchFamily="34" charset="0"/>
+                  </a:rPr>
+                  <a:t>F</a:t>
+                </a:r>
+                <a:endParaRPr lang="ko-KR" altLang="en-US" sz="7200" spc="-100" dirty="0">
+                  <a:ln w="38100">
+                    <a:solidFill>
+                      <a:schemeClr val="bg1"/>
+                    </a:solidFill>
+                  </a:ln>
+                  <a:gradFill>
+                    <a:gsLst>
+                      <a:gs pos="50000">
+                        <a:srgbClr val="E4D3F1"/>
+                      </a:gs>
+                      <a:gs pos="26000">
+                        <a:srgbClr val="CB4DCE"/>
+                      </a:gs>
+                      <a:gs pos="74000">
+                        <a:srgbClr val="CB4DCE"/>
+                      </a:gs>
+                    </a:gsLst>
+                    <a:lin ang="5400000" scaled="1"/>
+                  </a:gradFill>
+                  <a:effectLst>
+                    <a:outerShdw dist="63500" dir="2700000" algn="tl" rotWithShape="0">
+                      <a:prstClr val="black">
+                        <a:alpha val="40000"/>
+                      </a:prstClr>
+                    </a:outerShdw>
+                  </a:effectLst>
+                  <a:latin typeface="Arial Black" panose="020B0A04020102020204" pitchFamily="34" charset="0"/>
+                </a:endParaRPr>
+              </a:p>
+            </p:txBody>
+          </p:sp>
+          <p:sp>
+            <p:nvSpPr>
+              <p:cNvPr id="9" name="TextBox 8"/>
+              <p:cNvSpPr txBox="1"/>
+              <p:nvPr/>
+            </p:nvSpPr>
+            <p:spPr>
+              <a:xfrm rot="180000">
+                <a:off x="5036487" y="2028978"/>
+                <a:ext cx="838691" cy="1200329"/>
+              </a:xfrm>
+              <a:prstGeom prst="rect">
+                <a:avLst/>
+              </a:prstGeom>
+              <a:noFill/>
+            </p:spPr>
+            <p:txBody>
+              <a:bodyPr wrap="square" rtlCol="0">
+                <a:spAutoFit/>
+              </a:bodyPr>
+              <a:lstStyle/>
+              <a:p>
+                <a:pPr algn="ctr"/>
+                <a:r>
+                  <a:rPr lang="en-US" altLang="ko-KR" sz="7200" spc="-100" dirty="0" smtClean="0">
+                    <a:ln w="38100">
+                      <a:solidFill>
+                        <a:schemeClr val="bg1"/>
+                      </a:solidFill>
+                    </a:ln>
+                    <a:gradFill>
+                      <a:gsLst>
+                        <a:gs pos="50000">
+                          <a:srgbClr val="E4D3F1"/>
+                        </a:gs>
+                        <a:gs pos="26000">
+                          <a:srgbClr val="CB4DCE"/>
+                        </a:gs>
+                        <a:gs pos="74000">
+                          <a:srgbClr val="CB4DCE"/>
+                        </a:gs>
+                      </a:gsLst>
+                      <a:lin ang="5400000" scaled="1"/>
+                    </a:gradFill>
+                    <a:effectLst>
+                      <a:outerShdw dist="63500" dir="2700000" algn="tl" rotWithShape="0">
+                        <a:prstClr val="black">
+                          <a:alpha val="40000"/>
+                        </a:prstClr>
+                      </a:outerShdw>
+                    </a:effectLst>
+                    <a:latin typeface="Arial Black" panose="020B0A04020102020204" pitchFamily="34" charset="0"/>
+                  </a:rPr>
+                  <a:t>E</a:t>
+                </a:r>
+                <a:endParaRPr lang="ko-KR" altLang="en-US" sz="7200" spc="-100" dirty="0">
+                  <a:ln w="38100">
+                    <a:solidFill>
+                      <a:schemeClr val="bg1"/>
+                    </a:solidFill>
+                  </a:ln>
+                  <a:gradFill>
+                    <a:gsLst>
+                      <a:gs pos="50000">
+                        <a:srgbClr val="E4D3F1"/>
+                      </a:gs>
+                      <a:gs pos="26000">
+                        <a:srgbClr val="CB4DCE"/>
+                      </a:gs>
+                      <a:gs pos="74000">
+                        <a:srgbClr val="CB4DCE"/>
+                      </a:gs>
+                    </a:gsLst>
+                    <a:lin ang="5400000" scaled="1"/>
+                  </a:gradFill>
+                  <a:effectLst>
+                    <a:outerShdw dist="63500" dir="2700000" algn="tl" rotWithShape="0">
+                      <a:prstClr val="black">
+                        <a:alpha val="40000"/>
+                      </a:prstClr>
+                    </a:outerShdw>
+                  </a:effectLst>
+                  <a:latin typeface="Arial Black" panose="020B0A04020102020204" pitchFamily="34" charset="0"/>
+                </a:endParaRPr>
+              </a:p>
+            </p:txBody>
+          </p:sp>
+          <p:sp>
+            <p:nvSpPr>
+              <p:cNvPr id="10" name="TextBox 9"/>
+              <p:cNvSpPr txBox="1"/>
+              <p:nvPr/>
+            </p:nvSpPr>
+            <p:spPr>
+              <a:xfrm rot="360000">
+                <a:off x="5641819" y="2094135"/>
+                <a:ext cx="838691" cy="1200329"/>
+              </a:xfrm>
+              <a:prstGeom prst="rect">
+                <a:avLst/>
+              </a:prstGeom>
+              <a:noFill/>
+            </p:spPr>
+            <p:txBody>
+              <a:bodyPr wrap="square" rtlCol="0">
+                <a:spAutoFit/>
+              </a:bodyPr>
+              <a:lstStyle/>
+              <a:p>
+                <a:pPr algn="ctr"/>
+                <a:r>
+                  <a:rPr lang="en-US" altLang="ko-KR" sz="7200" spc="-100" dirty="0">
+                    <a:ln w="38100">
+                      <a:solidFill>
+                        <a:schemeClr val="bg1"/>
+                      </a:solidFill>
+                    </a:ln>
+                    <a:gradFill>
+                      <a:gsLst>
+                        <a:gs pos="50000">
+                          <a:srgbClr val="E4D3F1"/>
+                        </a:gs>
+                        <a:gs pos="26000">
+                          <a:srgbClr val="CB4DCE"/>
+                        </a:gs>
+                        <a:gs pos="74000">
+                          <a:srgbClr val="CB4DCE"/>
+                        </a:gs>
+                      </a:gsLst>
+                      <a:lin ang="5400000" scaled="1"/>
+                    </a:gradFill>
+                    <a:effectLst>
+                      <a:outerShdw dist="63500" dir="2700000" algn="tl" rotWithShape="0">
+                        <a:prstClr val="black">
+                          <a:alpha val="40000"/>
+                        </a:prstClr>
+                      </a:outerShdw>
+                    </a:effectLst>
+                    <a:latin typeface="Arial Black" panose="020B0A04020102020204" pitchFamily="34" charset="0"/>
+                  </a:rPr>
+                  <a:t>C</a:t>
+                </a:r>
+                <a:endParaRPr lang="ko-KR" altLang="en-US" sz="7200" spc="-100" dirty="0">
+                  <a:ln w="38100">
+                    <a:solidFill>
+                      <a:schemeClr val="bg1"/>
+                    </a:solidFill>
+                  </a:ln>
+                  <a:gradFill>
+                    <a:gsLst>
+                      <a:gs pos="50000">
+                        <a:srgbClr val="E4D3F1"/>
+                      </a:gs>
+                      <a:gs pos="26000">
+                        <a:srgbClr val="CB4DCE"/>
+                      </a:gs>
+                      <a:gs pos="74000">
+                        <a:srgbClr val="CB4DCE"/>
+                      </a:gs>
+                    </a:gsLst>
+                    <a:lin ang="5400000" scaled="1"/>
+                  </a:gradFill>
+                  <a:effectLst>
+                    <a:outerShdw dist="63500" dir="2700000" algn="tl" rotWithShape="0">
+                      <a:prstClr val="black">
+                        <a:alpha val="40000"/>
+                      </a:prstClr>
+                    </a:outerShdw>
+                  </a:effectLst>
+                  <a:latin typeface="Arial Black" panose="020B0A04020102020204" pitchFamily="34" charset="0"/>
+                </a:endParaRPr>
+              </a:p>
+            </p:txBody>
+          </p:sp>
+          <p:sp>
+            <p:nvSpPr>
+              <p:cNvPr id="11" name="TextBox 10"/>
+              <p:cNvSpPr txBox="1"/>
+              <p:nvPr/>
+            </p:nvSpPr>
+            <p:spPr>
+              <a:xfrm rot="600000">
+                <a:off x="6255427" y="2190003"/>
+                <a:ext cx="838691" cy="1200329"/>
+              </a:xfrm>
+              <a:prstGeom prst="rect">
+                <a:avLst/>
+              </a:prstGeom>
+              <a:noFill/>
+            </p:spPr>
+            <p:txBody>
+              <a:bodyPr wrap="square" rtlCol="0">
+                <a:spAutoFit/>
+              </a:bodyPr>
+              <a:lstStyle/>
+              <a:p>
+                <a:pPr algn="ctr"/>
+                <a:r>
+                  <a:rPr lang="en-US" altLang="ko-KR" sz="7200" spc="-100" dirty="0" smtClean="0">
+                    <a:ln w="38100">
+                      <a:solidFill>
+                        <a:schemeClr val="bg1"/>
+                      </a:solidFill>
+                    </a:ln>
+                    <a:gradFill>
+                      <a:gsLst>
+                        <a:gs pos="50000">
+                          <a:srgbClr val="E4D3F1"/>
+                        </a:gs>
+                        <a:gs pos="26000">
+                          <a:srgbClr val="CB4DCE"/>
+                        </a:gs>
+                        <a:gs pos="74000">
+                          <a:srgbClr val="CB4DCE"/>
+                        </a:gs>
+                      </a:gsLst>
+                      <a:lin ang="5400000" scaled="1"/>
+                    </a:gradFill>
+                    <a:effectLst>
+                      <a:outerShdw dist="63500" dir="2700000" algn="tl" rotWithShape="0">
+                        <a:prstClr val="black">
+                          <a:alpha val="40000"/>
+                        </a:prstClr>
+                      </a:outerShdw>
+                    </a:effectLst>
+                    <a:latin typeface="Arial Black" panose="020B0A04020102020204" pitchFamily="34" charset="0"/>
+                  </a:rPr>
+                  <a:t>T</a:t>
+                </a:r>
+                <a:endParaRPr lang="ko-KR" altLang="en-US" sz="7200" spc="-100" dirty="0">
+                  <a:ln w="38100">
+                    <a:solidFill>
+                      <a:schemeClr val="bg1"/>
+                    </a:solidFill>
+                  </a:ln>
+                  <a:gradFill>
+                    <a:gsLst>
+                      <a:gs pos="50000">
+                        <a:srgbClr val="E4D3F1"/>
+                      </a:gs>
+                      <a:gs pos="26000">
+                        <a:srgbClr val="CB4DCE"/>
+                      </a:gs>
+                      <a:gs pos="74000">
+                        <a:srgbClr val="CB4DCE"/>
+                      </a:gs>
+                    </a:gsLst>
+                    <a:lin ang="5400000" scaled="1"/>
+                  </a:gradFill>
+                  <a:effectLst>
+                    <a:outerShdw dist="63500" dir="2700000" algn="tl" rotWithShape="0">
+                      <a:prstClr val="black">
+                        <a:alpha val="40000"/>
+                      </a:prstClr>
+                    </a:outerShdw>
+                  </a:effectLst>
+                  <a:latin typeface="Arial Black" panose="020B0A04020102020204" pitchFamily="34" charset="0"/>
+                </a:endParaRPr>
+              </a:p>
+            </p:txBody>
+          </p:sp>
+        </p:grpSp>
+        <p:sp>
+          <p:nvSpPr>
+            <p:cNvPr id="13" name="포인트가 5개인 별 12"/>
+            <p:cNvSpPr/>
+            <p:nvPr/>
+          </p:nvSpPr>
+          <p:spPr>
+            <a:xfrm>
+              <a:off x="6652267" y="2008513"/>
+              <a:ext cx="317036" cy="299799"/>
+            </a:xfrm>
+            <a:prstGeom prst="star5">
+              <a:avLst>
+                <a:gd name="adj" fmla="val 30328"/>
+                <a:gd name="hf" fmla="val 105146"/>
+                <a:gd name="vf" fmla="val 110557"/>
+              </a:avLst>
+            </a:prstGeom>
+            <a:gradFill flip="none" rotWithShape="1">
+              <a:gsLst>
+                <a:gs pos="41000">
+                  <a:srgbClr val="E4D3F1"/>
+                </a:gs>
+                <a:gs pos="8000">
+                  <a:srgbClr val="CB4DCE"/>
+                </a:gs>
+                <a:gs pos="69000">
+                  <a:srgbClr val="CB4DCE"/>
+                </a:gs>
+              </a:gsLst>
+              <a:lin ang="2700000" scaled="1"/>
+              <a:tileRect/>
+            </a:gradFill>
+            <a:ln w="38100" cap="rnd">
+              <a:solidFill>
+                <a:schemeClr val="bg1"/>
+              </a:solidFill>
+              <a:round/>
+            </a:ln>
+          </p:spPr>
+          <p:style>
+            <a:lnRef idx="2">
+              <a:schemeClr val="accent1">
+                <a:shade val="50000"/>
+              </a:schemeClr>
+            </a:lnRef>
+            <a:fillRef idx="1">
+              <a:schemeClr val="accent1"/>
+            </a:fillRef>
+            <a:effectRef idx="0">
+              <a:schemeClr val="accent1"/>
+            </a:effectRef>
+            <a:fontRef idx="minor">
+              <a:schemeClr val="lt1"/>
+            </a:fontRef>
+          </p:style>
+          <p:txBody>
+            <a:bodyPr rtlCol="0" anchor="ctr"/>
+            <a:lstStyle/>
+            <a:p>
+              <a:pPr algn="ctr"/>
+              <a:endParaRPr lang="ko-KR" altLang="en-US"/>
+            </a:p>
+          </p:txBody>
+        </p:sp>
+        <p:sp>
+          <p:nvSpPr>
+            <p:cNvPr id="14" name="포인트가 5개인 별 13"/>
+            <p:cNvSpPr/>
+            <p:nvPr/>
+          </p:nvSpPr>
+          <p:spPr>
+            <a:xfrm>
+              <a:off x="7028756" y="2027534"/>
+              <a:ext cx="376489" cy="362233"/>
+            </a:xfrm>
+            <a:prstGeom prst="star5">
+              <a:avLst>
+                <a:gd name="adj" fmla="val 30328"/>
+                <a:gd name="hf" fmla="val 105146"/>
+                <a:gd name="vf" fmla="val 110557"/>
+              </a:avLst>
+            </a:prstGeom>
+            <a:gradFill flip="none" rotWithShape="1">
+              <a:gsLst>
+                <a:gs pos="41000">
+                  <a:srgbClr val="E4D3F1"/>
+                </a:gs>
+                <a:gs pos="8000">
+                  <a:srgbClr val="CB4DCE"/>
+                </a:gs>
+                <a:gs pos="69000">
+                  <a:srgbClr val="CB4DCE"/>
+                </a:gs>
+              </a:gsLst>
+              <a:lin ang="2700000" scaled="1"/>
+              <a:tileRect/>
+            </a:gradFill>
+            <a:ln w="38100" cap="rnd">
+              <a:solidFill>
+                <a:schemeClr val="bg1"/>
+              </a:solidFill>
+              <a:round/>
+            </a:ln>
+          </p:spPr>
+          <p:style>
+            <a:lnRef idx="2">
+              <a:schemeClr val="accent1">
+                <a:shade val="50000"/>
+              </a:schemeClr>
+            </a:lnRef>
+            <a:fillRef idx="1">
+              <a:schemeClr val="accent1"/>
+            </a:fillRef>
+            <a:effectRef idx="0">
+              <a:schemeClr val="accent1"/>
+            </a:effectRef>
+            <a:fontRef idx="minor">
+              <a:schemeClr val="lt1"/>
+            </a:fontRef>
+          </p:style>
+          <p:txBody>
+            <a:bodyPr rtlCol="0" anchor="ctr"/>
+            <a:lstStyle/>
+            <a:p>
+              <a:pPr algn="ctr"/>
+              <a:endParaRPr lang="ko-KR" altLang="en-US"/>
+            </a:p>
+          </p:txBody>
+        </p:sp>
+        <p:sp>
+          <p:nvSpPr>
+            <p:cNvPr id="15" name="포인트가 5개인 별 14"/>
+            <p:cNvSpPr/>
+            <p:nvPr/>
+          </p:nvSpPr>
+          <p:spPr>
+            <a:xfrm>
+              <a:off x="7167948" y="2462480"/>
+              <a:ext cx="313149" cy="286497"/>
+            </a:xfrm>
+            <a:prstGeom prst="star5">
+              <a:avLst>
+                <a:gd name="adj" fmla="val 30328"/>
+                <a:gd name="hf" fmla="val 105146"/>
+                <a:gd name="vf" fmla="val 110557"/>
+              </a:avLst>
+            </a:prstGeom>
+            <a:gradFill flip="none" rotWithShape="1">
+              <a:gsLst>
+                <a:gs pos="41000">
+                  <a:srgbClr val="E4D3F1"/>
+                </a:gs>
+                <a:gs pos="8000">
+                  <a:srgbClr val="CB4DCE"/>
+                </a:gs>
+                <a:gs pos="69000">
+                  <a:srgbClr val="CB4DCE"/>
+                </a:gs>
+              </a:gsLst>
+              <a:lin ang="2700000" scaled="1"/>
+              <a:tileRect/>
+            </a:gradFill>
+            <a:ln w="38100" cap="rnd">
+              <a:solidFill>
+                <a:schemeClr val="bg1"/>
+              </a:solidFill>
+              <a:round/>
+            </a:ln>
+          </p:spPr>
+          <p:style>
+            <a:lnRef idx="2">
+              <a:schemeClr val="accent1">
+                <a:shade val="50000"/>
+              </a:schemeClr>
+            </a:lnRef>
+            <a:fillRef idx="1">
+              <a:schemeClr val="accent1"/>
+            </a:fillRef>
+            <a:effectRef idx="0">
+              <a:schemeClr val="accent1"/>
+            </a:effectRef>
+            <a:fontRef idx="minor">
+              <a:schemeClr val="lt1"/>
+            </a:fontRef>
+          </p:style>
+          <p:txBody>
+            <a:bodyPr rtlCol="0" anchor="ctr"/>
+            <a:lstStyle/>
+            <a:p>
+              <a:pPr algn="ctr"/>
+              <a:endParaRPr lang="ko-KR" altLang="en-US"/>
+            </a:p>
+          </p:txBody>
+        </p:sp>
+      </p:grpSp>
+    </p:spTree>
+    <p:extLst>
+      <p:ext uri="{BB962C8B-B14F-4D97-AF65-F5344CB8AC3E}">
+        <p14:creationId xmlns:p14="http://schemas.microsoft.com/office/powerpoint/2010/main" val="392112659"/>
+      </p:ext>
+    </p:extLst>
+  </p:cSld>
+  <p:clrMapOvr>
+    <a:masterClrMapping/>
+  </p:clrMapOvr>
+</p:sld>
+</file>
+
 <file path=ppt/theme/theme1.xml><?xml version="1.0" encoding="utf-8"?>
 <a:theme xmlns:a="http://schemas.openxmlformats.org/drawingml/2006/main" name="Office 테마">
   <a:themeElements>

--- a/UI Design.pptx
+++ b/UI Design.pptx
@@ -36064,7 +36064,7 @@
         </p:nvGrpSpPr>
         <p:grpSpPr>
           <a:xfrm>
-            <a:off x="2526475" y="1844311"/>
+            <a:off x="2714521" y="189682"/>
             <a:ext cx="4954622" cy="1569660"/>
             <a:chOff x="2526475" y="1844311"/>
             <a:chExt cx="4954622" cy="1569660"/>
@@ -36890,6 +36890,645 @@
           </p:txBody>
         </p:sp>
       </p:grpSp>
+      <p:grpSp>
+        <p:nvGrpSpPr>
+          <p:cNvPr id="2" name="그룹 1"/>
+          <p:cNvGrpSpPr/>
+          <p:nvPr/>
+        </p:nvGrpSpPr>
+        <p:grpSpPr>
+          <a:xfrm>
+            <a:off x="3284208" y="1916216"/>
+            <a:ext cx="3315847" cy="1569660"/>
+            <a:chOff x="2841707" y="3367334"/>
+            <a:chExt cx="3315847" cy="1569660"/>
+          </a:xfrm>
+        </p:grpSpPr>
+        <p:sp>
+          <p:nvSpPr>
+            <p:cNvPr id="22" name="TextBox 21"/>
+            <p:cNvSpPr txBox="1"/>
+            <p:nvPr/>
+          </p:nvSpPr>
+          <p:spPr>
+            <a:xfrm rot="21000000">
+              <a:off x="2841707" y="3367334"/>
+              <a:ext cx="1197764" cy="1569660"/>
+            </a:xfrm>
+            <a:prstGeom prst="rect">
+              <a:avLst/>
+            </a:prstGeom>
+            <a:noFill/>
+          </p:spPr>
+          <p:txBody>
+            <a:bodyPr wrap="none" rtlCol="0">
+              <a:spAutoFit/>
+            </a:bodyPr>
+            <a:lstStyle/>
+            <a:p>
+              <a:pPr algn="ctr"/>
+              <a:r>
+                <a:rPr lang="en-US" altLang="ko-KR" sz="9600" spc="-100" dirty="0" smtClean="0">
+                  <a:ln w="38100">
+                    <a:solidFill>
+                      <a:schemeClr val="bg1"/>
+                    </a:solidFill>
+                  </a:ln>
+                  <a:gradFill>
+                    <a:gsLst>
+                      <a:gs pos="50000">
+                        <a:srgbClr val="E4D3F1"/>
+                      </a:gs>
+                      <a:gs pos="26000">
+                        <a:srgbClr val="92D050"/>
+                      </a:gs>
+                      <a:gs pos="74000">
+                        <a:srgbClr val="92D050"/>
+                      </a:gs>
+                    </a:gsLst>
+                    <a:lin ang="5400000" scaled="1"/>
+                  </a:gradFill>
+                  <a:effectLst>
+                    <a:outerShdw dist="63500" dir="2700000" algn="tl" rotWithShape="0">
+                      <a:prstClr val="black">
+                        <a:alpha val="40000"/>
+                      </a:prstClr>
+                    </a:outerShdw>
+                  </a:effectLst>
+                  <a:latin typeface="Arial Black" panose="020B0A04020102020204" pitchFamily="34" charset="0"/>
+                </a:rPr>
+                <a:t>G</a:t>
+              </a:r>
+              <a:endParaRPr lang="ko-KR" altLang="en-US" sz="9600" spc="-100" dirty="0">
+                <a:ln w="38100">
+                  <a:solidFill>
+                    <a:schemeClr val="bg1"/>
+                  </a:solidFill>
+                </a:ln>
+                <a:gradFill>
+                  <a:gsLst>
+                    <a:gs pos="50000">
+                      <a:srgbClr val="E4D3F1"/>
+                    </a:gs>
+                    <a:gs pos="26000">
+                      <a:srgbClr val="92D050"/>
+                    </a:gs>
+                    <a:gs pos="74000">
+                      <a:srgbClr val="92D050"/>
+                    </a:gs>
+                  </a:gsLst>
+                  <a:lin ang="5400000" scaled="1"/>
+                </a:gradFill>
+                <a:effectLst>
+                  <a:outerShdw dist="63500" dir="2700000" algn="tl" rotWithShape="0">
+                    <a:prstClr val="black">
+                      <a:alpha val="40000"/>
+                    </a:prstClr>
+                  </a:outerShdw>
+                </a:effectLst>
+                <a:latin typeface="Arial Black" panose="020B0A04020102020204" pitchFamily="34" charset="0"/>
+              </a:endParaRPr>
+            </a:p>
+          </p:txBody>
+        </p:sp>
+        <p:sp>
+          <p:nvSpPr>
+            <p:cNvPr id="24" name="TextBox 23"/>
+            <p:cNvSpPr txBox="1"/>
+            <p:nvPr/>
+          </p:nvSpPr>
+          <p:spPr>
+            <a:xfrm rot="21420000">
+              <a:off x="3807649" y="3480836"/>
+              <a:ext cx="941284" cy="1200329"/>
+            </a:xfrm>
+            <a:prstGeom prst="rect">
+              <a:avLst/>
+            </a:prstGeom>
+            <a:noFill/>
+          </p:spPr>
+          <p:txBody>
+            <a:bodyPr wrap="none" rtlCol="0">
+              <a:spAutoFit/>
+            </a:bodyPr>
+            <a:lstStyle/>
+            <a:p>
+              <a:pPr algn="ctr"/>
+              <a:r>
+                <a:rPr lang="en-US" altLang="ko-KR" sz="7200" spc="-100" dirty="0" smtClean="0">
+                  <a:ln w="38100">
+                    <a:solidFill>
+                      <a:schemeClr val="bg1"/>
+                    </a:solidFill>
+                  </a:ln>
+                  <a:gradFill>
+                    <a:gsLst>
+                      <a:gs pos="50000">
+                        <a:srgbClr val="E4D3F1"/>
+                      </a:gs>
+                      <a:gs pos="26000">
+                        <a:srgbClr val="92D050"/>
+                      </a:gs>
+                      <a:gs pos="74000">
+                        <a:srgbClr val="92D050"/>
+                      </a:gs>
+                    </a:gsLst>
+                    <a:lin ang="5400000" scaled="1"/>
+                  </a:gradFill>
+                  <a:effectLst>
+                    <a:outerShdw dist="63500" dir="2700000" algn="tl" rotWithShape="0">
+                      <a:prstClr val="black">
+                        <a:alpha val="40000"/>
+                      </a:prstClr>
+                    </a:outerShdw>
+                  </a:effectLst>
+                  <a:latin typeface="Arial Black" panose="020B0A04020102020204" pitchFamily="34" charset="0"/>
+                </a:rPr>
+                <a:t>O</a:t>
+              </a:r>
+              <a:endParaRPr lang="ko-KR" altLang="en-US" sz="7200" spc="-100" dirty="0">
+                <a:ln w="38100">
+                  <a:solidFill>
+                    <a:schemeClr val="bg1"/>
+                  </a:solidFill>
+                </a:ln>
+                <a:gradFill>
+                  <a:gsLst>
+                    <a:gs pos="50000">
+                      <a:srgbClr val="E4D3F1"/>
+                    </a:gs>
+                    <a:gs pos="26000">
+                      <a:srgbClr val="92D050"/>
+                    </a:gs>
+                    <a:gs pos="74000">
+                      <a:srgbClr val="92D050"/>
+                    </a:gs>
+                  </a:gsLst>
+                  <a:lin ang="5400000" scaled="1"/>
+                </a:gradFill>
+                <a:effectLst>
+                  <a:outerShdw dist="63500" dir="2700000" algn="tl" rotWithShape="0">
+                    <a:prstClr val="black">
+                      <a:alpha val="40000"/>
+                    </a:prstClr>
+                  </a:outerShdw>
+                </a:effectLst>
+                <a:latin typeface="Arial Black" panose="020B0A04020102020204" pitchFamily="34" charset="0"/>
+              </a:endParaRPr>
+            </a:p>
+          </p:txBody>
+        </p:sp>
+        <p:sp>
+          <p:nvSpPr>
+            <p:cNvPr id="26" name="TextBox 25"/>
+            <p:cNvSpPr txBox="1"/>
+            <p:nvPr/>
+          </p:nvSpPr>
+          <p:spPr>
+            <a:xfrm rot="180000">
+              <a:off x="4607344" y="3480835"/>
+              <a:ext cx="838691" cy="1200329"/>
+            </a:xfrm>
+            <a:prstGeom prst="rect">
+              <a:avLst/>
+            </a:prstGeom>
+            <a:noFill/>
+          </p:spPr>
+          <p:txBody>
+            <a:bodyPr wrap="square" rtlCol="0">
+              <a:spAutoFit/>
+            </a:bodyPr>
+            <a:lstStyle/>
+            <a:p>
+              <a:pPr algn="ctr"/>
+              <a:r>
+                <a:rPr lang="en-US" altLang="ko-KR" sz="7200" spc="-100" dirty="0" smtClean="0">
+                  <a:ln w="38100">
+                    <a:solidFill>
+                      <a:schemeClr val="bg1"/>
+                    </a:solidFill>
+                  </a:ln>
+                  <a:gradFill>
+                    <a:gsLst>
+                      <a:gs pos="50000">
+                        <a:srgbClr val="E4D3F1"/>
+                      </a:gs>
+                      <a:gs pos="26000">
+                        <a:srgbClr val="92D050"/>
+                      </a:gs>
+                      <a:gs pos="74000">
+                        <a:srgbClr val="92D050"/>
+                      </a:gs>
+                    </a:gsLst>
+                    <a:lin ang="5400000" scaled="1"/>
+                  </a:gradFill>
+                  <a:effectLst>
+                    <a:outerShdw dist="63500" dir="2700000" algn="tl" rotWithShape="0">
+                      <a:prstClr val="black">
+                        <a:alpha val="40000"/>
+                      </a:prstClr>
+                    </a:outerShdw>
+                  </a:effectLst>
+                  <a:latin typeface="Arial Black" panose="020B0A04020102020204" pitchFamily="34" charset="0"/>
+                </a:rPr>
+                <a:t>O</a:t>
+              </a:r>
+              <a:endParaRPr lang="ko-KR" altLang="en-US" sz="7200" spc="-100" dirty="0">
+                <a:ln w="38100">
+                  <a:solidFill>
+                    <a:schemeClr val="bg1"/>
+                  </a:solidFill>
+                </a:ln>
+                <a:gradFill>
+                  <a:gsLst>
+                    <a:gs pos="50000">
+                      <a:srgbClr val="E4D3F1"/>
+                    </a:gs>
+                    <a:gs pos="26000">
+                      <a:srgbClr val="92D050"/>
+                    </a:gs>
+                    <a:gs pos="74000">
+                      <a:srgbClr val="92D050"/>
+                    </a:gs>
+                  </a:gsLst>
+                  <a:lin ang="5400000" scaled="1"/>
+                </a:gradFill>
+                <a:effectLst>
+                  <a:outerShdw dist="63500" dir="2700000" algn="tl" rotWithShape="0">
+                    <a:prstClr val="black">
+                      <a:alpha val="40000"/>
+                    </a:prstClr>
+                  </a:outerShdw>
+                </a:effectLst>
+                <a:latin typeface="Arial Black" panose="020B0A04020102020204" pitchFamily="34" charset="0"/>
+              </a:endParaRPr>
+            </a:p>
+          </p:txBody>
+        </p:sp>
+        <p:sp>
+          <p:nvSpPr>
+            <p:cNvPr id="28" name="TextBox 27"/>
+            <p:cNvSpPr txBox="1"/>
+            <p:nvPr/>
+          </p:nvSpPr>
+          <p:spPr>
+            <a:xfrm rot="600000">
+              <a:off x="5318863" y="3559730"/>
+              <a:ext cx="838691" cy="1200329"/>
+            </a:xfrm>
+            <a:prstGeom prst="rect">
+              <a:avLst/>
+            </a:prstGeom>
+            <a:noFill/>
+          </p:spPr>
+          <p:txBody>
+            <a:bodyPr wrap="square" rtlCol="0">
+              <a:spAutoFit/>
+            </a:bodyPr>
+            <a:lstStyle/>
+            <a:p>
+              <a:pPr algn="ctr"/>
+              <a:r>
+                <a:rPr lang="en-US" altLang="ko-KR" sz="7200" spc="-100" dirty="0">
+                  <a:ln w="38100">
+                    <a:solidFill>
+                      <a:schemeClr val="bg1"/>
+                    </a:solidFill>
+                  </a:ln>
+                  <a:gradFill>
+                    <a:gsLst>
+                      <a:gs pos="50000">
+                        <a:srgbClr val="E4D3F1"/>
+                      </a:gs>
+                      <a:gs pos="26000">
+                        <a:srgbClr val="92D050"/>
+                      </a:gs>
+                      <a:gs pos="74000">
+                        <a:srgbClr val="92D050"/>
+                      </a:gs>
+                    </a:gsLst>
+                    <a:lin ang="5400000" scaled="1"/>
+                  </a:gradFill>
+                  <a:effectLst>
+                    <a:outerShdw dist="63500" dir="2700000" algn="tl" rotWithShape="0">
+                      <a:prstClr val="black">
+                        <a:alpha val="40000"/>
+                      </a:prstClr>
+                    </a:outerShdw>
+                  </a:effectLst>
+                  <a:latin typeface="Arial Black" panose="020B0A04020102020204" pitchFamily="34" charset="0"/>
+                </a:rPr>
+                <a:t>D</a:t>
+              </a:r>
+              <a:endParaRPr lang="ko-KR" altLang="en-US" sz="7200" spc="-100" dirty="0">
+                <a:ln w="38100">
+                  <a:solidFill>
+                    <a:schemeClr val="bg1"/>
+                  </a:solidFill>
+                </a:ln>
+                <a:gradFill>
+                  <a:gsLst>
+                    <a:gs pos="50000">
+                      <a:srgbClr val="E4D3F1"/>
+                    </a:gs>
+                    <a:gs pos="26000">
+                      <a:srgbClr val="92D050"/>
+                    </a:gs>
+                    <a:gs pos="74000">
+                      <a:srgbClr val="92D050"/>
+                    </a:gs>
+                  </a:gsLst>
+                  <a:lin ang="5400000" scaled="1"/>
+                </a:gradFill>
+                <a:effectLst>
+                  <a:outerShdw dist="63500" dir="2700000" algn="tl" rotWithShape="0">
+                    <a:prstClr val="black">
+                      <a:alpha val="40000"/>
+                    </a:prstClr>
+                  </a:outerShdw>
+                </a:effectLst>
+                <a:latin typeface="Arial Black" panose="020B0A04020102020204" pitchFamily="34" charset="0"/>
+              </a:endParaRPr>
+            </a:p>
+          </p:txBody>
+        </p:sp>
+      </p:grpSp>
+      <p:grpSp>
+        <p:nvGrpSpPr>
+          <p:cNvPr id="3" name="그룹 2"/>
+          <p:cNvGrpSpPr/>
+          <p:nvPr/>
+        </p:nvGrpSpPr>
+        <p:grpSpPr>
+          <a:xfrm>
+            <a:off x="3519779" y="3608986"/>
+            <a:ext cx="2543444" cy="1569660"/>
+            <a:chOff x="3519779" y="3608986"/>
+            <a:chExt cx="2543444" cy="1569660"/>
+          </a:xfrm>
+        </p:grpSpPr>
+        <p:sp>
+          <p:nvSpPr>
+            <p:cNvPr id="40" name="TextBox 39"/>
+            <p:cNvSpPr txBox="1"/>
+            <p:nvPr/>
+          </p:nvSpPr>
+          <p:spPr>
+            <a:xfrm rot="21240000">
+              <a:off x="3519779" y="3608986"/>
+              <a:ext cx="1128835" cy="1569660"/>
+            </a:xfrm>
+            <a:prstGeom prst="rect">
+              <a:avLst/>
+            </a:prstGeom>
+            <a:noFill/>
+          </p:spPr>
+          <p:txBody>
+            <a:bodyPr wrap="none" rtlCol="0">
+              <a:spAutoFit/>
+            </a:bodyPr>
+            <a:lstStyle/>
+            <a:p>
+              <a:pPr algn="ctr"/>
+              <a:r>
+                <a:rPr lang="en-US" altLang="ko-KR" sz="9600" spc="-100" dirty="0" smtClean="0">
+                  <a:ln w="38100">
+                    <a:solidFill>
+                      <a:schemeClr val="bg1"/>
+                    </a:solidFill>
+                  </a:ln>
+                  <a:gradFill>
+                    <a:gsLst>
+                      <a:gs pos="50000">
+                        <a:srgbClr val="FF2525"/>
+                      </a:gs>
+                      <a:gs pos="26000">
+                        <a:srgbClr val="9B0000"/>
+                      </a:gs>
+                      <a:gs pos="74000">
+                        <a:srgbClr val="9B0000"/>
+                      </a:gs>
+                    </a:gsLst>
+                    <a:lin ang="5400000" scaled="1"/>
+                  </a:gradFill>
+                  <a:effectLst>
+                    <a:outerShdw dist="63500" dir="2700000" algn="tl" rotWithShape="0">
+                      <a:prstClr val="black">
+                        <a:alpha val="40000"/>
+                      </a:prstClr>
+                    </a:outerShdw>
+                  </a:effectLst>
+                  <a:latin typeface="Arial Black" panose="020B0A04020102020204" pitchFamily="34" charset="0"/>
+                </a:rPr>
+                <a:t>B</a:t>
+              </a:r>
+              <a:endParaRPr lang="ko-KR" altLang="en-US" sz="9600" spc="-100" dirty="0">
+                <a:ln w="38100">
+                  <a:solidFill>
+                    <a:schemeClr val="bg1"/>
+                  </a:solidFill>
+                </a:ln>
+                <a:gradFill>
+                  <a:gsLst>
+                    <a:gs pos="50000">
+                      <a:srgbClr val="FF2525"/>
+                    </a:gs>
+                    <a:gs pos="26000">
+                      <a:srgbClr val="9B0000"/>
+                    </a:gs>
+                    <a:gs pos="74000">
+                      <a:srgbClr val="9B0000"/>
+                    </a:gs>
+                  </a:gsLst>
+                  <a:lin ang="5400000" scaled="1"/>
+                </a:gradFill>
+                <a:effectLst>
+                  <a:outerShdw dist="63500" dir="2700000" algn="tl" rotWithShape="0">
+                    <a:prstClr val="black">
+                      <a:alpha val="40000"/>
+                    </a:prstClr>
+                  </a:outerShdw>
+                </a:effectLst>
+                <a:latin typeface="Arial Black" panose="020B0A04020102020204" pitchFamily="34" charset="0"/>
+              </a:endParaRPr>
+            </a:p>
+          </p:txBody>
+        </p:sp>
+        <p:sp>
+          <p:nvSpPr>
+            <p:cNvPr id="42" name="TextBox 41"/>
+            <p:cNvSpPr txBox="1"/>
+            <p:nvPr/>
+          </p:nvSpPr>
+          <p:spPr>
+            <a:xfrm>
+              <a:off x="4466337" y="3834196"/>
+              <a:ext cx="889988" cy="1200329"/>
+            </a:xfrm>
+            <a:prstGeom prst="rect">
+              <a:avLst/>
+            </a:prstGeom>
+            <a:noFill/>
+          </p:spPr>
+          <p:txBody>
+            <a:bodyPr wrap="none" rtlCol="0">
+              <a:spAutoFit/>
+            </a:bodyPr>
+            <a:lstStyle/>
+            <a:p>
+              <a:pPr algn="ctr"/>
+              <a:r>
+                <a:rPr lang="en-US" altLang="ko-KR" sz="7200" spc="-100" dirty="0" smtClean="0">
+                  <a:ln w="38100">
+                    <a:solidFill>
+                      <a:schemeClr val="bg1"/>
+                    </a:solidFill>
+                  </a:ln>
+                  <a:gradFill>
+                    <a:gsLst>
+                      <a:gs pos="50000">
+                        <a:srgbClr val="FF2525"/>
+                      </a:gs>
+                      <a:gs pos="26000">
+                        <a:srgbClr val="9B0000"/>
+                      </a:gs>
+                      <a:gs pos="74000">
+                        <a:srgbClr val="9B0000"/>
+                      </a:gs>
+                    </a:gsLst>
+                    <a:lin ang="5400000" scaled="1"/>
+                  </a:gradFill>
+                  <a:effectLst>
+                    <a:outerShdw dist="63500" dir="2700000" algn="tl" rotWithShape="0">
+                      <a:prstClr val="black">
+                        <a:alpha val="40000"/>
+                      </a:prstClr>
+                    </a:outerShdw>
+                  </a:effectLst>
+                  <a:latin typeface="Arial Black" panose="020B0A04020102020204" pitchFamily="34" charset="0"/>
+                </a:rPr>
+                <a:t>A</a:t>
+              </a:r>
+              <a:endParaRPr lang="ko-KR" altLang="en-US" sz="7200" spc="-100" dirty="0">
+                <a:ln w="38100">
+                  <a:solidFill>
+                    <a:schemeClr val="bg1"/>
+                  </a:solidFill>
+                </a:ln>
+                <a:gradFill>
+                  <a:gsLst>
+                    <a:gs pos="50000">
+                      <a:srgbClr val="FF2525"/>
+                    </a:gs>
+                    <a:gs pos="26000">
+                      <a:srgbClr val="9B0000"/>
+                    </a:gs>
+                    <a:gs pos="74000">
+                      <a:srgbClr val="9B0000"/>
+                    </a:gs>
+                  </a:gsLst>
+                  <a:lin ang="5400000" scaled="1"/>
+                </a:gradFill>
+                <a:effectLst>
+                  <a:outerShdw dist="63500" dir="2700000" algn="tl" rotWithShape="0">
+                    <a:prstClr val="black">
+                      <a:alpha val="40000"/>
+                    </a:prstClr>
+                  </a:outerShdw>
+                </a:effectLst>
+                <a:latin typeface="Arial Black" panose="020B0A04020102020204" pitchFamily="34" charset="0"/>
+              </a:endParaRPr>
+            </a:p>
+          </p:txBody>
+        </p:sp>
+        <p:sp>
+          <p:nvSpPr>
+            <p:cNvPr id="44" name="TextBox 43"/>
+            <p:cNvSpPr txBox="1"/>
+            <p:nvPr/>
+          </p:nvSpPr>
+          <p:spPr>
+            <a:xfrm rot="360000">
+              <a:off x="5224532" y="3872057"/>
+              <a:ext cx="838691" cy="1200329"/>
+            </a:xfrm>
+            <a:prstGeom prst="rect">
+              <a:avLst/>
+            </a:prstGeom>
+            <a:noFill/>
+          </p:spPr>
+          <p:txBody>
+            <a:bodyPr wrap="square" rtlCol="0">
+              <a:spAutoFit/>
+            </a:bodyPr>
+            <a:lstStyle/>
+            <a:p>
+              <a:pPr algn="ctr"/>
+              <a:r>
+                <a:rPr lang="en-US" altLang="ko-KR" sz="7200" spc="-100" dirty="0">
+                  <a:ln w="38100">
+                    <a:solidFill>
+                      <a:schemeClr val="bg1"/>
+                    </a:solidFill>
+                  </a:ln>
+                  <a:gradFill>
+                    <a:gsLst>
+                      <a:gs pos="50000">
+                        <a:srgbClr val="FF2525"/>
+                      </a:gs>
+                      <a:gs pos="26000">
+                        <a:srgbClr val="9B0000"/>
+                      </a:gs>
+                      <a:gs pos="74000">
+                        <a:srgbClr val="9B0000"/>
+                      </a:gs>
+                    </a:gsLst>
+                    <a:lin ang="5400000" scaled="1"/>
+                  </a:gradFill>
+                  <a:effectLst>
+                    <a:outerShdw dist="63500" dir="2700000" algn="tl" rotWithShape="0">
+                      <a:prstClr val="black">
+                        <a:alpha val="40000"/>
+                      </a:prstClr>
+                    </a:outerShdw>
+                  </a:effectLst>
+                  <a:latin typeface="Arial Black" panose="020B0A04020102020204" pitchFamily="34" charset="0"/>
+                </a:rPr>
+                <a:t>D</a:t>
+              </a:r>
+              <a:endParaRPr lang="ko-KR" altLang="en-US" sz="7200" spc="-100" dirty="0">
+                <a:ln w="38100">
+                  <a:solidFill>
+                    <a:schemeClr val="bg1"/>
+                  </a:solidFill>
+                </a:ln>
+                <a:gradFill>
+                  <a:gsLst>
+                    <a:gs pos="50000">
+                      <a:srgbClr val="FF2525"/>
+                    </a:gs>
+                    <a:gs pos="26000">
+                      <a:srgbClr val="9B0000"/>
+                    </a:gs>
+                    <a:gs pos="74000">
+                      <a:srgbClr val="9B0000"/>
+                    </a:gs>
+                  </a:gsLst>
+                  <a:lin ang="5400000" scaled="1"/>
+                </a:gradFill>
+                <a:effectLst>
+                  <a:outerShdw dist="63500" dir="2700000" algn="tl" rotWithShape="0">
+                    <a:prstClr val="black">
+                      <a:alpha val="40000"/>
+                    </a:prstClr>
+                  </a:outerShdw>
+                </a:effectLst>
+                <a:latin typeface="Arial Black" panose="020B0A04020102020204" pitchFamily="34" charset="0"/>
+              </a:endParaRPr>
+            </a:p>
+          </p:txBody>
+        </p:sp>
+      </p:grpSp>
     </p:spTree>
     <p:extLst>
       <p:ext uri="{BB962C8B-B14F-4D97-AF65-F5344CB8AC3E}">

--- a/UI Design.pptx
+++ b/UI Design.pptx
@@ -16814,10 +16814,10 @@
         </p:nvGrpSpPr>
         <p:grpSpPr>
           <a:xfrm>
-            <a:off x="401053" y="1596952"/>
-            <a:ext cx="11486147" cy="1082080"/>
-            <a:chOff x="401053" y="1596952"/>
-            <a:chExt cx="11486147" cy="1082080"/>
+            <a:off x="401053" y="1468578"/>
+            <a:ext cx="11486147" cy="1210454"/>
+            <a:chOff x="401053" y="1468578"/>
+            <a:chExt cx="11486147" cy="1210454"/>
           </a:xfrm>
         </p:grpSpPr>
         <p:sp>
@@ -16894,8 +16894,8 @@
           </p:nvSpPr>
           <p:spPr>
             <a:xfrm>
-              <a:off x="2197768" y="1596952"/>
-              <a:ext cx="8037095" cy="584775"/>
+              <a:off x="1722349" y="1468578"/>
+              <a:ext cx="8843554" cy="707886"/>
             </a:xfrm>
             <a:prstGeom prst="rect">
               <a:avLst/>
@@ -16909,32 +16909,74 @@
             <a:lstStyle/>
             <a:p>
               <a:r>
-                <a:rPr lang="ko-KR" altLang="en-US" sz="3200" dirty="0" smtClean="0">
+                <a:rPr lang="en-US" altLang="ko-KR" sz="4000" dirty="0" smtClean="0">
                   <a:latin typeface="휴먼둥근헤드라인" panose="02030504000101010101" pitchFamily="18" charset="-127"/>
                   <a:ea typeface="휴먼둥근헤드라인" panose="02030504000101010101" pitchFamily="18" charset="-127"/>
                 </a:rPr>
-                <a:t>대</a:t>
+                <a:t>L</a:t>
+              </a:r>
+              <a:r>
+                <a:rPr lang="en-US" altLang="ko-KR" sz="2800" dirty="0" smtClean="0">
+                  <a:latin typeface="휴먼둥근헤드라인" panose="02030504000101010101" pitchFamily="18" charset="-127"/>
+                  <a:ea typeface="휴먼둥근헤드라인" panose="02030504000101010101" pitchFamily="18" charset="-127"/>
+                </a:rPr>
+                <a:t>arge</a:t>
               </a:r>
               <a:r>
                 <a:rPr lang="en-US" altLang="ko-KR" sz="3200" dirty="0" smtClean="0">
                   <a:latin typeface="휴먼둥근헤드라인" panose="02030504000101010101" pitchFamily="18" charset="-127"/>
                   <a:ea typeface="휴먼둥근헤드라인" panose="02030504000101010101" pitchFamily="18" charset="-127"/>
                 </a:rPr>
-                <a:t>				</a:t>
-              </a:r>
-              <a:r>
-                <a:rPr lang="ko-KR" altLang="en-US" sz="3200" dirty="0" smtClean="0">
-                  <a:latin typeface="휴먼둥근헤드라인" panose="02030504000101010101" pitchFamily="18" charset="-127"/>
-                  <a:ea typeface="휴먼둥근헤드라인" panose="02030504000101010101" pitchFamily="18" charset="-127"/>
-                </a:rPr>
-                <a:t>중</a:t>
+                <a:t>		</a:t>
               </a:r>
               <a:r>
                 <a:rPr lang="en-US" altLang="ko-KR" sz="3200" dirty="0" smtClean="0">
                   <a:latin typeface="휴먼둥근헤드라인" panose="02030504000101010101" pitchFamily="18" charset="-127"/>
                   <a:ea typeface="휴먼둥근헤드라인" panose="02030504000101010101" pitchFamily="18" charset="-127"/>
                 </a:rPr>
-                <a:t>				</a:t>
+                <a:t>    </a:t>
+              </a:r>
+              <a:r>
+                <a:rPr lang="en-US" altLang="ko-KR" sz="4000" dirty="0" smtClean="0">
+                  <a:latin typeface="휴먼둥근헤드라인" panose="02030504000101010101" pitchFamily="18" charset="-127"/>
+                  <a:ea typeface="휴먼둥근헤드라인" panose="02030504000101010101" pitchFamily="18" charset="-127"/>
+                </a:rPr>
+                <a:t>M</a:t>
+              </a:r>
+              <a:r>
+                <a:rPr lang="en-US" altLang="ko-KR" sz="2800" dirty="0" smtClean="0">
+                  <a:latin typeface="휴먼둥근헤드라인" panose="02030504000101010101" pitchFamily="18" charset="-127"/>
+                  <a:ea typeface="휴먼둥근헤드라인" panose="02030504000101010101" pitchFamily="18" charset="-127"/>
+                </a:rPr>
+                <a:t>iddle</a:t>
+              </a:r>
+              <a:r>
+                <a:rPr lang="en-US" altLang="ko-KR" sz="3200" dirty="0" smtClean="0">
+                  <a:latin typeface="휴먼둥근헤드라인" panose="02030504000101010101" pitchFamily="18" charset="-127"/>
+                  <a:ea typeface="휴먼둥근헤드라인" panose="02030504000101010101" pitchFamily="18" charset="-127"/>
+                </a:rPr>
+                <a:t>		</a:t>
+              </a:r>
+              <a:r>
+                <a:rPr lang="en-US" altLang="ko-KR" sz="3200" dirty="0">
+                  <a:latin typeface="휴먼둥근헤드라인" panose="02030504000101010101" pitchFamily="18" charset="-127"/>
+                  <a:ea typeface="휴먼둥근헤드라인" panose="02030504000101010101" pitchFamily="18" charset="-127"/>
+                </a:rPr>
+                <a:t> </a:t>
+              </a:r>
+              <a:r>
+                <a:rPr lang="en-US" altLang="ko-KR" sz="3200" dirty="0" smtClean="0">
+                  <a:latin typeface="휴먼둥근헤드라인" panose="02030504000101010101" pitchFamily="18" charset="-127"/>
+                  <a:ea typeface="휴먼둥근헤드라인" panose="02030504000101010101" pitchFamily="18" charset="-127"/>
+                </a:rPr>
+                <a:t>  </a:t>
+              </a:r>
+              <a:r>
+                <a:rPr lang="en-US" altLang="ko-KR" sz="3200" dirty="0" smtClean="0">
+                  <a:latin typeface="휴먼둥근헤드라인" panose="02030504000101010101" pitchFamily="18" charset="-127"/>
+                  <a:ea typeface="휴먼둥근헤드라인" panose="02030504000101010101" pitchFamily="18" charset="-127"/>
+                </a:rPr>
+                <a:t> </a:t>
               </a:r>
               <a:r>
                 <a:rPr lang="en-US" altLang="ko-KR" dirty="0" smtClean="0">
@@ -16944,13 +16986,20 @@
                 <a:t> </a:t>
               </a:r>
               <a:r>
-                <a:rPr lang="ko-KR" altLang="en-US" sz="3200" dirty="0" smtClean="0">
+                <a:rPr lang="en-US" altLang="ko-KR" sz="4000" dirty="0" smtClean="0">
                   <a:latin typeface="휴먼둥근헤드라인" panose="02030504000101010101" pitchFamily="18" charset="-127"/>
                   <a:ea typeface="휴먼둥근헤드라인" panose="02030504000101010101" pitchFamily="18" charset="-127"/>
                 </a:rPr>
-                <a:t>소</a:t>
+                <a:t>S</a:t>
               </a:r>
-              <a:endParaRPr lang="ko-KR" altLang="en-US" sz="3200" dirty="0">
+              <a:r>
+                <a:rPr lang="en-US" altLang="ko-KR" sz="2800" dirty="0" smtClean="0">
+                  <a:latin typeface="휴먼둥근헤드라인" panose="02030504000101010101" pitchFamily="18" charset="-127"/>
+                  <a:ea typeface="휴먼둥근헤드라인" panose="02030504000101010101" pitchFamily="18" charset="-127"/>
+                </a:rPr>
+                <a:t>mall</a:t>
+              </a:r>
+              <a:endParaRPr lang="ko-KR" altLang="en-US" sz="2800" dirty="0">
                 <a:latin typeface="휴먼둥근헤드라인" panose="02030504000101010101" pitchFamily="18" charset="-127"/>
                 <a:ea typeface="휴먼둥근헤드라인" panose="02030504000101010101" pitchFamily="18" charset="-127"/>
               </a:endParaRPr>
@@ -17139,6 +17188,232 @@
             <a:p>
               <a:pPr algn="ctr"/>
               <a:endParaRPr lang="ko-KR" altLang="en-US"/>
+            </a:p>
+          </p:txBody>
+        </p:sp>
+      </p:grpSp>
+      <p:grpSp>
+        <p:nvGrpSpPr>
+          <p:cNvPr id="15" name="그룹 14"/>
+          <p:cNvGrpSpPr/>
+          <p:nvPr/>
+        </p:nvGrpSpPr>
+        <p:grpSpPr>
+          <a:xfrm>
+            <a:off x="9332075" y="3410857"/>
+            <a:ext cx="1800000" cy="1104537"/>
+            <a:chOff x="9332075" y="3410857"/>
+            <a:chExt cx="1800000" cy="1104537"/>
+          </a:xfrm>
+        </p:grpSpPr>
+        <p:cxnSp>
+          <p:nvCxnSpPr>
+            <p:cNvPr id="3" name="직선 화살표 연결선 2"/>
+            <p:cNvCxnSpPr/>
+            <p:nvPr/>
+          </p:nvCxnSpPr>
+          <p:spPr>
+            <a:xfrm flipV="1">
+              <a:off x="9332075" y="4515394"/>
+              <a:ext cx="1800000" cy="0"/>
+            </a:xfrm>
+            <a:prstGeom prst="straightConnector1">
+              <a:avLst/>
+            </a:prstGeom>
+            <a:ln w="127000" cap="rnd">
+              <a:solidFill>
+                <a:schemeClr val="tx1"/>
+              </a:solidFill>
+              <a:tailEnd type="triangle"/>
+            </a:ln>
+          </p:spPr>
+          <p:style>
+            <a:lnRef idx="1">
+              <a:schemeClr val="accent1"/>
+            </a:lnRef>
+            <a:fillRef idx="0">
+              <a:schemeClr val="accent1"/>
+            </a:fillRef>
+            <a:effectRef idx="0">
+              <a:schemeClr val="accent1"/>
+            </a:effectRef>
+            <a:fontRef idx="minor">
+              <a:schemeClr val="tx1"/>
+            </a:fontRef>
+          </p:style>
+        </p:cxnSp>
+        <p:sp>
+          <p:nvSpPr>
+            <p:cNvPr id="11" name="타원 10"/>
+            <p:cNvSpPr/>
+            <p:nvPr/>
+          </p:nvSpPr>
+          <p:spPr>
+            <a:xfrm>
+              <a:off x="9665903" y="3410857"/>
+              <a:ext cx="900000" cy="900000"/>
+            </a:xfrm>
+            <a:prstGeom prst="ellipse">
+              <a:avLst/>
+            </a:prstGeom>
+            <a:solidFill>
+              <a:schemeClr val="bg1"/>
+            </a:solidFill>
+            <a:ln w="88900">
+              <a:solidFill>
+                <a:schemeClr val="tx1"/>
+              </a:solidFill>
+            </a:ln>
+          </p:spPr>
+          <p:style>
+            <a:lnRef idx="2">
+              <a:schemeClr val="accent1">
+                <a:shade val="50000"/>
+              </a:schemeClr>
+            </a:lnRef>
+            <a:fillRef idx="1">
+              <a:schemeClr val="accent1"/>
+            </a:fillRef>
+            <a:effectRef idx="0">
+              <a:schemeClr val="accent1"/>
+            </a:effectRef>
+            <a:fontRef idx="minor">
+              <a:schemeClr val="lt1"/>
+            </a:fontRef>
+          </p:style>
+          <p:txBody>
+            <a:bodyPr rtlCol="0" anchor="ctr"/>
+            <a:lstStyle/>
+            <a:p>
+              <a:pPr algn="ctr"/>
+              <a:r>
+                <a:rPr lang="en-US" altLang="ko-KR" sz="4800" dirty="0" smtClean="0">
+                  <a:solidFill>
+                    <a:schemeClr val="tx1"/>
+                  </a:solidFill>
+                  <a:latin typeface="Arial Black" panose="020B0A04020102020204" pitchFamily="34" charset="0"/>
+                </a:rPr>
+                <a:t>C</a:t>
+              </a:r>
+              <a:endParaRPr lang="ko-KR" altLang="en-US" sz="4800" dirty="0">
+                <a:solidFill>
+                  <a:schemeClr val="tx1"/>
+                </a:solidFill>
+                <a:latin typeface="Arial Black" panose="020B0A04020102020204" pitchFamily="34" charset="0"/>
+              </a:endParaRPr>
+            </a:p>
+          </p:txBody>
+        </p:sp>
+      </p:grpSp>
+      <p:grpSp>
+        <p:nvGrpSpPr>
+          <p:cNvPr id="14" name="그룹 13"/>
+          <p:cNvGrpSpPr/>
+          <p:nvPr/>
+        </p:nvGrpSpPr>
+        <p:grpSpPr>
+          <a:xfrm>
+            <a:off x="6784818" y="3410857"/>
+            <a:ext cx="1800000" cy="1104537"/>
+            <a:chOff x="6784818" y="3410857"/>
+            <a:chExt cx="1800000" cy="1104537"/>
+          </a:xfrm>
+        </p:grpSpPr>
+        <p:cxnSp>
+          <p:nvCxnSpPr>
+            <p:cNvPr id="12" name="직선 화살표 연결선 11"/>
+            <p:cNvCxnSpPr/>
+            <p:nvPr/>
+          </p:nvCxnSpPr>
+          <p:spPr>
+            <a:xfrm rot="10800000" flipV="1">
+              <a:off x="6784818" y="4515394"/>
+              <a:ext cx="1800000" cy="0"/>
+            </a:xfrm>
+            <a:prstGeom prst="straightConnector1">
+              <a:avLst/>
+            </a:prstGeom>
+            <a:ln w="127000" cap="rnd">
+              <a:solidFill>
+                <a:schemeClr val="tx1"/>
+              </a:solidFill>
+              <a:tailEnd type="triangle"/>
+            </a:ln>
+          </p:spPr>
+          <p:style>
+            <a:lnRef idx="1">
+              <a:schemeClr val="accent1"/>
+            </a:lnRef>
+            <a:fillRef idx="0">
+              <a:schemeClr val="accent1"/>
+            </a:fillRef>
+            <a:effectRef idx="0">
+              <a:schemeClr val="accent1"/>
+            </a:effectRef>
+            <a:fontRef idx="minor">
+              <a:schemeClr val="tx1"/>
+            </a:fontRef>
+          </p:style>
+        </p:cxnSp>
+        <p:sp>
+          <p:nvSpPr>
+            <p:cNvPr id="13" name="타원 12"/>
+            <p:cNvSpPr/>
+            <p:nvPr/>
+          </p:nvSpPr>
+          <p:spPr>
+            <a:xfrm>
+              <a:off x="7408932" y="3410857"/>
+              <a:ext cx="900000" cy="900000"/>
+            </a:xfrm>
+            <a:prstGeom prst="ellipse">
+              <a:avLst/>
+            </a:prstGeom>
+            <a:solidFill>
+              <a:schemeClr val="bg1"/>
+            </a:solidFill>
+            <a:ln w="88900">
+              <a:solidFill>
+                <a:schemeClr val="tx1"/>
+              </a:solidFill>
+            </a:ln>
+          </p:spPr>
+          <p:style>
+            <a:lnRef idx="2">
+              <a:schemeClr val="accent1">
+                <a:shade val="50000"/>
+              </a:schemeClr>
+            </a:lnRef>
+            <a:fillRef idx="1">
+              <a:schemeClr val="accent1"/>
+            </a:fillRef>
+            <a:effectRef idx="0">
+              <a:schemeClr val="accent1"/>
+            </a:effectRef>
+            <a:fontRef idx="minor">
+              <a:schemeClr val="lt1"/>
+            </a:fontRef>
+          </p:style>
+          <p:txBody>
+            <a:bodyPr rtlCol="0" anchor="ctr"/>
+            <a:lstStyle/>
+            <a:p>
+              <a:pPr algn="ctr"/>
+              <a:r>
+                <a:rPr lang="en-US" altLang="ko-KR" sz="4800" dirty="0">
+                  <a:solidFill>
+                    <a:schemeClr val="tx1"/>
+                  </a:solidFill>
+                  <a:latin typeface="Arial Black" panose="020B0A04020102020204" pitchFamily="34" charset="0"/>
+                </a:rPr>
+                <a:t>Z</a:t>
+              </a:r>
+              <a:endParaRPr lang="ko-KR" altLang="en-US" sz="4800" dirty="0">
+                <a:solidFill>
+                  <a:schemeClr val="tx1"/>
+                </a:solidFill>
+                <a:latin typeface="Arial Black" panose="020B0A04020102020204" pitchFamily="34" charset="0"/>
+              </a:endParaRPr>
             </a:p>
           </p:txBody>
         </p:sp>

--- a/UI Design.pptx
+++ b/UI Design.pptx
@@ -16927,14 +16927,7 @@
                   <a:latin typeface="휴먼둥근헤드라인" panose="02030504000101010101" pitchFamily="18" charset="-127"/>
                   <a:ea typeface="휴먼둥근헤드라인" panose="02030504000101010101" pitchFamily="18" charset="-127"/>
                 </a:rPr>
-                <a:t>		</a:t>
-              </a:r>
-              <a:r>
-                <a:rPr lang="en-US" altLang="ko-KR" sz="3200" dirty="0" smtClean="0">
-                  <a:latin typeface="휴먼둥근헤드라인" panose="02030504000101010101" pitchFamily="18" charset="-127"/>
-                  <a:ea typeface="휴먼둥근헤드라인" panose="02030504000101010101" pitchFamily="18" charset="-127"/>
-                </a:rPr>
-                <a:t>    </a:t>
+                <a:t>		    </a:t>
               </a:r>
               <a:r>
                 <a:rPr lang="en-US" altLang="ko-KR" sz="4000" dirty="0" smtClean="0">
@@ -16969,14 +16962,7 @@
                   <a:latin typeface="휴먼둥근헤드라인" panose="02030504000101010101" pitchFamily="18" charset="-127"/>
                   <a:ea typeface="휴먼둥근헤드라인" panose="02030504000101010101" pitchFamily="18" charset="-127"/>
                 </a:rPr>
-                <a:t>  </a:t>
-              </a:r>
-              <a:r>
-                <a:rPr lang="en-US" altLang="ko-KR" sz="3200" dirty="0" smtClean="0">
-                  <a:latin typeface="휴먼둥근헤드라인" panose="02030504000101010101" pitchFamily="18" charset="-127"/>
-                  <a:ea typeface="휴먼둥근헤드라인" panose="02030504000101010101" pitchFamily="18" charset="-127"/>
-                </a:rPr>
-                <a:t> </a:t>
+                <a:t>   </a:t>
               </a:r>
               <a:r>
                 <a:rPr lang="en-US" altLang="ko-KR" dirty="0" smtClean="0">
@@ -17974,7 +17960,7 @@
                 <a:latin typeface="휴먼매직체" panose="02030504000101010101" pitchFamily="18" charset="-127"/>
                 <a:ea typeface="휴먼매직체" panose="02030504000101010101" pitchFamily="18" charset="-127"/>
               </a:rPr>
-              <a:t>돈을 많이 버셨군요</a:t>
+              <a:t>고양이들이 오기 힘들어졌네요</a:t>
             </a:r>
             <a:r>
               <a:rPr lang="en-US" altLang="ko-KR" sz="2400" dirty="0" smtClean="0">
@@ -17986,9 +17972,26 @@
               </a:rPr>
               <a:t>.</a:t>
             </a:r>
+            <a:endParaRPr lang="en-US" altLang="ko-KR" sz="2400" dirty="0" smtClean="0">
+              <a:ln w="38100">
+                <a:noFill/>
+              </a:ln>
+              <a:latin typeface="휴먼매직체" panose="02030504000101010101" pitchFamily="18" charset="-127"/>
+              <a:ea typeface="휴먼매직체" panose="02030504000101010101" pitchFamily="18" charset="-127"/>
+            </a:endParaRPr>
           </a:p>
           <a:p>
             <a:pPr algn="ctr"/>
+            <a:r>
+              <a:rPr lang="ko-KR" altLang="en-US" sz="2400" smtClean="0">
+                <a:ln w="38100">
+                  <a:noFill/>
+                </a:ln>
+                <a:latin typeface="휴먼매직체" panose="02030504000101010101" pitchFamily="18" charset="-127"/>
+                <a:ea typeface="휴먼매직체" panose="02030504000101010101" pitchFamily="18" charset="-127"/>
+              </a:rPr>
+              <a:t>고양이들의 이동 속도가 </a:t>
+            </a:r>
             <a:r>
               <a:rPr lang="ko-KR" altLang="en-US" sz="2400" dirty="0" smtClean="0">
                 <a:ln w="38100">
@@ -17997,7 +18000,7 @@
                 <a:latin typeface="휴먼매직체" panose="02030504000101010101" pitchFamily="18" charset="-127"/>
                 <a:ea typeface="휴먼매직체" panose="02030504000101010101" pitchFamily="18" charset="-127"/>
               </a:rPr>
-              <a:t>고양이들이 정육점에 오기 힘들어집니다</a:t>
+              <a:t>느려집니다</a:t>
             </a:r>
             <a:r>
               <a:rPr lang="en-US" altLang="ko-KR" sz="2400" dirty="0" smtClean="0">
@@ -36291,6 +36294,159 @@
           </p:txBody>
         </p:sp>
       </p:grpSp>
+      <p:sp>
+        <p:nvSpPr>
+          <p:cNvPr id="5" name="TextBox 4"/>
+          <p:cNvSpPr txBox="1"/>
+          <p:nvPr/>
+        </p:nvSpPr>
+        <p:spPr>
+          <a:xfrm>
+            <a:off x="6466114" y="1841863"/>
+            <a:ext cx="809897" cy="923330"/>
+          </a:xfrm>
+          <a:prstGeom prst="rect">
+            <a:avLst/>
+          </a:prstGeom>
+          <a:noFill/>
+        </p:spPr>
+        <p:txBody>
+          <a:bodyPr wrap="square" rtlCol="0">
+            <a:spAutoFit/>
+          </a:bodyPr>
+          <a:lstStyle/>
+          <a:p>
+            <a:pPr algn="ctr"/>
+            <a:r>
+              <a:rPr lang="en-US" altLang="ko-KR" sz="5400" dirty="0" smtClean="0">
+                <a:ln w="38100">
+                  <a:solidFill>
+                    <a:schemeClr val="tx1"/>
+                  </a:solidFill>
+                </a:ln>
+                <a:solidFill>
+                  <a:srgbClr val="FF0000"/>
+                </a:solidFill>
+                <a:latin typeface="Arial Black" panose="020B0A04020102020204" pitchFamily="34" charset="0"/>
+              </a:rPr>
+              <a:t>L</a:t>
+            </a:r>
+            <a:endParaRPr lang="ko-KR" altLang="en-US" sz="5400" dirty="0">
+              <a:ln w="38100">
+                <a:solidFill>
+                  <a:schemeClr val="tx1"/>
+                </a:solidFill>
+              </a:ln>
+              <a:solidFill>
+                <a:srgbClr val="FF0000"/>
+              </a:solidFill>
+              <a:latin typeface="Arial Black" panose="020B0A04020102020204" pitchFamily="34" charset="0"/>
+            </a:endParaRPr>
+          </a:p>
+        </p:txBody>
+      </p:sp>
+      <p:sp>
+        <p:nvSpPr>
+          <p:cNvPr id="6" name="TextBox 5"/>
+          <p:cNvSpPr txBox="1"/>
+          <p:nvPr/>
+        </p:nvSpPr>
+        <p:spPr>
+          <a:xfrm>
+            <a:off x="7178765" y="1841863"/>
+            <a:ext cx="809897" cy="923330"/>
+          </a:xfrm>
+          <a:prstGeom prst="rect">
+            <a:avLst/>
+          </a:prstGeom>
+          <a:noFill/>
+        </p:spPr>
+        <p:txBody>
+          <a:bodyPr wrap="square" rtlCol="0">
+            <a:spAutoFit/>
+          </a:bodyPr>
+          <a:lstStyle/>
+          <a:p>
+            <a:pPr algn="ctr"/>
+            <a:r>
+              <a:rPr lang="en-US" altLang="ko-KR" sz="5400" dirty="0">
+                <a:ln w="38100">
+                  <a:solidFill>
+                    <a:schemeClr val="tx1"/>
+                  </a:solidFill>
+                </a:ln>
+                <a:solidFill>
+                  <a:srgbClr val="00FF00"/>
+                </a:solidFill>
+                <a:latin typeface="Arial Black" panose="020B0A04020102020204" pitchFamily="34" charset="0"/>
+              </a:rPr>
+              <a:t>M</a:t>
+            </a:r>
+            <a:endParaRPr lang="ko-KR" altLang="en-US" sz="5400" dirty="0">
+              <a:ln w="38100">
+                <a:solidFill>
+                  <a:schemeClr val="tx1"/>
+                </a:solidFill>
+              </a:ln>
+              <a:solidFill>
+                <a:srgbClr val="00FF00"/>
+              </a:solidFill>
+              <a:latin typeface="Arial Black" panose="020B0A04020102020204" pitchFamily="34" charset="0"/>
+            </a:endParaRPr>
+          </a:p>
+        </p:txBody>
+      </p:sp>
+      <p:sp>
+        <p:nvSpPr>
+          <p:cNvPr id="7" name="TextBox 6"/>
+          <p:cNvSpPr txBox="1"/>
+          <p:nvPr/>
+        </p:nvSpPr>
+        <p:spPr>
+          <a:xfrm>
+            <a:off x="7891416" y="1841863"/>
+            <a:ext cx="809897" cy="923330"/>
+          </a:xfrm>
+          <a:prstGeom prst="rect">
+            <a:avLst/>
+          </a:prstGeom>
+          <a:noFill/>
+        </p:spPr>
+        <p:txBody>
+          <a:bodyPr wrap="square" rtlCol="0">
+            <a:spAutoFit/>
+          </a:bodyPr>
+          <a:lstStyle/>
+          <a:p>
+            <a:pPr algn="ctr"/>
+            <a:r>
+              <a:rPr lang="en-US" altLang="ko-KR" sz="5400" dirty="0">
+                <a:ln w="38100">
+                  <a:solidFill>
+                    <a:schemeClr val="tx1"/>
+                  </a:solidFill>
+                </a:ln>
+                <a:solidFill>
+                  <a:srgbClr val="0000FF"/>
+                </a:solidFill>
+                <a:latin typeface="Arial Black" panose="020B0A04020102020204" pitchFamily="34" charset="0"/>
+              </a:rPr>
+              <a:t>S</a:t>
+            </a:r>
+            <a:endParaRPr lang="ko-KR" altLang="en-US" sz="5400" dirty="0">
+              <a:ln w="38100">
+                <a:solidFill>
+                  <a:schemeClr val="tx1"/>
+                </a:solidFill>
+              </a:ln>
+              <a:solidFill>
+                <a:srgbClr val="0000FF"/>
+              </a:solidFill>
+              <a:latin typeface="Arial Black" panose="020B0A04020102020204" pitchFamily="34" charset="0"/>
+            </a:endParaRPr>
+          </a:p>
+        </p:txBody>
+      </p:sp>
     </p:spTree>
     <p:extLst>
       <p:ext uri="{BB962C8B-B14F-4D97-AF65-F5344CB8AC3E}">

--- a/UI Design.pptx
+++ b/UI Design.pptx
@@ -14,6 +14,8 @@
     <p:sldId id="262" r:id="rId8"/>
     <p:sldId id="263" r:id="rId9"/>
     <p:sldId id="264" r:id="rId10"/>
+    <p:sldId id="265" r:id="rId11"/>
+    <p:sldId id="266" r:id="rId12"/>
   </p:sldIdLst>
   <p:sldSz cx="12192000" cy="6858000"/>
   <p:notesSz cx="6858000" cy="9144000"/>
@@ -4611,6 +4613,1730 @@
 </p:sld>
 </file>
 
+<file path=ppt/slides/slide10.xml><?xml version="1.0" encoding="utf-8"?>
+<p:sld xmlns:a="http://schemas.openxmlformats.org/drawingml/2006/main" xmlns:r="http://schemas.openxmlformats.org/officeDocument/2006/relationships" xmlns:p="http://schemas.openxmlformats.org/presentationml/2006/main">
+  <p:cSld>
+    <p:spTree>
+      <p:nvGrpSpPr>
+        <p:cNvPr id="1" name=""/>
+        <p:cNvGrpSpPr/>
+        <p:nvPr/>
+      </p:nvGrpSpPr>
+      <p:grpSpPr>
+        <a:xfrm>
+          <a:off x="0" y="0"/>
+          <a:ext cx="0" cy="0"/>
+          <a:chOff x="0" y="0"/>
+          <a:chExt cx="0" cy="0"/>
+        </a:xfrm>
+      </p:grpSpPr>
+      <p:grpSp>
+        <p:nvGrpSpPr>
+          <p:cNvPr id="25" name="그룹 24"/>
+          <p:cNvGrpSpPr/>
+          <p:nvPr/>
+        </p:nvGrpSpPr>
+        <p:grpSpPr>
+          <a:xfrm>
+            <a:off x="0" y="0"/>
+            <a:ext cx="12192000" cy="6857999"/>
+            <a:chOff x="0" y="0"/>
+            <a:chExt cx="12192000" cy="6857999"/>
+          </a:xfrm>
+        </p:grpSpPr>
+        <p:sp>
+          <p:nvSpPr>
+            <p:cNvPr id="17" name="직사각형 16"/>
+            <p:cNvSpPr/>
+            <p:nvPr/>
+          </p:nvSpPr>
+          <p:spPr>
+            <a:xfrm>
+              <a:off x="0" y="0"/>
+              <a:ext cx="12192000" cy="6857999"/>
+            </a:xfrm>
+            <a:prstGeom prst="rect">
+              <a:avLst/>
+            </a:prstGeom>
+            <a:solidFill>
+              <a:schemeClr val="tx1">
+                <a:lumMod val="65000"/>
+                <a:lumOff val="35000"/>
+                <a:alpha val="40000"/>
+              </a:schemeClr>
+            </a:solidFill>
+            <a:ln>
+              <a:noFill/>
+            </a:ln>
+          </p:spPr>
+          <p:style>
+            <a:lnRef idx="2">
+              <a:schemeClr val="accent1">
+                <a:shade val="50000"/>
+              </a:schemeClr>
+            </a:lnRef>
+            <a:fillRef idx="1">
+              <a:schemeClr val="accent1"/>
+            </a:fillRef>
+            <a:effectRef idx="0">
+              <a:schemeClr val="accent1"/>
+            </a:effectRef>
+            <a:fontRef idx="minor">
+              <a:schemeClr val="lt1"/>
+            </a:fontRef>
+          </p:style>
+          <p:txBody>
+            <a:bodyPr rtlCol="0" anchor="ctr"/>
+            <a:lstStyle/>
+            <a:p>
+              <a:pPr algn="ctr"/>
+              <a:endParaRPr lang="ko-KR" altLang="en-US"/>
+            </a:p>
+          </p:txBody>
+        </p:sp>
+        <p:grpSp>
+          <p:nvGrpSpPr>
+            <p:cNvPr id="5" name="그룹 4"/>
+            <p:cNvGrpSpPr/>
+            <p:nvPr/>
+          </p:nvGrpSpPr>
+          <p:grpSpPr>
+            <a:xfrm>
+              <a:off x="3090629" y="1025499"/>
+              <a:ext cx="5650899" cy="2838483"/>
+              <a:chOff x="1732644" y="1089085"/>
+              <a:chExt cx="5650899" cy="2838483"/>
+            </a:xfrm>
+          </p:grpSpPr>
+          <p:grpSp>
+            <p:nvGrpSpPr>
+              <p:cNvPr id="6" name="그룹 5"/>
+              <p:cNvGrpSpPr/>
+              <p:nvPr/>
+            </p:nvGrpSpPr>
+            <p:grpSpPr>
+              <a:xfrm>
+                <a:off x="1732644" y="1575784"/>
+                <a:ext cx="5650899" cy="2351784"/>
+                <a:chOff x="1732644" y="1575784"/>
+                <a:chExt cx="5650899" cy="2351784"/>
+              </a:xfrm>
+            </p:grpSpPr>
+            <p:sp>
+              <p:nvSpPr>
+                <p:cNvPr id="10" name="TextBox 9"/>
+                <p:cNvSpPr txBox="1"/>
+                <p:nvPr/>
+              </p:nvSpPr>
+              <p:spPr>
+                <a:xfrm rot="21000000">
+                  <a:off x="1732644" y="1726966"/>
+                  <a:ext cx="1539204" cy="2200602"/>
+                </a:xfrm>
+                <a:prstGeom prst="rect">
+                  <a:avLst/>
+                </a:prstGeom>
+                <a:noFill/>
+              </p:spPr>
+              <p:txBody>
+                <a:bodyPr wrap="none" rtlCol="0">
+                  <a:spAutoFit/>
+                </a:bodyPr>
+                <a:lstStyle/>
+                <a:p>
+                  <a:pPr algn="ctr"/>
+                  <a:r>
+                    <a:rPr lang="en-US" altLang="ko-KR" sz="13700" spc="-100" dirty="0" smtClean="0">
+                      <a:ln w="38100">
+                        <a:solidFill>
+                          <a:schemeClr val="bg1"/>
+                        </a:solidFill>
+                      </a:ln>
+                      <a:gradFill>
+                        <a:gsLst>
+                          <a:gs pos="50000">
+                            <a:schemeClr val="accent4">
+                              <a:lumMod val="20000"/>
+                              <a:lumOff val="80000"/>
+                            </a:schemeClr>
+                          </a:gs>
+                          <a:gs pos="26000">
+                            <a:srgbClr val="FFFF00"/>
+                          </a:gs>
+                          <a:gs pos="74000">
+                            <a:srgbClr val="FFFF00"/>
+                          </a:gs>
+                        </a:gsLst>
+                        <a:lin ang="5400000" scaled="1"/>
+                      </a:gradFill>
+                      <a:effectLst>
+                        <a:outerShdw dist="63500" dir="2700000" algn="tl" rotWithShape="0">
+                          <a:prstClr val="black">
+                            <a:alpha val="40000"/>
+                          </a:prstClr>
+                        </a:outerShdw>
+                      </a:effectLst>
+                      <a:latin typeface="Arial Black" panose="020B0A04020102020204" pitchFamily="34" charset="0"/>
+                    </a:rPr>
+                    <a:t>C</a:t>
+                  </a:r>
+                  <a:endParaRPr lang="ko-KR" altLang="en-US" sz="13700" spc="-100" dirty="0">
+                    <a:ln w="38100">
+                      <a:solidFill>
+                        <a:schemeClr val="bg1"/>
+                      </a:solidFill>
+                    </a:ln>
+                    <a:gradFill>
+                      <a:gsLst>
+                        <a:gs pos="50000">
+                          <a:schemeClr val="accent4">
+                            <a:lumMod val="20000"/>
+                            <a:lumOff val="80000"/>
+                          </a:schemeClr>
+                        </a:gs>
+                        <a:gs pos="26000">
+                          <a:srgbClr val="FFFF00"/>
+                        </a:gs>
+                        <a:gs pos="74000">
+                          <a:srgbClr val="FFFF00"/>
+                        </a:gs>
+                      </a:gsLst>
+                      <a:lin ang="5400000" scaled="1"/>
+                    </a:gradFill>
+                    <a:effectLst>
+                      <a:outerShdw dist="63500" dir="2700000" algn="tl" rotWithShape="0">
+                        <a:prstClr val="black">
+                          <a:alpha val="40000"/>
+                        </a:prstClr>
+                      </a:outerShdw>
+                    </a:effectLst>
+                    <a:latin typeface="Arial Black" panose="020B0A04020102020204" pitchFamily="34" charset="0"/>
+                  </a:endParaRPr>
+                </a:p>
+              </p:txBody>
+            </p:sp>
+            <p:sp>
+              <p:nvSpPr>
+                <p:cNvPr id="11" name="TextBox 10"/>
+                <p:cNvSpPr txBox="1"/>
+                <p:nvPr/>
+              </p:nvSpPr>
+              <p:spPr>
+                <a:xfrm rot="21240000">
+                  <a:off x="3075466" y="1672109"/>
+                  <a:ext cx="1156086" cy="1862048"/>
+                </a:xfrm>
+                <a:prstGeom prst="rect">
+                  <a:avLst/>
+                </a:prstGeom>
+                <a:noFill/>
+              </p:spPr>
+              <p:txBody>
+                <a:bodyPr wrap="none" rtlCol="0">
+                  <a:spAutoFit/>
+                </a:bodyPr>
+                <a:lstStyle/>
+                <a:p>
+                  <a:pPr algn="ctr"/>
+                  <a:r>
+                    <a:rPr lang="en-US" altLang="ko-KR" sz="11500" spc="-100" dirty="0">
+                      <a:ln w="38100">
+                        <a:solidFill>
+                          <a:schemeClr val="bg1"/>
+                        </a:solidFill>
+                      </a:ln>
+                      <a:gradFill>
+                        <a:gsLst>
+                          <a:gs pos="50000">
+                            <a:schemeClr val="accent4">
+                              <a:lumMod val="20000"/>
+                              <a:lumOff val="80000"/>
+                            </a:schemeClr>
+                          </a:gs>
+                          <a:gs pos="26000">
+                            <a:srgbClr val="FFFF00"/>
+                          </a:gs>
+                          <a:gs pos="74000">
+                            <a:srgbClr val="FFFF00"/>
+                          </a:gs>
+                        </a:gsLst>
+                        <a:lin ang="5400000" scaled="1"/>
+                      </a:gradFill>
+                      <a:effectLst>
+                        <a:outerShdw dist="63500" dir="2700000" algn="tl" rotWithShape="0">
+                          <a:prstClr val="black">
+                            <a:alpha val="40000"/>
+                          </a:prstClr>
+                        </a:outerShdw>
+                      </a:effectLst>
+                      <a:latin typeface="Arial Black" panose="020B0A04020102020204" pitchFamily="34" charset="0"/>
+                    </a:rPr>
+                    <a:t>L</a:t>
+                  </a:r>
+                  <a:endParaRPr lang="ko-KR" altLang="en-US" sz="11500" spc="-100" dirty="0">
+                    <a:ln w="38100">
+                      <a:solidFill>
+                        <a:schemeClr val="bg1"/>
+                      </a:solidFill>
+                    </a:ln>
+                    <a:gradFill>
+                      <a:gsLst>
+                        <a:gs pos="50000">
+                          <a:schemeClr val="accent4">
+                            <a:lumMod val="20000"/>
+                            <a:lumOff val="80000"/>
+                          </a:schemeClr>
+                        </a:gs>
+                        <a:gs pos="26000">
+                          <a:srgbClr val="FFFF00"/>
+                        </a:gs>
+                        <a:gs pos="74000">
+                          <a:srgbClr val="FFFF00"/>
+                        </a:gs>
+                      </a:gsLst>
+                      <a:lin ang="5400000" scaled="1"/>
+                    </a:gradFill>
+                    <a:effectLst>
+                      <a:outerShdw dist="63500" dir="2700000" algn="tl" rotWithShape="0">
+                        <a:prstClr val="black">
+                          <a:alpha val="40000"/>
+                        </a:prstClr>
+                      </a:outerShdw>
+                    </a:effectLst>
+                    <a:latin typeface="Arial Black" panose="020B0A04020102020204" pitchFamily="34" charset="0"/>
+                  </a:endParaRPr>
+                </a:p>
+              </p:txBody>
+            </p:sp>
+            <p:sp>
+              <p:nvSpPr>
+                <p:cNvPr id="13" name="TextBox 12"/>
+                <p:cNvSpPr txBox="1"/>
+                <p:nvPr/>
+              </p:nvSpPr>
+              <p:spPr>
+                <a:xfrm>
+                  <a:off x="4049772" y="1575784"/>
+                  <a:ext cx="1236237" cy="1862048"/>
+                </a:xfrm>
+                <a:prstGeom prst="rect">
+                  <a:avLst/>
+                </a:prstGeom>
+                <a:noFill/>
+              </p:spPr>
+              <p:txBody>
+                <a:bodyPr wrap="none" rtlCol="0">
+                  <a:spAutoFit/>
+                </a:bodyPr>
+                <a:lstStyle/>
+                <a:p>
+                  <a:pPr algn="ctr"/>
+                  <a:r>
+                    <a:rPr lang="en-US" altLang="ko-KR" sz="11500" spc="-100" dirty="0" smtClean="0">
+                      <a:ln w="38100">
+                        <a:solidFill>
+                          <a:schemeClr val="bg1"/>
+                        </a:solidFill>
+                      </a:ln>
+                      <a:gradFill>
+                        <a:gsLst>
+                          <a:gs pos="50000">
+                            <a:schemeClr val="accent4">
+                              <a:lumMod val="20000"/>
+                              <a:lumOff val="80000"/>
+                            </a:schemeClr>
+                          </a:gs>
+                          <a:gs pos="26000">
+                            <a:srgbClr val="FFFF00"/>
+                          </a:gs>
+                          <a:gs pos="74000">
+                            <a:srgbClr val="FFFF00"/>
+                          </a:gs>
+                        </a:gsLst>
+                        <a:lin ang="5400000" scaled="1"/>
+                      </a:gradFill>
+                      <a:effectLst>
+                        <a:outerShdw dist="63500" dir="2700000" algn="tl" rotWithShape="0">
+                          <a:prstClr val="black">
+                            <a:alpha val="40000"/>
+                          </a:prstClr>
+                        </a:outerShdw>
+                      </a:effectLst>
+                      <a:latin typeface="Arial Black" panose="020B0A04020102020204" pitchFamily="34" charset="0"/>
+                    </a:rPr>
+                    <a:t>E</a:t>
+                  </a:r>
+                  <a:endParaRPr lang="ko-KR" altLang="en-US" sz="11500" spc="-100" dirty="0">
+                    <a:ln w="38100">
+                      <a:solidFill>
+                        <a:schemeClr val="bg1"/>
+                      </a:solidFill>
+                    </a:ln>
+                    <a:gradFill>
+                      <a:gsLst>
+                        <a:gs pos="50000">
+                          <a:schemeClr val="accent4">
+                            <a:lumMod val="20000"/>
+                            <a:lumOff val="80000"/>
+                          </a:schemeClr>
+                        </a:gs>
+                        <a:gs pos="26000">
+                          <a:srgbClr val="FFFF00"/>
+                        </a:gs>
+                        <a:gs pos="74000">
+                          <a:srgbClr val="FFFF00"/>
+                        </a:gs>
+                      </a:gsLst>
+                      <a:lin ang="5400000" scaled="1"/>
+                    </a:gradFill>
+                    <a:effectLst>
+                      <a:outerShdw dist="63500" dir="2700000" algn="tl" rotWithShape="0">
+                        <a:prstClr val="black">
+                          <a:alpha val="40000"/>
+                        </a:prstClr>
+                      </a:outerShdw>
+                    </a:effectLst>
+                    <a:latin typeface="Arial Black" panose="020B0A04020102020204" pitchFamily="34" charset="0"/>
+                  </a:endParaRPr>
+                </a:p>
+              </p:txBody>
+            </p:sp>
+            <p:sp>
+              <p:nvSpPr>
+                <p:cNvPr id="15" name="TextBox 14"/>
+                <p:cNvSpPr txBox="1"/>
+                <p:nvPr/>
+              </p:nvSpPr>
+              <p:spPr>
+                <a:xfrm rot="360000">
+                  <a:off x="5379046" y="1683022"/>
+                  <a:ext cx="838691" cy="1862048"/>
+                </a:xfrm>
+                <a:prstGeom prst="rect">
+                  <a:avLst/>
+                </a:prstGeom>
+                <a:noFill/>
+              </p:spPr>
+              <p:txBody>
+                <a:bodyPr wrap="square" rtlCol="0">
+                  <a:spAutoFit/>
+                </a:bodyPr>
+                <a:lstStyle/>
+                <a:p>
+                  <a:pPr algn="ctr"/>
+                  <a:r>
+                    <a:rPr lang="en-US" altLang="ko-KR" sz="11500" spc="-100" dirty="0" smtClean="0">
+                      <a:ln w="38100">
+                        <a:solidFill>
+                          <a:schemeClr val="bg1"/>
+                        </a:solidFill>
+                      </a:ln>
+                      <a:gradFill>
+                        <a:gsLst>
+                          <a:gs pos="50000">
+                            <a:schemeClr val="accent4">
+                              <a:lumMod val="20000"/>
+                              <a:lumOff val="80000"/>
+                            </a:schemeClr>
+                          </a:gs>
+                          <a:gs pos="26000">
+                            <a:srgbClr val="FFFF00"/>
+                          </a:gs>
+                          <a:gs pos="74000">
+                            <a:srgbClr val="FFFF00"/>
+                          </a:gs>
+                        </a:gsLst>
+                        <a:lin ang="5400000" scaled="1"/>
+                      </a:gradFill>
+                      <a:effectLst>
+                        <a:outerShdw dist="63500" dir="2700000" algn="tl" rotWithShape="0">
+                          <a:prstClr val="black">
+                            <a:alpha val="40000"/>
+                          </a:prstClr>
+                        </a:outerShdw>
+                      </a:effectLst>
+                      <a:latin typeface="Arial Black" panose="020B0A04020102020204" pitchFamily="34" charset="0"/>
+                    </a:rPr>
+                    <a:t>A</a:t>
+                  </a:r>
+                  <a:endParaRPr lang="ko-KR" altLang="en-US" sz="11500" spc="-100" dirty="0">
+                    <a:ln w="38100">
+                      <a:solidFill>
+                        <a:schemeClr val="bg1"/>
+                      </a:solidFill>
+                    </a:ln>
+                    <a:gradFill>
+                      <a:gsLst>
+                        <a:gs pos="50000">
+                          <a:schemeClr val="accent4">
+                            <a:lumMod val="20000"/>
+                            <a:lumOff val="80000"/>
+                          </a:schemeClr>
+                        </a:gs>
+                        <a:gs pos="26000">
+                          <a:srgbClr val="FFFF00"/>
+                        </a:gs>
+                        <a:gs pos="74000">
+                          <a:srgbClr val="FFFF00"/>
+                        </a:gs>
+                      </a:gsLst>
+                      <a:lin ang="5400000" scaled="1"/>
+                    </a:gradFill>
+                    <a:effectLst>
+                      <a:outerShdw dist="63500" dir="2700000" algn="tl" rotWithShape="0">
+                        <a:prstClr val="black">
+                          <a:alpha val="40000"/>
+                        </a:prstClr>
+                      </a:outerShdw>
+                    </a:effectLst>
+                    <a:latin typeface="Arial Black" panose="020B0A04020102020204" pitchFamily="34" charset="0"/>
+                  </a:endParaRPr>
+                </a:p>
+              </p:txBody>
+            </p:sp>
+            <p:sp>
+              <p:nvSpPr>
+                <p:cNvPr id="16" name="TextBox 15"/>
+                <p:cNvSpPr txBox="1"/>
+                <p:nvPr/>
+              </p:nvSpPr>
+              <p:spPr>
+                <a:xfrm rot="600000">
+                  <a:off x="6544852" y="1876011"/>
+                  <a:ext cx="838691" cy="1862048"/>
+                </a:xfrm>
+                <a:prstGeom prst="rect">
+                  <a:avLst/>
+                </a:prstGeom>
+                <a:noFill/>
+              </p:spPr>
+              <p:txBody>
+                <a:bodyPr wrap="square" rtlCol="0">
+                  <a:spAutoFit/>
+                </a:bodyPr>
+                <a:lstStyle/>
+                <a:p>
+                  <a:pPr algn="ctr"/>
+                  <a:r>
+                    <a:rPr lang="en-US" altLang="ko-KR" sz="11500" spc="-100" dirty="0" smtClean="0">
+                      <a:ln w="38100">
+                        <a:solidFill>
+                          <a:schemeClr val="bg1"/>
+                        </a:solidFill>
+                      </a:ln>
+                      <a:gradFill>
+                        <a:gsLst>
+                          <a:gs pos="50000">
+                            <a:schemeClr val="accent4">
+                              <a:lumMod val="20000"/>
+                              <a:lumOff val="80000"/>
+                            </a:schemeClr>
+                          </a:gs>
+                          <a:gs pos="26000">
+                            <a:srgbClr val="FFFF00"/>
+                          </a:gs>
+                          <a:gs pos="74000">
+                            <a:srgbClr val="FFFF00"/>
+                          </a:gs>
+                        </a:gsLst>
+                        <a:lin ang="5400000" scaled="1"/>
+                      </a:gradFill>
+                      <a:effectLst>
+                        <a:outerShdw dist="63500" dir="2700000" algn="tl" rotWithShape="0">
+                          <a:prstClr val="black">
+                            <a:alpha val="40000"/>
+                          </a:prstClr>
+                        </a:outerShdw>
+                      </a:effectLst>
+                      <a:latin typeface="Arial Black" panose="020B0A04020102020204" pitchFamily="34" charset="0"/>
+                    </a:rPr>
+                    <a:t>R</a:t>
+                  </a:r>
+                  <a:endParaRPr lang="ko-KR" altLang="en-US" sz="11500" spc="-100" dirty="0">
+                    <a:ln w="38100">
+                      <a:solidFill>
+                        <a:schemeClr val="bg1"/>
+                      </a:solidFill>
+                    </a:ln>
+                    <a:gradFill>
+                      <a:gsLst>
+                        <a:gs pos="50000">
+                          <a:schemeClr val="accent4">
+                            <a:lumMod val="20000"/>
+                            <a:lumOff val="80000"/>
+                          </a:schemeClr>
+                        </a:gs>
+                        <a:gs pos="26000">
+                          <a:srgbClr val="FFFF00"/>
+                        </a:gs>
+                        <a:gs pos="74000">
+                          <a:srgbClr val="FFFF00"/>
+                        </a:gs>
+                      </a:gsLst>
+                      <a:lin ang="5400000" scaled="1"/>
+                    </a:gradFill>
+                    <a:effectLst>
+                      <a:outerShdw dist="63500" dir="2700000" algn="tl" rotWithShape="0">
+                        <a:prstClr val="black">
+                          <a:alpha val="40000"/>
+                        </a:prstClr>
+                      </a:outerShdw>
+                    </a:effectLst>
+                    <a:latin typeface="Arial Black" panose="020B0A04020102020204" pitchFamily="34" charset="0"/>
+                  </a:endParaRPr>
+                </a:p>
+              </p:txBody>
+            </p:sp>
+          </p:grpSp>
+          <p:sp>
+            <p:nvSpPr>
+              <p:cNvPr id="7" name="포인트가 5개인 별 6"/>
+              <p:cNvSpPr/>
+              <p:nvPr/>
+            </p:nvSpPr>
+            <p:spPr>
+              <a:xfrm>
+                <a:off x="2744663" y="1364759"/>
+                <a:ext cx="506182" cy="459509"/>
+              </a:xfrm>
+              <a:prstGeom prst="star5">
+                <a:avLst>
+                  <a:gd name="adj" fmla="val 30328"/>
+                  <a:gd name="hf" fmla="val 105146"/>
+                  <a:gd name="vf" fmla="val 110557"/>
+                </a:avLst>
+              </a:prstGeom>
+              <a:gradFill flip="none" rotWithShape="1">
+                <a:gsLst>
+                  <a:gs pos="41000">
+                    <a:schemeClr val="accent4">
+                      <a:lumMod val="20000"/>
+                      <a:lumOff val="80000"/>
+                    </a:schemeClr>
+                  </a:gs>
+                  <a:gs pos="8000">
+                    <a:srgbClr val="FFFF00"/>
+                  </a:gs>
+                  <a:gs pos="69000">
+                    <a:srgbClr val="FFFF00"/>
+                  </a:gs>
+                </a:gsLst>
+                <a:lin ang="2700000" scaled="1"/>
+                <a:tileRect/>
+              </a:gradFill>
+              <a:ln w="38100" cap="rnd">
+                <a:solidFill>
+                  <a:schemeClr val="bg1"/>
+                </a:solidFill>
+                <a:round/>
+              </a:ln>
+            </p:spPr>
+            <p:style>
+              <a:lnRef idx="2">
+                <a:schemeClr val="accent1">
+                  <a:shade val="50000"/>
+                </a:schemeClr>
+              </a:lnRef>
+              <a:fillRef idx="1">
+                <a:schemeClr val="accent1"/>
+              </a:fillRef>
+              <a:effectRef idx="0">
+                <a:schemeClr val="accent1"/>
+              </a:effectRef>
+              <a:fontRef idx="minor">
+                <a:schemeClr val="lt1"/>
+              </a:fontRef>
+            </p:style>
+            <p:txBody>
+              <a:bodyPr rtlCol="0" anchor="ctr"/>
+              <a:lstStyle/>
+              <a:p>
+                <a:pPr algn="ctr"/>
+                <a:endParaRPr lang="ko-KR" altLang="en-US"/>
+              </a:p>
+            </p:txBody>
+          </p:sp>
+          <p:sp>
+            <p:nvSpPr>
+              <p:cNvPr id="8" name="포인트가 5개인 별 7"/>
+              <p:cNvSpPr/>
+              <p:nvPr/>
+            </p:nvSpPr>
+            <p:spPr>
+              <a:xfrm>
+                <a:off x="4456535" y="1089085"/>
+                <a:ext cx="601105" cy="555203"/>
+              </a:xfrm>
+              <a:prstGeom prst="star5">
+                <a:avLst>
+                  <a:gd name="adj" fmla="val 30328"/>
+                  <a:gd name="hf" fmla="val 105146"/>
+                  <a:gd name="vf" fmla="val 110557"/>
+                </a:avLst>
+              </a:prstGeom>
+              <a:gradFill flip="none" rotWithShape="1">
+                <a:gsLst>
+                  <a:gs pos="41000">
+                    <a:schemeClr val="accent4">
+                      <a:lumMod val="20000"/>
+                      <a:lumOff val="80000"/>
+                    </a:schemeClr>
+                  </a:gs>
+                  <a:gs pos="8000">
+                    <a:srgbClr val="FFFF00"/>
+                  </a:gs>
+                  <a:gs pos="69000">
+                    <a:srgbClr val="FFFF00"/>
+                  </a:gs>
+                </a:gsLst>
+                <a:lin ang="2700000" scaled="1"/>
+                <a:tileRect/>
+              </a:gradFill>
+              <a:ln w="38100" cap="rnd">
+                <a:solidFill>
+                  <a:schemeClr val="bg1"/>
+                </a:solidFill>
+                <a:round/>
+              </a:ln>
+            </p:spPr>
+            <p:style>
+              <a:lnRef idx="2">
+                <a:schemeClr val="accent1">
+                  <a:shade val="50000"/>
+                </a:schemeClr>
+              </a:lnRef>
+              <a:fillRef idx="1">
+                <a:schemeClr val="accent1"/>
+              </a:fillRef>
+              <a:effectRef idx="0">
+                <a:schemeClr val="accent1"/>
+              </a:effectRef>
+              <a:fontRef idx="minor">
+                <a:schemeClr val="lt1"/>
+              </a:fontRef>
+            </p:style>
+            <p:txBody>
+              <a:bodyPr rtlCol="0" anchor="ctr"/>
+              <a:lstStyle/>
+              <a:p>
+                <a:pPr algn="ctr"/>
+                <a:endParaRPr lang="ko-KR" altLang="en-US"/>
+              </a:p>
+            </p:txBody>
+          </p:sp>
+          <p:sp>
+            <p:nvSpPr>
+              <p:cNvPr id="9" name="포인트가 5개인 별 8"/>
+              <p:cNvSpPr/>
+              <p:nvPr/>
+            </p:nvSpPr>
+            <p:spPr>
+              <a:xfrm>
+                <a:off x="6270273" y="1343963"/>
+                <a:ext cx="499976" cy="439121"/>
+              </a:xfrm>
+              <a:prstGeom prst="star5">
+                <a:avLst>
+                  <a:gd name="adj" fmla="val 30328"/>
+                  <a:gd name="hf" fmla="val 105146"/>
+                  <a:gd name="vf" fmla="val 110557"/>
+                </a:avLst>
+              </a:prstGeom>
+              <a:gradFill flip="none" rotWithShape="1">
+                <a:gsLst>
+                  <a:gs pos="41000">
+                    <a:schemeClr val="accent4">
+                      <a:lumMod val="20000"/>
+                      <a:lumOff val="80000"/>
+                    </a:schemeClr>
+                  </a:gs>
+                  <a:gs pos="8000">
+                    <a:srgbClr val="FFFF00"/>
+                  </a:gs>
+                  <a:gs pos="69000">
+                    <a:srgbClr val="FFFF00"/>
+                  </a:gs>
+                </a:gsLst>
+                <a:lin ang="2700000" scaled="1"/>
+                <a:tileRect/>
+              </a:gradFill>
+              <a:ln w="38100" cap="rnd">
+                <a:solidFill>
+                  <a:schemeClr val="bg1"/>
+                </a:solidFill>
+                <a:round/>
+              </a:ln>
+            </p:spPr>
+            <p:style>
+              <a:lnRef idx="2">
+                <a:schemeClr val="accent1">
+                  <a:shade val="50000"/>
+                </a:schemeClr>
+              </a:lnRef>
+              <a:fillRef idx="1">
+                <a:schemeClr val="accent1"/>
+              </a:fillRef>
+              <a:effectRef idx="0">
+                <a:schemeClr val="accent1"/>
+              </a:effectRef>
+              <a:fontRef idx="minor">
+                <a:schemeClr val="lt1"/>
+              </a:fontRef>
+            </p:style>
+            <p:txBody>
+              <a:bodyPr rtlCol="0" anchor="ctr"/>
+              <a:lstStyle/>
+              <a:p>
+                <a:pPr algn="ctr"/>
+                <a:endParaRPr lang="ko-KR" altLang="en-US"/>
+              </a:p>
+            </p:txBody>
+          </p:sp>
+        </p:grpSp>
+        <p:sp>
+          <p:nvSpPr>
+            <p:cNvPr id="19" name="자유형 18"/>
+            <p:cNvSpPr/>
+            <p:nvPr/>
+          </p:nvSpPr>
+          <p:spPr>
+            <a:xfrm>
+              <a:off x="2438399" y="4370933"/>
+              <a:ext cx="740229" cy="428034"/>
+            </a:xfrm>
+            <a:custGeom>
+              <a:avLst/>
+              <a:gdLst>
+                <a:gd name="connsiteX0" fmla="*/ 0 w 609600"/>
+                <a:gd name="connsiteY0" fmla="*/ 428034 h 428034"/>
+                <a:gd name="connsiteX1" fmla="*/ 217715 w 609600"/>
+                <a:gd name="connsiteY1" fmla="*/ 65177 h 428034"/>
+                <a:gd name="connsiteX2" fmla="*/ 609600 w 609600"/>
+                <a:gd name="connsiteY2" fmla="*/ 7120 h 428034"/>
+              </a:gdLst>
+              <a:ahLst/>
+              <a:cxnLst>
+                <a:cxn ang="0">
+                  <a:pos x="connsiteX0" y="connsiteY0"/>
+                </a:cxn>
+                <a:cxn ang="0">
+                  <a:pos x="connsiteX1" y="connsiteY1"/>
+                </a:cxn>
+                <a:cxn ang="0">
+                  <a:pos x="connsiteX2" y="connsiteY2"/>
+                </a:cxn>
+              </a:cxnLst>
+              <a:rect l="l" t="t" r="r" b="b"/>
+              <a:pathLst>
+                <a:path w="609600" h="428034">
+                  <a:moveTo>
+                    <a:pt x="0" y="428034"/>
+                  </a:moveTo>
+                  <a:cubicBezTo>
+                    <a:pt x="58057" y="281681"/>
+                    <a:pt x="116115" y="135329"/>
+                    <a:pt x="217715" y="65177"/>
+                  </a:cubicBezTo>
+                  <a:cubicBezTo>
+                    <a:pt x="319315" y="-4975"/>
+                    <a:pt x="249162" y="-7394"/>
+                    <a:pt x="609600" y="7120"/>
+                  </a:cubicBezTo>
+                </a:path>
+              </a:pathLst>
+            </a:custGeom>
+            <a:noFill/>
+            <a:ln w="444500" cap="rnd">
+              <a:solidFill>
+                <a:srgbClr val="B9D4ED"/>
+              </a:solidFill>
+              <a:bevel/>
+            </a:ln>
+          </p:spPr>
+          <p:style>
+            <a:lnRef idx="2">
+              <a:schemeClr val="accent1">
+                <a:shade val="50000"/>
+              </a:schemeClr>
+            </a:lnRef>
+            <a:fillRef idx="1">
+              <a:schemeClr val="accent1"/>
+            </a:fillRef>
+            <a:effectRef idx="0">
+              <a:schemeClr val="accent1"/>
+            </a:effectRef>
+            <a:fontRef idx="minor">
+              <a:schemeClr val="lt1"/>
+            </a:fontRef>
+          </p:style>
+          <p:txBody>
+            <a:bodyPr rtlCol="0" anchor="ctr"/>
+            <a:lstStyle/>
+            <a:p>
+              <a:pPr algn="ctr"/>
+              <a:endParaRPr lang="ko-KR" altLang="en-US"/>
+            </a:p>
+          </p:txBody>
+        </p:sp>
+        <p:grpSp>
+          <p:nvGrpSpPr>
+            <p:cNvPr id="21" name="그룹 20"/>
+            <p:cNvGrpSpPr/>
+            <p:nvPr/>
+          </p:nvGrpSpPr>
+          <p:grpSpPr>
+            <a:xfrm>
+              <a:off x="1615131" y="3980906"/>
+              <a:ext cx="4068558" cy="2618084"/>
+              <a:chOff x="2046514" y="3980906"/>
+              <a:chExt cx="4068558" cy="2618084"/>
+            </a:xfrm>
+          </p:grpSpPr>
+          <p:sp>
+            <p:nvSpPr>
+              <p:cNvPr id="18" name="모서리가 둥근 직사각형 17"/>
+              <p:cNvSpPr/>
+              <p:nvPr/>
+            </p:nvSpPr>
+            <p:spPr>
+              <a:xfrm>
+                <a:off x="2046514" y="3980906"/>
+                <a:ext cx="4068558" cy="1636123"/>
+              </a:xfrm>
+              <a:prstGeom prst="roundRect">
+                <a:avLst>
+                  <a:gd name="adj" fmla="val 50000"/>
+                </a:avLst>
+              </a:prstGeom>
+              <a:solidFill>
+                <a:schemeClr val="accent1">
+                  <a:lumMod val="60000"/>
+                  <a:lumOff val="40000"/>
+                </a:schemeClr>
+              </a:solidFill>
+              <a:ln w="63500">
+                <a:solidFill>
+                  <a:schemeClr val="tx1"/>
+                </a:solidFill>
+              </a:ln>
+            </p:spPr>
+            <p:style>
+              <a:lnRef idx="2">
+                <a:schemeClr val="accent1">
+                  <a:shade val="50000"/>
+                </a:schemeClr>
+              </a:lnRef>
+              <a:fillRef idx="1">
+                <a:schemeClr val="accent1"/>
+              </a:fillRef>
+              <a:effectRef idx="0">
+                <a:schemeClr val="accent1"/>
+              </a:effectRef>
+              <a:fontRef idx="minor">
+                <a:schemeClr val="lt1"/>
+              </a:fontRef>
+            </p:style>
+            <p:txBody>
+              <a:bodyPr rtlCol="0" anchor="ctr"/>
+              <a:lstStyle/>
+              <a:p>
+                <a:pPr algn="ctr"/>
+                <a:endParaRPr lang="ko-KR" altLang="en-US" sz="8000" dirty="0">
+                  <a:ln w="50800">
+                    <a:solidFill>
+                      <a:schemeClr val="tx1"/>
+                    </a:solidFill>
+                  </a:ln>
+                  <a:solidFill>
+                    <a:schemeClr val="accent4">
+                      <a:lumMod val="60000"/>
+                      <a:lumOff val="40000"/>
+                    </a:schemeClr>
+                  </a:solidFill>
+                  <a:latin typeface="Arial Black" panose="020B0A04020102020204" pitchFamily="34" charset="0"/>
+                </a:endParaRPr>
+              </a:p>
+            </p:txBody>
+          </p:sp>
+          <p:sp>
+            <p:nvSpPr>
+              <p:cNvPr id="20" name="TextBox 19"/>
+              <p:cNvSpPr txBox="1"/>
+              <p:nvPr/>
+            </p:nvSpPr>
+            <p:spPr>
+              <a:xfrm>
+                <a:off x="2331724" y="4167555"/>
+                <a:ext cx="3541848" cy="2431435"/>
+              </a:xfrm>
+              <a:prstGeom prst="rect">
+                <a:avLst/>
+              </a:prstGeom>
+              <a:noFill/>
+            </p:spPr>
+            <p:txBody>
+              <a:bodyPr wrap="square" rtlCol="0">
+                <a:spAutoFit/>
+              </a:bodyPr>
+              <a:lstStyle/>
+              <a:p>
+                <a:pPr algn="ctr"/>
+                <a:r>
+                  <a:rPr lang="en-US" altLang="ko-KR" sz="8000" dirty="0">
+                    <a:ln w="50800">
+                      <a:solidFill>
+                        <a:schemeClr val="tx1"/>
+                      </a:solidFill>
+                    </a:ln>
+                    <a:solidFill>
+                      <a:schemeClr val="accent4">
+                        <a:lumMod val="60000"/>
+                        <a:lumOff val="40000"/>
+                      </a:schemeClr>
+                    </a:solidFill>
+                    <a:latin typeface="Arial Black" panose="020B0A04020102020204" pitchFamily="34" charset="0"/>
+                  </a:rPr>
+                  <a:t>SHOP</a:t>
+                </a:r>
+                <a:endParaRPr lang="ko-KR" altLang="en-US" sz="8000" dirty="0">
+                  <a:ln w="50800">
+                    <a:solidFill>
+                      <a:schemeClr val="tx1"/>
+                    </a:solidFill>
+                  </a:ln>
+                  <a:solidFill>
+                    <a:schemeClr val="accent4">
+                      <a:lumMod val="60000"/>
+                      <a:lumOff val="40000"/>
+                    </a:schemeClr>
+                  </a:solidFill>
+                  <a:latin typeface="Arial Black" panose="020B0A04020102020204" pitchFamily="34" charset="0"/>
+                </a:endParaRPr>
+              </a:p>
+              <a:p>
+                <a:pPr algn="ctr"/>
+                <a:endParaRPr lang="ko-KR" altLang="en-US" sz="7200" dirty="0"/>
+              </a:p>
+            </p:txBody>
+          </p:sp>
+        </p:grpSp>
+        <p:grpSp>
+          <p:nvGrpSpPr>
+            <p:cNvPr id="22" name="그룹 21"/>
+            <p:cNvGrpSpPr/>
+            <p:nvPr/>
+          </p:nvGrpSpPr>
+          <p:grpSpPr>
+            <a:xfrm>
+              <a:off x="6862549" y="3981265"/>
+              <a:ext cx="4068558" cy="2618084"/>
+              <a:chOff x="2046514" y="3980906"/>
+              <a:chExt cx="4068558" cy="2618084"/>
+            </a:xfrm>
+          </p:grpSpPr>
+          <p:sp>
+            <p:nvSpPr>
+              <p:cNvPr id="23" name="모서리가 둥근 직사각형 22"/>
+              <p:cNvSpPr/>
+              <p:nvPr/>
+            </p:nvSpPr>
+            <p:spPr>
+              <a:xfrm>
+                <a:off x="2046514" y="3980906"/>
+                <a:ext cx="4068558" cy="1636123"/>
+              </a:xfrm>
+              <a:prstGeom prst="roundRect">
+                <a:avLst>
+                  <a:gd name="adj" fmla="val 50000"/>
+                </a:avLst>
+              </a:prstGeom>
+              <a:solidFill>
+                <a:schemeClr val="accent1">
+                  <a:lumMod val="60000"/>
+                  <a:lumOff val="40000"/>
+                </a:schemeClr>
+              </a:solidFill>
+              <a:ln w="63500">
+                <a:solidFill>
+                  <a:schemeClr val="tx1"/>
+                </a:solidFill>
+              </a:ln>
+            </p:spPr>
+            <p:style>
+              <a:lnRef idx="2">
+                <a:schemeClr val="accent1">
+                  <a:shade val="50000"/>
+                </a:schemeClr>
+              </a:lnRef>
+              <a:fillRef idx="1">
+                <a:schemeClr val="accent1"/>
+              </a:fillRef>
+              <a:effectRef idx="0">
+                <a:schemeClr val="accent1"/>
+              </a:effectRef>
+              <a:fontRef idx="minor">
+                <a:schemeClr val="lt1"/>
+              </a:fontRef>
+            </p:style>
+            <p:txBody>
+              <a:bodyPr rtlCol="0" anchor="ctr"/>
+              <a:lstStyle/>
+              <a:p>
+                <a:pPr algn="ctr"/>
+                <a:endParaRPr lang="ko-KR" altLang="en-US" sz="8000" dirty="0">
+                  <a:ln w="50800">
+                    <a:solidFill>
+                      <a:schemeClr val="tx1"/>
+                    </a:solidFill>
+                  </a:ln>
+                  <a:solidFill>
+                    <a:schemeClr val="accent4">
+                      <a:lumMod val="60000"/>
+                      <a:lumOff val="40000"/>
+                    </a:schemeClr>
+                  </a:solidFill>
+                  <a:latin typeface="Arial Black" panose="020B0A04020102020204" pitchFamily="34" charset="0"/>
+                </a:endParaRPr>
+              </a:p>
+            </p:txBody>
+          </p:sp>
+          <p:sp>
+            <p:nvSpPr>
+              <p:cNvPr id="24" name="TextBox 23"/>
+              <p:cNvSpPr txBox="1"/>
+              <p:nvPr/>
+            </p:nvSpPr>
+            <p:spPr>
+              <a:xfrm>
+                <a:off x="2331724" y="4167555"/>
+                <a:ext cx="3541848" cy="2431435"/>
+              </a:xfrm>
+              <a:prstGeom prst="rect">
+                <a:avLst/>
+              </a:prstGeom>
+              <a:noFill/>
+            </p:spPr>
+            <p:txBody>
+              <a:bodyPr wrap="square" rtlCol="0">
+                <a:spAutoFit/>
+              </a:bodyPr>
+              <a:lstStyle/>
+              <a:p>
+                <a:pPr algn="ctr"/>
+                <a:r>
+                  <a:rPr lang="en-US" altLang="ko-KR" sz="8000" dirty="0" smtClean="0">
+                    <a:ln w="50800">
+                      <a:solidFill>
+                        <a:schemeClr val="tx1"/>
+                      </a:solidFill>
+                    </a:ln>
+                    <a:solidFill>
+                      <a:schemeClr val="accent4">
+                        <a:lumMod val="60000"/>
+                        <a:lumOff val="40000"/>
+                      </a:schemeClr>
+                    </a:solidFill>
+                    <a:latin typeface="Arial Black" panose="020B0A04020102020204" pitchFamily="34" charset="0"/>
+                  </a:rPr>
+                  <a:t>NEXT</a:t>
+                </a:r>
+                <a:endParaRPr lang="ko-KR" altLang="en-US" sz="8000" dirty="0">
+                  <a:ln w="50800">
+                    <a:solidFill>
+                      <a:schemeClr val="tx1"/>
+                    </a:solidFill>
+                  </a:ln>
+                  <a:solidFill>
+                    <a:schemeClr val="accent4">
+                      <a:lumMod val="60000"/>
+                      <a:lumOff val="40000"/>
+                    </a:schemeClr>
+                  </a:solidFill>
+                  <a:latin typeface="Arial Black" panose="020B0A04020102020204" pitchFamily="34" charset="0"/>
+                </a:endParaRPr>
+              </a:p>
+              <a:p>
+                <a:pPr algn="ctr"/>
+                <a:endParaRPr lang="ko-KR" altLang="en-US" sz="7200" dirty="0"/>
+              </a:p>
+            </p:txBody>
+          </p:sp>
+        </p:grpSp>
+      </p:grpSp>
+    </p:spTree>
+    <p:extLst>
+      <p:ext uri="{BB962C8B-B14F-4D97-AF65-F5344CB8AC3E}">
+        <p14:creationId xmlns:p14="http://schemas.microsoft.com/office/powerpoint/2010/main" val="3072148120"/>
+      </p:ext>
+    </p:extLst>
+  </p:cSld>
+  <p:clrMapOvr>
+    <a:masterClrMapping/>
+  </p:clrMapOvr>
+</p:sld>
+</file>
+
+<file path=ppt/slides/slide11.xml><?xml version="1.0" encoding="utf-8"?>
+<p:sld xmlns:a="http://schemas.openxmlformats.org/drawingml/2006/main" xmlns:r="http://schemas.openxmlformats.org/officeDocument/2006/relationships" xmlns:p="http://schemas.openxmlformats.org/presentationml/2006/main">
+  <p:cSld>
+    <p:spTree>
+      <p:nvGrpSpPr>
+        <p:cNvPr id="1" name=""/>
+        <p:cNvGrpSpPr/>
+        <p:nvPr/>
+      </p:nvGrpSpPr>
+      <p:grpSpPr>
+        <a:xfrm>
+          <a:off x="0" y="0"/>
+          <a:ext cx="0" cy="0"/>
+          <a:chOff x="0" y="0"/>
+          <a:chExt cx="0" cy="0"/>
+        </a:xfrm>
+      </p:grpSpPr>
+      <p:grpSp>
+        <p:nvGrpSpPr>
+          <p:cNvPr id="25" name="그룹 24"/>
+          <p:cNvGrpSpPr/>
+          <p:nvPr/>
+        </p:nvGrpSpPr>
+        <p:grpSpPr>
+          <a:xfrm>
+            <a:off x="0" y="0"/>
+            <a:ext cx="12192000" cy="6857999"/>
+            <a:chOff x="0" y="0"/>
+            <a:chExt cx="12192000" cy="6857999"/>
+          </a:xfrm>
+        </p:grpSpPr>
+        <p:sp>
+          <p:nvSpPr>
+            <p:cNvPr id="17" name="직사각형 16"/>
+            <p:cNvSpPr/>
+            <p:nvPr/>
+          </p:nvSpPr>
+          <p:spPr>
+            <a:xfrm>
+              <a:off x="0" y="0"/>
+              <a:ext cx="12192000" cy="6857999"/>
+            </a:xfrm>
+            <a:prstGeom prst="rect">
+              <a:avLst/>
+            </a:prstGeom>
+            <a:solidFill>
+              <a:schemeClr val="tx1">
+                <a:alpha val="70000"/>
+              </a:schemeClr>
+            </a:solidFill>
+            <a:ln>
+              <a:noFill/>
+            </a:ln>
+          </p:spPr>
+          <p:style>
+            <a:lnRef idx="2">
+              <a:schemeClr val="accent1">
+                <a:shade val="50000"/>
+              </a:schemeClr>
+            </a:lnRef>
+            <a:fillRef idx="1">
+              <a:schemeClr val="accent1"/>
+            </a:fillRef>
+            <a:effectRef idx="0">
+              <a:schemeClr val="accent1"/>
+            </a:effectRef>
+            <a:fontRef idx="minor">
+              <a:schemeClr val="lt1"/>
+            </a:fontRef>
+          </p:style>
+          <p:txBody>
+            <a:bodyPr rtlCol="0" anchor="ctr"/>
+            <a:lstStyle/>
+            <a:p>
+              <a:pPr algn="ctr"/>
+              <a:endParaRPr lang="ko-KR" altLang="en-US"/>
+            </a:p>
+          </p:txBody>
+        </p:sp>
+        <p:sp>
+          <p:nvSpPr>
+            <p:cNvPr id="11" name="TextBox 10"/>
+            <p:cNvSpPr txBox="1"/>
+            <p:nvPr/>
+          </p:nvSpPr>
+          <p:spPr>
+            <a:xfrm>
+              <a:off x="3810831" y="1566951"/>
+              <a:ext cx="5842177" cy="1862048"/>
+            </a:xfrm>
+            <a:prstGeom prst="rect">
+              <a:avLst/>
+            </a:prstGeom>
+            <a:noFill/>
+          </p:spPr>
+          <p:txBody>
+            <a:bodyPr wrap="none" rtlCol="0">
+              <a:spAutoFit/>
+            </a:bodyPr>
+            <a:lstStyle/>
+            <a:p>
+              <a:pPr algn="ctr"/>
+              <a:r>
+                <a:rPr lang="en-US" altLang="ko-KR" sz="11500" spc="-100" dirty="0" smtClean="0">
+                  <a:ln w="38100">
+                    <a:solidFill>
+                      <a:schemeClr val="bg1"/>
+                    </a:solidFill>
+                  </a:ln>
+                  <a:gradFill>
+                    <a:gsLst>
+                      <a:gs pos="50000">
+                        <a:schemeClr val="bg1">
+                          <a:lumMod val="85000"/>
+                        </a:schemeClr>
+                      </a:gs>
+                      <a:gs pos="26000">
+                        <a:schemeClr val="bg1">
+                          <a:lumMod val="50000"/>
+                        </a:schemeClr>
+                      </a:gs>
+                      <a:gs pos="74000">
+                        <a:schemeClr val="bg1">
+                          <a:lumMod val="50000"/>
+                        </a:schemeClr>
+                      </a:gs>
+                    </a:gsLst>
+                    <a:lin ang="5400000" scaled="1"/>
+                  </a:gradFill>
+                  <a:effectLst>
+                    <a:outerShdw dist="63500" dir="2700000" algn="tl" rotWithShape="0">
+                      <a:prstClr val="black">
+                        <a:alpha val="40000"/>
+                      </a:prstClr>
+                    </a:outerShdw>
+                  </a:effectLst>
+                  <a:latin typeface="Arial Black" panose="020B0A04020102020204" pitchFamily="34" charset="0"/>
+                </a:rPr>
+                <a:t>FAIL….</a:t>
+              </a:r>
+              <a:endParaRPr lang="ko-KR" altLang="en-US" sz="11500" spc="-100" dirty="0">
+                <a:ln w="38100">
+                  <a:solidFill>
+                    <a:schemeClr val="bg1"/>
+                  </a:solidFill>
+                </a:ln>
+                <a:gradFill>
+                  <a:gsLst>
+                    <a:gs pos="50000">
+                      <a:schemeClr val="bg1">
+                        <a:lumMod val="85000"/>
+                      </a:schemeClr>
+                    </a:gs>
+                    <a:gs pos="26000">
+                      <a:schemeClr val="bg1">
+                        <a:lumMod val="50000"/>
+                      </a:schemeClr>
+                    </a:gs>
+                    <a:gs pos="74000">
+                      <a:schemeClr val="bg1">
+                        <a:lumMod val="50000"/>
+                      </a:schemeClr>
+                    </a:gs>
+                  </a:gsLst>
+                  <a:lin ang="5400000" scaled="1"/>
+                </a:gradFill>
+                <a:effectLst>
+                  <a:outerShdw dist="63500" dir="2700000" algn="tl" rotWithShape="0">
+                    <a:prstClr val="black">
+                      <a:alpha val="40000"/>
+                    </a:prstClr>
+                  </a:outerShdw>
+                </a:effectLst>
+                <a:latin typeface="Arial Black" panose="020B0A04020102020204" pitchFamily="34" charset="0"/>
+              </a:endParaRPr>
+            </a:p>
+          </p:txBody>
+        </p:sp>
+        <p:sp>
+          <p:nvSpPr>
+            <p:cNvPr id="19" name="자유형 18"/>
+            <p:cNvSpPr/>
+            <p:nvPr/>
+          </p:nvSpPr>
+          <p:spPr>
+            <a:xfrm>
+              <a:off x="2438399" y="4370933"/>
+              <a:ext cx="740229" cy="428034"/>
+            </a:xfrm>
+            <a:custGeom>
+              <a:avLst/>
+              <a:gdLst>
+                <a:gd name="connsiteX0" fmla="*/ 0 w 609600"/>
+                <a:gd name="connsiteY0" fmla="*/ 428034 h 428034"/>
+                <a:gd name="connsiteX1" fmla="*/ 217715 w 609600"/>
+                <a:gd name="connsiteY1" fmla="*/ 65177 h 428034"/>
+                <a:gd name="connsiteX2" fmla="*/ 609600 w 609600"/>
+                <a:gd name="connsiteY2" fmla="*/ 7120 h 428034"/>
+              </a:gdLst>
+              <a:ahLst/>
+              <a:cxnLst>
+                <a:cxn ang="0">
+                  <a:pos x="connsiteX0" y="connsiteY0"/>
+                </a:cxn>
+                <a:cxn ang="0">
+                  <a:pos x="connsiteX1" y="connsiteY1"/>
+                </a:cxn>
+                <a:cxn ang="0">
+                  <a:pos x="connsiteX2" y="connsiteY2"/>
+                </a:cxn>
+              </a:cxnLst>
+              <a:rect l="l" t="t" r="r" b="b"/>
+              <a:pathLst>
+                <a:path w="609600" h="428034">
+                  <a:moveTo>
+                    <a:pt x="0" y="428034"/>
+                  </a:moveTo>
+                  <a:cubicBezTo>
+                    <a:pt x="58057" y="281681"/>
+                    <a:pt x="116115" y="135329"/>
+                    <a:pt x="217715" y="65177"/>
+                  </a:cubicBezTo>
+                  <a:cubicBezTo>
+                    <a:pt x="319315" y="-4975"/>
+                    <a:pt x="249162" y="-7394"/>
+                    <a:pt x="609600" y="7120"/>
+                  </a:cubicBezTo>
+                </a:path>
+              </a:pathLst>
+            </a:custGeom>
+            <a:noFill/>
+            <a:ln w="444500" cap="rnd">
+              <a:solidFill>
+                <a:srgbClr val="B9D4ED"/>
+              </a:solidFill>
+              <a:bevel/>
+            </a:ln>
+          </p:spPr>
+          <p:style>
+            <a:lnRef idx="2">
+              <a:schemeClr val="accent1">
+                <a:shade val="50000"/>
+              </a:schemeClr>
+            </a:lnRef>
+            <a:fillRef idx="1">
+              <a:schemeClr val="accent1"/>
+            </a:fillRef>
+            <a:effectRef idx="0">
+              <a:schemeClr val="accent1"/>
+            </a:effectRef>
+            <a:fontRef idx="minor">
+              <a:schemeClr val="lt1"/>
+            </a:fontRef>
+          </p:style>
+          <p:txBody>
+            <a:bodyPr rtlCol="0" anchor="ctr"/>
+            <a:lstStyle/>
+            <a:p>
+              <a:pPr algn="ctr"/>
+              <a:endParaRPr lang="ko-KR" altLang="en-US"/>
+            </a:p>
+          </p:txBody>
+        </p:sp>
+        <p:grpSp>
+          <p:nvGrpSpPr>
+            <p:cNvPr id="21" name="그룹 20"/>
+            <p:cNvGrpSpPr/>
+            <p:nvPr/>
+          </p:nvGrpSpPr>
+          <p:grpSpPr>
+            <a:xfrm>
+              <a:off x="1615131" y="3980906"/>
+              <a:ext cx="4068558" cy="2618084"/>
+              <a:chOff x="2046514" y="3980906"/>
+              <a:chExt cx="4068558" cy="2618084"/>
+            </a:xfrm>
+          </p:grpSpPr>
+          <p:sp>
+            <p:nvSpPr>
+              <p:cNvPr id="18" name="모서리가 둥근 직사각형 17"/>
+              <p:cNvSpPr/>
+              <p:nvPr/>
+            </p:nvSpPr>
+            <p:spPr>
+              <a:xfrm>
+                <a:off x="2046514" y="3980906"/>
+                <a:ext cx="4068558" cy="1636123"/>
+              </a:xfrm>
+              <a:prstGeom prst="roundRect">
+                <a:avLst>
+                  <a:gd name="adj" fmla="val 50000"/>
+                </a:avLst>
+              </a:prstGeom>
+              <a:solidFill>
+                <a:schemeClr val="accent1">
+                  <a:lumMod val="60000"/>
+                  <a:lumOff val="40000"/>
+                </a:schemeClr>
+              </a:solidFill>
+              <a:ln w="63500">
+                <a:solidFill>
+                  <a:schemeClr val="tx1"/>
+                </a:solidFill>
+              </a:ln>
+            </p:spPr>
+            <p:style>
+              <a:lnRef idx="2">
+                <a:schemeClr val="accent1">
+                  <a:shade val="50000"/>
+                </a:schemeClr>
+              </a:lnRef>
+              <a:fillRef idx="1">
+                <a:schemeClr val="accent1"/>
+              </a:fillRef>
+              <a:effectRef idx="0">
+                <a:schemeClr val="accent1"/>
+              </a:effectRef>
+              <a:fontRef idx="minor">
+                <a:schemeClr val="lt1"/>
+              </a:fontRef>
+            </p:style>
+            <p:txBody>
+              <a:bodyPr rtlCol="0" anchor="ctr"/>
+              <a:lstStyle/>
+              <a:p>
+                <a:pPr algn="ctr"/>
+                <a:endParaRPr lang="ko-KR" altLang="en-US" sz="8000" dirty="0">
+                  <a:ln w="50800">
+                    <a:solidFill>
+                      <a:schemeClr val="tx1"/>
+                    </a:solidFill>
+                  </a:ln>
+                  <a:solidFill>
+                    <a:schemeClr val="accent4">
+                      <a:lumMod val="60000"/>
+                      <a:lumOff val="40000"/>
+                    </a:schemeClr>
+                  </a:solidFill>
+                  <a:latin typeface="Arial Black" panose="020B0A04020102020204" pitchFamily="34" charset="0"/>
+                </a:endParaRPr>
+              </a:p>
+            </p:txBody>
+          </p:sp>
+          <p:sp>
+            <p:nvSpPr>
+              <p:cNvPr id="20" name="TextBox 19"/>
+              <p:cNvSpPr txBox="1"/>
+              <p:nvPr/>
+            </p:nvSpPr>
+            <p:spPr>
+              <a:xfrm>
+                <a:off x="2331724" y="4167555"/>
+                <a:ext cx="3541848" cy="2431435"/>
+              </a:xfrm>
+              <a:prstGeom prst="rect">
+                <a:avLst/>
+              </a:prstGeom>
+              <a:noFill/>
+            </p:spPr>
+            <p:txBody>
+              <a:bodyPr wrap="square" rtlCol="0">
+                <a:spAutoFit/>
+              </a:bodyPr>
+              <a:lstStyle/>
+              <a:p>
+                <a:pPr algn="ctr"/>
+                <a:r>
+                  <a:rPr lang="en-US" altLang="ko-KR" sz="8000" dirty="0">
+                    <a:ln w="50800">
+                      <a:solidFill>
+                        <a:schemeClr val="tx1"/>
+                      </a:solidFill>
+                    </a:ln>
+                    <a:solidFill>
+                      <a:schemeClr val="accent4">
+                        <a:lumMod val="60000"/>
+                        <a:lumOff val="40000"/>
+                      </a:schemeClr>
+                    </a:solidFill>
+                    <a:latin typeface="Arial Black" panose="020B0A04020102020204" pitchFamily="34" charset="0"/>
+                  </a:rPr>
+                  <a:t>SHOP</a:t>
+                </a:r>
+                <a:endParaRPr lang="ko-KR" altLang="en-US" sz="8000" dirty="0">
+                  <a:ln w="50800">
+                    <a:solidFill>
+                      <a:schemeClr val="tx1"/>
+                    </a:solidFill>
+                  </a:ln>
+                  <a:solidFill>
+                    <a:schemeClr val="accent4">
+                      <a:lumMod val="60000"/>
+                      <a:lumOff val="40000"/>
+                    </a:schemeClr>
+                  </a:solidFill>
+                  <a:latin typeface="Arial Black" panose="020B0A04020102020204" pitchFamily="34" charset="0"/>
+                </a:endParaRPr>
+              </a:p>
+              <a:p>
+                <a:pPr algn="ctr"/>
+                <a:endParaRPr lang="ko-KR" altLang="en-US" sz="7200" dirty="0"/>
+              </a:p>
+            </p:txBody>
+          </p:sp>
+        </p:grpSp>
+        <p:grpSp>
+          <p:nvGrpSpPr>
+            <p:cNvPr id="22" name="그룹 21"/>
+            <p:cNvGrpSpPr/>
+            <p:nvPr/>
+          </p:nvGrpSpPr>
+          <p:grpSpPr>
+            <a:xfrm>
+              <a:off x="6862549" y="3981265"/>
+              <a:ext cx="4068558" cy="2510002"/>
+              <a:chOff x="2046514" y="3980906"/>
+              <a:chExt cx="4068558" cy="2510002"/>
+            </a:xfrm>
+          </p:grpSpPr>
+          <p:sp>
+            <p:nvSpPr>
+              <p:cNvPr id="23" name="모서리가 둥근 직사각형 22"/>
+              <p:cNvSpPr/>
+              <p:nvPr/>
+            </p:nvSpPr>
+            <p:spPr>
+              <a:xfrm>
+                <a:off x="2046514" y="3980906"/>
+                <a:ext cx="4068558" cy="1636123"/>
+              </a:xfrm>
+              <a:prstGeom prst="roundRect">
+                <a:avLst>
+                  <a:gd name="adj" fmla="val 50000"/>
+                </a:avLst>
+              </a:prstGeom>
+              <a:solidFill>
+                <a:schemeClr val="accent1">
+                  <a:lumMod val="60000"/>
+                  <a:lumOff val="40000"/>
+                </a:schemeClr>
+              </a:solidFill>
+              <a:ln w="63500">
+                <a:solidFill>
+                  <a:schemeClr val="tx1"/>
+                </a:solidFill>
+              </a:ln>
+            </p:spPr>
+            <p:style>
+              <a:lnRef idx="2">
+                <a:schemeClr val="accent1">
+                  <a:shade val="50000"/>
+                </a:schemeClr>
+              </a:lnRef>
+              <a:fillRef idx="1">
+                <a:schemeClr val="accent1"/>
+              </a:fillRef>
+              <a:effectRef idx="0">
+                <a:schemeClr val="accent1"/>
+              </a:effectRef>
+              <a:fontRef idx="minor">
+                <a:schemeClr val="lt1"/>
+              </a:fontRef>
+            </p:style>
+            <p:txBody>
+              <a:bodyPr rtlCol="0" anchor="ctr"/>
+              <a:lstStyle/>
+              <a:p>
+                <a:pPr algn="ctr"/>
+                <a:endParaRPr lang="ko-KR" altLang="en-US" sz="8000" dirty="0">
+                  <a:ln w="50800">
+                    <a:solidFill>
+                      <a:schemeClr val="tx1"/>
+                    </a:solidFill>
+                  </a:ln>
+                  <a:solidFill>
+                    <a:schemeClr val="accent4">
+                      <a:lumMod val="60000"/>
+                      <a:lumOff val="40000"/>
+                    </a:schemeClr>
+                  </a:solidFill>
+                  <a:latin typeface="Arial Black" panose="020B0A04020102020204" pitchFamily="34" charset="0"/>
+                </a:endParaRPr>
+              </a:p>
+            </p:txBody>
+          </p:sp>
+          <p:sp>
+            <p:nvSpPr>
+              <p:cNvPr id="24" name="TextBox 23"/>
+              <p:cNvSpPr txBox="1"/>
+              <p:nvPr/>
+            </p:nvSpPr>
+            <p:spPr>
+              <a:xfrm>
+                <a:off x="2350885" y="4274917"/>
+                <a:ext cx="3541848" cy="2215991"/>
+              </a:xfrm>
+              <a:prstGeom prst="rect">
+                <a:avLst/>
+              </a:prstGeom>
+              <a:noFill/>
+            </p:spPr>
+            <p:txBody>
+              <a:bodyPr wrap="square" rtlCol="0">
+                <a:spAutoFit/>
+              </a:bodyPr>
+              <a:lstStyle/>
+              <a:p>
+                <a:pPr algn="ctr"/>
+                <a:r>
+                  <a:rPr lang="en-US" altLang="ko-KR" sz="6600" dirty="0" smtClean="0">
+                    <a:ln w="50800">
+                      <a:solidFill>
+                        <a:schemeClr val="tx1"/>
+                      </a:solidFill>
+                    </a:ln>
+                    <a:solidFill>
+                      <a:schemeClr val="accent4">
+                        <a:lumMod val="60000"/>
+                        <a:lumOff val="40000"/>
+                      </a:schemeClr>
+                    </a:solidFill>
+                    <a:latin typeface="Arial Black" panose="020B0A04020102020204" pitchFamily="34" charset="0"/>
+                  </a:rPr>
+                  <a:t>RETRY</a:t>
+                </a:r>
+                <a:endParaRPr lang="ko-KR" altLang="en-US" sz="6600" dirty="0">
+                  <a:ln w="50800">
+                    <a:solidFill>
+                      <a:schemeClr val="tx1"/>
+                    </a:solidFill>
+                  </a:ln>
+                  <a:solidFill>
+                    <a:schemeClr val="accent4">
+                      <a:lumMod val="60000"/>
+                      <a:lumOff val="40000"/>
+                    </a:schemeClr>
+                  </a:solidFill>
+                  <a:latin typeface="Arial Black" panose="020B0A04020102020204" pitchFamily="34" charset="0"/>
+                </a:endParaRPr>
+              </a:p>
+              <a:p>
+                <a:pPr algn="ctr"/>
+                <a:endParaRPr lang="ko-KR" altLang="en-US" sz="7200" dirty="0"/>
+              </a:p>
+            </p:txBody>
+          </p:sp>
+        </p:grpSp>
+      </p:grpSp>
+    </p:spTree>
+    <p:extLst>
+      <p:ext uri="{BB962C8B-B14F-4D97-AF65-F5344CB8AC3E}">
+        <p14:creationId xmlns:p14="http://schemas.microsoft.com/office/powerpoint/2010/main" val="3286643831"/>
+      </p:ext>
+    </p:extLst>
+  </p:cSld>
+  <p:clrMapOvr>
+    <a:masterClrMapping/>
+  </p:clrMapOvr>
+</p:sld>
+</file>
+
 <file path=ppt/slides/slide2.xml><?xml version="1.0" encoding="utf-8"?>
 <p:sld xmlns:a="http://schemas.openxmlformats.org/drawingml/2006/main" xmlns:r="http://schemas.openxmlformats.org/officeDocument/2006/relationships" xmlns:p="http://schemas.openxmlformats.org/presentationml/2006/main">
   <p:cSld>
@@ -17972,13 +19698,6 @@
               </a:rPr>
               <a:t>.</a:t>
             </a:r>
-            <a:endParaRPr lang="en-US" altLang="ko-KR" sz="2400" dirty="0" smtClean="0">
-              <a:ln w="38100">
-                <a:noFill/>
-              </a:ln>
-              <a:latin typeface="휴먼매직체" panose="02030504000101010101" pitchFamily="18" charset="-127"/>
-              <a:ea typeface="휴먼매직체" panose="02030504000101010101" pitchFamily="18" charset="-127"/>
-            </a:endParaRPr>
           </a:p>
           <a:p>
             <a:pPr algn="ctr"/>

--- a/UI Design.pptx
+++ b/UI Design.pptx
@@ -16,6 +16,7 @@
     <p:sldId id="264" r:id="rId10"/>
     <p:sldId id="265" r:id="rId11"/>
     <p:sldId id="266" r:id="rId12"/>
+    <p:sldId id="267" r:id="rId13"/>
   </p:sldIdLst>
   <p:sldSz cx="12192000" cy="6858000"/>
   <p:notesSz cx="6858000" cy="9144000"/>
@@ -6337,6 +6338,1219 @@
 </p:sld>
 </file>
 
+<file path=ppt/slides/slide12.xml><?xml version="1.0" encoding="utf-8"?>
+<p:sld xmlns:a="http://schemas.openxmlformats.org/drawingml/2006/main" xmlns:r="http://schemas.openxmlformats.org/officeDocument/2006/relationships" xmlns:p="http://schemas.openxmlformats.org/presentationml/2006/main">
+  <p:cSld>
+    <p:spTree>
+      <p:nvGrpSpPr>
+        <p:cNvPr id="1" name=""/>
+        <p:cNvGrpSpPr/>
+        <p:nvPr/>
+      </p:nvGrpSpPr>
+      <p:grpSpPr>
+        <a:xfrm>
+          <a:off x="0" y="0"/>
+          <a:ext cx="0" cy="0"/>
+          <a:chOff x="0" y="0"/>
+          <a:chExt cx="0" cy="0"/>
+        </a:xfrm>
+      </p:grpSpPr>
+      <p:grpSp>
+        <p:nvGrpSpPr>
+          <p:cNvPr id="27" name="그룹 26"/>
+          <p:cNvGrpSpPr/>
+          <p:nvPr/>
+        </p:nvGrpSpPr>
+        <p:grpSpPr>
+          <a:xfrm>
+            <a:off x="653089" y="-62173"/>
+            <a:ext cx="10444625" cy="6912916"/>
+            <a:chOff x="653089" y="-62173"/>
+            <a:chExt cx="10444625" cy="6912916"/>
+          </a:xfrm>
+        </p:grpSpPr>
+        <p:sp>
+          <p:nvSpPr>
+            <p:cNvPr id="8" name="이등변 삼각형 7"/>
+            <p:cNvSpPr/>
+            <p:nvPr/>
+          </p:nvSpPr>
+          <p:spPr>
+            <a:xfrm rot="13245922">
+              <a:off x="3791003" y="4628708"/>
+              <a:ext cx="775703" cy="997440"/>
+            </a:xfrm>
+            <a:prstGeom prst="triangle">
+              <a:avLst>
+                <a:gd name="adj" fmla="val 81608"/>
+              </a:avLst>
+            </a:prstGeom>
+            <a:solidFill>
+              <a:srgbClr val="FFF2CC"/>
+            </a:solidFill>
+            <a:ln w="38100">
+              <a:solidFill>
+                <a:schemeClr val="tx1"/>
+              </a:solidFill>
+            </a:ln>
+          </p:spPr>
+          <p:style>
+            <a:lnRef idx="2">
+              <a:schemeClr val="accent1">
+                <a:shade val="50000"/>
+              </a:schemeClr>
+            </a:lnRef>
+            <a:fillRef idx="1">
+              <a:schemeClr val="accent1"/>
+            </a:fillRef>
+            <a:effectRef idx="0">
+              <a:schemeClr val="accent1"/>
+            </a:effectRef>
+            <a:fontRef idx="minor">
+              <a:schemeClr val="lt1"/>
+            </a:fontRef>
+          </p:style>
+          <p:txBody>
+            <a:bodyPr rtlCol="0" anchor="ctr"/>
+            <a:lstStyle/>
+            <a:p>
+              <a:pPr algn="ctr"/>
+              <a:endParaRPr lang="ko-KR" altLang="en-US"/>
+            </a:p>
+          </p:txBody>
+        </p:sp>
+        <p:sp>
+          <p:nvSpPr>
+            <p:cNvPr id="4" name="모서리가 둥근 직사각형 3"/>
+            <p:cNvSpPr/>
+            <p:nvPr/>
+          </p:nvSpPr>
+          <p:spPr>
+            <a:xfrm>
+              <a:off x="4165600" y="724461"/>
+              <a:ext cx="6572114" cy="4282967"/>
+            </a:xfrm>
+            <a:prstGeom prst="roundRect">
+              <a:avLst>
+                <a:gd name="adj" fmla="val 8010"/>
+              </a:avLst>
+            </a:prstGeom>
+            <a:solidFill>
+              <a:schemeClr val="accent4">
+                <a:lumMod val="20000"/>
+                <a:lumOff val="80000"/>
+              </a:schemeClr>
+            </a:solidFill>
+            <a:ln w="38100">
+              <a:solidFill>
+                <a:schemeClr val="tx1"/>
+              </a:solidFill>
+            </a:ln>
+          </p:spPr>
+          <p:style>
+            <a:lnRef idx="2">
+              <a:schemeClr val="accent1">
+                <a:shade val="50000"/>
+              </a:schemeClr>
+            </a:lnRef>
+            <a:fillRef idx="1">
+              <a:schemeClr val="accent1"/>
+            </a:fillRef>
+            <a:effectRef idx="0">
+              <a:schemeClr val="accent1"/>
+            </a:effectRef>
+            <a:fontRef idx="minor">
+              <a:schemeClr val="lt1"/>
+            </a:fontRef>
+          </p:style>
+          <p:txBody>
+            <a:bodyPr rtlCol="0" anchor="ctr"/>
+            <a:lstStyle/>
+            <a:p>
+              <a:pPr algn="ctr"/>
+              <a:endParaRPr lang="ko-KR" altLang="en-US"/>
+            </a:p>
+          </p:txBody>
+        </p:sp>
+        <p:sp>
+          <p:nvSpPr>
+            <p:cNvPr id="5" name="타원 4"/>
+            <p:cNvSpPr/>
+            <p:nvPr/>
+          </p:nvSpPr>
+          <p:spPr>
+            <a:xfrm>
+              <a:off x="10377714" y="364462"/>
+              <a:ext cx="720000" cy="720000"/>
+            </a:xfrm>
+            <a:prstGeom prst="ellipse">
+              <a:avLst/>
+            </a:prstGeom>
+            <a:solidFill>
+              <a:schemeClr val="accent1">
+                <a:lumMod val="60000"/>
+                <a:lumOff val="40000"/>
+              </a:schemeClr>
+            </a:solidFill>
+            <a:ln w="38100">
+              <a:solidFill>
+                <a:schemeClr val="tx1"/>
+              </a:solidFill>
+            </a:ln>
+          </p:spPr>
+          <p:style>
+            <a:lnRef idx="2">
+              <a:schemeClr val="accent1">
+                <a:shade val="50000"/>
+              </a:schemeClr>
+            </a:lnRef>
+            <a:fillRef idx="1">
+              <a:schemeClr val="accent1"/>
+            </a:fillRef>
+            <a:effectRef idx="0">
+              <a:schemeClr val="accent1"/>
+            </a:effectRef>
+            <a:fontRef idx="minor">
+              <a:schemeClr val="lt1"/>
+            </a:fontRef>
+          </p:style>
+          <p:txBody>
+            <a:bodyPr rtlCol="0" anchor="ctr"/>
+            <a:lstStyle/>
+            <a:p>
+              <a:pPr algn="ctr"/>
+              <a:r>
+                <a:rPr lang="en-US" altLang="ko-KR" sz="4000" dirty="0" smtClean="0">
+                  <a:ln w="25400">
+                    <a:solidFill>
+                      <a:schemeClr val="bg1"/>
+                    </a:solidFill>
+                  </a:ln>
+                  <a:solidFill>
+                    <a:schemeClr val="accent4">
+                      <a:lumMod val="60000"/>
+                      <a:lumOff val="40000"/>
+                    </a:schemeClr>
+                  </a:solidFill>
+                  <a:latin typeface="Arial Black" panose="020B0A04020102020204" pitchFamily="34" charset="0"/>
+                </a:rPr>
+                <a:t>X</a:t>
+              </a:r>
+              <a:endParaRPr lang="ko-KR" altLang="en-US" sz="4000" dirty="0">
+                <a:ln w="25400">
+                  <a:solidFill>
+                    <a:schemeClr val="bg1"/>
+                  </a:solidFill>
+                </a:ln>
+                <a:solidFill>
+                  <a:schemeClr val="accent4">
+                    <a:lumMod val="60000"/>
+                    <a:lumOff val="40000"/>
+                  </a:schemeClr>
+                </a:solidFill>
+                <a:latin typeface="Arial Black" panose="020B0A04020102020204" pitchFamily="34" charset="0"/>
+              </a:endParaRPr>
+            </a:p>
+          </p:txBody>
+        </p:sp>
+        <p:pic>
+          <p:nvPicPr>
+            <p:cNvPr id="6" name="그림 5"/>
+            <p:cNvPicPr>
+              <a:picLocks noChangeAspect="1"/>
+            </p:cNvPicPr>
+            <p:nvPr/>
+          </p:nvPicPr>
+          <p:blipFill rotWithShape="1">
+            <a:blip r:embed="rId2">
+              <a:extLst>
+                <a:ext uri="{28A0092B-C50C-407E-A947-70E740481C1C}">
+                  <a14:useLocalDpi xmlns:a14="http://schemas.microsoft.com/office/drawing/2010/main" val="0"/>
+                </a:ext>
+              </a:extLst>
+            </a:blip>
+            <a:srcRect b="40072"/>
+            <a:stretch/>
+          </p:blipFill>
+          <p:spPr>
+            <a:xfrm>
+              <a:off x="653089" y="3795489"/>
+              <a:ext cx="4078567" cy="3055254"/>
+            </a:xfrm>
+            <a:prstGeom prst="rect">
+              <a:avLst/>
+            </a:prstGeom>
+          </p:spPr>
+        </p:pic>
+        <p:sp>
+          <p:nvSpPr>
+            <p:cNvPr id="9" name="TextBox 8"/>
+            <p:cNvSpPr txBox="1"/>
+            <p:nvPr/>
+          </p:nvSpPr>
+          <p:spPr>
+            <a:xfrm>
+              <a:off x="4397827" y="3972987"/>
+              <a:ext cx="2786743" cy="830997"/>
+            </a:xfrm>
+            <a:prstGeom prst="rect">
+              <a:avLst/>
+            </a:prstGeom>
+            <a:noFill/>
+          </p:spPr>
+          <p:txBody>
+            <a:bodyPr wrap="square" rtlCol="0">
+              <a:spAutoFit/>
+            </a:bodyPr>
+            <a:lstStyle/>
+            <a:p>
+              <a:pPr algn="ctr"/>
+              <a:r>
+                <a:rPr lang="en-US" altLang="ko-KR" sz="4800" dirty="0" smtClean="0">
+                  <a:ln w="25400">
+                    <a:solidFill>
+                      <a:schemeClr val="tx1"/>
+                    </a:solidFill>
+                  </a:ln>
+                  <a:solidFill>
+                    <a:srgbClr val="4343FF"/>
+                  </a:solidFill>
+                  <a:latin typeface="Arial Black" panose="020B0A04020102020204" pitchFamily="34" charset="0"/>
+                </a:rPr>
+                <a:t>SOUND</a:t>
+              </a:r>
+              <a:endParaRPr lang="ko-KR" altLang="en-US" sz="4800" dirty="0">
+                <a:ln w="25400">
+                  <a:solidFill>
+                    <a:schemeClr val="tx1"/>
+                  </a:solidFill>
+                </a:ln>
+                <a:solidFill>
+                  <a:srgbClr val="4343FF"/>
+                </a:solidFill>
+                <a:latin typeface="Arial Black" panose="020B0A04020102020204" pitchFamily="34" charset="0"/>
+              </a:endParaRPr>
+            </a:p>
+          </p:txBody>
+        </p:sp>
+        <p:sp>
+          <p:nvSpPr>
+            <p:cNvPr id="10" name="TextBox 9"/>
+            <p:cNvSpPr txBox="1"/>
+            <p:nvPr/>
+          </p:nvSpPr>
+          <p:spPr>
+            <a:xfrm>
+              <a:off x="4224759" y="3169646"/>
+              <a:ext cx="3132877" cy="707886"/>
+            </a:xfrm>
+            <a:prstGeom prst="rect">
+              <a:avLst/>
+            </a:prstGeom>
+            <a:noFill/>
+          </p:spPr>
+          <p:txBody>
+            <a:bodyPr wrap="square" rtlCol="0">
+              <a:spAutoFit/>
+            </a:bodyPr>
+            <a:lstStyle/>
+            <a:p>
+              <a:pPr algn="ctr"/>
+              <a:r>
+                <a:rPr lang="en-US" altLang="ko-KR" sz="4000" dirty="0" smtClean="0">
+                  <a:ln w="25400">
+                    <a:solidFill>
+                      <a:schemeClr val="tx1"/>
+                    </a:solidFill>
+                  </a:ln>
+                  <a:solidFill>
+                    <a:schemeClr val="accent6">
+                      <a:lumMod val="60000"/>
+                      <a:lumOff val="40000"/>
+                    </a:schemeClr>
+                  </a:solidFill>
+                  <a:latin typeface="Arial Black" panose="020B0A04020102020204" pitchFamily="34" charset="0"/>
+                </a:rPr>
+                <a:t>PROGRAM</a:t>
+              </a:r>
+              <a:endParaRPr lang="ko-KR" altLang="en-US" sz="4000" dirty="0">
+                <a:ln w="25400">
+                  <a:solidFill>
+                    <a:schemeClr val="tx1"/>
+                  </a:solidFill>
+                </a:ln>
+                <a:solidFill>
+                  <a:schemeClr val="accent6">
+                    <a:lumMod val="60000"/>
+                    <a:lumOff val="40000"/>
+                  </a:schemeClr>
+                </a:solidFill>
+                <a:latin typeface="Arial Black" panose="020B0A04020102020204" pitchFamily="34" charset="0"/>
+              </a:endParaRPr>
+            </a:p>
+          </p:txBody>
+        </p:sp>
+        <p:sp>
+          <p:nvSpPr>
+            <p:cNvPr id="11" name="TextBox 10"/>
+            <p:cNvSpPr txBox="1"/>
+            <p:nvPr/>
+          </p:nvSpPr>
+          <p:spPr>
+            <a:xfrm>
+              <a:off x="4317997" y="2242050"/>
+              <a:ext cx="2946402" cy="830997"/>
+            </a:xfrm>
+            <a:prstGeom prst="rect">
+              <a:avLst/>
+            </a:prstGeom>
+            <a:noFill/>
+          </p:spPr>
+          <p:txBody>
+            <a:bodyPr wrap="square" rtlCol="0">
+              <a:spAutoFit/>
+            </a:bodyPr>
+            <a:lstStyle/>
+            <a:p>
+              <a:pPr algn="ctr"/>
+              <a:r>
+                <a:rPr lang="en-US" altLang="ko-KR" sz="4800" dirty="0" smtClean="0">
+                  <a:ln w="25400">
+                    <a:solidFill>
+                      <a:schemeClr val="tx1"/>
+                    </a:solidFill>
+                  </a:ln>
+                  <a:solidFill>
+                    <a:schemeClr val="accent4">
+                      <a:lumMod val="40000"/>
+                      <a:lumOff val="60000"/>
+                    </a:schemeClr>
+                  </a:solidFill>
+                  <a:latin typeface="Arial Black" panose="020B0A04020102020204" pitchFamily="34" charset="0"/>
+                </a:rPr>
+                <a:t>DESIGN</a:t>
+              </a:r>
+              <a:endParaRPr lang="ko-KR" altLang="en-US" sz="4800" dirty="0">
+                <a:ln w="25400">
+                  <a:solidFill>
+                    <a:schemeClr val="tx1"/>
+                  </a:solidFill>
+                </a:ln>
+                <a:solidFill>
+                  <a:schemeClr val="accent4">
+                    <a:lumMod val="40000"/>
+                    <a:lumOff val="60000"/>
+                  </a:schemeClr>
+                </a:solidFill>
+                <a:latin typeface="Arial Black" panose="020B0A04020102020204" pitchFamily="34" charset="0"/>
+              </a:endParaRPr>
+            </a:p>
+          </p:txBody>
+        </p:sp>
+        <p:sp>
+          <p:nvSpPr>
+            <p:cNvPr id="12" name="TextBox 11"/>
+            <p:cNvSpPr txBox="1"/>
+            <p:nvPr/>
+          </p:nvSpPr>
+          <p:spPr>
+            <a:xfrm>
+              <a:off x="4397827" y="1393815"/>
+              <a:ext cx="2786743" cy="830997"/>
+            </a:xfrm>
+            <a:prstGeom prst="rect">
+              <a:avLst/>
+            </a:prstGeom>
+            <a:noFill/>
+          </p:spPr>
+          <p:txBody>
+            <a:bodyPr wrap="square" rtlCol="0">
+              <a:spAutoFit/>
+            </a:bodyPr>
+            <a:lstStyle/>
+            <a:p>
+              <a:pPr algn="ctr"/>
+              <a:r>
+                <a:rPr lang="en-US" altLang="ko-KR" sz="4800" dirty="0" smtClean="0">
+                  <a:ln w="25400">
+                    <a:solidFill>
+                      <a:schemeClr val="tx1"/>
+                    </a:solidFill>
+                  </a:ln>
+                  <a:solidFill>
+                    <a:srgbClr val="FF8989"/>
+                  </a:solidFill>
+                  <a:latin typeface="Arial Black" panose="020B0A04020102020204" pitchFamily="34" charset="0"/>
+                </a:rPr>
+                <a:t>ART</a:t>
+              </a:r>
+              <a:endParaRPr lang="ko-KR" altLang="en-US" sz="4800" dirty="0">
+                <a:ln w="25400">
+                  <a:solidFill>
+                    <a:schemeClr val="tx1"/>
+                  </a:solidFill>
+                </a:ln>
+                <a:solidFill>
+                  <a:srgbClr val="FF8989"/>
+                </a:solidFill>
+                <a:latin typeface="Arial Black" panose="020B0A04020102020204" pitchFamily="34" charset="0"/>
+              </a:endParaRPr>
+            </a:p>
+          </p:txBody>
+        </p:sp>
+        <p:cxnSp>
+          <p:nvCxnSpPr>
+            <p:cNvPr id="21" name="직선 연결선 20"/>
+            <p:cNvCxnSpPr/>
+            <p:nvPr/>
+          </p:nvCxnSpPr>
+          <p:spPr>
+            <a:xfrm>
+              <a:off x="5111657" y="724461"/>
+              <a:ext cx="4680000" cy="0"/>
+            </a:xfrm>
+            <a:prstGeom prst="line">
+              <a:avLst/>
+            </a:prstGeom>
+            <a:ln w="38100">
+              <a:solidFill>
+                <a:srgbClr val="FFF2CC"/>
+              </a:solidFill>
+            </a:ln>
+          </p:spPr>
+          <p:style>
+            <a:lnRef idx="1">
+              <a:schemeClr val="accent1"/>
+            </a:lnRef>
+            <a:fillRef idx="0">
+              <a:schemeClr val="accent1"/>
+            </a:fillRef>
+            <a:effectRef idx="0">
+              <a:schemeClr val="accent1"/>
+            </a:effectRef>
+            <a:fontRef idx="minor">
+              <a:schemeClr val="tx1"/>
+            </a:fontRef>
+          </p:style>
+        </p:cxnSp>
+        <p:grpSp>
+          <p:nvGrpSpPr>
+            <p:cNvPr id="19" name="그룹 18"/>
+            <p:cNvGrpSpPr/>
+            <p:nvPr/>
+          </p:nvGrpSpPr>
+          <p:grpSpPr>
+            <a:xfrm>
+              <a:off x="5236138" y="-62173"/>
+              <a:ext cx="4431037" cy="1539295"/>
+              <a:chOff x="5757019" y="114569"/>
+              <a:chExt cx="4431037" cy="1539295"/>
+            </a:xfrm>
+          </p:grpSpPr>
+          <p:sp>
+            <p:nvSpPr>
+              <p:cNvPr id="13" name="TextBox 12"/>
+              <p:cNvSpPr txBox="1"/>
+              <p:nvPr/>
+            </p:nvSpPr>
+            <p:spPr>
+              <a:xfrm rot="21120000">
+                <a:off x="5757019" y="320036"/>
+                <a:ext cx="970138" cy="1323439"/>
+              </a:xfrm>
+              <a:prstGeom prst="rect">
+                <a:avLst/>
+              </a:prstGeom>
+              <a:noFill/>
+            </p:spPr>
+            <p:txBody>
+              <a:bodyPr wrap="none" rtlCol="0">
+                <a:spAutoFit/>
+              </a:bodyPr>
+              <a:lstStyle/>
+              <a:p>
+                <a:pPr algn="ctr"/>
+                <a:r>
+                  <a:rPr lang="en-US" altLang="ko-KR" sz="8000" spc="-100" dirty="0" smtClean="0">
+                    <a:ln w="38100">
+                      <a:solidFill>
+                        <a:schemeClr val="bg1"/>
+                      </a:solidFill>
+                    </a:ln>
+                    <a:solidFill>
+                      <a:schemeClr val="accent2">
+                        <a:lumMod val="75000"/>
+                      </a:schemeClr>
+                    </a:solidFill>
+                    <a:effectLst>
+                      <a:outerShdw dist="63500" dir="2700000" algn="tl" rotWithShape="0">
+                        <a:prstClr val="black">
+                          <a:alpha val="40000"/>
+                        </a:prstClr>
+                      </a:outerShdw>
+                    </a:effectLst>
+                    <a:latin typeface="Arial Black" panose="020B0A04020102020204" pitchFamily="34" charset="0"/>
+                  </a:rPr>
+                  <a:t>C</a:t>
+                </a:r>
+                <a:endParaRPr lang="ko-KR" altLang="en-US" sz="8000" spc="-100" dirty="0">
+                  <a:ln w="38100">
+                    <a:solidFill>
+                      <a:schemeClr val="bg1"/>
+                    </a:solidFill>
+                  </a:ln>
+                  <a:solidFill>
+                    <a:schemeClr val="accent2">
+                      <a:lumMod val="75000"/>
+                    </a:schemeClr>
+                  </a:solidFill>
+                  <a:effectLst>
+                    <a:outerShdw dist="63500" dir="2700000" algn="tl" rotWithShape="0">
+                      <a:prstClr val="black">
+                        <a:alpha val="40000"/>
+                      </a:prstClr>
+                    </a:outerShdw>
+                  </a:effectLst>
+                  <a:latin typeface="Arial Black" panose="020B0A04020102020204" pitchFamily="34" charset="0"/>
+                </a:endParaRPr>
+              </a:p>
+            </p:txBody>
+          </p:sp>
+          <p:sp>
+            <p:nvSpPr>
+              <p:cNvPr id="14" name="TextBox 13"/>
+              <p:cNvSpPr txBox="1"/>
+              <p:nvPr/>
+            </p:nvSpPr>
+            <p:spPr>
+              <a:xfrm rot="21300000">
+                <a:off x="6553363" y="170995"/>
+                <a:ext cx="970138" cy="1323439"/>
+              </a:xfrm>
+              <a:prstGeom prst="rect">
+                <a:avLst/>
+              </a:prstGeom>
+              <a:noFill/>
+            </p:spPr>
+            <p:txBody>
+              <a:bodyPr wrap="none" rtlCol="0">
+                <a:spAutoFit/>
+              </a:bodyPr>
+              <a:lstStyle/>
+              <a:p>
+                <a:pPr algn="ctr"/>
+                <a:r>
+                  <a:rPr lang="en-US" altLang="ko-KR" sz="8000" spc="-100" dirty="0" smtClean="0">
+                    <a:ln w="38100">
+                      <a:solidFill>
+                        <a:schemeClr val="bg1"/>
+                      </a:solidFill>
+                    </a:ln>
+                    <a:solidFill>
+                      <a:schemeClr val="accent2">
+                        <a:lumMod val="75000"/>
+                      </a:schemeClr>
+                    </a:solidFill>
+                    <a:effectLst>
+                      <a:outerShdw dist="63500" dir="2700000" algn="tl" rotWithShape="0">
+                        <a:prstClr val="black">
+                          <a:alpha val="40000"/>
+                        </a:prstClr>
+                      </a:outerShdw>
+                    </a:effectLst>
+                    <a:latin typeface="Arial Black" panose="020B0A04020102020204" pitchFamily="34" charset="0"/>
+                  </a:rPr>
+                  <a:t>R</a:t>
+                </a:r>
+                <a:endParaRPr lang="ko-KR" altLang="en-US" sz="8000" spc="-100" dirty="0">
+                  <a:ln w="38100">
+                    <a:solidFill>
+                      <a:schemeClr val="bg1"/>
+                    </a:solidFill>
+                  </a:ln>
+                  <a:solidFill>
+                    <a:schemeClr val="accent2">
+                      <a:lumMod val="75000"/>
+                    </a:schemeClr>
+                  </a:solidFill>
+                  <a:effectLst>
+                    <a:outerShdw dist="63500" dir="2700000" algn="tl" rotWithShape="0">
+                      <a:prstClr val="black">
+                        <a:alpha val="40000"/>
+                      </a:prstClr>
+                    </a:outerShdw>
+                  </a:effectLst>
+                  <a:latin typeface="Arial Black" panose="020B0A04020102020204" pitchFamily="34" charset="0"/>
+                </a:endParaRPr>
+              </a:p>
+            </p:txBody>
+          </p:sp>
+          <p:sp>
+            <p:nvSpPr>
+              <p:cNvPr id="15" name="TextBox 14"/>
+              <p:cNvSpPr txBox="1"/>
+              <p:nvPr/>
+            </p:nvSpPr>
+            <p:spPr>
+              <a:xfrm rot="21480000">
+                <a:off x="7352572" y="114569"/>
+                <a:ext cx="912429" cy="1323439"/>
+              </a:xfrm>
+              <a:prstGeom prst="rect">
+                <a:avLst/>
+              </a:prstGeom>
+              <a:noFill/>
+            </p:spPr>
+            <p:txBody>
+              <a:bodyPr wrap="none" rtlCol="0">
+                <a:spAutoFit/>
+              </a:bodyPr>
+              <a:lstStyle/>
+              <a:p>
+                <a:pPr algn="ctr"/>
+                <a:r>
+                  <a:rPr lang="en-US" altLang="ko-KR" sz="8000" spc="-100" dirty="0" smtClean="0">
+                    <a:ln w="38100">
+                      <a:solidFill>
+                        <a:schemeClr val="bg1"/>
+                      </a:solidFill>
+                    </a:ln>
+                    <a:solidFill>
+                      <a:schemeClr val="accent2">
+                        <a:lumMod val="75000"/>
+                      </a:schemeClr>
+                    </a:solidFill>
+                    <a:effectLst>
+                      <a:outerShdw dist="63500" dir="2700000" algn="tl" rotWithShape="0">
+                        <a:prstClr val="black">
+                          <a:alpha val="40000"/>
+                        </a:prstClr>
+                      </a:outerShdw>
+                    </a:effectLst>
+                    <a:latin typeface="Arial Black" panose="020B0A04020102020204" pitchFamily="34" charset="0"/>
+                  </a:rPr>
+                  <a:t>E</a:t>
+                </a:r>
+                <a:endParaRPr lang="ko-KR" altLang="en-US" sz="8000" spc="-100" dirty="0">
+                  <a:ln w="38100">
+                    <a:solidFill>
+                      <a:schemeClr val="bg1"/>
+                    </a:solidFill>
+                  </a:ln>
+                  <a:solidFill>
+                    <a:schemeClr val="accent2">
+                      <a:lumMod val="75000"/>
+                    </a:schemeClr>
+                  </a:solidFill>
+                  <a:effectLst>
+                    <a:outerShdw dist="63500" dir="2700000" algn="tl" rotWithShape="0">
+                      <a:prstClr val="black">
+                        <a:alpha val="40000"/>
+                      </a:prstClr>
+                    </a:outerShdw>
+                  </a:effectLst>
+                  <a:latin typeface="Arial Black" panose="020B0A04020102020204" pitchFamily="34" charset="0"/>
+                </a:endParaRPr>
+              </a:p>
+            </p:txBody>
+          </p:sp>
+          <p:sp>
+            <p:nvSpPr>
+              <p:cNvPr id="16" name="TextBox 15"/>
+              <p:cNvSpPr txBox="1"/>
+              <p:nvPr/>
+            </p:nvSpPr>
+            <p:spPr>
+              <a:xfrm rot="120000">
+                <a:off x="8074384" y="115575"/>
+                <a:ext cx="970137" cy="1323439"/>
+              </a:xfrm>
+              <a:prstGeom prst="rect">
+                <a:avLst/>
+              </a:prstGeom>
+              <a:noFill/>
+            </p:spPr>
+            <p:txBody>
+              <a:bodyPr wrap="none" rtlCol="0">
+                <a:spAutoFit/>
+              </a:bodyPr>
+              <a:lstStyle/>
+              <a:p>
+                <a:pPr algn="ctr"/>
+                <a:r>
+                  <a:rPr lang="en-US" altLang="ko-KR" sz="8000" spc="-100" dirty="0">
+                    <a:ln w="38100">
+                      <a:solidFill>
+                        <a:schemeClr val="bg1"/>
+                      </a:solidFill>
+                    </a:ln>
+                    <a:solidFill>
+                      <a:schemeClr val="accent2">
+                        <a:lumMod val="75000"/>
+                      </a:schemeClr>
+                    </a:solidFill>
+                    <a:effectLst>
+                      <a:outerShdw dist="63500" dir="2700000" algn="tl" rotWithShape="0">
+                        <a:prstClr val="black">
+                          <a:alpha val="40000"/>
+                        </a:prstClr>
+                      </a:outerShdw>
+                    </a:effectLst>
+                    <a:latin typeface="Arial Black" panose="020B0A04020102020204" pitchFamily="34" charset="0"/>
+                  </a:rPr>
+                  <a:t>D</a:t>
+                </a:r>
+                <a:endParaRPr lang="ko-KR" altLang="en-US" sz="8000" spc="-100" dirty="0">
+                  <a:ln w="38100">
+                    <a:solidFill>
+                      <a:schemeClr val="bg1"/>
+                    </a:solidFill>
+                  </a:ln>
+                  <a:solidFill>
+                    <a:schemeClr val="accent2">
+                      <a:lumMod val="75000"/>
+                    </a:schemeClr>
+                  </a:solidFill>
+                  <a:effectLst>
+                    <a:outerShdw dist="63500" dir="2700000" algn="tl" rotWithShape="0">
+                      <a:prstClr val="black">
+                        <a:alpha val="40000"/>
+                      </a:prstClr>
+                    </a:outerShdw>
+                  </a:effectLst>
+                  <a:latin typeface="Arial Black" panose="020B0A04020102020204" pitchFamily="34" charset="0"/>
+                </a:endParaRPr>
+              </a:p>
+            </p:txBody>
+          </p:sp>
+          <p:sp>
+            <p:nvSpPr>
+              <p:cNvPr id="17" name="TextBox 16"/>
+              <p:cNvSpPr txBox="1"/>
+              <p:nvPr/>
+            </p:nvSpPr>
+            <p:spPr>
+              <a:xfrm rot="300000">
+                <a:off x="8883226" y="188389"/>
+                <a:ext cx="570990" cy="1323439"/>
+              </a:xfrm>
+              <a:prstGeom prst="rect">
+                <a:avLst/>
+              </a:prstGeom>
+              <a:noFill/>
+            </p:spPr>
+            <p:txBody>
+              <a:bodyPr wrap="none" rtlCol="0">
+                <a:spAutoFit/>
+              </a:bodyPr>
+              <a:lstStyle/>
+              <a:p>
+                <a:pPr algn="ctr"/>
+                <a:r>
+                  <a:rPr lang="en-US" altLang="ko-KR" sz="8000" spc="-100" dirty="0">
+                    <a:ln w="38100">
+                      <a:solidFill>
+                        <a:schemeClr val="bg1"/>
+                      </a:solidFill>
+                    </a:ln>
+                    <a:solidFill>
+                      <a:schemeClr val="accent2">
+                        <a:lumMod val="75000"/>
+                      </a:schemeClr>
+                    </a:solidFill>
+                    <a:effectLst>
+                      <a:outerShdw dist="63500" dir="2700000" algn="tl" rotWithShape="0">
+                        <a:prstClr val="black">
+                          <a:alpha val="40000"/>
+                        </a:prstClr>
+                      </a:outerShdw>
+                    </a:effectLst>
+                    <a:latin typeface="Arial Black" panose="020B0A04020102020204" pitchFamily="34" charset="0"/>
+                  </a:rPr>
+                  <a:t>I</a:t>
+                </a:r>
+                <a:endParaRPr lang="ko-KR" altLang="en-US" sz="8000" spc="-100" dirty="0">
+                  <a:ln w="38100">
+                    <a:solidFill>
+                      <a:schemeClr val="bg1"/>
+                    </a:solidFill>
+                  </a:ln>
+                  <a:solidFill>
+                    <a:schemeClr val="accent2">
+                      <a:lumMod val="75000"/>
+                    </a:schemeClr>
+                  </a:solidFill>
+                  <a:effectLst>
+                    <a:outerShdw dist="63500" dir="2700000" algn="tl" rotWithShape="0">
+                      <a:prstClr val="black">
+                        <a:alpha val="40000"/>
+                      </a:prstClr>
+                    </a:outerShdw>
+                  </a:effectLst>
+                  <a:latin typeface="Arial Black" panose="020B0A04020102020204" pitchFamily="34" charset="0"/>
+                </a:endParaRPr>
+              </a:p>
+            </p:txBody>
+          </p:sp>
+          <p:sp>
+            <p:nvSpPr>
+              <p:cNvPr id="18" name="TextBox 17"/>
+              <p:cNvSpPr txBox="1"/>
+              <p:nvPr/>
+            </p:nvSpPr>
+            <p:spPr>
+              <a:xfrm rot="480000">
+                <a:off x="9275627" y="330425"/>
+                <a:ext cx="912429" cy="1323439"/>
+              </a:xfrm>
+              <a:prstGeom prst="rect">
+                <a:avLst/>
+              </a:prstGeom>
+              <a:noFill/>
+            </p:spPr>
+            <p:txBody>
+              <a:bodyPr wrap="none" rtlCol="0">
+                <a:spAutoFit/>
+              </a:bodyPr>
+              <a:lstStyle/>
+              <a:p>
+                <a:pPr algn="ctr"/>
+                <a:r>
+                  <a:rPr lang="en-US" altLang="ko-KR" sz="8000" spc="-100" dirty="0">
+                    <a:ln w="38100">
+                      <a:solidFill>
+                        <a:schemeClr val="bg1"/>
+                      </a:solidFill>
+                    </a:ln>
+                    <a:solidFill>
+                      <a:schemeClr val="accent2">
+                        <a:lumMod val="75000"/>
+                      </a:schemeClr>
+                    </a:solidFill>
+                    <a:effectLst>
+                      <a:outerShdw dist="63500" dir="2700000" algn="tl" rotWithShape="0">
+                        <a:prstClr val="black">
+                          <a:alpha val="40000"/>
+                        </a:prstClr>
+                      </a:outerShdw>
+                    </a:effectLst>
+                    <a:latin typeface="Arial Black" panose="020B0A04020102020204" pitchFamily="34" charset="0"/>
+                  </a:rPr>
+                  <a:t>T</a:t>
+                </a:r>
+                <a:endParaRPr lang="ko-KR" altLang="en-US" sz="8000" spc="-100" dirty="0">
+                  <a:ln w="38100">
+                    <a:solidFill>
+                      <a:schemeClr val="bg1"/>
+                    </a:solidFill>
+                  </a:ln>
+                  <a:solidFill>
+                    <a:schemeClr val="accent2">
+                      <a:lumMod val="75000"/>
+                    </a:schemeClr>
+                  </a:solidFill>
+                  <a:effectLst>
+                    <a:outerShdw dist="63500" dir="2700000" algn="tl" rotWithShape="0">
+                      <a:prstClr val="black">
+                        <a:alpha val="40000"/>
+                      </a:prstClr>
+                    </a:outerShdw>
+                  </a:effectLst>
+                  <a:latin typeface="Arial Black" panose="020B0A04020102020204" pitchFamily="34" charset="0"/>
+                </a:endParaRPr>
+              </a:p>
+            </p:txBody>
+          </p:sp>
+        </p:grpSp>
+        <p:sp>
+          <p:nvSpPr>
+            <p:cNvPr id="22" name="TextBox 21"/>
+            <p:cNvSpPr txBox="1"/>
+            <p:nvPr/>
+          </p:nvSpPr>
+          <p:spPr>
+            <a:xfrm>
+              <a:off x="7530704" y="1392218"/>
+              <a:ext cx="2946402" cy="769441"/>
+            </a:xfrm>
+            <a:prstGeom prst="rect">
+              <a:avLst/>
+            </a:prstGeom>
+            <a:noFill/>
+          </p:spPr>
+          <p:txBody>
+            <a:bodyPr wrap="square" rtlCol="0">
+              <a:spAutoFit/>
+            </a:bodyPr>
+            <a:lstStyle/>
+            <a:p>
+              <a:pPr algn="ctr"/>
+              <a:r>
+                <a:rPr lang="ko-KR" altLang="en-US" sz="4400" dirty="0" smtClean="0">
+                  <a:ln w="25400">
+                    <a:solidFill>
+                      <a:schemeClr val="tx1"/>
+                    </a:solidFill>
+                  </a:ln>
+                  <a:solidFill>
+                    <a:schemeClr val="bg1"/>
+                  </a:solidFill>
+                  <a:latin typeface="휴먼둥근헤드라인" panose="02030504000101010101" pitchFamily="18" charset="-127"/>
+                  <a:ea typeface="휴먼둥근헤드라인" panose="02030504000101010101" pitchFamily="18" charset="-127"/>
+                </a:rPr>
+                <a:t>김민정</a:t>
+              </a:r>
+              <a:endParaRPr lang="ko-KR" altLang="en-US" sz="4400" dirty="0">
+                <a:ln w="25400">
+                  <a:solidFill>
+                    <a:schemeClr val="tx1"/>
+                  </a:solidFill>
+                </a:ln>
+                <a:solidFill>
+                  <a:schemeClr val="bg1"/>
+                </a:solidFill>
+                <a:latin typeface="휴먼둥근헤드라인" panose="02030504000101010101" pitchFamily="18" charset="-127"/>
+                <a:ea typeface="휴먼둥근헤드라인" panose="02030504000101010101" pitchFamily="18" charset="-127"/>
+              </a:endParaRPr>
+            </a:p>
+          </p:txBody>
+        </p:sp>
+        <p:sp>
+          <p:nvSpPr>
+            <p:cNvPr id="23" name="TextBox 22"/>
+            <p:cNvSpPr txBox="1"/>
+            <p:nvPr/>
+          </p:nvSpPr>
+          <p:spPr>
+            <a:xfrm>
+              <a:off x="7530704" y="2242049"/>
+              <a:ext cx="2946402" cy="769441"/>
+            </a:xfrm>
+            <a:prstGeom prst="rect">
+              <a:avLst/>
+            </a:prstGeom>
+            <a:noFill/>
+          </p:spPr>
+          <p:txBody>
+            <a:bodyPr wrap="square" rtlCol="0">
+              <a:spAutoFit/>
+            </a:bodyPr>
+            <a:lstStyle/>
+            <a:p>
+              <a:pPr algn="ctr"/>
+              <a:r>
+                <a:rPr lang="ko-KR" altLang="en-US" sz="4400" dirty="0" smtClean="0">
+                  <a:ln w="25400">
+                    <a:solidFill>
+                      <a:schemeClr val="tx1"/>
+                    </a:solidFill>
+                  </a:ln>
+                  <a:solidFill>
+                    <a:schemeClr val="bg1"/>
+                  </a:solidFill>
+                  <a:latin typeface="휴먼둥근헤드라인" panose="02030504000101010101" pitchFamily="18" charset="-127"/>
+                  <a:ea typeface="휴먼둥근헤드라인" panose="02030504000101010101" pitchFamily="18" charset="-127"/>
+                </a:rPr>
+                <a:t>이규원</a:t>
+              </a:r>
+              <a:endParaRPr lang="ko-KR" altLang="en-US" sz="4400" dirty="0">
+                <a:ln w="25400">
+                  <a:solidFill>
+                    <a:schemeClr val="tx1"/>
+                  </a:solidFill>
+                </a:ln>
+                <a:solidFill>
+                  <a:schemeClr val="bg1"/>
+                </a:solidFill>
+                <a:latin typeface="휴먼둥근헤드라인" panose="02030504000101010101" pitchFamily="18" charset="-127"/>
+                <a:ea typeface="휴먼둥근헤드라인" panose="02030504000101010101" pitchFamily="18" charset="-127"/>
+              </a:endParaRPr>
+            </a:p>
+          </p:txBody>
+        </p:sp>
+        <p:sp>
+          <p:nvSpPr>
+            <p:cNvPr id="24" name="TextBox 23"/>
+            <p:cNvSpPr txBox="1"/>
+            <p:nvPr/>
+          </p:nvSpPr>
+          <p:spPr>
+            <a:xfrm>
+              <a:off x="7526644" y="3073046"/>
+              <a:ext cx="2946402" cy="769441"/>
+            </a:xfrm>
+            <a:prstGeom prst="rect">
+              <a:avLst/>
+            </a:prstGeom>
+            <a:noFill/>
+          </p:spPr>
+          <p:txBody>
+            <a:bodyPr wrap="square" rtlCol="0">
+              <a:spAutoFit/>
+            </a:bodyPr>
+            <a:lstStyle/>
+            <a:p>
+              <a:pPr algn="ctr"/>
+              <a:r>
+                <a:rPr lang="ko-KR" altLang="en-US" sz="4400" smtClean="0">
+                  <a:ln w="25400">
+                    <a:solidFill>
+                      <a:schemeClr val="tx1"/>
+                    </a:solidFill>
+                  </a:ln>
+                  <a:solidFill>
+                    <a:schemeClr val="bg1"/>
+                  </a:solidFill>
+                  <a:latin typeface="휴먼둥근헤드라인" panose="02030504000101010101" pitchFamily="18" charset="-127"/>
+                  <a:ea typeface="휴먼둥근헤드라인" panose="02030504000101010101" pitchFamily="18" charset="-127"/>
+                </a:rPr>
+                <a:t>박주형</a:t>
+              </a:r>
+              <a:endParaRPr lang="ko-KR" altLang="en-US" sz="4400" dirty="0">
+                <a:ln w="25400">
+                  <a:solidFill>
+                    <a:schemeClr val="tx1"/>
+                  </a:solidFill>
+                </a:ln>
+                <a:solidFill>
+                  <a:schemeClr val="bg1"/>
+                </a:solidFill>
+                <a:latin typeface="휴먼둥근헤드라인" panose="02030504000101010101" pitchFamily="18" charset="-127"/>
+                <a:ea typeface="휴먼둥근헤드라인" panose="02030504000101010101" pitchFamily="18" charset="-127"/>
+              </a:endParaRPr>
+            </a:p>
+          </p:txBody>
+        </p:sp>
+        <p:sp>
+          <p:nvSpPr>
+            <p:cNvPr id="25" name="TextBox 24"/>
+            <p:cNvSpPr txBox="1"/>
+            <p:nvPr/>
+          </p:nvSpPr>
+          <p:spPr>
+            <a:xfrm>
+              <a:off x="7536871" y="3922877"/>
+              <a:ext cx="2946402" cy="769441"/>
+            </a:xfrm>
+            <a:prstGeom prst="rect">
+              <a:avLst/>
+            </a:prstGeom>
+            <a:noFill/>
+          </p:spPr>
+          <p:txBody>
+            <a:bodyPr wrap="square" rtlCol="0">
+              <a:spAutoFit/>
+            </a:bodyPr>
+            <a:lstStyle/>
+            <a:p>
+              <a:pPr algn="ctr"/>
+              <a:r>
+                <a:rPr lang="ko-KR" altLang="en-US" sz="4400" dirty="0">
+                  <a:ln w="25400">
+                    <a:solidFill>
+                      <a:schemeClr val="tx1"/>
+                    </a:solidFill>
+                  </a:ln>
+                  <a:solidFill>
+                    <a:schemeClr val="bg1"/>
+                  </a:solidFill>
+                  <a:latin typeface="휴먼둥근헤드라인" panose="02030504000101010101" pitchFamily="18" charset="-127"/>
+                  <a:ea typeface="휴먼둥근헤드라인" panose="02030504000101010101" pitchFamily="18" charset="-127"/>
+                </a:rPr>
+                <a:t>김</a:t>
+              </a:r>
+              <a:r>
+                <a:rPr lang="ko-KR" altLang="en-US" sz="4400" dirty="0" smtClean="0">
+                  <a:ln w="25400">
+                    <a:solidFill>
+                      <a:schemeClr val="tx1"/>
+                    </a:solidFill>
+                  </a:ln>
+                  <a:solidFill>
+                    <a:schemeClr val="bg1"/>
+                  </a:solidFill>
+                  <a:latin typeface="휴먼둥근헤드라인" panose="02030504000101010101" pitchFamily="18" charset="-127"/>
+                  <a:ea typeface="휴먼둥근헤드라인" panose="02030504000101010101" pitchFamily="18" charset="-127"/>
+                </a:rPr>
+                <a:t>윤성</a:t>
+              </a:r>
+              <a:endParaRPr lang="ko-KR" altLang="en-US" sz="4400" dirty="0">
+                <a:ln w="25400">
+                  <a:solidFill>
+                    <a:schemeClr val="tx1"/>
+                  </a:solidFill>
+                </a:ln>
+                <a:solidFill>
+                  <a:schemeClr val="bg1"/>
+                </a:solidFill>
+                <a:latin typeface="휴먼둥근헤드라인" panose="02030504000101010101" pitchFamily="18" charset="-127"/>
+                <a:ea typeface="휴먼둥근헤드라인" panose="02030504000101010101" pitchFamily="18" charset="-127"/>
+              </a:endParaRPr>
+            </a:p>
+          </p:txBody>
+        </p:sp>
+        <p:sp>
+          <p:nvSpPr>
+            <p:cNvPr id="26" name="모서리가 둥근 직사각형 25"/>
+            <p:cNvSpPr/>
+            <p:nvPr/>
+          </p:nvSpPr>
+          <p:spPr>
+            <a:xfrm>
+              <a:off x="4126706" y="4590636"/>
+              <a:ext cx="604950" cy="438564"/>
+            </a:xfrm>
+            <a:prstGeom prst="roundRect">
+              <a:avLst>
+                <a:gd name="adj" fmla="val 22097"/>
+              </a:avLst>
+            </a:prstGeom>
+            <a:solidFill>
+              <a:srgbClr val="FFF2CC"/>
+            </a:solidFill>
+            <a:ln>
+              <a:noFill/>
+            </a:ln>
+          </p:spPr>
+          <p:style>
+            <a:lnRef idx="2">
+              <a:schemeClr val="accent1">
+                <a:shade val="50000"/>
+              </a:schemeClr>
+            </a:lnRef>
+            <a:fillRef idx="1">
+              <a:schemeClr val="accent1"/>
+            </a:fillRef>
+            <a:effectRef idx="0">
+              <a:schemeClr val="accent1"/>
+            </a:effectRef>
+            <a:fontRef idx="minor">
+              <a:schemeClr val="lt1"/>
+            </a:fontRef>
+          </p:style>
+          <p:txBody>
+            <a:bodyPr rtlCol="0" anchor="ctr"/>
+            <a:lstStyle/>
+            <a:p>
+              <a:pPr algn="ctr"/>
+              <a:endParaRPr lang="ko-KR" altLang="en-US"/>
+            </a:p>
+          </p:txBody>
+        </p:sp>
+      </p:grpSp>
+    </p:spTree>
+    <p:extLst>
+      <p:ext uri="{BB962C8B-B14F-4D97-AF65-F5344CB8AC3E}">
+        <p14:creationId xmlns:p14="http://schemas.microsoft.com/office/powerpoint/2010/main" val="2711211612"/>
+      </p:ext>
+    </p:extLst>
+  </p:cSld>
+  <p:clrMapOvr>
+    <a:masterClrMapping/>
+  </p:clrMapOvr>
+</p:sld>
+</file>
+
 <file path=ppt/slides/slide2.xml><?xml version="1.0" encoding="utf-8"?>
 <p:sld xmlns:a="http://schemas.openxmlformats.org/drawingml/2006/main" xmlns:r="http://schemas.openxmlformats.org/officeDocument/2006/relationships" xmlns:p="http://schemas.openxmlformats.org/presentationml/2006/main">
   <p:cSld>

--- a/UI Design.pptx
+++ b/UI Design.pptx
@@ -17,6 +17,8 @@
     <p:sldId id="265" r:id="rId11"/>
     <p:sldId id="266" r:id="rId12"/>
     <p:sldId id="267" r:id="rId13"/>
+    <p:sldId id="268" r:id="rId14"/>
+    <p:sldId id="269" r:id="rId15"/>
   </p:sldIdLst>
   <p:sldSz cx="12192000" cy="6858000"/>
   <p:notesSz cx="6858000" cy="9144000"/>
@@ -7551,6 +7553,1482 @@
 </p:sld>
 </file>
 
+<file path=ppt/slides/slide13.xml><?xml version="1.0" encoding="utf-8"?>
+<p:sld xmlns:a="http://schemas.openxmlformats.org/drawingml/2006/main" xmlns:r="http://schemas.openxmlformats.org/officeDocument/2006/relationships" xmlns:p="http://schemas.openxmlformats.org/presentationml/2006/main">
+  <p:cSld>
+    <p:spTree>
+      <p:nvGrpSpPr>
+        <p:cNvPr id="1" name=""/>
+        <p:cNvGrpSpPr/>
+        <p:nvPr/>
+      </p:nvGrpSpPr>
+      <p:grpSpPr>
+        <a:xfrm>
+          <a:off x="0" y="0"/>
+          <a:ext cx="0" cy="0"/>
+          <a:chOff x="0" y="0"/>
+          <a:chExt cx="0" cy="0"/>
+        </a:xfrm>
+      </p:grpSpPr>
+      <p:grpSp>
+        <p:nvGrpSpPr>
+          <p:cNvPr id="24" name="그룹 23"/>
+          <p:cNvGrpSpPr/>
+          <p:nvPr/>
+        </p:nvGrpSpPr>
+        <p:grpSpPr>
+          <a:xfrm>
+            <a:off x="1189218" y="-30413"/>
+            <a:ext cx="9098919" cy="6000980"/>
+            <a:chOff x="1123904" y="-1042784"/>
+            <a:chExt cx="9098919" cy="6000980"/>
+          </a:xfrm>
+        </p:grpSpPr>
+        <p:pic>
+          <p:nvPicPr>
+            <p:cNvPr id="23" name="그림 22"/>
+            <p:cNvPicPr>
+              <a:picLocks noChangeAspect="1"/>
+            </p:cNvPicPr>
+            <p:nvPr/>
+          </p:nvPicPr>
+          <p:blipFill rotWithShape="1">
+            <a:blip r:embed="rId2">
+              <a:extLst>
+                <a:ext uri="{28A0092B-C50C-407E-A947-70E740481C1C}">
+                  <a14:useLocalDpi xmlns:a14="http://schemas.microsoft.com/office/drawing/2010/main" val="0"/>
+                </a:ext>
+              </a:extLst>
+            </a:blip>
+            <a:srcRect l="13330" t="14067" r="20339" b="36003"/>
+            <a:stretch/>
+          </p:blipFill>
+          <p:spPr>
+            <a:xfrm rot="184032">
+              <a:off x="8212351" y="2074063"/>
+              <a:ext cx="1874872" cy="1764093"/>
+            </a:xfrm>
+            <a:prstGeom prst="rect">
+              <a:avLst/>
+            </a:prstGeom>
+          </p:spPr>
+        </p:pic>
+        <p:pic>
+          <p:nvPicPr>
+            <p:cNvPr id="22" name="그림 21"/>
+            <p:cNvPicPr>
+              <a:picLocks noChangeAspect="1"/>
+            </p:cNvPicPr>
+            <p:nvPr/>
+          </p:nvPicPr>
+          <p:blipFill>
+            <a:blip r:embed="rId3">
+              <a:extLst>
+                <a:ext uri="{28A0092B-C50C-407E-A947-70E740481C1C}">
+                  <a14:useLocalDpi xmlns:a14="http://schemas.microsoft.com/office/drawing/2010/main" val="0"/>
+                </a:ext>
+              </a:extLst>
+            </a:blip>
+            <a:stretch>
+              <a:fillRect/>
+            </a:stretch>
+          </p:blipFill>
+          <p:spPr>
+            <a:xfrm rot="20734161">
+              <a:off x="1123904" y="1808074"/>
+              <a:ext cx="2344864" cy="2931079"/>
+            </a:xfrm>
+            <a:prstGeom prst="rect">
+              <a:avLst/>
+            </a:prstGeom>
+          </p:spPr>
+        </p:pic>
+        <p:pic>
+          <p:nvPicPr>
+            <p:cNvPr id="21" name="그림 20"/>
+            <p:cNvPicPr>
+              <a:picLocks noChangeAspect="1"/>
+            </p:cNvPicPr>
+            <p:nvPr/>
+          </p:nvPicPr>
+          <p:blipFill rotWithShape="1">
+            <a:blip r:embed="rId4">
+              <a:extLst>
+                <a:ext uri="{28A0092B-C50C-407E-A947-70E740481C1C}">
+                  <a14:useLocalDpi xmlns:a14="http://schemas.microsoft.com/office/drawing/2010/main" val="0"/>
+                </a:ext>
+              </a:extLst>
+            </a:blip>
+            <a:srcRect l="12586" t="13756" r="20715" b="26377"/>
+            <a:stretch/>
+          </p:blipFill>
+          <p:spPr>
+            <a:xfrm rot="980653">
+              <a:off x="6625747" y="1266352"/>
+              <a:ext cx="1948941" cy="2186682"/>
+            </a:xfrm>
+            <a:prstGeom prst="rect">
+              <a:avLst/>
+            </a:prstGeom>
+          </p:spPr>
+        </p:pic>
+        <p:pic>
+          <p:nvPicPr>
+            <p:cNvPr id="20" name="그림 19"/>
+            <p:cNvPicPr>
+              <a:picLocks noChangeAspect="1"/>
+            </p:cNvPicPr>
+            <p:nvPr/>
+          </p:nvPicPr>
+          <p:blipFill rotWithShape="1">
+            <a:blip r:embed="rId5">
+              <a:extLst>
+                <a:ext uri="{28A0092B-C50C-407E-A947-70E740481C1C}">
+                  <a14:useLocalDpi xmlns:a14="http://schemas.microsoft.com/office/drawing/2010/main" val="0"/>
+                </a:ext>
+              </a:extLst>
+            </a:blip>
+            <a:srcRect b="40072"/>
+            <a:stretch/>
+          </p:blipFill>
+          <p:spPr>
+            <a:xfrm rot="21373785">
+              <a:off x="3128661" y="-1042784"/>
+              <a:ext cx="3629628" cy="2718954"/>
+            </a:xfrm>
+            <a:prstGeom prst="rect">
+              <a:avLst/>
+            </a:prstGeom>
+          </p:spPr>
+        </p:pic>
+        <p:sp>
+          <p:nvSpPr>
+            <p:cNvPr id="17" name="타원 16"/>
+            <p:cNvSpPr/>
+            <p:nvPr/>
+          </p:nvSpPr>
+          <p:spPr>
+            <a:xfrm>
+              <a:off x="3759289" y="1877930"/>
+              <a:ext cx="1597307" cy="1651066"/>
+            </a:xfrm>
+            <a:prstGeom prst="ellipse">
+              <a:avLst/>
+            </a:prstGeom>
+            <a:solidFill>
+              <a:srgbClr val="FFC000"/>
+            </a:solidFill>
+            <a:ln>
+              <a:noFill/>
+            </a:ln>
+          </p:spPr>
+          <p:style>
+            <a:lnRef idx="2">
+              <a:schemeClr val="accent1">
+                <a:shade val="50000"/>
+              </a:schemeClr>
+            </a:lnRef>
+            <a:fillRef idx="1">
+              <a:schemeClr val="accent1"/>
+            </a:fillRef>
+            <a:effectRef idx="0">
+              <a:schemeClr val="accent1"/>
+            </a:effectRef>
+            <a:fontRef idx="minor">
+              <a:schemeClr val="lt1"/>
+            </a:fontRef>
+          </p:style>
+          <p:txBody>
+            <a:bodyPr rtlCol="0" anchor="ctr"/>
+            <a:lstStyle/>
+            <a:p>
+              <a:pPr algn="ctr"/>
+              <a:endParaRPr lang="ko-KR" altLang="en-US"/>
+            </a:p>
+          </p:txBody>
+        </p:sp>
+        <p:sp>
+          <p:nvSpPr>
+            <p:cNvPr id="18" name="타원 17"/>
+            <p:cNvSpPr/>
+            <p:nvPr/>
+          </p:nvSpPr>
+          <p:spPr>
+            <a:xfrm>
+              <a:off x="4703224" y="2093206"/>
+              <a:ext cx="1597307" cy="1651066"/>
+            </a:xfrm>
+            <a:prstGeom prst="ellipse">
+              <a:avLst/>
+            </a:prstGeom>
+            <a:solidFill>
+              <a:srgbClr val="FFC000"/>
+            </a:solidFill>
+            <a:ln>
+              <a:noFill/>
+            </a:ln>
+          </p:spPr>
+          <p:style>
+            <a:lnRef idx="2">
+              <a:schemeClr val="accent1">
+                <a:shade val="50000"/>
+              </a:schemeClr>
+            </a:lnRef>
+            <a:fillRef idx="1">
+              <a:schemeClr val="accent1"/>
+            </a:fillRef>
+            <a:effectRef idx="0">
+              <a:schemeClr val="accent1"/>
+            </a:effectRef>
+            <a:fontRef idx="minor">
+              <a:schemeClr val="lt1"/>
+            </a:fontRef>
+          </p:style>
+          <p:txBody>
+            <a:bodyPr rtlCol="0" anchor="ctr"/>
+            <a:lstStyle/>
+            <a:p>
+              <a:pPr algn="ctr"/>
+              <a:endParaRPr lang="ko-KR" altLang="en-US"/>
+            </a:p>
+          </p:txBody>
+        </p:sp>
+        <p:sp>
+          <p:nvSpPr>
+            <p:cNvPr id="19" name="타원 18"/>
+            <p:cNvSpPr/>
+            <p:nvPr/>
+          </p:nvSpPr>
+          <p:spPr>
+            <a:xfrm>
+              <a:off x="5501877" y="1980522"/>
+              <a:ext cx="1597307" cy="1651066"/>
+            </a:xfrm>
+            <a:prstGeom prst="ellipse">
+              <a:avLst/>
+            </a:prstGeom>
+            <a:solidFill>
+              <a:srgbClr val="FFC000"/>
+            </a:solidFill>
+            <a:ln>
+              <a:noFill/>
+            </a:ln>
+          </p:spPr>
+          <p:style>
+            <a:lnRef idx="2">
+              <a:schemeClr val="accent1">
+                <a:shade val="50000"/>
+              </a:schemeClr>
+            </a:lnRef>
+            <a:fillRef idx="1">
+              <a:schemeClr val="accent1"/>
+            </a:fillRef>
+            <a:effectRef idx="0">
+              <a:schemeClr val="accent1"/>
+            </a:effectRef>
+            <a:fontRef idx="minor">
+              <a:schemeClr val="lt1"/>
+            </a:fontRef>
+          </p:style>
+          <p:txBody>
+            <a:bodyPr rtlCol="0" anchor="ctr"/>
+            <a:lstStyle/>
+            <a:p>
+              <a:pPr algn="ctr"/>
+              <a:endParaRPr lang="ko-KR" altLang="en-US"/>
+            </a:p>
+          </p:txBody>
+        </p:sp>
+        <p:sp>
+          <p:nvSpPr>
+            <p:cNvPr id="12" name="타원 11"/>
+            <p:cNvSpPr/>
+            <p:nvPr/>
+          </p:nvSpPr>
+          <p:spPr>
+            <a:xfrm>
+              <a:off x="6594745" y="3120093"/>
+              <a:ext cx="1597307" cy="1651066"/>
+            </a:xfrm>
+            <a:prstGeom prst="ellipse">
+              <a:avLst/>
+            </a:prstGeom>
+            <a:solidFill>
+              <a:srgbClr val="FFC000"/>
+            </a:solidFill>
+            <a:ln>
+              <a:noFill/>
+            </a:ln>
+          </p:spPr>
+          <p:style>
+            <a:lnRef idx="2">
+              <a:schemeClr val="accent1">
+                <a:shade val="50000"/>
+              </a:schemeClr>
+            </a:lnRef>
+            <a:fillRef idx="1">
+              <a:schemeClr val="accent1"/>
+            </a:fillRef>
+            <a:effectRef idx="0">
+              <a:schemeClr val="accent1"/>
+            </a:effectRef>
+            <a:fontRef idx="minor">
+              <a:schemeClr val="lt1"/>
+            </a:fontRef>
+          </p:style>
+          <p:txBody>
+            <a:bodyPr rtlCol="0" anchor="ctr"/>
+            <a:lstStyle/>
+            <a:p>
+              <a:pPr algn="ctr"/>
+              <a:endParaRPr lang="ko-KR" altLang="en-US"/>
+            </a:p>
+          </p:txBody>
+        </p:sp>
+        <p:sp>
+          <p:nvSpPr>
+            <p:cNvPr id="13" name="타원 12"/>
+            <p:cNvSpPr/>
+            <p:nvPr/>
+          </p:nvSpPr>
+          <p:spPr>
+            <a:xfrm>
+              <a:off x="5935341" y="3273613"/>
+              <a:ext cx="1405774" cy="1429793"/>
+            </a:xfrm>
+            <a:prstGeom prst="ellipse">
+              <a:avLst/>
+            </a:prstGeom>
+            <a:solidFill>
+              <a:srgbClr val="FFC000"/>
+            </a:solidFill>
+            <a:ln>
+              <a:noFill/>
+            </a:ln>
+          </p:spPr>
+          <p:style>
+            <a:lnRef idx="2">
+              <a:schemeClr val="accent1">
+                <a:shade val="50000"/>
+              </a:schemeClr>
+            </a:lnRef>
+            <a:fillRef idx="1">
+              <a:schemeClr val="accent1"/>
+            </a:fillRef>
+            <a:effectRef idx="0">
+              <a:schemeClr val="accent1"/>
+            </a:effectRef>
+            <a:fontRef idx="minor">
+              <a:schemeClr val="lt1"/>
+            </a:fontRef>
+          </p:style>
+          <p:txBody>
+            <a:bodyPr rtlCol="0" anchor="ctr"/>
+            <a:lstStyle/>
+            <a:p>
+              <a:pPr algn="ctr"/>
+              <a:endParaRPr lang="ko-KR" altLang="en-US"/>
+            </a:p>
+          </p:txBody>
+        </p:sp>
+        <p:sp>
+          <p:nvSpPr>
+            <p:cNvPr id="14" name="타원 13"/>
+            <p:cNvSpPr/>
+            <p:nvPr/>
+          </p:nvSpPr>
+          <p:spPr>
+            <a:xfrm>
+              <a:off x="5003275" y="2996359"/>
+              <a:ext cx="1433857" cy="1846648"/>
+            </a:xfrm>
+            <a:prstGeom prst="ellipse">
+              <a:avLst/>
+            </a:prstGeom>
+            <a:solidFill>
+              <a:srgbClr val="FFC000"/>
+            </a:solidFill>
+            <a:ln>
+              <a:noFill/>
+            </a:ln>
+          </p:spPr>
+          <p:style>
+            <a:lnRef idx="2">
+              <a:schemeClr val="accent1">
+                <a:shade val="50000"/>
+              </a:schemeClr>
+            </a:lnRef>
+            <a:fillRef idx="1">
+              <a:schemeClr val="accent1"/>
+            </a:fillRef>
+            <a:effectRef idx="0">
+              <a:schemeClr val="accent1"/>
+            </a:effectRef>
+            <a:fontRef idx="minor">
+              <a:schemeClr val="lt1"/>
+            </a:fontRef>
+          </p:style>
+          <p:txBody>
+            <a:bodyPr rtlCol="0" anchor="ctr"/>
+            <a:lstStyle/>
+            <a:p>
+              <a:pPr algn="ctr"/>
+              <a:endParaRPr lang="ko-KR" altLang="en-US"/>
+            </a:p>
+          </p:txBody>
+        </p:sp>
+        <p:sp>
+          <p:nvSpPr>
+            <p:cNvPr id="15" name="타원 14"/>
+            <p:cNvSpPr/>
+            <p:nvPr/>
+          </p:nvSpPr>
+          <p:spPr>
+            <a:xfrm>
+              <a:off x="4022235" y="3221727"/>
+              <a:ext cx="1454336" cy="1504397"/>
+            </a:xfrm>
+            <a:prstGeom prst="ellipse">
+              <a:avLst/>
+            </a:prstGeom>
+            <a:solidFill>
+              <a:srgbClr val="FFC000"/>
+            </a:solidFill>
+            <a:ln>
+              <a:noFill/>
+            </a:ln>
+          </p:spPr>
+          <p:style>
+            <a:lnRef idx="2">
+              <a:schemeClr val="accent1">
+                <a:shade val="50000"/>
+              </a:schemeClr>
+            </a:lnRef>
+            <a:fillRef idx="1">
+              <a:schemeClr val="accent1"/>
+            </a:fillRef>
+            <a:effectRef idx="0">
+              <a:schemeClr val="accent1"/>
+            </a:effectRef>
+            <a:fontRef idx="minor">
+              <a:schemeClr val="lt1"/>
+            </a:fontRef>
+          </p:style>
+          <p:txBody>
+            <a:bodyPr rtlCol="0" anchor="ctr"/>
+            <a:lstStyle/>
+            <a:p>
+              <a:pPr algn="ctr"/>
+              <a:endParaRPr lang="ko-KR" altLang="en-US"/>
+            </a:p>
+          </p:txBody>
+        </p:sp>
+        <p:sp>
+          <p:nvSpPr>
+            <p:cNvPr id="16" name="타원 15"/>
+            <p:cNvSpPr/>
+            <p:nvPr/>
+          </p:nvSpPr>
+          <p:spPr>
+            <a:xfrm>
+              <a:off x="2349439" y="2749392"/>
+              <a:ext cx="2256691" cy="2175287"/>
+            </a:xfrm>
+            <a:prstGeom prst="ellipse">
+              <a:avLst/>
+            </a:prstGeom>
+            <a:solidFill>
+              <a:srgbClr val="FFC000"/>
+            </a:solidFill>
+            <a:ln>
+              <a:noFill/>
+            </a:ln>
+          </p:spPr>
+          <p:style>
+            <a:lnRef idx="2">
+              <a:schemeClr val="accent1">
+                <a:shade val="50000"/>
+              </a:schemeClr>
+            </a:lnRef>
+            <a:fillRef idx="1">
+              <a:schemeClr val="accent1"/>
+            </a:fillRef>
+            <a:effectRef idx="0">
+              <a:schemeClr val="accent1"/>
+            </a:effectRef>
+            <a:fontRef idx="minor">
+              <a:schemeClr val="lt1"/>
+            </a:fontRef>
+          </p:style>
+          <p:txBody>
+            <a:bodyPr rtlCol="0" anchor="ctr"/>
+            <a:lstStyle/>
+            <a:p>
+              <a:pPr algn="ctr"/>
+              <a:endParaRPr lang="ko-KR" altLang="en-US"/>
+            </a:p>
+          </p:txBody>
+        </p:sp>
+        <p:sp>
+          <p:nvSpPr>
+            <p:cNvPr id="11" name="타원 10"/>
+            <p:cNvSpPr/>
+            <p:nvPr/>
+          </p:nvSpPr>
+          <p:spPr>
+            <a:xfrm>
+              <a:off x="8625516" y="3213460"/>
+              <a:ext cx="1597307" cy="1651066"/>
+            </a:xfrm>
+            <a:prstGeom prst="ellipse">
+              <a:avLst/>
+            </a:prstGeom>
+            <a:solidFill>
+              <a:srgbClr val="FFC000"/>
+            </a:solidFill>
+            <a:ln>
+              <a:noFill/>
+            </a:ln>
+          </p:spPr>
+          <p:style>
+            <a:lnRef idx="2">
+              <a:schemeClr val="accent1">
+                <a:shade val="50000"/>
+              </a:schemeClr>
+            </a:lnRef>
+            <a:fillRef idx="1">
+              <a:schemeClr val="accent1"/>
+            </a:fillRef>
+            <a:effectRef idx="0">
+              <a:schemeClr val="accent1"/>
+            </a:effectRef>
+            <a:fontRef idx="minor">
+              <a:schemeClr val="lt1"/>
+            </a:fontRef>
+          </p:style>
+          <p:txBody>
+            <a:bodyPr rtlCol="0" anchor="ctr"/>
+            <a:lstStyle/>
+            <a:p>
+              <a:pPr algn="ctr"/>
+              <a:endParaRPr lang="ko-KR" altLang="en-US"/>
+            </a:p>
+          </p:txBody>
+        </p:sp>
+        <p:sp>
+          <p:nvSpPr>
+            <p:cNvPr id="10" name="타원 9"/>
+            <p:cNvSpPr/>
+            <p:nvPr/>
+          </p:nvSpPr>
+          <p:spPr>
+            <a:xfrm>
+              <a:off x="7575785" y="3213460"/>
+              <a:ext cx="1597307" cy="1651066"/>
+            </a:xfrm>
+            <a:prstGeom prst="ellipse">
+              <a:avLst/>
+            </a:prstGeom>
+            <a:solidFill>
+              <a:srgbClr val="FFC000"/>
+            </a:solidFill>
+            <a:ln>
+              <a:noFill/>
+            </a:ln>
+          </p:spPr>
+          <p:style>
+            <a:lnRef idx="2">
+              <a:schemeClr val="accent1">
+                <a:shade val="50000"/>
+              </a:schemeClr>
+            </a:lnRef>
+            <a:fillRef idx="1">
+              <a:schemeClr val="accent1"/>
+            </a:fillRef>
+            <a:effectRef idx="0">
+              <a:schemeClr val="accent1"/>
+            </a:effectRef>
+            <a:fontRef idx="minor">
+              <a:schemeClr val="lt1"/>
+            </a:fontRef>
+          </p:style>
+          <p:txBody>
+            <a:bodyPr rtlCol="0" anchor="ctr"/>
+            <a:lstStyle/>
+            <a:p>
+              <a:pPr algn="ctr"/>
+              <a:endParaRPr lang="ko-KR" altLang="en-US"/>
+            </a:p>
+          </p:txBody>
+        </p:sp>
+        <p:sp>
+          <p:nvSpPr>
+            <p:cNvPr id="9" name="타원 8"/>
+            <p:cNvSpPr/>
+            <p:nvPr/>
+          </p:nvSpPr>
+          <p:spPr>
+            <a:xfrm>
+              <a:off x="5317141" y="1111656"/>
+              <a:ext cx="1597307" cy="1651066"/>
+            </a:xfrm>
+            <a:prstGeom prst="ellipse">
+              <a:avLst/>
+            </a:prstGeom>
+            <a:solidFill>
+              <a:srgbClr val="FFC000"/>
+            </a:solidFill>
+            <a:ln>
+              <a:noFill/>
+            </a:ln>
+          </p:spPr>
+          <p:style>
+            <a:lnRef idx="2">
+              <a:schemeClr val="accent1">
+                <a:shade val="50000"/>
+              </a:schemeClr>
+            </a:lnRef>
+            <a:fillRef idx="1">
+              <a:schemeClr val="accent1"/>
+            </a:fillRef>
+            <a:effectRef idx="0">
+              <a:schemeClr val="accent1"/>
+            </a:effectRef>
+            <a:fontRef idx="minor">
+              <a:schemeClr val="lt1"/>
+            </a:fontRef>
+          </p:style>
+          <p:txBody>
+            <a:bodyPr rtlCol="0" anchor="ctr"/>
+            <a:lstStyle/>
+            <a:p>
+              <a:pPr algn="ctr"/>
+              <a:endParaRPr lang="ko-KR" altLang="en-US"/>
+            </a:p>
+          </p:txBody>
+        </p:sp>
+        <p:sp>
+          <p:nvSpPr>
+            <p:cNvPr id="8" name="타원 7"/>
+            <p:cNvSpPr/>
+            <p:nvPr/>
+          </p:nvSpPr>
+          <p:spPr>
+            <a:xfrm>
+              <a:off x="4103960" y="1337025"/>
+              <a:ext cx="1597307" cy="1651066"/>
+            </a:xfrm>
+            <a:prstGeom prst="ellipse">
+              <a:avLst/>
+            </a:prstGeom>
+            <a:solidFill>
+              <a:srgbClr val="FFC000"/>
+            </a:solidFill>
+            <a:ln>
+              <a:noFill/>
+            </a:ln>
+          </p:spPr>
+          <p:style>
+            <a:lnRef idx="2">
+              <a:schemeClr val="accent1">
+                <a:shade val="50000"/>
+              </a:schemeClr>
+            </a:lnRef>
+            <a:fillRef idx="1">
+              <a:schemeClr val="accent1"/>
+            </a:fillRef>
+            <a:effectRef idx="0">
+              <a:schemeClr val="accent1"/>
+            </a:effectRef>
+            <a:fontRef idx="minor">
+              <a:schemeClr val="lt1"/>
+            </a:fontRef>
+          </p:style>
+          <p:txBody>
+            <a:bodyPr rtlCol="0" anchor="ctr"/>
+            <a:lstStyle/>
+            <a:p>
+              <a:pPr algn="ctr"/>
+              <a:endParaRPr lang="ko-KR" altLang="en-US"/>
+            </a:p>
+          </p:txBody>
+        </p:sp>
+        <p:sp>
+          <p:nvSpPr>
+            <p:cNvPr id="7" name="타원 6"/>
+            <p:cNvSpPr/>
+            <p:nvPr/>
+          </p:nvSpPr>
+          <p:spPr>
+            <a:xfrm>
+              <a:off x="2349125" y="890383"/>
+              <a:ext cx="2220686" cy="2323077"/>
+            </a:xfrm>
+            <a:prstGeom prst="ellipse">
+              <a:avLst/>
+            </a:prstGeom>
+            <a:solidFill>
+              <a:srgbClr val="FFC000"/>
+            </a:solidFill>
+            <a:ln>
+              <a:noFill/>
+            </a:ln>
+          </p:spPr>
+          <p:style>
+            <a:lnRef idx="2">
+              <a:schemeClr val="accent1">
+                <a:shade val="50000"/>
+              </a:schemeClr>
+            </a:lnRef>
+            <a:fillRef idx="1">
+              <a:schemeClr val="accent1"/>
+            </a:fillRef>
+            <a:effectRef idx="0">
+              <a:schemeClr val="accent1"/>
+            </a:effectRef>
+            <a:fontRef idx="minor">
+              <a:schemeClr val="lt1"/>
+            </a:fontRef>
+          </p:style>
+          <p:txBody>
+            <a:bodyPr rtlCol="0" anchor="ctr"/>
+            <a:lstStyle/>
+            <a:p>
+              <a:pPr algn="ctr"/>
+              <a:endParaRPr lang="ko-KR" altLang="en-US"/>
+            </a:p>
+          </p:txBody>
+        </p:sp>
+        <p:sp>
+          <p:nvSpPr>
+            <p:cNvPr id="4" name="TextBox 3"/>
+            <p:cNvSpPr txBox="1"/>
+            <p:nvPr/>
+          </p:nvSpPr>
+          <p:spPr>
+            <a:xfrm rot="21154713">
+              <a:off x="2474202" y="620761"/>
+              <a:ext cx="4191219" cy="2862322"/>
+            </a:xfrm>
+            <a:prstGeom prst="rect">
+              <a:avLst/>
+            </a:prstGeom>
+            <a:noFill/>
+          </p:spPr>
+          <p:txBody>
+            <a:bodyPr wrap="square" rtlCol="0">
+              <a:spAutoFit/>
+            </a:bodyPr>
+            <a:lstStyle/>
+            <a:p>
+              <a:pPr algn="ctr"/>
+              <a:r>
+                <a:rPr lang="en-US" altLang="ko-KR" sz="18000" dirty="0" smtClean="0">
+                  <a:ln w="44450">
+                    <a:solidFill>
+                      <a:schemeClr val="bg1"/>
+                    </a:solidFill>
+                  </a:ln>
+                  <a:solidFill>
+                    <a:srgbClr val="FFFF75"/>
+                  </a:solidFill>
+                  <a:effectLst>
+                    <a:outerShdw dist="88900" dir="2700000" algn="tl" rotWithShape="0">
+                      <a:srgbClr val="FFDF79"/>
+                    </a:outerShdw>
+                  </a:effectLst>
+                  <a:latin typeface="Arial Black" panose="020B0A04020102020204" pitchFamily="34" charset="0"/>
+                </a:rPr>
+                <a:t>C</a:t>
+              </a:r>
+              <a:r>
+                <a:rPr lang="en-US" altLang="ko-KR" sz="14400" dirty="0" smtClean="0">
+                  <a:ln w="44450">
+                    <a:solidFill>
+                      <a:schemeClr val="bg1"/>
+                    </a:solidFill>
+                  </a:ln>
+                  <a:solidFill>
+                    <a:schemeClr val="accent4">
+                      <a:lumMod val="75000"/>
+                    </a:schemeClr>
+                  </a:solidFill>
+                  <a:effectLst>
+                    <a:outerShdw dist="88900" dir="2700000" algn="tl" rotWithShape="0">
+                      <a:srgbClr val="FFDF79"/>
+                    </a:outerShdw>
+                  </a:effectLst>
+                  <a:latin typeface="Arial Black" panose="020B0A04020102020204" pitchFamily="34" charset="0"/>
+                </a:rPr>
+                <a:t>a</a:t>
+              </a:r>
+              <a:r>
+                <a:rPr lang="en-US" altLang="ko-KR" sz="14400" dirty="0" smtClean="0">
+                  <a:ln w="44450">
+                    <a:solidFill>
+                      <a:schemeClr val="bg1"/>
+                    </a:solidFill>
+                  </a:ln>
+                  <a:effectLst>
+                    <a:outerShdw dist="88900" dir="2700000" algn="tl" rotWithShape="0">
+                      <a:srgbClr val="FFDF79"/>
+                    </a:outerShdw>
+                  </a:effectLst>
+                  <a:latin typeface="Arial Black" panose="020B0A04020102020204" pitchFamily="34" charset="0"/>
+                </a:rPr>
+                <a:t>t</a:t>
+              </a:r>
+              <a:endParaRPr lang="ko-KR" altLang="en-US" sz="14400" dirty="0">
+                <a:ln w="44450">
+                  <a:solidFill>
+                    <a:schemeClr val="bg1"/>
+                  </a:solidFill>
+                </a:ln>
+                <a:effectLst>
+                  <a:outerShdw dist="88900" dir="2700000" algn="tl" rotWithShape="0">
+                    <a:srgbClr val="FFDF79"/>
+                  </a:outerShdw>
+                </a:effectLst>
+                <a:latin typeface="Arial Black" panose="020B0A04020102020204" pitchFamily="34" charset="0"/>
+              </a:endParaRPr>
+            </a:p>
+          </p:txBody>
+        </p:sp>
+        <p:sp>
+          <p:nvSpPr>
+            <p:cNvPr id="6" name="TextBox 5"/>
+            <p:cNvSpPr txBox="1"/>
+            <p:nvPr/>
+          </p:nvSpPr>
+          <p:spPr>
+            <a:xfrm>
+              <a:off x="2671400" y="2557539"/>
+              <a:ext cx="7328263" cy="2400657"/>
+            </a:xfrm>
+            <a:prstGeom prst="rect">
+              <a:avLst/>
+            </a:prstGeom>
+            <a:noFill/>
+          </p:spPr>
+          <p:txBody>
+            <a:bodyPr wrap="square" rtlCol="0">
+              <a:spAutoFit/>
+            </a:bodyPr>
+            <a:lstStyle/>
+            <a:p>
+              <a:pPr algn="ctr"/>
+              <a:r>
+                <a:rPr lang="en-US" altLang="ko-KR" sz="15000" dirty="0" smtClean="0">
+                  <a:ln w="44450">
+                    <a:solidFill>
+                      <a:schemeClr val="bg1"/>
+                    </a:solidFill>
+                  </a:ln>
+                  <a:gradFill flip="none" rotWithShape="1">
+                    <a:gsLst>
+                      <a:gs pos="0">
+                        <a:srgbClr val="C5FFC1"/>
+                      </a:gs>
+                      <a:gs pos="43000">
+                        <a:srgbClr val="FFFF37"/>
+                      </a:gs>
+                    </a:gsLst>
+                    <a:lin ang="0" scaled="1"/>
+                    <a:tileRect/>
+                  </a:gradFill>
+                  <a:effectLst>
+                    <a:outerShdw dist="88900" dir="2700000" algn="tl" rotWithShape="0">
+                      <a:srgbClr val="FFDF79"/>
+                    </a:outerShdw>
+                  </a:effectLst>
+                  <a:latin typeface="Arial Black" panose="020B0A04020102020204" pitchFamily="34" charset="0"/>
+                </a:rPr>
+                <a:t>D</a:t>
+              </a:r>
+              <a:r>
+                <a:rPr lang="en-US" altLang="ko-KR" sz="12000" dirty="0" smtClean="0">
+                  <a:ln w="44450">
+                    <a:solidFill>
+                      <a:schemeClr val="bg1"/>
+                    </a:solidFill>
+                  </a:ln>
+                  <a:solidFill>
+                    <a:srgbClr val="FFFF37"/>
+                  </a:solidFill>
+                  <a:effectLst>
+                    <a:outerShdw dist="88900" dir="2700000" algn="tl" rotWithShape="0">
+                      <a:srgbClr val="FFDF79"/>
+                    </a:outerShdw>
+                  </a:effectLst>
+                  <a:latin typeface="Arial Black" panose="020B0A04020102020204" pitchFamily="34" charset="0"/>
+                </a:rPr>
+                <a:t>ef</a:t>
+              </a:r>
+              <a:r>
+                <a:rPr lang="en-US" altLang="ko-KR" sz="12000" dirty="0" smtClean="0">
+                  <a:ln w="44450">
+                    <a:solidFill>
+                      <a:schemeClr val="bg1"/>
+                    </a:solidFill>
+                  </a:ln>
+                  <a:solidFill>
+                    <a:srgbClr val="9BA81C"/>
+                  </a:solidFill>
+                  <a:effectLst>
+                    <a:outerShdw dist="88900" dir="2700000" algn="tl" rotWithShape="0">
+                      <a:srgbClr val="FFDF79"/>
+                    </a:outerShdw>
+                  </a:effectLst>
+                  <a:latin typeface="Arial Black" panose="020B0A04020102020204" pitchFamily="34" charset="0"/>
+                </a:rPr>
+                <a:t>e</a:t>
+              </a:r>
+              <a:r>
+                <a:rPr lang="en-US" altLang="ko-KR" sz="12000" dirty="0" smtClean="0">
+                  <a:ln w="44450">
+                    <a:solidFill>
+                      <a:schemeClr val="bg1"/>
+                    </a:solidFill>
+                  </a:ln>
+                  <a:solidFill>
+                    <a:srgbClr val="FFFF37"/>
+                  </a:solidFill>
+                  <a:effectLst>
+                    <a:outerShdw dist="88900" dir="2700000" algn="tl" rotWithShape="0">
+                      <a:srgbClr val="FFDF79"/>
+                    </a:outerShdw>
+                  </a:effectLst>
+                  <a:latin typeface="Arial Black" panose="020B0A04020102020204" pitchFamily="34" charset="0"/>
+                </a:rPr>
+                <a:t>n</a:t>
+              </a:r>
+              <a:r>
+                <a:rPr lang="en-US" altLang="ko-KR" sz="12000" dirty="0" smtClean="0">
+                  <a:ln w="44450">
+                    <a:solidFill>
+                      <a:schemeClr val="bg1"/>
+                    </a:solidFill>
+                  </a:ln>
+                  <a:solidFill>
+                    <a:srgbClr val="85EF85"/>
+                  </a:solidFill>
+                  <a:effectLst>
+                    <a:outerShdw dist="88900" dir="2700000" algn="tl" rotWithShape="0">
+                      <a:srgbClr val="FFDF79"/>
+                    </a:outerShdw>
+                  </a:effectLst>
+                  <a:latin typeface="Arial Black" panose="020B0A04020102020204" pitchFamily="34" charset="0"/>
+                </a:rPr>
+                <a:t>s</a:t>
+              </a:r>
+              <a:r>
+                <a:rPr lang="en-US" altLang="ko-KR" sz="12000" dirty="0" smtClean="0">
+                  <a:ln w="44450">
+                    <a:solidFill>
+                      <a:schemeClr val="bg1"/>
+                    </a:solidFill>
+                  </a:ln>
+                  <a:solidFill>
+                    <a:srgbClr val="5D5DFF"/>
+                  </a:solidFill>
+                  <a:effectLst>
+                    <a:outerShdw dist="88900" dir="2700000" algn="tl" rotWithShape="0">
+                      <a:srgbClr val="FFDF79"/>
+                    </a:outerShdw>
+                  </a:effectLst>
+                  <a:latin typeface="Arial Black" panose="020B0A04020102020204" pitchFamily="34" charset="0"/>
+                </a:rPr>
+                <a:t>e</a:t>
+              </a:r>
+              <a:endParaRPr lang="ko-KR" altLang="en-US" sz="12000" dirty="0">
+                <a:ln w="44450">
+                  <a:solidFill>
+                    <a:schemeClr val="bg1"/>
+                  </a:solidFill>
+                </a:ln>
+                <a:solidFill>
+                  <a:srgbClr val="5D5DFF"/>
+                </a:solidFill>
+                <a:effectLst>
+                  <a:outerShdw dist="88900" dir="2700000" algn="tl" rotWithShape="0">
+                    <a:srgbClr val="FFDF79"/>
+                  </a:outerShdw>
+                </a:effectLst>
+                <a:latin typeface="Arial Black" panose="020B0A04020102020204" pitchFamily="34" charset="0"/>
+              </a:endParaRPr>
+            </a:p>
+          </p:txBody>
+        </p:sp>
+      </p:grpSp>
+    </p:spTree>
+    <p:extLst>
+      <p:ext uri="{BB962C8B-B14F-4D97-AF65-F5344CB8AC3E}">
+        <p14:creationId xmlns:p14="http://schemas.microsoft.com/office/powerpoint/2010/main" val="2071821718"/>
+      </p:ext>
+    </p:extLst>
+  </p:cSld>
+  <p:clrMapOvr>
+    <a:masterClrMapping/>
+  </p:clrMapOvr>
+</p:sld>
+</file>
+
+<file path=ppt/slides/slide14.xml><?xml version="1.0" encoding="utf-8"?>
+<p:sld xmlns:a="http://schemas.openxmlformats.org/drawingml/2006/main" xmlns:r="http://schemas.openxmlformats.org/officeDocument/2006/relationships" xmlns:p="http://schemas.openxmlformats.org/presentationml/2006/main">
+  <p:cSld>
+    <p:spTree>
+      <p:nvGrpSpPr>
+        <p:cNvPr id="1" name=""/>
+        <p:cNvGrpSpPr/>
+        <p:nvPr/>
+      </p:nvGrpSpPr>
+      <p:grpSpPr>
+        <a:xfrm>
+          <a:off x="0" y="0"/>
+          <a:ext cx="0" cy="0"/>
+          <a:chOff x="0" y="0"/>
+          <a:chExt cx="0" cy="0"/>
+        </a:xfrm>
+      </p:grpSpPr>
+      <p:grpSp>
+        <p:nvGrpSpPr>
+          <p:cNvPr id="8" name="그룹 7"/>
+          <p:cNvGrpSpPr/>
+          <p:nvPr/>
+        </p:nvGrpSpPr>
+        <p:grpSpPr>
+          <a:xfrm>
+            <a:off x="7494814" y="2400299"/>
+            <a:ext cx="3842657" cy="1577576"/>
+            <a:chOff x="7494814" y="2400299"/>
+            <a:chExt cx="3842657" cy="1577576"/>
+          </a:xfrm>
+        </p:grpSpPr>
+        <p:sp>
+          <p:nvSpPr>
+            <p:cNvPr id="5" name="모서리가 둥근 직사각형 4"/>
+            <p:cNvSpPr/>
+            <p:nvPr/>
+          </p:nvSpPr>
+          <p:spPr>
+            <a:xfrm>
+              <a:off x="7494814" y="2400299"/>
+              <a:ext cx="3842657" cy="1507165"/>
+            </a:xfrm>
+            <a:prstGeom prst="roundRect">
+              <a:avLst>
+                <a:gd name="adj" fmla="val 50000"/>
+              </a:avLst>
+            </a:prstGeom>
+            <a:solidFill>
+              <a:srgbClr val="92D050"/>
+            </a:solidFill>
+            <a:ln w="63500">
+              <a:solidFill>
+                <a:schemeClr val="tx1"/>
+              </a:solidFill>
+            </a:ln>
+          </p:spPr>
+          <p:style>
+            <a:lnRef idx="2">
+              <a:schemeClr val="accent1">
+                <a:shade val="50000"/>
+              </a:schemeClr>
+            </a:lnRef>
+            <a:fillRef idx="1">
+              <a:schemeClr val="accent1"/>
+            </a:fillRef>
+            <a:effectRef idx="0">
+              <a:schemeClr val="accent1"/>
+            </a:effectRef>
+            <a:fontRef idx="minor">
+              <a:schemeClr val="lt1"/>
+            </a:fontRef>
+          </p:style>
+          <p:txBody>
+            <a:bodyPr rtlCol="0" anchor="ctr"/>
+            <a:lstStyle/>
+            <a:p>
+              <a:pPr algn="ctr"/>
+              <a:endParaRPr lang="ko-KR" altLang="en-US" sz="6000" dirty="0">
+                <a:ln w="25400">
+                  <a:solidFill>
+                    <a:schemeClr val="tx1"/>
+                  </a:solidFill>
+                </a:ln>
+                <a:solidFill>
+                  <a:srgbClr val="FFFF5D"/>
+                </a:solidFill>
+                <a:latin typeface="Arial Black" panose="020B0A04020102020204" pitchFamily="34" charset="0"/>
+              </a:endParaRPr>
+            </a:p>
+          </p:txBody>
+        </p:sp>
+        <p:sp>
+          <p:nvSpPr>
+            <p:cNvPr id="6" name="자유형 5"/>
+            <p:cNvSpPr/>
+            <p:nvPr/>
+          </p:nvSpPr>
+          <p:spPr>
+            <a:xfrm>
+              <a:off x="7792472" y="2685213"/>
+              <a:ext cx="388062" cy="374681"/>
+            </a:xfrm>
+            <a:custGeom>
+              <a:avLst/>
+              <a:gdLst>
+                <a:gd name="connsiteX0" fmla="*/ 0 w 388062"/>
+                <a:gd name="connsiteY0" fmla="*/ 374681 h 374681"/>
+                <a:gd name="connsiteX1" fmla="*/ 160577 w 388062"/>
+                <a:gd name="connsiteY1" fmla="*/ 124894 h 374681"/>
+                <a:gd name="connsiteX2" fmla="*/ 388062 w 388062"/>
+                <a:gd name="connsiteY2" fmla="*/ 0 h 374681"/>
+              </a:gdLst>
+              <a:ahLst/>
+              <a:cxnLst>
+                <a:cxn ang="0">
+                  <a:pos x="connsiteX0" y="connsiteY0"/>
+                </a:cxn>
+                <a:cxn ang="0">
+                  <a:pos x="connsiteX1" y="connsiteY1"/>
+                </a:cxn>
+                <a:cxn ang="0">
+                  <a:pos x="connsiteX2" y="connsiteY2"/>
+                </a:cxn>
+              </a:cxnLst>
+              <a:rect l="l" t="t" r="r" b="b"/>
+              <a:pathLst>
+                <a:path w="388062" h="374681">
+                  <a:moveTo>
+                    <a:pt x="0" y="374681"/>
+                  </a:moveTo>
+                  <a:cubicBezTo>
+                    <a:pt x="47950" y="281011"/>
+                    <a:pt x="95900" y="187341"/>
+                    <a:pt x="160577" y="124894"/>
+                  </a:cubicBezTo>
+                  <a:cubicBezTo>
+                    <a:pt x="225254" y="62447"/>
+                    <a:pt x="306658" y="31223"/>
+                    <a:pt x="388062" y="0"/>
+                  </a:cubicBezTo>
+                </a:path>
+              </a:pathLst>
+            </a:custGeom>
+            <a:noFill/>
+            <a:ln w="254000" cap="rnd">
+              <a:solidFill>
+                <a:srgbClr val="B0DD7F"/>
+              </a:solidFill>
+            </a:ln>
+          </p:spPr>
+          <p:style>
+            <a:lnRef idx="2">
+              <a:schemeClr val="accent1">
+                <a:shade val="50000"/>
+              </a:schemeClr>
+            </a:lnRef>
+            <a:fillRef idx="1">
+              <a:schemeClr val="accent1"/>
+            </a:fillRef>
+            <a:effectRef idx="0">
+              <a:schemeClr val="accent1"/>
+            </a:effectRef>
+            <a:fontRef idx="minor">
+              <a:schemeClr val="lt1"/>
+            </a:fontRef>
+          </p:style>
+          <p:txBody>
+            <a:bodyPr rtlCol="0" anchor="ctr"/>
+            <a:lstStyle/>
+            <a:p>
+              <a:pPr algn="ctr"/>
+              <a:endParaRPr lang="ko-KR" altLang="en-US"/>
+            </a:p>
+          </p:txBody>
+        </p:sp>
+        <p:sp>
+          <p:nvSpPr>
+            <p:cNvPr id="7" name="TextBox 6"/>
+            <p:cNvSpPr txBox="1"/>
+            <p:nvPr/>
+          </p:nvSpPr>
+          <p:spPr>
+            <a:xfrm>
+              <a:off x="7792472" y="2685213"/>
+              <a:ext cx="3441842" cy="1292662"/>
+            </a:xfrm>
+            <a:prstGeom prst="rect">
+              <a:avLst/>
+            </a:prstGeom>
+            <a:noFill/>
+          </p:spPr>
+          <p:txBody>
+            <a:bodyPr wrap="square" rtlCol="0">
+              <a:spAutoFit/>
+            </a:bodyPr>
+            <a:lstStyle/>
+            <a:p>
+              <a:pPr algn="ctr"/>
+              <a:r>
+                <a:rPr lang="en-US" altLang="ko-KR" sz="6000" dirty="0">
+                  <a:ln w="25400">
+                    <a:solidFill>
+                      <a:schemeClr val="tx1"/>
+                    </a:solidFill>
+                  </a:ln>
+                  <a:solidFill>
+                    <a:srgbClr val="FFFF5D"/>
+                  </a:solidFill>
+                  <a:latin typeface="Arial Black" panose="020B0A04020102020204" pitchFamily="34" charset="0"/>
+                </a:rPr>
+                <a:t>CREDIT</a:t>
+              </a:r>
+              <a:endParaRPr lang="ko-KR" altLang="en-US" sz="6000" dirty="0">
+                <a:ln w="25400">
+                  <a:solidFill>
+                    <a:schemeClr val="tx1"/>
+                  </a:solidFill>
+                </a:ln>
+                <a:solidFill>
+                  <a:srgbClr val="FFFF5D"/>
+                </a:solidFill>
+                <a:latin typeface="Arial Black" panose="020B0A04020102020204" pitchFamily="34" charset="0"/>
+              </a:endParaRPr>
+            </a:p>
+            <a:p>
+              <a:endParaRPr lang="ko-KR" altLang="en-US" dirty="0"/>
+            </a:p>
+          </p:txBody>
+        </p:sp>
+      </p:grpSp>
+      <p:grpSp>
+        <p:nvGrpSpPr>
+          <p:cNvPr id="9" name="그룹 8"/>
+          <p:cNvGrpSpPr/>
+          <p:nvPr/>
+        </p:nvGrpSpPr>
+        <p:grpSpPr>
+          <a:xfrm>
+            <a:off x="2349557" y="2400299"/>
+            <a:ext cx="3842657" cy="1569859"/>
+            <a:chOff x="7494814" y="2400299"/>
+            <a:chExt cx="3842657" cy="1569859"/>
+          </a:xfrm>
+        </p:grpSpPr>
+        <p:sp>
+          <p:nvSpPr>
+            <p:cNvPr id="10" name="모서리가 둥근 직사각형 9"/>
+            <p:cNvSpPr/>
+            <p:nvPr/>
+          </p:nvSpPr>
+          <p:spPr>
+            <a:xfrm>
+              <a:off x="7494814" y="2400299"/>
+              <a:ext cx="3842657" cy="1507165"/>
+            </a:xfrm>
+            <a:prstGeom prst="roundRect">
+              <a:avLst>
+                <a:gd name="adj" fmla="val 50000"/>
+              </a:avLst>
+            </a:prstGeom>
+            <a:solidFill>
+              <a:srgbClr val="92D050"/>
+            </a:solidFill>
+            <a:ln w="63500">
+              <a:solidFill>
+                <a:schemeClr val="tx1"/>
+              </a:solidFill>
+            </a:ln>
+          </p:spPr>
+          <p:style>
+            <a:lnRef idx="2">
+              <a:schemeClr val="accent1">
+                <a:shade val="50000"/>
+              </a:schemeClr>
+            </a:lnRef>
+            <a:fillRef idx="1">
+              <a:schemeClr val="accent1"/>
+            </a:fillRef>
+            <a:effectRef idx="0">
+              <a:schemeClr val="accent1"/>
+            </a:effectRef>
+            <a:fontRef idx="minor">
+              <a:schemeClr val="lt1"/>
+            </a:fontRef>
+          </p:style>
+          <p:txBody>
+            <a:bodyPr rtlCol="0" anchor="ctr"/>
+            <a:lstStyle/>
+            <a:p>
+              <a:pPr algn="ctr"/>
+              <a:endParaRPr lang="ko-KR" altLang="en-US" sz="6000" dirty="0">
+                <a:ln w="25400">
+                  <a:solidFill>
+                    <a:schemeClr val="tx1"/>
+                  </a:solidFill>
+                </a:ln>
+                <a:solidFill>
+                  <a:srgbClr val="FFFF5D"/>
+                </a:solidFill>
+                <a:latin typeface="Arial Black" panose="020B0A04020102020204" pitchFamily="34" charset="0"/>
+              </a:endParaRPr>
+            </a:p>
+          </p:txBody>
+        </p:sp>
+        <p:sp>
+          <p:nvSpPr>
+            <p:cNvPr id="11" name="자유형 10"/>
+            <p:cNvSpPr/>
+            <p:nvPr/>
+          </p:nvSpPr>
+          <p:spPr>
+            <a:xfrm>
+              <a:off x="7792472" y="2685213"/>
+              <a:ext cx="388062" cy="374681"/>
+            </a:xfrm>
+            <a:custGeom>
+              <a:avLst/>
+              <a:gdLst>
+                <a:gd name="connsiteX0" fmla="*/ 0 w 388062"/>
+                <a:gd name="connsiteY0" fmla="*/ 374681 h 374681"/>
+                <a:gd name="connsiteX1" fmla="*/ 160577 w 388062"/>
+                <a:gd name="connsiteY1" fmla="*/ 124894 h 374681"/>
+                <a:gd name="connsiteX2" fmla="*/ 388062 w 388062"/>
+                <a:gd name="connsiteY2" fmla="*/ 0 h 374681"/>
+              </a:gdLst>
+              <a:ahLst/>
+              <a:cxnLst>
+                <a:cxn ang="0">
+                  <a:pos x="connsiteX0" y="connsiteY0"/>
+                </a:cxn>
+                <a:cxn ang="0">
+                  <a:pos x="connsiteX1" y="connsiteY1"/>
+                </a:cxn>
+                <a:cxn ang="0">
+                  <a:pos x="connsiteX2" y="connsiteY2"/>
+                </a:cxn>
+              </a:cxnLst>
+              <a:rect l="l" t="t" r="r" b="b"/>
+              <a:pathLst>
+                <a:path w="388062" h="374681">
+                  <a:moveTo>
+                    <a:pt x="0" y="374681"/>
+                  </a:moveTo>
+                  <a:cubicBezTo>
+                    <a:pt x="47950" y="281011"/>
+                    <a:pt x="95900" y="187341"/>
+                    <a:pt x="160577" y="124894"/>
+                  </a:cubicBezTo>
+                  <a:cubicBezTo>
+                    <a:pt x="225254" y="62447"/>
+                    <a:pt x="306658" y="31223"/>
+                    <a:pt x="388062" y="0"/>
+                  </a:cubicBezTo>
+                </a:path>
+              </a:pathLst>
+            </a:custGeom>
+            <a:noFill/>
+            <a:ln w="254000" cap="rnd">
+              <a:solidFill>
+                <a:srgbClr val="B0DD7F"/>
+              </a:solidFill>
+            </a:ln>
+          </p:spPr>
+          <p:style>
+            <a:lnRef idx="2">
+              <a:schemeClr val="accent1">
+                <a:shade val="50000"/>
+              </a:schemeClr>
+            </a:lnRef>
+            <a:fillRef idx="1">
+              <a:schemeClr val="accent1"/>
+            </a:fillRef>
+            <a:effectRef idx="0">
+              <a:schemeClr val="accent1"/>
+            </a:effectRef>
+            <a:fontRef idx="minor">
+              <a:schemeClr val="lt1"/>
+            </a:fontRef>
+          </p:style>
+          <p:txBody>
+            <a:bodyPr rtlCol="0" anchor="ctr"/>
+            <a:lstStyle/>
+            <a:p>
+              <a:pPr algn="ctr"/>
+              <a:endParaRPr lang="ko-KR" altLang="en-US"/>
+            </a:p>
+          </p:txBody>
+        </p:sp>
+        <p:sp>
+          <p:nvSpPr>
+            <p:cNvPr id="12" name="TextBox 11"/>
+            <p:cNvSpPr txBox="1"/>
+            <p:nvPr/>
+          </p:nvSpPr>
+          <p:spPr>
+            <a:xfrm>
+              <a:off x="7707355" y="2677496"/>
+              <a:ext cx="3508502" cy="1292662"/>
+            </a:xfrm>
+            <a:prstGeom prst="rect">
+              <a:avLst/>
+            </a:prstGeom>
+            <a:noFill/>
+          </p:spPr>
+          <p:txBody>
+            <a:bodyPr wrap="square" rtlCol="0">
+              <a:spAutoFit/>
+            </a:bodyPr>
+            <a:lstStyle/>
+            <a:p>
+              <a:pPr algn="ctr"/>
+              <a:r>
+                <a:rPr lang="en-US" altLang="ko-KR" sz="6000" dirty="0" smtClean="0">
+                  <a:ln w="25400">
+                    <a:solidFill>
+                      <a:schemeClr val="tx1"/>
+                    </a:solidFill>
+                  </a:ln>
+                  <a:solidFill>
+                    <a:srgbClr val="FFFF5D"/>
+                  </a:solidFill>
+                  <a:latin typeface="Arial Black" panose="020B0A04020102020204" pitchFamily="34" charset="0"/>
+                </a:rPr>
+                <a:t>START</a:t>
+              </a:r>
+              <a:endParaRPr lang="ko-KR" altLang="en-US" sz="6000" dirty="0">
+                <a:ln w="25400">
+                  <a:solidFill>
+                    <a:schemeClr val="tx1"/>
+                  </a:solidFill>
+                </a:ln>
+                <a:solidFill>
+                  <a:srgbClr val="FFFF5D"/>
+                </a:solidFill>
+                <a:latin typeface="Arial Black" panose="020B0A04020102020204" pitchFamily="34" charset="0"/>
+              </a:endParaRPr>
+            </a:p>
+            <a:p>
+              <a:endParaRPr lang="ko-KR" altLang="en-US" dirty="0"/>
+            </a:p>
+          </p:txBody>
+        </p:sp>
+      </p:grpSp>
+    </p:spTree>
+    <p:extLst>
+      <p:ext uri="{BB962C8B-B14F-4D97-AF65-F5344CB8AC3E}">
+        <p14:creationId xmlns:p14="http://schemas.microsoft.com/office/powerpoint/2010/main" val="3872581204"/>
+      </p:ext>
+    </p:extLst>
+  </p:cSld>
+  <p:clrMapOvr>
+    <a:masterClrMapping/>
+  </p:clrMapOvr>
+</p:sld>
+</file>
+
 <file path=ppt/slides/slide2.xml><?xml version="1.0" encoding="utf-8"?>
 <p:sld xmlns:a="http://schemas.openxmlformats.org/drawingml/2006/main" xmlns:r="http://schemas.openxmlformats.org/officeDocument/2006/relationships" xmlns:p="http://schemas.openxmlformats.org/presentationml/2006/main">
   <p:cSld>

--- a/UI Design.pptx
+++ b/UI Design.pptx
@@ -19,6 +19,11 @@
     <p:sldId id="267" r:id="rId13"/>
     <p:sldId id="268" r:id="rId14"/>
     <p:sldId id="269" r:id="rId15"/>
+    <p:sldId id="270" r:id="rId16"/>
+    <p:sldId id="272" r:id="rId17"/>
+    <p:sldId id="273" r:id="rId18"/>
+    <p:sldId id="274" r:id="rId19"/>
+    <p:sldId id="275" r:id="rId20"/>
   </p:sldIdLst>
   <p:sldSz cx="12192000" cy="6858000"/>
   <p:notesSz cx="6858000" cy="9144000"/>
@@ -256,7 +261,7 @@
           <a:p>
             <a:fld id="{73DA44B2-CD98-4B3F-98ED-AED51D116F14}" type="datetimeFigureOut">
               <a:rPr lang="ko-KR" altLang="en-US" smtClean="0"/>
-              <a:t>2017-04-02</a:t>
+              <a:t>2017-04-05</a:t>
             </a:fld>
             <a:endParaRPr lang="ko-KR" altLang="en-US"/>
           </a:p>
@@ -426,7 +431,7 @@
           <a:p>
             <a:fld id="{73DA44B2-CD98-4B3F-98ED-AED51D116F14}" type="datetimeFigureOut">
               <a:rPr lang="ko-KR" altLang="en-US" smtClean="0"/>
-              <a:t>2017-04-02</a:t>
+              <a:t>2017-04-05</a:t>
             </a:fld>
             <a:endParaRPr lang="ko-KR" altLang="en-US"/>
           </a:p>
@@ -606,7 +611,7 @@
           <a:p>
             <a:fld id="{73DA44B2-CD98-4B3F-98ED-AED51D116F14}" type="datetimeFigureOut">
               <a:rPr lang="ko-KR" altLang="en-US" smtClean="0"/>
-              <a:t>2017-04-02</a:t>
+              <a:t>2017-04-05</a:t>
             </a:fld>
             <a:endParaRPr lang="ko-KR" altLang="en-US"/>
           </a:p>
@@ -776,7 +781,7 @@
           <a:p>
             <a:fld id="{73DA44B2-CD98-4B3F-98ED-AED51D116F14}" type="datetimeFigureOut">
               <a:rPr lang="ko-KR" altLang="en-US" smtClean="0"/>
-              <a:t>2017-04-02</a:t>
+              <a:t>2017-04-05</a:t>
             </a:fld>
             <a:endParaRPr lang="ko-KR" altLang="en-US"/>
           </a:p>
@@ -1022,7 +1027,7 @@
           <a:p>
             <a:fld id="{73DA44B2-CD98-4B3F-98ED-AED51D116F14}" type="datetimeFigureOut">
               <a:rPr lang="ko-KR" altLang="en-US" smtClean="0"/>
-              <a:t>2017-04-02</a:t>
+              <a:t>2017-04-05</a:t>
             </a:fld>
             <a:endParaRPr lang="ko-KR" altLang="en-US"/>
           </a:p>
@@ -1254,7 +1259,7 @@
           <a:p>
             <a:fld id="{73DA44B2-CD98-4B3F-98ED-AED51D116F14}" type="datetimeFigureOut">
               <a:rPr lang="ko-KR" altLang="en-US" smtClean="0"/>
-              <a:t>2017-04-02</a:t>
+              <a:t>2017-04-05</a:t>
             </a:fld>
             <a:endParaRPr lang="ko-KR" altLang="en-US"/>
           </a:p>
@@ -1621,7 +1626,7 @@
           <a:p>
             <a:fld id="{73DA44B2-CD98-4B3F-98ED-AED51D116F14}" type="datetimeFigureOut">
               <a:rPr lang="ko-KR" altLang="en-US" smtClean="0"/>
-              <a:t>2017-04-02</a:t>
+              <a:t>2017-04-05</a:t>
             </a:fld>
             <a:endParaRPr lang="ko-KR" altLang="en-US"/>
           </a:p>
@@ -1739,7 +1744,7 @@
           <a:p>
             <a:fld id="{73DA44B2-CD98-4B3F-98ED-AED51D116F14}" type="datetimeFigureOut">
               <a:rPr lang="ko-KR" altLang="en-US" smtClean="0"/>
-              <a:t>2017-04-02</a:t>
+              <a:t>2017-04-05</a:t>
             </a:fld>
             <a:endParaRPr lang="ko-KR" altLang="en-US"/>
           </a:p>
@@ -1834,7 +1839,7 @@
           <a:p>
             <a:fld id="{73DA44B2-CD98-4B3F-98ED-AED51D116F14}" type="datetimeFigureOut">
               <a:rPr lang="ko-KR" altLang="en-US" smtClean="0"/>
-              <a:t>2017-04-02</a:t>
+              <a:t>2017-04-05</a:t>
             </a:fld>
             <a:endParaRPr lang="ko-KR" altLang="en-US"/>
           </a:p>
@@ -2111,7 +2116,7 @@
           <a:p>
             <a:fld id="{73DA44B2-CD98-4B3F-98ED-AED51D116F14}" type="datetimeFigureOut">
               <a:rPr lang="ko-KR" altLang="en-US" smtClean="0"/>
-              <a:t>2017-04-02</a:t>
+              <a:t>2017-04-05</a:t>
             </a:fld>
             <a:endParaRPr lang="ko-KR" altLang="en-US"/>
           </a:p>
@@ -2364,7 +2369,7 @@
           <a:p>
             <a:fld id="{73DA44B2-CD98-4B3F-98ED-AED51D116F14}" type="datetimeFigureOut">
               <a:rPr lang="ko-KR" altLang="en-US" smtClean="0"/>
-              <a:t>2017-04-02</a:t>
+              <a:t>2017-04-05</a:t>
             </a:fld>
             <a:endParaRPr lang="ko-KR" altLang="en-US"/>
           </a:p>
@@ -2577,7 +2582,7 @@
           <a:p>
             <a:fld id="{73DA44B2-CD98-4B3F-98ED-AED51D116F14}" type="datetimeFigureOut">
               <a:rPr lang="ko-KR" altLang="en-US" smtClean="0"/>
-              <a:t>2017-04-02</a:t>
+              <a:t>2017-04-05</a:t>
             </a:fld>
             <a:endParaRPr lang="ko-KR" altLang="en-US"/>
           </a:p>
@@ -9029,6 +9034,2379 @@
 </p:sld>
 </file>
 
+<file path=ppt/slides/slide15.xml><?xml version="1.0" encoding="utf-8"?>
+<p:sld xmlns:a="http://schemas.openxmlformats.org/drawingml/2006/main" xmlns:r="http://schemas.openxmlformats.org/officeDocument/2006/relationships" xmlns:p="http://schemas.openxmlformats.org/presentationml/2006/main">
+  <p:cSld>
+    <p:spTree>
+      <p:nvGrpSpPr>
+        <p:cNvPr id="1" name=""/>
+        <p:cNvGrpSpPr/>
+        <p:nvPr/>
+      </p:nvGrpSpPr>
+      <p:grpSpPr>
+        <a:xfrm>
+          <a:off x="0" y="0"/>
+          <a:ext cx="0" cy="0"/>
+          <a:chOff x="0" y="0"/>
+          <a:chExt cx="0" cy="0"/>
+        </a:xfrm>
+      </p:grpSpPr>
+      <p:grpSp>
+        <p:nvGrpSpPr>
+          <p:cNvPr id="14" name="그룹 13"/>
+          <p:cNvGrpSpPr/>
+          <p:nvPr/>
+        </p:nvGrpSpPr>
+        <p:grpSpPr>
+          <a:xfrm>
+            <a:off x="-1" y="0"/>
+            <a:ext cx="12192001" cy="6860155"/>
+            <a:chOff x="-1" y="0"/>
+            <a:chExt cx="12192001" cy="6860155"/>
+          </a:xfrm>
+        </p:grpSpPr>
+        <p:pic>
+          <p:nvPicPr>
+            <p:cNvPr id="4" name="그림 3"/>
+            <p:cNvPicPr>
+              <a:picLocks noChangeAspect="1"/>
+            </p:cNvPicPr>
+            <p:nvPr/>
+          </p:nvPicPr>
+          <p:blipFill>
+            <a:blip r:embed="rId2">
+              <a:extLst>
+                <a:ext uri="{28A0092B-C50C-407E-A947-70E740481C1C}">
+                  <a14:useLocalDpi xmlns:a14="http://schemas.microsoft.com/office/drawing/2010/main" val="0"/>
+                </a:ext>
+              </a:extLst>
+            </a:blip>
+            <a:stretch>
+              <a:fillRect/>
+            </a:stretch>
+          </p:blipFill>
+          <p:spPr>
+            <a:xfrm>
+              <a:off x="0" y="0"/>
+              <a:ext cx="12192000" cy="6860155"/>
+            </a:xfrm>
+            <a:prstGeom prst="rect">
+              <a:avLst/>
+            </a:prstGeom>
+          </p:spPr>
+        </p:pic>
+        <p:sp>
+          <p:nvSpPr>
+            <p:cNvPr id="5" name="직사각형 4"/>
+            <p:cNvSpPr/>
+            <p:nvPr/>
+          </p:nvSpPr>
+          <p:spPr>
+            <a:xfrm>
+              <a:off x="-1" y="0"/>
+              <a:ext cx="8768444" cy="6858000"/>
+            </a:xfrm>
+            <a:prstGeom prst="rect">
+              <a:avLst/>
+            </a:prstGeom>
+            <a:solidFill>
+              <a:schemeClr val="tx1">
+                <a:alpha val="70000"/>
+              </a:schemeClr>
+            </a:solidFill>
+            <a:ln>
+              <a:noFill/>
+            </a:ln>
+          </p:spPr>
+          <p:style>
+            <a:lnRef idx="2">
+              <a:schemeClr val="accent1">
+                <a:shade val="50000"/>
+              </a:schemeClr>
+            </a:lnRef>
+            <a:fillRef idx="1">
+              <a:schemeClr val="accent1"/>
+            </a:fillRef>
+            <a:effectRef idx="0">
+              <a:schemeClr val="accent1"/>
+            </a:effectRef>
+            <a:fontRef idx="minor">
+              <a:schemeClr val="lt1"/>
+            </a:fontRef>
+          </p:style>
+          <p:txBody>
+            <a:bodyPr rtlCol="0" anchor="ctr"/>
+            <a:lstStyle/>
+            <a:p>
+              <a:pPr algn="ctr"/>
+              <a:endParaRPr lang="ko-KR" altLang="en-US"/>
+            </a:p>
+          </p:txBody>
+        </p:sp>
+        <p:sp>
+          <p:nvSpPr>
+            <p:cNvPr id="6" name="직사각형 5"/>
+            <p:cNvSpPr/>
+            <p:nvPr/>
+          </p:nvSpPr>
+          <p:spPr>
+            <a:xfrm>
+              <a:off x="10891156" y="0"/>
+              <a:ext cx="1300843" cy="6858000"/>
+            </a:xfrm>
+            <a:prstGeom prst="rect">
+              <a:avLst/>
+            </a:prstGeom>
+            <a:solidFill>
+              <a:schemeClr val="tx1">
+                <a:alpha val="70000"/>
+              </a:schemeClr>
+            </a:solidFill>
+            <a:ln>
+              <a:noFill/>
+            </a:ln>
+          </p:spPr>
+          <p:style>
+            <a:lnRef idx="2">
+              <a:schemeClr val="accent1">
+                <a:shade val="50000"/>
+              </a:schemeClr>
+            </a:lnRef>
+            <a:fillRef idx="1">
+              <a:schemeClr val="accent1"/>
+            </a:fillRef>
+            <a:effectRef idx="0">
+              <a:schemeClr val="accent1"/>
+            </a:effectRef>
+            <a:fontRef idx="minor">
+              <a:schemeClr val="lt1"/>
+            </a:fontRef>
+          </p:style>
+          <p:txBody>
+            <a:bodyPr rtlCol="0" anchor="ctr"/>
+            <a:lstStyle/>
+            <a:p>
+              <a:pPr algn="ctr"/>
+              <a:endParaRPr lang="ko-KR" altLang="en-US"/>
+            </a:p>
+          </p:txBody>
+        </p:sp>
+        <p:sp>
+          <p:nvSpPr>
+            <p:cNvPr id="7" name="직사각형 6"/>
+            <p:cNvSpPr/>
+            <p:nvPr/>
+          </p:nvSpPr>
+          <p:spPr>
+            <a:xfrm>
+              <a:off x="8768443" y="0"/>
+              <a:ext cx="2122712" cy="1518557"/>
+            </a:xfrm>
+            <a:prstGeom prst="rect">
+              <a:avLst/>
+            </a:prstGeom>
+            <a:solidFill>
+              <a:schemeClr val="tx1">
+                <a:alpha val="70000"/>
+              </a:schemeClr>
+            </a:solidFill>
+            <a:ln>
+              <a:noFill/>
+            </a:ln>
+          </p:spPr>
+          <p:style>
+            <a:lnRef idx="2">
+              <a:schemeClr val="accent1">
+                <a:shade val="50000"/>
+              </a:schemeClr>
+            </a:lnRef>
+            <a:fillRef idx="1">
+              <a:schemeClr val="accent1"/>
+            </a:fillRef>
+            <a:effectRef idx="0">
+              <a:schemeClr val="accent1"/>
+            </a:effectRef>
+            <a:fontRef idx="minor">
+              <a:schemeClr val="lt1"/>
+            </a:fontRef>
+          </p:style>
+          <p:txBody>
+            <a:bodyPr rtlCol="0" anchor="ctr"/>
+            <a:lstStyle/>
+            <a:p>
+              <a:pPr algn="ctr"/>
+              <a:endParaRPr lang="ko-KR" altLang="en-US"/>
+            </a:p>
+          </p:txBody>
+        </p:sp>
+        <p:sp>
+          <p:nvSpPr>
+            <p:cNvPr id="8" name="직사각형 7"/>
+            <p:cNvSpPr/>
+            <p:nvPr/>
+          </p:nvSpPr>
+          <p:spPr>
+            <a:xfrm>
+              <a:off x="8768443" y="3429000"/>
+              <a:ext cx="2122712" cy="3429000"/>
+            </a:xfrm>
+            <a:prstGeom prst="rect">
+              <a:avLst/>
+            </a:prstGeom>
+            <a:solidFill>
+              <a:schemeClr val="tx1">
+                <a:alpha val="70000"/>
+              </a:schemeClr>
+            </a:solidFill>
+            <a:ln>
+              <a:noFill/>
+            </a:ln>
+          </p:spPr>
+          <p:style>
+            <a:lnRef idx="2">
+              <a:schemeClr val="accent1">
+                <a:shade val="50000"/>
+              </a:schemeClr>
+            </a:lnRef>
+            <a:fillRef idx="1">
+              <a:schemeClr val="accent1"/>
+            </a:fillRef>
+            <a:effectRef idx="0">
+              <a:schemeClr val="accent1"/>
+            </a:effectRef>
+            <a:fontRef idx="minor">
+              <a:schemeClr val="lt1"/>
+            </a:fontRef>
+          </p:style>
+          <p:txBody>
+            <a:bodyPr rtlCol="0" anchor="ctr"/>
+            <a:lstStyle/>
+            <a:p>
+              <a:pPr algn="ctr"/>
+              <a:endParaRPr lang="ko-KR" altLang="en-US"/>
+            </a:p>
+          </p:txBody>
+        </p:sp>
+        <p:grpSp>
+          <p:nvGrpSpPr>
+            <p:cNvPr id="12" name="그룹 11"/>
+            <p:cNvGrpSpPr/>
+            <p:nvPr/>
+          </p:nvGrpSpPr>
+          <p:grpSpPr>
+            <a:xfrm>
+              <a:off x="7630885" y="3629308"/>
+              <a:ext cx="3962400" cy="2881426"/>
+              <a:chOff x="6937828" y="3444988"/>
+              <a:chExt cx="3962400" cy="2881426"/>
+            </a:xfrm>
+          </p:grpSpPr>
+          <p:sp>
+            <p:nvSpPr>
+              <p:cNvPr id="10" name="모서리가 둥근 직사각형 9"/>
+              <p:cNvSpPr/>
+              <p:nvPr/>
+            </p:nvSpPr>
+            <p:spPr>
+              <a:xfrm>
+                <a:off x="7199086" y="3701143"/>
+                <a:ext cx="3701142" cy="2625271"/>
+              </a:xfrm>
+              <a:prstGeom prst="roundRect">
+                <a:avLst>
+                  <a:gd name="adj" fmla="val 10590"/>
+                </a:avLst>
+              </a:prstGeom>
+              <a:solidFill>
+                <a:schemeClr val="accent4">
+                  <a:lumMod val="20000"/>
+                  <a:lumOff val="80000"/>
+                  <a:alpha val="40000"/>
+                </a:schemeClr>
+              </a:solidFill>
+              <a:ln w="63500">
+                <a:solidFill>
+                  <a:schemeClr val="accent4">
+                    <a:lumMod val="60000"/>
+                    <a:lumOff val="40000"/>
+                  </a:schemeClr>
+                </a:solidFill>
+              </a:ln>
+            </p:spPr>
+            <p:style>
+              <a:lnRef idx="2">
+                <a:schemeClr val="accent1">
+                  <a:shade val="50000"/>
+                </a:schemeClr>
+              </a:lnRef>
+              <a:fillRef idx="1">
+                <a:schemeClr val="accent1"/>
+              </a:fillRef>
+              <a:effectRef idx="0">
+                <a:schemeClr val="accent1"/>
+              </a:effectRef>
+              <a:fontRef idx="minor">
+                <a:schemeClr val="lt1"/>
+              </a:fontRef>
+            </p:style>
+            <p:txBody>
+              <a:bodyPr rtlCol="0" anchor="ctr"/>
+              <a:lstStyle/>
+              <a:p>
+                <a:pPr algn="ctr">
+                  <a:lnSpc>
+                    <a:spcPct val="150000"/>
+                  </a:lnSpc>
+                </a:pPr>
+                <a:r>
+                  <a:rPr lang="ko-KR" altLang="en-US" sz="2500" dirty="0" smtClean="0">
+                    <a:latin typeface="배달의민족 주아" panose="02020603020101020101" pitchFamily="18" charset="-127"/>
+                    <a:ea typeface="배달의민족 주아" panose="02020603020101020101" pitchFamily="18" charset="-127"/>
+                  </a:rPr>
+                  <a:t>정육점으로 달려오는</a:t>
+                </a:r>
+                <a:endParaRPr lang="en-US" altLang="ko-KR" sz="2500" dirty="0" smtClean="0">
+                  <a:latin typeface="배달의민족 주아" panose="02020603020101020101" pitchFamily="18" charset="-127"/>
+                  <a:ea typeface="배달의민족 주아" panose="02020603020101020101" pitchFamily="18" charset="-127"/>
+                </a:endParaRPr>
+              </a:p>
+              <a:p>
+                <a:pPr algn="ctr">
+                  <a:lnSpc>
+                    <a:spcPct val="150000"/>
+                  </a:lnSpc>
+                </a:pPr>
+                <a:r>
+                  <a:rPr lang="ko-KR" altLang="en-US" sz="2500" dirty="0" smtClean="0">
+                    <a:latin typeface="배달의민족 주아" panose="02020603020101020101" pitchFamily="18" charset="-127"/>
+                    <a:ea typeface="배달의민족 주아" panose="02020603020101020101" pitchFamily="18" charset="-127"/>
+                  </a:rPr>
+                  <a:t>고양이를 확인합니다</a:t>
+                </a:r>
+                <a:r>
+                  <a:rPr lang="en-US" altLang="ko-KR" sz="2500" dirty="0" smtClean="0">
+                    <a:latin typeface="배달의민족 주아" panose="02020603020101020101" pitchFamily="18" charset="-127"/>
+                    <a:ea typeface="배달의민족 주아" panose="02020603020101020101" pitchFamily="18" charset="-127"/>
+                  </a:rPr>
+                  <a:t>.</a:t>
+                </a:r>
+              </a:p>
+              <a:p>
+                <a:pPr algn="ctr">
+                  <a:lnSpc>
+                    <a:spcPct val="150000"/>
+                  </a:lnSpc>
+                </a:pPr>
+                <a:r>
+                  <a:rPr lang="ko-KR" altLang="en-US" sz="2500" dirty="0" smtClean="0">
+                    <a:latin typeface="배달의민족 주아" panose="02020603020101020101" pitchFamily="18" charset="-127"/>
+                    <a:ea typeface="배달의민족 주아" panose="02020603020101020101" pitchFamily="18" charset="-127"/>
+                  </a:rPr>
+                  <a:t>이 고양이는 </a:t>
+                </a:r>
+                <a:r>
+                  <a:rPr lang="en-US" altLang="ko-KR" sz="2500" dirty="0" smtClean="0">
+                    <a:latin typeface="배달의민족 주아" panose="02020603020101020101" pitchFamily="18" charset="-127"/>
+                    <a:ea typeface="배달의민족 주아" panose="02020603020101020101" pitchFamily="18" charset="-127"/>
+                  </a:rPr>
+                  <a:t>[</a:t>
+                </a:r>
+                <a:r>
+                  <a:rPr lang="ko-KR" altLang="en-US" sz="2500" dirty="0" smtClean="0">
+                    <a:latin typeface="배달의민족 주아" panose="02020603020101020101" pitchFamily="18" charset="-127"/>
+                    <a:ea typeface="배달의민족 주아" panose="02020603020101020101" pitchFamily="18" charset="-127"/>
+                  </a:rPr>
+                  <a:t>오리 고기</a:t>
+                </a:r>
+                <a:r>
+                  <a:rPr lang="en-US" altLang="ko-KR" sz="2500" dirty="0" smtClean="0">
+                    <a:latin typeface="배달의민족 주아" panose="02020603020101020101" pitchFamily="18" charset="-127"/>
+                    <a:ea typeface="배달의민족 주아" panose="02020603020101020101" pitchFamily="18" charset="-127"/>
+                  </a:rPr>
+                  <a:t>],</a:t>
+                </a:r>
+              </a:p>
+              <a:p>
+                <a:pPr algn="ctr">
+                  <a:lnSpc>
+                    <a:spcPct val="150000"/>
+                  </a:lnSpc>
+                </a:pPr>
+                <a:r>
+                  <a:rPr lang="en-US" altLang="ko-KR" sz="2500" dirty="0" smtClean="0">
+                    <a:latin typeface="배달의민족 주아" panose="02020603020101020101" pitchFamily="18" charset="-127"/>
+                    <a:ea typeface="배달의민족 주아" panose="02020603020101020101" pitchFamily="18" charset="-127"/>
+                  </a:rPr>
+                  <a:t>[</a:t>
+                </a:r>
+                <a:r>
+                  <a:rPr lang="ko-KR" altLang="en-US" sz="2500" dirty="0" smtClean="0">
+                    <a:latin typeface="배달의민족 주아" panose="02020603020101020101" pitchFamily="18" charset="-127"/>
+                    <a:ea typeface="배달의민족 주아" panose="02020603020101020101" pitchFamily="18" charset="-127"/>
+                  </a:rPr>
+                  <a:t>중간 크기</a:t>
+                </a:r>
+                <a:r>
+                  <a:rPr lang="en-US" altLang="ko-KR" sz="2500" dirty="0" smtClean="0">
+                    <a:latin typeface="배달의민족 주아" panose="02020603020101020101" pitchFamily="18" charset="-127"/>
+                    <a:ea typeface="배달의민족 주아" panose="02020603020101020101" pitchFamily="18" charset="-127"/>
+                  </a:rPr>
+                  <a:t>]</a:t>
+                </a:r>
+                <a:r>
+                  <a:rPr lang="ko-KR" altLang="en-US" sz="2500" dirty="0" smtClean="0">
+                    <a:latin typeface="배달의민족 주아" panose="02020603020101020101" pitchFamily="18" charset="-127"/>
+                    <a:ea typeface="배달의민족 주아" panose="02020603020101020101" pitchFamily="18" charset="-127"/>
+                  </a:rPr>
+                  <a:t>를 </a:t>
+                </a:r>
+                <a:r>
+                  <a:rPr lang="ko-KR" altLang="en-US" sz="2500" dirty="0" err="1" smtClean="0">
+                    <a:latin typeface="배달의민족 주아" panose="02020603020101020101" pitchFamily="18" charset="-127"/>
+                    <a:ea typeface="배달의민족 주아" panose="02020603020101020101" pitchFamily="18" charset="-127"/>
+                  </a:rPr>
+                  <a:t>원하는군요</a:t>
+                </a:r>
+                <a:r>
+                  <a:rPr lang="en-US" altLang="ko-KR" sz="2500" dirty="0" smtClean="0">
+                    <a:latin typeface="배달의민족 주아" panose="02020603020101020101" pitchFamily="18" charset="-127"/>
+                    <a:ea typeface="배달의민족 주아" panose="02020603020101020101" pitchFamily="18" charset="-127"/>
+                  </a:rPr>
+                  <a:t>.</a:t>
+                </a:r>
+                <a:endParaRPr lang="ko-KR" altLang="en-US" sz="2500" dirty="0">
+                  <a:latin typeface="배달의민족 주아" panose="02020603020101020101" pitchFamily="18" charset="-127"/>
+                  <a:ea typeface="배달의민족 주아" panose="02020603020101020101" pitchFamily="18" charset="-127"/>
+                </a:endParaRPr>
+              </a:p>
+            </p:txBody>
+          </p:sp>
+          <p:sp>
+            <p:nvSpPr>
+              <p:cNvPr id="11" name="타원 10"/>
+              <p:cNvSpPr/>
+              <p:nvPr/>
+            </p:nvSpPr>
+            <p:spPr>
+              <a:xfrm>
+                <a:off x="6937828" y="3444988"/>
+                <a:ext cx="522514" cy="508000"/>
+              </a:xfrm>
+              <a:prstGeom prst="ellipse">
+                <a:avLst/>
+              </a:prstGeom>
+              <a:solidFill>
+                <a:srgbClr val="FFFAEB"/>
+              </a:solidFill>
+              <a:ln w="63500">
+                <a:solidFill>
+                  <a:schemeClr val="accent4">
+                    <a:lumMod val="60000"/>
+                    <a:lumOff val="40000"/>
+                  </a:schemeClr>
+                </a:solidFill>
+              </a:ln>
+            </p:spPr>
+            <p:style>
+              <a:lnRef idx="2">
+                <a:schemeClr val="accent1">
+                  <a:shade val="50000"/>
+                </a:schemeClr>
+              </a:lnRef>
+              <a:fillRef idx="1">
+                <a:schemeClr val="accent1"/>
+              </a:fillRef>
+              <a:effectRef idx="0">
+                <a:schemeClr val="accent1"/>
+              </a:effectRef>
+              <a:fontRef idx="minor">
+                <a:schemeClr val="lt1"/>
+              </a:fontRef>
+            </p:style>
+            <p:txBody>
+              <a:bodyPr rtlCol="0" anchor="ctr"/>
+              <a:lstStyle/>
+              <a:p>
+                <a:pPr algn="ctr"/>
+                <a:r>
+                  <a:rPr lang="en-US" altLang="ko-KR" sz="2400" dirty="0" smtClean="0">
+                    <a:solidFill>
+                      <a:schemeClr val="tx1"/>
+                    </a:solidFill>
+                    <a:latin typeface="배달의민족 주아" panose="02020603020101020101" pitchFamily="18" charset="-127"/>
+                    <a:ea typeface="배달의민족 주아" panose="02020603020101020101" pitchFamily="18" charset="-127"/>
+                  </a:rPr>
+                  <a:t>1</a:t>
+                </a:r>
+                <a:endParaRPr lang="ko-KR" altLang="en-US" sz="2400" dirty="0">
+                  <a:solidFill>
+                    <a:schemeClr val="tx1"/>
+                  </a:solidFill>
+                  <a:latin typeface="배달의민족 주아" panose="02020603020101020101" pitchFamily="18" charset="-127"/>
+                  <a:ea typeface="배달의민족 주아" panose="02020603020101020101" pitchFamily="18" charset="-127"/>
+                </a:endParaRPr>
+              </a:p>
+            </p:txBody>
+          </p:sp>
+        </p:grpSp>
+      </p:grpSp>
+    </p:spTree>
+    <p:extLst>
+      <p:ext uri="{BB962C8B-B14F-4D97-AF65-F5344CB8AC3E}">
+        <p14:creationId xmlns:p14="http://schemas.microsoft.com/office/powerpoint/2010/main" val="1529056957"/>
+      </p:ext>
+    </p:extLst>
+  </p:cSld>
+  <p:clrMapOvr>
+    <a:masterClrMapping/>
+  </p:clrMapOvr>
+</p:sld>
+</file>
+
+<file path=ppt/slides/slide16.xml><?xml version="1.0" encoding="utf-8"?>
+<p:sld xmlns:a="http://schemas.openxmlformats.org/drawingml/2006/main" xmlns:r="http://schemas.openxmlformats.org/officeDocument/2006/relationships" xmlns:p="http://schemas.openxmlformats.org/presentationml/2006/main">
+  <p:cSld>
+    <p:spTree>
+      <p:nvGrpSpPr>
+        <p:cNvPr id="1" name=""/>
+        <p:cNvGrpSpPr/>
+        <p:nvPr/>
+      </p:nvGrpSpPr>
+      <p:grpSpPr>
+        <a:xfrm>
+          <a:off x="0" y="0"/>
+          <a:ext cx="0" cy="0"/>
+          <a:chOff x="0" y="0"/>
+          <a:chExt cx="0" cy="0"/>
+        </a:xfrm>
+      </p:grpSpPr>
+      <p:grpSp>
+        <p:nvGrpSpPr>
+          <p:cNvPr id="2" name="그룹 1"/>
+          <p:cNvGrpSpPr/>
+          <p:nvPr/>
+        </p:nvGrpSpPr>
+        <p:grpSpPr>
+          <a:xfrm>
+            <a:off x="-1" y="-1"/>
+            <a:ext cx="12192001" cy="6860156"/>
+            <a:chOff x="-1" y="-1"/>
+            <a:chExt cx="12192001" cy="6860156"/>
+          </a:xfrm>
+        </p:grpSpPr>
+        <p:pic>
+          <p:nvPicPr>
+            <p:cNvPr id="4" name="그림 3"/>
+            <p:cNvPicPr>
+              <a:picLocks noChangeAspect="1"/>
+            </p:cNvPicPr>
+            <p:nvPr/>
+          </p:nvPicPr>
+          <p:blipFill>
+            <a:blip r:embed="rId2">
+              <a:extLst>
+                <a:ext uri="{28A0092B-C50C-407E-A947-70E740481C1C}">
+                  <a14:useLocalDpi xmlns:a14="http://schemas.microsoft.com/office/drawing/2010/main" val="0"/>
+                </a:ext>
+              </a:extLst>
+            </a:blip>
+            <a:stretch>
+              <a:fillRect/>
+            </a:stretch>
+          </p:blipFill>
+          <p:spPr>
+            <a:xfrm>
+              <a:off x="0" y="0"/>
+              <a:ext cx="12192000" cy="6860155"/>
+            </a:xfrm>
+            <a:prstGeom prst="rect">
+              <a:avLst/>
+            </a:prstGeom>
+          </p:spPr>
+        </p:pic>
+        <p:sp>
+          <p:nvSpPr>
+            <p:cNvPr id="5" name="직사각형 4"/>
+            <p:cNvSpPr/>
+            <p:nvPr/>
+          </p:nvSpPr>
+          <p:spPr>
+            <a:xfrm>
+              <a:off x="-1" y="0"/>
+              <a:ext cx="179615" cy="6858000"/>
+            </a:xfrm>
+            <a:prstGeom prst="rect">
+              <a:avLst/>
+            </a:prstGeom>
+            <a:solidFill>
+              <a:schemeClr val="tx1">
+                <a:alpha val="70000"/>
+              </a:schemeClr>
+            </a:solidFill>
+            <a:ln>
+              <a:noFill/>
+            </a:ln>
+          </p:spPr>
+          <p:style>
+            <a:lnRef idx="2">
+              <a:schemeClr val="accent1">
+                <a:shade val="50000"/>
+              </a:schemeClr>
+            </a:lnRef>
+            <a:fillRef idx="1">
+              <a:schemeClr val="accent1"/>
+            </a:fillRef>
+            <a:effectRef idx="0">
+              <a:schemeClr val="accent1"/>
+            </a:effectRef>
+            <a:fontRef idx="minor">
+              <a:schemeClr val="lt1"/>
+            </a:fontRef>
+          </p:style>
+          <p:txBody>
+            <a:bodyPr rtlCol="0" anchor="ctr"/>
+            <a:lstStyle/>
+            <a:p>
+              <a:pPr algn="ctr"/>
+              <a:endParaRPr lang="ko-KR" altLang="en-US"/>
+            </a:p>
+          </p:txBody>
+        </p:sp>
+        <p:sp>
+          <p:nvSpPr>
+            <p:cNvPr id="6" name="직사각형 5"/>
+            <p:cNvSpPr/>
+            <p:nvPr/>
+          </p:nvSpPr>
+          <p:spPr>
+            <a:xfrm>
+              <a:off x="6041570" y="0"/>
+              <a:ext cx="6150430" cy="6858000"/>
+            </a:xfrm>
+            <a:prstGeom prst="rect">
+              <a:avLst/>
+            </a:prstGeom>
+            <a:solidFill>
+              <a:schemeClr val="tx1">
+                <a:alpha val="70000"/>
+              </a:schemeClr>
+            </a:solidFill>
+            <a:ln>
+              <a:noFill/>
+            </a:ln>
+          </p:spPr>
+          <p:style>
+            <a:lnRef idx="2">
+              <a:schemeClr val="accent1">
+                <a:shade val="50000"/>
+              </a:schemeClr>
+            </a:lnRef>
+            <a:fillRef idx="1">
+              <a:schemeClr val="accent1"/>
+            </a:fillRef>
+            <a:effectRef idx="0">
+              <a:schemeClr val="accent1"/>
+            </a:effectRef>
+            <a:fontRef idx="minor">
+              <a:schemeClr val="lt1"/>
+            </a:fontRef>
+          </p:style>
+          <p:txBody>
+            <a:bodyPr rtlCol="0" anchor="ctr"/>
+            <a:lstStyle/>
+            <a:p>
+              <a:pPr algn="ctr"/>
+              <a:endParaRPr lang="ko-KR" altLang="en-US"/>
+            </a:p>
+          </p:txBody>
+        </p:sp>
+        <p:sp>
+          <p:nvSpPr>
+            <p:cNvPr id="7" name="직사각형 6"/>
+            <p:cNvSpPr/>
+            <p:nvPr/>
+          </p:nvSpPr>
+          <p:spPr>
+            <a:xfrm>
+              <a:off x="179614" y="-1"/>
+              <a:ext cx="4016829" cy="195943"/>
+            </a:xfrm>
+            <a:prstGeom prst="rect">
+              <a:avLst/>
+            </a:prstGeom>
+            <a:solidFill>
+              <a:schemeClr val="tx1">
+                <a:alpha val="70000"/>
+              </a:schemeClr>
+            </a:solidFill>
+            <a:ln>
+              <a:noFill/>
+            </a:ln>
+          </p:spPr>
+          <p:style>
+            <a:lnRef idx="2">
+              <a:schemeClr val="accent1">
+                <a:shade val="50000"/>
+              </a:schemeClr>
+            </a:lnRef>
+            <a:fillRef idx="1">
+              <a:schemeClr val="accent1"/>
+            </a:fillRef>
+            <a:effectRef idx="0">
+              <a:schemeClr val="accent1"/>
+            </a:effectRef>
+            <a:fontRef idx="minor">
+              <a:schemeClr val="lt1"/>
+            </a:fontRef>
+          </p:style>
+          <p:txBody>
+            <a:bodyPr rtlCol="0" anchor="ctr"/>
+            <a:lstStyle/>
+            <a:p>
+              <a:pPr algn="ctr"/>
+              <a:endParaRPr lang="ko-KR" altLang="en-US"/>
+            </a:p>
+          </p:txBody>
+        </p:sp>
+        <p:sp>
+          <p:nvSpPr>
+            <p:cNvPr id="8" name="직사각형 7"/>
+            <p:cNvSpPr/>
+            <p:nvPr/>
+          </p:nvSpPr>
+          <p:spPr>
+            <a:xfrm>
+              <a:off x="179613" y="3282043"/>
+              <a:ext cx="5861957" cy="3575957"/>
+            </a:xfrm>
+            <a:prstGeom prst="rect">
+              <a:avLst/>
+            </a:prstGeom>
+            <a:solidFill>
+              <a:schemeClr val="tx1">
+                <a:alpha val="70000"/>
+              </a:schemeClr>
+            </a:solidFill>
+            <a:ln>
+              <a:noFill/>
+            </a:ln>
+          </p:spPr>
+          <p:style>
+            <a:lnRef idx="2">
+              <a:schemeClr val="accent1">
+                <a:shade val="50000"/>
+              </a:schemeClr>
+            </a:lnRef>
+            <a:fillRef idx="1">
+              <a:schemeClr val="accent1"/>
+            </a:fillRef>
+            <a:effectRef idx="0">
+              <a:schemeClr val="accent1"/>
+            </a:effectRef>
+            <a:fontRef idx="minor">
+              <a:schemeClr val="lt1"/>
+            </a:fontRef>
+          </p:style>
+          <p:txBody>
+            <a:bodyPr rtlCol="0" anchor="ctr"/>
+            <a:lstStyle/>
+            <a:p>
+              <a:pPr algn="ctr"/>
+              <a:endParaRPr lang="ko-KR" altLang="en-US"/>
+            </a:p>
+          </p:txBody>
+        </p:sp>
+        <p:grpSp>
+          <p:nvGrpSpPr>
+            <p:cNvPr id="12" name="그룹 11"/>
+            <p:cNvGrpSpPr/>
+            <p:nvPr/>
+          </p:nvGrpSpPr>
+          <p:grpSpPr>
+            <a:xfrm>
+              <a:off x="6095999" y="531245"/>
+              <a:ext cx="4893129" cy="2244612"/>
+              <a:chOff x="6937828" y="3444988"/>
+              <a:chExt cx="4615542" cy="2244612"/>
+            </a:xfrm>
+          </p:grpSpPr>
+          <p:sp>
+            <p:nvSpPr>
+              <p:cNvPr id="10" name="모서리가 둥근 직사각형 9"/>
+              <p:cNvSpPr/>
+              <p:nvPr/>
+            </p:nvSpPr>
+            <p:spPr>
+              <a:xfrm>
+                <a:off x="7199085" y="3701143"/>
+                <a:ext cx="4354285" cy="1988457"/>
+              </a:xfrm>
+              <a:prstGeom prst="roundRect">
+                <a:avLst>
+                  <a:gd name="adj" fmla="val 10590"/>
+                </a:avLst>
+              </a:prstGeom>
+              <a:solidFill>
+                <a:schemeClr val="accent4">
+                  <a:lumMod val="20000"/>
+                  <a:lumOff val="80000"/>
+                  <a:alpha val="40000"/>
+                </a:schemeClr>
+              </a:solidFill>
+              <a:ln w="63500">
+                <a:solidFill>
+                  <a:schemeClr val="accent4">
+                    <a:lumMod val="60000"/>
+                    <a:lumOff val="40000"/>
+                  </a:schemeClr>
+                </a:solidFill>
+              </a:ln>
+            </p:spPr>
+            <p:style>
+              <a:lnRef idx="2">
+                <a:schemeClr val="accent1">
+                  <a:shade val="50000"/>
+                </a:schemeClr>
+              </a:lnRef>
+              <a:fillRef idx="1">
+                <a:schemeClr val="accent1"/>
+              </a:fillRef>
+              <a:effectRef idx="0">
+                <a:schemeClr val="accent1"/>
+              </a:effectRef>
+              <a:fontRef idx="minor">
+                <a:schemeClr val="lt1"/>
+              </a:fontRef>
+            </p:style>
+            <p:txBody>
+              <a:bodyPr rtlCol="0" anchor="ctr"/>
+              <a:lstStyle/>
+              <a:p>
+                <a:pPr algn="ctr">
+                  <a:lnSpc>
+                    <a:spcPct val="150000"/>
+                  </a:lnSpc>
+                </a:pPr>
+                <a:r>
+                  <a:rPr lang="ko-KR" altLang="en-US" sz="2500" dirty="0" smtClean="0">
+                    <a:latin typeface="배달의민족 주아" panose="02020603020101020101" pitchFamily="18" charset="-127"/>
+                    <a:ea typeface="배달의민족 주아" panose="02020603020101020101" pitchFamily="18" charset="-127"/>
+                  </a:rPr>
+                  <a:t>고양이가 원하는 고기가 있는</a:t>
+                </a:r>
+                <a:endParaRPr lang="en-US" altLang="ko-KR" sz="2500" dirty="0" smtClean="0">
+                  <a:latin typeface="배달의민족 주아" panose="02020603020101020101" pitchFamily="18" charset="-127"/>
+                  <a:ea typeface="배달의민족 주아" panose="02020603020101020101" pitchFamily="18" charset="-127"/>
+                </a:endParaRPr>
+              </a:p>
+              <a:p>
+                <a:pPr algn="ctr">
+                  <a:lnSpc>
+                    <a:spcPct val="150000"/>
+                  </a:lnSpc>
+                </a:pPr>
+                <a:r>
+                  <a:rPr lang="ko-KR" altLang="en-US" sz="2500" dirty="0" smtClean="0">
+                    <a:latin typeface="배달의민족 주아" panose="02020603020101020101" pitchFamily="18" charset="-127"/>
+                    <a:ea typeface="배달의민족 주아" panose="02020603020101020101" pitchFamily="18" charset="-127"/>
+                  </a:rPr>
+                  <a:t>냉장고 칸이 노란색으로 표시됩니다</a:t>
+                </a:r>
+                <a:r>
+                  <a:rPr lang="en-US" altLang="ko-KR" sz="2500" dirty="0" smtClean="0">
+                    <a:latin typeface="배달의민족 주아" panose="02020603020101020101" pitchFamily="18" charset="-127"/>
+                    <a:ea typeface="배달의민족 주아" panose="02020603020101020101" pitchFamily="18" charset="-127"/>
+                  </a:rPr>
+                  <a:t>. </a:t>
+                </a:r>
+                <a:r>
+                  <a:rPr lang="ko-KR" altLang="en-US" sz="2500" dirty="0" smtClean="0">
+                    <a:latin typeface="배달의민족 주아" panose="02020603020101020101" pitchFamily="18" charset="-127"/>
+                    <a:ea typeface="배달의민족 주아" panose="02020603020101020101" pitchFamily="18" charset="-127"/>
+                  </a:rPr>
+                  <a:t>눌러서 꺼내도록 합시다</a:t>
+                </a:r>
+                <a:r>
+                  <a:rPr lang="en-US" altLang="ko-KR" sz="2500" dirty="0" smtClean="0">
+                    <a:latin typeface="배달의민족 주아" panose="02020603020101020101" pitchFamily="18" charset="-127"/>
+                    <a:ea typeface="배달의민족 주아" panose="02020603020101020101" pitchFamily="18" charset="-127"/>
+                  </a:rPr>
+                  <a:t>.</a:t>
+                </a:r>
+                <a:endParaRPr lang="ko-KR" altLang="en-US" sz="2500" dirty="0">
+                  <a:latin typeface="배달의민족 주아" panose="02020603020101020101" pitchFamily="18" charset="-127"/>
+                  <a:ea typeface="배달의민족 주아" panose="02020603020101020101" pitchFamily="18" charset="-127"/>
+                </a:endParaRPr>
+              </a:p>
+            </p:txBody>
+          </p:sp>
+          <p:sp>
+            <p:nvSpPr>
+              <p:cNvPr id="11" name="타원 10"/>
+              <p:cNvSpPr/>
+              <p:nvPr/>
+            </p:nvSpPr>
+            <p:spPr>
+              <a:xfrm>
+                <a:off x="6937828" y="3444988"/>
+                <a:ext cx="522514" cy="508000"/>
+              </a:xfrm>
+              <a:prstGeom prst="ellipse">
+                <a:avLst/>
+              </a:prstGeom>
+              <a:solidFill>
+                <a:srgbClr val="FFFAEB"/>
+              </a:solidFill>
+              <a:ln w="63500">
+                <a:solidFill>
+                  <a:schemeClr val="accent4">
+                    <a:lumMod val="60000"/>
+                    <a:lumOff val="40000"/>
+                  </a:schemeClr>
+                </a:solidFill>
+              </a:ln>
+            </p:spPr>
+            <p:style>
+              <a:lnRef idx="2">
+                <a:schemeClr val="accent1">
+                  <a:shade val="50000"/>
+                </a:schemeClr>
+              </a:lnRef>
+              <a:fillRef idx="1">
+                <a:schemeClr val="accent1"/>
+              </a:fillRef>
+              <a:effectRef idx="0">
+                <a:schemeClr val="accent1"/>
+              </a:effectRef>
+              <a:fontRef idx="minor">
+                <a:schemeClr val="lt1"/>
+              </a:fontRef>
+            </p:style>
+            <p:txBody>
+              <a:bodyPr rtlCol="0" anchor="ctr"/>
+              <a:lstStyle/>
+              <a:p>
+                <a:pPr algn="ctr"/>
+                <a:r>
+                  <a:rPr lang="en-US" altLang="ko-KR" sz="2400" dirty="0" smtClean="0">
+                    <a:solidFill>
+                      <a:schemeClr val="tx1"/>
+                    </a:solidFill>
+                    <a:latin typeface="배달의민족 주아" panose="02020603020101020101" pitchFamily="18" charset="-127"/>
+                    <a:ea typeface="배달의민족 주아" panose="02020603020101020101" pitchFamily="18" charset="-127"/>
+                  </a:rPr>
+                  <a:t>2</a:t>
+                </a:r>
+                <a:endParaRPr lang="ko-KR" altLang="en-US" sz="2400" dirty="0">
+                  <a:solidFill>
+                    <a:schemeClr val="tx1"/>
+                  </a:solidFill>
+                  <a:latin typeface="배달의민족 주아" panose="02020603020101020101" pitchFamily="18" charset="-127"/>
+                  <a:ea typeface="배달의민족 주아" panose="02020603020101020101" pitchFamily="18" charset="-127"/>
+                </a:endParaRPr>
+              </a:p>
+            </p:txBody>
+          </p:sp>
+        </p:grpSp>
+        <p:sp>
+          <p:nvSpPr>
+            <p:cNvPr id="13" name="직사각형 12"/>
+            <p:cNvSpPr/>
+            <p:nvPr/>
+          </p:nvSpPr>
+          <p:spPr>
+            <a:xfrm>
+              <a:off x="4196443" y="15989"/>
+              <a:ext cx="1845127" cy="1535225"/>
+            </a:xfrm>
+            <a:prstGeom prst="rect">
+              <a:avLst/>
+            </a:prstGeom>
+            <a:solidFill>
+              <a:schemeClr val="tx1">
+                <a:alpha val="70000"/>
+              </a:schemeClr>
+            </a:solidFill>
+            <a:ln>
+              <a:noFill/>
+            </a:ln>
+          </p:spPr>
+          <p:style>
+            <a:lnRef idx="2">
+              <a:schemeClr val="accent1">
+                <a:shade val="50000"/>
+              </a:schemeClr>
+            </a:lnRef>
+            <a:fillRef idx="1">
+              <a:schemeClr val="accent1"/>
+            </a:fillRef>
+            <a:effectRef idx="0">
+              <a:schemeClr val="accent1"/>
+            </a:effectRef>
+            <a:fontRef idx="minor">
+              <a:schemeClr val="lt1"/>
+            </a:fontRef>
+          </p:style>
+          <p:txBody>
+            <a:bodyPr rtlCol="0" anchor="ctr"/>
+            <a:lstStyle/>
+            <a:p>
+              <a:pPr algn="ctr"/>
+              <a:endParaRPr lang="ko-KR" altLang="en-US"/>
+            </a:p>
+          </p:txBody>
+        </p:sp>
+      </p:grpSp>
+    </p:spTree>
+    <p:extLst>
+      <p:ext uri="{BB962C8B-B14F-4D97-AF65-F5344CB8AC3E}">
+        <p14:creationId xmlns:p14="http://schemas.microsoft.com/office/powerpoint/2010/main" val="2528382327"/>
+      </p:ext>
+    </p:extLst>
+  </p:cSld>
+  <p:clrMapOvr>
+    <a:masterClrMapping/>
+  </p:clrMapOvr>
+</p:sld>
+</file>
+
+<file path=ppt/slides/slide17.xml><?xml version="1.0" encoding="utf-8"?>
+<p:sld xmlns:a="http://schemas.openxmlformats.org/drawingml/2006/main" xmlns:r="http://schemas.openxmlformats.org/officeDocument/2006/relationships" xmlns:p="http://schemas.openxmlformats.org/presentationml/2006/main">
+  <p:cSld>
+    <p:spTree>
+      <p:nvGrpSpPr>
+        <p:cNvPr id="1" name=""/>
+        <p:cNvGrpSpPr/>
+        <p:nvPr/>
+      </p:nvGrpSpPr>
+      <p:grpSpPr>
+        <a:xfrm>
+          <a:off x="0" y="0"/>
+          <a:ext cx="0" cy="0"/>
+          <a:chOff x="0" y="0"/>
+          <a:chExt cx="0" cy="0"/>
+        </a:xfrm>
+      </p:grpSpPr>
+      <p:grpSp>
+        <p:nvGrpSpPr>
+          <p:cNvPr id="2" name="그룹 1"/>
+          <p:cNvGrpSpPr/>
+          <p:nvPr/>
+        </p:nvGrpSpPr>
+        <p:grpSpPr>
+          <a:xfrm>
+            <a:off x="-1" y="0"/>
+            <a:ext cx="12192001" cy="6860155"/>
+            <a:chOff x="-1" y="0"/>
+            <a:chExt cx="12192001" cy="6860155"/>
+          </a:xfrm>
+        </p:grpSpPr>
+        <p:pic>
+          <p:nvPicPr>
+            <p:cNvPr id="4" name="그림 3"/>
+            <p:cNvPicPr>
+              <a:picLocks noChangeAspect="1"/>
+            </p:cNvPicPr>
+            <p:nvPr/>
+          </p:nvPicPr>
+          <p:blipFill>
+            <a:blip r:embed="rId2">
+              <a:extLst>
+                <a:ext uri="{28A0092B-C50C-407E-A947-70E740481C1C}">
+                  <a14:useLocalDpi xmlns:a14="http://schemas.microsoft.com/office/drawing/2010/main" val="0"/>
+                </a:ext>
+              </a:extLst>
+            </a:blip>
+            <a:stretch>
+              <a:fillRect/>
+            </a:stretch>
+          </p:blipFill>
+          <p:spPr>
+            <a:xfrm>
+              <a:off x="0" y="0"/>
+              <a:ext cx="12192000" cy="6860155"/>
+            </a:xfrm>
+            <a:prstGeom prst="rect">
+              <a:avLst/>
+            </a:prstGeom>
+          </p:spPr>
+        </p:pic>
+        <p:sp>
+          <p:nvSpPr>
+            <p:cNvPr id="5" name="직사각형 4"/>
+            <p:cNvSpPr/>
+            <p:nvPr/>
+          </p:nvSpPr>
+          <p:spPr>
+            <a:xfrm>
+              <a:off x="-1" y="0"/>
+              <a:ext cx="424544" cy="6858000"/>
+            </a:xfrm>
+            <a:prstGeom prst="rect">
+              <a:avLst/>
+            </a:prstGeom>
+            <a:solidFill>
+              <a:schemeClr val="tx1">
+                <a:alpha val="70000"/>
+              </a:schemeClr>
+            </a:solidFill>
+            <a:ln>
+              <a:noFill/>
+            </a:ln>
+          </p:spPr>
+          <p:style>
+            <a:lnRef idx="2">
+              <a:schemeClr val="accent1">
+                <a:shade val="50000"/>
+              </a:schemeClr>
+            </a:lnRef>
+            <a:fillRef idx="1">
+              <a:schemeClr val="accent1"/>
+            </a:fillRef>
+            <a:effectRef idx="0">
+              <a:schemeClr val="accent1"/>
+            </a:effectRef>
+            <a:fontRef idx="minor">
+              <a:schemeClr val="lt1"/>
+            </a:fontRef>
+          </p:style>
+          <p:txBody>
+            <a:bodyPr rtlCol="0" anchor="ctr"/>
+            <a:lstStyle/>
+            <a:p>
+              <a:pPr algn="ctr"/>
+              <a:endParaRPr lang="ko-KR" altLang="en-US"/>
+            </a:p>
+          </p:txBody>
+        </p:sp>
+        <p:sp>
+          <p:nvSpPr>
+            <p:cNvPr id="6" name="직사각형 5"/>
+            <p:cNvSpPr/>
+            <p:nvPr/>
+          </p:nvSpPr>
+          <p:spPr>
+            <a:xfrm>
+              <a:off x="5845630" y="0"/>
+              <a:ext cx="6346370" cy="6858000"/>
+            </a:xfrm>
+            <a:prstGeom prst="rect">
+              <a:avLst/>
+            </a:prstGeom>
+            <a:solidFill>
+              <a:schemeClr val="tx1">
+                <a:alpha val="70000"/>
+              </a:schemeClr>
+            </a:solidFill>
+            <a:ln>
+              <a:noFill/>
+            </a:ln>
+          </p:spPr>
+          <p:style>
+            <a:lnRef idx="2">
+              <a:schemeClr val="accent1">
+                <a:shade val="50000"/>
+              </a:schemeClr>
+            </a:lnRef>
+            <a:fillRef idx="1">
+              <a:schemeClr val="accent1"/>
+            </a:fillRef>
+            <a:effectRef idx="0">
+              <a:schemeClr val="accent1"/>
+            </a:effectRef>
+            <a:fontRef idx="minor">
+              <a:schemeClr val="lt1"/>
+            </a:fontRef>
+          </p:style>
+          <p:txBody>
+            <a:bodyPr rtlCol="0" anchor="ctr"/>
+            <a:lstStyle/>
+            <a:p>
+              <a:pPr algn="ctr"/>
+              <a:endParaRPr lang="ko-KR" altLang="en-US"/>
+            </a:p>
+          </p:txBody>
+        </p:sp>
+        <p:sp>
+          <p:nvSpPr>
+            <p:cNvPr id="7" name="직사각형 6"/>
+            <p:cNvSpPr/>
+            <p:nvPr/>
+          </p:nvSpPr>
+          <p:spPr>
+            <a:xfrm>
+              <a:off x="424543" y="0"/>
+              <a:ext cx="5421087" cy="3627153"/>
+            </a:xfrm>
+            <a:prstGeom prst="rect">
+              <a:avLst/>
+            </a:prstGeom>
+            <a:solidFill>
+              <a:schemeClr val="tx1">
+                <a:alpha val="70000"/>
+              </a:schemeClr>
+            </a:solidFill>
+            <a:ln>
+              <a:noFill/>
+            </a:ln>
+          </p:spPr>
+          <p:style>
+            <a:lnRef idx="2">
+              <a:schemeClr val="accent1">
+                <a:shade val="50000"/>
+              </a:schemeClr>
+            </a:lnRef>
+            <a:fillRef idx="1">
+              <a:schemeClr val="accent1"/>
+            </a:fillRef>
+            <a:effectRef idx="0">
+              <a:schemeClr val="accent1"/>
+            </a:effectRef>
+            <a:fontRef idx="minor">
+              <a:schemeClr val="lt1"/>
+            </a:fontRef>
+          </p:style>
+          <p:txBody>
+            <a:bodyPr rtlCol="0" anchor="ctr"/>
+            <a:lstStyle/>
+            <a:p>
+              <a:pPr algn="ctr"/>
+              <a:endParaRPr lang="ko-KR" altLang="en-US"/>
+            </a:p>
+          </p:txBody>
+        </p:sp>
+        <p:sp>
+          <p:nvSpPr>
+            <p:cNvPr id="8" name="직사각형 7"/>
+            <p:cNvSpPr/>
+            <p:nvPr/>
+          </p:nvSpPr>
+          <p:spPr>
+            <a:xfrm>
+              <a:off x="424543" y="6662056"/>
+              <a:ext cx="5421087" cy="195943"/>
+            </a:xfrm>
+            <a:prstGeom prst="rect">
+              <a:avLst/>
+            </a:prstGeom>
+            <a:solidFill>
+              <a:schemeClr val="tx1">
+                <a:alpha val="70000"/>
+              </a:schemeClr>
+            </a:solidFill>
+            <a:ln>
+              <a:noFill/>
+            </a:ln>
+          </p:spPr>
+          <p:style>
+            <a:lnRef idx="2">
+              <a:schemeClr val="accent1">
+                <a:shade val="50000"/>
+              </a:schemeClr>
+            </a:lnRef>
+            <a:fillRef idx="1">
+              <a:schemeClr val="accent1"/>
+            </a:fillRef>
+            <a:effectRef idx="0">
+              <a:schemeClr val="accent1"/>
+            </a:effectRef>
+            <a:fontRef idx="minor">
+              <a:schemeClr val="lt1"/>
+            </a:fontRef>
+          </p:style>
+          <p:txBody>
+            <a:bodyPr rtlCol="0" anchor="ctr"/>
+            <a:lstStyle/>
+            <a:p>
+              <a:pPr algn="ctr"/>
+              <a:endParaRPr lang="ko-KR" altLang="en-US"/>
+            </a:p>
+          </p:txBody>
+        </p:sp>
+        <p:grpSp>
+          <p:nvGrpSpPr>
+            <p:cNvPr id="12" name="그룹 11"/>
+            <p:cNvGrpSpPr/>
+            <p:nvPr/>
+          </p:nvGrpSpPr>
+          <p:grpSpPr>
+            <a:xfrm>
+              <a:off x="6096000" y="4466430"/>
+              <a:ext cx="4109356" cy="1820070"/>
+              <a:chOff x="6937828" y="3444988"/>
+              <a:chExt cx="4109356" cy="1820070"/>
+            </a:xfrm>
+          </p:grpSpPr>
+          <p:sp>
+            <p:nvSpPr>
+              <p:cNvPr id="10" name="모서리가 둥근 직사각형 9"/>
+              <p:cNvSpPr/>
+              <p:nvPr/>
+            </p:nvSpPr>
+            <p:spPr>
+              <a:xfrm>
+                <a:off x="7199085" y="3701143"/>
+                <a:ext cx="3848099" cy="1563915"/>
+              </a:xfrm>
+              <a:prstGeom prst="roundRect">
+                <a:avLst>
+                  <a:gd name="adj" fmla="val 10590"/>
+                </a:avLst>
+              </a:prstGeom>
+              <a:solidFill>
+                <a:schemeClr val="accent4">
+                  <a:lumMod val="20000"/>
+                  <a:lumOff val="80000"/>
+                  <a:alpha val="40000"/>
+                </a:schemeClr>
+              </a:solidFill>
+              <a:ln w="63500">
+                <a:solidFill>
+                  <a:schemeClr val="accent4">
+                    <a:lumMod val="60000"/>
+                    <a:lumOff val="40000"/>
+                  </a:schemeClr>
+                </a:solidFill>
+              </a:ln>
+            </p:spPr>
+            <p:style>
+              <a:lnRef idx="2">
+                <a:schemeClr val="accent1">
+                  <a:shade val="50000"/>
+                </a:schemeClr>
+              </a:lnRef>
+              <a:fillRef idx="1">
+                <a:schemeClr val="accent1"/>
+              </a:fillRef>
+              <a:effectRef idx="0">
+                <a:schemeClr val="accent1"/>
+              </a:effectRef>
+              <a:fontRef idx="minor">
+                <a:schemeClr val="lt1"/>
+              </a:fontRef>
+            </p:style>
+            <p:txBody>
+              <a:bodyPr rtlCol="0" anchor="ctr"/>
+              <a:lstStyle/>
+              <a:p>
+                <a:pPr algn="ctr">
+                  <a:lnSpc>
+                    <a:spcPct val="150000"/>
+                  </a:lnSpc>
+                </a:pPr>
+                <a:r>
+                  <a:rPr lang="ko-KR" altLang="en-US" sz="2500" dirty="0" smtClean="0">
+                    <a:latin typeface="배달의민족 주아" panose="02020603020101020101" pitchFamily="18" charset="-127"/>
+                    <a:ea typeface="배달의민족 주아" panose="02020603020101020101" pitchFamily="18" charset="-127"/>
+                  </a:rPr>
+                  <a:t>적당한 위치를 터치해서</a:t>
+                </a:r>
+                <a:endParaRPr lang="en-US" altLang="ko-KR" sz="2500" dirty="0" smtClean="0">
+                  <a:latin typeface="배달의민족 주아" panose="02020603020101020101" pitchFamily="18" charset="-127"/>
+                  <a:ea typeface="배달의민족 주아" panose="02020603020101020101" pitchFamily="18" charset="-127"/>
+                </a:endParaRPr>
+              </a:p>
+              <a:p>
+                <a:pPr algn="ctr">
+                  <a:lnSpc>
+                    <a:spcPct val="150000"/>
+                  </a:lnSpc>
+                </a:pPr>
+                <a:r>
+                  <a:rPr lang="ko-KR" altLang="en-US" sz="2500" dirty="0" smtClean="0">
+                    <a:latin typeface="배달의민족 주아" panose="02020603020101020101" pitchFamily="18" charset="-127"/>
+                    <a:ea typeface="배달의민족 주아" panose="02020603020101020101" pitchFamily="18" charset="-127"/>
+                  </a:rPr>
+                  <a:t>도마에 놓인 고기를 자릅니다</a:t>
+                </a:r>
+                <a:r>
+                  <a:rPr lang="en-US" altLang="ko-KR" sz="2500" dirty="0" smtClean="0">
+                    <a:latin typeface="배달의민족 주아" panose="02020603020101020101" pitchFamily="18" charset="-127"/>
+                    <a:ea typeface="배달의민족 주아" panose="02020603020101020101" pitchFamily="18" charset="-127"/>
+                  </a:rPr>
+                  <a:t>.</a:t>
+                </a:r>
+                <a:endParaRPr lang="ko-KR" altLang="en-US" sz="2500" dirty="0">
+                  <a:latin typeface="배달의민족 주아" panose="02020603020101020101" pitchFamily="18" charset="-127"/>
+                  <a:ea typeface="배달의민족 주아" panose="02020603020101020101" pitchFamily="18" charset="-127"/>
+                </a:endParaRPr>
+              </a:p>
+            </p:txBody>
+          </p:sp>
+          <p:sp>
+            <p:nvSpPr>
+              <p:cNvPr id="11" name="타원 10"/>
+              <p:cNvSpPr/>
+              <p:nvPr/>
+            </p:nvSpPr>
+            <p:spPr>
+              <a:xfrm>
+                <a:off x="6937828" y="3444988"/>
+                <a:ext cx="522514" cy="508000"/>
+              </a:xfrm>
+              <a:prstGeom prst="ellipse">
+                <a:avLst/>
+              </a:prstGeom>
+              <a:solidFill>
+                <a:srgbClr val="FFFAEB"/>
+              </a:solidFill>
+              <a:ln w="63500">
+                <a:solidFill>
+                  <a:schemeClr val="accent4">
+                    <a:lumMod val="60000"/>
+                    <a:lumOff val="40000"/>
+                  </a:schemeClr>
+                </a:solidFill>
+              </a:ln>
+            </p:spPr>
+            <p:style>
+              <a:lnRef idx="2">
+                <a:schemeClr val="accent1">
+                  <a:shade val="50000"/>
+                </a:schemeClr>
+              </a:lnRef>
+              <a:fillRef idx="1">
+                <a:schemeClr val="accent1"/>
+              </a:fillRef>
+              <a:effectRef idx="0">
+                <a:schemeClr val="accent1"/>
+              </a:effectRef>
+              <a:fontRef idx="minor">
+                <a:schemeClr val="lt1"/>
+              </a:fontRef>
+            </p:style>
+            <p:txBody>
+              <a:bodyPr rtlCol="0" anchor="ctr"/>
+              <a:lstStyle/>
+              <a:p>
+                <a:pPr algn="ctr"/>
+                <a:r>
+                  <a:rPr lang="en-US" altLang="ko-KR" sz="2400" dirty="0">
+                    <a:solidFill>
+                      <a:schemeClr val="tx1"/>
+                    </a:solidFill>
+                    <a:latin typeface="배달의민족 주아" panose="02020603020101020101" pitchFamily="18" charset="-127"/>
+                    <a:ea typeface="배달의민족 주아" panose="02020603020101020101" pitchFamily="18" charset="-127"/>
+                  </a:rPr>
+                  <a:t>3</a:t>
+                </a:r>
+                <a:endParaRPr lang="ko-KR" altLang="en-US" sz="2400" dirty="0">
+                  <a:solidFill>
+                    <a:schemeClr val="tx1"/>
+                  </a:solidFill>
+                  <a:latin typeface="배달의민족 주아" panose="02020603020101020101" pitchFamily="18" charset="-127"/>
+                  <a:ea typeface="배달의민족 주아" panose="02020603020101020101" pitchFamily="18" charset="-127"/>
+                </a:endParaRPr>
+              </a:p>
+            </p:txBody>
+          </p:sp>
+        </p:grpSp>
+      </p:grpSp>
+    </p:spTree>
+    <p:extLst>
+      <p:ext uri="{BB962C8B-B14F-4D97-AF65-F5344CB8AC3E}">
+        <p14:creationId xmlns:p14="http://schemas.microsoft.com/office/powerpoint/2010/main" val="3156274792"/>
+      </p:ext>
+    </p:extLst>
+  </p:cSld>
+  <p:clrMapOvr>
+    <a:masterClrMapping/>
+  </p:clrMapOvr>
+</p:sld>
+</file>
+
+<file path=ppt/slides/slide18.xml><?xml version="1.0" encoding="utf-8"?>
+<p:sld xmlns:a="http://schemas.openxmlformats.org/drawingml/2006/main" xmlns:r="http://schemas.openxmlformats.org/officeDocument/2006/relationships" xmlns:p="http://schemas.openxmlformats.org/presentationml/2006/main">
+  <p:cSld>
+    <p:spTree>
+      <p:nvGrpSpPr>
+        <p:cNvPr id="1" name=""/>
+        <p:cNvGrpSpPr/>
+        <p:nvPr/>
+      </p:nvGrpSpPr>
+      <p:grpSpPr>
+        <a:xfrm>
+          <a:off x="0" y="0"/>
+          <a:ext cx="0" cy="0"/>
+          <a:chOff x="0" y="0"/>
+          <a:chExt cx="0" cy="0"/>
+        </a:xfrm>
+      </p:grpSpPr>
+      <p:grpSp>
+        <p:nvGrpSpPr>
+          <p:cNvPr id="3" name="그룹 2"/>
+          <p:cNvGrpSpPr/>
+          <p:nvPr/>
+        </p:nvGrpSpPr>
+        <p:grpSpPr>
+          <a:xfrm>
+            <a:off x="-3" y="0"/>
+            <a:ext cx="12192002" cy="6858000"/>
+            <a:chOff x="-3" y="0"/>
+            <a:chExt cx="12192002" cy="6858000"/>
+          </a:xfrm>
+        </p:grpSpPr>
+        <p:pic>
+          <p:nvPicPr>
+            <p:cNvPr id="2" name="그림 1"/>
+            <p:cNvPicPr>
+              <a:picLocks noChangeAspect="1"/>
+            </p:cNvPicPr>
+            <p:nvPr/>
+          </p:nvPicPr>
+          <p:blipFill>
+            <a:blip r:embed="rId2">
+              <a:extLst>
+                <a:ext uri="{28A0092B-C50C-407E-A947-70E740481C1C}">
+                  <a14:useLocalDpi xmlns:a14="http://schemas.microsoft.com/office/drawing/2010/main" val="0"/>
+                </a:ext>
+              </a:extLst>
+            </a:blip>
+            <a:stretch>
+              <a:fillRect/>
+            </a:stretch>
+          </p:blipFill>
+          <p:spPr>
+            <a:xfrm>
+              <a:off x="-3" y="0"/>
+              <a:ext cx="12192001" cy="6854574"/>
+            </a:xfrm>
+            <a:prstGeom prst="rect">
+              <a:avLst/>
+            </a:prstGeom>
+          </p:spPr>
+        </p:pic>
+        <p:sp>
+          <p:nvSpPr>
+            <p:cNvPr id="5" name="직사각형 4"/>
+            <p:cNvSpPr/>
+            <p:nvPr/>
+          </p:nvSpPr>
+          <p:spPr>
+            <a:xfrm>
+              <a:off x="-1" y="0"/>
+              <a:ext cx="424544" cy="6858000"/>
+            </a:xfrm>
+            <a:prstGeom prst="rect">
+              <a:avLst/>
+            </a:prstGeom>
+            <a:solidFill>
+              <a:schemeClr val="tx1">
+                <a:alpha val="70000"/>
+              </a:schemeClr>
+            </a:solidFill>
+            <a:ln>
+              <a:noFill/>
+            </a:ln>
+          </p:spPr>
+          <p:style>
+            <a:lnRef idx="2">
+              <a:schemeClr val="accent1">
+                <a:shade val="50000"/>
+              </a:schemeClr>
+            </a:lnRef>
+            <a:fillRef idx="1">
+              <a:schemeClr val="accent1"/>
+            </a:fillRef>
+            <a:effectRef idx="0">
+              <a:schemeClr val="accent1"/>
+            </a:effectRef>
+            <a:fontRef idx="minor">
+              <a:schemeClr val="lt1"/>
+            </a:fontRef>
+          </p:style>
+          <p:txBody>
+            <a:bodyPr rtlCol="0" anchor="ctr"/>
+            <a:lstStyle/>
+            <a:p>
+              <a:pPr algn="ctr"/>
+              <a:endParaRPr lang="ko-KR" altLang="en-US"/>
+            </a:p>
+          </p:txBody>
+        </p:sp>
+        <p:sp>
+          <p:nvSpPr>
+            <p:cNvPr id="6" name="직사각형 5"/>
+            <p:cNvSpPr/>
+            <p:nvPr/>
+          </p:nvSpPr>
+          <p:spPr>
+            <a:xfrm>
+              <a:off x="5812970" y="0"/>
+              <a:ext cx="6379029" cy="6858000"/>
+            </a:xfrm>
+            <a:prstGeom prst="rect">
+              <a:avLst/>
+            </a:prstGeom>
+            <a:solidFill>
+              <a:schemeClr val="tx1">
+                <a:alpha val="70000"/>
+              </a:schemeClr>
+            </a:solidFill>
+            <a:ln>
+              <a:noFill/>
+            </a:ln>
+          </p:spPr>
+          <p:style>
+            <a:lnRef idx="2">
+              <a:schemeClr val="accent1">
+                <a:shade val="50000"/>
+              </a:schemeClr>
+            </a:lnRef>
+            <a:fillRef idx="1">
+              <a:schemeClr val="accent1"/>
+            </a:fillRef>
+            <a:effectRef idx="0">
+              <a:schemeClr val="accent1"/>
+            </a:effectRef>
+            <a:fontRef idx="minor">
+              <a:schemeClr val="lt1"/>
+            </a:fontRef>
+          </p:style>
+          <p:txBody>
+            <a:bodyPr rtlCol="0" anchor="ctr"/>
+            <a:lstStyle/>
+            <a:p>
+              <a:pPr algn="ctr"/>
+              <a:endParaRPr lang="ko-KR" altLang="en-US"/>
+            </a:p>
+          </p:txBody>
+        </p:sp>
+        <p:sp>
+          <p:nvSpPr>
+            <p:cNvPr id="7" name="직사각형 6"/>
+            <p:cNvSpPr/>
+            <p:nvPr/>
+          </p:nvSpPr>
+          <p:spPr>
+            <a:xfrm>
+              <a:off x="424543" y="0"/>
+              <a:ext cx="5388428" cy="3629308"/>
+            </a:xfrm>
+            <a:prstGeom prst="rect">
+              <a:avLst/>
+            </a:prstGeom>
+            <a:solidFill>
+              <a:schemeClr val="tx1">
+                <a:alpha val="70000"/>
+              </a:schemeClr>
+            </a:solidFill>
+            <a:ln>
+              <a:noFill/>
+            </a:ln>
+          </p:spPr>
+          <p:style>
+            <a:lnRef idx="2">
+              <a:schemeClr val="accent1">
+                <a:shade val="50000"/>
+              </a:schemeClr>
+            </a:lnRef>
+            <a:fillRef idx="1">
+              <a:schemeClr val="accent1"/>
+            </a:fillRef>
+            <a:effectRef idx="0">
+              <a:schemeClr val="accent1"/>
+            </a:effectRef>
+            <a:fontRef idx="minor">
+              <a:schemeClr val="lt1"/>
+            </a:fontRef>
+          </p:style>
+          <p:txBody>
+            <a:bodyPr rtlCol="0" anchor="ctr"/>
+            <a:lstStyle/>
+            <a:p>
+              <a:pPr algn="ctr"/>
+              <a:endParaRPr lang="ko-KR" altLang="en-US"/>
+            </a:p>
+          </p:txBody>
+        </p:sp>
+        <p:sp>
+          <p:nvSpPr>
+            <p:cNvPr id="8" name="직사각형 7"/>
+            <p:cNvSpPr/>
+            <p:nvPr/>
+          </p:nvSpPr>
+          <p:spPr>
+            <a:xfrm>
+              <a:off x="424541" y="6694714"/>
+              <a:ext cx="5388429" cy="163286"/>
+            </a:xfrm>
+            <a:prstGeom prst="rect">
+              <a:avLst/>
+            </a:prstGeom>
+            <a:solidFill>
+              <a:schemeClr val="tx1">
+                <a:alpha val="70000"/>
+              </a:schemeClr>
+            </a:solidFill>
+            <a:ln>
+              <a:noFill/>
+            </a:ln>
+          </p:spPr>
+          <p:style>
+            <a:lnRef idx="2">
+              <a:schemeClr val="accent1">
+                <a:shade val="50000"/>
+              </a:schemeClr>
+            </a:lnRef>
+            <a:fillRef idx="1">
+              <a:schemeClr val="accent1"/>
+            </a:fillRef>
+            <a:effectRef idx="0">
+              <a:schemeClr val="accent1"/>
+            </a:effectRef>
+            <a:fontRef idx="minor">
+              <a:schemeClr val="lt1"/>
+            </a:fontRef>
+          </p:style>
+          <p:txBody>
+            <a:bodyPr rtlCol="0" anchor="ctr"/>
+            <a:lstStyle/>
+            <a:p>
+              <a:pPr algn="ctr"/>
+              <a:endParaRPr lang="ko-KR" altLang="en-US"/>
+            </a:p>
+          </p:txBody>
+        </p:sp>
+        <p:grpSp>
+          <p:nvGrpSpPr>
+            <p:cNvPr id="12" name="그룹 11"/>
+            <p:cNvGrpSpPr/>
+            <p:nvPr/>
+          </p:nvGrpSpPr>
+          <p:grpSpPr>
+            <a:xfrm>
+              <a:off x="6095997" y="4053850"/>
+              <a:ext cx="4816928" cy="2232650"/>
+              <a:chOff x="6937828" y="3444988"/>
+              <a:chExt cx="4816928" cy="2232650"/>
+            </a:xfrm>
+          </p:grpSpPr>
+          <p:sp>
+            <p:nvSpPr>
+              <p:cNvPr id="10" name="모서리가 둥근 직사각형 9"/>
+              <p:cNvSpPr/>
+              <p:nvPr/>
+            </p:nvSpPr>
+            <p:spPr>
+              <a:xfrm>
+                <a:off x="7199085" y="3701144"/>
+                <a:ext cx="4555671" cy="1976494"/>
+              </a:xfrm>
+              <a:prstGeom prst="roundRect">
+                <a:avLst>
+                  <a:gd name="adj" fmla="val 10590"/>
+                </a:avLst>
+              </a:prstGeom>
+              <a:solidFill>
+                <a:schemeClr val="accent4">
+                  <a:lumMod val="20000"/>
+                  <a:lumOff val="80000"/>
+                  <a:alpha val="40000"/>
+                </a:schemeClr>
+              </a:solidFill>
+              <a:ln w="63500">
+                <a:solidFill>
+                  <a:schemeClr val="accent4">
+                    <a:lumMod val="60000"/>
+                    <a:lumOff val="40000"/>
+                  </a:schemeClr>
+                </a:solidFill>
+              </a:ln>
+            </p:spPr>
+            <p:style>
+              <a:lnRef idx="2">
+                <a:schemeClr val="accent1">
+                  <a:shade val="50000"/>
+                </a:schemeClr>
+              </a:lnRef>
+              <a:fillRef idx="1">
+                <a:schemeClr val="accent1"/>
+              </a:fillRef>
+              <a:effectRef idx="0">
+                <a:schemeClr val="accent1"/>
+              </a:effectRef>
+              <a:fontRef idx="minor">
+                <a:schemeClr val="lt1"/>
+              </a:fontRef>
+            </p:style>
+            <p:txBody>
+              <a:bodyPr rtlCol="0" anchor="ctr"/>
+              <a:lstStyle/>
+              <a:p>
+                <a:pPr algn="ctr">
+                  <a:lnSpc>
+                    <a:spcPct val="150000"/>
+                  </a:lnSpc>
+                </a:pPr>
+                <a:r>
+                  <a:rPr lang="ko-KR" altLang="en-US" sz="2500" dirty="0" smtClean="0">
+                    <a:latin typeface="배달의민족 주아" panose="02020603020101020101" pitchFamily="18" charset="-127"/>
+                    <a:ea typeface="배달의민족 주아" panose="02020603020101020101" pitchFamily="18" charset="-127"/>
+                  </a:rPr>
+                  <a:t>자른 위치에 따라 제대로 잘랐는지</a:t>
+                </a:r>
+                <a:endParaRPr lang="en-US" altLang="ko-KR" sz="2500" dirty="0" smtClean="0">
+                  <a:latin typeface="배달의민족 주아" panose="02020603020101020101" pitchFamily="18" charset="-127"/>
+                  <a:ea typeface="배달의민족 주아" panose="02020603020101020101" pitchFamily="18" charset="-127"/>
+                </a:endParaRPr>
+              </a:p>
+              <a:p>
+                <a:pPr algn="ctr">
+                  <a:lnSpc>
+                    <a:spcPct val="150000"/>
+                  </a:lnSpc>
+                </a:pPr>
+                <a:r>
+                  <a:rPr lang="ko-KR" altLang="en-US" sz="2500" dirty="0" smtClean="0">
+                    <a:latin typeface="배달의민족 주아" panose="02020603020101020101" pitchFamily="18" charset="-127"/>
+                    <a:ea typeface="배달의민족 주아" panose="02020603020101020101" pitchFamily="18" charset="-127"/>
+                  </a:rPr>
+                  <a:t>판정을 해줍니다</a:t>
+                </a:r>
+                <a:r>
+                  <a:rPr lang="en-US" altLang="ko-KR" sz="2500" dirty="0" smtClean="0">
+                    <a:latin typeface="배달의민족 주아" panose="02020603020101020101" pitchFamily="18" charset="-127"/>
+                    <a:ea typeface="배달의민족 주아" panose="02020603020101020101" pitchFamily="18" charset="-127"/>
+                  </a:rPr>
+                  <a:t>. </a:t>
+                </a:r>
+                <a:r>
+                  <a:rPr lang="ko-KR" altLang="en-US" sz="2500" dirty="0" smtClean="0">
+                    <a:latin typeface="배달의민족 주아" panose="02020603020101020101" pitchFamily="18" charset="-127"/>
+                    <a:ea typeface="배달의민족 주아" panose="02020603020101020101" pitchFamily="18" charset="-127"/>
+                  </a:rPr>
+                  <a:t>정확하게 자를수록</a:t>
+                </a:r>
+                <a:endParaRPr lang="en-US" altLang="ko-KR" sz="2500" dirty="0" smtClean="0">
+                  <a:latin typeface="배달의민족 주아" panose="02020603020101020101" pitchFamily="18" charset="-127"/>
+                  <a:ea typeface="배달의민족 주아" panose="02020603020101020101" pitchFamily="18" charset="-127"/>
+                </a:endParaRPr>
+              </a:p>
+              <a:p>
+                <a:pPr algn="ctr">
+                  <a:lnSpc>
+                    <a:spcPct val="150000"/>
+                  </a:lnSpc>
+                </a:pPr>
+                <a:r>
+                  <a:rPr lang="ko-KR" altLang="en-US" sz="2500" dirty="0" smtClean="0">
+                    <a:latin typeface="배달의민족 주아" panose="02020603020101020101" pitchFamily="18" charset="-127"/>
+                    <a:ea typeface="배달의민족 주아" panose="02020603020101020101" pitchFamily="18" charset="-127"/>
+                  </a:rPr>
+                  <a:t>보상을 많이 줍니다</a:t>
+                </a:r>
+                <a:r>
+                  <a:rPr lang="en-US" altLang="ko-KR" sz="2500" dirty="0" smtClean="0">
+                    <a:latin typeface="배달의민족 주아" panose="02020603020101020101" pitchFamily="18" charset="-127"/>
+                    <a:ea typeface="배달의민족 주아" panose="02020603020101020101" pitchFamily="18" charset="-127"/>
+                  </a:rPr>
+                  <a:t>.</a:t>
+                </a:r>
+                <a:endParaRPr lang="ko-KR" altLang="en-US" sz="2500" dirty="0">
+                  <a:latin typeface="배달의민족 주아" panose="02020603020101020101" pitchFamily="18" charset="-127"/>
+                  <a:ea typeface="배달의민족 주아" panose="02020603020101020101" pitchFamily="18" charset="-127"/>
+                </a:endParaRPr>
+              </a:p>
+            </p:txBody>
+          </p:sp>
+          <p:sp>
+            <p:nvSpPr>
+              <p:cNvPr id="11" name="타원 10"/>
+              <p:cNvSpPr/>
+              <p:nvPr/>
+            </p:nvSpPr>
+            <p:spPr>
+              <a:xfrm>
+                <a:off x="6937828" y="3444988"/>
+                <a:ext cx="522514" cy="508000"/>
+              </a:xfrm>
+              <a:prstGeom prst="ellipse">
+                <a:avLst/>
+              </a:prstGeom>
+              <a:solidFill>
+                <a:srgbClr val="FFFAEB"/>
+              </a:solidFill>
+              <a:ln w="63500">
+                <a:solidFill>
+                  <a:schemeClr val="accent4">
+                    <a:lumMod val="60000"/>
+                    <a:lumOff val="40000"/>
+                  </a:schemeClr>
+                </a:solidFill>
+              </a:ln>
+            </p:spPr>
+            <p:style>
+              <a:lnRef idx="2">
+                <a:schemeClr val="accent1">
+                  <a:shade val="50000"/>
+                </a:schemeClr>
+              </a:lnRef>
+              <a:fillRef idx="1">
+                <a:schemeClr val="accent1"/>
+              </a:fillRef>
+              <a:effectRef idx="0">
+                <a:schemeClr val="accent1"/>
+              </a:effectRef>
+              <a:fontRef idx="minor">
+                <a:schemeClr val="lt1"/>
+              </a:fontRef>
+            </p:style>
+            <p:txBody>
+              <a:bodyPr rtlCol="0" anchor="ctr"/>
+              <a:lstStyle/>
+              <a:p>
+                <a:pPr algn="ctr"/>
+                <a:r>
+                  <a:rPr lang="en-US" altLang="ko-KR" sz="2400" dirty="0" smtClean="0">
+                    <a:solidFill>
+                      <a:schemeClr val="tx1"/>
+                    </a:solidFill>
+                    <a:latin typeface="배달의민족 주아" panose="02020603020101020101" pitchFamily="18" charset="-127"/>
+                    <a:ea typeface="배달의민족 주아" panose="02020603020101020101" pitchFamily="18" charset="-127"/>
+                  </a:rPr>
+                  <a:t>4</a:t>
+                </a:r>
+                <a:endParaRPr lang="ko-KR" altLang="en-US" sz="2400" dirty="0">
+                  <a:solidFill>
+                    <a:schemeClr val="tx1"/>
+                  </a:solidFill>
+                  <a:latin typeface="배달의민족 주아" panose="02020603020101020101" pitchFamily="18" charset="-127"/>
+                  <a:ea typeface="배달의민족 주아" panose="02020603020101020101" pitchFamily="18" charset="-127"/>
+                </a:endParaRPr>
+              </a:p>
+            </p:txBody>
+          </p:sp>
+        </p:grpSp>
+      </p:grpSp>
+    </p:spTree>
+    <p:extLst>
+      <p:ext uri="{BB962C8B-B14F-4D97-AF65-F5344CB8AC3E}">
+        <p14:creationId xmlns:p14="http://schemas.microsoft.com/office/powerpoint/2010/main" val="593380076"/>
+      </p:ext>
+    </p:extLst>
+  </p:cSld>
+  <p:clrMapOvr>
+    <a:masterClrMapping/>
+  </p:clrMapOvr>
+</p:sld>
+</file>
+
+<file path=ppt/slides/slide19.xml><?xml version="1.0" encoding="utf-8"?>
+<p:sld xmlns:a="http://schemas.openxmlformats.org/drawingml/2006/main" xmlns:r="http://schemas.openxmlformats.org/officeDocument/2006/relationships" xmlns:p="http://schemas.openxmlformats.org/presentationml/2006/main">
+  <p:cSld>
+    <p:spTree>
+      <p:nvGrpSpPr>
+        <p:cNvPr id="1" name=""/>
+        <p:cNvGrpSpPr/>
+        <p:nvPr/>
+      </p:nvGrpSpPr>
+      <p:grpSpPr>
+        <a:xfrm>
+          <a:off x="0" y="0"/>
+          <a:ext cx="0" cy="0"/>
+          <a:chOff x="0" y="0"/>
+          <a:chExt cx="0" cy="0"/>
+        </a:xfrm>
+      </p:grpSpPr>
+      <p:grpSp>
+        <p:nvGrpSpPr>
+          <p:cNvPr id="3" name="그룹 2"/>
+          <p:cNvGrpSpPr/>
+          <p:nvPr/>
+        </p:nvGrpSpPr>
+        <p:grpSpPr>
+          <a:xfrm>
+            <a:off x="-3" y="0"/>
+            <a:ext cx="12192002" cy="6858000"/>
+            <a:chOff x="-3" y="0"/>
+            <a:chExt cx="12192002" cy="6858000"/>
+          </a:xfrm>
+        </p:grpSpPr>
+        <p:pic>
+          <p:nvPicPr>
+            <p:cNvPr id="2" name="그림 1"/>
+            <p:cNvPicPr>
+              <a:picLocks noChangeAspect="1"/>
+            </p:cNvPicPr>
+            <p:nvPr/>
+          </p:nvPicPr>
+          <p:blipFill>
+            <a:blip r:embed="rId2">
+              <a:extLst>
+                <a:ext uri="{28A0092B-C50C-407E-A947-70E740481C1C}">
+                  <a14:useLocalDpi xmlns:a14="http://schemas.microsoft.com/office/drawing/2010/main" val="0"/>
+                </a:ext>
+              </a:extLst>
+            </a:blip>
+            <a:stretch>
+              <a:fillRect/>
+            </a:stretch>
+          </p:blipFill>
+          <p:spPr>
+            <a:xfrm>
+              <a:off x="-3" y="0"/>
+              <a:ext cx="12192001" cy="6854574"/>
+            </a:xfrm>
+            <a:prstGeom prst="rect">
+              <a:avLst/>
+            </a:prstGeom>
+          </p:spPr>
+        </p:pic>
+        <p:sp>
+          <p:nvSpPr>
+            <p:cNvPr id="5" name="직사각형 4"/>
+            <p:cNvSpPr/>
+            <p:nvPr/>
+          </p:nvSpPr>
+          <p:spPr>
+            <a:xfrm>
+              <a:off x="-2" y="0"/>
+              <a:ext cx="8605157" cy="6858000"/>
+            </a:xfrm>
+            <a:prstGeom prst="rect">
+              <a:avLst/>
+            </a:prstGeom>
+            <a:solidFill>
+              <a:schemeClr val="tx1">
+                <a:alpha val="70000"/>
+              </a:schemeClr>
+            </a:solidFill>
+            <a:ln>
+              <a:noFill/>
+            </a:ln>
+          </p:spPr>
+          <p:style>
+            <a:lnRef idx="2">
+              <a:schemeClr val="accent1">
+                <a:shade val="50000"/>
+              </a:schemeClr>
+            </a:lnRef>
+            <a:fillRef idx="1">
+              <a:schemeClr val="accent1"/>
+            </a:fillRef>
+            <a:effectRef idx="0">
+              <a:schemeClr val="accent1"/>
+            </a:effectRef>
+            <a:fontRef idx="minor">
+              <a:schemeClr val="lt1"/>
+            </a:fontRef>
+          </p:style>
+          <p:txBody>
+            <a:bodyPr rtlCol="0" anchor="ctr"/>
+            <a:lstStyle/>
+            <a:p>
+              <a:pPr algn="ctr"/>
+              <a:endParaRPr lang="ko-KR" altLang="en-US"/>
+            </a:p>
+          </p:txBody>
+        </p:sp>
+        <p:sp>
+          <p:nvSpPr>
+            <p:cNvPr id="6" name="직사각형 5"/>
+            <p:cNvSpPr/>
+            <p:nvPr/>
+          </p:nvSpPr>
+          <p:spPr>
+            <a:xfrm>
+              <a:off x="10776857" y="0"/>
+              <a:ext cx="1415142" cy="6858000"/>
+            </a:xfrm>
+            <a:prstGeom prst="rect">
+              <a:avLst/>
+            </a:prstGeom>
+            <a:solidFill>
+              <a:schemeClr val="tx1">
+                <a:alpha val="70000"/>
+              </a:schemeClr>
+            </a:solidFill>
+            <a:ln>
+              <a:noFill/>
+            </a:ln>
+          </p:spPr>
+          <p:style>
+            <a:lnRef idx="2">
+              <a:schemeClr val="accent1">
+                <a:shade val="50000"/>
+              </a:schemeClr>
+            </a:lnRef>
+            <a:fillRef idx="1">
+              <a:schemeClr val="accent1"/>
+            </a:fillRef>
+            <a:effectRef idx="0">
+              <a:schemeClr val="accent1"/>
+            </a:effectRef>
+            <a:fontRef idx="minor">
+              <a:schemeClr val="lt1"/>
+            </a:fontRef>
+          </p:style>
+          <p:txBody>
+            <a:bodyPr rtlCol="0" anchor="ctr"/>
+            <a:lstStyle/>
+            <a:p>
+              <a:pPr algn="ctr"/>
+              <a:endParaRPr lang="ko-KR" altLang="en-US"/>
+            </a:p>
+          </p:txBody>
+        </p:sp>
+        <p:sp>
+          <p:nvSpPr>
+            <p:cNvPr id="7" name="직사각형 6"/>
+            <p:cNvSpPr/>
+            <p:nvPr/>
+          </p:nvSpPr>
+          <p:spPr>
+            <a:xfrm>
+              <a:off x="8605157" y="0"/>
+              <a:ext cx="2171698" cy="3282043"/>
+            </a:xfrm>
+            <a:prstGeom prst="rect">
+              <a:avLst/>
+            </a:prstGeom>
+            <a:solidFill>
+              <a:schemeClr val="tx1">
+                <a:alpha val="70000"/>
+              </a:schemeClr>
+            </a:solidFill>
+            <a:ln>
+              <a:noFill/>
+            </a:ln>
+          </p:spPr>
+          <p:style>
+            <a:lnRef idx="2">
+              <a:schemeClr val="accent1">
+                <a:shade val="50000"/>
+              </a:schemeClr>
+            </a:lnRef>
+            <a:fillRef idx="1">
+              <a:schemeClr val="accent1"/>
+            </a:fillRef>
+            <a:effectRef idx="0">
+              <a:schemeClr val="accent1"/>
+            </a:effectRef>
+            <a:fontRef idx="minor">
+              <a:schemeClr val="lt1"/>
+            </a:fontRef>
+          </p:style>
+          <p:txBody>
+            <a:bodyPr rtlCol="0" anchor="ctr"/>
+            <a:lstStyle/>
+            <a:p>
+              <a:pPr algn="ctr"/>
+              <a:endParaRPr lang="ko-KR" altLang="en-US"/>
+            </a:p>
+          </p:txBody>
+        </p:sp>
+        <p:grpSp>
+          <p:nvGrpSpPr>
+            <p:cNvPr id="12" name="그룹 11"/>
+            <p:cNvGrpSpPr/>
+            <p:nvPr/>
+          </p:nvGrpSpPr>
+          <p:grpSpPr>
+            <a:xfrm>
+              <a:off x="3418112" y="4013028"/>
+              <a:ext cx="4991102" cy="2371442"/>
+              <a:chOff x="6937828" y="3444988"/>
+              <a:chExt cx="4991102" cy="2371442"/>
+            </a:xfrm>
+          </p:grpSpPr>
+          <p:sp>
+            <p:nvSpPr>
+              <p:cNvPr id="10" name="모서리가 둥근 직사각형 9"/>
+              <p:cNvSpPr/>
+              <p:nvPr/>
+            </p:nvSpPr>
+            <p:spPr>
+              <a:xfrm>
+                <a:off x="7199085" y="3701143"/>
+                <a:ext cx="4729845" cy="2115287"/>
+              </a:xfrm>
+              <a:prstGeom prst="roundRect">
+                <a:avLst>
+                  <a:gd name="adj" fmla="val 10590"/>
+                </a:avLst>
+              </a:prstGeom>
+              <a:solidFill>
+                <a:schemeClr val="accent4">
+                  <a:lumMod val="20000"/>
+                  <a:lumOff val="80000"/>
+                  <a:alpha val="40000"/>
+                </a:schemeClr>
+              </a:solidFill>
+              <a:ln w="63500">
+                <a:solidFill>
+                  <a:schemeClr val="accent4">
+                    <a:lumMod val="60000"/>
+                    <a:lumOff val="40000"/>
+                  </a:schemeClr>
+                </a:solidFill>
+              </a:ln>
+            </p:spPr>
+            <p:style>
+              <a:lnRef idx="2">
+                <a:schemeClr val="accent1">
+                  <a:shade val="50000"/>
+                </a:schemeClr>
+              </a:lnRef>
+              <a:fillRef idx="1">
+                <a:schemeClr val="accent1"/>
+              </a:fillRef>
+              <a:effectRef idx="0">
+                <a:schemeClr val="accent1"/>
+              </a:effectRef>
+              <a:fontRef idx="minor">
+                <a:schemeClr val="lt1"/>
+              </a:fontRef>
+            </p:style>
+            <p:txBody>
+              <a:bodyPr rtlCol="0" anchor="ctr"/>
+              <a:lstStyle/>
+              <a:p>
+                <a:pPr algn="ctr">
+                  <a:lnSpc>
+                    <a:spcPct val="150000"/>
+                  </a:lnSpc>
+                </a:pPr>
+                <a:r>
+                  <a:rPr lang="ko-KR" altLang="en-US" sz="2500" dirty="0" smtClean="0">
+                    <a:latin typeface="배달의민족 주아" panose="02020603020101020101" pitchFamily="18" charset="-127"/>
+                    <a:ea typeface="배달의민족 주아" panose="02020603020101020101" pitchFamily="18" charset="-127"/>
+                  </a:rPr>
+                  <a:t>잘린 고기가 오른쪽 화면으로</a:t>
+                </a:r>
+                <a:endParaRPr lang="en-US" altLang="ko-KR" sz="2500" dirty="0" smtClean="0">
+                  <a:latin typeface="배달의민족 주아" panose="02020603020101020101" pitchFamily="18" charset="-127"/>
+                  <a:ea typeface="배달의민족 주아" panose="02020603020101020101" pitchFamily="18" charset="-127"/>
+                </a:endParaRPr>
+              </a:p>
+              <a:p>
+                <a:pPr algn="ctr">
+                  <a:lnSpc>
+                    <a:spcPct val="150000"/>
+                  </a:lnSpc>
+                </a:pPr>
+                <a:r>
+                  <a:rPr lang="ko-KR" altLang="en-US" sz="2500" dirty="0" smtClean="0">
+                    <a:latin typeface="배달의민족 주아" panose="02020603020101020101" pitchFamily="18" charset="-127"/>
+                    <a:ea typeface="배달의민족 주아" panose="02020603020101020101" pitchFamily="18" charset="-127"/>
+                  </a:rPr>
+                  <a:t>넘어가고 타이밍에 맞춰서 화면을</a:t>
+                </a:r>
+                <a:endParaRPr lang="en-US" altLang="ko-KR" sz="2500" dirty="0" smtClean="0">
+                  <a:latin typeface="배달의민족 주아" panose="02020603020101020101" pitchFamily="18" charset="-127"/>
+                  <a:ea typeface="배달의민족 주아" panose="02020603020101020101" pitchFamily="18" charset="-127"/>
+                </a:endParaRPr>
+              </a:p>
+              <a:p>
+                <a:pPr algn="ctr">
+                  <a:lnSpc>
+                    <a:spcPct val="150000"/>
+                  </a:lnSpc>
+                </a:pPr>
+                <a:r>
+                  <a:rPr lang="ko-KR" altLang="en-US" sz="2500" dirty="0" smtClean="0">
+                    <a:latin typeface="배달의민족 주아" panose="02020603020101020101" pitchFamily="18" charset="-127"/>
+                    <a:ea typeface="배달의민족 주아" panose="02020603020101020101" pitchFamily="18" charset="-127"/>
+                  </a:rPr>
+                  <a:t>터치하면 고기를 던질 수 있습니다</a:t>
+                </a:r>
+                <a:r>
+                  <a:rPr lang="en-US" altLang="ko-KR" sz="2500" dirty="0" smtClean="0">
+                    <a:latin typeface="배달의민족 주아" panose="02020603020101020101" pitchFamily="18" charset="-127"/>
+                    <a:ea typeface="배달의민족 주아" panose="02020603020101020101" pitchFamily="18" charset="-127"/>
+                  </a:rPr>
+                  <a:t>.</a:t>
+                </a:r>
+                <a:endParaRPr lang="ko-KR" altLang="en-US" sz="2500" dirty="0">
+                  <a:latin typeface="배달의민족 주아" panose="02020603020101020101" pitchFamily="18" charset="-127"/>
+                  <a:ea typeface="배달의민족 주아" panose="02020603020101020101" pitchFamily="18" charset="-127"/>
+                </a:endParaRPr>
+              </a:p>
+            </p:txBody>
+          </p:sp>
+          <p:sp>
+            <p:nvSpPr>
+              <p:cNvPr id="11" name="타원 10"/>
+              <p:cNvSpPr/>
+              <p:nvPr/>
+            </p:nvSpPr>
+            <p:spPr>
+              <a:xfrm>
+                <a:off x="6937828" y="3444988"/>
+                <a:ext cx="522514" cy="508000"/>
+              </a:xfrm>
+              <a:prstGeom prst="ellipse">
+                <a:avLst/>
+              </a:prstGeom>
+              <a:solidFill>
+                <a:srgbClr val="FFFAEB"/>
+              </a:solidFill>
+              <a:ln w="63500">
+                <a:solidFill>
+                  <a:schemeClr val="accent4">
+                    <a:lumMod val="60000"/>
+                    <a:lumOff val="40000"/>
+                  </a:schemeClr>
+                </a:solidFill>
+              </a:ln>
+            </p:spPr>
+            <p:style>
+              <a:lnRef idx="2">
+                <a:schemeClr val="accent1">
+                  <a:shade val="50000"/>
+                </a:schemeClr>
+              </a:lnRef>
+              <a:fillRef idx="1">
+                <a:schemeClr val="accent1"/>
+              </a:fillRef>
+              <a:effectRef idx="0">
+                <a:schemeClr val="accent1"/>
+              </a:effectRef>
+              <a:fontRef idx="minor">
+                <a:schemeClr val="lt1"/>
+              </a:fontRef>
+            </p:style>
+            <p:txBody>
+              <a:bodyPr rtlCol="0" anchor="ctr"/>
+              <a:lstStyle/>
+              <a:p>
+                <a:pPr algn="ctr"/>
+                <a:r>
+                  <a:rPr lang="en-US" altLang="ko-KR" sz="2400" dirty="0" smtClean="0">
+                    <a:solidFill>
+                      <a:schemeClr val="tx1"/>
+                    </a:solidFill>
+                    <a:latin typeface="배달의민족 주아" panose="02020603020101020101" pitchFamily="18" charset="-127"/>
+                    <a:ea typeface="배달의민족 주아" panose="02020603020101020101" pitchFamily="18" charset="-127"/>
+                  </a:rPr>
+                  <a:t>5</a:t>
+                </a:r>
+                <a:endParaRPr lang="ko-KR" altLang="en-US" sz="2400" dirty="0">
+                  <a:solidFill>
+                    <a:schemeClr val="tx1"/>
+                  </a:solidFill>
+                  <a:latin typeface="배달의민족 주아" panose="02020603020101020101" pitchFamily="18" charset="-127"/>
+                  <a:ea typeface="배달의민족 주아" panose="02020603020101020101" pitchFamily="18" charset="-127"/>
+                </a:endParaRPr>
+              </a:p>
+            </p:txBody>
+          </p:sp>
+        </p:grpSp>
+      </p:grpSp>
+    </p:spTree>
+    <p:extLst>
+      <p:ext uri="{BB962C8B-B14F-4D97-AF65-F5344CB8AC3E}">
+        <p14:creationId xmlns:p14="http://schemas.microsoft.com/office/powerpoint/2010/main" val="3989914653"/>
+      </p:ext>
+    </p:extLst>
+  </p:cSld>
+  <p:clrMapOvr>
+    <a:masterClrMapping/>
+  </p:clrMapOvr>
+</p:sld>
+</file>
+
 <file path=ppt/slides/slide2.xml><?xml version="1.0" encoding="utf-8"?>
 <p:sld xmlns:a="http://schemas.openxmlformats.org/drawingml/2006/main" xmlns:r="http://schemas.openxmlformats.org/officeDocument/2006/relationships" xmlns:p="http://schemas.openxmlformats.org/presentationml/2006/main">
   <p:cSld>

--- a/UI Design.pptx
+++ b/UI Design.pptx
@@ -11451,13 +11451,16 @@
             </a:avLst>
           </a:prstGeom>
           <a:solidFill>
-            <a:schemeClr val="accent2">
-              <a:lumMod val="75000"/>
+            <a:schemeClr val="accent6">
+              <a:lumMod val="60000"/>
+              <a:lumOff val="40000"/>
               <a:alpha val="64000"/>
             </a:schemeClr>
           </a:solidFill>
-          <a:ln>
-            <a:noFill/>
+          <a:ln w="38100">
+            <a:solidFill>
+              <a:schemeClr val="tx1"/>
+            </a:solidFill>
           </a:ln>
         </p:spPr>
         <p:style>
@@ -11888,13 +11891,16 @@
             </a:avLst>
           </a:prstGeom>
           <a:solidFill>
-            <a:schemeClr val="accent2">
-              <a:lumMod val="75000"/>
+            <a:schemeClr val="accent6">
+              <a:lumMod val="60000"/>
+              <a:lumOff val="40000"/>
               <a:alpha val="64000"/>
             </a:schemeClr>
           </a:solidFill>
-          <a:ln>
-            <a:noFill/>
+          <a:ln w="38100">
+            <a:solidFill>
+              <a:schemeClr val="tx1"/>
+            </a:solidFill>
           </a:ln>
         </p:spPr>
         <p:style>
@@ -11977,13 +11983,16 @@
             </a:avLst>
           </a:prstGeom>
           <a:solidFill>
-            <a:schemeClr val="accent2">
-              <a:lumMod val="75000"/>
+            <a:schemeClr val="accent6">
+              <a:lumMod val="60000"/>
+              <a:lumOff val="40000"/>
               <a:alpha val="64000"/>
             </a:schemeClr>
           </a:solidFill>
-          <a:ln>
-            <a:noFill/>
+          <a:ln w="38100">
+            <a:solidFill>
+              <a:schemeClr val="tx1"/>
+            </a:solidFill>
           </a:ln>
         </p:spPr>
         <p:style>

--- a/UI Design.pptx
+++ b/UI Design.pptx
@@ -7577,16 +7577,16 @@
       </p:grpSpPr>
       <p:grpSp>
         <p:nvGrpSpPr>
-          <p:cNvPr id="24" name="그룹 23"/>
+          <p:cNvPr id="2" name="그룹 1"/>
           <p:cNvGrpSpPr/>
           <p:nvPr/>
         </p:nvGrpSpPr>
         <p:grpSpPr>
           <a:xfrm>
             <a:off x="1189218" y="-30413"/>
-            <a:ext cx="9098919" cy="6000980"/>
-            <a:chOff x="1123904" y="-1042784"/>
-            <a:chExt cx="9098919" cy="6000980"/>
+            <a:ext cx="9880910" cy="6173111"/>
+            <a:chOff x="1189218" y="-30413"/>
+            <a:chExt cx="9880910" cy="6173111"/>
           </a:xfrm>
         </p:grpSpPr>
         <p:pic>
@@ -7610,7 +7610,7 @@
           </p:blipFill>
           <p:spPr>
             <a:xfrm rot="184032">
-              <a:off x="8212351" y="2074063"/>
+              <a:off x="8189203" y="2980291"/>
               <a:ext cx="1874872" cy="1764093"/>
             </a:xfrm>
             <a:prstGeom prst="rect">
@@ -7640,7 +7640,7 @@
           </p:blipFill>
           <p:spPr>
             <a:xfrm rot="20734161">
-              <a:off x="1123904" y="1808074"/>
+              <a:off x="1189218" y="2820445"/>
               <a:ext cx="2344864" cy="2931079"/>
             </a:xfrm>
             <a:prstGeom prst="rect">
@@ -7669,7 +7669,7 @@
           </p:blipFill>
           <p:spPr>
             <a:xfrm rot="980653">
-              <a:off x="6625747" y="1266352"/>
+              <a:off x="6691061" y="2278723"/>
               <a:ext cx="1948941" cy="2186682"/>
             </a:xfrm>
             <a:prstGeom prst="rect">
@@ -7698,7 +7698,7 @@
           </p:blipFill>
           <p:spPr>
             <a:xfrm rot="21373785">
-              <a:off x="3128661" y="-1042784"/>
+              <a:off x="3193975" y="-30413"/>
               <a:ext cx="3629628" cy="2718954"/>
             </a:xfrm>
             <a:prstGeom prst="rect">
@@ -7714,7 +7714,7 @@
           </p:nvSpPr>
           <p:spPr>
             <a:xfrm>
-              <a:off x="3759289" y="1877930"/>
+              <a:off x="3824603" y="2890301"/>
               <a:ext cx="1597307" cy="1651066"/>
             </a:xfrm>
             <a:prstGeom prst="ellipse">
@@ -7760,7 +7760,7 @@
           </p:nvSpPr>
           <p:spPr>
             <a:xfrm>
-              <a:off x="4703224" y="2093206"/>
+              <a:off x="4768538" y="3105577"/>
               <a:ext cx="1597307" cy="1651066"/>
             </a:xfrm>
             <a:prstGeom prst="ellipse">
@@ -7806,7 +7806,7 @@
           </p:nvSpPr>
           <p:spPr>
             <a:xfrm>
-              <a:off x="5501877" y="1980522"/>
+              <a:off x="5567191" y="2992893"/>
               <a:ext cx="1597307" cy="1651066"/>
             </a:xfrm>
             <a:prstGeom prst="ellipse">
@@ -7852,8 +7852,8 @@
           </p:nvSpPr>
           <p:spPr>
             <a:xfrm>
-              <a:off x="6594745" y="3120093"/>
-              <a:ext cx="1597307" cy="1651066"/>
+              <a:off x="7209551" y="4167165"/>
+              <a:ext cx="1768398" cy="1711482"/>
             </a:xfrm>
             <a:prstGeom prst="ellipse">
               <a:avLst/>
@@ -7898,8 +7898,8 @@
           </p:nvSpPr>
           <p:spPr>
             <a:xfrm>
-              <a:off x="5935341" y="3273613"/>
-              <a:ext cx="1405774" cy="1429793"/>
+              <a:off x="6000654" y="4098577"/>
+              <a:ext cx="1937696" cy="1741696"/>
             </a:xfrm>
             <a:prstGeom prst="ellipse">
               <a:avLst/>
@@ -7944,8 +7944,8 @@
           </p:nvSpPr>
           <p:spPr>
             <a:xfrm>
-              <a:off x="5003275" y="2996359"/>
-              <a:ext cx="1433857" cy="1846648"/>
+              <a:off x="5068589" y="4008729"/>
+              <a:ext cx="1433857" cy="2133969"/>
             </a:xfrm>
             <a:prstGeom prst="ellipse">
               <a:avLst/>
@@ -7990,8 +7990,8 @@
           </p:nvSpPr>
           <p:spPr>
             <a:xfrm>
-              <a:off x="4022235" y="3221727"/>
-              <a:ext cx="1454336" cy="1504397"/>
+              <a:off x="4132766" y="4234098"/>
+              <a:ext cx="1733331" cy="1702952"/>
             </a:xfrm>
             <a:prstGeom prst="ellipse">
               <a:avLst/>
@@ -8036,7 +8036,7 @@
           </p:nvSpPr>
           <p:spPr>
             <a:xfrm>
-              <a:off x="2349439" y="2749392"/>
+              <a:off x="2414753" y="3761763"/>
               <a:ext cx="2256691" cy="2175287"/>
             </a:xfrm>
             <a:prstGeom prst="ellipse">
@@ -8082,8 +8082,8 @@
           </p:nvSpPr>
           <p:spPr>
             <a:xfrm>
-              <a:off x="8625516" y="3213460"/>
-              <a:ext cx="1597307" cy="1651066"/>
+              <a:off x="9170466" y="3960321"/>
+              <a:ext cx="1899662" cy="1878203"/>
             </a:xfrm>
             <a:prstGeom prst="ellipse">
               <a:avLst/>
@@ -8128,7 +8128,7 @@
           </p:nvSpPr>
           <p:spPr>
             <a:xfrm>
-              <a:off x="7575785" y="3213460"/>
+              <a:off x="8371813" y="4240518"/>
               <a:ext cx="1597307" cy="1651066"/>
             </a:xfrm>
             <a:prstGeom prst="ellipse">
@@ -8174,7 +8174,7 @@
           </p:nvSpPr>
           <p:spPr>
             <a:xfrm>
-              <a:off x="5317141" y="1111656"/>
+              <a:off x="5382455" y="2124027"/>
               <a:ext cx="1597307" cy="1651066"/>
             </a:xfrm>
             <a:prstGeom prst="ellipse">
@@ -8220,7 +8220,7 @@
           </p:nvSpPr>
           <p:spPr>
             <a:xfrm>
-              <a:off x="4103960" y="1337025"/>
+              <a:off x="4169274" y="2349396"/>
               <a:ext cx="1597307" cy="1651066"/>
             </a:xfrm>
             <a:prstGeom prst="ellipse">
@@ -8266,7 +8266,7 @@
           </p:nvSpPr>
           <p:spPr>
             <a:xfrm>
-              <a:off x="2349125" y="890383"/>
+              <a:off x="2414439" y="1902754"/>
               <a:ext cx="2220686" cy="2323077"/>
             </a:xfrm>
             <a:prstGeom prst="ellipse">
@@ -8312,7 +8312,7 @@
           </p:nvSpPr>
           <p:spPr>
             <a:xfrm rot="21154713">
-              <a:off x="2474202" y="620761"/>
+              <a:off x="2539516" y="1633132"/>
               <a:ext cx="4191219" cy="2862322"/>
             </a:xfrm>
             <a:prstGeom prst="rect">
@@ -8407,8 +8407,8 @@
           </p:nvSpPr>
           <p:spPr>
             <a:xfrm>
-              <a:off x="2671400" y="2557539"/>
-              <a:ext cx="7328263" cy="2400657"/>
+              <a:off x="2361650" y="3585368"/>
+              <a:ext cx="8575811" cy="2400657"/>
             </a:xfrm>
             <a:prstGeom prst="rect">
               <a:avLst/>
@@ -8448,7 +8448,35 @@
                   </a:effectLst>
                   <a:latin typeface="Arial Black" panose="020B0A04020102020204" pitchFamily="34" charset="0"/>
                 </a:rPr>
-                <a:t>D</a:t>
+                <a:t>Go,</a:t>
+              </a:r>
+              <a:r>
+                <a:rPr lang="en-US" altLang="ko-KR" sz="5000" dirty="0" smtClean="0">
+                  <a:ln w="44450">
+                    <a:solidFill>
+                      <a:schemeClr val="bg1"/>
+                    </a:solidFill>
+                  </a:ln>
+                  <a:gradFill flip="none" rotWithShape="1">
+                    <a:gsLst>
+                      <a:gs pos="0">
+                        <a:srgbClr val="C5FFC1"/>
+                      </a:gs>
+                      <a:gs pos="43000">
+                        <a:srgbClr val="FFFF37"/>
+                      </a:gs>
+                    </a:gsLst>
+                    <a:lin ang="0" scaled="1"/>
+                    <a:tileRect/>
+                  </a:gradFill>
+                  <a:effectLst>
+                    <a:outerShdw dist="88900" dir="2700000" algn="tl" rotWithShape="0">
+                      <a:srgbClr val="FFDF79"/>
+                    </a:outerShdw>
+                  </a:effectLst>
+                  <a:latin typeface="Arial Black" panose="020B0A04020102020204" pitchFamily="34" charset="0"/>
+                </a:rPr>
+                <a:t> </a:t>
               </a:r>
               <a:r>
                 <a:rPr lang="en-US" altLang="ko-KR" sz="12000" dirty="0" smtClean="0">
@@ -8467,7 +8495,7 @@
                   </a:effectLst>
                   <a:latin typeface="Arial Black" panose="020B0A04020102020204" pitchFamily="34" charset="0"/>
                 </a:rPr>
-                <a:t>ef</a:t>
+                <a:t>Ba</a:t>
               </a:r>
               <a:r>
                 <a:rPr lang="en-US" altLang="ko-KR" sz="12000" dirty="0" smtClean="0">
@@ -8477,7 +8505,7 @@
                     </a:solidFill>
                   </a:ln>
                   <a:solidFill>
-                    <a:srgbClr val="9BA81C"/>
+                    <a:srgbClr val="FF6969"/>
                   </a:solidFill>
                   <a:effectLst>
                     <a:outerShdw dist="88900" dir="2700000" algn="tl" rotWithShape="0">
@@ -8486,45 +8514,7 @@
                   </a:effectLst>
                   <a:latin typeface="Arial Black" panose="020B0A04020102020204" pitchFamily="34" charset="0"/>
                 </a:rPr>
-                <a:t>e</a:t>
-              </a:r>
-              <a:r>
-                <a:rPr lang="en-US" altLang="ko-KR" sz="12000" dirty="0" smtClean="0">
-                  <a:ln w="44450">
-                    <a:solidFill>
-                      <a:schemeClr val="bg1"/>
-                    </a:solidFill>
-                  </a:ln>
-                  <a:solidFill>
-                    <a:srgbClr val="FFFF37"/>
-                  </a:solidFill>
-                  <a:effectLst>
-                    <a:outerShdw dist="88900" dir="2700000" algn="tl" rotWithShape="0">
-                      <a:srgbClr val="FFDF79"/>
-                    </a:outerShdw>
-                  </a:effectLst>
-                  <a:latin typeface="Arial Black" panose="020B0A04020102020204" pitchFamily="34" charset="0"/>
-                </a:rPr>
-                <a:t>n</a:t>
-              </a:r>
-              <a:r>
-                <a:rPr lang="en-US" altLang="ko-KR" sz="12000" dirty="0" smtClean="0">
-                  <a:ln w="44450">
-                    <a:solidFill>
-                      <a:schemeClr val="bg1"/>
-                    </a:solidFill>
-                  </a:ln>
-                  <a:solidFill>
-                    <a:srgbClr val="85EF85"/>
-                  </a:solidFill>
-                  <a:effectLst>
-                    <a:outerShdw dist="88900" dir="2700000" algn="tl" rotWithShape="0">
-                      <a:srgbClr val="FFDF79"/>
-                    </a:outerShdw>
-                  </a:effectLst>
-                  <a:latin typeface="Arial Black" panose="020B0A04020102020204" pitchFamily="34" charset="0"/>
-                </a:rPr>
-                <a:t>s</a:t>
+                <a:t>c</a:t>
               </a:r>
               <a:r>
                 <a:rPr lang="en-US" altLang="ko-KR" sz="12000" dirty="0" smtClean="0">
@@ -8543,7 +8533,7 @@
                   </a:effectLst>
                   <a:latin typeface="Arial Black" panose="020B0A04020102020204" pitchFamily="34" charset="0"/>
                 </a:rPr>
-                <a:t>e</a:t>
+                <a:t>k</a:t>
               </a:r>
               <a:endParaRPr lang="ko-KR" altLang="en-US" sz="12000" dirty="0">
                 <a:ln w="44450">

--- a/UI Design.pptx
+++ b/UI Design.pptx
@@ -6371,9 +6371,9 @@
         <p:grpSpPr>
           <a:xfrm>
             <a:off x="653089" y="-62173"/>
-            <a:ext cx="10444625" cy="6912916"/>
+            <a:ext cx="10444625" cy="7834572"/>
             <a:chOff x="653089" y="-62173"/>
-            <a:chExt cx="10444625" cy="6912916"/>
+            <a:chExt cx="10444625" cy="7834572"/>
           </a:xfrm>
         </p:grpSpPr>
         <p:sp>
@@ -6576,13 +6576,13 @@
                 </a:ext>
               </a:extLst>
             </a:blip>
-            <a:srcRect b="40072"/>
+            <a:srcRect b="21993"/>
             <a:stretch/>
           </p:blipFill>
           <p:spPr>
             <a:xfrm>
-              <a:off x="653089" y="3795489"/>
-              <a:ext cx="4078567" cy="3055254"/>
+              <a:off x="653089" y="3795488"/>
+              <a:ext cx="4078567" cy="3976911"/>
             </a:xfrm>
             <a:prstGeom prst="rect">
               <a:avLst/>

--- a/UI Design.pptx
+++ b/UI Design.pptx
@@ -261,7 +261,7 @@
           <a:p>
             <a:fld id="{73DA44B2-CD98-4B3F-98ED-AED51D116F14}" type="datetimeFigureOut">
               <a:rPr lang="ko-KR" altLang="en-US" smtClean="0"/>
-              <a:t>2017-04-05</a:t>
+              <a:t>2017-04-07</a:t>
             </a:fld>
             <a:endParaRPr lang="ko-KR" altLang="en-US"/>
           </a:p>
@@ -431,7 +431,7 @@
           <a:p>
             <a:fld id="{73DA44B2-CD98-4B3F-98ED-AED51D116F14}" type="datetimeFigureOut">
               <a:rPr lang="ko-KR" altLang="en-US" smtClean="0"/>
-              <a:t>2017-04-05</a:t>
+              <a:t>2017-04-07</a:t>
             </a:fld>
             <a:endParaRPr lang="ko-KR" altLang="en-US"/>
           </a:p>
@@ -611,7 +611,7 @@
           <a:p>
             <a:fld id="{73DA44B2-CD98-4B3F-98ED-AED51D116F14}" type="datetimeFigureOut">
               <a:rPr lang="ko-KR" altLang="en-US" smtClean="0"/>
-              <a:t>2017-04-05</a:t>
+              <a:t>2017-04-07</a:t>
             </a:fld>
             <a:endParaRPr lang="ko-KR" altLang="en-US"/>
           </a:p>
@@ -781,7 +781,7 @@
           <a:p>
             <a:fld id="{73DA44B2-CD98-4B3F-98ED-AED51D116F14}" type="datetimeFigureOut">
               <a:rPr lang="ko-KR" altLang="en-US" smtClean="0"/>
-              <a:t>2017-04-05</a:t>
+              <a:t>2017-04-07</a:t>
             </a:fld>
             <a:endParaRPr lang="ko-KR" altLang="en-US"/>
           </a:p>
@@ -1027,7 +1027,7 @@
           <a:p>
             <a:fld id="{73DA44B2-CD98-4B3F-98ED-AED51D116F14}" type="datetimeFigureOut">
               <a:rPr lang="ko-KR" altLang="en-US" smtClean="0"/>
-              <a:t>2017-04-05</a:t>
+              <a:t>2017-04-07</a:t>
             </a:fld>
             <a:endParaRPr lang="ko-KR" altLang="en-US"/>
           </a:p>
@@ -1259,7 +1259,7 @@
           <a:p>
             <a:fld id="{73DA44B2-CD98-4B3F-98ED-AED51D116F14}" type="datetimeFigureOut">
               <a:rPr lang="ko-KR" altLang="en-US" smtClean="0"/>
-              <a:t>2017-04-05</a:t>
+              <a:t>2017-04-07</a:t>
             </a:fld>
             <a:endParaRPr lang="ko-KR" altLang="en-US"/>
           </a:p>
@@ -1626,7 +1626,7 @@
           <a:p>
             <a:fld id="{73DA44B2-CD98-4B3F-98ED-AED51D116F14}" type="datetimeFigureOut">
               <a:rPr lang="ko-KR" altLang="en-US" smtClean="0"/>
-              <a:t>2017-04-05</a:t>
+              <a:t>2017-04-07</a:t>
             </a:fld>
             <a:endParaRPr lang="ko-KR" altLang="en-US"/>
           </a:p>
@@ -1744,7 +1744,7 @@
           <a:p>
             <a:fld id="{73DA44B2-CD98-4B3F-98ED-AED51D116F14}" type="datetimeFigureOut">
               <a:rPr lang="ko-KR" altLang="en-US" smtClean="0"/>
-              <a:t>2017-04-05</a:t>
+              <a:t>2017-04-07</a:t>
             </a:fld>
             <a:endParaRPr lang="ko-KR" altLang="en-US"/>
           </a:p>
@@ -1839,7 +1839,7 @@
           <a:p>
             <a:fld id="{73DA44B2-CD98-4B3F-98ED-AED51D116F14}" type="datetimeFigureOut">
               <a:rPr lang="ko-KR" altLang="en-US" smtClean="0"/>
-              <a:t>2017-04-05</a:t>
+              <a:t>2017-04-07</a:t>
             </a:fld>
             <a:endParaRPr lang="ko-KR" altLang="en-US"/>
           </a:p>
@@ -2116,7 +2116,7 @@
           <a:p>
             <a:fld id="{73DA44B2-CD98-4B3F-98ED-AED51D116F14}" type="datetimeFigureOut">
               <a:rPr lang="ko-KR" altLang="en-US" smtClean="0"/>
-              <a:t>2017-04-05</a:t>
+              <a:t>2017-04-07</a:t>
             </a:fld>
             <a:endParaRPr lang="ko-KR" altLang="en-US"/>
           </a:p>
@@ -2369,7 +2369,7 @@
           <a:p>
             <a:fld id="{73DA44B2-CD98-4B3F-98ED-AED51D116F14}" type="datetimeFigureOut">
               <a:rPr lang="ko-KR" altLang="en-US" smtClean="0"/>
-              <a:t>2017-04-05</a:t>
+              <a:t>2017-04-07</a:t>
             </a:fld>
             <a:endParaRPr lang="ko-KR" altLang="en-US"/>
           </a:p>
@@ -2582,7 +2582,7 @@
           <a:p>
             <a:fld id="{73DA44B2-CD98-4B3F-98ED-AED51D116F14}" type="datetimeFigureOut">
               <a:rPr lang="ko-KR" altLang="en-US" smtClean="0"/>
-              <a:t>2017-04-05</a:t>
+              <a:t>2017-04-07</a:t>
             </a:fld>
             <a:endParaRPr lang="ko-KR" altLang="en-US"/>
           </a:p>
@@ -24265,7 +24265,7 @@
                 <a:latin typeface="휴먼둥근헤드라인" panose="02030504000101010101" pitchFamily="18" charset="-127"/>
                 <a:ea typeface="휴먼둥근헤드라인" panose="02030504000101010101" pitchFamily="18" charset="-127"/>
               </a:rPr>
-              <a:t>날카로운 칼</a:t>
+              <a:t>정확한 조준</a:t>
             </a:r>
             <a:endParaRPr lang="ko-KR" altLang="en-US" sz="4000" dirty="0">
               <a:ln w="38100">
@@ -24593,17 +24593,7 @@
                 <a:latin typeface="휴먼매직체" panose="02030504000101010101" pitchFamily="18" charset="-127"/>
                 <a:ea typeface="휴먼매직체" panose="02030504000101010101" pitchFamily="18" charset="-127"/>
               </a:rPr>
-              <a:t>싹둑싹둑 잘 </a:t>
-            </a:r>
-            <a:r>
-              <a:rPr lang="ko-KR" altLang="en-US" sz="2400" dirty="0" err="1" smtClean="0">
-                <a:ln w="38100">
-                  <a:noFill/>
-                </a:ln>
-                <a:latin typeface="휴먼매직체" panose="02030504000101010101" pitchFamily="18" charset="-127"/>
-                <a:ea typeface="휴먼매직체" panose="02030504000101010101" pitchFamily="18" charset="-127"/>
-              </a:rPr>
-              <a:t>잘리는군요</a:t>
+              <a:t>목표를 포착했다</a:t>
             </a:r>
             <a:r>
               <a:rPr lang="en-US" altLang="ko-KR" sz="2400" dirty="0" smtClean="0">
@@ -24626,7 +24616,7 @@
                 <a:latin typeface="휴먼매직체" panose="02030504000101010101" pitchFamily="18" charset="-127"/>
                 <a:ea typeface="휴먼매직체" panose="02030504000101010101" pitchFamily="18" charset="-127"/>
               </a:rPr>
-              <a:t>칼이 움직이는 속도가 빨라집니다</a:t>
+              <a:t>조준하는 속도가 더 빨라집니다</a:t>
             </a:r>
             <a:r>
               <a:rPr lang="en-US" altLang="ko-KR" sz="2400" dirty="0" smtClean="0">
@@ -34663,54 +34653,6 @@
           <a:chExt cx="0" cy="0"/>
         </a:xfrm>
       </p:grpSpPr>
-      <p:sp>
-        <p:nvSpPr>
-          <p:cNvPr id="50" name="타원 49"/>
-          <p:cNvSpPr/>
-          <p:nvPr/>
-        </p:nvSpPr>
-        <p:spPr>
-          <a:xfrm>
-            <a:off x="5192212" y="2744090"/>
-            <a:ext cx="1801372" cy="1801372"/>
-          </a:xfrm>
-          <a:prstGeom prst="ellipse">
-            <a:avLst/>
-          </a:prstGeom>
-          <a:solidFill>
-            <a:srgbClr val="B7B7FF"/>
-          </a:solidFill>
-          <a:ln w="38100" cmpd="sng">
-            <a:solidFill>
-              <a:schemeClr val="tx1"/>
-            </a:solidFill>
-          </a:ln>
-        </p:spPr>
-        <p:style>
-          <a:lnRef idx="2">
-            <a:schemeClr val="accent1">
-              <a:shade val="50000"/>
-            </a:schemeClr>
-          </a:lnRef>
-          <a:fillRef idx="1">
-            <a:schemeClr val="accent1"/>
-          </a:fillRef>
-          <a:effectRef idx="0">
-            <a:schemeClr val="accent1"/>
-          </a:effectRef>
-          <a:fontRef idx="minor">
-            <a:schemeClr val="lt1"/>
-          </a:fontRef>
-        </p:style>
-        <p:txBody>
-          <a:bodyPr rtlCol="0" anchor="ctr"/>
-          <a:lstStyle/>
-          <a:p>
-            <a:pPr algn="ctr"/>
-            <a:endParaRPr lang="ko-KR" altLang="en-US"/>
-          </a:p>
-        </p:txBody>
-      </p:sp>
       <p:grpSp>
         <p:nvGrpSpPr>
           <p:cNvPr id="3" name="그룹 2"/>
@@ -41238,6 +41180,747 @@
                   <a:schemeClr val="tx1"/>
                 </a:solidFill>
                 <a:round/>
+              </a:ln>
+            </p:spPr>
+            <p:style>
+              <a:lnRef idx="1">
+                <a:schemeClr val="accent1"/>
+              </a:lnRef>
+              <a:fillRef idx="0">
+                <a:schemeClr val="accent1"/>
+              </a:fillRef>
+              <a:effectRef idx="0">
+                <a:schemeClr val="accent1"/>
+              </a:effectRef>
+              <a:fontRef idx="minor">
+                <a:schemeClr val="tx1"/>
+              </a:fontRef>
+            </p:style>
+          </p:cxnSp>
+        </p:grpSp>
+      </p:grpSp>
+      <p:grpSp>
+        <p:nvGrpSpPr>
+          <p:cNvPr id="9" name="그룹 8"/>
+          <p:cNvGrpSpPr/>
+          <p:nvPr/>
+        </p:nvGrpSpPr>
+        <p:grpSpPr>
+          <a:xfrm>
+            <a:off x="9322003" y="1362097"/>
+            <a:ext cx="1422537" cy="1415144"/>
+            <a:chOff x="9322003" y="1362097"/>
+            <a:chExt cx="1422537" cy="1415144"/>
+          </a:xfrm>
+        </p:grpSpPr>
+        <p:grpSp>
+          <p:nvGrpSpPr>
+            <p:cNvPr id="8" name="그룹 7"/>
+            <p:cNvGrpSpPr/>
+            <p:nvPr/>
+          </p:nvGrpSpPr>
+          <p:grpSpPr>
+            <a:xfrm>
+              <a:off x="9322003" y="1362097"/>
+              <a:ext cx="1422537" cy="1415144"/>
+              <a:chOff x="9322003" y="1362097"/>
+              <a:chExt cx="1422537" cy="1415144"/>
+            </a:xfrm>
+          </p:grpSpPr>
+          <p:sp>
+            <p:nvSpPr>
+              <p:cNvPr id="176" name="타원 175"/>
+              <p:cNvSpPr/>
+              <p:nvPr/>
+            </p:nvSpPr>
+            <p:spPr>
+              <a:xfrm>
+                <a:off x="9322003" y="1362097"/>
+                <a:ext cx="1422537" cy="1415144"/>
+              </a:xfrm>
+              <a:prstGeom prst="ellipse">
+                <a:avLst/>
+              </a:prstGeom>
+              <a:solidFill>
+                <a:srgbClr val="FF6E6E"/>
+              </a:solidFill>
+              <a:ln w="38100" cmpd="sng">
+                <a:solidFill>
+                  <a:schemeClr val="tx1"/>
+                </a:solidFill>
+              </a:ln>
+            </p:spPr>
+            <p:style>
+              <a:lnRef idx="2">
+                <a:schemeClr val="accent1">
+                  <a:shade val="50000"/>
+                </a:schemeClr>
+              </a:lnRef>
+              <a:fillRef idx="1">
+                <a:schemeClr val="accent1"/>
+              </a:fillRef>
+              <a:effectRef idx="0">
+                <a:schemeClr val="accent1"/>
+              </a:effectRef>
+              <a:fontRef idx="minor">
+                <a:schemeClr val="lt1"/>
+              </a:fontRef>
+            </p:style>
+            <p:txBody>
+              <a:bodyPr rtlCol="0" anchor="ctr"/>
+              <a:lstStyle/>
+              <a:p>
+                <a:pPr algn="ctr"/>
+                <a:endParaRPr lang="ko-KR" altLang="en-US"/>
+              </a:p>
+            </p:txBody>
+          </p:sp>
+          <p:sp>
+            <p:nvSpPr>
+              <p:cNvPr id="177" name="타원 176"/>
+              <p:cNvSpPr/>
+              <p:nvPr/>
+            </p:nvSpPr>
+            <p:spPr>
+              <a:xfrm>
+                <a:off x="9509422" y="1582469"/>
+                <a:ext cx="569015" cy="566058"/>
+              </a:xfrm>
+              <a:prstGeom prst="ellipse">
+                <a:avLst/>
+              </a:prstGeom>
+              <a:solidFill>
+                <a:srgbClr val="FF9696"/>
+              </a:solidFill>
+              <a:ln>
+                <a:noFill/>
+              </a:ln>
+            </p:spPr>
+            <p:style>
+              <a:lnRef idx="2">
+                <a:schemeClr val="accent1">
+                  <a:shade val="50000"/>
+                </a:schemeClr>
+              </a:lnRef>
+              <a:fillRef idx="1">
+                <a:schemeClr val="accent1"/>
+              </a:fillRef>
+              <a:effectRef idx="0">
+                <a:schemeClr val="accent1"/>
+              </a:effectRef>
+              <a:fontRef idx="minor">
+                <a:schemeClr val="lt1"/>
+              </a:fontRef>
+            </p:style>
+            <p:txBody>
+              <a:bodyPr rtlCol="0" anchor="ctr"/>
+              <a:lstStyle/>
+              <a:p>
+                <a:pPr algn="ctr"/>
+                <a:endParaRPr lang="ko-KR" altLang="en-US"/>
+              </a:p>
+            </p:txBody>
+          </p:sp>
+        </p:grpSp>
+        <p:grpSp>
+          <p:nvGrpSpPr>
+            <p:cNvPr id="178" name="그룹 177"/>
+            <p:cNvGrpSpPr/>
+            <p:nvPr/>
+          </p:nvGrpSpPr>
+          <p:grpSpPr>
+            <a:xfrm>
+              <a:off x="9468503" y="1506938"/>
+              <a:ext cx="1129535" cy="1125462"/>
+              <a:chOff x="2625913" y="1879500"/>
+              <a:chExt cx="1236643" cy="1262133"/>
+            </a:xfrm>
+          </p:grpSpPr>
+          <p:pic>
+            <p:nvPicPr>
+              <p:cNvPr id="179" name="그림 178"/>
+              <p:cNvPicPr>
+                <a:picLocks noChangeAspect="1"/>
+              </p:cNvPicPr>
+              <p:nvPr/>
+            </p:nvPicPr>
+            <p:blipFill rotWithShape="1">
+              <a:blip r:embed="rId3" cstate="print">
+                <a:extLst>
+                  <a:ext uri="{28A0092B-C50C-407E-A947-70E740481C1C}">
+                    <a14:useLocalDpi xmlns:a14="http://schemas.microsoft.com/office/drawing/2010/main" val="0"/>
+                  </a:ext>
+                </a:extLst>
+              </a:blip>
+              <a:srcRect l="11286" t="14561" r="7083" b="8986"/>
+              <a:stretch/>
+            </p:blipFill>
+            <p:spPr>
+              <a:xfrm>
+                <a:off x="2922308" y="2119275"/>
+                <a:ext cx="666810" cy="780654"/>
+              </a:xfrm>
+              <a:prstGeom prst="rect">
+                <a:avLst/>
+              </a:prstGeom>
+            </p:spPr>
+          </p:pic>
+          <p:sp>
+            <p:nvSpPr>
+              <p:cNvPr id="180" name="타원 179"/>
+              <p:cNvSpPr/>
+              <p:nvPr/>
+            </p:nvSpPr>
+            <p:spPr>
+              <a:xfrm>
+                <a:off x="2765259" y="2029824"/>
+                <a:ext cx="943291" cy="959555"/>
+              </a:xfrm>
+              <a:prstGeom prst="ellipse">
+                <a:avLst/>
+              </a:prstGeom>
+              <a:noFill/>
+              <a:ln w="88900">
+                <a:solidFill>
+                  <a:srgbClr val="FF0000"/>
+                </a:solidFill>
+              </a:ln>
+            </p:spPr>
+            <p:style>
+              <a:lnRef idx="2">
+                <a:schemeClr val="accent1">
+                  <a:shade val="50000"/>
+                </a:schemeClr>
+              </a:lnRef>
+              <a:fillRef idx="1">
+                <a:schemeClr val="accent1"/>
+              </a:fillRef>
+              <a:effectRef idx="0">
+                <a:schemeClr val="accent1"/>
+              </a:effectRef>
+              <a:fontRef idx="minor">
+                <a:schemeClr val="lt1"/>
+              </a:fontRef>
+            </p:style>
+            <p:txBody>
+              <a:bodyPr rtlCol="0" anchor="ctr"/>
+              <a:lstStyle/>
+              <a:p>
+                <a:pPr algn="ctr"/>
+                <a:endParaRPr lang="ko-KR" altLang="en-US"/>
+              </a:p>
+            </p:txBody>
+          </p:sp>
+          <p:cxnSp>
+            <p:nvCxnSpPr>
+              <p:cNvPr id="181" name="직선 연결선 180"/>
+              <p:cNvCxnSpPr/>
+              <p:nvPr/>
+            </p:nvCxnSpPr>
+            <p:spPr>
+              <a:xfrm flipV="1">
+                <a:off x="3463627" y="2504828"/>
+                <a:ext cx="398929" cy="0"/>
+              </a:xfrm>
+              <a:prstGeom prst="line">
+                <a:avLst/>
+              </a:prstGeom>
+              <a:ln w="88900" cap="rnd">
+                <a:solidFill>
+                  <a:srgbClr val="FF0000"/>
+                </a:solidFill>
+              </a:ln>
+            </p:spPr>
+            <p:style>
+              <a:lnRef idx="1">
+                <a:schemeClr val="accent1"/>
+              </a:lnRef>
+              <a:fillRef idx="0">
+                <a:schemeClr val="accent1"/>
+              </a:fillRef>
+              <a:effectRef idx="0">
+                <a:schemeClr val="accent1"/>
+              </a:effectRef>
+              <a:fontRef idx="minor">
+                <a:schemeClr val="tx1"/>
+              </a:fontRef>
+            </p:style>
+          </p:cxnSp>
+          <p:cxnSp>
+            <p:nvCxnSpPr>
+              <p:cNvPr id="182" name="직선 연결선 181"/>
+              <p:cNvCxnSpPr/>
+              <p:nvPr/>
+            </p:nvCxnSpPr>
+            <p:spPr>
+              <a:xfrm>
+                <a:off x="3230294" y="1879500"/>
+                <a:ext cx="0" cy="390099"/>
+              </a:xfrm>
+              <a:prstGeom prst="line">
+                <a:avLst/>
+              </a:prstGeom>
+              <a:ln w="88900" cap="rnd">
+                <a:solidFill>
+                  <a:srgbClr val="FF0000"/>
+                </a:solidFill>
+              </a:ln>
+            </p:spPr>
+            <p:style>
+              <a:lnRef idx="1">
+                <a:schemeClr val="accent1"/>
+              </a:lnRef>
+              <a:fillRef idx="0">
+                <a:schemeClr val="accent1"/>
+              </a:fillRef>
+              <a:effectRef idx="0">
+                <a:schemeClr val="accent1"/>
+              </a:effectRef>
+              <a:fontRef idx="minor">
+                <a:schemeClr val="tx1"/>
+              </a:fontRef>
+            </p:style>
+          </p:cxnSp>
+          <p:cxnSp>
+            <p:nvCxnSpPr>
+              <p:cNvPr id="183" name="직선 연결선 182"/>
+              <p:cNvCxnSpPr/>
+              <p:nvPr/>
+            </p:nvCxnSpPr>
+            <p:spPr>
+              <a:xfrm flipH="1">
+                <a:off x="3230294" y="2713419"/>
+                <a:ext cx="0" cy="428214"/>
+              </a:xfrm>
+              <a:prstGeom prst="line">
+                <a:avLst/>
+              </a:prstGeom>
+              <a:ln w="88900" cap="rnd">
+                <a:solidFill>
+                  <a:srgbClr val="FF0000"/>
+                </a:solidFill>
+              </a:ln>
+            </p:spPr>
+            <p:style>
+              <a:lnRef idx="1">
+                <a:schemeClr val="accent1"/>
+              </a:lnRef>
+              <a:fillRef idx="0">
+                <a:schemeClr val="accent1"/>
+              </a:fillRef>
+              <a:effectRef idx="0">
+                <a:schemeClr val="accent1"/>
+              </a:effectRef>
+              <a:fontRef idx="minor">
+                <a:schemeClr val="tx1"/>
+              </a:fontRef>
+            </p:style>
+          </p:cxnSp>
+          <p:sp>
+            <p:nvSpPr>
+              <p:cNvPr id="184" name="타원 183"/>
+              <p:cNvSpPr/>
+              <p:nvPr/>
+            </p:nvSpPr>
+            <p:spPr>
+              <a:xfrm>
+                <a:off x="3185363" y="2461365"/>
+                <a:ext cx="96472" cy="96472"/>
+              </a:xfrm>
+              <a:prstGeom prst="ellipse">
+                <a:avLst/>
+              </a:prstGeom>
+              <a:solidFill>
+                <a:srgbClr val="FF0000"/>
+              </a:solidFill>
+              <a:ln>
+                <a:noFill/>
+              </a:ln>
+            </p:spPr>
+            <p:style>
+              <a:lnRef idx="2">
+                <a:schemeClr val="accent1">
+                  <a:shade val="50000"/>
+                </a:schemeClr>
+              </a:lnRef>
+              <a:fillRef idx="1">
+                <a:schemeClr val="accent1"/>
+              </a:fillRef>
+              <a:effectRef idx="0">
+                <a:schemeClr val="accent1"/>
+              </a:effectRef>
+              <a:fontRef idx="minor">
+                <a:schemeClr val="lt1"/>
+              </a:fontRef>
+            </p:style>
+            <p:txBody>
+              <a:bodyPr rtlCol="0" anchor="ctr"/>
+              <a:lstStyle/>
+              <a:p>
+                <a:pPr algn="ctr"/>
+                <a:endParaRPr lang="ko-KR" altLang="en-US"/>
+              </a:p>
+            </p:txBody>
+          </p:sp>
+          <p:cxnSp>
+            <p:nvCxnSpPr>
+              <p:cNvPr id="185" name="직선 연결선 184"/>
+              <p:cNvCxnSpPr/>
+              <p:nvPr/>
+            </p:nvCxnSpPr>
+            <p:spPr>
+              <a:xfrm flipV="1">
+                <a:off x="2625913" y="2506219"/>
+                <a:ext cx="398929" cy="0"/>
+              </a:xfrm>
+              <a:prstGeom prst="line">
+                <a:avLst/>
+              </a:prstGeom>
+              <a:ln w="88900" cap="rnd">
+                <a:solidFill>
+                  <a:srgbClr val="FF0000"/>
+                </a:solidFill>
+              </a:ln>
+            </p:spPr>
+            <p:style>
+              <a:lnRef idx="1">
+                <a:schemeClr val="accent1"/>
+              </a:lnRef>
+              <a:fillRef idx="0">
+                <a:schemeClr val="accent1"/>
+              </a:fillRef>
+              <a:effectRef idx="0">
+                <a:schemeClr val="accent1"/>
+              </a:effectRef>
+              <a:fontRef idx="minor">
+                <a:schemeClr val="tx1"/>
+              </a:fontRef>
+            </p:style>
+          </p:cxnSp>
+        </p:grpSp>
+      </p:grpSp>
+      <p:grpSp>
+        <p:nvGrpSpPr>
+          <p:cNvPr id="10" name="그룹 9"/>
+          <p:cNvGrpSpPr/>
+          <p:nvPr/>
+        </p:nvGrpSpPr>
+        <p:grpSpPr>
+          <a:xfrm>
+            <a:off x="5192212" y="2744090"/>
+            <a:ext cx="1801372" cy="1801372"/>
+            <a:chOff x="5192212" y="2744090"/>
+            <a:chExt cx="1801372" cy="1801372"/>
+          </a:xfrm>
+        </p:grpSpPr>
+        <p:sp>
+          <p:nvSpPr>
+            <p:cNvPr id="50" name="타원 49"/>
+            <p:cNvSpPr/>
+            <p:nvPr/>
+          </p:nvSpPr>
+          <p:spPr>
+            <a:xfrm>
+              <a:off x="5192212" y="2744090"/>
+              <a:ext cx="1801372" cy="1801372"/>
+            </a:xfrm>
+            <a:prstGeom prst="ellipse">
+              <a:avLst/>
+            </a:prstGeom>
+            <a:solidFill>
+              <a:srgbClr val="B7B7FF"/>
+            </a:solidFill>
+            <a:ln w="38100" cmpd="sng">
+              <a:solidFill>
+                <a:schemeClr val="tx1"/>
+              </a:solidFill>
+            </a:ln>
+          </p:spPr>
+          <p:style>
+            <a:lnRef idx="2">
+              <a:schemeClr val="accent1">
+                <a:shade val="50000"/>
+              </a:schemeClr>
+            </a:lnRef>
+            <a:fillRef idx="1">
+              <a:schemeClr val="accent1"/>
+            </a:fillRef>
+            <a:effectRef idx="0">
+              <a:schemeClr val="accent1"/>
+            </a:effectRef>
+            <a:fontRef idx="minor">
+              <a:schemeClr val="lt1"/>
+            </a:fontRef>
+          </p:style>
+          <p:txBody>
+            <a:bodyPr rtlCol="0" anchor="ctr"/>
+            <a:lstStyle/>
+            <a:p>
+              <a:pPr algn="ctr"/>
+              <a:endParaRPr lang="ko-KR" altLang="en-US"/>
+            </a:p>
+          </p:txBody>
+        </p:sp>
+        <p:grpSp>
+          <p:nvGrpSpPr>
+            <p:cNvPr id="187" name="그룹 186"/>
+            <p:cNvGrpSpPr>
+              <a:grpSpLocks noChangeAspect="1"/>
+            </p:cNvGrpSpPr>
+            <p:nvPr/>
+          </p:nvGrpSpPr>
+          <p:grpSpPr>
+            <a:xfrm>
+              <a:off x="5300022" y="2854759"/>
+              <a:ext cx="1585751" cy="1580033"/>
+              <a:chOff x="2625913" y="1879500"/>
+              <a:chExt cx="1236643" cy="1262133"/>
+            </a:xfrm>
+          </p:grpSpPr>
+          <p:pic>
+            <p:nvPicPr>
+              <p:cNvPr id="188" name="그림 187"/>
+              <p:cNvPicPr>
+                <a:picLocks noChangeAspect="1"/>
+              </p:cNvPicPr>
+              <p:nvPr/>
+            </p:nvPicPr>
+            <p:blipFill rotWithShape="1">
+              <a:blip r:embed="rId3" cstate="print">
+                <a:extLst>
+                  <a:ext uri="{28A0092B-C50C-407E-A947-70E740481C1C}">
+                    <a14:useLocalDpi xmlns:a14="http://schemas.microsoft.com/office/drawing/2010/main" val="0"/>
+                  </a:ext>
+                </a:extLst>
+              </a:blip>
+              <a:srcRect l="11286" t="14561" r="7083" b="8986"/>
+              <a:stretch/>
+            </p:blipFill>
+            <p:spPr>
+              <a:xfrm>
+                <a:off x="2922308" y="2119275"/>
+                <a:ext cx="666810" cy="780654"/>
+              </a:xfrm>
+              <a:prstGeom prst="rect">
+                <a:avLst/>
+              </a:prstGeom>
+            </p:spPr>
+          </p:pic>
+          <p:sp>
+            <p:nvSpPr>
+              <p:cNvPr id="189" name="타원 188"/>
+              <p:cNvSpPr/>
+              <p:nvPr/>
+            </p:nvSpPr>
+            <p:spPr>
+              <a:xfrm>
+                <a:off x="2765259" y="2029824"/>
+                <a:ext cx="943291" cy="959555"/>
+              </a:xfrm>
+              <a:prstGeom prst="ellipse">
+                <a:avLst/>
+              </a:prstGeom>
+              <a:noFill/>
+              <a:ln w="114300">
+                <a:solidFill>
+                  <a:srgbClr val="FF0000"/>
+                </a:solidFill>
+              </a:ln>
+            </p:spPr>
+            <p:style>
+              <a:lnRef idx="2">
+                <a:schemeClr val="accent1">
+                  <a:shade val="50000"/>
+                </a:schemeClr>
+              </a:lnRef>
+              <a:fillRef idx="1">
+                <a:schemeClr val="accent1"/>
+              </a:fillRef>
+              <a:effectRef idx="0">
+                <a:schemeClr val="accent1"/>
+              </a:effectRef>
+              <a:fontRef idx="minor">
+                <a:schemeClr val="lt1"/>
+              </a:fontRef>
+            </p:style>
+            <p:txBody>
+              <a:bodyPr rtlCol="0" anchor="ctr"/>
+              <a:lstStyle/>
+              <a:p>
+                <a:pPr algn="ctr"/>
+                <a:endParaRPr lang="ko-KR" altLang="en-US"/>
+              </a:p>
+            </p:txBody>
+          </p:sp>
+          <p:cxnSp>
+            <p:nvCxnSpPr>
+              <p:cNvPr id="190" name="직선 연결선 189"/>
+              <p:cNvCxnSpPr/>
+              <p:nvPr/>
+            </p:nvCxnSpPr>
+            <p:spPr>
+              <a:xfrm flipV="1">
+                <a:off x="3463627" y="2504828"/>
+                <a:ext cx="398929" cy="0"/>
+              </a:xfrm>
+              <a:prstGeom prst="line">
+                <a:avLst/>
+              </a:prstGeom>
+              <a:ln w="114300" cap="rnd">
+                <a:solidFill>
+                  <a:srgbClr val="FF0000"/>
+                </a:solidFill>
+              </a:ln>
+            </p:spPr>
+            <p:style>
+              <a:lnRef idx="1">
+                <a:schemeClr val="accent1"/>
+              </a:lnRef>
+              <a:fillRef idx="0">
+                <a:schemeClr val="accent1"/>
+              </a:fillRef>
+              <a:effectRef idx="0">
+                <a:schemeClr val="accent1"/>
+              </a:effectRef>
+              <a:fontRef idx="minor">
+                <a:schemeClr val="tx1"/>
+              </a:fontRef>
+            </p:style>
+          </p:cxnSp>
+          <p:cxnSp>
+            <p:nvCxnSpPr>
+              <p:cNvPr id="191" name="직선 연결선 190"/>
+              <p:cNvCxnSpPr/>
+              <p:nvPr/>
+            </p:nvCxnSpPr>
+            <p:spPr>
+              <a:xfrm>
+                <a:off x="3230294" y="1879500"/>
+                <a:ext cx="0" cy="390099"/>
+              </a:xfrm>
+              <a:prstGeom prst="line">
+                <a:avLst/>
+              </a:prstGeom>
+              <a:ln w="114300" cap="rnd">
+                <a:solidFill>
+                  <a:srgbClr val="FF0000"/>
+                </a:solidFill>
+              </a:ln>
+            </p:spPr>
+            <p:style>
+              <a:lnRef idx="1">
+                <a:schemeClr val="accent1"/>
+              </a:lnRef>
+              <a:fillRef idx="0">
+                <a:schemeClr val="accent1"/>
+              </a:fillRef>
+              <a:effectRef idx="0">
+                <a:schemeClr val="accent1"/>
+              </a:effectRef>
+              <a:fontRef idx="minor">
+                <a:schemeClr val="tx1"/>
+              </a:fontRef>
+            </p:style>
+          </p:cxnSp>
+          <p:cxnSp>
+            <p:nvCxnSpPr>
+              <p:cNvPr id="192" name="직선 연결선 191"/>
+              <p:cNvCxnSpPr/>
+              <p:nvPr/>
+            </p:nvCxnSpPr>
+            <p:spPr>
+              <a:xfrm flipH="1">
+                <a:off x="3230294" y="2713419"/>
+                <a:ext cx="0" cy="428214"/>
+              </a:xfrm>
+              <a:prstGeom prst="line">
+                <a:avLst/>
+              </a:prstGeom>
+              <a:ln w="114300" cap="rnd">
+                <a:solidFill>
+                  <a:srgbClr val="FF0000"/>
+                </a:solidFill>
+              </a:ln>
+            </p:spPr>
+            <p:style>
+              <a:lnRef idx="1">
+                <a:schemeClr val="accent1"/>
+              </a:lnRef>
+              <a:fillRef idx="0">
+                <a:schemeClr val="accent1"/>
+              </a:fillRef>
+              <a:effectRef idx="0">
+                <a:schemeClr val="accent1"/>
+              </a:effectRef>
+              <a:fontRef idx="minor">
+                <a:schemeClr val="tx1"/>
+              </a:fontRef>
+            </p:style>
+          </p:cxnSp>
+          <p:sp>
+            <p:nvSpPr>
+              <p:cNvPr id="193" name="타원 192"/>
+              <p:cNvSpPr/>
+              <p:nvPr/>
+            </p:nvSpPr>
+            <p:spPr>
+              <a:xfrm>
+                <a:off x="3185363" y="2461365"/>
+                <a:ext cx="96472" cy="96472"/>
+              </a:xfrm>
+              <a:prstGeom prst="ellipse">
+                <a:avLst/>
+              </a:prstGeom>
+              <a:solidFill>
+                <a:srgbClr val="FF0000"/>
+              </a:solidFill>
+              <a:ln>
+                <a:noFill/>
+              </a:ln>
+            </p:spPr>
+            <p:style>
+              <a:lnRef idx="2">
+                <a:schemeClr val="accent1">
+                  <a:shade val="50000"/>
+                </a:schemeClr>
+              </a:lnRef>
+              <a:fillRef idx="1">
+                <a:schemeClr val="accent1"/>
+              </a:fillRef>
+              <a:effectRef idx="0">
+                <a:schemeClr val="accent1"/>
+              </a:effectRef>
+              <a:fontRef idx="minor">
+                <a:schemeClr val="lt1"/>
+              </a:fontRef>
+            </p:style>
+            <p:txBody>
+              <a:bodyPr rtlCol="0" anchor="ctr"/>
+              <a:lstStyle/>
+              <a:p>
+                <a:pPr algn="ctr"/>
+                <a:endParaRPr lang="ko-KR" altLang="en-US"/>
+              </a:p>
+            </p:txBody>
+          </p:sp>
+          <p:cxnSp>
+            <p:nvCxnSpPr>
+              <p:cNvPr id="194" name="직선 연결선 193"/>
+              <p:cNvCxnSpPr/>
+              <p:nvPr/>
+            </p:nvCxnSpPr>
+            <p:spPr>
+              <a:xfrm flipV="1">
+                <a:off x="2625913" y="2506219"/>
+                <a:ext cx="398929" cy="0"/>
+              </a:xfrm>
+              <a:prstGeom prst="line">
+                <a:avLst/>
+              </a:prstGeom>
+              <a:ln w="114300" cap="rnd">
+                <a:solidFill>
+                  <a:srgbClr val="FF0000"/>
+                </a:solidFill>
               </a:ln>
             </p:spPr>
             <p:style>

--- a/UI Design.pptx
+++ b/UI Design.pptx
@@ -24265,7 +24265,22 @@
                 <a:latin typeface="휴먼둥근헤드라인" panose="02030504000101010101" pitchFamily="18" charset="-127"/>
                 <a:ea typeface="휴먼둥근헤드라인" panose="02030504000101010101" pitchFamily="18" charset="-127"/>
               </a:rPr>
-              <a:t>정확한 조준</a:t>
+              <a:t>재빠른 </a:t>
+            </a:r>
+            <a:r>
+              <a:rPr lang="ko-KR" altLang="en-US" sz="4000" dirty="0" smtClean="0">
+                <a:ln w="38100">
+                  <a:solidFill>
+                    <a:schemeClr val="tx1"/>
+                  </a:solidFill>
+                </a:ln>
+                <a:solidFill>
+                  <a:srgbClr val="FFFF5D"/>
+                </a:solidFill>
+                <a:latin typeface="휴먼둥근헤드라인" panose="02030504000101010101" pitchFamily="18" charset="-127"/>
+                <a:ea typeface="휴먼둥근헤드라인" panose="02030504000101010101" pitchFamily="18" charset="-127"/>
+              </a:rPr>
+              <a:t>조준</a:t>
             </a:r>
             <a:endParaRPr lang="ko-KR" altLang="en-US" sz="4000" dirty="0">
               <a:ln w="38100">

--- a/UI Design.pptx
+++ b/UI Design.pptx
@@ -24,6 +24,7 @@
     <p:sldId id="273" r:id="rId18"/>
     <p:sldId id="274" r:id="rId19"/>
     <p:sldId id="275" r:id="rId20"/>
+    <p:sldId id="276" r:id="rId21"/>
   </p:sldIdLst>
   <p:sldSz cx="12192000" cy="6858000"/>
   <p:notesSz cx="6858000" cy="9144000"/>
@@ -23584,6 +23585,251 @@
 </p:sld>
 </file>
 
+<file path=ppt/slides/slide20.xml><?xml version="1.0" encoding="utf-8"?>
+<p:sld xmlns:a="http://schemas.openxmlformats.org/drawingml/2006/main" xmlns:r="http://schemas.openxmlformats.org/officeDocument/2006/relationships" xmlns:p="http://schemas.openxmlformats.org/presentationml/2006/main">
+  <p:cSld>
+    <p:spTree>
+      <p:nvGrpSpPr>
+        <p:cNvPr id="1" name=""/>
+        <p:cNvGrpSpPr/>
+        <p:nvPr/>
+      </p:nvGrpSpPr>
+      <p:grpSpPr>
+        <a:xfrm>
+          <a:off x="0" y="0"/>
+          <a:ext cx="0" cy="0"/>
+          <a:chOff x="0" y="0"/>
+          <a:chExt cx="0" cy="0"/>
+        </a:xfrm>
+      </p:grpSpPr>
+      <p:grpSp>
+        <p:nvGrpSpPr>
+          <p:cNvPr id="9" name="그룹 8"/>
+          <p:cNvGrpSpPr/>
+          <p:nvPr/>
+        </p:nvGrpSpPr>
+        <p:grpSpPr>
+          <a:xfrm>
+            <a:off x="3827417" y="1254034"/>
+            <a:ext cx="2880000" cy="2880000"/>
+            <a:chOff x="3827417" y="1254034"/>
+            <a:chExt cx="2880000" cy="2880000"/>
+          </a:xfrm>
+        </p:grpSpPr>
+        <p:grpSp>
+          <p:nvGrpSpPr>
+            <p:cNvPr id="7" name="그룹 6"/>
+            <p:cNvGrpSpPr/>
+            <p:nvPr/>
+          </p:nvGrpSpPr>
+          <p:grpSpPr>
+            <a:xfrm>
+              <a:off x="3827417" y="1254034"/>
+              <a:ext cx="2880000" cy="2880000"/>
+              <a:chOff x="3827417" y="1254034"/>
+              <a:chExt cx="2880000" cy="2880000"/>
+            </a:xfrm>
+          </p:grpSpPr>
+          <p:sp>
+            <p:nvSpPr>
+              <p:cNvPr id="4" name="모서리가 둥근 직사각형 3"/>
+              <p:cNvSpPr/>
+              <p:nvPr/>
+            </p:nvSpPr>
+            <p:spPr>
+              <a:xfrm>
+                <a:off x="3827417" y="1254034"/>
+                <a:ext cx="2880000" cy="2880000"/>
+              </a:xfrm>
+              <a:prstGeom prst="roundRect">
+                <a:avLst>
+                  <a:gd name="adj" fmla="val 22148"/>
+                </a:avLst>
+              </a:prstGeom>
+              <a:solidFill>
+                <a:schemeClr val="bg2">
+                  <a:lumMod val="50000"/>
+                </a:schemeClr>
+              </a:solidFill>
+              <a:ln>
+                <a:noFill/>
+              </a:ln>
+            </p:spPr>
+            <p:style>
+              <a:lnRef idx="2">
+                <a:schemeClr val="accent1">
+                  <a:shade val="50000"/>
+                </a:schemeClr>
+              </a:lnRef>
+              <a:fillRef idx="1">
+                <a:schemeClr val="accent1"/>
+              </a:fillRef>
+              <a:effectRef idx="0">
+                <a:schemeClr val="accent1"/>
+              </a:effectRef>
+              <a:fontRef idx="minor">
+                <a:schemeClr val="lt1"/>
+              </a:fontRef>
+            </p:style>
+            <p:txBody>
+              <a:bodyPr rtlCol="0" anchor="ctr"/>
+              <a:lstStyle/>
+              <a:p>
+                <a:pPr algn="ctr"/>
+                <a:endParaRPr lang="ko-KR" altLang="en-US"/>
+              </a:p>
+            </p:txBody>
+          </p:sp>
+          <p:sp>
+            <p:nvSpPr>
+              <p:cNvPr id="5" name="타원 4"/>
+              <p:cNvSpPr/>
+              <p:nvPr/>
+            </p:nvSpPr>
+            <p:spPr>
+              <a:xfrm>
+                <a:off x="4097417" y="1524034"/>
+                <a:ext cx="2340000" cy="2340000"/>
+              </a:xfrm>
+              <a:prstGeom prst="ellipse">
+                <a:avLst/>
+              </a:prstGeom>
+              <a:solidFill>
+                <a:schemeClr val="bg1"/>
+              </a:solidFill>
+              <a:ln>
+                <a:noFill/>
+              </a:ln>
+            </p:spPr>
+            <p:style>
+              <a:lnRef idx="2">
+                <a:schemeClr val="accent1">
+                  <a:shade val="50000"/>
+                </a:schemeClr>
+              </a:lnRef>
+              <a:fillRef idx="1">
+                <a:schemeClr val="accent1"/>
+              </a:fillRef>
+              <a:effectRef idx="0">
+                <a:schemeClr val="accent1"/>
+              </a:effectRef>
+              <a:fontRef idx="minor">
+                <a:schemeClr val="lt1"/>
+              </a:fontRef>
+            </p:style>
+            <p:txBody>
+              <a:bodyPr rtlCol="0" anchor="ctr"/>
+              <a:lstStyle/>
+              <a:p>
+                <a:pPr algn="ctr"/>
+                <a:endParaRPr lang="ko-KR" altLang="en-US"/>
+              </a:p>
+            </p:txBody>
+          </p:sp>
+          <p:sp>
+            <p:nvSpPr>
+              <p:cNvPr id="6" name="타원 5"/>
+              <p:cNvSpPr/>
+              <p:nvPr/>
+            </p:nvSpPr>
+            <p:spPr>
+              <a:xfrm>
+                <a:off x="4367417" y="1794034"/>
+                <a:ext cx="1800000" cy="1800000"/>
+              </a:xfrm>
+              <a:prstGeom prst="ellipse">
+                <a:avLst/>
+              </a:prstGeom>
+              <a:solidFill>
+                <a:srgbClr val="767171"/>
+              </a:solidFill>
+              <a:ln>
+                <a:noFill/>
+              </a:ln>
+            </p:spPr>
+            <p:style>
+              <a:lnRef idx="2">
+                <a:schemeClr val="accent1">
+                  <a:shade val="50000"/>
+                </a:schemeClr>
+              </a:lnRef>
+              <a:fillRef idx="1">
+                <a:schemeClr val="accent1"/>
+              </a:fillRef>
+              <a:effectRef idx="0">
+                <a:schemeClr val="accent1"/>
+              </a:effectRef>
+              <a:fontRef idx="minor">
+                <a:schemeClr val="lt1"/>
+              </a:fontRef>
+            </p:style>
+            <p:txBody>
+              <a:bodyPr rtlCol="0" anchor="ctr"/>
+              <a:lstStyle/>
+              <a:p>
+                <a:pPr algn="ctr"/>
+                <a:endParaRPr lang="ko-KR" altLang="en-US" sz="4200" dirty="0">
+                  <a:latin typeface="Bauhaus 93" panose="04030905020B02020C02" pitchFamily="82" charset="0"/>
+                </a:endParaRPr>
+              </a:p>
+            </p:txBody>
+          </p:sp>
+        </p:grpSp>
+        <p:sp>
+          <p:nvSpPr>
+            <p:cNvPr id="8" name="TextBox 7"/>
+            <p:cNvSpPr txBox="1"/>
+            <p:nvPr/>
+          </p:nvSpPr>
+          <p:spPr>
+            <a:xfrm>
+              <a:off x="4367417" y="2186202"/>
+              <a:ext cx="1800000" cy="1015663"/>
+            </a:xfrm>
+            <a:prstGeom prst="rect">
+              <a:avLst/>
+            </a:prstGeom>
+            <a:noFill/>
+          </p:spPr>
+          <p:txBody>
+            <a:bodyPr wrap="square" rtlCol="0">
+              <a:spAutoFit/>
+            </a:bodyPr>
+            <a:lstStyle/>
+            <a:p>
+              <a:pPr algn="ctr"/>
+              <a:r>
+                <a:rPr lang="en-US" altLang="ko-KR" sz="6000" dirty="0" smtClean="0">
+                  <a:solidFill>
+                    <a:schemeClr val="bg1"/>
+                  </a:solidFill>
+                  <a:latin typeface="Bauhaus 93" panose="04030905020B02020C02" pitchFamily="82" charset="0"/>
+                </a:rPr>
+                <a:t>SKIP</a:t>
+              </a:r>
+              <a:endParaRPr lang="ko-KR" altLang="en-US" sz="6000" dirty="0">
+                <a:solidFill>
+                  <a:schemeClr val="bg1"/>
+                </a:solidFill>
+                <a:latin typeface="Bauhaus 93" panose="04030905020B02020C02" pitchFamily="82" charset="0"/>
+              </a:endParaRPr>
+            </a:p>
+          </p:txBody>
+        </p:sp>
+      </p:grpSp>
+    </p:spTree>
+    <p:extLst>
+      <p:ext uri="{BB962C8B-B14F-4D97-AF65-F5344CB8AC3E}">
+        <p14:creationId xmlns:p14="http://schemas.microsoft.com/office/powerpoint/2010/main" val="2373318788"/>
+      </p:ext>
+    </p:extLst>
+  </p:cSld>
+  <p:clrMapOvr>
+    <a:masterClrMapping/>
+  </p:clrMapOvr>
+</p:sld>
+</file>
+
 <file path=ppt/slides/slide3.xml><?xml version="1.0" encoding="utf-8"?>
 <p:sld xmlns:a="http://schemas.openxmlformats.org/drawingml/2006/main" xmlns:r="http://schemas.openxmlformats.org/officeDocument/2006/relationships" xmlns:p="http://schemas.openxmlformats.org/presentationml/2006/main">
   <p:cSld>
@@ -24265,22 +24511,7 @@
                 <a:latin typeface="휴먼둥근헤드라인" panose="02030504000101010101" pitchFamily="18" charset="-127"/>
                 <a:ea typeface="휴먼둥근헤드라인" panose="02030504000101010101" pitchFamily="18" charset="-127"/>
               </a:rPr>
-              <a:t>재빠른 </a:t>
-            </a:r>
-            <a:r>
-              <a:rPr lang="ko-KR" altLang="en-US" sz="4000" dirty="0" smtClean="0">
-                <a:ln w="38100">
-                  <a:solidFill>
-                    <a:schemeClr val="tx1"/>
-                  </a:solidFill>
-                </a:ln>
-                <a:solidFill>
-                  <a:srgbClr val="FFFF5D"/>
-                </a:solidFill>
-                <a:latin typeface="휴먼둥근헤드라인" panose="02030504000101010101" pitchFamily="18" charset="-127"/>
-                <a:ea typeface="휴먼둥근헤드라인" panose="02030504000101010101" pitchFamily="18" charset="-127"/>
-              </a:rPr>
-              <a:t>조준</a:t>
+              <a:t>재빠른 조준</a:t>
             </a:r>
             <a:endParaRPr lang="ko-KR" altLang="en-US" sz="4000" dirty="0">
               <a:ln w="38100">

--- a/UI Design.pptx
+++ b/UI Design.pptx
@@ -262,7 +262,7 @@
           <a:p>
             <a:fld id="{73DA44B2-CD98-4B3F-98ED-AED51D116F14}" type="datetimeFigureOut">
               <a:rPr lang="ko-KR" altLang="en-US" smtClean="0"/>
-              <a:t>2017-04-07</a:t>
+              <a:t>2017-04-08</a:t>
             </a:fld>
             <a:endParaRPr lang="ko-KR" altLang="en-US"/>
           </a:p>
@@ -432,7 +432,7 @@
           <a:p>
             <a:fld id="{73DA44B2-CD98-4B3F-98ED-AED51D116F14}" type="datetimeFigureOut">
               <a:rPr lang="ko-KR" altLang="en-US" smtClean="0"/>
-              <a:t>2017-04-07</a:t>
+              <a:t>2017-04-08</a:t>
             </a:fld>
             <a:endParaRPr lang="ko-KR" altLang="en-US"/>
           </a:p>
@@ -612,7 +612,7 @@
           <a:p>
             <a:fld id="{73DA44B2-CD98-4B3F-98ED-AED51D116F14}" type="datetimeFigureOut">
               <a:rPr lang="ko-KR" altLang="en-US" smtClean="0"/>
-              <a:t>2017-04-07</a:t>
+              <a:t>2017-04-08</a:t>
             </a:fld>
             <a:endParaRPr lang="ko-KR" altLang="en-US"/>
           </a:p>
@@ -782,7 +782,7 @@
           <a:p>
             <a:fld id="{73DA44B2-CD98-4B3F-98ED-AED51D116F14}" type="datetimeFigureOut">
               <a:rPr lang="ko-KR" altLang="en-US" smtClean="0"/>
-              <a:t>2017-04-07</a:t>
+              <a:t>2017-04-08</a:t>
             </a:fld>
             <a:endParaRPr lang="ko-KR" altLang="en-US"/>
           </a:p>
@@ -1028,7 +1028,7 @@
           <a:p>
             <a:fld id="{73DA44B2-CD98-4B3F-98ED-AED51D116F14}" type="datetimeFigureOut">
               <a:rPr lang="ko-KR" altLang="en-US" smtClean="0"/>
-              <a:t>2017-04-07</a:t>
+              <a:t>2017-04-08</a:t>
             </a:fld>
             <a:endParaRPr lang="ko-KR" altLang="en-US"/>
           </a:p>
@@ -1260,7 +1260,7 @@
           <a:p>
             <a:fld id="{73DA44B2-CD98-4B3F-98ED-AED51D116F14}" type="datetimeFigureOut">
               <a:rPr lang="ko-KR" altLang="en-US" smtClean="0"/>
-              <a:t>2017-04-07</a:t>
+              <a:t>2017-04-08</a:t>
             </a:fld>
             <a:endParaRPr lang="ko-KR" altLang="en-US"/>
           </a:p>
@@ -1627,7 +1627,7 @@
           <a:p>
             <a:fld id="{73DA44B2-CD98-4B3F-98ED-AED51D116F14}" type="datetimeFigureOut">
               <a:rPr lang="ko-KR" altLang="en-US" smtClean="0"/>
-              <a:t>2017-04-07</a:t>
+              <a:t>2017-04-08</a:t>
             </a:fld>
             <a:endParaRPr lang="ko-KR" altLang="en-US"/>
           </a:p>
@@ -1745,7 +1745,7 @@
           <a:p>
             <a:fld id="{73DA44B2-CD98-4B3F-98ED-AED51D116F14}" type="datetimeFigureOut">
               <a:rPr lang="ko-KR" altLang="en-US" smtClean="0"/>
-              <a:t>2017-04-07</a:t>
+              <a:t>2017-04-08</a:t>
             </a:fld>
             <a:endParaRPr lang="ko-KR" altLang="en-US"/>
           </a:p>
@@ -1840,7 +1840,7 @@
           <a:p>
             <a:fld id="{73DA44B2-CD98-4B3F-98ED-AED51D116F14}" type="datetimeFigureOut">
               <a:rPr lang="ko-KR" altLang="en-US" smtClean="0"/>
-              <a:t>2017-04-07</a:t>
+              <a:t>2017-04-08</a:t>
             </a:fld>
             <a:endParaRPr lang="ko-KR" altLang="en-US"/>
           </a:p>
@@ -2117,7 +2117,7 @@
           <a:p>
             <a:fld id="{73DA44B2-CD98-4B3F-98ED-AED51D116F14}" type="datetimeFigureOut">
               <a:rPr lang="ko-KR" altLang="en-US" smtClean="0"/>
-              <a:t>2017-04-07</a:t>
+              <a:t>2017-04-08</a:t>
             </a:fld>
             <a:endParaRPr lang="ko-KR" altLang="en-US"/>
           </a:p>
@@ -2370,7 +2370,7 @@
           <a:p>
             <a:fld id="{73DA44B2-CD98-4B3F-98ED-AED51D116F14}" type="datetimeFigureOut">
               <a:rPr lang="ko-KR" altLang="en-US" smtClean="0"/>
-              <a:t>2017-04-07</a:t>
+              <a:t>2017-04-08</a:t>
             </a:fld>
             <a:endParaRPr lang="ko-KR" altLang="en-US"/>
           </a:p>
@@ -2583,7 +2583,7 @@
           <a:p>
             <a:fld id="{73DA44B2-CD98-4B3F-98ED-AED51D116F14}" type="datetimeFigureOut">
               <a:rPr lang="ko-KR" altLang="en-US" smtClean="0"/>
-              <a:t>2017-04-07</a:t>
+              <a:t>2017-04-08</a:t>
             </a:fld>
             <a:endParaRPr lang="ko-KR" altLang="en-US"/>
           </a:p>
@@ -10525,21 +10525,21 @@
       </p:grpSpPr>
       <p:grpSp>
         <p:nvGrpSpPr>
-          <p:cNvPr id="3" name="그룹 2"/>
+          <p:cNvPr id="9" name="그룹 8"/>
           <p:cNvGrpSpPr/>
           <p:nvPr/>
         </p:nvGrpSpPr>
         <p:grpSpPr>
           <a:xfrm>
-            <a:off x="-3" y="0"/>
-            <a:ext cx="12192002" cy="6858000"/>
-            <a:chOff x="-3" y="0"/>
-            <a:chExt cx="12192002" cy="6858000"/>
+            <a:off x="-1" y="0"/>
+            <a:ext cx="12192000" cy="6858000"/>
+            <a:chOff x="-1" y="0"/>
+            <a:chExt cx="12192000" cy="6858000"/>
           </a:xfrm>
         </p:grpSpPr>
         <p:pic>
           <p:nvPicPr>
-            <p:cNvPr id="2" name="그림 1"/>
+            <p:cNvPr id="4" name="그림 3"/>
             <p:cNvPicPr>
               <a:picLocks noChangeAspect="1"/>
             </p:cNvPicPr>
@@ -10559,8 +10559,8 @@
           </p:blipFill>
           <p:spPr>
             <a:xfrm>
-              <a:off x="-3" y="0"/>
-              <a:ext cx="12192001" cy="6854574"/>
+              <a:off x="-1" y="0"/>
+              <a:ext cx="12192000" cy="6853695"/>
             </a:xfrm>
             <a:prstGeom prst="rect">
               <a:avLst/>
@@ -10671,7 +10671,7 @@
           </p:nvSpPr>
           <p:spPr>
             <a:xfrm>
-              <a:off x="424543" y="0"/>
+              <a:off x="424542" y="0"/>
               <a:ext cx="5388428" cy="3629308"/>
             </a:xfrm>
             <a:prstGeom prst="rect">
@@ -11008,15 +11008,15 @@
         </p:nvGrpSpPr>
         <p:grpSpPr>
           <a:xfrm>
-            <a:off x="-3" y="0"/>
-            <a:ext cx="12192002" cy="6858000"/>
-            <a:chOff x="-3" y="0"/>
-            <a:chExt cx="12192002" cy="6858000"/>
+            <a:off x="-1" y="0"/>
+            <a:ext cx="12191999" cy="6860154"/>
+            <a:chOff x="-1" y="0"/>
+            <a:chExt cx="12191999" cy="6860154"/>
           </a:xfrm>
         </p:grpSpPr>
         <p:pic>
           <p:nvPicPr>
-            <p:cNvPr id="2" name="그림 1"/>
+            <p:cNvPr id="4" name="그림 3"/>
             <p:cNvPicPr>
               <a:picLocks noChangeAspect="1"/>
             </p:cNvPicPr>
@@ -11036,8 +11036,8 @@
           </p:blipFill>
           <p:spPr>
             <a:xfrm>
-              <a:off x="-3" y="0"/>
-              <a:ext cx="12192001" cy="6854574"/>
+              <a:off x="-1" y="0"/>
+              <a:ext cx="12191999" cy="6860154"/>
             </a:xfrm>
             <a:prstGeom prst="rect">
               <a:avLst/>
@@ -11052,8 +11052,8 @@
           </p:nvSpPr>
           <p:spPr>
             <a:xfrm>
-              <a:off x="-2" y="0"/>
-              <a:ext cx="8605157" cy="6858000"/>
+              <a:off x="-1" y="0"/>
+              <a:ext cx="8099933" cy="6858000"/>
             </a:xfrm>
             <a:prstGeom prst="rect">
               <a:avLst/>
@@ -11100,8 +11100,8 @@
           </p:nvSpPr>
           <p:spPr>
             <a:xfrm>
-              <a:off x="10776857" y="0"/>
-              <a:ext cx="1415142" cy="6858000"/>
+              <a:off x="11255187" y="0"/>
+              <a:ext cx="936811" cy="6858000"/>
             </a:xfrm>
             <a:prstGeom prst="rect">
               <a:avLst/>
@@ -11148,8 +11148,8 @@
           </p:nvSpPr>
           <p:spPr>
             <a:xfrm>
-              <a:off x="8605157" y="0"/>
-              <a:ext cx="2171698" cy="3282043"/>
+              <a:off x="8099930" y="1"/>
+              <a:ext cx="3155257" cy="2662518"/>
             </a:xfrm>
             <a:prstGeom prst="rect">
               <a:avLst/>
@@ -11196,7 +11196,7 @@
           </p:nvGrpSpPr>
           <p:grpSpPr>
             <a:xfrm>
-              <a:off x="3418112" y="4013028"/>
+              <a:off x="2743070" y="4066816"/>
               <a:ext cx="4991102" cy="2371442"/>
               <a:chOff x="6937828" y="3444988"/>
               <a:chExt cx="4991102" cy="2371442"/>
@@ -11384,6 +11384,106 @@
             </p:txBody>
           </p:sp>
         </p:grpSp>
+        <p:sp>
+          <p:nvSpPr>
+            <p:cNvPr id="2" name="이등변 삼각형 1"/>
+            <p:cNvSpPr/>
+            <p:nvPr/>
+          </p:nvSpPr>
+          <p:spPr>
+            <a:xfrm rot="10800000">
+              <a:off x="8099931" y="2662517"/>
+              <a:ext cx="1523039" cy="4195481"/>
+            </a:xfrm>
+            <a:prstGeom prst="triangle">
+              <a:avLst>
+                <a:gd name="adj" fmla="val 100000"/>
+              </a:avLst>
+            </a:prstGeom>
+            <a:solidFill>
+              <a:schemeClr val="tx1">
+                <a:alpha val="70000"/>
+              </a:schemeClr>
+            </a:solidFill>
+            <a:ln>
+              <a:noFill/>
+            </a:ln>
+          </p:spPr>
+          <p:style>
+            <a:lnRef idx="2">
+              <a:schemeClr val="accent1">
+                <a:shade val="50000"/>
+              </a:schemeClr>
+            </a:lnRef>
+            <a:fillRef idx="1">
+              <a:schemeClr val="accent1"/>
+            </a:fillRef>
+            <a:effectRef idx="0">
+              <a:schemeClr val="accent1"/>
+            </a:effectRef>
+            <a:fontRef idx="minor">
+              <a:schemeClr val="lt1"/>
+            </a:fontRef>
+          </p:style>
+          <p:txBody>
+            <a:bodyPr rtlCol="0" anchor="ctr"/>
+            <a:lstStyle/>
+            <a:p>
+              <a:pPr algn="ctr"/>
+              <a:endParaRPr lang="ko-KR" altLang="en-US"/>
+            </a:p>
+          </p:txBody>
+        </p:sp>
+        <p:sp>
+          <p:nvSpPr>
+            <p:cNvPr id="13" name="이등변 삼각형 12"/>
+            <p:cNvSpPr/>
+            <p:nvPr/>
+          </p:nvSpPr>
+          <p:spPr>
+            <a:xfrm>
+              <a:off x="10392229" y="2662519"/>
+              <a:ext cx="862959" cy="4195481"/>
+            </a:xfrm>
+            <a:prstGeom prst="triangle">
+              <a:avLst>
+                <a:gd name="adj" fmla="val 100000"/>
+              </a:avLst>
+            </a:prstGeom>
+            <a:solidFill>
+              <a:schemeClr val="tx1">
+                <a:alpha val="70000"/>
+              </a:schemeClr>
+            </a:solidFill>
+            <a:ln>
+              <a:noFill/>
+            </a:ln>
+          </p:spPr>
+          <p:style>
+            <a:lnRef idx="2">
+              <a:schemeClr val="accent1">
+                <a:shade val="50000"/>
+              </a:schemeClr>
+            </a:lnRef>
+            <a:fillRef idx="1">
+              <a:schemeClr val="accent1"/>
+            </a:fillRef>
+            <a:effectRef idx="0">
+              <a:schemeClr val="accent1"/>
+            </a:effectRef>
+            <a:fontRef idx="minor">
+              <a:schemeClr val="lt1"/>
+            </a:fontRef>
+          </p:style>
+          <p:txBody>
+            <a:bodyPr rtlCol="0" anchor="ctr"/>
+            <a:lstStyle/>
+            <a:p>
+              <a:pPr algn="ctr"/>
+              <a:endParaRPr lang="ko-KR" altLang="en-US"/>
+            </a:p>
+          </p:txBody>
+        </p:sp>
       </p:grpSp>
     </p:spTree>
     <p:extLst>

--- a/UI Design.pptx
+++ b/UI Design.pptx
@@ -7578,21 +7578,21 @@
       </p:grpSpPr>
       <p:grpSp>
         <p:nvGrpSpPr>
-          <p:cNvPr id="2" name="그룹 1"/>
+          <p:cNvPr id="27" name="그룹 26"/>
           <p:cNvGrpSpPr/>
           <p:nvPr/>
         </p:nvGrpSpPr>
         <p:grpSpPr>
           <a:xfrm>
-            <a:off x="1189218" y="-30413"/>
-            <a:ext cx="9880910" cy="6173111"/>
-            <a:chOff x="1189218" y="-30413"/>
-            <a:chExt cx="9880910" cy="6173111"/>
+            <a:off x="941397" y="-30413"/>
+            <a:ext cx="10128731" cy="6173111"/>
+            <a:chOff x="941397" y="-30413"/>
+            <a:chExt cx="10128731" cy="6173111"/>
           </a:xfrm>
         </p:grpSpPr>
         <p:pic>
           <p:nvPicPr>
-            <p:cNvPr id="23" name="그림 22"/>
+            <p:cNvPr id="3" name="그림 2"/>
             <p:cNvPicPr>
               <a:picLocks noChangeAspect="1"/>
             </p:cNvPicPr>
@@ -7606,13 +7606,13 @@
                 </a:ext>
               </a:extLst>
             </a:blip>
-            <a:srcRect l="13330" t="14067" r="20339" b="36003"/>
+            <a:srcRect l="7320" r="9265" b="33888"/>
             <a:stretch/>
           </p:blipFill>
           <p:spPr>
-            <a:xfrm rot="184032">
-              <a:off x="8189203" y="2980291"/>
-              <a:ext cx="1874872" cy="1764093"/>
+            <a:xfrm rot="180000">
+              <a:off x="8211190" y="2256290"/>
+              <a:ext cx="2457908" cy="2435087"/>
             </a:xfrm>
             <a:prstGeom prst="rect">
               <a:avLst/>
@@ -7621,7 +7621,7 @@
         </p:pic>
         <p:pic>
           <p:nvPicPr>
-            <p:cNvPr id="22" name="그림 21"/>
+            <p:cNvPr id="26" name="그림 25"/>
             <p:cNvPicPr>
               <a:picLocks noChangeAspect="1"/>
             </p:cNvPicPr>
@@ -7640,9 +7640,9 @@
             </a:stretch>
           </p:blipFill>
           <p:spPr>
-            <a:xfrm rot="20734161">
-              <a:off x="1189218" y="2820445"/>
-              <a:ext cx="2344864" cy="2931079"/>
+            <a:xfrm>
+              <a:off x="6499258" y="2021945"/>
+              <a:ext cx="2810111" cy="3512638"/>
             </a:xfrm>
             <a:prstGeom prst="rect">
               <a:avLst/>
@@ -7651,13 +7651,13 @@
         </p:pic>
         <p:pic>
           <p:nvPicPr>
-            <p:cNvPr id="21" name="그림 20"/>
+            <p:cNvPr id="5" name="그림 4"/>
             <p:cNvPicPr>
               <a:picLocks noChangeAspect="1"/>
             </p:cNvPicPr>
             <p:nvPr/>
           </p:nvPicPr>
-          <p:blipFill rotWithShape="1">
+          <p:blipFill>
             <a:blip r:embed="rId4">
               <a:extLst>
                 <a:ext uri="{28A0092B-C50C-407E-A947-70E740481C1C}">
@@ -7665,13 +7665,14 @@
                 </a:ext>
               </a:extLst>
             </a:blip>
-            <a:srcRect l="12586" t="13756" r="20715" b="26377"/>
-            <a:stretch/>
+            <a:stretch>
+              <a:fillRect/>
+            </a:stretch>
           </p:blipFill>
           <p:spPr>
-            <a:xfrm rot="980653">
-              <a:off x="6691061" y="2278723"/>
-              <a:ext cx="1948941" cy="2186682"/>
+            <a:xfrm rot="20760000">
+              <a:off x="941397" y="2661695"/>
+              <a:ext cx="2573954" cy="3217441"/>
             </a:xfrm>
             <a:prstGeom prst="rect">
               <a:avLst/>

--- a/UI Design.pptx
+++ b/UI Design.pptx
@@ -7578,21 +7578,21 @@
       </p:grpSpPr>
       <p:grpSp>
         <p:nvGrpSpPr>
-          <p:cNvPr id="27" name="그룹 26"/>
+          <p:cNvPr id="2" name="그룹 1"/>
           <p:cNvGrpSpPr/>
           <p:nvPr/>
         </p:nvGrpSpPr>
         <p:grpSpPr>
           <a:xfrm>
-            <a:off x="941397" y="-30413"/>
-            <a:ext cx="10128731" cy="6173111"/>
-            <a:chOff x="941397" y="-30413"/>
-            <a:chExt cx="10128731" cy="6173111"/>
+            <a:off x="1189218" y="-30413"/>
+            <a:ext cx="9880910" cy="6173111"/>
+            <a:chOff x="1189218" y="-30413"/>
+            <a:chExt cx="9880910" cy="6173111"/>
           </a:xfrm>
         </p:grpSpPr>
         <p:pic>
           <p:nvPicPr>
-            <p:cNvPr id="3" name="그림 2"/>
+            <p:cNvPr id="23" name="그림 22"/>
             <p:cNvPicPr>
               <a:picLocks noChangeAspect="1"/>
             </p:cNvPicPr>
@@ -7606,13 +7606,13 @@
                 </a:ext>
               </a:extLst>
             </a:blip>
-            <a:srcRect l="7320" r="9265" b="33888"/>
+            <a:srcRect l="13330" t="14067" r="20339" b="36003"/>
             <a:stretch/>
           </p:blipFill>
           <p:spPr>
-            <a:xfrm rot="180000">
-              <a:off x="8211190" y="2256290"/>
-              <a:ext cx="2457908" cy="2435087"/>
+            <a:xfrm rot="184032">
+              <a:off x="8189203" y="2980291"/>
+              <a:ext cx="1874872" cy="1764093"/>
             </a:xfrm>
             <a:prstGeom prst="rect">
               <a:avLst/>
@@ -7621,7 +7621,7 @@
         </p:pic>
         <p:pic>
           <p:nvPicPr>
-            <p:cNvPr id="26" name="그림 25"/>
+            <p:cNvPr id="22" name="그림 21"/>
             <p:cNvPicPr>
               <a:picLocks noChangeAspect="1"/>
             </p:cNvPicPr>
@@ -7640,9 +7640,9 @@
             </a:stretch>
           </p:blipFill>
           <p:spPr>
-            <a:xfrm>
-              <a:off x="6499258" y="2021945"/>
-              <a:ext cx="2810111" cy="3512638"/>
+            <a:xfrm rot="20734161">
+              <a:off x="1189218" y="2820445"/>
+              <a:ext cx="2344864" cy="2931079"/>
             </a:xfrm>
             <a:prstGeom prst="rect">
               <a:avLst/>
@@ -7651,13 +7651,13 @@
         </p:pic>
         <p:pic>
           <p:nvPicPr>
-            <p:cNvPr id="5" name="그림 4"/>
+            <p:cNvPr id="21" name="그림 20"/>
             <p:cNvPicPr>
               <a:picLocks noChangeAspect="1"/>
             </p:cNvPicPr>
             <p:nvPr/>
           </p:nvPicPr>
-          <p:blipFill>
+          <p:blipFill rotWithShape="1">
             <a:blip r:embed="rId4">
               <a:extLst>
                 <a:ext uri="{28A0092B-C50C-407E-A947-70E740481C1C}">
@@ -7665,14 +7665,13 @@
                 </a:ext>
               </a:extLst>
             </a:blip>
-            <a:stretch>
-              <a:fillRect/>
-            </a:stretch>
+            <a:srcRect l="12586" t="13756" r="20715" b="26377"/>
+            <a:stretch/>
           </p:blipFill>
           <p:spPr>
-            <a:xfrm rot="20760000">
-              <a:off x="941397" y="2661695"/>
-              <a:ext cx="2573954" cy="3217441"/>
+            <a:xfrm rot="980653">
+              <a:off x="6691061" y="2278723"/>
+              <a:ext cx="1948941" cy="2186682"/>
             </a:xfrm>
             <a:prstGeom prst="rect">
               <a:avLst/>

--- a/UI Design.pptx
+++ b/UI Design.pptx
@@ -7578,21 +7578,21 @@
       </p:grpSpPr>
       <p:grpSp>
         <p:nvGrpSpPr>
-          <p:cNvPr id="2" name="그룹 1"/>
+          <p:cNvPr id="25" name="그룹 24"/>
           <p:cNvGrpSpPr/>
           <p:nvPr/>
         </p:nvGrpSpPr>
         <p:grpSpPr>
           <a:xfrm>
-            <a:off x="1189218" y="-30413"/>
-            <a:ext cx="9880910" cy="6173111"/>
-            <a:chOff x="1189218" y="-30413"/>
-            <a:chExt cx="9880910" cy="6173111"/>
+            <a:off x="1213560" y="577678"/>
+            <a:ext cx="9856568" cy="5565020"/>
+            <a:chOff x="1213560" y="577678"/>
+            <a:chExt cx="9856568" cy="5565020"/>
           </a:xfrm>
         </p:grpSpPr>
         <p:pic>
           <p:nvPicPr>
-            <p:cNvPr id="23" name="그림 22"/>
+            <p:cNvPr id="24" name="그림 23"/>
             <p:cNvPicPr>
               <a:picLocks noChangeAspect="1"/>
             </p:cNvPicPr>
@@ -7606,13 +7606,13 @@
                 </a:ext>
               </a:extLst>
             </a:blip>
-            <a:srcRect l="13330" t="14067" r="20339" b="36003"/>
+            <a:srcRect l="7547" t="13717" r="12843" b="26245"/>
             <a:stretch/>
           </p:blipFill>
           <p:spPr>
-            <a:xfrm rot="184032">
-              <a:off x="8189203" y="2980291"/>
-              <a:ext cx="1874872" cy="1764093"/>
+            <a:xfrm rot="360000">
+              <a:off x="8357109" y="2579928"/>
+              <a:ext cx="2304925" cy="2172802"/>
             </a:xfrm>
             <a:prstGeom prst="rect">
               <a:avLst/>
@@ -7621,13 +7621,13 @@
         </p:pic>
         <p:pic>
           <p:nvPicPr>
-            <p:cNvPr id="22" name="그림 21"/>
+            <p:cNvPr id="5" name="그림 4"/>
             <p:cNvPicPr>
               <a:picLocks noChangeAspect="1"/>
             </p:cNvPicPr>
             <p:nvPr/>
           </p:nvPicPr>
-          <p:blipFill>
+          <p:blipFill rotWithShape="1">
             <a:blip r:embed="rId3">
               <a:extLst>
                 <a:ext uri="{28A0092B-C50C-407E-A947-70E740481C1C}">
@@ -7635,14 +7635,13 @@
                 </a:ext>
               </a:extLst>
             </a:blip>
-            <a:stretch>
-              <a:fillRect/>
-            </a:stretch>
+            <a:srcRect r="14454" b="27113"/>
+            <a:stretch/>
           </p:blipFill>
           <p:spPr>
-            <a:xfrm rot="20734161">
-              <a:off x="1189218" y="2820445"/>
-              <a:ext cx="2344864" cy="2931079"/>
+            <a:xfrm rot="960000">
+              <a:off x="6562928" y="1977205"/>
+              <a:ext cx="2227718" cy="2372557"/>
             </a:xfrm>
             <a:prstGeom prst="rect">
               <a:avLst/>
@@ -7651,7 +7650,7 @@
         </p:pic>
         <p:pic>
           <p:nvPicPr>
-            <p:cNvPr id="21" name="그림 20"/>
+            <p:cNvPr id="3" name="그림 2"/>
             <p:cNvPicPr>
               <a:picLocks noChangeAspect="1"/>
             </p:cNvPicPr>
@@ -7665,13 +7664,13 @@
                 </a:ext>
               </a:extLst>
             </a:blip>
-            <a:srcRect l="12586" t="13756" r="20715" b="26377"/>
+            <a:srcRect l="11605" t="13947" b="8028"/>
             <a:stretch/>
           </p:blipFill>
           <p:spPr>
-            <a:xfrm rot="980653">
-              <a:off x="6691061" y="2278723"/>
-              <a:ext cx="1948941" cy="2186682"/>
+            <a:xfrm rot="20760000">
+              <a:off x="1213560" y="3047279"/>
+              <a:ext cx="2236576" cy="2467684"/>
             </a:xfrm>
             <a:prstGeom prst="rect">
               <a:avLst/>
@@ -7694,13 +7693,13 @@
                 </a:ext>
               </a:extLst>
             </a:blip>
-            <a:srcRect b="40072"/>
+            <a:srcRect l="13303" t="13547" r="8415" b="40071"/>
             <a:stretch/>
           </p:blipFill>
           <p:spPr>
             <a:xfrm rot="21373785">
-              <a:off x="3193975" y="-30413"/>
-              <a:ext cx="3629628" cy="2718954"/>
+              <a:off x="3696852" y="577678"/>
+              <a:ext cx="2841341" cy="2104363"/>
             </a:xfrm>
             <a:prstGeom prst="rect">
               <a:avLst/>
